--- a/input/images-source/LabCompendium.pptx
+++ b/input/images-source/LabCompendium.pptx
@@ -197,7 +197,7 @@
           <a:p>
             <a:fld id="{C0FC2EA5-DDD9-41B5-A743-573E81829967}" type="datetimeFigureOut">
               <a:rPr lang="fr-FR" smtClean="0"/>
-              <a:t>15/01/2020</a:t>
+              <a:t>28/01/2020</a:t>
             </a:fld>
             <a:endParaRPr lang="fr-FR"/>
           </a:p>
@@ -695,7 +695,7 @@
           <a:p>
             <a:fld id="{DEBA1CB3-45B4-4365-8A01-D60AF6EBF46C}" type="datetimeFigureOut">
               <a:rPr lang="fr-FR" smtClean="0"/>
-              <a:t>15/01/2020</a:t>
+              <a:t>28/01/2020</a:t>
             </a:fld>
             <a:endParaRPr lang="fr-FR"/>
           </a:p>
@@ -893,7 +893,7 @@
           <a:p>
             <a:fld id="{DEBA1CB3-45B4-4365-8A01-D60AF6EBF46C}" type="datetimeFigureOut">
               <a:rPr lang="fr-FR" smtClean="0"/>
-              <a:t>15/01/2020</a:t>
+              <a:t>28/01/2020</a:t>
             </a:fld>
             <a:endParaRPr lang="fr-FR"/>
           </a:p>
@@ -1101,7 +1101,7 @@
           <a:p>
             <a:fld id="{DEBA1CB3-45B4-4365-8A01-D60AF6EBF46C}" type="datetimeFigureOut">
               <a:rPr lang="fr-FR" smtClean="0"/>
-              <a:t>15/01/2020</a:t>
+              <a:t>28/01/2020</a:t>
             </a:fld>
             <a:endParaRPr lang="fr-FR"/>
           </a:p>
@@ -1299,7 +1299,7 @@
           <a:p>
             <a:fld id="{DEBA1CB3-45B4-4365-8A01-D60AF6EBF46C}" type="datetimeFigureOut">
               <a:rPr lang="fr-FR" smtClean="0"/>
-              <a:t>15/01/2020</a:t>
+              <a:t>28/01/2020</a:t>
             </a:fld>
             <a:endParaRPr lang="fr-FR"/>
           </a:p>
@@ -1574,7 +1574,7 @@
           <a:p>
             <a:fld id="{DEBA1CB3-45B4-4365-8A01-D60AF6EBF46C}" type="datetimeFigureOut">
               <a:rPr lang="fr-FR" smtClean="0"/>
-              <a:t>15/01/2020</a:t>
+              <a:t>28/01/2020</a:t>
             </a:fld>
             <a:endParaRPr lang="fr-FR"/>
           </a:p>
@@ -1839,7 +1839,7 @@
           <a:p>
             <a:fld id="{DEBA1CB3-45B4-4365-8A01-D60AF6EBF46C}" type="datetimeFigureOut">
               <a:rPr lang="fr-FR" smtClean="0"/>
-              <a:t>15/01/2020</a:t>
+              <a:t>28/01/2020</a:t>
             </a:fld>
             <a:endParaRPr lang="fr-FR"/>
           </a:p>
@@ -2251,7 +2251,7 @@
           <a:p>
             <a:fld id="{DEBA1CB3-45B4-4365-8A01-D60AF6EBF46C}" type="datetimeFigureOut">
               <a:rPr lang="fr-FR" smtClean="0"/>
-              <a:t>15/01/2020</a:t>
+              <a:t>28/01/2020</a:t>
             </a:fld>
             <a:endParaRPr lang="fr-FR"/>
           </a:p>
@@ -2392,7 +2392,7 @@
           <a:p>
             <a:fld id="{DEBA1CB3-45B4-4365-8A01-D60AF6EBF46C}" type="datetimeFigureOut">
               <a:rPr lang="fr-FR" smtClean="0"/>
-              <a:t>15/01/2020</a:t>
+              <a:t>28/01/2020</a:t>
             </a:fld>
             <a:endParaRPr lang="fr-FR"/>
           </a:p>
@@ -2505,7 +2505,7 @@
           <a:p>
             <a:fld id="{DEBA1CB3-45B4-4365-8A01-D60AF6EBF46C}" type="datetimeFigureOut">
               <a:rPr lang="fr-FR" smtClean="0"/>
-              <a:t>15/01/2020</a:t>
+              <a:t>28/01/2020</a:t>
             </a:fld>
             <a:endParaRPr lang="fr-FR"/>
           </a:p>
@@ -2816,7 +2816,7 @@
           <a:p>
             <a:fld id="{DEBA1CB3-45B4-4365-8A01-D60AF6EBF46C}" type="datetimeFigureOut">
               <a:rPr lang="fr-FR" smtClean="0"/>
-              <a:t>15/01/2020</a:t>
+              <a:t>28/01/2020</a:t>
             </a:fld>
             <a:endParaRPr lang="fr-FR"/>
           </a:p>
@@ -3104,7 +3104,7 @@
           <a:p>
             <a:fld id="{DEBA1CB3-45B4-4365-8A01-D60AF6EBF46C}" type="datetimeFigureOut">
               <a:rPr lang="fr-FR" smtClean="0"/>
-              <a:t>15/01/2020</a:t>
+              <a:t>28/01/2020</a:t>
             </a:fld>
             <a:endParaRPr lang="fr-FR"/>
           </a:p>
@@ -3345,7 +3345,7 @@
           <a:p>
             <a:fld id="{DEBA1CB3-45B4-4365-8A01-D60AF6EBF46C}" type="datetimeFigureOut">
               <a:rPr lang="fr-FR" smtClean="0"/>
-              <a:t>15/01/2020</a:t>
+              <a:t>28/01/2020</a:t>
             </a:fld>
             <a:endParaRPr lang="fr-FR"/>
           </a:p>
@@ -4318,8 +4318,8 @@
         </p:nvSpPr>
         <p:spPr>
           <a:xfrm>
-            <a:off x="4414664" y="5056396"/>
-            <a:ext cx="2790444" cy="905856"/>
+            <a:off x="4414664" y="5056395"/>
+            <a:ext cx="3479034" cy="1090457"/>
           </a:xfrm>
           <a:prstGeom prst="rect">
             <a:avLst/>
@@ -4387,6 +4387,25 @@
                   <a:srgbClr val="FFFF00"/>
                 </a:solidFill>
               </a:rPr>
+              <a:t>InputObservationDefinition</a:t>
+            </a:r>
+          </a:p>
+          <a:p>
+            <a:pPr algn="ctr"/>
+            <a:r>
+              <a:rPr lang="en-US" sz="2000" noProof="1">
+                <a:solidFill>
+                  <a:schemeClr val="bg1"/>
+                </a:solidFill>
+              </a:rPr>
+              <a:t>Profile of </a:t>
+            </a:r>
+            <a:r>
+              <a:rPr lang="en-US" sz="2200" noProof="1">
+                <a:solidFill>
+                  <a:srgbClr val="FFFF00"/>
+                </a:solidFill>
+              </a:rPr>
               <a:t>ObservationDefinition</a:t>
             </a:r>
           </a:p>
@@ -4406,8 +4425,8 @@
         </p:nvSpPr>
         <p:spPr>
           <a:xfrm>
-            <a:off x="9214300" y="5056396"/>
-            <a:ext cx="2790444" cy="905856"/>
+            <a:off x="8954873" y="5056395"/>
+            <a:ext cx="3111179" cy="1090457"/>
           </a:xfrm>
           <a:prstGeom prst="rect">
             <a:avLst/>
@@ -4475,6 +4494,25 @@
                   <a:srgbClr val="FFFF00"/>
                 </a:solidFill>
               </a:rPr>
+              <a:t>LabObservationDefinition</a:t>
+            </a:r>
+          </a:p>
+          <a:p>
+            <a:pPr algn="ctr"/>
+            <a:r>
+              <a:rPr lang="en-US" sz="2000" noProof="1">
+                <a:solidFill>
+                  <a:schemeClr val="bg1"/>
+                </a:solidFill>
+              </a:rPr>
+              <a:t>Profile of </a:t>
+            </a:r>
+            <a:r>
+              <a:rPr lang="en-US" sz="2200" noProof="1">
+                <a:solidFill>
+                  <a:srgbClr val="FFFF00"/>
+                </a:solidFill>
+              </a:rPr>
               <a:t>ObservationDefinition</a:t>
             </a:r>
           </a:p>
@@ -4494,8 +4532,8 @@
         </p:nvSpPr>
         <p:spPr>
           <a:xfrm>
-            <a:off x="223932" y="5056396"/>
-            <a:ext cx="2790444" cy="905856"/>
+            <a:off x="223932" y="5012936"/>
+            <a:ext cx="2887484" cy="1142774"/>
           </a:xfrm>
           <a:prstGeom prst="rect">
             <a:avLst/>
@@ -4563,6 +4601,25 @@
                   <a:srgbClr val="FFFF00"/>
                 </a:solidFill>
               </a:rPr>
+              <a:t>LabSpecimenDefinition</a:t>
+            </a:r>
+          </a:p>
+          <a:p>
+            <a:pPr algn="ctr"/>
+            <a:r>
+              <a:rPr lang="en-US" sz="2000" noProof="1">
+                <a:solidFill>
+                  <a:schemeClr val="bg1"/>
+                </a:solidFill>
+              </a:rPr>
+              <a:t>Profile of </a:t>
+            </a:r>
+            <a:r>
+              <a:rPr lang="en-US" sz="2200" noProof="1">
+                <a:solidFill>
+                  <a:srgbClr val="FFFF00"/>
+                </a:solidFill>
+              </a:rPr>
               <a:t>SpecimenDefinition</a:t>
             </a:r>
           </a:p>
@@ -4586,8 +4643,8 @@
         </p:nvCxnSpPr>
         <p:spPr>
           <a:xfrm rot="10800000" flipV="1">
-            <a:off x="1619154" y="3695244"/>
-            <a:ext cx="4383540" cy="1361152"/>
+            <a:off x="1667674" y="3695244"/>
+            <a:ext cx="4335020" cy="1317692"/>
           </a:xfrm>
           <a:prstGeom prst="bentConnector2">
             <a:avLst/>
@@ -4630,8 +4687,8 @@
         </p:nvCxnSpPr>
         <p:spPr>
           <a:xfrm rot="5400000">
-            <a:off x="6239564" y="3835837"/>
-            <a:ext cx="790881" cy="1650236"/>
+            <a:off x="6411712" y="4007985"/>
+            <a:ext cx="790880" cy="1305941"/>
           </a:xfrm>
           <a:prstGeom prst="bentConnector3">
             <a:avLst>
@@ -4677,7 +4734,7 @@
         <p:spPr>
           <a:xfrm>
             <a:off x="8917549" y="3695244"/>
-            <a:ext cx="1691973" cy="1361152"/>
+            <a:ext cx="1592914" cy="1361151"/>
           </a:xfrm>
           <a:prstGeom prst="bentConnector2">
             <a:avLst/>
@@ -4856,7 +4913,7 @@
         </p:nvSpPr>
         <p:spPr>
           <a:xfrm>
-            <a:off x="10099109" y="4640582"/>
+            <a:off x="10507640" y="4643604"/>
             <a:ext cx="607145" cy="369332"/>
           </a:xfrm>
           <a:prstGeom prst="rect">
@@ -5066,7 +5123,7 @@
         </p:nvSpPr>
         <p:spPr>
           <a:xfrm>
-            <a:off x="101048" y="6021442"/>
+            <a:off x="250336" y="6152076"/>
             <a:ext cx="2268722" cy="646331"/>
           </a:xfrm>
           <a:prstGeom prst="rect">
@@ -5115,7 +5172,7 @@
         </p:nvSpPr>
         <p:spPr>
           <a:xfrm>
-            <a:off x="4274957" y="6016370"/>
+            <a:off x="4489562" y="6147004"/>
             <a:ext cx="2268722" cy="646331"/>
           </a:xfrm>
           <a:prstGeom prst="rect">
@@ -5164,7 +5221,7 @@
         </p:nvSpPr>
         <p:spPr>
           <a:xfrm>
-            <a:off x="9088951" y="6001734"/>
+            <a:off x="8921001" y="6141699"/>
             <a:ext cx="2346667" cy="646331"/>
           </a:xfrm>
           <a:prstGeom prst="rect">

--- a/input/images-source/LabCompendium.pptx
+++ b/input/images-source/LabCompendium.pptx
@@ -197,7 +197,7 @@
           <a:p>
             <a:fld id="{C0FC2EA5-DDD9-41B5-A743-573E81829967}" type="datetimeFigureOut">
               <a:rPr lang="fr-FR" smtClean="0"/>
-              <a:t>28/01/2020</a:t>
+              <a:t>30/01/2020</a:t>
             </a:fld>
             <a:endParaRPr lang="fr-FR"/>
           </a:p>
@@ -695,7 +695,7 @@
           <a:p>
             <a:fld id="{DEBA1CB3-45B4-4365-8A01-D60AF6EBF46C}" type="datetimeFigureOut">
               <a:rPr lang="fr-FR" smtClean="0"/>
-              <a:t>28/01/2020</a:t>
+              <a:t>30/01/2020</a:t>
             </a:fld>
             <a:endParaRPr lang="fr-FR"/>
           </a:p>
@@ -893,7 +893,7 @@
           <a:p>
             <a:fld id="{DEBA1CB3-45B4-4365-8A01-D60AF6EBF46C}" type="datetimeFigureOut">
               <a:rPr lang="fr-FR" smtClean="0"/>
-              <a:t>28/01/2020</a:t>
+              <a:t>30/01/2020</a:t>
             </a:fld>
             <a:endParaRPr lang="fr-FR"/>
           </a:p>
@@ -1101,7 +1101,7 @@
           <a:p>
             <a:fld id="{DEBA1CB3-45B4-4365-8A01-D60AF6EBF46C}" type="datetimeFigureOut">
               <a:rPr lang="fr-FR" smtClean="0"/>
-              <a:t>28/01/2020</a:t>
+              <a:t>30/01/2020</a:t>
             </a:fld>
             <a:endParaRPr lang="fr-FR"/>
           </a:p>
@@ -1299,7 +1299,7 @@
           <a:p>
             <a:fld id="{DEBA1CB3-45B4-4365-8A01-D60AF6EBF46C}" type="datetimeFigureOut">
               <a:rPr lang="fr-FR" smtClean="0"/>
-              <a:t>28/01/2020</a:t>
+              <a:t>30/01/2020</a:t>
             </a:fld>
             <a:endParaRPr lang="fr-FR"/>
           </a:p>
@@ -1574,7 +1574,7 @@
           <a:p>
             <a:fld id="{DEBA1CB3-45B4-4365-8A01-D60AF6EBF46C}" type="datetimeFigureOut">
               <a:rPr lang="fr-FR" smtClean="0"/>
-              <a:t>28/01/2020</a:t>
+              <a:t>30/01/2020</a:t>
             </a:fld>
             <a:endParaRPr lang="fr-FR"/>
           </a:p>
@@ -1839,7 +1839,7 @@
           <a:p>
             <a:fld id="{DEBA1CB3-45B4-4365-8A01-D60AF6EBF46C}" type="datetimeFigureOut">
               <a:rPr lang="fr-FR" smtClean="0"/>
-              <a:t>28/01/2020</a:t>
+              <a:t>30/01/2020</a:t>
             </a:fld>
             <a:endParaRPr lang="fr-FR"/>
           </a:p>
@@ -2251,7 +2251,7 @@
           <a:p>
             <a:fld id="{DEBA1CB3-45B4-4365-8A01-D60AF6EBF46C}" type="datetimeFigureOut">
               <a:rPr lang="fr-FR" smtClean="0"/>
-              <a:t>28/01/2020</a:t>
+              <a:t>30/01/2020</a:t>
             </a:fld>
             <a:endParaRPr lang="fr-FR"/>
           </a:p>
@@ -2392,7 +2392,7 @@
           <a:p>
             <a:fld id="{DEBA1CB3-45B4-4365-8A01-D60AF6EBF46C}" type="datetimeFigureOut">
               <a:rPr lang="fr-FR" smtClean="0"/>
-              <a:t>28/01/2020</a:t>
+              <a:t>30/01/2020</a:t>
             </a:fld>
             <a:endParaRPr lang="fr-FR"/>
           </a:p>
@@ -2505,7 +2505,7 @@
           <a:p>
             <a:fld id="{DEBA1CB3-45B4-4365-8A01-D60AF6EBF46C}" type="datetimeFigureOut">
               <a:rPr lang="fr-FR" smtClean="0"/>
-              <a:t>28/01/2020</a:t>
+              <a:t>30/01/2020</a:t>
             </a:fld>
             <a:endParaRPr lang="fr-FR"/>
           </a:p>
@@ -2816,7 +2816,7 @@
           <a:p>
             <a:fld id="{DEBA1CB3-45B4-4365-8A01-D60AF6EBF46C}" type="datetimeFigureOut">
               <a:rPr lang="fr-FR" smtClean="0"/>
-              <a:t>28/01/2020</a:t>
+              <a:t>30/01/2020</a:t>
             </a:fld>
             <a:endParaRPr lang="fr-FR"/>
           </a:p>
@@ -3104,7 +3104,7 @@
           <a:p>
             <a:fld id="{DEBA1CB3-45B4-4365-8A01-D60AF6EBF46C}" type="datetimeFigureOut">
               <a:rPr lang="fr-FR" smtClean="0"/>
-              <a:t>28/01/2020</a:t>
+              <a:t>30/01/2020</a:t>
             </a:fld>
             <a:endParaRPr lang="fr-FR"/>
           </a:p>
@@ -3345,7 +3345,7 @@
           <a:p>
             <a:fld id="{DEBA1CB3-45B4-4365-8A01-D60AF6EBF46C}" type="datetimeFigureOut">
               <a:rPr lang="fr-FR" smtClean="0"/>
-              <a:t>28/01/2020</a:t>
+              <a:t>30/01/2020</a:t>
             </a:fld>
             <a:endParaRPr lang="fr-FR"/>
           </a:p>
@@ -3764,10 +3764,10 @@
       </p:grpSpPr>
       <p:sp>
         <p:nvSpPr>
-          <p:cNvPr id="9" name="ZoneTexte 8">
-            <a:extLst>
-              <a:ext uri="{FF2B5EF4-FFF2-40B4-BE49-F238E27FC236}">
-                <a16:creationId xmlns:a16="http://schemas.microsoft.com/office/drawing/2014/main" id="{A946E9D0-D148-4527-8D03-943EAE13355B}"/>
+          <p:cNvPr id="29" name="ZoneTexte 28">
+            <a:extLst>
+              <a:ext uri="{FF2B5EF4-FFF2-40B4-BE49-F238E27FC236}">
+                <a16:creationId xmlns:a16="http://schemas.microsoft.com/office/drawing/2014/main" id="{02B1921D-9E28-446D-B5EF-B78C0DF9ECAB}"/>
               </a:ext>
             </a:extLst>
           </p:cNvPr>
@@ -3776,7 +3776,7 @@
         </p:nvSpPr>
         <p:spPr>
           <a:xfrm>
-            <a:off x="803558" y="1415666"/>
+            <a:off x="3881603" y="388733"/>
             <a:ext cx="607145" cy="369332"/>
           </a:xfrm>
           <a:prstGeom prst="rect">
@@ -3797,12 +3797,56 @@
           </a:p>
         </p:txBody>
       </p:sp>
-      <p:sp>
-        <p:nvSpPr>
-          <p:cNvPr id="11" name="Rectangle 10">
-            <a:extLst>
-              <a:ext uri="{FF2B5EF4-FFF2-40B4-BE49-F238E27FC236}">
-                <a16:creationId xmlns:a16="http://schemas.microsoft.com/office/drawing/2014/main" id="{E2B1908B-CC45-41BD-BE20-7F25C0BD8D17}"/>
+      <p:cxnSp>
+        <p:nvCxnSpPr>
+          <p:cNvPr id="30" name="Connecteur : en angle 29">
+            <a:extLst>
+              <a:ext uri="{FF2B5EF4-FFF2-40B4-BE49-F238E27FC236}">
+                <a16:creationId xmlns:a16="http://schemas.microsoft.com/office/drawing/2014/main" id="{4F48DD52-1855-41A7-AE9D-86A6A4AE7C73}"/>
+              </a:ext>
+            </a:extLst>
+          </p:cNvPr>
+          <p:cNvCxnSpPr>
+            <a:cxnSpLocks/>
+            <a:stCxn id="78" idx="0"/>
+            <a:endCxn id="31" idx="3"/>
+          </p:cNvCxnSpPr>
+          <p:nvPr/>
+        </p:nvCxnSpPr>
+        <p:spPr>
+          <a:xfrm rot="16200000" flipV="1">
+            <a:off x="4677426" y="-46917"/>
+            <a:ext cx="494171" cy="2121650"/>
+          </a:xfrm>
+          <a:prstGeom prst="bentConnector2">
+            <a:avLst/>
+          </a:prstGeom>
+          <a:ln w="28575">
+            <a:headEnd type="none" w="med" len="med"/>
+            <a:tailEnd type="arrow" w="med" len="med"/>
+          </a:ln>
+        </p:spPr>
+        <p:style>
+          <a:lnRef idx="1">
+            <a:schemeClr val="accent1"/>
+          </a:lnRef>
+          <a:fillRef idx="0">
+            <a:schemeClr val="accent1"/>
+          </a:fillRef>
+          <a:effectRef idx="0">
+            <a:schemeClr val="accent1"/>
+          </a:effectRef>
+          <a:fontRef idx="minor">
+            <a:schemeClr val="tx1"/>
+          </a:fontRef>
+        </p:style>
+      </p:cxnSp>
+      <p:sp>
+        <p:nvSpPr>
+          <p:cNvPr id="31" name="Rectangle 30">
+            <a:extLst>
+              <a:ext uri="{FF2B5EF4-FFF2-40B4-BE49-F238E27FC236}">
+                <a16:creationId xmlns:a16="http://schemas.microsoft.com/office/drawing/2014/main" id="{4ACE95F7-BAC7-4E93-90E4-F42FA67AE47E}"/>
               </a:ext>
             </a:extLst>
           </p:cNvPr>
@@ -3811,8 +3855,8 @@
         </p:nvSpPr>
         <p:spPr>
           <a:xfrm>
-            <a:off x="3033326" y="1602863"/>
-            <a:ext cx="2593911" cy="1140542"/>
+            <a:off x="1702701" y="198251"/>
+            <a:ext cx="2160985" cy="1137142"/>
           </a:xfrm>
           <a:prstGeom prst="rect">
             <a:avLst/>
@@ -3880,18 +3924,11 @@
                   <a:srgbClr val="FFFF00"/>
                 </a:solidFill>
               </a:rPr>
-              <a:t>LabServiceDefinition</a:t>
-            </a:r>
-          </a:p>
-          <a:p>
-            <a:pPr algn="ctr"/>
-            <a:r>
-              <a:rPr lang="en-US" sz="2000" noProof="1">
-                <a:solidFill>
-                  <a:schemeClr val="bg1"/>
-                </a:solidFill>
-              </a:rPr>
-              <a:t>Profile of </a:t>
+              <a:t>CatalogHeader </a:t>
+            </a:r>
+            <a:r>
+              <a:rPr lang="en-US" sz="2000" noProof="1"/>
+              <a:t>profile of </a:t>
             </a:r>
             <a:r>
               <a:rPr lang="en-US" sz="2200" noProof="1">
@@ -3899,34 +3936,71 @@
                   <a:srgbClr val="FFFF00"/>
                 </a:solidFill>
               </a:rPr>
-              <a:t>PlanDefinition</a:t>
+              <a:t>Composition</a:t>
+            </a:r>
+          </a:p>
+        </p:txBody>
+      </p:sp>
+      <p:sp>
+        <p:nvSpPr>
+          <p:cNvPr id="35" name="ZoneTexte 34">
+            <a:extLst>
+              <a:ext uri="{FF2B5EF4-FFF2-40B4-BE49-F238E27FC236}">
+                <a16:creationId xmlns:a16="http://schemas.microsoft.com/office/drawing/2014/main" id="{AFAEF7ED-ABC9-41E8-8724-A7B79584D9C4}"/>
+              </a:ext>
+            </a:extLst>
+          </p:cNvPr>
+          <p:cNvSpPr txBox="1"/>
+          <p:nvPr/>
+        </p:nvSpPr>
+        <p:spPr>
+          <a:xfrm>
+            <a:off x="4255955" y="871713"/>
+            <a:ext cx="1876007" cy="369332"/>
+          </a:xfrm>
+          <a:prstGeom prst="rect">
+            <a:avLst/>
+          </a:prstGeom>
+          <a:noFill/>
+        </p:spPr>
+        <p:txBody>
+          <a:bodyPr wrap="square" rtlCol="0">
+            <a:spAutoFit/>
+          </a:bodyPr>
+          <a:lstStyle/>
+          <a:p>
+            <a:r>
+              <a:rPr lang="en-US" noProof="1"/>
+              <a:t>catalogReference</a:t>
             </a:r>
           </a:p>
         </p:txBody>
       </p:sp>
       <p:cxnSp>
         <p:nvCxnSpPr>
-          <p:cNvPr id="14" name="Connecteur : en angle 13">
-            <a:extLst>
-              <a:ext uri="{FF2B5EF4-FFF2-40B4-BE49-F238E27FC236}">
-                <a16:creationId xmlns:a16="http://schemas.microsoft.com/office/drawing/2014/main" id="{96E14973-247A-449B-98ED-0D425A7A48C1}"/>
+          <p:cNvPr id="36" name="Connecteur : en angle 35">
+            <a:extLst>
+              <a:ext uri="{FF2B5EF4-FFF2-40B4-BE49-F238E27FC236}">
+                <a16:creationId xmlns:a16="http://schemas.microsoft.com/office/drawing/2014/main" id="{3118D877-F9A4-471E-A036-A179013941FC}"/>
               </a:ext>
             </a:extLst>
           </p:cNvPr>
           <p:cNvCxnSpPr>
             <a:cxnSpLocks/>
-            <a:stCxn id="11" idx="1"/>
-            <a:endCxn id="20" idx="2"/>
+            <a:stCxn id="78" idx="2"/>
+            <a:endCxn id="37" idx="0"/>
           </p:cNvCxnSpPr>
           <p:nvPr/>
         </p:nvCxnSpPr>
         <p:spPr>
-          <a:xfrm rot="10800000">
-            <a:off x="1296852" y="1338254"/>
-            <a:ext cx="1736474" cy="834881"/>
-          </a:xfrm>
-          <a:prstGeom prst="bentConnector2">
-            <a:avLst/>
+          <a:xfrm rot="5400000">
+            <a:off x="5637506" y="2749365"/>
+            <a:ext cx="695661" cy="1"/>
+          </a:xfrm>
+          <a:prstGeom prst="bentConnector3">
+            <a:avLst>
+              <a:gd name="adj1" fmla="val 50000"/>
+            </a:avLst>
           </a:prstGeom>
           <a:ln w="28575">
             <a:headEnd type="none" w="med" len="med"/>
@@ -3950,10 +4024,10 @@
       </p:cxnSp>
       <p:sp>
         <p:nvSpPr>
-          <p:cNvPr id="20" name="Rectangle 19">
-            <a:extLst>
-              <a:ext uri="{FF2B5EF4-FFF2-40B4-BE49-F238E27FC236}">
-                <a16:creationId xmlns:a16="http://schemas.microsoft.com/office/drawing/2014/main" id="{0EF34064-8B6F-4B06-B950-EFD89EB71C6D}"/>
+          <p:cNvPr id="37" name="Rectangle 36">
+            <a:extLst>
+              <a:ext uri="{FF2B5EF4-FFF2-40B4-BE49-F238E27FC236}">
+                <a16:creationId xmlns:a16="http://schemas.microsoft.com/office/drawing/2014/main" id="{9E452F91-FD69-4618-83FA-F751D2DA9F7D}"/>
               </a:ext>
             </a:extLst>
           </p:cNvPr>
@@ -3962,8 +4036,8 @@
         </p:nvSpPr>
         <p:spPr>
           <a:xfrm>
-            <a:off x="223933" y="201111"/>
-            <a:ext cx="2145838" cy="1137142"/>
+            <a:off x="4527907" y="3097196"/>
+            <a:ext cx="2914855" cy="1140542"/>
           </a:xfrm>
           <a:prstGeom prst="rect">
             <a:avLst/>
@@ -4031,11 +4105,18 @@
                   <a:srgbClr val="FFFF00"/>
                 </a:solidFill>
               </a:rPr>
-              <a:t>CatalogHeader </a:t>
-            </a:r>
-            <a:r>
-              <a:rPr lang="en-US" sz="2000" noProof="1"/>
-              <a:t>profile of </a:t>
+              <a:t>LabProcedureDefinition</a:t>
+            </a:r>
+          </a:p>
+          <a:p>
+            <a:pPr algn="ctr"/>
+            <a:r>
+              <a:rPr lang="en-US" sz="2000" noProof="1">
+                <a:solidFill>
+                  <a:schemeClr val="bg1"/>
+                </a:solidFill>
+              </a:rPr>
+              <a:t>Profile of </a:t>
             </a:r>
             <a:r>
               <a:rPr lang="en-US" sz="2200" noProof="1">
@@ -4043,17 +4124,17 @@
                   <a:srgbClr val="FFFF00"/>
                 </a:solidFill>
               </a:rPr>
-              <a:t>Composition</a:t>
-            </a:r>
-          </a:p>
-        </p:txBody>
-      </p:sp>
-      <p:sp>
-        <p:nvSpPr>
-          <p:cNvPr id="3" name="ZoneTexte 2">
-            <a:extLst>
-              <a:ext uri="{FF2B5EF4-FFF2-40B4-BE49-F238E27FC236}">
-                <a16:creationId xmlns:a16="http://schemas.microsoft.com/office/drawing/2014/main" id="{50DBA933-9565-444C-B7B3-F193880AE287}"/>
+              <a:t>ActivityDefinition</a:t>
+            </a:r>
+          </a:p>
+        </p:txBody>
+      </p:sp>
+      <p:sp>
+        <p:nvSpPr>
+          <p:cNvPr id="38" name="ZoneTexte 37">
+            <a:extLst>
+              <a:ext uri="{FF2B5EF4-FFF2-40B4-BE49-F238E27FC236}">
+                <a16:creationId xmlns:a16="http://schemas.microsoft.com/office/drawing/2014/main" id="{DB5BFD68-A33A-4D53-9879-3C918FFCD6D6}"/>
               </a:ext>
             </a:extLst>
           </p:cNvPr>
@@ -4062,8 +4143,8 @@
         </p:nvSpPr>
         <p:spPr>
           <a:xfrm>
-            <a:off x="1235409" y="2133730"/>
-            <a:ext cx="1876007" cy="369332"/>
+            <a:off x="5516244" y="2681928"/>
+            <a:ext cx="607145" cy="369332"/>
           </a:xfrm>
           <a:prstGeom prst="rect">
             <a:avLst/>
@@ -4078,61 +4159,52 @@
           <a:p>
             <a:r>
               <a:rPr lang="en-US" noProof="1"/>
-              <a:t>catalogReference</a:t>
-            </a:r>
-          </a:p>
-        </p:txBody>
-      </p:sp>
-      <p:cxnSp>
-        <p:nvCxnSpPr>
-          <p:cNvPr id="43" name="Connecteur : en angle 42">
-            <a:extLst>
-              <a:ext uri="{FF2B5EF4-FFF2-40B4-BE49-F238E27FC236}">
-                <a16:creationId xmlns:a16="http://schemas.microsoft.com/office/drawing/2014/main" id="{C9A4C617-23DA-4B5A-A95B-EFA518F82E4B}"/>
-              </a:ext>
-            </a:extLst>
-          </p:cNvPr>
-          <p:cNvCxnSpPr>
-            <a:cxnSpLocks/>
-            <a:stCxn id="11" idx="3"/>
-            <a:endCxn id="46" idx="0"/>
-          </p:cNvCxnSpPr>
+              <a:t>1..*</a:t>
+            </a:r>
+          </a:p>
+        </p:txBody>
+      </p:sp>
+      <p:sp>
+        <p:nvSpPr>
+          <p:cNvPr id="39" name="ZoneTexte 38">
+            <a:extLst>
+              <a:ext uri="{FF2B5EF4-FFF2-40B4-BE49-F238E27FC236}">
+                <a16:creationId xmlns:a16="http://schemas.microsoft.com/office/drawing/2014/main" id="{0DA17605-804E-43E6-9632-A05D129F78B9}"/>
+              </a:ext>
+            </a:extLst>
+          </p:cNvPr>
+          <p:cNvSpPr txBox="1"/>
           <p:nvPr/>
-        </p:nvCxnSpPr>
+        </p:nvSpPr>
         <p:spPr>
           <a:xfrm>
-            <a:off x="5627237" y="2173134"/>
-            <a:ext cx="1832885" cy="951839"/>
-          </a:xfrm>
-          <a:prstGeom prst="bentConnector2">
+            <a:off x="3690028" y="2383819"/>
+            <a:ext cx="2593912" cy="369332"/>
+          </a:xfrm>
+          <a:prstGeom prst="rect">
             <a:avLst/>
           </a:prstGeom>
-          <a:ln w="28575">
-            <a:headEnd type="none" w="med" len="med"/>
-            <a:tailEnd type="arrow" w="med" len="med"/>
-          </a:ln>
-        </p:spPr>
-        <p:style>
-          <a:lnRef idx="1">
-            <a:schemeClr val="accent1"/>
-          </a:lnRef>
-          <a:fillRef idx="0">
-            <a:schemeClr val="accent1"/>
-          </a:fillRef>
-          <a:effectRef idx="0">
-            <a:schemeClr val="accent1"/>
-          </a:effectRef>
-          <a:fontRef idx="minor">
-            <a:schemeClr val="tx1"/>
-          </a:fontRef>
-        </p:style>
-      </p:cxnSp>
-      <p:sp>
-        <p:nvSpPr>
-          <p:cNvPr id="46" name="Rectangle 45">
-            <a:extLst>
-              <a:ext uri="{FF2B5EF4-FFF2-40B4-BE49-F238E27FC236}">
-                <a16:creationId xmlns:a16="http://schemas.microsoft.com/office/drawing/2014/main" id="{6324F97B-D06D-400B-82DF-1A3970FD058D}"/>
+          <a:noFill/>
+        </p:spPr>
+        <p:txBody>
+          <a:bodyPr wrap="square" rtlCol="0">
+            <a:spAutoFit/>
+          </a:bodyPr>
+          <a:lstStyle/>
+          <a:p>
+            <a:r>
+              <a:rPr lang="en-US" noProof="1"/>
+              <a:t>action.(…).definition[x]</a:t>
+            </a:r>
+          </a:p>
+        </p:txBody>
+      </p:sp>
+      <p:sp>
+        <p:nvSpPr>
+          <p:cNvPr id="40" name="Rectangle 39">
+            <a:extLst>
+              <a:ext uri="{FF2B5EF4-FFF2-40B4-BE49-F238E27FC236}">
+                <a16:creationId xmlns:a16="http://schemas.microsoft.com/office/drawing/2014/main" id="{6703BAA4-B49B-4A4E-85A5-F39E2CB2F90B}"/>
               </a:ext>
             </a:extLst>
           </p:cNvPr>
@@ -4141,8 +4213,8 @@
         </p:nvSpPr>
         <p:spPr>
           <a:xfrm>
-            <a:off x="6002694" y="3124973"/>
-            <a:ext cx="2914855" cy="1140542"/>
+            <a:off x="4247572" y="4878514"/>
+            <a:ext cx="3479034" cy="1090457"/>
           </a:xfrm>
           <a:prstGeom prst="rect">
             <a:avLst/>
@@ -4210,7 +4282,7 @@
                   <a:srgbClr val="FFFF00"/>
                 </a:solidFill>
               </a:rPr>
-              <a:t>LabProcedureDefinition</a:t>
+              <a:t>InputObservationDefinition</a:t>
             </a:r>
           </a:p>
           <a:p>
@@ -4229,87 +4301,17 @@
                   <a:srgbClr val="FFFF00"/>
                 </a:solidFill>
               </a:rPr>
-              <a:t>ActivityDefinition</a:t>
-            </a:r>
-          </a:p>
-        </p:txBody>
-      </p:sp>
-      <p:sp>
-        <p:nvSpPr>
-          <p:cNvPr id="51" name="ZoneTexte 50">
-            <a:extLst>
-              <a:ext uri="{FF2B5EF4-FFF2-40B4-BE49-F238E27FC236}">
-                <a16:creationId xmlns:a16="http://schemas.microsoft.com/office/drawing/2014/main" id="{DDA19B55-7B2D-4F80-A8B0-AC35CA3AEB5F}"/>
-              </a:ext>
-            </a:extLst>
-          </p:cNvPr>
-          <p:cNvSpPr txBox="1"/>
-          <p:nvPr/>
-        </p:nvSpPr>
-        <p:spPr>
-          <a:xfrm>
-            <a:off x="6916383" y="2681712"/>
-            <a:ext cx="607145" cy="369332"/>
-          </a:xfrm>
-          <a:prstGeom prst="rect">
-            <a:avLst/>
-          </a:prstGeom>
-          <a:noFill/>
-        </p:spPr>
-        <p:txBody>
-          <a:bodyPr wrap="square" rtlCol="0">
-            <a:spAutoFit/>
-          </a:bodyPr>
-          <a:lstStyle/>
-          <a:p>
-            <a:r>
-              <a:rPr lang="en-US" noProof="1"/>
-              <a:t>1..*</a:t>
-            </a:r>
-          </a:p>
-        </p:txBody>
-      </p:sp>
-      <p:sp>
-        <p:nvSpPr>
-          <p:cNvPr id="52" name="ZoneTexte 51">
-            <a:extLst>
-              <a:ext uri="{FF2B5EF4-FFF2-40B4-BE49-F238E27FC236}">
-                <a16:creationId xmlns:a16="http://schemas.microsoft.com/office/drawing/2014/main" id="{8C5EA803-67C9-48E4-8679-3F8205317474}"/>
-              </a:ext>
-            </a:extLst>
-          </p:cNvPr>
-          <p:cNvSpPr txBox="1"/>
-          <p:nvPr/>
-        </p:nvSpPr>
-        <p:spPr>
-          <a:xfrm>
-            <a:off x="5664561" y="1816389"/>
-            <a:ext cx="3174585" cy="369332"/>
-          </a:xfrm>
-          <a:prstGeom prst="rect">
-            <a:avLst/>
-          </a:prstGeom>
-          <a:noFill/>
-        </p:spPr>
-        <p:txBody>
-          <a:bodyPr wrap="square" rtlCol="0">
-            <a:spAutoFit/>
-          </a:bodyPr>
-          <a:lstStyle/>
-          <a:p>
-            <a:r>
-              <a:rPr lang="en-US" noProof="1"/>
-              <a:t>action.(…).definitionCanonical</a:t>
-            </a:r>
-          </a:p>
-        </p:txBody>
-      </p:sp>
-      <p:sp>
-        <p:nvSpPr>
-          <p:cNvPr id="54" name="Rectangle 53">
-            <a:extLst>
-              <a:ext uri="{FF2B5EF4-FFF2-40B4-BE49-F238E27FC236}">
-                <a16:creationId xmlns:a16="http://schemas.microsoft.com/office/drawing/2014/main" id="{48EEC750-3A3E-431D-9735-6AB2099A1A92}"/>
+              <a:t>ObservationDefinition</a:t>
+            </a:r>
+          </a:p>
+        </p:txBody>
+      </p:sp>
+      <p:sp>
+        <p:nvSpPr>
+          <p:cNvPr id="41" name="Rectangle 40">
+            <a:extLst>
+              <a:ext uri="{FF2B5EF4-FFF2-40B4-BE49-F238E27FC236}">
+                <a16:creationId xmlns:a16="http://schemas.microsoft.com/office/drawing/2014/main" id="{681A6020-35D8-4E5D-A0AB-A2DF34ADA5A2}"/>
               </a:ext>
             </a:extLst>
           </p:cNvPr>
@@ -4318,8 +4320,8 @@
         </p:nvSpPr>
         <p:spPr>
           <a:xfrm>
-            <a:off x="4414664" y="5056395"/>
-            <a:ext cx="3479034" cy="1090457"/>
+            <a:off x="8555068" y="4878514"/>
+            <a:ext cx="3111179" cy="1090457"/>
           </a:xfrm>
           <a:prstGeom prst="rect">
             <a:avLst/>
@@ -4387,7 +4389,7 @@
                   <a:srgbClr val="FFFF00"/>
                 </a:solidFill>
               </a:rPr>
-              <a:t>InputObservationDefinition</a:t>
+              <a:t>LabObservationDefinition</a:t>
             </a:r>
           </a:p>
           <a:p>
@@ -4413,10 +4415,10 @@
       </p:sp>
       <p:sp>
         <p:nvSpPr>
-          <p:cNvPr id="55" name="Rectangle 54">
-            <a:extLst>
-              <a:ext uri="{FF2B5EF4-FFF2-40B4-BE49-F238E27FC236}">
-                <a16:creationId xmlns:a16="http://schemas.microsoft.com/office/drawing/2014/main" id="{8661556E-21ED-4FDD-8387-069647701921}"/>
+          <p:cNvPr id="42" name="Rectangle 41">
+            <a:extLst>
+              <a:ext uri="{FF2B5EF4-FFF2-40B4-BE49-F238E27FC236}">
+                <a16:creationId xmlns:a16="http://schemas.microsoft.com/office/drawing/2014/main" id="{D6C1E2A4-97DA-48EA-8A18-55C793279C7C}"/>
               </a:ext>
             </a:extLst>
           </p:cNvPr>
@@ -4425,8 +4427,8 @@
         </p:nvSpPr>
         <p:spPr>
           <a:xfrm>
-            <a:off x="8954873" y="5056395"/>
-            <a:ext cx="3111179" cy="1090457"/>
+            <a:off x="456300" y="4878514"/>
+            <a:ext cx="2887484" cy="1142774"/>
           </a:xfrm>
           <a:prstGeom prst="rect">
             <a:avLst/>
@@ -4494,7 +4496,7 @@
                   <a:srgbClr val="FFFF00"/>
                 </a:solidFill>
               </a:rPr>
-              <a:t>LabObservationDefinition</a:t>
+              <a:t>LabSpecimenDefinition</a:t>
             </a:r>
           </a:p>
           <a:p>
@@ -4513,17 +4515,650 @@
                   <a:srgbClr val="FFFF00"/>
                 </a:solidFill>
               </a:rPr>
-              <a:t>ObservationDefinition</a:t>
-            </a:r>
-          </a:p>
-        </p:txBody>
-      </p:sp>
-      <p:sp>
-        <p:nvSpPr>
-          <p:cNvPr id="56" name="Rectangle 55">
-            <a:extLst>
-              <a:ext uri="{FF2B5EF4-FFF2-40B4-BE49-F238E27FC236}">
-                <a16:creationId xmlns:a16="http://schemas.microsoft.com/office/drawing/2014/main" id="{F6F11366-8458-4112-A323-141BA159FFFC}"/>
+              <a:t>SpecimenDefinition</a:t>
+            </a:r>
+          </a:p>
+        </p:txBody>
+      </p:sp>
+      <p:cxnSp>
+        <p:nvCxnSpPr>
+          <p:cNvPr id="44" name="Connecteur : en angle 43">
+            <a:extLst>
+              <a:ext uri="{FF2B5EF4-FFF2-40B4-BE49-F238E27FC236}">
+                <a16:creationId xmlns:a16="http://schemas.microsoft.com/office/drawing/2014/main" id="{2BC8B7B9-ACF7-4557-8736-5781E50CB89A}"/>
+              </a:ext>
+            </a:extLst>
+          </p:cNvPr>
+          <p:cNvCxnSpPr>
+            <a:cxnSpLocks/>
+            <a:stCxn id="37" idx="1"/>
+            <a:endCxn id="42" idx="0"/>
+          </p:cNvCxnSpPr>
+          <p:nvPr/>
+        </p:nvCxnSpPr>
+        <p:spPr>
+          <a:xfrm rot="10800000" flipV="1">
+            <a:off x="1900043" y="3667466"/>
+            <a:ext cx="2627865" cy="1211047"/>
+          </a:xfrm>
+          <a:prstGeom prst="bentConnector2">
+            <a:avLst/>
+          </a:prstGeom>
+          <a:ln w="28575">
+            <a:headEnd type="none" w="med" len="med"/>
+            <a:tailEnd type="arrow" w="med" len="med"/>
+          </a:ln>
+        </p:spPr>
+        <p:style>
+          <a:lnRef idx="1">
+            <a:schemeClr val="accent1"/>
+          </a:lnRef>
+          <a:fillRef idx="0">
+            <a:schemeClr val="accent1"/>
+          </a:fillRef>
+          <a:effectRef idx="0">
+            <a:schemeClr val="accent1"/>
+          </a:effectRef>
+          <a:fontRef idx="minor">
+            <a:schemeClr val="tx1"/>
+          </a:fontRef>
+        </p:style>
+      </p:cxnSp>
+      <p:cxnSp>
+        <p:nvCxnSpPr>
+          <p:cNvPr id="45" name="Connecteur : en angle 44">
+            <a:extLst>
+              <a:ext uri="{FF2B5EF4-FFF2-40B4-BE49-F238E27FC236}">
+                <a16:creationId xmlns:a16="http://schemas.microsoft.com/office/drawing/2014/main" id="{DEC1434A-845B-4315-A0CE-42153B77FA35}"/>
+              </a:ext>
+            </a:extLst>
+          </p:cNvPr>
+          <p:cNvCxnSpPr>
+            <a:cxnSpLocks/>
+            <a:stCxn id="37" idx="2"/>
+            <a:endCxn id="40" idx="0"/>
+          </p:cNvCxnSpPr>
+          <p:nvPr/>
+        </p:nvCxnSpPr>
+        <p:spPr>
+          <a:xfrm rot="16200000" flipH="1">
+            <a:off x="5665824" y="4557249"/>
+            <a:ext cx="640776" cy="1754"/>
+          </a:xfrm>
+          <a:prstGeom prst="bentConnector3">
+            <a:avLst>
+              <a:gd name="adj1" fmla="val 50000"/>
+            </a:avLst>
+          </a:prstGeom>
+          <a:ln w="28575">
+            <a:headEnd type="none" w="med" len="med"/>
+            <a:tailEnd type="arrow" w="med" len="med"/>
+          </a:ln>
+        </p:spPr>
+        <p:style>
+          <a:lnRef idx="1">
+            <a:schemeClr val="accent1"/>
+          </a:lnRef>
+          <a:fillRef idx="0">
+            <a:schemeClr val="accent1"/>
+          </a:fillRef>
+          <a:effectRef idx="0">
+            <a:schemeClr val="accent1"/>
+          </a:effectRef>
+          <a:fontRef idx="minor">
+            <a:schemeClr val="tx1"/>
+          </a:fontRef>
+        </p:style>
+      </p:cxnSp>
+      <p:cxnSp>
+        <p:nvCxnSpPr>
+          <p:cNvPr id="47" name="Connecteur : en angle 46">
+            <a:extLst>
+              <a:ext uri="{FF2B5EF4-FFF2-40B4-BE49-F238E27FC236}">
+                <a16:creationId xmlns:a16="http://schemas.microsoft.com/office/drawing/2014/main" id="{63A80FC7-6349-4518-A857-6AAE31D15777}"/>
+              </a:ext>
+            </a:extLst>
+          </p:cNvPr>
+          <p:cNvCxnSpPr>
+            <a:cxnSpLocks/>
+            <a:stCxn id="37" idx="3"/>
+            <a:endCxn id="41" idx="0"/>
+          </p:cNvCxnSpPr>
+          <p:nvPr/>
+        </p:nvCxnSpPr>
+        <p:spPr>
+          <a:xfrm>
+            <a:off x="7442762" y="3667467"/>
+            <a:ext cx="2667896" cy="1211047"/>
+          </a:xfrm>
+          <a:prstGeom prst="bentConnector2">
+            <a:avLst/>
+          </a:prstGeom>
+          <a:ln w="28575">
+            <a:headEnd type="none" w="med" len="med"/>
+            <a:tailEnd type="arrow" w="med" len="med"/>
+          </a:ln>
+        </p:spPr>
+        <p:style>
+          <a:lnRef idx="1">
+            <a:schemeClr val="accent1"/>
+          </a:lnRef>
+          <a:fillRef idx="0">
+            <a:schemeClr val="accent1"/>
+          </a:fillRef>
+          <a:effectRef idx="0">
+            <a:schemeClr val="accent1"/>
+          </a:effectRef>
+          <a:fontRef idx="minor">
+            <a:schemeClr val="tx1"/>
+          </a:fontRef>
+        </p:style>
+      </p:cxnSp>
+      <p:sp>
+        <p:nvSpPr>
+          <p:cNvPr id="48" name="ZoneTexte 47">
+            <a:extLst>
+              <a:ext uri="{FF2B5EF4-FFF2-40B4-BE49-F238E27FC236}">
+                <a16:creationId xmlns:a16="http://schemas.microsoft.com/office/drawing/2014/main" id="{4BE9F2F3-5F5E-4AD7-BAFB-747C4DDA1106}"/>
+              </a:ext>
+            </a:extLst>
+          </p:cNvPr>
+          <p:cNvSpPr txBox="1"/>
+          <p:nvPr/>
+        </p:nvSpPr>
+        <p:spPr>
+          <a:xfrm>
+            <a:off x="2210804" y="3304973"/>
+            <a:ext cx="2308432" cy="369332"/>
+          </a:xfrm>
+          <a:prstGeom prst="rect">
+            <a:avLst/>
+          </a:prstGeom>
+          <a:noFill/>
+        </p:spPr>
+        <p:txBody>
+          <a:bodyPr wrap="square" rtlCol="0">
+            <a:spAutoFit/>
+          </a:bodyPr>
+          <a:lstStyle/>
+          <a:p>
+            <a:r>
+              <a:rPr lang="en-US" noProof="1"/>
+              <a:t>specimenRequirement</a:t>
+            </a:r>
+          </a:p>
+        </p:txBody>
+      </p:sp>
+      <p:sp>
+        <p:nvSpPr>
+          <p:cNvPr id="49" name="ZoneTexte 48">
+            <a:extLst>
+              <a:ext uri="{FF2B5EF4-FFF2-40B4-BE49-F238E27FC236}">
+                <a16:creationId xmlns:a16="http://schemas.microsoft.com/office/drawing/2014/main" id="{53ADD0D5-3A92-43B3-A963-6E45BC4CFC82}"/>
+              </a:ext>
+            </a:extLst>
+          </p:cNvPr>
+          <p:cNvSpPr txBox="1"/>
+          <p:nvPr/>
+        </p:nvSpPr>
+        <p:spPr>
+          <a:xfrm>
+            <a:off x="1415480" y="4481343"/>
+            <a:ext cx="607145" cy="369332"/>
+          </a:xfrm>
+          <a:prstGeom prst="rect">
+            <a:avLst/>
+          </a:prstGeom>
+          <a:noFill/>
+        </p:spPr>
+        <p:txBody>
+          <a:bodyPr wrap="square" rtlCol="0">
+            <a:spAutoFit/>
+          </a:bodyPr>
+          <a:lstStyle/>
+          <a:p>
+            <a:r>
+              <a:rPr lang="en-US" noProof="1"/>
+              <a:t>0..*</a:t>
+            </a:r>
+          </a:p>
+        </p:txBody>
+      </p:sp>
+      <p:sp>
+        <p:nvSpPr>
+          <p:cNvPr id="50" name="ZoneTexte 49">
+            <a:extLst>
+              <a:ext uri="{FF2B5EF4-FFF2-40B4-BE49-F238E27FC236}">
+                <a16:creationId xmlns:a16="http://schemas.microsoft.com/office/drawing/2014/main" id="{4247CF34-FDA5-4845-9F63-7B8D4600F6BA}"/>
+              </a:ext>
+            </a:extLst>
+          </p:cNvPr>
+          <p:cNvSpPr txBox="1"/>
+          <p:nvPr/>
+        </p:nvSpPr>
+        <p:spPr>
+          <a:xfrm>
+            <a:off x="5976002" y="4254011"/>
+            <a:ext cx="2577103" cy="369332"/>
+          </a:xfrm>
+          <a:prstGeom prst="rect">
+            <a:avLst/>
+          </a:prstGeom>
+          <a:noFill/>
+        </p:spPr>
+        <p:txBody>
+          <a:bodyPr wrap="square" rtlCol="0">
+            <a:spAutoFit/>
+          </a:bodyPr>
+          <a:lstStyle/>
+          <a:p>
+            <a:r>
+              <a:rPr lang="en-US" noProof="1"/>
+              <a:t>observationRequirement</a:t>
+            </a:r>
+          </a:p>
+        </p:txBody>
+      </p:sp>
+      <p:sp>
+        <p:nvSpPr>
+          <p:cNvPr id="53" name="ZoneTexte 52">
+            <a:extLst>
+              <a:ext uri="{FF2B5EF4-FFF2-40B4-BE49-F238E27FC236}">
+                <a16:creationId xmlns:a16="http://schemas.microsoft.com/office/drawing/2014/main" id="{AFE1B7C2-7875-4267-8FB0-2D7531E4E792}"/>
+              </a:ext>
+            </a:extLst>
+          </p:cNvPr>
+          <p:cNvSpPr txBox="1"/>
+          <p:nvPr/>
+        </p:nvSpPr>
+        <p:spPr>
+          <a:xfrm>
+            <a:off x="6000916" y="4538751"/>
+            <a:ext cx="607145" cy="369332"/>
+          </a:xfrm>
+          <a:prstGeom prst="rect">
+            <a:avLst/>
+          </a:prstGeom>
+          <a:noFill/>
+        </p:spPr>
+        <p:txBody>
+          <a:bodyPr wrap="square" rtlCol="0">
+            <a:spAutoFit/>
+          </a:bodyPr>
+          <a:lstStyle/>
+          <a:p>
+            <a:r>
+              <a:rPr lang="en-US" noProof="1"/>
+              <a:t>0..*</a:t>
+            </a:r>
+          </a:p>
+        </p:txBody>
+      </p:sp>
+      <p:sp>
+        <p:nvSpPr>
+          <p:cNvPr id="58" name="ZoneTexte 57">
+            <a:extLst>
+              <a:ext uri="{FF2B5EF4-FFF2-40B4-BE49-F238E27FC236}">
+                <a16:creationId xmlns:a16="http://schemas.microsoft.com/office/drawing/2014/main" id="{E4E82BAF-771A-4DDC-B6AB-EEBF0EBBAC2C}"/>
+              </a:ext>
+            </a:extLst>
+          </p:cNvPr>
+          <p:cNvSpPr txBox="1"/>
+          <p:nvPr/>
+        </p:nvSpPr>
+        <p:spPr>
+          <a:xfrm>
+            <a:off x="9601316" y="4481343"/>
+            <a:ext cx="607145" cy="369332"/>
+          </a:xfrm>
+          <a:prstGeom prst="rect">
+            <a:avLst/>
+          </a:prstGeom>
+          <a:noFill/>
+        </p:spPr>
+        <p:txBody>
+          <a:bodyPr wrap="square" rtlCol="0">
+            <a:spAutoFit/>
+          </a:bodyPr>
+          <a:lstStyle/>
+          <a:p>
+            <a:r>
+              <a:rPr lang="en-US" noProof="1"/>
+              <a:t>0..*</a:t>
+            </a:r>
+          </a:p>
+        </p:txBody>
+      </p:sp>
+      <p:sp>
+        <p:nvSpPr>
+          <p:cNvPr id="59" name="ZoneTexte 58">
+            <a:extLst>
+              <a:ext uri="{FF2B5EF4-FFF2-40B4-BE49-F238E27FC236}">
+                <a16:creationId xmlns:a16="http://schemas.microsoft.com/office/drawing/2014/main" id="{089726E7-4259-452A-95C9-5976896AAC1F}"/>
+              </a:ext>
+            </a:extLst>
+          </p:cNvPr>
+          <p:cNvSpPr txBox="1"/>
+          <p:nvPr/>
+        </p:nvSpPr>
+        <p:spPr>
+          <a:xfrm>
+            <a:off x="7470755" y="3291053"/>
+            <a:ext cx="3111179" cy="369332"/>
+          </a:xfrm>
+          <a:prstGeom prst="rect">
+            <a:avLst/>
+          </a:prstGeom>
+          <a:noFill/>
+        </p:spPr>
+        <p:txBody>
+          <a:bodyPr wrap="square" rtlCol="0">
+            <a:spAutoFit/>
+          </a:bodyPr>
+          <a:lstStyle/>
+          <a:p>
+            <a:r>
+              <a:rPr lang="en-US" noProof="1"/>
+              <a:t>observationResultRequirement</a:t>
+            </a:r>
+          </a:p>
+        </p:txBody>
+      </p:sp>
+      <p:sp>
+        <p:nvSpPr>
+          <p:cNvPr id="61" name="ZoneTexte 60">
+            <a:extLst>
+              <a:ext uri="{FF2B5EF4-FFF2-40B4-BE49-F238E27FC236}">
+                <a16:creationId xmlns:a16="http://schemas.microsoft.com/office/drawing/2014/main" id="{14CA794A-8527-418C-9D8E-63135B96C7E1}"/>
+              </a:ext>
+            </a:extLst>
+          </p:cNvPr>
+          <p:cNvSpPr txBox="1"/>
+          <p:nvPr/>
+        </p:nvSpPr>
+        <p:spPr>
+          <a:xfrm>
+            <a:off x="47328" y="65567"/>
+            <a:ext cx="2016224" cy="646331"/>
+          </a:xfrm>
+          <a:prstGeom prst="rect">
+            <a:avLst/>
+          </a:prstGeom>
+          <a:noFill/>
+        </p:spPr>
+        <p:txBody>
+          <a:bodyPr wrap="square" rtlCol="0">
+            <a:spAutoFit/>
+          </a:bodyPr>
+          <a:lstStyle/>
+          <a:p>
+            <a:r>
+              <a:rPr lang="en-US" i="1" noProof="1">
+                <a:solidFill>
+                  <a:schemeClr val="accent1">
+                    <a:lumMod val="60000"/>
+                    <a:lumOff val="40000"/>
+                  </a:schemeClr>
+                </a:solidFill>
+              </a:rPr>
+              <a:t>the laboratory compendium</a:t>
+            </a:r>
+          </a:p>
+        </p:txBody>
+      </p:sp>
+      <p:sp>
+        <p:nvSpPr>
+          <p:cNvPr id="62" name="ZoneTexte 61">
+            <a:extLst>
+              <a:ext uri="{FF2B5EF4-FFF2-40B4-BE49-F238E27FC236}">
+                <a16:creationId xmlns:a16="http://schemas.microsoft.com/office/drawing/2014/main" id="{3D148178-7310-4574-BD72-3B294640E672}"/>
+              </a:ext>
+            </a:extLst>
+          </p:cNvPr>
+          <p:cNvSpPr txBox="1"/>
+          <p:nvPr/>
+        </p:nvSpPr>
+        <p:spPr>
+          <a:xfrm>
+            <a:off x="6805993" y="264435"/>
+            <a:ext cx="2593912" cy="923330"/>
+          </a:xfrm>
+          <a:prstGeom prst="rect">
+            <a:avLst/>
+          </a:prstGeom>
+          <a:noFill/>
+        </p:spPr>
+        <p:txBody>
+          <a:bodyPr wrap="square" rtlCol="0">
+            <a:spAutoFit/>
+          </a:bodyPr>
+          <a:lstStyle>
+            <a:defPPr>
+              <a:defRPr lang="fr-FR"/>
+            </a:defPPr>
+            <a:lvl1pPr>
+              <a:defRPr>
+                <a:solidFill>
+                  <a:schemeClr val="accent1">
+                    <a:lumMod val="60000"/>
+                    <a:lumOff val="40000"/>
+                  </a:schemeClr>
+                </a:solidFill>
+              </a:defRPr>
+            </a:lvl1pPr>
+          </a:lstStyle>
+          <a:p>
+            <a:r>
+              <a:rPr lang="en-US" i="1" noProof="1"/>
+              <a:t>a laboratory service accessible by the consumers of the catalog</a:t>
+            </a:r>
+          </a:p>
+        </p:txBody>
+      </p:sp>
+      <p:sp>
+        <p:nvSpPr>
+          <p:cNvPr id="64" name="ZoneTexte 63">
+            <a:extLst>
+              <a:ext uri="{FF2B5EF4-FFF2-40B4-BE49-F238E27FC236}">
+                <a16:creationId xmlns:a16="http://schemas.microsoft.com/office/drawing/2014/main" id="{90FA598E-98C5-46DA-BF88-5EC7698863AE}"/>
+              </a:ext>
+            </a:extLst>
+          </p:cNvPr>
+          <p:cNvSpPr txBox="1"/>
+          <p:nvPr/>
+        </p:nvSpPr>
+        <p:spPr>
+          <a:xfrm>
+            <a:off x="5951984" y="2709767"/>
+            <a:ext cx="6190996" cy="369332"/>
+          </a:xfrm>
+          <a:prstGeom prst="rect">
+            <a:avLst/>
+          </a:prstGeom>
+          <a:noFill/>
+        </p:spPr>
+        <p:txBody>
+          <a:bodyPr wrap="square" rtlCol="0">
+            <a:spAutoFit/>
+          </a:bodyPr>
+          <a:lstStyle>
+            <a:defPPr>
+              <a:defRPr lang="fr-FR"/>
+            </a:defPPr>
+            <a:lvl1pPr>
+              <a:defRPr>
+                <a:solidFill>
+                  <a:schemeClr val="accent1">
+                    <a:lumMod val="60000"/>
+                    <a:lumOff val="40000"/>
+                  </a:schemeClr>
+                </a:solidFill>
+              </a:defRPr>
+            </a:lvl1pPr>
+          </a:lstStyle>
+          <a:p>
+            <a:r>
+              <a:rPr lang="en-US" i="1" noProof="1"/>
+              <a:t>one or more laboratory procedures operationalizing the service </a:t>
+            </a:r>
+          </a:p>
+        </p:txBody>
+      </p:sp>
+      <p:sp>
+        <p:nvSpPr>
+          <p:cNvPr id="65" name="ZoneTexte 64">
+            <a:extLst>
+              <a:ext uri="{FF2B5EF4-FFF2-40B4-BE49-F238E27FC236}">
+                <a16:creationId xmlns:a16="http://schemas.microsoft.com/office/drawing/2014/main" id="{DAB32ACA-59E5-452E-8C04-7ACCFCA16756}"/>
+              </a:ext>
+            </a:extLst>
+          </p:cNvPr>
+          <p:cNvSpPr txBox="1"/>
+          <p:nvPr/>
+        </p:nvSpPr>
+        <p:spPr>
+          <a:xfrm>
+            <a:off x="263352" y="3612740"/>
+            <a:ext cx="1540369" cy="923330"/>
+          </a:xfrm>
+          <a:prstGeom prst="rect">
+            <a:avLst/>
+          </a:prstGeom>
+          <a:noFill/>
+        </p:spPr>
+        <p:txBody>
+          <a:bodyPr wrap="square" rtlCol="0">
+            <a:spAutoFit/>
+          </a:bodyPr>
+          <a:lstStyle>
+            <a:defPPr>
+              <a:defRPr lang="fr-FR"/>
+            </a:defPPr>
+            <a:lvl1pPr>
+              <a:defRPr>
+                <a:solidFill>
+                  <a:schemeClr val="accent1">
+                    <a:lumMod val="60000"/>
+                    <a:lumOff val="40000"/>
+                  </a:schemeClr>
+                </a:solidFill>
+              </a:defRPr>
+            </a:lvl1pPr>
+          </a:lstStyle>
+          <a:p>
+            <a:pPr algn="r"/>
+            <a:r>
+              <a:rPr lang="en-US" i="1" noProof="1"/>
+              <a:t>a specimen required by the procedure</a:t>
+            </a:r>
+          </a:p>
+        </p:txBody>
+      </p:sp>
+      <p:sp>
+        <p:nvSpPr>
+          <p:cNvPr id="66" name="ZoneTexte 65">
+            <a:extLst>
+              <a:ext uri="{FF2B5EF4-FFF2-40B4-BE49-F238E27FC236}">
+                <a16:creationId xmlns:a16="http://schemas.microsoft.com/office/drawing/2014/main" id="{23497807-DB83-4AAC-B04C-2E87074F9DB5}"/>
+              </a:ext>
+            </a:extLst>
+          </p:cNvPr>
+          <p:cNvSpPr txBox="1"/>
+          <p:nvPr/>
+        </p:nvSpPr>
+        <p:spPr>
+          <a:xfrm>
+            <a:off x="3727038" y="4240677"/>
+            <a:ext cx="2268722" cy="646331"/>
+          </a:xfrm>
+          <a:prstGeom prst="rect">
+            <a:avLst/>
+          </a:prstGeom>
+          <a:noFill/>
+        </p:spPr>
+        <p:txBody>
+          <a:bodyPr wrap="square" rtlCol="0">
+            <a:spAutoFit/>
+          </a:bodyPr>
+          <a:lstStyle>
+            <a:defPPr>
+              <a:defRPr lang="fr-FR"/>
+            </a:defPPr>
+            <a:lvl1pPr>
+              <a:defRPr>
+                <a:solidFill>
+                  <a:schemeClr val="accent1">
+                    <a:lumMod val="60000"/>
+                    <a:lumOff val="40000"/>
+                  </a:schemeClr>
+                </a:solidFill>
+              </a:defRPr>
+            </a:lvl1pPr>
+          </a:lstStyle>
+          <a:p>
+            <a:pPr algn="r"/>
+            <a:r>
+              <a:rPr lang="en-US" i="1" noProof="1"/>
+              <a:t>an input observation to the procedure</a:t>
+            </a:r>
+          </a:p>
+        </p:txBody>
+      </p:sp>
+      <p:sp>
+        <p:nvSpPr>
+          <p:cNvPr id="67" name="ZoneTexte 66">
+            <a:extLst>
+              <a:ext uri="{FF2B5EF4-FFF2-40B4-BE49-F238E27FC236}">
+                <a16:creationId xmlns:a16="http://schemas.microsoft.com/office/drawing/2014/main" id="{8CFEBD50-4F7B-478C-8C4C-DF157F136D49}"/>
+              </a:ext>
+            </a:extLst>
+          </p:cNvPr>
+          <p:cNvSpPr txBox="1"/>
+          <p:nvPr/>
+        </p:nvSpPr>
+        <p:spPr>
+          <a:xfrm>
+            <a:off x="10142412" y="3640513"/>
+            <a:ext cx="1541314" cy="923330"/>
+          </a:xfrm>
+          <a:prstGeom prst="rect">
+            <a:avLst/>
+          </a:prstGeom>
+          <a:noFill/>
+        </p:spPr>
+        <p:txBody>
+          <a:bodyPr wrap="square" rtlCol="0">
+            <a:spAutoFit/>
+          </a:bodyPr>
+          <a:lstStyle>
+            <a:defPPr>
+              <a:defRPr lang="fr-FR"/>
+            </a:defPPr>
+            <a:lvl1pPr>
+              <a:defRPr>
+                <a:solidFill>
+                  <a:schemeClr val="accent1">
+                    <a:lumMod val="60000"/>
+                    <a:lumOff val="40000"/>
+                  </a:schemeClr>
+                </a:solidFill>
+              </a:defRPr>
+            </a:lvl1pPr>
+          </a:lstStyle>
+          <a:p>
+            <a:r>
+              <a:rPr lang="en-US" i="1" noProof="1"/>
+              <a:t>an output observation of the procedure</a:t>
+            </a:r>
+          </a:p>
+        </p:txBody>
+      </p:sp>
+      <p:sp>
+        <p:nvSpPr>
+          <p:cNvPr id="68" name="Rectangle 67">
+            <a:extLst>
+              <a:ext uri="{FF2B5EF4-FFF2-40B4-BE49-F238E27FC236}">
+                <a16:creationId xmlns:a16="http://schemas.microsoft.com/office/drawing/2014/main" id="{5775E0D2-5862-4DEA-8C9B-E341CCCCDD0E}"/>
               </a:ext>
             </a:extLst>
           </p:cNvPr>
@@ -4532,8 +5167,171 @@
         </p:nvSpPr>
         <p:spPr>
           <a:xfrm>
-            <a:off x="223932" y="5012936"/>
-            <a:ext cx="2887484" cy="1142774"/>
+            <a:off x="6908365" y="2053669"/>
+            <a:ext cx="340999" cy="324520"/>
+          </a:xfrm>
+          <a:prstGeom prst="rect">
+            <a:avLst/>
+          </a:prstGeom>
+        </p:spPr>
+        <p:style>
+          <a:lnRef idx="2">
+            <a:schemeClr val="accent1">
+              <a:shade val="50000"/>
+            </a:schemeClr>
+          </a:lnRef>
+          <a:fillRef idx="1">
+            <a:schemeClr val="accent1"/>
+          </a:fillRef>
+          <a:effectRef idx="0">
+            <a:schemeClr val="accent1"/>
+          </a:effectRef>
+          <a:fontRef idx="minor">
+            <a:schemeClr val="lt1"/>
+          </a:fontRef>
+        </p:style>
+        <p:txBody>
+          <a:bodyPr rtlCol="0" anchor="ctr"/>
+          <a:lstStyle/>
+          <a:p>
+            <a:pPr algn="ctr"/>
+            <a:endParaRPr lang="fr-FR"/>
+          </a:p>
+        </p:txBody>
+      </p:sp>
+      <p:cxnSp>
+        <p:nvCxnSpPr>
+          <p:cNvPr id="69" name="Connecteur : en angle 68">
+            <a:extLst>
+              <a:ext uri="{FF2B5EF4-FFF2-40B4-BE49-F238E27FC236}">
+                <a16:creationId xmlns:a16="http://schemas.microsoft.com/office/drawing/2014/main" id="{DC0402A8-BEEF-4AE3-BCAC-F9E66161D262}"/>
+              </a:ext>
+            </a:extLst>
+          </p:cNvPr>
+          <p:cNvCxnSpPr>
+            <a:cxnSpLocks/>
+            <a:stCxn id="68" idx="2"/>
+            <a:endCxn id="68" idx="3"/>
+          </p:cNvCxnSpPr>
+          <p:nvPr/>
+        </p:nvCxnSpPr>
+        <p:spPr>
+          <a:xfrm rot="5400000" flipH="1" flipV="1">
+            <a:off x="7082984" y="2211809"/>
+            <a:ext cx="162260" cy="170499"/>
+          </a:xfrm>
+          <a:prstGeom prst="bentConnector4">
+            <a:avLst>
+              <a:gd name="adj1" fmla="val -140885"/>
+              <a:gd name="adj2" fmla="val 234077"/>
+            </a:avLst>
+          </a:prstGeom>
+          <a:ln w="28575">
+            <a:headEnd type="arrow" w="med" len="med"/>
+            <a:tailEnd type="none" w="med" len="med"/>
+          </a:ln>
+        </p:spPr>
+        <p:style>
+          <a:lnRef idx="1">
+            <a:schemeClr val="accent1"/>
+          </a:lnRef>
+          <a:fillRef idx="0">
+            <a:schemeClr val="accent1"/>
+          </a:fillRef>
+          <a:effectRef idx="0">
+            <a:schemeClr val="accent1"/>
+          </a:effectRef>
+          <a:fontRef idx="minor">
+            <a:schemeClr val="tx1"/>
+          </a:fontRef>
+        </p:style>
+      </p:cxnSp>
+      <p:sp>
+        <p:nvSpPr>
+          <p:cNvPr id="76" name="ZoneTexte 75">
+            <a:extLst>
+              <a:ext uri="{FF2B5EF4-FFF2-40B4-BE49-F238E27FC236}">
+                <a16:creationId xmlns:a16="http://schemas.microsoft.com/office/drawing/2014/main" id="{DD19467F-2DD1-4905-8503-EBCF60A2B776}"/>
+              </a:ext>
+            </a:extLst>
+          </p:cNvPr>
+          <p:cNvSpPr txBox="1"/>
+          <p:nvPr/>
+        </p:nvSpPr>
+        <p:spPr>
+          <a:xfrm>
+            <a:off x="6559778" y="2371176"/>
+            <a:ext cx="607145" cy="369332"/>
+          </a:xfrm>
+          <a:prstGeom prst="rect">
+            <a:avLst/>
+          </a:prstGeom>
+          <a:noFill/>
+        </p:spPr>
+        <p:txBody>
+          <a:bodyPr wrap="square" rtlCol="0">
+            <a:spAutoFit/>
+          </a:bodyPr>
+          <a:lstStyle/>
+          <a:p>
+            <a:r>
+              <a:rPr lang="en-US" noProof="1"/>
+              <a:t>0..*</a:t>
+            </a:r>
+          </a:p>
+        </p:txBody>
+      </p:sp>
+      <p:sp>
+        <p:nvSpPr>
+          <p:cNvPr id="77" name="ZoneTexte 76">
+            <a:extLst>
+              <a:ext uri="{FF2B5EF4-FFF2-40B4-BE49-F238E27FC236}">
+                <a16:creationId xmlns:a16="http://schemas.microsoft.com/office/drawing/2014/main" id="{82C92962-1D5D-4E1E-A2BB-23F971600441}"/>
+              </a:ext>
+            </a:extLst>
+          </p:cNvPr>
+          <p:cNvSpPr txBox="1"/>
+          <p:nvPr/>
+        </p:nvSpPr>
+        <p:spPr>
+          <a:xfrm>
+            <a:off x="7282291" y="1879067"/>
+            <a:ext cx="1740637" cy="369332"/>
+          </a:xfrm>
+          <a:prstGeom prst="rect">
+            <a:avLst/>
+          </a:prstGeom>
+          <a:noFill/>
+        </p:spPr>
+        <p:txBody>
+          <a:bodyPr wrap="square" rtlCol="0">
+            <a:spAutoFit/>
+          </a:bodyPr>
+          <a:lstStyle/>
+          <a:p>
+            <a:r>
+              <a:rPr lang="en-US" noProof="1"/>
+              <a:t>relatedArtiffact</a:t>
+            </a:r>
+          </a:p>
+        </p:txBody>
+      </p:sp>
+      <p:sp>
+        <p:nvSpPr>
+          <p:cNvPr id="78" name="Rectangle 77">
+            <a:extLst>
+              <a:ext uri="{FF2B5EF4-FFF2-40B4-BE49-F238E27FC236}">
+                <a16:creationId xmlns:a16="http://schemas.microsoft.com/office/drawing/2014/main" id="{CB762209-542E-4D76-AD70-9156AE942AA4}"/>
+              </a:ext>
+            </a:extLst>
+          </p:cNvPr>
+          <p:cNvSpPr/>
+          <p:nvPr/>
+        </p:nvSpPr>
+        <p:spPr>
+          <a:xfrm>
+            <a:off x="4688380" y="1260993"/>
+            <a:ext cx="2593911" cy="1140542"/>
           </a:xfrm>
           <a:prstGeom prst="rect">
             <a:avLst/>
@@ -4601,7 +5399,7 @@
                   <a:srgbClr val="FFFF00"/>
                 </a:solidFill>
               </a:rPr>
-              <a:t>LabSpecimenDefinition</a:t>
+              <a:t>LabServiceDefinition</a:t>
             </a:r>
           </a:p>
           <a:p>
@@ -4620,31 +5418,119 @@
                   <a:srgbClr val="FFFF00"/>
                 </a:solidFill>
               </a:rPr>
-              <a:t>SpecimenDefinition</a:t>
+              <a:t>PlanDefinition</a:t>
+            </a:r>
+          </a:p>
+        </p:txBody>
+      </p:sp>
+      <p:sp>
+        <p:nvSpPr>
+          <p:cNvPr id="79" name="Rectangle 78">
+            <a:extLst>
+              <a:ext uri="{FF2B5EF4-FFF2-40B4-BE49-F238E27FC236}">
+                <a16:creationId xmlns:a16="http://schemas.microsoft.com/office/drawing/2014/main" id="{5B7C93E5-5916-4457-9EF6-F93D65613D4A}"/>
+              </a:ext>
+            </a:extLst>
+          </p:cNvPr>
+          <p:cNvSpPr/>
+          <p:nvPr/>
+        </p:nvSpPr>
+        <p:spPr>
+          <a:xfrm>
+            <a:off x="7470755" y="6165304"/>
+            <a:ext cx="1667712" cy="476672"/>
+          </a:xfrm>
+          <a:prstGeom prst="rect">
+            <a:avLst/>
+          </a:prstGeom>
+          <a:gradFill flip="none" rotWithShape="1">
+            <a:gsLst>
+              <a:gs pos="0">
+                <a:schemeClr val="accent1">
+                  <a:shade val="30000"/>
+                  <a:satMod val="115000"/>
+                </a:schemeClr>
+              </a:gs>
+              <a:gs pos="50000">
+                <a:schemeClr val="accent1">
+                  <a:shade val="67500"/>
+                  <a:satMod val="115000"/>
+                </a:schemeClr>
+              </a:gs>
+              <a:gs pos="100000">
+                <a:schemeClr val="accent1">
+                  <a:shade val="100000"/>
+                  <a:satMod val="115000"/>
+                </a:schemeClr>
+              </a:gs>
+            </a:gsLst>
+            <a:lin ang="0" scaled="1"/>
+            <a:tileRect/>
+          </a:gradFill>
+          <a:ln>
+            <a:noFill/>
+          </a:ln>
+          <a:effectLst>
+            <a:glow rad="139700">
+              <a:schemeClr val="accent1">
+                <a:satMod val="175000"/>
+                <a:alpha val="40000"/>
+              </a:schemeClr>
+            </a:glow>
+          </a:effectLst>
+        </p:spPr>
+        <p:style>
+          <a:lnRef idx="2">
+            <a:schemeClr val="accent1">
+              <a:shade val="50000"/>
+            </a:schemeClr>
+          </a:lnRef>
+          <a:fillRef idx="1">
+            <a:schemeClr val="accent1"/>
+          </a:fillRef>
+          <a:effectRef idx="0">
+            <a:schemeClr val="accent1"/>
+          </a:effectRef>
+          <a:fontRef idx="minor">
+            <a:schemeClr val="lt1"/>
+          </a:fontRef>
+        </p:style>
+        <p:txBody>
+          <a:bodyPr rtlCol="0" anchor="ctr"/>
+          <a:lstStyle/>
+          <a:p>
+            <a:pPr algn="ctr"/>
+            <a:r>
+              <a:rPr lang="en-US" sz="2200" noProof="1">
+                <a:solidFill>
+                  <a:srgbClr val="FFFF00"/>
+                </a:solidFill>
+              </a:rPr>
+              <a:t>ValueSet</a:t>
             </a:r>
           </a:p>
         </p:txBody>
       </p:sp>
       <p:cxnSp>
         <p:nvCxnSpPr>
-          <p:cNvPr id="57" name="Connecteur : en angle 56">
-            <a:extLst>
-              <a:ext uri="{FF2B5EF4-FFF2-40B4-BE49-F238E27FC236}">
-                <a16:creationId xmlns:a16="http://schemas.microsoft.com/office/drawing/2014/main" id="{15990ED7-D7B7-4EEE-A20B-C21EC57541DC}"/>
+          <p:cNvPr id="80" name="Connecteur : en angle 79">
+            <a:extLst>
+              <a:ext uri="{FF2B5EF4-FFF2-40B4-BE49-F238E27FC236}">
+                <a16:creationId xmlns:a16="http://schemas.microsoft.com/office/drawing/2014/main" id="{7910B9FF-D3F9-4C91-BE5B-25011CE30CAE}"/>
               </a:ext>
             </a:extLst>
           </p:cNvPr>
           <p:cNvCxnSpPr>
             <a:cxnSpLocks/>
-            <a:stCxn id="46" idx="1"/>
-            <a:endCxn id="56" idx="0"/>
+            <a:stCxn id="40" idx="2"/>
+            <a:endCxn id="79" idx="1"/>
           </p:cNvCxnSpPr>
           <p:nvPr/>
         </p:nvCxnSpPr>
         <p:spPr>
-          <a:xfrm rot="10800000" flipV="1">
-            <a:off x="1667674" y="3695244"/>
-            <a:ext cx="4335020" cy="1317692"/>
+          <a:xfrm rot="16200000" flipH="1">
+            <a:off x="6511588" y="5444472"/>
+            <a:ext cx="434669" cy="1483666"/>
           </a:xfrm>
           <a:prstGeom prst="bentConnector2">
             <a:avLst/>
@@ -4671,29 +5557,27 @@
       </p:cxnSp>
       <p:cxnSp>
         <p:nvCxnSpPr>
-          <p:cNvPr id="60" name="Connecteur : en angle 59">
-            <a:extLst>
-              <a:ext uri="{FF2B5EF4-FFF2-40B4-BE49-F238E27FC236}">
-                <a16:creationId xmlns:a16="http://schemas.microsoft.com/office/drawing/2014/main" id="{DA2AF1A3-48F7-47E0-B4B7-79E68B4E6B5C}"/>
+          <p:cNvPr id="81" name="Connecteur : en angle 80">
+            <a:extLst>
+              <a:ext uri="{FF2B5EF4-FFF2-40B4-BE49-F238E27FC236}">
+                <a16:creationId xmlns:a16="http://schemas.microsoft.com/office/drawing/2014/main" id="{FA8B4B7C-1233-434A-8334-156B6107B59D}"/>
               </a:ext>
             </a:extLst>
           </p:cNvPr>
           <p:cNvCxnSpPr>
             <a:cxnSpLocks/>
-            <a:stCxn id="46" idx="2"/>
-            <a:endCxn id="54" idx="0"/>
+            <a:stCxn id="41" idx="2"/>
+            <a:endCxn id="79" idx="3"/>
           </p:cNvCxnSpPr>
           <p:nvPr/>
         </p:nvCxnSpPr>
         <p:spPr>
           <a:xfrm rot="5400000">
-            <a:off x="6411712" y="4007985"/>
-            <a:ext cx="790880" cy="1305941"/>
-          </a:xfrm>
-          <a:prstGeom prst="bentConnector3">
-            <a:avLst>
-              <a:gd name="adj1" fmla="val 50000"/>
-            </a:avLst>
+            <a:off x="9407229" y="5700210"/>
+            <a:ext cx="434669" cy="972191"/>
+          </a:xfrm>
+          <a:prstGeom prst="bentConnector2">
+            <a:avLst/>
           </a:prstGeom>
           <a:ln w="28575">
             <a:headEnd type="none" w="med" len="med"/>
@@ -4715,56 +5599,12 @@
           </a:fontRef>
         </p:style>
       </p:cxnSp>
-      <p:cxnSp>
-        <p:nvCxnSpPr>
-          <p:cNvPr id="63" name="Connecteur : en angle 62">
-            <a:extLst>
-              <a:ext uri="{FF2B5EF4-FFF2-40B4-BE49-F238E27FC236}">
-                <a16:creationId xmlns:a16="http://schemas.microsoft.com/office/drawing/2014/main" id="{52F29C62-3816-4A94-93C8-4E3BA5AF99AA}"/>
-              </a:ext>
-            </a:extLst>
-          </p:cNvPr>
-          <p:cNvCxnSpPr>
-            <a:cxnSpLocks/>
-            <a:stCxn id="46" idx="3"/>
-            <a:endCxn id="55" idx="0"/>
-          </p:cNvCxnSpPr>
-          <p:nvPr/>
-        </p:nvCxnSpPr>
-        <p:spPr>
-          <a:xfrm>
-            <a:off x="8917549" y="3695244"/>
-            <a:ext cx="1592914" cy="1361151"/>
-          </a:xfrm>
-          <a:prstGeom prst="bentConnector2">
-            <a:avLst/>
-          </a:prstGeom>
-          <a:ln w="28575">
-            <a:headEnd type="none" w="med" len="med"/>
-            <a:tailEnd type="arrow" w="med" len="med"/>
-          </a:ln>
-        </p:spPr>
-        <p:style>
-          <a:lnRef idx="1">
-            <a:schemeClr val="accent1"/>
-          </a:lnRef>
-          <a:fillRef idx="0">
-            <a:schemeClr val="accent1"/>
-          </a:fillRef>
-          <a:effectRef idx="0">
-            <a:schemeClr val="accent1"/>
-          </a:effectRef>
-          <a:fontRef idx="minor">
-            <a:schemeClr val="tx1"/>
-          </a:fontRef>
-        </p:style>
-      </p:cxnSp>
-      <p:sp>
-        <p:nvSpPr>
-          <p:cNvPr id="70" name="ZoneTexte 69">
-            <a:extLst>
-              <a:ext uri="{FF2B5EF4-FFF2-40B4-BE49-F238E27FC236}">
-                <a16:creationId xmlns:a16="http://schemas.microsoft.com/office/drawing/2014/main" id="{32AC0154-36F6-4FA3-B245-FE044FA1CE68}"/>
+      <p:sp>
+        <p:nvSpPr>
+          <p:cNvPr id="82" name="ZoneTexte 81">
+            <a:extLst>
+              <a:ext uri="{FF2B5EF4-FFF2-40B4-BE49-F238E27FC236}">
+                <a16:creationId xmlns:a16="http://schemas.microsoft.com/office/drawing/2014/main" id="{617AB5D3-15B4-439C-BB0F-86EF16439ED5}"/>
               </a:ext>
             </a:extLst>
           </p:cNvPr>
@@ -4773,8 +5613,8 @@
         </p:nvSpPr>
         <p:spPr>
           <a:xfrm>
-            <a:off x="3694922" y="3332750"/>
-            <a:ext cx="2308432" cy="369332"/>
+            <a:off x="6908365" y="6422142"/>
+            <a:ext cx="607145" cy="369332"/>
           </a:xfrm>
           <a:prstGeom prst="rect">
             <a:avLst/>
@@ -4789,17 +5629,17 @@
           <a:p>
             <a:r>
               <a:rPr lang="en-US" noProof="1"/>
-              <a:t>specimenRequirement</a:t>
-            </a:r>
-          </a:p>
-        </p:txBody>
-      </p:sp>
-      <p:sp>
-        <p:nvSpPr>
-          <p:cNvPr id="71" name="ZoneTexte 70">
-            <a:extLst>
-              <a:ext uri="{FF2B5EF4-FFF2-40B4-BE49-F238E27FC236}">
-                <a16:creationId xmlns:a16="http://schemas.microsoft.com/office/drawing/2014/main" id="{98BEC931-6B82-43BE-8606-752AC314803E}"/>
+              <a:t>0..4</a:t>
+            </a:r>
+          </a:p>
+        </p:txBody>
+      </p:sp>
+      <p:sp>
+        <p:nvSpPr>
+          <p:cNvPr id="83" name="ZoneTexte 82">
+            <a:extLst>
+              <a:ext uri="{FF2B5EF4-FFF2-40B4-BE49-F238E27FC236}">
+                <a16:creationId xmlns:a16="http://schemas.microsoft.com/office/drawing/2014/main" id="{D49CF755-445B-487C-8E96-397775442A6E}"/>
               </a:ext>
             </a:extLst>
           </p:cNvPr>
@@ -4808,7 +5648,7 @@
         </p:nvSpPr>
         <p:spPr>
           <a:xfrm>
-            <a:off x="1077215" y="4643604"/>
+            <a:off x="9119493" y="6408899"/>
             <a:ext cx="607145" cy="369332"/>
           </a:xfrm>
           <a:prstGeom prst="rect">
@@ -4824,434 +5664,7 @@
           <a:p>
             <a:r>
               <a:rPr lang="en-US" noProof="1"/>
-              <a:t>0..*</a:t>
-            </a:r>
-          </a:p>
-        </p:txBody>
-      </p:sp>
-      <p:sp>
-        <p:nvSpPr>
-          <p:cNvPr id="72" name="ZoneTexte 71">
-            <a:extLst>
-              <a:ext uri="{FF2B5EF4-FFF2-40B4-BE49-F238E27FC236}">
-                <a16:creationId xmlns:a16="http://schemas.microsoft.com/office/drawing/2014/main" id="{A9309530-9C72-431E-AF17-F95DB70E7D31}"/>
-              </a:ext>
-            </a:extLst>
-          </p:cNvPr>
-          <p:cNvSpPr txBox="1"/>
-          <p:nvPr/>
-        </p:nvSpPr>
-        <p:spPr>
-          <a:xfrm>
-            <a:off x="7460120" y="4281788"/>
-            <a:ext cx="2577103" cy="369332"/>
-          </a:xfrm>
-          <a:prstGeom prst="rect">
-            <a:avLst/>
-          </a:prstGeom>
-          <a:noFill/>
-        </p:spPr>
-        <p:txBody>
-          <a:bodyPr wrap="square" rtlCol="0">
-            <a:spAutoFit/>
-          </a:bodyPr>
-          <a:lstStyle/>
-          <a:p>
-            <a:r>
-              <a:rPr lang="en-US" noProof="1"/>
-              <a:t>observationRequirement</a:t>
-            </a:r>
-          </a:p>
-        </p:txBody>
-      </p:sp>
-      <p:sp>
-        <p:nvSpPr>
-          <p:cNvPr id="73" name="ZoneTexte 72">
-            <a:extLst>
-              <a:ext uri="{FF2B5EF4-FFF2-40B4-BE49-F238E27FC236}">
-                <a16:creationId xmlns:a16="http://schemas.microsoft.com/office/drawing/2014/main" id="{EB4220E8-E8FB-4F6B-8617-DD85238222A6}"/>
-              </a:ext>
-            </a:extLst>
-          </p:cNvPr>
-          <p:cNvSpPr txBox="1"/>
-          <p:nvPr/>
-        </p:nvSpPr>
-        <p:spPr>
-          <a:xfrm>
-            <a:off x="5323664" y="4643604"/>
-            <a:ext cx="607145" cy="369332"/>
-          </a:xfrm>
-          <a:prstGeom prst="rect">
-            <a:avLst/>
-          </a:prstGeom>
-          <a:noFill/>
-        </p:spPr>
-        <p:txBody>
-          <a:bodyPr wrap="square" rtlCol="0">
-            <a:spAutoFit/>
-          </a:bodyPr>
-          <a:lstStyle/>
-          <a:p>
-            <a:r>
-              <a:rPr lang="en-US" noProof="1"/>
-              <a:t>0..*</a:t>
-            </a:r>
-          </a:p>
-        </p:txBody>
-      </p:sp>
-      <p:sp>
-        <p:nvSpPr>
-          <p:cNvPr id="74" name="ZoneTexte 73">
-            <a:extLst>
-              <a:ext uri="{FF2B5EF4-FFF2-40B4-BE49-F238E27FC236}">
-                <a16:creationId xmlns:a16="http://schemas.microsoft.com/office/drawing/2014/main" id="{0DE7D4C7-570D-4738-83D2-78C610CF8DB2}"/>
-              </a:ext>
-            </a:extLst>
-          </p:cNvPr>
-          <p:cNvSpPr txBox="1"/>
-          <p:nvPr/>
-        </p:nvSpPr>
-        <p:spPr>
-          <a:xfrm>
-            <a:off x="10507640" y="4643604"/>
-            <a:ext cx="607145" cy="369332"/>
-          </a:xfrm>
-          <a:prstGeom prst="rect">
-            <a:avLst/>
-          </a:prstGeom>
-          <a:noFill/>
-        </p:spPr>
-        <p:txBody>
-          <a:bodyPr wrap="square" rtlCol="0">
-            <a:spAutoFit/>
-          </a:bodyPr>
-          <a:lstStyle/>
-          <a:p>
-            <a:r>
-              <a:rPr lang="en-US" noProof="1"/>
-              <a:t>0..*</a:t>
-            </a:r>
-          </a:p>
-        </p:txBody>
-      </p:sp>
-      <p:sp>
-        <p:nvSpPr>
-          <p:cNvPr id="75" name="ZoneTexte 74">
-            <a:extLst>
-              <a:ext uri="{FF2B5EF4-FFF2-40B4-BE49-F238E27FC236}">
-                <a16:creationId xmlns:a16="http://schemas.microsoft.com/office/drawing/2014/main" id="{2EFF53CD-4ECD-44EE-9F56-5713E9D8A8F4}"/>
-              </a:ext>
-            </a:extLst>
-          </p:cNvPr>
-          <p:cNvSpPr txBox="1"/>
-          <p:nvPr/>
-        </p:nvSpPr>
-        <p:spPr>
-          <a:xfrm>
-            <a:off x="8954873" y="3318830"/>
-            <a:ext cx="3111179" cy="369332"/>
-          </a:xfrm>
-          <a:prstGeom prst="rect">
-            <a:avLst/>
-          </a:prstGeom>
-          <a:noFill/>
-        </p:spPr>
-        <p:txBody>
-          <a:bodyPr wrap="square" rtlCol="0">
-            <a:spAutoFit/>
-          </a:bodyPr>
-          <a:lstStyle/>
-          <a:p>
-            <a:r>
-              <a:rPr lang="en-US" noProof="1"/>
-              <a:t>observationResultRequirement</a:t>
-            </a:r>
-          </a:p>
-        </p:txBody>
-      </p:sp>
-      <p:sp>
-        <p:nvSpPr>
-          <p:cNvPr id="2" name="ZoneTexte 1">
-            <a:extLst>
-              <a:ext uri="{FF2B5EF4-FFF2-40B4-BE49-F238E27FC236}">
-                <a16:creationId xmlns:a16="http://schemas.microsoft.com/office/drawing/2014/main" id="{14C66D9E-6541-4236-87A7-C6FE9DAC58A9}"/>
-              </a:ext>
-            </a:extLst>
-          </p:cNvPr>
-          <p:cNvSpPr txBox="1"/>
-          <p:nvPr/>
-        </p:nvSpPr>
-        <p:spPr>
-          <a:xfrm>
-            <a:off x="2418091" y="19694"/>
-            <a:ext cx="1837542" cy="646331"/>
-          </a:xfrm>
-          <a:prstGeom prst="rect">
-            <a:avLst/>
-          </a:prstGeom>
-          <a:noFill/>
-        </p:spPr>
-        <p:txBody>
-          <a:bodyPr wrap="square" rtlCol="0">
-            <a:spAutoFit/>
-          </a:bodyPr>
-          <a:lstStyle/>
-          <a:p>
-            <a:r>
-              <a:rPr lang="en-US" noProof="1">
-                <a:solidFill>
-                  <a:schemeClr val="accent1">
-                    <a:lumMod val="60000"/>
-                    <a:lumOff val="40000"/>
-                  </a:schemeClr>
-                </a:solidFill>
-              </a:rPr>
-              <a:t>the laboratory compendium</a:t>
-            </a:r>
-          </a:p>
-        </p:txBody>
-      </p:sp>
-      <p:sp>
-        <p:nvSpPr>
-          <p:cNvPr id="4" name="ZoneTexte 3">
-            <a:extLst>
-              <a:ext uri="{FF2B5EF4-FFF2-40B4-BE49-F238E27FC236}">
-                <a16:creationId xmlns:a16="http://schemas.microsoft.com/office/drawing/2014/main" id="{5B6C8461-F70B-415E-81E3-8C60209C46E4}"/>
-              </a:ext>
-            </a:extLst>
-          </p:cNvPr>
-          <p:cNvSpPr txBox="1"/>
-          <p:nvPr/>
-        </p:nvSpPr>
-        <p:spPr>
-          <a:xfrm>
-            <a:off x="5664561" y="711147"/>
-            <a:ext cx="2782783" cy="923330"/>
-          </a:xfrm>
-          <a:prstGeom prst="rect">
-            <a:avLst/>
-          </a:prstGeom>
-          <a:noFill/>
-        </p:spPr>
-        <p:txBody>
-          <a:bodyPr wrap="square" rtlCol="0">
-            <a:spAutoFit/>
-          </a:bodyPr>
-          <a:lstStyle>
-            <a:defPPr>
-              <a:defRPr lang="fr-FR"/>
-            </a:defPPr>
-            <a:lvl1pPr>
-              <a:defRPr>
-                <a:solidFill>
-                  <a:schemeClr val="accent1">
-                    <a:lumMod val="60000"/>
-                    <a:lumOff val="40000"/>
-                  </a:schemeClr>
-                </a:solidFill>
-              </a:defRPr>
-            </a:lvl1pPr>
-          </a:lstStyle>
-          <a:p>
-            <a:r>
-              <a:rPr lang="en-US" noProof="1"/>
-              <a:t>a laboratory service accessible by the consumers of the catalog</a:t>
-            </a:r>
-          </a:p>
-        </p:txBody>
-      </p:sp>
-      <p:sp>
-        <p:nvSpPr>
-          <p:cNvPr id="5" name="ZoneTexte 4">
-            <a:extLst>
-              <a:ext uri="{FF2B5EF4-FFF2-40B4-BE49-F238E27FC236}">
-                <a16:creationId xmlns:a16="http://schemas.microsoft.com/office/drawing/2014/main" id="{0BEB468F-E1B9-4178-88A1-7D05D12F5B2A}"/>
-              </a:ext>
-            </a:extLst>
-          </p:cNvPr>
-          <p:cNvSpPr txBox="1"/>
-          <p:nvPr/>
-        </p:nvSpPr>
-        <p:spPr>
-          <a:xfrm>
-            <a:off x="8917549" y="2220047"/>
-            <a:ext cx="2782783" cy="923330"/>
-          </a:xfrm>
-          <a:prstGeom prst="rect">
-            <a:avLst/>
-          </a:prstGeom>
-          <a:noFill/>
-        </p:spPr>
-        <p:txBody>
-          <a:bodyPr wrap="square" rtlCol="0">
-            <a:spAutoFit/>
-          </a:bodyPr>
-          <a:lstStyle>
-            <a:defPPr>
-              <a:defRPr lang="fr-FR"/>
-            </a:defPPr>
-            <a:lvl1pPr>
-              <a:defRPr>
-                <a:solidFill>
-                  <a:schemeClr val="accent1">
-                    <a:lumMod val="60000"/>
-                    <a:lumOff val="40000"/>
-                  </a:schemeClr>
-                </a:solidFill>
-              </a:defRPr>
-            </a:lvl1pPr>
-          </a:lstStyle>
-          <a:p>
-            <a:r>
-              <a:rPr lang="en-US" noProof="1"/>
-              <a:t>one or more laboratory procedures operationalizing the service </a:t>
-            </a:r>
-          </a:p>
-        </p:txBody>
-      </p:sp>
-      <p:sp>
-        <p:nvSpPr>
-          <p:cNvPr id="32" name="ZoneTexte 31">
-            <a:extLst>
-              <a:ext uri="{FF2B5EF4-FFF2-40B4-BE49-F238E27FC236}">
-                <a16:creationId xmlns:a16="http://schemas.microsoft.com/office/drawing/2014/main" id="{12A68CC3-C8B9-4937-AF74-D3235493E42E}"/>
-              </a:ext>
-            </a:extLst>
-          </p:cNvPr>
-          <p:cNvSpPr txBox="1"/>
-          <p:nvPr/>
-        </p:nvSpPr>
-        <p:spPr>
-          <a:xfrm>
-            <a:off x="250336" y="6152076"/>
-            <a:ext cx="2268722" cy="646331"/>
-          </a:xfrm>
-          <a:prstGeom prst="rect">
-            <a:avLst/>
-          </a:prstGeom>
-          <a:noFill/>
-        </p:spPr>
-        <p:txBody>
-          <a:bodyPr wrap="square" rtlCol="0">
-            <a:spAutoFit/>
-          </a:bodyPr>
-          <a:lstStyle>
-            <a:defPPr>
-              <a:defRPr lang="fr-FR"/>
-            </a:defPPr>
-            <a:lvl1pPr>
-              <a:defRPr>
-                <a:solidFill>
-                  <a:schemeClr val="accent1">
-                    <a:lumMod val="60000"/>
-                    <a:lumOff val="40000"/>
-                  </a:schemeClr>
-                </a:solidFill>
-              </a:defRPr>
-            </a:lvl1pPr>
-          </a:lstStyle>
-          <a:p>
-            <a:r>
-              <a:rPr lang="en-US" noProof="1"/>
-              <a:t>a specimen required by the procedure</a:t>
-            </a:r>
-          </a:p>
-        </p:txBody>
-      </p:sp>
-      <p:sp>
-        <p:nvSpPr>
-          <p:cNvPr id="33" name="ZoneTexte 32">
-            <a:extLst>
-              <a:ext uri="{FF2B5EF4-FFF2-40B4-BE49-F238E27FC236}">
-                <a16:creationId xmlns:a16="http://schemas.microsoft.com/office/drawing/2014/main" id="{0A105627-941F-444D-B556-9B067AA85A13}"/>
-              </a:ext>
-            </a:extLst>
-          </p:cNvPr>
-          <p:cNvSpPr txBox="1"/>
-          <p:nvPr/>
-        </p:nvSpPr>
-        <p:spPr>
-          <a:xfrm>
-            <a:off x="4489562" y="6147004"/>
-            <a:ext cx="2268722" cy="646331"/>
-          </a:xfrm>
-          <a:prstGeom prst="rect">
-            <a:avLst/>
-          </a:prstGeom>
-          <a:noFill/>
-        </p:spPr>
-        <p:txBody>
-          <a:bodyPr wrap="square" rtlCol="0">
-            <a:spAutoFit/>
-          </a:bodyPr>
-          <a:lstStyle>
-            <a:defPPr>
-              <a:defRPr lang="fr-FR"/>
-            </a:defPPr>
-            <a:lvl1pPr>
-              <a:defRPr>
-                <a:solidFill>
-                  <a:schemeClr val="accent1">
-                    <a:lumMod val="60000"/>
-                    <a:lumOff val="40000"/>
-                  </a:schemeClr>
-                </a:solidFill>
-              </a:defRPr>
-            </a:lvl1pPr>
-          </a:lstStyle>
-          <a:p>
-            <a:r>
-              <a:rPr lang="en-US" noProof="1"/>
-              <a:t>an input observation to the procedure</a:t>
-            </a:r>
-          </a:p>
-        </p:txBody>
-      </p:sp>
-      <p:sp>
-        <p:nvSpPr>
-          <p:cNvPr id="34" name="ZoneTexte 33">
-            <a:extLst>
-              <a:ext uri="{FF2B5EF4-FFF2-40B4-BE49-F238E27FC236}">
-                <a16:creationId xmlns:a16="http://schemas.microsoft.com/office/drawing/2014/main" id="{F26F3D45-53F9-4EC5-BA9D-39047742D144}"/>
-              </a:ext>
-            </a:extLst>
-          </p:cNvPr>
-          <p:cNvSpPr txBox="1"/>
-          <p:nvPr/>
-        </p:nvSpPr>
-        <p:spPr>
-          <a:xfrm>
-            <a:off x="8921001" y="6141699"/>
-            <a:ext cx="2346667" cy="646331"/>
-          </a:xfrm>
-          <a:prstGeom prst="rect">
-            <a:avLst/>
-          </a:prstGeom>
-          <a:noFill/>
-        </p:spPr>
-        <p:txBody>
-          <a:bodyPr wrap="square" rtlCol="0">
-            <a:spAutoFit/>
-          </a:bodyPr>
-          <a:lstStyle>
-            <a:defPPr>
-              <a:defRPr lang="fr-FR"/>
-            </a:defPPr>
-            <a:lvl1pPr>
-              <a:defRPr>
-                <a:solidFill>
-                  <a:schemeClr val="accent1">
-                    <a:lumMod val="60000"/>
-                    <a:lumOff val="40000"/>
-                  </a:schemeClr>
-                </a:solidFill>
-              </a:defRPr>
-            </a:lvl1pPr>
-          </a:lstStyle>
-          <a:p>
-            <a:r>
-              <a:rPr lang="en-US" noProof="1"/>
-              <a:t>an output observation of the procedure</a:t>
+              <a:t>0..4</a:t>
             </a:r>
           </a:p>
         </p:txBody>

--- a/input/images-source/LabCompendium.pptx
+++ b/input/images-source/LabCompendium.pptx
@@ -8,7 +8,7 @@
     <p:notesMasterId r:id="rId3"/>
   </p:notesMasterIdLst>
   <p:sldIdLst>
-    <p:sldId id="333" r:id="rId2"/>
+    <p:sldId id="335" r:id="rId2"/>
   </p:sldIdLst>
   <p:sldSz cx="12192000" cy="6858000"/>
   <p:notesSz cx="6858000" cy="9144000"/>
@@ -197,7 +197,7 @@
           <a:p>
             <a:fld id="{C0FC2EA5-DDD9-41B5-A743-573E81829967}" type="datetimeFigureOut">
               <a:rPr lang="fr-FR" smtClean="0"/>
-              <a:t>30/01/2020</a:t>
+              <a:t>11/02/2020</a:t>
             </a:fld>
             <a:endParaRPr lang="fr-FR"/>
           </a:p>
@@ -695,7 +695,7 @@
           <a:p>
             <a:fld id="{DEBA1CB3-45B4-4365-8A01-D60AF6EBF46C}" type="datetimeFigureOut">
               <a:rPr lang="fr-FR" smtClean="0"/>
-              <a:t>30/01/2020</a:t>
+              <a:t>11/02/2020</a:t>
             </a:fld>
             <a:endParaRPr lang="fr-FR"/>
           </a:p>
@@ -893,7 +893,7 @@
           <a:p>
             <a:fld id="{DEBA1CB3-45B4-4365-8A01-D60AF6EBF46C}" type="datetimeFigureOut">
               <a:rPr lang="fr-FR" smtClean="0"/>
-              <a:t>30/01/2020</a:t>
+              <a:t>11/02/2020</a:t>
             </a:fld>
             <a:endParaRPr lang="fr-FR"/>
           </a:p>
@@ -1101,7 +1101,7 @@
           <a:p>
             <a:fld id="{DEBA1CB3-45B4-4365-8A01-D60AF6EBF46C}" type="datetimeFigureOut">
               <a:rPr lang="fr-FR" smtClean="0"/>
-              <a:t>30/01/2020</a:t>
+              <a:t>11/02/2020</a:t>
             </a:fld>
             <a:endParaRPr lang="fr-FR"/>
           </a:p>
@@ -1299,7 +1299,7 @@
           <a:p>
             <a:fld id="{DEBA1CB3-45B4-4365-8A01-D60AF6EBF46C}" type="datetimeFigureOut">
               <a:rPr lang="fr-FR" smtClean="0"/>
-              <a:t>30/01/2020</a:t>
+              <a:t>11/02/2020</a:t>
             </a:fld>
             <a:endParaRPr lang="fr-FR"/>
           </a:p>
@@ -1574,7 +1574,7 @@
           <a:p>
             <a:fld id="{DEBA1CB3-45B4-4365-8A01-D60AF6EBF46C}" type="datetimeFigureOut">
               <a:rPr lang="fr-FR" smtClean="0"/>
-              <a:t>30/01/2020</a:t>
+              <a:t>11/02/2020</a:t>
             </a:fld>
             <a:endParaRPr lang="fr-FR"/>
           </a:p>
@@ -1839,7 +1839,7 @@
           <a:p>
             <a:fld id="{DEBA1CB3-45B4-4365-8A01-D60AF6EBF46C}" type="datetimeFigureOut">
               <a:rPr lang="fr-FR" smtClean="0"/>
-              <a:t>30/01/2020</a:t>
+              <a:t>11/02/2020</a:t>
             </a:fld>
             <a:endParaRPr lang="fr-FR"/>
           </a:p>
@@ -2251,7 +2251,7 @@
           <a:p>
             <a:fld id="{DEBA1CB3-45B4-4365-8A01-D60AF6EBF46C}" type="datetimeFigureOut">
               <a:rPr lang="fr-FR" smtClean="0"/>
-              <a:t>30/01/2020</a:t>
+              <a:t>11/02/2020</a:t>
             </a:fld>
             <a:endParaRPr lang="fr-FR"/>
           </a:p>
@@ -2392,7 +2392,7 @@
           <a:p>
             <a:fld id="{DEBA1CB3-45B4-4365-8A01-D60AF6EBF46C}" type="datetimeFigureOut">
               <a:rPr lang="fr-FR" smtClean="0"/>
-              <a:t>30/01/2020</a:t>
+              <a:t>11/02/2020</a:t>
             </a:fld>
             <a:endParaRPr lang="fr-FR"/>
           </a:p>
@@ -2505,7 +2505,7 @@
           <a:p>
             <a:fld id="{DEBA1CB3-45B4-4365-8A01-D60AF6EBF46C}" type="datetimeFigureOut">
               <a:rPr lang="fr-FR" smtClean="0"/>
-              <a:t>30/01/2020</a:t>
+              <a:t>11/02/2020</a:t>
             </a:fld>
             <a:endParaRPr lang="fr-FR"/>
           </a:p>
@@ -2816,7 +2816,7 @@
           <a:p>
             <a:fld id="{DEBA1CB3-45B4-4365-8A01-D60AF6EBF46C}" type="datetimeFigureOut">
               <a:rPr lang="fr-FR" smtClean="0"/>
-              <a:t>30/01/2020</a:t>
+              <a:t>11/02/2020</a:t>
             </a:fld>
             <a:endParaRPr lang="fr-FR"/>
           </a:p>
@@ -3104,7 +3104,7 @@
           <a:p>
             <a:fld id="{DEBA1CB3-45B4-4365-8A01-D60AF6EBF46C}" type="datetimeFigureOut">
               <a:rPr lang="fr-FR" smtClean="0"/>
-              <a:t>30/01/2020</a:t>
+              <a:t>11/02/2020</a:t>
             </a:fld>
             <a:endParaRPr lang="fr-FR"/>
           </a:p>
@@ -3345,7 +3345,7 @@
           <a:p>
             <a:fld id="{DEBA1CB3-45B4-4365-8A01-D60AF6EBF46C}" type="datetimeFigureOut">
               <a:rPr lang="fr-FR" smtClean="0"/>
-              <a:t>30/01/2020</a:t>
+              <a:t>11/02/2020</a:t>
             </a:fld>
             <a:endParaRPr lang="fr-FR"/>
           </a:p>
@@ -3764,10 +3764,10 @@
       </p:grpSpPr>
       <p:sp>
         <p:nvSpPr>
-          <p:cNvPr id="29" name="ZoneTexte 28">
-            <a:extLst>
-              <a:ext uri="{FF2B5EF4-FFF2-40B4-BE49-F238E27FC236}">
-                <a16:creationId xmlns:a16="http://schemas.microsoft.com/office/drawing/2014/main" id="{02B1921D-9E28-446D-B5EF-B78C0DF9ECAB}"/>
+          <p:cNvPr id="9" name="ZoneTexte 8">
+            <a:extLst>
+              <a:ext uri="{FF2B5EF4-FFF2-40B4-BE49-F238E27FC236}">
+                <a16:creationId xmlns:a16="http://schemas.microsoft.com/office/drawing/2014/main" id="{A946E9D0-D148-4527-8D03-943EAE13355B}"/>
               </a:ext>
             </a:extLst>
           </p:cNvPr>
@@ -3799,24 +3799,24 @@
       </p:sp>
       <p:cxnSp>
         <p:nvCxnSpPr>
-          <p:cNvPr id="30" name="Connecteur : en angle 29">
-            <a:extLst>
-              <a:ext uri="{FF2B5EF4-FFF2-40B4-BE49-F238E27FC236}">
-                <a16:creationId xmlns:a16="http://schemas.microsoft.com/office/drawing/2014/main" id="{4F48DD52-1855-41A7-AE9D-86A6A4AE7C73}"/>
+          <p:cNvPr id="14" name="Connecteur : en angle 13">
+            <a:extLst>
+              <a:ext uri="{FF2B5EF4-FFF2-40B4-BE49-F238E27FC236}">
+                <a16:creationId xmlns:a16="http://schemas.microsoft.com/office/drawing/2014/main" id="{96E14973-247A-449B-98ED-0D425A7A48C1}"/>
               </a:ext>
             </a:extLst>
           </p:cNvPr>
           <p:cNvCxnSpPr>
             <a:cxnSpLocks/>
-            <a:stCxn id="78" idx="0"/>
-            <a:endCxn id="31" idx="3"/>
+            <a:stCxn id="11" idx="0"/>
+            <a:endCxn id="20" idx="3"/>
           </p:cNvCxnSpPr>
           <p:nvPr/>
         </p:nvCxnSpPr>
         <p:spPr>
           <a:xfrm rot="16200000" flipV="1">
-            <a:off x="4677426" y="-46917"/>
-            <a:ext cx="494171" cy="2121650"/>
+            <a:off x="4738077" y="-107569"/>
+            <a:ext cx="372868" cy="2121650"/>
           </a:xfrm>
           <a:prstGeom prst="bentConnector2">
             <a:avLst/>
@@ -3843,10 +3843,10 @@
       </p:cxnSp>
       <p:sp>
         <p:nvSpPr>
-          <p:cNvPr id="31" name="Rectangle 30">
-            <a:extLst>
-              <a:ext uri="{FF2B5EF4-FFF2-40B4-BE49-F238E27FC236}">
-                <a16:creationId xmlns:a16="http://schemas.microsoft.com/office/drawing/2014/main" id="{4ACE95F7-BAC7-4E93-90E4-F42FA67AE47E}"/>
+          <p:cNvPr id="20" name="Rectangle 19">
+            <a:extLst>
+              <a:ext uri="{FF2B5EF4-FFF2-40B4-BE49-F238E27FC236}">
+                <a16:creationId xmlns:a16="http://schemas.microsoft.com/office/drawing/2014/main" id="{0EF34064-8B6F-4B06-B950-EFD89EB71C6D}"/>
               </a:ext>
             </a:extLst>
           </p:cNvPr>
@@ -3943,10 +3943,10 @@
       </p:sp>
       <p:sp>
         <p:nvSpPr>
-          <p:cNvPr id="35" name="ZoneTexte 34">
-            <a:extLst>
-              <a:ext uri="{FF2B5EF4-FFF2-40B4-BE49-F238E27FC236}">
-                <a16:creationId xmlns:a16="http://schemas.microsoft.com/office/drawing/2014/main" id="{AFAEF7ED-ABC9-41E8-8724-A7B79584D9C4}"/>
+          <p:cNvPr id="3" name="ZoneTexte 2">
+            <a:extLst>
+              <a:ext uri="{FF2B5EF4-FFF2-40B4-BE49-F238E27FC236}">
+                <a16:creationId xmlns:a16="http://schemas.microsoft.com/office/drawing/2014/main" id="{50DBA933-9565-444C-B7B3-F193880AE287}"/>
               </a:ext>
             </a:extLst>
           </p:cNvPr>
@@ -3955,7 +3955,7 @@
         </p:nvSpPr>
         <p:spPr>
           <a:xfrm>
-            <a:off x="4255955" y="871713"/>
+            <a:off x="4255955" y="750410"/>
             <a:ext cx="1876007" cy="369332"/>
           </a:xfrm>
           <a:prstGeom prst="rect">
@@ -3978,24 +3978,24 @@
       </p:sp>
       <p:cxnSp>
         <p:nvCxnSpPr>
-          <p:cNvPr id="36" name="Connecteur : en angle 35">
-            <a:extLst>
-              <a:ext uri="{FF2B5EF4-FFF2-40B4-BE49-F238E27FC236}">
-                <a16:creationId xmlns:a16="http://schemas.microsoft.com/office/drawing/2014/main" id="{3118D877-F9A4-471E-A036-A179013941FC}"/>
+          <p:cNvPr id="43" name="Connecteur : en angle 42">
+            <a:extLst>
+              <a:ext uri="{FF2B5EF4-FFF2-40B4-BE49-F238E27FC236}">
+                <a16:creationId xmlns:a16="http://schemas.microsoft.com/office/drawing/2014/main" id="{C9A4C617-23DA-4B5A-A95B-EFA518F82E4B}"/>
               </a:ext>
             </a:extLst>
           </p:cNvPr>
           <p:cNvCxnSpPr>
             <a:cxnSpLocks/>
-            <a:stCxn id="78" idx="2"/>
-            <a:endCxn id="37" idx="0"/>
+            <a:stCxn id="11" idx="2"/>
+            <a:endCxn id="46" idx="0"/>
           </p:cNvCxnSpPr>
           <p:nvPr/>
         </p:nvCxnSpPr>
         <p:spPr>
           <a:xfrm rot="5400000">
-            <a:off x="5637506" y="2749365"/>
-            <a:ext cx="695661" cy="1"/>
+            <a:off x="5600182" y="2665386"/>
+            <a:ext cx="770309" cy="1"/>
           </a:xfrm>
           <a:prstGeom prst="bentConnector3">
             <a:avLst>
@@ -4024,10 +4024,10 @@
       </p:cxnSp>
       <p:sp>
         <p:nvSpPr>
-          <p:cNvPr id="37" name="Rectangle 36">
-            <a:extLst>
-              <a:ext uri="{FF2B5EF4-FFF2-40B4-BE49-F238E27FC236}">
-                <a16:creationId xmlns:a16="http://schemas.microsoft.com/office/drawing/2014/main" id="{9E452F91-FD69-4618-83FA-F751D2DA9F7D}"/>
+          <p:cNvPr id="46" name="Rectangle 45">
+            <a:extLst>
+              <a:ext uri="{FF2B5EF4-FFF2-40B4-BE49-F238E27FC236}">
+                <a16:creationId xmlns:a16="http://schemas.microsoft.com/office/drawing/2014/main" id="{6324F97B-D06D-400B-82DF-1A3970FD058D}"/>
               </a:ext>
             </a:extLst>
           </p:cNvPr>
@@ -4036,7 +4036,7 @@
         </p:nvSpPr>
         <p:spPr>
           <a:xfrm>
-            <a:off x="4527907" y="3097196"/>
+            <a:off x="4527907" y="3050541"/>
             <a:ext cx="2914855" cy="1140542"/>
           </a:xfrm>
           <a:prstGeom prst="rect">
@@ -4131,10 +4131,10 @@
       </p:sp>
       <p:sp>
         <p:nvSpPr>
-          <p:cNvPr id="38" name="ZoneTexte 37">
-            <a:extLst>
-              <a:ext uri="{FF2B5EF4-FFF2-40B4-BE49-F238E27FC236}">
-                <a16:creationId xmlns:a16="http://schemas.microsoft.com/office/drawing/2014/main" id="{DB5BFD68-A33A-4D53-9879-3C918FFCD6D6}"/>
+          <p:cNvPr id="51" name="ZoneTexte 50">
+            <a:extLst>
+              <a:ext uri="{FF2B5EF4-FFF2-40B4-BE49-F238E27FC236}">
+                <a16:creationId xmlns:a16="http://schemas.microsoft.com/office/drawing/2014/main" id="{DDA19B55-7B2D-4F80-A8B0-AC35CA3AEB5F}"/>
               </a:ext>
             </a:extLst>
           </p:cNvPr>
@@ -4143,7 +4143,7 @@
         </p:nvSpPr>
         <p:spPr>
           <a:xfrm>
-            <a:off x="5516244" y="2681928"/>
+            <a:off x="5516244" y="2635273"/>
             <a:ext cx="607145" cy="369332"/>
           </a:xfrm>
           <a:prstGeom prst="rect">
@@ -4166,10 +4166,10 @@
       </p:sp>
       <p:sp>
         <p:nvSpPr>
-          <p:cNvPr id="39" name="ZoneTexte 38">
-            <a:extLst>
-              <a:ext uri="{FF2B5EF4-FFF2-40B4-BE49-F238E27FC236}">
-                <a16:creationId xmlns:a16="http://schemas.microsoft.com/office/drawing/2014/main" id="{0DA17605-804E-43E6-9632-A05D129F78B9}"/>
+          <p:cNvPr id="52" name="ZoneTexte 51">
+            <a:extLst>
+              <a:ext uri="{FF2B5EF4-FFF2-40B4-BE49-F238E27FC236}">
+                <a16:creationId xmlns:a16="http://schemas.microsoft.com/office/drawing/2014/main" id="{8C5EA803-67C9-48E4-8679-3F8205317474}"/>
               </a:ext>
             </a:extLst>
           </p:cNvPr>
@@ -4178,7 +4178,7 @@
         </p:nvSpPr>
         <p:spPr>
           <a:xfrm>
-            <a:off x="3690028" y="2383819"/>
+            <a:off x="3727352" y="2281178"/>
             <a:ext cx="2593912" cy="369332"/>
           </a:xfrm>
           <a:prstGeom prst="rect">
@@ -4201,10 +4201,10 @@
       </p:sp>
       <p:sp>
         <p:nvSpPr>
-          <p:cNvPr id="40" name="Rectangle 39">
-            <a:extLst>
-              <a:ext uri="{FF2B5EF4-FFF2-40B4-BE49-F238E27FC236}">
-                <a16:creationId xmlns:a16="http://schemas.microsoft.com/office/drawing/2014/main" id="{6703BAA4-B49B-4A4E-85A5-F39E2CB2F90B}"/>
+          <p:cNvPr id="54" name="Rectangle 53">
+            <a:extLst>
+              <a:ext uri="{FF2B5EF4-FFF2-40B4-BE49-F238E27FC236}">
+                <a16:creationId xmlns:a16="http://schemas.microsoft.com/office/drawing/2014/main" id="{48EEC750-3A3E-431D-9735-6AB2099A1A92}"/>
               </a:ext>
             </a:extLst>
           </p:cNvPr>
@@ -4308,10 +4308,10 @@
       </p:sp>
       <p:sp>
         <p:nvSpPr>
-          <p:cNvPr id="41" name="Rectangle 40">
-            <a:extLst>
-              <a:ext uri="{FF2B5EF4-FFF2-40B4-BE49-F238E27FC236}">
-                <a16:creationId xmlns:a16="http://schemas.microsoft.com/office/drawing/2014/main" id="{681A6020-35D8-4E5D-A0AB-A2DF34ADA5A2}"/>
+          <p:cNvPr id="55" name="Rectangle 54">
+            <a:extLst>
+              <a:ext uri="{FF2B5EF4-FFF2-40B4-BE49-F238E27FC236}">
+                <a16:creationId xmlns:a16="http://schemas.microsoft.com/office/drawing/2014/main" id="{8661556E-21ED-4FDD-8387-069647701921}"/>
               </a:ext>
             </a:extLst>
           </p:cNvPr>
@@ -4415,10 +4415,10 @@
       </p:sp>
       <p:sp>
         <p:nvSpPr>
-          <p:cNvPr id="42" name="Rectangle 41">
-            <a:extLst>
-              <a:ext uri="{FF2B5EF4-FFF2-40B4-BE49-F238E27FC236}">
-                <a16:creationId xmlns:a16="http://schemas.microsoft.com/office/drawing/2014/main" id="{D6C1E2A4-97DA-48EA-8A18-55C793279C7C}"/>
+          <p:cNvPr id="56" name="Rectangle 55">
+            <a:extLst>
+              <a:ext uri="{FF2B5EF4-FFF2-40B4-BE49-F238E27FC236}">
+                <a16:creationId xmlns:a16="http://schemas.microsoft.com/office/drawing/2014/main" id="{F6F11366-8458-4112-A323-141BA159FFFC}"/>
               </a:ext>
             </a:extLst>
           </p:cNvPr>
@@ -4522,24 +4522,24 @@
       </p:sp>
       <p:cxnSp>
         <p:nvCxnSpPr>
-          <p:cNvPr id="44" name="Connecteur : en angle 43">
-            <a:extLst>
-              <a:ext uri="{FF2B5EF4-FFF2-40B4-BE49-F238E27FC236}">
-                <a16:creationId xmlns:a16="http://schemas.microsoft.com/office/drawing/2014/main" id="{2BC8B7B9-ACF7-4557-8736-5781E50CB89A}"/>
+          <p:cNvPr id="57" name="Connecteur : en angle 56">
+            <a:extLst>
+              <a:ext uri="{FF2B5EF4-FFF2-40B4-BE49-F238E27FC236}">
+                <a16:creationId xmlns:a16="http://schemas.microsoft.com/office/drawing/2014/main" id="{15990ED7-D7B7-4EEE-A20B-C21EC57541DC}"/>
               </a:ext>
             </a:extLst>
           </p:cNvPr>
           <p:cNvCxnSpPr>
             <a:cxnSpLocks/>
-            <a:stCxn id="37" idx="1"/>
-            <a:endCxn id="42" idx="0"/>
+            <a:stCxn id="46" idx="1"/>
+            <a:endCxn id="56" idx="0"/>
           </p:cNvCxnSpPr>
           <p:nvPr/>
         </p:nvCxnSpPr>
         <p:spPr>
           <a:xfrm rot="10800000" flipV="1">
-            <a:off x="1900043" y="3667466"/>
-            <a:ext cx="2627865" cy="1211047"/>
+            <a:off x="1900043" y="3620812"/>
+            <a:ext cx="2627865" cy="1257702"/>
           </a:xfrm>
           <a:prstGeom prst="bentConnector2">
             <a:avLst/>
@@ -4566,24 +4566,24 @@
       </p:cxnSp>
       <p:cxnSp>
         <p:nvCxnSpPr>
-          <p:cNvPr id="45" name="Connecteur : en angle 44">
-            <a:extLst>
-              <a:ext uri="{FF2B5EF4-FFF2-40B4-BE49-F238E27FC236}">
-                <a16:creationId xmlns:a16="http://schemas.microsoft.com/office/drawing/2014/main" id="{DEC1434A-845B-4315-A0CE-42153B77FA35}"/>
+          <p:cNvPr id="60" name="Connecteur : en angle 59">
+            <a:extLst>
+              <a:ext uri="{FF2B5EF4-FFF2-40B4-BE49-F238E27FC236}">
+                <a16:creationId xmlns:a16="http://schemas.microsoft.com/office/drawing/2014/main" id="{DA2AF1A3-48F7-47E0-B4B7-79E68B4E6B5C}"/>
               </a:ext>
             </a:extLst>
           </p:cNvPr>
           <p:cNvCxnSpPr>
             <a:cxnSpLocks/>
-            <a:stCxn id="37" idx="2"/>
-            <a:endCxn id="40" idx="0"/>
+            <a:stCxn id="46" idx="2"/>
+            <a:endCxn id="54" idx="0"/>
           </p:cNvCxnSpPr>
           <p:nvPr/>
         </p:nvCxnSpPr>
         <p:spPr>
           <a:xfrm rot="16200000" flipH="1">
-            <a:off x="5665824" y="4557249"/>
-            <a:ext cx="640776" cy="1754"/>
+            <a:off x="5642497" y="4533921"/>
+            <a:ext cx="687431" cy="1754"/>
           </a:xfrm>
           <a:prstGeom prst="bentConnector3">
             <a:avLst>
@@ -4612,24 +4612,24 @@
       </p:cxnSp>
       <p:cxnSp>
         <p:nvCxnSpPr>
-          <p:cNvPr id="47" name="Connecteur : en angle 46">
-            <a:extLst>
-              <a:ext uri="{FF2B5EF4-FFF2-40B4-BE49-F238E27FC236}">
-                <a16:creationId xmlns:a16="http://schemas.microsoft.com/office/drawing/2014/main" id="{63A80FC7-6349-4518-A857-6AAE31D15777}"/>
+          <p:cNvPr id="63" name="Connecteur : en angle 62">
+            <a:extLst>
+              <a:ext uri="{FF2B5EF4-FFF2-40B4-BE49-F238E27FC236}">
+                <a16:creationId xmlns:a16="http://schemas.microsoft.com/office/drawing/2014/main" id="{52F29C62-3816-4A94-93C8-4E3BA5AF99AA}"/>
               </a:ext>
             </a:extLst>
           </p:cNvPr>
           <p:cNvCxnSpPr>
             <a:cxnSpLocks/>
-            <a:stCxn id="37" idx="3"/>
-            <a:endCxn id="41" idx="0"/>
+            <a:stCxn id="46" idx="3"/>
+            <a:endCxn id="55" idx="0"/>
           </p:cNvCxnSpPr>
           <p:nvPr/>
         </p:nvCxnSpPr>
         <p:spPr>
           <a:xfrm>
-            <a:off x="7442762" y="3667467"/>
-            <a:ext cx="2667896" cy="1211047"/>
+            <a:off x="7442762" y="3620812"/>
+            <a:ext cx="2667896" cy="1257702"/>
           </a:xfrm>
           <a:prstGeom prst="bentConnector2">
             <a:avLst/>
@@ -4656,10 +4656,10 @@
       </p:cxnSp>
       <p:sp>
         <p:nvSpPr>
-          <p:cNvPr id="48" name="ZoneTexte 47">
-            <a:extLst>
-              <a:ext uri="{FF2B5EF4-FFF2-40B4-BE49-F238E27FC236}">
-                <a16:creationId xmlns:a16="http://schemas.microsoft.com/office/drawing/2014/main" id="{4BE9F2F3-5F5E-4AD7-BAFB-747C4DDA1106}"/>
+          <p:cNvPr id="70" name="ZoneTexte 69">
+            <a:extLst>
+              <a:ext uri="{FF2B5EF4-FFF2-40B4-BE49-F238E27FC236}">
+                <a16:creationId xmlns:a16="http://schemas.microsoft.com/office/drawing/2014/main" id="{32AC0154-36F6-4FA3-B245-FE044FA1CE68}"/>
               </a:ext>
             </a:extLst>
           </p:cNvPr>
@@ -4668,7 +4668,7 @@
         </p:nvSpPr>
         <p:spPr>
           <a:xfrm>
-            <a:off x="2210804" y="3304973"/>
+            <a:off x="2210804" y="3258318"/>
             <a:ext cx="2308432" cy="369332"/>
           </a:xfrm>
           <a:prstGeom prst="rect">
@@ -4691,10 +4691,10 @@
       </p:sp>
       <p:sp>
         <p:nvSpPr>
-          <p:cNvPr id="49" name="ZoneTexte 48">
-            <a:extLst>
-              <a:ext uri="{FF2B5EF4-FFF2-40B4-BE49-F238E27FC236}">
-                <a16:creationId xmlns:a16="http://schemas.microsoft.com/office/drawing/2014/main" id="{53ADD0D5-3A92-43B3-A963-6E45BC4CFC82}"/>
+          <p:cNvPr id="71" name="ZoneTexte 70">
+            <a:extLst>
+              <a:ext uri="{FF2B5EF4-FFF2-40B4-BE49-F238E27FC236}">
+                <a16:creationId xmlns:a16="http://schemas.microsoft.com/office/drawing/2014/main" id="{98BEC931-6B82-43BE-8606-752AC314803E}"/>
               </a:ext>
             </a:extLst>
           </p:cNvPr>
@@ -4703,7 +4703,7 @@
         </p:nvSpPr>
         <p:spPr>
           <a:xfrm>
-            <a:off x="1415480" y="4481343"/>
+            <a:off x="1891372" y="4445589"/>
             <a:ext cx="607145" cy="369332"/>
           </a:xfrm>
           <a:prstGeom prst="rect">
@@ -4726,10 +4726,10 @@
       </p:sp>
       <p:sp>
         <p:nvSpPr>
-          <p:cNvPr id="50" name="ZoneTexte 49">
-            <a:extLst>
-              <a:ext uri="{FF2B5EF4-FFF2-40B4-BE49-F238E27FC236}">
-                <a16:creationId xmlns:a16="http://schemas.microsoft.com/office/drawing/2014/main" id="{4247CF34-FDA5-4845-9F63-7B8D4600F6BA}"/>
+          <p:cNvPr id="72" name="ZoneTexte 71">
+            <a:extLst>
+              <a:ext uri="{FF2B5EF4-FFF2-40B4-BE49-F238E27FC236}">
+                <a16:creationId xmlns:a16="http://schemas.microsoft.com/office/drawing/2014/main" id="{A9309530-9C72-431E-AF17-F95DB70E7D31}"/>
               </a:ext>
             </a:extLst>
           </p:cNvPr>
@@ -4738,7 +4738,7 @@
         </p:nvSpPr>
         <p:spPr>
           <a:xfrm>
-            <a:off x="5976002" y="4254011"/>
+            <a:off x="5976002" y="4207356"/>
             <a:ext cx="2577103" cy="369332"/>
           </a:xfrm>
           <a:prstGeom prst="rect">
@@ -4761,10 +4761,10 @@
       </p:sp>
       <p:sp>
         <p:nvSpPr>
-          <p:cNvPr id="53" name="ZoneTexte 52">
-            <a:extLst>
-              <a:ext uri="{FF2B5EF4-FFF2-40B4-BE49-F238E27FC236}">
-                <a16:creationId xmlns:a16="http://schemas.microsoft.com/office/drawing/2014/main" id="{AFE1B7C2-7875-4267-8FB0-2D7531E4E792}"/>
+          <p:cNvPr id="73" name="ZoneTexte 72">
+            <a:extLst>
+              <a:ext uri="{FF2B5EF4-FFF2-40B4-BE49-F238E27FC236}">
+                <a16:creationId xmlns:a16="http://schemas.microsoft.com/office/drawing/2014/main" id="{EB4220E8-E8FB-4F6B-8617-DD85238222A6}"/>
               </a:ext>
             </a:extLst>
           </p:cNvPr>
@@ -4773,7 +4773,7 @@
         </p:nvSpPr>
         <p:spPr>
           <a:xfrm>
-            <a:off x="6000916" y="4538751"/>
+            <a:off x="6000916" y="4520089"/>
             <a:ext cx="607145" cy="369332"/>
           </a:xfrm>
           <a:prstGeom prst="rect">
@@ -4796,10 +4796,10 @@
       </p:sp>
       <p:sp>
         <p:nvSpPr>
-          <p:cNvPr id="58" name="ZoneTexte 57">
-            <a:extLst>
-              <a:ext uri="{FF2B5EF4-FFF2-40B4-BE49-F238E27FC236}">
-                <a16:creationId xmlns:a16="http://schemas.microsoft.com/office/drawing/2014/main" id="{E4E82BAF-771A-4DDC-B6AB-EEBF0EBBAC2C}"/>
+          <p:cNvPr id="74" name="ZoneTexte 73">
+            <a:extLst>
+              <a:ext uri="{FF2B5EF4-FFF2-40B4-BE49-F238E27FC236}">
+                <a16:creationId xmlns:a16="http://schemas.microsoft.com/office/drawing/2014/main" id="{0DE7D4C7-570D-4738-83D2-78C610CF8DB2}"/>
               </a:ext>
             </a:extLst>
           </p:cNvPr>
@@ -4831,10 +4831,10 @@
       </p:sp>
       <p:sp>
         <p:nvSpPr>
-          <p:cNvPr id="59" name="ZoneTexte 58">
-            <a:extLst>
-              <a:ext uri="{FF2B5EF4-FFF2-40B4-BE49-F238E27FC236}">
-                <a16:creationId xmlns:a16="http://schemas.microsoft.com/office/drawing/2014/main" id="{089726E7-4259-452A-95C9-5976896AAC1F}"/>
+          <p:cNvPr id="75" name="ZoneTexte 74">
+            <a:extLst>
+              <a:ext uri="{FF2B5EF4-FFF2-40B4-BE49-F238E27FC236}">
+                <a16:creationId xmlns:a16="http://schemas.microsoft.com/office/drawing/2014/main" id="{2EFF53CD-4ECD-44EE-9F56-5713E9D8A8F4}"/>
               </a:ext>
             </a:extLst>
           </p:cNvPr>
@@ -4843,7 +4843,7 @@
         </p:nvSpPr>
         <p:spPr>
           <a:xfrm>
-            <a:off x="7470755" y="3291053"/>
+            <a:off x="7470755" y="3244398"/>
             <a:ext cx="3111179" cy="369332"/>
           </a:xfrm>
           <a:prstGeom prst="rect">
@@ -4866,10 +4866,10 @@
       </p:sp>
       <p:sp>
         <p:nvSpPr>
-          <p:cNvPr id="61" name="ZoneTexte 60">
-            <a:extLst>
-              <a:ext uri="{FF2B5EF4-FFF2-40B4-BE49-F238E27FC236}">
-                <a16:creationId xmlns:a16="http://schemas.microsoft.com/office/drawing/2014/main" id="{14CA794A-8527-418C-9D8E-63135B96C7E1}"/>
+          <p:cNvPr id="2" name="ZoneTexte 1">
+            <a:extLst>
+              <a:ext uri="{FF2B5EF4-FFF2-40B4-BE49-F238E27FC236}">
+                <a16:creationId xmlns:a16="http://schemas.microsoft.com/office/drawing/2014/main" id="{14C66D9E-6541-4236-87A7-C6FE9DAC58A9}"/>
               </a:ext>
             </a:extLst>
           </p:cNvPr>
@@ -4879,7 +4879,7 @@
         <p:spPr>
           <a:xfrm>
             <a:off x="47328" y="65567"/>
-            <a:ext cx="2016224" cy="646331"/>
+            <a:ext cx="1540369" cy="646331"/>
           </a:xfrm>
           <a:prstGeom prst="rect">
             <a:avLst/>
@@ -4892,6 +4892,7 @@
           </a:bodyPr>
           <a:lstStyle/>
           <a:p>
+            <a:pPr algn="r"/>
             <a:r>
               <a:rPr lang="en-US" i="1" noProof="1">
                 <a:solidFill>
@@ -4908,10 +4909,10 @@
       </p:sp>
       <p:sp>
         <p:nvSpPr>
-          <p:cNvPr id="62" name="ZoneTexte 61">
-            <a:extLst>
-              <a:ext uri="{FF2B5EF4-FFF2-40B4-BE49-F238E27FC236}">
-                <a16:creationId xmlns:a16="http://schemas.microsoft.com/office/drawing/2014/main" id="{3D148178-7310-4574-BD72-3B294640E672}"/>
+          <p:cNvPr id="4" name="ZoneTexte 3">
+            <a:extLst>
+              <a:ext uri="{FF2B5EF4-FFF2-40B4-BE49-F238E27FC236}">
+                <a16:creationId xmlns:a16="http://schemas.microsoft.com/office/drawing/2014/main" id="{5B6C8461-F70B-415E-81E3-8C60209C46E4}"/>
               </a:ext>
             </a:extLst>
           </p:cNvPr>
@@ -4920,8 +4921,8 @@
         </p:nvSpPr>
         <p:spPr>
           <a:xfrm>
-            <a:off x="6805993" y="264435"/>
-            <a:ext cx="2593912" cy="923330"/>
+            <a:off x="7314576" y="971935"/>
+            <a:ext cx="3211448" cy="646331"/>
           </a:xfrm>
           <a:prstGeom prst="rect">
             <a:avLst/>
@@ -4957,10 +4958,10 @@
       </p:sp>
       <p:sp>
         <p:nvSpPr>
-          <p:cNvPr id="64" name="ZoneTexte 63">
-            <a:extLst>
-              <a:ext uri="{FF2B5EF4-FFF2-40B4-BE49-F238E27FC236}">
-                <a16:creationId xmlns:a16="http://schemas.microsoft.com/office/drawing/2014/main" id="{90FA598E-98C5-46DA-BF88-5EC7698863AE}"/>
+          <p:cNvPr id="5" name="ZoneTexte 4">
+            <a:extLst>
+              <a:ext uri="{FF2B5EF4-FFF2-40B4-BE49-F238E27FC236}">
+                <a16:creationId xmlns:a16="http://schemas.microsoft.com/office/drawing/2014/main" id="{0BEB468F-E1B9-4178-88A1-7D05D12F5B2A}"/>
               </a:ext>
             </a:extLst>
           </p:cNvPr>
@@ -4969,7 +4970,7 @@
         </p:nvSpPr>
         <p:spPr>
           <a:xfrm>
-            <a:off x="5951984" y="2709767"/>
+            <a:off x="5951984" y="2653781"/>
             <a:ext cx="6190996" cy="369332"/>
           </a:xfrm>
           <a:prstGeom prst="rect">
@@ -5006,10 +5007,10 @@
       </p:sp>
       <p:sp>
         <p:nvSpPr>
-          <p:cNvPr id="65" name="ZoneTexte 64">
-            <a:extLst>
-              <a:ext uri="{FF2B5EF4-FFF2-40B4-BE49-F238E27FC236}">
-                <a16:creationId xmlns:a16="http://schemas.microsoft.com/office/drawing/2014/main" id="{DAB32ACA-59E5-452E-8C04-7ACCFCA16756}"/>
+          <p:cNvPr id="32" name="ZoneTexte 31">
+            <a:extLst>
+              <a:ext uri="{FF2B5EF4-FFF2-40B4-BE49-F238E27FC236}">
+                <a16:creationId xmlns:a16="http://schemas.microsoft.com/office/drawing/2014/main" id="{12A68CC3-C8B9-4937-AF74-D3235493E42E}"/>
               </a:ext>
             </a:extLst>
           </p:cNvPr>
@@ -5018,7 +5019,7 @@
         </p:nvSpPr>
         <p:spPr>
           <a:xfrm>
-            <a:off x="263352" y="3612740"/>
+            <a:off x="319249" y="3886478"/>
             <a:ext cx="1540369" cy="923330"/>
           </a:xfrm>
           <a:prstGeom prst="rect">
@@ -5056,10 +5057,10 @@
       </p:sp>
       <p:sp>
         <p:nvSpPr>
-          <p:cNvPr id="66" name="ZoneTexte 65">
-            <a:extLst>
-              <a:ext uri="{FF2B5EF4-FFF2-40B4-BE49-F238E27FC236}">
-                <a16:creationId xmlns:a16="http://schemas.microsoft.com/office/drawing/2014/main" id="{23497807-DB83-4AAC-B04C-2E87074F9DB5}"/>
+          <p:cNvPr id="33" name="ZoneTexte 32">
+            <a:extLst>
+              <a:ext uri="{FF2B5EF4-FFF2-40B4-BE49-F238E27FC236}">
+                <a16:creationId xmlns:a16="http://schemas.microsoft.com/office/drawing/2014/main" id="{0A105627-941F-444D-B556-9B067AA85A13}"/>
               </a:ext>
             </a:extLst>
           </p:cNvPr>
@@ -5068,7 +5069,7 @@
         </p:nvSpPr>
         <p:spPr>
           <a:xfrm>
-            <a:off x="3727038" y="4240677"/>
+            <a:off x="3708376" y="4222015"/>
             <a:ext cx="2268722" cy="646331"/>
           </a:xfrm>
           <a:prstGeom prst="rect">
@@ -5106,10 +5107,10 @@
       </p:sp>
       <p:sp>
         <p:nvSpPr>
-          <p:cNvPr id="67" name="ZoneTexte 66">
-            <a:extLst>
-              <a:ext uri="{FF2B5EF4-FFF2-40B4-BE49-F238E27FC236}">
-                <a16:creationId xmlns:a16="http://schemas.microsoft.com/office/drawing/2014/main" id="{8CFEBD50-4F7B-478C-8C4C-DF157F136D49}"/>
+          <p:cNvPr id="34" name="ZoneTexte 33">
+            <a:extLst>
+              <a:ext uri="{FF2B5EF4-FFF2-40B4-BE49-F238E27FC236}">
+                <a16:creationId xmlns:a16="http://schemas.microsoft.com/office/drawing/2014/main" id="{F26F3D45-53F9-4EC5-BA9D-39047742D144}"/>
               </a:ext>
             </a:extLst>
           </p:cNvPr>
@@ -5118,7 +5119,7 @@
         </p:nvSpPr>
         <p:spPr>
           <a:xfrm>
-            <a:off x="10142412" y="3640513"/>
+            <a:off x="10172283" y="3868765"/>
             <a:ext cx="1541314" cy="923330"/>
           </a:xfrm>
           <a:prstGeom prst="rect">
@@ -5155,10 +5156,10 @@
       </p:sp>
       <p:sp>
         <p:nvSpPr>
-          <p:cNvPr id="68" name="Rectangle 67">
-            <a:extLst>
-              <a:ext uri="{FF2B5EF4-FFF2-40B4-BE49-F238E27FC236}">
-                <a16:creationId xmlns:a16="http://schemas.microsoft.com/office/drawing/2014/main" id="{5775E0D2-5862-4DEA-8C9B-E341CCCCDD0E}"/>
+          <p:cNvPr id="30" name="Rectangle 29">
+            <a:extLst>
+              <a:ext uri="{FF2B5EF4-FFF2-40B4-BE49-F238E27FC236}">
+                <a16:creationId xmlns:a16="http://schemas.microsoft.com/office/drawing/2014/main" id="{3FF89A57-DB25-4A6C-878E-8BC0F0E66DCE}"/>
               </a:ext>
             </a:extLst>
           </p:cNvPr>
@@ -5167,7 +5168,7 @@
         </p:nvSpPr>
         <p:spPr>
           <a:xfrm>
-            <a:off x="6908365" y="2053669"/>
+            <a:off x="6908365" y="1932366"/>
             <a:ext cx="340999" cy="324520"/>
           </a:xfrm>
           <a:prstGeom prst="rect">
@@ -5201,23 +5202,23 @@
       </p:sp>
       <p:cxnSp>
         <p:nvCxnSpPr>
-          <p:cNvPr id="69" name="Connecteur : en angle 68">
-            <a:extLst>
-              <a:ext uri="{FF2B5EF4-FFF2-40B4-BE49-F238E27FC236}">
-                <a16:creationId xmlns:a16="http://schemas.microsoft.com/office/drawing/2014/main" id="{DC0402A8-BEEF-4AE3-BCAC-F9E66161D262}"/>
+          <p:cNvPr id="35" name="Connecteur : en angle 34">
+            <a:extLst>
+              <a:ext uri="{FF2B5EF4-FFF2-40B4-BE49-F238E27FC236}">
+                <a16:creationId xmlns:a16="http://schemas.microsoft.com/office/drawing/2014/main" id="{E8634128-453D-4B9E-A1BE-AA9C0F17215D}"/>
               </a:ext>
             </a:extLst>
           </p:cNvPr>
           <p:cNvCxnSpPr>
             <a:cxnSpLocks/>
-            <a:stCxn id="68" idx="2"/>
-            <a:endCxn id="68" idx="3"/>
+            <a:stCxn id="30" idx="2"/>
+            <a:endCxn id="30" idx="3"/>
           </p:cNvCxnSpPr>
           <p:nvPr/>
         </p:nvCxnSpPr>
         <p:spPr>
           <a:xfrm rot="5400000" flipH="1" flipV="1">
-            <a:off x="7082984" y="2211809"/>
+            <a:off x="7082984" y="2090506"/>
             <a:ext cx="162260" cy="170499"/>
           </a:xfrm>
           <a:prstGeom prst="bentConnector4">
@@ -5248,10 +5249,10 @@
       </p:cxnSp>
       <p:sp>
         <p:nvSpPr>
-          <p:cNvPr id="76" name="ZoneTexte 75">
-            <a:extLst>
-              <a:ext uri="{FF2B5EF4-FFF2-40B4-BE49-F238E27FC236}">
-                <a16:creationId xmlns:a16="http://schemas.microsoft.com/office/drawing/2014/main" id="{DD19467F-2DD1-4905-8503-EBCF60A2B776}"/>
+          <p:cNvPr id="36" name="ZoneTexte 35">
+            <a:extLst>
+              <a:ext uri="{FF2B5EF4-FFF2-40B4-BE49-F238E27FC236}">
+                <a16:creationId xmlns:a16="http://schemas.microsoft.com/office/drawing/2014/main" id="{6FC2082B-E275-4667-BE96-11DA28C72440}"/>
               </a:ext>
             </a:extLst>
           </p:cNvPr>
@@ -5260,7 +5261,7 @@
         </p:nvSpPr>
         <p:spPr>
           <a:xfrm>
-            <a:off x="6559778" y="2371176"/>
+            <a:off x="6559778" y="2249873"/>
             <a:ext cx="607145" cy="369332"/>
           </a:xfrm>
           <a:prstGeom prst="rect">
@@ -5283,10 +5284,10 @@
       </p:sp>
       <p:sp>
         <p:nvSpPr>
-          <p:cNvPr id="77" name="ZoneTexte 76">
-            <a:extLst>
-              <a:ext uri="{FF2B5EF4-FFF2-40B4-BE49-F238E27FC236}">
-                <a16:creationId xmlns:a16="http://schemas.microsoft.com/office/drawing/2014/main" id="{82C92962-1D5D-4E1E-A2BB-23F971600441}"/>
+          <p:cNvPr id="37" name="ZoneTexte 36">
+            <a:extLst>
+              <a:ext uri="{FF2B5EF4-FFF2-40B4-BE49-F238E27FC236}">
+                <a16:creationId xmlns:a16="http://schemas.microsoft.com/office/drawing/2014/main" id="{0221B08F-79D1-4CDA-957A-4D91B4E1FE2C}"/>
               </a:ext>
             </a:extLst>
           </p:cNvPr>
@@ -5295,7 +5296,7 @@
         </p:nvSpPr>
         <p:spPr>
           <a:xfrm>
-            <a:off x="7282291" y="1879067"/>
+            <a:off x="7282291" y="1757764"/>
             <a:ext cx="1740637" cy="369332"/>
           </a:xfrm>
           <a:prstGeom prst="rect">
@@ -5311,17 +5312,17 @@
           <a:p>
             <a:r>
               <a:rPr lang="en-US" noProof="1"/>
-              <a:t>relatedArtiffact</a:t>
-            </a:r>
-          </a:p>
-        </p:txBody>
-      </p:sp>
-      <p:sp>
-        <p:nvSpPr>
-          <p:cNvPr id="78" name="Rectangle 77">
-            <a:extLst>
-              <a:ext uri="{FF2B5EF4-FFF2-40B4-BE49-F238E27FC236}">
-                <a16:creationId xmlns:a16="http://schemas.microsoft.com/office/drawing/2014/main" id="{CB762209-542E-4D76-AD70-9156AE942AA4}"/>
+              <a:t>relatedArtifact</a:t>
+            </a:r>
+          </a:p>
+        </p:txBody>
+      </p:sp>
+      <p:sp>
+        <p:nvSpPr>
+          <p:cNvPr id="11" name="Rectangle 10">
+            <a:extLst>
+              <a:ext uri="{FF2B5EF4-FFF2-40B4-BE49-F238E27FC236}">
+                <a16:creationId xmlns:a16="http://schemas.microsoft.com/office/drawing/2014/main" id="{E2B1908B-CC45-41BD-BE20-7F25C0BD8D17}"/>
               </a:ext>
             </a:extLst>
           </p:cNvPr>
@@ -5330,7 +5331,7 @@
         </p:nvSpPr>
         <p:spPr>
           <a:xfrm>
-            <a:off x="4688380" y="1260993"/>
+            <a:off x="4688380" y="1139690"/>
             <a:ext cx="2593911" cy="1140542"/>
           </a:xfrm>
           <a:prstGeom prst="rect">
@@ -5425,10 +5426,10 @@
       </p:sp>
       <p:sp>
         <p:nvSpPr>
-          <p:cNvPr id="79" name="Rectangle 78">
-            <a:extLst>
-              <a:ext uri="{FF2B5EF4-FFF2-40B4-BE49-F238E27FC236}">
-                <a16:creationId xmlns:a16="http://schemas.microsoft.com/office/drawing/2014/main" id="{5B7C93E5-5916-4457-9EF6-F93D65613D4A}"/>
+          <p:cNvPr id="38" name="Rectangle 37">
+            <a:extLst>
+              <a:ext uri="{FF2B5EF4-FFF2-40B4-BE49-F238E27FC236}">
+                <a16:creationId xmlns:a16="http://schemas.microsoft.com/office/drawing/2014/main" id="{84729A3E-A76D-4D5C-845E-6B5227D6B57E}"/>
               </a:ext>
             </a:extLst>
           </p:cNvPr>
@@ -5437,7 +5438,7 @@
         </p:nvSpPr>
         <p:spPr>
           <a:xfrm>
-            <a:off x="7470755" y="6165304"/>
+            <a:off x="7470755" y="6193297"/>
             <a:ext cx="1667712" cy="476672"/>
           </a:xfrm>
           <a:prstGeom prst="rect">
@@ -5513,24 +5514,24 @@
       </p:sp>
       <p:cxnSp>
         <p:nvCxnSpPr>
-          <p:cNvPr id="80" name="Connecteur : en angle 79">
-            <a:extLst>
-              <a:ext uri="{FF2B5EF4-FFF2-40B4-BE49-F238E27FC236}">
-                <a16:creationId xmlns:a16="http://schemas.microsoft.com/office/drawing/2014/main" id="{7910B9FF-D3F9-4C91-BE5B-25011CE30CAE}"/>
+          <p:cNvPr id="39" name="Connecteur : en angle 38">
+            <a:extLst>
+              <a:ext uri="{FF2B5EF4-FFF2-40B4-BE49-F238E27FC236}">
+                <a16:creationId xmlns:a16="http://schemas.microsoft.com/office/drawing/2014/main" id="{8C9A6475-6E13-4D17-99C8-139A747BD801}"/>
               </a:ext>
             </a:extLst>
           </p:cNvPr>
           <p:cNvCxnSpPr>
             <a:cxnSpLocks/>
-            <a:stCxn id="40" idx="2"/>
-            <a:endCxn id="79" idx="1"/>
+            <a:stCxn id="54" idx="2"/>
+            <a:endCxn id="38" idx="1"/>
           </p:cNvCxnSpPr>
           <p:nvPr/>
         </p:nvCxnSpPr>
         <p:spPr>
           <a:xfrm rot="16200000" flipH="1">
-            <a:off x="6511588" y="5444472"/>
-            <a:ext cx="434669" cy="1483666"/>
+            <a:off x="6497591" y="5458469"/>
+            <a:ext cx="462662" cy="1483666"/>
           </a:xfrm>
           <a:prstGeom prst="bentConnector2">
             <a:avLst/>
@@ -5557,24 +5558,24 @@
       </p:cxnSp>
       <p:cxnSp>
         <p:nvCxnSpPr>
-          <p:cNvPr id="81" name="Connecteur : en angle 80">
-            <a:extLst>
-              <a:ext uri="{FF2B5EF4-FFF2-40B4-BE49-F238E27FC236}">
-                <a16:creationId xmlns:a16="http://schemas.microsoft.com/office/drawing/2014/main" id="{FA8B4B7C-1233-434A-8334-156B6107B59D}"/>
+          <p:cNvPr id="40" name="Connecteur : en angle 39">
+            <a:extLst>
+              <a:ext uri="{FF2B5EF4-FFF2-40B4-BE49-F238E27FC236}">
+                <a16:creationId xmlns:a16="http://schemas.microsoft.com/office/drawing/2014/main" id="{444B2695-C708-469B-B42D-479F8382004C}"/>
               </a:ext>
             </a:extLst>
           </p:cNvPr>
           <p:cNvCxnSpPr>
             <a:cxnSpLocks/>
-            <a:stCxn id="41" idx="2"/>
-            <a:endCxn id="79" idx="3"/>
+            <a:stCxn id="55" idx="2"/>
+            <a:endCxn id="38" idx="3"/>
           </p:cNvCxnSpPr>
           <p:nvPr/>
         </p:nvCxnSpPr>
         <p:spPr>
           <a:xfrm rot="5400000">
-            <a:off x="9407229" y="5700210"/>
-            <a:ext cx="434669" cy="972191"/>
+            <a:off x="9393232" y="5714207"/>
+            <a:ext cx="462662" cy="972191"/>
           </a:xfrm>
           <a:prstGeom prst="bentConnector2">
             <a:avLst/>
@@ -5601,10 +5602,10 @@
       </p:cxnSp>
       <p:sp>
         <p:nvSpPr>
-          <p:cNvPr id="82" name="ZoneTexte 81">
-            <a:extLst>
-              <a:ext uri="{FF2B5EF4-FFF2-40B4-BE49-F238E27FC236}">
-                <a16:creationId xmlns:a16="http://schemas.microsoft.com/office/drawing/2014/main" id="{617AB5D3-15B4-439C-BB0F-86EF16439ED5}"/>
+          <p:cNvPr id="44" name="ZoneTexte 43">
+            <a:extLst>
+              <a:ext uri="{FF2B5EF4-FFF2-40B4-BE49-F238E27FC236}">
+                <a16:creationId xmlns:a16="http://schemas.microsoft.com/office/drawing/2014/main" id="{ABDD23CA-E87E-4D3B-BBE6-6BFF35D20C07}"/>
               </a:ext>
             </a:extLst>
           </p:cNvPr>
@@ -5613,7 +5614,7 @@
         </p:nvSpPr>
         <p:spPr>
           <a:xfrm>
-            <a:off x="6908365" y="6422142"/>
+            <a:off x="6871041" y="6422142"/>
             <a:ext cx="607145" cy="369332"/>
           </a:xfrm>
           <a:prstGeom prst="rect">
@@ -5636,10 +5637,10 @@
       </p:sp>
       <p:sp>
         <p:nvSpPr>
-          <p:cNvPr id="83" name="ZoneTexte 82">
-            <a:extLst>
-              <a:ext uri="{FF2B5EF4-FFF2-40B4-BE49-F238E27FC236}">
-                <a16:creationId xmlns:a16="http://schemas.microsoft.com/office/drawing/2014/main" id="{D49CF755-445B-487C-8E96-397775442A6E}"/>
+          <p:cNvPr id="45" name="ZoneTexte 44">
+            <a:extLst>
+              <a:ext uri="{FF2B5EF4-FFF2-40B4-BE49-F238E27FC236}">
+                <a16:creationId xmlns:a16="http://schemas.microsoft.com/office/drawing/2014/main" id="{BF367F50-5720-4E7F-B6DA-33B6D1C10BDD}"/>
               </a:ext>
             </a:extLst>
           </p:cNvPr>
@@ -5648,7 +5649,7 @@
         </p:nvSpPr>
         <p:spPr>
           <a:xfrm>
-            <a:off x="9119493" y="6408899"/>
+            <a:off x="9194141" y="6408899"/>
             <a:ext cx="607145" cy="369332"/>
           </a:xfrm>
           <a:prstGeom prst="rect">
@@ -5669,10 +5670,231 @@
           </a:p>
         </p:txBody>
       </p:sp>
+      <p:sp>
+        <p:nvSpPr>
+          <p:cNvPr id="41" name="Rectangle 40">
+            <a:extLst>
+              <a:ext uri="{FF2B5EF4-FFF2-40B4-BE49-F238E27FC236}">
+                <a16:creationId xmlns:a16="http://schemas.microsoft.com/office/drawing/2014/main" id="{98246E45-031A-4786-ACF4-D927C7E9CB6C}"/>
+              </a:ext>
+            </a:extLst>
+          </p:cNvPr>
+          <p:cNvSpPr/>
+          <p:nvPr/>
+        </p:nvSpPr>
+        <p:spPr>
+          <a:xfrm>
+            <a:off x="507901" y="1962747"/>
+            <a:ext cx="2784281" cy="1140542"/>
+          </a:xfrm>
+          <a:prstGeom prst="rect">
+            <a:avLst/>
+          </a:prstGeom>
+          <a:gradFill flip="none" rotWithShape="1">
+            <a:gsLst>
+              <a:gs pos="0">
+                <a:schemeClr val="accent1">
+                  <a:shade val="30000"/>
+                  <a:satMod val="115000"/>
+                </a:schemeClr>
+              </a:gs>
+              <a:gs pos="50000">
+                <a:schemeClr val="accent1">
+                  <a:shade val="67500"/>
+                  <a:satMod val="115000"/>
+                </a:schemeClr>
+              </a:gs>
+              <a:gs pos="100000">
+                <a:schemeClr val="accent1">
+                  <a:shade val="100000"/>
+                  <a:satMod val="115000"/>
+                </a:schemeClr>
+              </a:gs>
+            </a:gsLst>
+            <a:lin ang="0" scaled="1"/>
+            <a:tileRect/>
+          </a:gradFill>
+          <a:ln>
+            <a:noFill/>
+          </a:ln>
+          <a:effectLst>
+            <a:glow rad="139700">
+              <a:schemeClr val="accent1">
+                <a:satMod val="175000"/>
+                <a:alpha val="40000"/>
+              </a:schemeClr>
+            </a:glow>
+          </a:effectLst>
+        </p:spPr>
+        <p:style>
+          <a:lnRef idx="2">
+            <a:schemeClr val="accent1">
+              <a:shade val="50000"/>
+            </a:schemeClr>
+          </a:lnRef>
+          <a:fillRef idx="1">
+            <a:schemeClr val="accent1"/>
+          </a:fillRef>
+          <a:effectRef idx="0">
+            <a:schemeClr val="accent1"/>
+          </a:effectRef>
+          <a:fontRef idx="minor">
+            <a:schemeClr val="lt1"/>
+          </a:fontRef>
+        </p:style>
+        <p:txBody>
+          <a:bodyPr rtlCol="0" anchor="ctr"/>
+          <a:lstStyle/>
+          <a:p>
+            <a:pPr algn="ctr"/>
+            <a:r>
+              <a:rPr lang="en-US" sz="2200" noProof="1">
+                <a:solidFill>
+                  <a:srgbClr val="FFFF00"/>
+                </a:solidFill>
+              </a:rPr>
+              <a:t>BillingCodeAndRule</a:t>
+            </a:r>
+          </a:p>
+          <a:p>
+            <a:pPr algn="ctr"/>
+            <a:r>
+              <a:rPr lang="en-US" sz="2000" noProof="1">
+                <a:solidFill>
+                  <a:schemeClr val="bg1"/>
+                </a:solidFill>
+              </a:rPr>
+              <a:t>Profile of </a:t>
+            </a:r>
+            <a:r>
+              <a:rPr lang="en-US" sz="2200" noProof="1">
+                <a:solidFill>
+                  <a:srgbClr val="FFFF00"/>
+                </a:solidFill>
+              </a:rPr>
+              <a:t>ChargeItemDefinition</a:t>
+            </a:r>
+          </a:p>
+        </p:txBody>
+      </p:sp>
+      <p:cxnSp>
+        <p:nvCxnSpPr>
+          <p:cNvPr id="42" name="Connecteur : en angle 41">
+            <a:extLst>
+              <a:ext uri="{FF2B5EF4-FFF2-40B4-BE49-F238E27FC236}">
+                <a16:creationId xmlns:a16="http://schemas.microsoft.com/office/drawing/2014/main" id="{7CB04F81-F845-4409-8A16-0150F3ABCA14}"/>
+              </a:ext>
+            </a:extLst>
+          </p:cNvPr>
+          <p:cNvCxnSpPr>
+            <a:cxnSpLocks/>
+            <a:stCxn id="11" idx="1"/>
+            <a:endCxn id="41" idx="0"/>
+          </p:cNvCxnSpPr>
+          <p:nvPr/>
+        </p:nvCxnSpPr>
+        <p:spPr>
+          <a:xfrm rot="10800000" flipV="1">
+            <a:off x="1900042" y="1709961"/>
+            <a:ext cx="2788338" cy="252786"/>
+          </a:xfrm>
+          <a:prstGeom prst="bentConnector2">
+            <a:avLst/>
+          </a:prstGeom>
+          <a:ln w="28575">
+            <a:headEnd type="none" w="med" len="med"/>
+            <a:tailEnd type="arrow" w="med" len="med"/>
+          </a:ln>
+        </p:spPr>
+        <p:style>
+          <a:lnRef idx="1">
+            <a:schemeClr val="accent1"/>
+          </a:lnRef>
+          <a:fillRef idx="0">
+            <a:schemeClr val="accent1"/>
+          </a:fillRef>
+          <a:effectRef idx="0">
+            <a:schemeClr val="accent1"/>
+          </a:effectRef>
+          <a:fontRef idx="minor">
+            <a:schemeClr val="tx1"/>
+          </a:fontRef>
+        </p:style>
+      </p:cxnSp>
+      <p:sp>
+        <p:nvSpPr>
+          <p:cNvPr id="47" name="ZoneTexte 46">
+            <a:extLst>
+              <a:ext uri="{FF2B5EF4-FFF2-40B4-BE49-F238E27FC236}">
+                <a16:creationId xmlns:a16="http://schemas.microsoft.com/office/drawing/2014/main" id="{7EBC759F-3EC1-4AEE-B495-9524A5FA0F8C}"/>
+              </a:ext>
+            </a:extLst>
+          </p:cNvPr>
+          <p:cNvSpPr txBox="1"/>
+          <p:nvPr/>
+        </p:nvSpPr>
+        <p:spPr>
+          <a:xfrm>
+            <a:off x="1399128" y="1563300"/>
+            <a:ext cx="607145" cy="369332"/>
+          </a:xfrm>
+          <a:prstGeom prst="rect">
+            <a:avLst/>
+          </a:prstGeom>
+          <a:noFill/>
+        </p:spPr>
+        <p:txBody>
+          <a:bodyPr wrap="square" rtlCol="0">
+            <a:spAutoFit/>
+          </a:bodyPr>
+          <a:lstStyle/>
+          <a:p>
+            <a:r>
+              <a:rPr lang="en-US" noProof="1"/>
+              <a:t>0..*</a:t>
+            </a:r>
+          </a:p>
+        </p:txBody>
+      </p:sp>
+      <p:sp>
+        <p:nvSpPr>
+          <p:cNvPr id="48" name="ZoneTexte 47">
+            <a:extLst>
+              <a:ext uri="{FF2B5EF4-FFF2-40B4-BE49-F238E27FC236}">
+                <a16:creationId xmlns:a16="http://schemas.microsoft.com/office/drawing/2014/main" id="{6B1EB918-EDEA-46FE-BFD2-7B8AC4B29986}"/>
+              </a:ext>
+            </a:extLst>
+          </p:cNvPr>
+          <p:cNvSpPr txBox="1"/>
+          <p:nvPr/>
+        </p:nvSpPr>
+        <p:spPr>
+          <a:xfrm>
+            <a:off x="3252196" y="1381265"/>
+            <a:ext cx="1740637" cy="369332"/>
+          </a:xfrm>
+          <a:prstGeom prst="rect">
+            <a:avLst/>
+          </a:prstGeom>
+          <a:noFill/>
+        </p:spPr>
+        <p:txBody>
+          <a:bodyPr wrap="square" rtlCol="0">
+            <a:spAutoFit/>
+          </a:bodyPr>
+          <a:lstStyle/>
+          <a:p>
+            <a:r>
+              <a:rPr lang="en-US" noProof="1"/>
+              <a:t>serviceBilling</a:t>
+            </a:r>
+          </a:p>
+        </p:txBody>
+      </p:sp>
     </p:spTree>
     <p:extLst>
       <p:ext uri="{BB962C8B-B14F-4D97-AF65-F5344CB8AC3E}">
-        <p14:creationId xmlns:p14="http://schemas.microsoft.com/office/powerpoint/2010/main" val="3491562091"/>
+        <p14:creationId xmlns:p14="http://schemas.microsoft.com/office/powerpoint/2010/main" val="2678140213"/>
       </p:ext>
     </p:extLst>
   </p:cSld>

--- a/input/images-source/LabCompendium.pptx
+++ b/input/images-source/LabCompendium.pptx
@@ -197,7 +197,7 @@
           <a:p>
             <a:fld id="{C0FC2EA5-DDD9-41B5-A743-573E81829967}" type="datetimeFigureOut">
               <a:rPr lang="fr-FR" smtClean="0"/>
-              <a:t>11/02/2020</a:t>
+              <a:t>12/02/2020</a:t>
             </a:fld>
             <a:endParaRPr lang="fr-FR"/>
           </a:p>
@@ -695,7 +695,7 @@
           <a:p>
             <a:fld id="{DEBA1CB3-45B4-4365-8A01-D60AF6EBF46C}" type="datetimeFigureOut">
               <a:rPr lang="fr-FR" smtClean="0"/>
-              <a:t>11/02/2020</a:t>
+              <a:t>12/02/2020</a:t>
             </a:fld>
             <a:endParaRPr lang="fr-FR"/>
           </a:p>
@@ -893,7 +893,7 @@
           <a:p>
             <a:fld id="{DEBA1CB3-45B4-4365-8A01-D60AF6EBF46C}" type="datetimeFigureOut">
               <a:rPr lang="fr-FR" smtClean="0"/>
-              <a:t>11/02/2020</a:t>
+              <a:t>12/02/2020</a:t>
             </a:fld>
             <a:endParaRPr lang="fr-FR"/>
           </a:p>
@@ -1101,7 +1101,7 @@
           <a:p>
             <a:fld id="{DEBA1CB3-45B4-4365-8A01-D60AF6EBF46C}" type="datetimeFigureOut">
               <a:rPr lang="fr-FR" smtClean="0"/>
-              <a:t>11/02/2020</a:t>
+              <a:t>12/02/2020</a:t>
             </a:fld>
             <a:endParaRPr lang="fr-FR"/>
           </a:p>
@@ -1299,7 +1299,7 @@
           <a:p>
             <a:fld id="{DEBA1CB3-45B4-4365-8A01-D60AF6EBF46C}" type="datetimeFigureOut">
               <a:rPr lang="fr-FR" smtClean="0"/>
-              <a:t>11/02/2020</a:t>
+              <a:t>12/02/2020</a:t>
             </a:fld>
             <a:endParaRPr lang="fr-FR"/>
           </a:p>
@@ -1574,7 +1574,7 @@
           <a:p>
             <a:fld id="{DEBA1CB3-45B4-4365-8A01-D60AF6EBF46C}" type="datetimeFigureOut">
               <a:rPr lang="fr-FR" smtClean="0"/>
-              <a:t>11/02/2020</a:t>
+              <a:t>12/02/2020</a:t>
             </a:fld>
             <a:endParaRPr lang="fr-FR"/>
           </a:p>
@@ -1839,7 +1839,7 @@
           <a:p>
             <a:fld id="{DEBA1CB3-45B4-4365-8A01-D60AF6EBF46C}" type="datetimeFigureOut">
               <a:rPr lang="fr-FR" smtClean="0"/>
-              <a:t>11/02/2020</a:t>
+              <a:t>12/02/2020</a:t>
             </a:fld>
             <a:endParaRPr lang="fr-FR"/>
           </a:p>
@@ -2251,7 +2251,7 @@
           <a:p>
             <a:fld id="{DEBA1CB3-45B4-4365-8A01-D60AF6EBF46C}" type="datetimeFigureOut">
               <a:rPr lang="fr-FR" smtClean="0"/>
-              <a:t>11/02/2020</a:t>
+              <a:t>12/02/2020</a:t>
             </a:fld>
             <a:endParaRPr lang="fr-FR"/>
           </a:p>
@@ -2392,7 +2392,7 @@
           <a:p>
             <a:fld id="{DEBA1CB3-45B4-4365-8A01-D60AF6EBF46C}" type="datetimeFigureOut">
               <a:rPr lang="fr-FR" smtClean="0"/>
-              <a:t>11/02/2020</a:t>
+              <a:t>12/02/2020</a:t>
             </a:fld>
             <a:endParaRPr lang="fr-FR"/>
           </a:p>
@@ -2505,7 +2505,7 @@
           <a:p>
             <a:fld id="{DEBA1CB3-45B4-4365-8A01-D60AF6EBF46C}" type="datetimeFigureOut">
               <a:rPr lang="fr-FR" smtClean="0"/>
-              <a:t>11/02/2020</a:t>
+              <a:t>12/02/2020</a:t>
             </a:fld>
             <a:endParaRPr lang="fr-FR"/>
           </a:p>
@@ -2816,7 +2816,7 @@
           <a:p>
             <a:fld id="{DEBA1CB3-45B4-4365-8A01-D60AF6EBF46C}" type="datetimeFigureOut">
               <a:rPr lang="fr-FR" smtClean="0"/>
-              <a:t>11/02/2020</a:t>
+              <a:t>12/02/2020</a:t>
             </a:fld>
             <a:endParaRPr lang="fr-FR"/>
           </a:p>
@@ -3104,7 +3104,7 @@
           <a:p>
             <a:fld id="{DEBA1CB3-45B4-4365-8A01-D60AF6EBF46C}" type="datetimeFigureOut">
               <a:rPr lang="fr-FR" smtClean="0"/>
-              <a:t>11/02/2020</a:t>
+              <a:t>12/02/2020</a:t>
             </a:fld>
             <a:endParaRPr lang="fr-FR"/>
           </a:p>
@@ -3345,7 +3345,7 @@
           <a:p>
             <a:fld id="{DEBA1CB3-45B4-4365-8A01-D60AF6EBF46C}" type="datetimeFigureOut">
               <a:rPr lang="fr-FR" smtClean="0"/>
-              <a:t>11/02/2020</a:t>
+              <a:t>12/02/2020</a:t>
             </a:fld>
             <a:endParaRPr lang="fr-FR"/>
           </a:p>
@@ -3776,7 +3776,7 @@
         </p:nvSpPr>
         <p:spPr>
           <a:xfrm>
-            <a:off x="3881603" y="388733"/>
+            <a:off x="4436782" y="334303"/>
             <a:ext cx="607145" cy="369332"/>
           </a:xfrm>
           <a:prstGeom prst="rect">
@@ -3815,8 +3815,8 @@
         </p:nvCxnSpPr>
         <p:spPr>
           <a:xfrm rot="16200000" flipV="1">
-            <a:off x="4738077" y="-107569"/>
-            <a:ext cx="372868" cy="2121650"/>
+            <a:off x="5048324" y="82932"/>
+            <a:ext cx="307552" cy="1566472"/>
           </a:xfrm>
           <a:prstGeom prst="bentConnector2">
             <a:avLst/>
@@ -3855,7 +3855,7 @@
         </p:nvSpPr>
         <p:spPr>
           <a:xfrm>
-            <a:off x="1702701" y="198251"/>
+            <a:off x="2257879" y="143821"/>
             <a:ext cx="2160985" cy="1137142"/>
           </a:xfrm>
           <a:prstGeom prst="rect">
@@ -3955,7 +3955,7 @@
         </p:nvSpPr>
         <p:spPr>
           <a:xfrm>
-            <a:off x="4255955" y="750410"/>
+            <a:off x="5438569" y="393286"/>
             <a:ext cx="1876007" cy="369332"/>
           </a:xfrm>
           <a:prstGeom prst="rect">
@@ -3994,7 +3994,7 @@
         </p:nvCxnSpPr>
         <p:spPr>
           <a:xfrm rot="5400000">
-            <a:off x="5600182" y="2665386"/>
+            <a:off x="5600182" y="2545640"/>
             <a:ext cx="770309" cy="1"/>
           </a:xfrm>
           <a:prstGeom prst="bentConnector3">
@@ -4036,7 +4036,7 @@
         </p:nvSpPr>
         <p:spPr>
           <a:xfrm>
-            <a:off x="4527907" y="3050541"/>
+            <a:off x="4527907" y="2930795"/>
             <a:ext cx="2914855" cy="1140542"/>
           </a:xfrm>
           <a:prstGeom prst="rect">
@@ -4143,7 +4143,7 @@
         </p:nvSpPr>
         <p:spPr>
           <a:xfrm>
-            <a:off x="5516244" y="2635273"/>
+            <a:off x="5516244" y="2515527"/>
             <a:ext cx="607145" cy="369332"/>
           </a:xfrm>
           <a:prstGeom prst="rect">
@@ -4178,7 +4178,7 @@
         </p:nvSpPr>
         <p:spPr>
           <a:xfrm>
-            <a:off x="3727352" y="2281178"/>
+            <a:off x="3727352" y="2161432"/>
             <a:ext cx="2593912" cy="369332"/>
           </a:xfrm>
           <a:prstGeom prst="rect">
@@ -4213,7 +4213,7 @@
         </p:nvSpPr>
         <p:spPr>
           <a:xfrm>
-            <a:off x="4247572" y="4878514"/>
+            <a:off x="4247572" y="4758768"/>
             <a:ext cx="3479034" cy="1090457"/>
           </a:xfrm>
           <a:prstGeom prst="rect">
@@ -4320,7 +4320,7 @@
         </p:nvSpPr>
         <p:spPr>
           <a:xfrm>
-            <a:off x="8555068" y="4878514"/>
+            <a:off x="8555068" y="4758768"/>
             <a:ext cx="3111179" cy="1090457"/>
           </a:xfrm>
           <a:prstGeom prst="rect">
@@ -4427,7 +4427,7 @@
         </p:nvSpPr>
         <p:spPr>
           <a:xfrm>
-            <a:off x="456300" y="4878514"/>
+            <a:off x="456300" y="4824084"/>
             <a:ext cx="2887484" cy="1142774"/>
           </a:xfrm>
           <a:prstGeom prst="rect">
@@ -4538,8 +4538,8 @@
         </p:nvCxnSpPr>
         <p:spPr>
           <a:xfrm rot="10800000" flipV="1">
-            <a:off x="1900043" y="3620812"/>
-            <a:ext cx="2627865" cy="1257702"/>
+            <a:off x="1900043" y="3501066"/>
+            <a:ext cx="2627865" cy="1323018"/>
           </a:xfrm>
           <a:prstGeom prst="bentConnector2">
             <a:avLst/>
@@ -4582,7 +4582,7 @@
         </p:nvCxnSpPr>
         <p:spPr>
           <a:xfrm rot="16200000" flipH="1">
-            <a:off x="5642497" y="4533921"/>
+            <a:off x="5642497" y="4414175"/>
             <a:ext cx="687431" cy="1754"/>
           </a:xfrm>
           <a:prstGeom prst="bentConnector3">
@@ -4628,7 +4628,7 @@
         </p:nvCxnSpPr>
         <p:spPr>
           <a:xfrm>
-            <a:off x="7442762" y="3620812"/>
+            <a:off x="7442762" y="3501066"/>
             <a:ext cx="2667896" cy="1257702"/>
           </a:xfrm>
           <a:prstGeom prst="bentConnector2">
@@ -4668,7 +4668,7 @@
         </p:nvSpPr>
         <p:spPr>
           <a:xfrm>
-            <a:off x="2210804" y="3258318"/>
+            <a:off x="2210804" y="3203888"/>
             <a:ext cx="2308432" cy="369332"/>
           </a:xfrm>
           <a:prstGeom prst="rect">
@@ -4703,7 +4703,7 @@
         </p:nvSpPr>
         <p:spPr>
           <a:xfrm>
-            <a:off x="1891372" y="4445589"/>
+            <a:off x="1891372" y="4391159"/>
             <a:ext cx="607145" cy="369332"/>
           </a:xfrm>
           <a:prstGeom prst="rect">
@@ -4738,7 +4738,7 @@
         </p:nvSpPr>
         <p:spPr>
           <a:xfrm>
-            <a:off x="5976002" y="4207356"/>
+            <a:off x="5976002" y="4087610"/>
             <a:ext cx="2577103" cy="369332"/>
           </a:xfrm>
           <a:prstGeom prst="rect">
@@ -4773,7 +4773,7 @@
         </p:nvSpPr>
         <p:spPr>
           <a:xfrm>
-            <a:off x="6000916" y="4520089"/>
+            <a:off x="6000916" y="4400343"/>
             <a:ext cx="607145" cy="369332"/>
           </a:xfrm>
           <a:prstGeom prst="rect">
@@ -4808,7 +4808,7 @@
         </p:nvSpPr>
         <p:spPr>
           <a:xfrm>
-            <a:off x="9601316" y="4481343"/>
+            <a:off x="9601316" y="4361597"/>
             <a:ext cx="607145" cy="369332"/>
           </a:xfrm>
           <a:prstGeom prst="rect">
@@ -4843,7 +4843,7 @@
         </p:nvSpPr>
         <p:spPr>
           <a:xfrm>
-            <a:off x="7470755" y="3244398"/>
+            <a:off x="7470755" y="3124652"/>
             <a:ext cx="3111179" cy="369332"/>
           </a:xfrm>
           <a:prstGeom prst="rect">
@@ -4878,7 +4878,7 @@
         </p:nvSpPr>
         <p:spPr>
           <a:xfrm>
-            <a:off x="47328" y="65567"/>
+            <a:off x="602506" y="11137"/>
             <a:ext cx="1540369" cy="646331"/>
           </a:xfrm>
           <a:prstGeom prst="rect">
@@ -4921,7 +4921,7 @@
         </p:nvSpPr>
         <p:spPr>
           <a:xfrm>
-            <a:off x="7314576" y="971935"/>
+            <a:off x="7314576" y="852189"/>
             <a:ext cx="3211448" cy="646331"/>
           </a:xfrm>
           <a:prstGeom prst="rect">
@@ -4970,7 +4970,7 @@
         </p:nvSpPr>
         <p:spPr>
           <a:xfrm>
-            <a:off x="5951984" y="2653781"/>
+            <a:off x="6017300" y="2523149"/>
             <a:ext cx="6190996" cy="369332"/>
           </a:xfrm>
           <a:prstGeom prst="rect">
@@ -5019,7 +5019,7 @@
         </p:nvSpPr>
         <p:spPr>
           <a:xfrm>
-            <a:off x="319249" y="3886478"/>
+            <a:off x="319249" y="3832048"/>
             <a:ext cx="1540369" cy="923330"/>
           </a:xfrm>
           <a:prstGeom prst="rect">
@@ -5069,7 +5069,7 @@
         </p:nvSpPr>
         <p:spPr>
           <a:xfrm>
-            <a:off x="3708376" y="4222015"/>
+            <a:off x="3708376" y="4102269"/>
             <a:ext cx="2268722" cy="646331"/>
           </a:xfrm>
           <a:prstGeom prst="rect">
@@ -5119,7 +5119,7 @@
         </p:nvSpPr>
         <p:spPr>
           <a:xfrm>
-            <a:off x="10172283" y="3868765"/>
+            <a:off x="10172283" y="3749019"/>
             <a:ext cx="1541314" cy="923330"/>
           </a:xfrm>
           <a:prstGeom prst="rect">
@@ -5168,7 +5168,7 @@
         </p:nvSpPr>
         <p:spPr>
           <a:xfrm>
-            <a:off x="6908365" y="1932366"/>
+            <a:off x="6908365" y="1812620"/>
             <a:ext cx="340999" cy="324520"/>
           </a:xfrm>
           <a:prstGeom prst="rect">
@@ -5218,7 +5218,7 @@
         </p:nvCxnSpPr>
         <p:spPr>
           <a:xfrm rot="5400000" flipH="1" flipV="1">
-            <a:off x="7082984" y="2090506"/>
+            <a:off x="7082984" y="1970760"/>
             <a:ext cx="162260" cy="170499"/>
           </a:xfrm>
           <a:prstGeom prst="bentConnector4">
@@ -5261,7 +5261,7 @@
         </p:nvSpPr>
         <p:spPr>
           <a:xfrm>
-            <a:off x="6559778" y="2249873"/>
+            <a:off x="6559778" y="2130127"/>
             <a:ext cx="607145" cy="369332"/>
           </a:xfrm>
           <a:prstGeom prst="rect">
@@ -5296,7 +5296,7 @@
         </p:nvSpPr>
         <p:spPr>
           <a:xfrm>
-            <a:off x="7282291" y="1757764"/>
+            <a:off x="7282291" y="1638018"/>
             <a:ext cx="1740637" cy="369332"/>
           </a:xfrm>
           <a:prstGeom prst="rect">
@@ -5331,7 +5331,7 @@
         </p:nvSpPr>
         <p:spPr>
           <a:xfrm>
-            <a:off x="4688380" y="1139690"/>
+            <a:off x="4688380" y="1019944"/>
             <a:ext cx="2593911" cy="1140542"/>
           </a:xfrm>
           <a:prstGeom prst="rect">
@@ -5438,7 +5438,7 @@
         </p:nvSpPr>
         <p:spPr>
           <a:xfrm>
-            <a:off x="7470755" y="6193297"/>
+            <a:off x="7470755" y="6073551"/>
             <a:ext cx="1667712" cy="476672"/>
           </a:xfrm>
           <a:prstGeom prst="rect">
@@ -5530,7 +5530,7 @@
         </p:nvCxnSpPr>
         <p:spPr>
           <a:xfrm rot="16200000" flipH="1">
-            <a:off x="6497591" y="5458469"/>
+            <a:off x="6497591" y="5338723"/>
             <a:ext cx="462662" cy="1483666"/>
           </a:xfrm>
           <a:prstGeom prst="bentConnector2">
@@ -5574,7 +5574,7 @@
         </p:nvCxnSpPr>
         <p:spPr>
           <a:xfrm rot="5400000">
-            <a:off x="9393232" y="5714207"/>
+            <a:off x="9393232" y="5594461"/>
             <a:ext cx="462662" cy="972191"/>
           </a:xfrm>
           <a:prstGeom prst="bentConnector2">
@@ -5614,7 +5614,7 @@
         </p:nvSpPr>
         <p:spPr>
           <a:xfrm>
-            <a:off x="6871041" y="6422142"/>
+            <a:off x="6871041" y="5986708"/>
             <a:ext cx="607145" cy="369332"/>
           </a:xfrm>
           <a:prstGeom prst="rect">
@@ -5649,7 +5649,7 @@
         </p:nvSpPr>
         <p:spPr>
           <a:xfrm>
-            <a:off x="9194141" y="6408899"/>
+            <a:off x="9194141" y="5973465"/>
             <a:ext cx="607145" cy="369332"/>
           </a:xfrm>
           <a:prstGeom prst="rect">
@@ -5795,8 +5795,8 @@
         </p:nvCxnSpPr>
         <p:spPr>
           <a:xfrm rot="10800000" flipV="1">
-            <a:off x="1900042" y="1709961"/>
-            <a:ext cx="2788338" cy="252786"/>
+            <a:off x="1900042" y="1590215"/>
+            <a:ext cx="2788338" cy="372532"/>
           </a:xfrm>
           <a:prstGeom prst="bentConnector2">
             <a:avLst/>
@@ -5835,7 +5835,7 @@
         </p:nvSpPr>
         <p:spPr>
           <a:xfrm>
-            <a:off x="1399128" y="1563300"/>
+            <a:off x="1946952" y="1598863"/>
             <a:ext cx="607145" cy="369332"/>
           </a:xfrm>
           <a:prstGeom prst="rect">
@@ -5870,8 +5870,8 @@
         </p:nvSpPr>
         <p:spPr>
           <a:xfrm>
-            <a:off x="3252196" y="1381265"/>
-            <a:ext cx="1740637" cy="369332"/>
+            <a:off x="3330595" y="1545357"/>
+            <a:ext cx="1443487" cy="369332"/>
           </a:xfrm>
           <a:prstGeom prst="rect">
             <a:avLst/>
@@ -5887,6 +5887,99 @@
             <a:r>
               <a:rPr lang="en-US" noProof="1"/>
               <a:t>serviceBilling</a:t>
+            </a:r>
+          </a:p>
+        </p:txBody>
+      </p:sp>
+      <p:sp>
+        <p:nvSpPr>
+          <p:cNvPr id="49" name="ZoneTexte 48">
+            <a:extLst>
+              <a:ext uri="{FF2B5EF4-FFF2-40B4-BE49-F238E27FC236}">
+                <a16:creationId xmlns:a16="http://schemas.microsoft.com/office/drawing/2014/main" id="{34BC439E-46D1-4D3A-A747-099A225EED85}"/>
+              </a:ext>
+            </a:extLst>
+          </p:cNvPr>
+          <p:cNvSpPr txBox="1"/>
+          <p:nvPr/>
+        </p:nvSpPr>
+        <p:spPr>
+          <a:xfrm>
+            <a:off x="-2790" y="1280963"/>
+            <a:ext cx="1849648" cy="646331"/>
+          </a:xfrm>
+          <a:prstGeom prst="rect">
+            <a:avLst/>
+          </a:prstGeom>
+          <a:noFill/>
+        </p:spPr>
+        <p:txBody>
+          <a:bodyPr wrap="square" rtlCol="0">
+            <a:spAutoFit/>
+          </a:bodyPr>
+          <a:lstStyle/>
+          <a:p>
+            <a:pPr algn="r"/>
+            <a:r>
+              <a:rPr lang="en-US" i="1" noProof="1">
+                <a:solidFill>
+                  <a:schemeClr val="accent1">
+                    <a:lumMod val="60000"/>
+                    <a:lumOff val="40000"/>
+                  </a:schemeClr>
+                </a:solidFill>
+              </a:rPr>
+              <a:t>a billing code and associated rules</a:t>
+            </a:r>
+          </a:p>
+        </p:txBody>
+      </p:sp>
+      <p:sp>
+        <p:nvSpPr>
+          <p:cNvPr id="50" name="ZoneTexte 49">
+            <a:extLst>
+              <a:ext uri="{FF2B5EF4-FFF2-40B4-BE49-F238E27FC236}">
+                <a16:creationId xmlns:a16="http://schemas.microsoft.com/office/drawing/2014/main" id="{8B1414DC-932C-4FB2-A682-250462EEBE39}"/>
+              </a:ext>
+            </a:extLst>
+          </p:cNvPr>
+          <p:cNvSpPr txBox="1"/>
+          <p:nvPr/>
+        </p:nvSpPr>
+        <p:spPr>
+          <a:xfrm>
+            <a:off x="5607055" y="6550223"/>
+            <a:ext cx="4601406" cy="369332"/>
+          </a:xfrm>
+          <a:prstGeom prst="rect">
+            <a:avLst/>
+          </a:prstGeom>
+          <a:noFill/>
+        </p:spPr>
+        <p:txBody>
+          <a:bodyPr wrap="square" rtlCol="0">
+            <a:spAutoFit/>
+          </a:bodyPr>
+          <a:lstStyle>
+            <a:defPPr>
+              <a:defRPr lang="fr-FR"/>
+            </a:defPPr>
+            <a:lvl1pPr>
+              <a:defRPr>
+                <a:solidFill>
+                  <a:schemeClr val="accent1">
+                    <a:lumMod val="60000"/>
+                    <a:lumOff val="40000"/>
+                  </a:schemeClr>
+                </a:solidFill>
+              </a:defRPr>
+            </a:lvl1pPr>
+          </a:lstStyle>
+          <a:p>
+            <a:pPr algn="r"/>
+            <a:r>
+              <a:rPr lang="en-US" i="1" noProof="1"/>
+              <a:t>valid|normal|abnormal|critical values</a:t>
             </a:r>
           </a:p>
         </p:txBody>

--- a/input/images-source/LabCompendium.pptx
+++ b/input/images-source/LabCompendium.pptx
@@ -197,7 +197,7 @@
           <a:p>
             <a:fld id="{C0FC2EA5-DDD9-41B5-A743-573E81829967}" type="datetimeFigureOut">
               <a:rPr lang="fr-FR" smtClean="0"/>
-              <a:t>12/02/2020</a:t>
+              <a:t>29/05/2020</a:t>
             </a:fld>
             <a:endParaRPr lang="fr-FR"/>
           </a:p>
@@ -695,7 +695,7 @@
           <a:p>
             <a:fld id="{DEBA1CB3-45B4-4365-8A01-D60AF6EBF46C}" type="datetimeFigureOut">
               <a:rPr lang="fr-FR" smtClean="0"/>
-              <a:t>12/02/2020</a:t>
+              <a:t>29/05/2020</a:t>
             </a:fld>
             <a:endParaRPr lang="fr-FR"/>
           </a:p>
@@ -893,7 +893,7 @@
           <a:p>
             <a:fld id="{DEBA1CB3-45B4-4365-8A01-D60AF6EBF46C}" type="datetimeFigureOut">
               <a:rPr lang="fr-FR" smtClean="0"/>
-              <a:t>12/02/2020</a:t>
+              <a:t>29/05/2020</a:t>
             </a:fld>
             <a:endParaRPr lang="fr-FR"/>
           </a:p>
@@ -1101,7 +1101,7 @@
           <a:p>
             <a:fld id="{DEBA1CB3-45B4-4365-8A01-D60AF6EBF46C}" type="datetimeFigureOut">
               <a:rPr lang="fr-FR" smtClean="0"/>
-              <a:t>12/02/2020</a:t>
+              <a:t>29/05/2020</a:t>
             </a:fld>
             <a:endParaRPr lang="fr-FR"/>
           </a:p>
@@ -1299,7 +1299,7 @@
           <a:p>
             <a:fld id="{DEBA1CB3-45B4-4365-8A01-D60AF6EBF46C}" type="datetimeFigureOut">
               <a:rPr lang="fr-FR" smtClean="0"/>
-              <a:t>12/02/2020</a:t>
+              <a:t>29/05/2020</a:t>
             </a:fld>
             <a:endParaRPr lang="fr-FR"/>
           </a:p>
@@ -1574,7 +1574,7 @@
           <a:p>
             <a:fld id="{DEBA1CB3-45B4-4365-8A01-D60AF6EBF46C}" type="datetimeFigureOut">
               <a:rPr lang="fr-FR" smtClean="0"/>
-              <a:t>12/02/2020</a:t>
+              <a:t>29/05/2020</a:t>
             </a:fld>
             <a:endParaRPr lang="fr-FR"/>
           </a:p>
@@ -1839,7 +1839,7 @@
           <a:p>
             <a:fld id="{DEBA1CB3-45B4-4365-8A01-D60AF6EBF46C}" type="datetimeFigureOut">
               <a:rPr lang="fr-FR" smtClean="0"/>
-              <a:t>12/02/2020</a:t>
+              <a:t>29/05/2020</a:t>
             </a:fld>
             <a:endParaRPr lang="fr-FR"/>
           </a:p>
@@ -2251,7 +2251,7 @@
           <a:p>
             <a:fld id="{DEBA1CB3-45B4-4365-8A01-D60AF6EBF46C}" type="datetimeFigureOut">
               <a:rPr lang="fr-FR" smtClean="0"/>
-              <a:t>12/02/2020</a:t>
+              <a:t>29/05/2020</a:t>
             </a:fld>
             <a:endParaRPr lang="fr-FR"/>
           </a:p>
@@ -2392,7 +2392,7 @@
           <a:p>
             <a:fld id="{DEBA1CB3-45B4-4365-8A01-D60AF6EBF46C}" type="datetimeFigureOut">
               <a:rPr lang="fr-FR" smtClean="0"/>
-              <a:t>12/02/2020</a:t>
+              <a:t>29/05/2020</a:t>
             </a:fld>
             <a:endParaRPr lang="fr-FR"/>
           </a:p>
@@ -2505,7 +2505,7 @@
           <a:p>
             <a:fld id="{DEBA1CB3-45B4-4365-8A01-D60AF6EBF46C}" type="datetimeFigureOut">
               <a:rPr lang="fr-FR" smtClean="0"/>
-              <a:t>12/02/2020</a:t>
+              <a:t>29/05/2020</a:t>
             </a:fld>
             <a:endParaRPr lang="fr-FR"/>
           </a:p>
@@ -2816,7 +2816,7 @@
           <a:p>
             <a:fld id="{DEBA1CB3-45B4-4365-8A01-D60AF6EBF46C}" type="datetimeFigureOut">
               <a:rPr lang="fr-FR" smtClean="0"/>
-              <a:t>12/02/2020</a:t>
+              <a:t>29/05/2020</a:t>
             </a:fld>
             <a:endParaRPr lang="fr-FR"/>
           </a:p>
@@ -3104,7 +3104,7 @@
           <a:p>
             <a:fld id="{DEBA1CB3-45B4-4365-8A01-D60AF6EBF46C}" type="datetimeFigureOut">
               <a:rPr lang="fr-FR" smtClean="0"/>
-              <a:t>12/02/2020</a:t>
+              <a:t>29/05/2020</a:t>
             </a:fld>
             <a:endParaRPr lang="fr-FR"/>
           </a:p>
@@ -3345,7 +3345,7 @@
           <a:p>
             <a:fld id="{DEBA1CB3-45B4-4365-8A01-D60AF6EBF46C}" type="datetimeFigureOut">
               <a:rPr lang="fr-FR" smtClean="0"/>
-              <a:t>12/02/2020</a:t>
+              <a:t>29/05/2020</a:t>
             </a:fld>
             <a:endParaRPr lang="fr-FR"/>
           </a:p>
@@ -3764,6 +3764,52 @@
       </p:grpSpPr>
       <p:sp>
         <p:nvSpPr>
+          <p:cNvPr id="58" name="Rectangle 57">
+            <a:extLst>
+              <a:ext uri="{FF2B5EF4-FFF2-40B4-BE49-F238E27FC236}">
+                <a16:creationId xmlns:a16="http://schemas.microsoft.com/office/drawing/2014/main" id="{539DD055-8EF1-46D5-A759-909838B13B59}"/>
+              </a:ext>
+            </a:extLst>
+          </p:cNvPr>
+          <p:cNvSpPr/>
+          <p:nvPr/>
+        </p:nvSpPr>
+        <p:spPr>
+          <a:xfrm>
+            <a:off x="6934666" y="1107870"/>
+            <a:ext cx="340999" cy="288748"/>
+          </a:xfrm>
+          <a:prstGeom prst="rect">
+            <a:avLst/>
+          </a:prstGeom>
+        </p:spPr>
+        <p:style>
+          <a:lnRef idx="2">
+            <a:schemeClr val="accent1">
+              <a:shade val="50000"/>
+            </a:schemeClr>
+          </a:lnRef>
+          <a:fillRef idx="1">
+            <a:schemeClr val="accent1"/>
+          </a:fillRef>
+          <a:effectRef idx="0">
+            <a:schemeClr val="accent1"/>
+          </a:effectRef>
+          <a:fontRef idx="minor">
+            <a:schemeClr val="lt1"/>
+          </a:fontRef>
+        </p:style>
+        <p:txBody>
+          <a:bodyPr rtlCol="0" anchor="ctr"/>
+          <a:lstStyle/>
+          <a:p>
+            <a:pPr algn="ctr"/>
+            <a:endParaRPr lang="fr-FR"/>
+          </a:p>
+        </p:txBody>
+      </p:sp>
+      <p:sp>
+        <p:nvSpPr>
           <p:cNvPr id="9" name="ZoneTexte 8">
             <a:extLst>
               <a:ext uri="{FF2B5EF4-FFF2-40B4-BE49-F238E27FC236}">
@@ -3777,7 +3823,7 @@
         <p:spPr>
           <a:xfrm>
             <a:off x="4436782" y="334303"/>
-            <a:ext cx="607145" cy="369332"/>
+            <a:ext cx="607145" cy="338554"/>
           </a:xfrm>
           <a:prstGeom prst="rect">
             <a:avLst/>
@@ -3791,7 +3837,7 @@
           <a:lstStyle/>
           <a:p>
             <a:r>
-              <a:rPr lang="en-US" noProof="1"/>
+              <a:rPr lang="en-US" sz="1600" noProof="1"/>
               <a:t>0..*</a:t>
             </a:r>
           </a:p>
@@ -3955,7 +4001,7 @@
         </p:nvSpPr>
         <p:spPr>
           <a:xfrm>
-            <a:off x="5438569" y="393286"/>
+            <a:off x="5079296" y="326787"/>
             <a:ext cx="1876007" cy="369332"/>
           </a:xfrm>
           <a:prstGeom prst="rect">
@@ -4178,8 +4224,8 @@
         </p:nvSpPr>
         <p:spPr>
           <a:xfrm>
-            <a:off x="3727352" y="2161432"/>
-            <a:ext cx="2593912" cy="369332"/>
+            <a:off x="3048677" y="2227058"/>
+            <a:ext cx="2986046" cy="369332"/>
           </a:xfrm>
           <a:prstGeom prst="rect">
             <a:avLst/>
@@ -4194,7 +4240,7 @@
           <a:p>
             <a:r>
               <a:rPr lang="en-US" noProof="1"/>
-              <a:t>action.(…).definition[x]</a:t>
+              <a:t>action.(…).definitionCanonical</a:t>
             </a:r>
           </a:p>
         </p:txBody>
@@ -4213,7 +4259,7 @@
         </p:nvSpPr>
         <p:spPr>
           <a:xfrm>
-            <a:off x="4247572" y="4758768"/>
+            <a:off x="4247572" y="4950922"/>
             <a:ext cx="3479034" cy="1090457"/>
           </a:xfrm>
           <a:prstGeom prst="rect">
@@ -4320,7 +4366,7 @@
         </p:nvSpPr>
         <p:spPr>
           <a:xfrm>
-            <a:off x="8555068" y="4758768"/>
+            <a:off x="8886368" y="4513606"/>
             <a:ext cx="3111179" cy="1090457"/>
           </a:xfrm>
           <a:prstGeom prst="rect">
@@ -4427,7 +4473,7 @@
         </p:nvSpPr>
         <p:spPr>
           <a:xfrm>
-            <a:off x="456300" y="4824084"/>
+            <a:off x="456300" y="4890344"/>
             <a:ext cx="2887484" cy="1142774"/>
           </a:xfrm>
           <a:prstGeom prst="rect">
@@ -4539,7 +4585,7 @@
         <p:spPr>
           <a:xfrm rot="10800000" flipV="1">
             <a:off x="1900043" y="3501066"/>
-            <a:ext cx="2627865" cy="1323018"/>
+            <a:ext cx="2627865" cy="1389278"/>
           </a:xfrm>
           <a:prstGeom prst="bentConnector2">
             <a:avLst/>
@@ -4582,8 +4628,8 @@
         </p:nvCxnSpPr>
         <p:spPr>
           <a:xfrm rot="16200000" flipH="1">
-            <a:off x="5642497" y="4414175"/>
-            <a:ext cx="687431" cy="1754"/>
+            <a:off x="5546420" y="4510252"/>
+            <a:ext cx="879585" cy="1754"/>
           </a:xfrm>
           <a:prstGeom prst="bentConnector3">
             <a:avLst>
@@ -4629,7 +4675,7 @@
         <p:spPr>
           <a:xfrm>
             <a:off x="7442762" y="3501066"/>
-            <a:ext cx="2667896" cy="1257702"/>
+            <a:ext cx="2999196" cy="1012540"/>
           </a:xfrm>
           <a:prstGeom prst="bentConnector2">
             <a:avLst/>
@@ -4703,8 +4749,8 @@
         </p:nvSpPr>
         <p:spPr>
           <a:xfrm>
-            <a:off x="1891372" y="4391159"/>
-            <a:ext cx="607145" cy="369332"/>
+            <a:off x="1891372" y="4457419"/>
+            <a:ext cx="607145" cy="338554"/>
           </a:xfrm>
           <a:prstGeom prst="rect">
             <a:avLst/>
@@ -4718,7 +4764,7 @@
           <a:lstStyle/>
           <a:p>
             <a:r>
-              <a:rPr lang="en-US" noProof="1"/>
+              <a:rPr lang="en-US" sz="1600" noProof="1"/>
               <a:t>0..*</a:t>
             </a:r>
           </a:p>
@@ -4773,8 +4819,8 @@
         </p:nvSpPr>
         <p:spPr>
           <a:xfrm>
-            <a:off x="6000916" y="4400343"/>
-            <a:ext cx="607145" cy="369332"/>
+            <a:off x="6000916" y="4552741"/>
+            <a:ext cx="607145" cy="338554"/>
           </a:xfrm>
           <a:prstGeom prst="rect">
             <a:avLst/>
@@ -4788,7 +4834,7 @@
           <a:lstStyle/>
           <a:p>
             <a:r>
-              <a:rPr lang="en-US" noProof="1"/>
+              <a:rPr lang="en-US" sz="1600" noProof="1"/>
               <a:t>0..*</a:t>
             </a:r>
           </a:p>
@@ -4808,8 +4854,8 @@
         </p:nvSpPr>
         <p:spPr>
           <a:xfrm>
-            <a:off x="9601316" y="4361597"/>
-            <a:ext cx="607145" cy="369332"/>
+            <a:off x="9972372" y="4116435"/>
+            <a:ext cx="607145" cy="338554"/>
           </a:xfrm>
           <a:prstGeom prst="rect">
             <a:avLst/>
@@ -4823,7 +4869,7 @@
           <a:lstStyle/>
           <a:p>
             <a:r>
-              <a:rPr lang="en-US" noProof="1"/>
+              <a:rPr lang="en-US" sz="1600" noProof="1"/>
               <a:t>0..*</a:t>
             </a:r>
           </a:p>
@@ -4921,8 +4967,8 @@
         </p:nvSpPr>
         <p:spPr>
           <a:xfrm>
-            <a:off x="7314576" y="852189"/>
-            <a:ext cx="3211448" cy="646331"/>
+            <a:off x="7011639" y="117496"/>
+            <a:ext cx="3160644" cy="646331"/>
           </a:xfrm>
           <a:prstGeom prst="rect">
             <a:avLst/>
@@ -5019,7 +5065,7 @@
         </p:nvSpPr>
         <p:spPr>
           <a:xfrm>
-            <a:off x="319249" y="3832048"/>
+            <a:off x="319249" y="3898308"/>
             <a:ext cx="1540369" cy="923330"/>
           </a:xfrm>
           <a:prstGeom prst="rect">
@@ -5069,7 +5115,7 @@
         </p:nvSpPr>
         <p:spPr>
           <a:xfrm>
-            <a:off x="3708376" y="4102269"/>
+            <a:off x="3702787" y="4259092"/>
             <a:ext cx="2268722" cy="646331"/>
           </a:xfrm>
           <a:prstGeom prst="rect">
@@ -5119,7 +5165,7 @@
         </p:nvSpPr>
         <p:spPr>
           <a:xfrm>
-            <a:off x="10172283" y="3749019"/>
+            <a:off x="10503583" y="3503857"/>
             <a:ext cx="1541314" cy="923330"/>
           </a:xfrm>
           <a:prstGeom prst="rect">
@@ -5262,7 +5308,7 @@
         <p:spPr>
           <a:xfrm>
             <a:off x="6559778" y="2130127"/>
-            <a:ext cx="607145" cy="369332"/>
+            <a:ext cx="607145" cy="338554"/>
           </a:xfrm>
           <a:prstGeom prst="rect">
             <a:avLst/>
@@ -5276,7 +5322,7 @@
           <a:lstStyle/>
           <a:p>
             <a:r>
-              <a:rPr lang="en-US" noProof="1"/>
+              <a:rPr lang="en-US" sz="1600" noProof="1"/>
               <a:t>0..*</a:t>
             </a:r>
           </a:p>
@@ -5296,8 +5342,8 @@
         </p:nvSpPr>
         <p:spPr>
           <a:xfrm>
-            <a:off x="7282291" y="1638018"/>
-            <a:ext cx="1740637" cy="369332"/>
+            <a:off x="7494207" y="1813974"/>
+            <a:ext cx="1719788" cy="646331"/>
           </a:xfrm>
           <a:prstGeom prst="rect">
             <a:avLst/>
@@ -5312,7 +5358,21 @@
           <a:p>
             <a:r>
               <a:rPr lang="en-US" noProof="1"/>
-              <a:t>relatedArtifact</a:t>
+              <a:t>relatedArtifact (</a:t>
+            </a:r>
+            <a:r>
+              <a:rPr lang="en-US" i="1" noProof="1">
+                <a:solidFill>
+                  <a:schemeClr val="accent6">
+                    <a:lumMod val="75000"/>
+                  </a:schemeClr>
+                </a:solidFill>
+              </a:rPr>
+              <a:t>is replaced by</a:t>
+            </a:r>
+            <a:r>
+              <a:rPr lang="en-US" noProof="1"/>
+              <a:t>)</a:t>
             </a:r>
           </a:p>
         </p:txBody>
@@ -5438,7 +5498,7 @@
         </p:nvSpPr>
         <p:spPr>
           <a:xfrm>
-            <a:off x="7470755" y="6073551"/>
+            <a:off x="8186369" y="6013917"/>
             <a:ext cx="1667712" cy="476672"/>
           </a:xfrm>
           <a:prstGeom prst="rect">
@@ -5530,8 +5590,8 @@
         </p:nvCxnSpPr>
         <p:spPr>
           <a:xfrm rot="16200000" flipH="1">
-            <a:off x="6497591" y="5338723"/>
-            <a:ext cx="462662" cy="1483666"/>
+            <a:off x="6981292" y="5047176"/>
+            <a:ext cx="210874" cy="2199280"/>
           </a:xfrm>
           <a:prstGeom prst="bentConnector2">
             <a:avLst/>
@@ -5574,8 +5634,8 @@
         </p:nvCxnSpPr>
         <p:spPr>
           <a:xfrm rot="5400000">
-            <a:off x="9393232" y="5594461"/>
-            <a:ext cx="462662" cy="972191"/>
+            <a:off x="9823925" y="5634220"/>
+            <a:ext cx="648190" cy="587877"/>
           </a:xfrm>
           <a:prstGeom prst="bentConnector2">
             <a:avLst/>
@@ -5614,8 +5674,8 @@
         </p:nvSpPr>
         <p:spPr>
           <a:xfrm>
-            <a:off x="6871041" y="5986708"/>
-            <a:ext cx="607145" cy="369332"/>
+            <a:off x="7634898" y="6202144"/>
+            <a:ext cx="607145" cy="338554"/>
           </a:xfrm>
           <a:prstGeom prst="rect">
             <a:avLst/>
@@ -5629,7 +5689,7 @@
           <a:lstStyle/>
           <a:p>
             <a:r>
-              <a:rPr lang="en-US" noProof="1"/>
+              <a:rPr lang="en-US" sz="1600" noProof="1"/>
               <a:t>0..4</a:t>
             </a:r>
           </a:p>
@@ -5649,8 +5709,8 @@
         </p:nvSpPr>
         <p:spPr>
           <a:xfrm>
-            <a:off x="9194141" y="5973465"/>
-            <a:ext cx="607145" cy="369332"/>
+            <a:off x="9916381" y="6205871"/>
+            <a:ext cx="607145" cy="338554"/>
           </a:xfrm>
           <a:prstGeom prst="rect">
             <a:avLst/>
@@ -5664,7 +5724,7 @@
           <a:lstStyle/>
           <a:p>
             <a:r>
-              <a:rPr lang="en-US" noProof="1"/>
+              <a:rPr lang="en-US" sz="1600" noProof="1"/>
               <a:t>0..4</a:t>
             </a:r>
           </a:p>
@@ -5684,8 +5744,8 @@
         </p:nvSpPr>
         <p:spPr>
           <a:xfrm>
-            <a:off x="507901" y="1962747"/>
-            <a:ext cx="2784281" cy="1140542"/>
+            <a:off x="189854" y="1962747"/>
+            <a:ext cx="2627866" cy="1140542"/>
           </a:xfrm>
           <a:prstGeom prst="rect">
             <a:avLst/>
@@ -5795,8 +5855,8 @@
         </p:nvCxnSpPr>
         <p:spPr>
           <a:xfrm rot="10800000" flipV="1">
-            <a:off x="1900042" y="1590215"/>
-            <a:ext cx="2788338" cy="372532"/>
+            <a:off x="1503788" y="1590215"/>
+            <a:ext cx="3184593" cy="372532"/>
           </a:xfrm>
           <a:prstGeom prst="bentConnector2">
             <a:avLst/>
@@ -5835,8 +5895,8 @@
         </p:nvSpPr>
         <p:spPr>
           <a:xfrm>
-            <a:off x="1946952" y="1598863"/>
-            <a:ext cx="607145" cy="369332"/>
+            <a:off x="1556018" y="1598863"/>
+            <a:ext cx="607145" cy="338554"/>
           </a:xfrm>
           <a:prstGeom prst="rect">
             <a:avLst/>
@@ -5850,7 +5910,7 @@
           <a:lstStyle/>
           <a:p>
             <a:r>
-              <a:rPr lang="en-US" noProof="1"/>
+              <a:rPr lang="en-US" sz="1600" noProof="1"/>
               <a:t>0..*</a:t>
             </a:r>
           </a:p>
@@ -5905,8 +5965,8 @@
         </p:nvSpPr>
         <p:spPr>
           <a:xfrm>
-            <a:off x="-2790" y="1280963"/>
-            <a:ext cx="1849648" cy="646331"/>
+            <a:off x="-85375" y="991359"/>
+            <a:ext cx="1627978" cy="923330"/>
           </a:xfrm>
           <a:prstGeom prst="rect">
             <a:avLst/>
@@ -5948,7 +6008,7 @@
         </p:nvSpPr>
         <p:spPr>
           <a:xfrm>
-            <a:off x="5607055" y="6550223"/>
+            <a:off x="6322669" y="6490589"/>
             <a:ext cx="4601406" cy="369332"/>
           </a:xfrm>
           <a:prstGeom prst="rect">
@@ -5980,6 +6040,155 @@
             <a:r>
               <a:rPr lang="en-US" i="1" noProof="1"/>
               <a:t>valid|normal|abnormal|critical values</a:t>
+            </a:r>
+          </a:p>
+        </p:txBody>
+      </p:sp>
+      <p:cxnSp>
+        <p:nvCxnSpPr>
+          <p:cNvPr id="59" name="Connecteur : en angle 58">
+            <a:extLst>
+              <a:ext uri="{FF2B5EF4-FFF2-40B4-BE49-F238E27FC236}">
+                <a16:creationId xmlns:a16="http://schemas.microsoft.com/office/drawing/2014/main" id="{CEC98B57-A84A-4965-8F1C-9AD5C1F66F68}"/>
+              </a:ext>
+            </a:extLst>
+          </p:cNvPr>
+          <p:cNvCxnSpPr>
+            <a:cxnSpLocks/>
+            <a:stCxn id="58" idx="3"/>
+            <a:endCxn id="58" idx="0"/>
+          </p:cNvCxnSpPr>
+          <p:nvPr/>
+        </p:nvCxnSpPr>
+        <p:spPr>
+          <a:xfrm flipH="1" flipV="1">
+            <a:off x="7105166" y="1107870"/>
+            <a:ext cx="170499" cy="144374"/>
+          </a:xfrm>
+          <a:prstGeom prst="bentConnector4">
+            <a:avLst>
+              <a:gd name="adj1" fmla="val -134077"/>
+              <a:gd name="adj2" fmla="val 258339"/>
+            </a:avLst>
+          </a:prstGeom>
+          <a:ln w="28575">
+            <a:headEnd type="arrow" w="med" len="med"/>
+            <a:tailEnd type="none" w="med" len="med"/>
+          </a:ln>
+        </p:spPr>
+        <p:style>
+          <a:lnRef idx="1">
+            <a:schemeClr val="accent1"/>
+          </a:lnRef>
+          <a:fillRef idx="0">
+            <a:schemeClr val="accent1"/>
+          </a:fillRef>
+          <a:effectRef idx="0">
+            <a:schemeClr val="accent1"/>
+          </a:effectRef>
+          <a:fontRef idx="minor">
+            <a:schemeClr val="tx1"/>
+          </a:fontRef>
+        </p:style>
+      </p:cxnSp>
+      <p:sp>
+        <p:nvSpPr>
+          <p:cNvPr id="61" name="ZoneTexte 60">
+            <a:extLst>
+              <a:ext uri="{FF2B5EF4-FFF2-40B4-BE49-F238E27FC236}">
+                <a16:creationId xmlns:a16="http://schemas.microsoft.com/office/drawing/2014/main" id="{F15FD08A-EE01-41B9-A74C-D190D9D0CE08}"/>
+              </a:ext>
+            </a:extLst>
+          </p:cNvPr>
+          <p:cNvSpPr txBox="1"/>
+          <p:nvPr/>
+        </p:nvSpPr>
+        <p:spPr>
+          <a:xfrm>
+            <a:off x="7248234" y="1231109"/>
+            <a:ext cx="607145" cy="338554"/>
+          </a:xfrm>
+          <a:prstGeom prst="rect">
+            <a:avLst/>
+          </a:prstGeom>
+          <a:noFill/>
+        </p:spPr>
+        <p:txBody>
+          <a:bodyPr wrap="square" rtlCol="0">
+            <a:spAutoFit/>
+          </a:bodyPr>
+          <a:lstStyle/>
+          <a:p>
+            <a:r>
+              <a:rPr lang="en-US" sz="1600" noProof="1"/>
+              <a:t>0..*</a:t>
+            </a:r>
+          </a:p>
+        </p:txBody>
+      </p:sp>
+      <p:sp>
+        <p:nvSpPr>
+          <p:cNvPr id="62" name="ZoneTexte 61">
+            <a:extLst>
+              <a:ext uri="{FF2B5EF4-FFF2-40B4-BE49-F238E27FC236}">
+                <a16:creationId xmlns:a16="http://schemas.microsoft.com/office/drawing/2014/main" id="{B84E6AD3-4ED3-4FEA-969E-C0AC05903492}"/>
+              </a:ext>
+            </a:extLst>
+          </p:cNvPr>
+          <p:cNvSpPr txBox="1"/>
+          <p:nvPr/>
+        </p:nvSpPr>
+        <p:spPr>
+          <a:xfrm>
+            <a:off x="7668071" y="924084"/>
+            <a:ext cx="3301435" cy="646331"/>
+          </a:xfrm>
+          <a:prstGeom prst="rect">
+            <a:avLst/>
+          </a:prstGeom>
+          <a:noFill/>
+        </p:spPr>
+        <p:txBody>
+          <a:bodyPr wrap="square" rtlCol="0">
+            <a:spAutoFit/>
+          </a:bodyPr>
+          <a:lstStyle/>
+          <a:p>
+            <a:r>
+              <a:rPr lang="en-US" noProof="1"/>
+              <a:t>action.action.definitionCanonical (</a:t>
+            </a:r>
+            <a:r>
+              <a:rPr lang="en-US" i="1" noProof="1">
+                <a:solidFill>
+                  <a:schemeClr val="accent6">
+                    <a:lumMod val="75000"/>
+                  </a:schemeClr>
+                </a:solidFill>
+              </a:rPr>
+              <a:t>embeds</a:t>
+            </a:r>
+            <a:r>
+              <a:rPr lang="en-US" i="1" noProof="1"/>
+              <a:t> </a:t>
+            </a:r>
+            <a:r>
+              <a:rPr lang="en-US" noProof="1"/>
+              <a:t>or </a:t>
+            </a:r>
+            <a:r>
+              <a:rPr lang="en-US" i="1" noProof="1">
+                <a:solidFill>
+                  <a:schemeClr val="accent6">
+                    <a:lumMod val="75000"/>
+                  </a:schemeClr>
+                </a:solidFill>
+              </a:rPr>
+              <a:t>reflexes</a:t>
+            </a:r>
+            <a:r>
+              <a:rPr lang="en-US" noProof="1"/>
+              <a:t>)</a:t>
             </a:r>
           </a:p>
         </p:txBody>

--- a/input/images-source/LabCompendium.pptx
+++ b/input/images-source/LabCompendium.pptx
@@ -3764,10 +3764,10 @@
       </p:grpSpPr>
       <p:sp>
         <p:nvSpPr>
-          <p:cNvPr id="58" name="Rectangle 57">
-            <a:extLst>
-              <a:ext uri="{FF2B5EF4-FFF2-40B4-BE49-F238E27FC236}">
-                <a16:creationId xmlns:a16="http://schemas.microsoft.com/office/drawing/2014/main" id="{539DD055-8EF1-46D5-A759-909838B13B59}"/>
+          <p:cNvPr id="64" name="Rectangle 63">
+            <a:extLst>
+              <a:ext uri="{FF2B5EF4-FFF2-40B4-BE49-F238E27FC236}">
+                <a16:creationId xmlns:a16="http://schemas.microsoft.com/office/drawing/2014/main" id="{6CD60E96-2AFE-4D34-8AE7-ECF9D31501F0}"/>
               </a:ext>
             </a:extLst>
           </p:cNvPr>
@@ -3776,8 +3776,8 @@
         </p:nvSpPr>
         <p:spPr>
           <a:xfrm>
-            <a:off x="6934666" y="1107870"/>
-            <a:ext cx="340999" cy="288748"/>
+            <a:off x="6923554" y="1013936"/>
+            <a:ext cx="340999" cy="217887"/>
           </a:xfrm>
           <a:prstGeom prst="rect">
             <a:avLst/>
@@ -3810,6 +3810,98 @@
       </p:sp>
       <p:sp>
         <p:nvSpPr>
+          <p:cNvPr id="8" name="Rectangle 7">
+            <a:extLst>
+              <a:ext uri="{FF2B5EF4-FFF2-40B4-BE49-F238E27FC236}">
+                <a16:creationId xmlns:a16="http://schemas.microsoft.com/office/drawing/2014/main" id="{CEEC58EF-7E7F-4AD1-BF5F-F726576E3AEA}"/>
+              </a:ext>
+            </a:extLst>
+          </p:cNvPr>
+          <p:cNvSpPr/>
+          <p:nvPr/>
+        </p:nvSpPr>
+        <p:spPr>
+          <a:xfrm>
+            <a:off x="7112001" y="1426241"/>
+            <a:ext cx="143498" cy="164249"/>
+          </a:xfrm>
+          <a:prstGeom prst="rect">
+            <a:avLst/>
+          </a:prstGeom>
+        </p:spPr>
+        <p:style>
+          <a:lnRef idx="2">
+            <a:schemeClr val="accent1">
+              <a:shade val="50000"/>
+            </a:schemeClr>
+          </a:lnRef>
+          <a:fillRef idx="1">
+            <a:schemeClr val="accent1"/>
+          </a:fillRef>
+          <a:effectRef idx="0">
+            <a:schemeClr val="accent1"/>
+          </a:effectRef>
+          <a:fontRef idx="minor">
+            <a:schemeClr val="lt1"/>
+          </a:fontRef>
+        </p:style>
+        <p:txBody>
+          <a:bodyPr rtlCol="0" anchor="ctr"/>
+          <a:lstStyle/>
+          <a:p>
+            <a:pPr algn="ctr"/>
+            <a:endParaRPr lang="fr-FR"/>
+          </a:p>
+        </p:txBody>
+      </p:sp>
+      <p:sp>
+        <p:nvSpPr>
+          <p:cNvPr id="58" name="Rectangle 57">
+            <a:extLst>
+              <a:ext uri="{FF2B5EF4-FFF2-40B4-BE49-F238E27FC236}">
+                <a16:creationId xmlns:a16="http://schemas.microsoft.com/office/drawing/2014/main" id="{539DD055-8EF1-46D5-A759-909838B13B59}"/>
+              </a:ext>
+            </a:extLst>
+          </p:cNvPr>
+          <p:cNvSpPr/>
+          <p:nvPr/>
+        </p:nvSpPr>
+        <p:spPr>
+          <a:xfrm>
+            <a:off x="6934666" y="1709006"/>
+            <a:ext cx="340999" cy="288748"/>
+          </a:xfrm>
+          <a:prstGeom prst="rect">
+            <a:avLst/>
+          </a:prstGeom>
+        </p:spPr>
+        <p:style>
+          <a:lnRef idx="2">
+            <a:schemeClr val="accent1">
+              <a:shade val="50000"/>
+            </a:schemeClr>
+          </a:lnRef>
+          <a:fillRef idx="1">
+            <a:schemeClr val="accent1"/>
+          </a:fillRef>
+          <a:effectRef idx="0">
+            <a:schemeClr val="accent1"/>
+          </a:effectRef>
+          <a:fontRef idx="minor">
+            <a:schemeClr val="lt1"/>
+          </a:fontRef>
+        </p:style>
+        <p:txBody>
+          <a:bodyPr rtlCol="0" anchor="ctr"/>
+          <a:lstStyle/>
+          <a:p>
+            <a:pPr algn="ctr"/>
+            <a:endParaRPr lang="fr-FR"/>
+          </a:p>
+        </p:txBody>
+      </p:sp>
+      <p:sp>
+        <p:nvSpPr>
           <p:cNvPr id="9" name="ZoneTexte 8">
             <a:extLst>
               <a:ext uri="{FF2B5EF4-FFF2-40B4-BE49-F238E27FC236}">
@@ -3822,7 +3914,7 @@
         </p:nvSpPr>
         <p:spPr>
           <a:xfrm>
-            <a:off x="4436782" y="334303"/>
+            <a:off x="3852577" y="342770"/>
             <a:ext cx="607145" cy="338554"/>
           </a:xfrm>
           <a:prstGeom prst="rect">
@@ -3861,8 +3953,8 @@
         </p:nvCxnSpPr>
         <p:spPr>
           <a:xfrm rot="16200000" flipV="1">
-            <a:off x="5048324" y="82932"/>
-            <a:ext cx="307552" cy="1566472"/>
+            <a:off x="4760456" y="-204937"/>
+            <a:ext cx="299085" cy="2150677"/>
           </a:xfrm>
           <a:prstGeom prst="bentConnector2">
             <a:avLst/>
@@ -3901,7 +3993,7 @@
         </p:nvSpPr>
         <p:spPr>
           <a:xfrm>
-            <a:off x="2257879" y="143821"/>
+            <a:off x="1673674" y="152288"/>
             <a:ext cx="2160985" cy="1137142"/>
           </a:xfrm>
           <a:prstGeom prst="rect">
@@ -4001,7 +4093,7 @@
         </p:nvSpPr>
         <p:spPr>
           <a:xfrm>
-            <a:off x="5079296" y="326787"/>
+            <a:off x="4247572" y="640893"/>
             <a:ext cx="1876007" cy="369332"/>
           </a:xfrm>
           <a:prstGeom prst="rect">
@@ -4473,7 +4565,7 @@
         </p:nvSpPr>
         <p:spPr>
           <a:xfrm>
-            <a:off x="456300" y="4890344"/>
+            <a:off x="617167" y="4932679"/>
             <a:ext cx="2887484" cy="1142774"/>
           </a:xfrm>
           <a:prstGeom prst="rect">
@@ -4584,8 +4676,8 @@
         </p:nvCxnSpPr>
         <p:spPr>
           <a:xfrm rot="10800000" flipV="1">
-            <a:off x="1900043" y="3501066"/>
-            <a:ext cx="2627865" cy="1389278"/>
+            <a:off x="2060909" y="3501065"/>
+            <a:ext cx="2466998" cy="1431613"/>
           </a:xfrm>
           <a:prstGeom prst="bentConnector2">
             <a:avLst/>
@@ -4714,7 +4806,7 @@
         </p:nvSpPr>
         <p:spPr>
           <a:xfrm>
-            <a:off x="2210804" y="3203888"/>
+            <a:off x="2228146" y="3475822"/>
             <a:ext cx="2308432" cy="369332"/>
           </a:xfrm>
           <a:prstGeom prst="rect">
@@ -4749,7 +4841,7 @@
         </p:nvSpPr>
         <p:spPr>
           <a:xfrm>
-            <a:off x="1891372" y="4457419"/>
+            <a:off x="2052239" y="4499754"/>
             <a:ext cx="607145" cy="338554"/>
           </a:xfrm>
           <a:prstGeom prst="rect">
@@ -4924,7 +5016,7 @@
         </p:nvSpPr>
         <p:spPr>
           <a:xfrm>
-            <a:off x="602506" y="11137"/>
+            <a:off x="18301" y="19604"/>
             <a:ext cx="1540369" cy="646331"/>
           </a:xfrm>
           <a:prstGeom prst="rect">
@@ -4967,7 +5059,7 @@
         </p:nvSpPr>
         <p:spPr>
           <a:xfrm>
-            <a:off x="7011639" y="117496"/>
+            <a:off x="4688380" y="-1334"/>
             <a:ext cx="3160644" cy="646331"/>
           </a:xfrm>
           <a:prstGeom prst="rect">
@@ -5046,7 +5138,7 @@
           <a:p>
             <a:r>
               <a:rPr lang="en-US" i="1" noProof="1"/>
-              <a:t>one or more laboratory procedures operationalizing the service </a:t>
+              <a:t>laboratory procedure operationalizing the service </a:t>
             </a:r>
           </a:p>
         </p:txBody>
@@ -5065,7 +5157,7 @@
         </p:nvSpPr>
         <p:spPr>
           <a:xfrm>
-            <a:off x="319249" y="3898308"/>
+            <a:off x="480116" y="3940643"/>
             <a:ext cx="1540369" cy="923330"/>
           </a:xfrm>
           <a:prstGeom prst="rect">
@@ -5214,8 +5306,8 @@
         </p:nvSpPr>
         <p:spPr>
           <a:xfrm>
-            <a:off x="6908365" y="1812620"/>
-            <a:ext cx="340999" cy="324520"/>
+            <a:off x="6908365" y="1919252"/>
+            <a:ext cx="340999" cy="217887"/>
           </a:xfrm>
           <a:prstGeom prst="rect">
             <a:avLst/>
@@ -5264,12 +5356,12 @@
         </p:nvCxnSpPr>
         <p:spPr>
           <a:xfrm rot="5400000" flipH="1" flipV="1">
-            <a:off x="7082984" y="1970760"/>
-            <a:ext cx="162260" cy="170499"/>
+            <a:off x="7109642" y="1997418"/>
+            <a:ext cx="108943" cy="170499"/>
           </a:xfrm>
           <a:prstGeom prst="bentConnector4">
             <a:avLst>
-              <a:gd name="adj1" fmla="val -140885"/>
+              <a:gd name="adj1" fmla="val -209835"/>
               <a:gd name="adj2" fmla="val 234077"/>
             </a:avLst>
           </a:prstGeom>
@@ -5342,8 +5434,8 @@
         </p:nvSpPr>
         <p:spPr>
           <a:xfrm>
-            <a:off x="7494207" y="1813974"/>
-            <a:ext cx="1719788" cy="646331"/>
+            <a:off x="7557252" y="1989998"/>
+            <a:ext cx="3757993" cy="369332"/>
           </a:xfrm>
           <a:prstGeom prst="rect">
             <a:avLst/>
@@ -5498,7 +5590,7 @@
         </p:nvSpPr>
         <p:spPr>
           <a:xfrm>
-            <a:off x="8186369" y="6013917"/>
+            <a:off x="8338775" y="6013917"/>
             <a:ext cx="1667712" cy="476672"/>
           </a:xfrm>
           <a:prstGeom prst="rect">
@@ -5590,8 +5682,8 @@
         </p:nvCxnSpPr>
         <p:spPr>
           <a:xfrm rot="16200000" flipH="1">
-            <a:off x="6981292" y="5047176"/>
-            <a:ext cx="210874" cy="2199280"/>
+            <a:off x="7057495" y="4970973"/>
+            <a:ext cx="210874" cy="2351686"/>
           </a:xfrm>
           <a:prstGeom prst="bentConnector2">
             <a:avLst/>
@@ -5634,8 +5726,8 @@
         </p:nvCxnSpPr>
         <p:spPr>
           <a:xfrm rot="5400000">
-            <a:off x="9823925" y="5634220"/>
-            <a:ext cx="648190" cy="587877"/>
+            <a:off x="9900128" y="5710423"/>
+            <a:ext cx="648190" cy="435471"/>
           </a:xfrm>
           <a:prstGeom prst="bentConnector2">
             <a:avLst/>
@@ -5674,7 +5766,7 @@
         </p:nvSpPr>
         <p:spPr>
           <a:xfrm>
-            <a:off x="7634898" y="6202144"/>
+            <a:off x="7787304" y="6202144"/>
             <a:ext cx="607145" cy="338554"/>
           </a:xfrm>
           <a:prstGeom prst="rect">
@@ -5709,7 +5801,7 @@
         </p:nvSpPr>
         <p:spPr>
           <a:xfrm>
-            <a:off x="9916381" y="6205871"/>
+            <a:off x="10068787" y="6205871"/>
             <a:ext cx="607145" cy="338554"/>
           </a:xfrm>
           <a:prstGeom prst="rect">
@@ -5744,7 +5836,7 @@
         </p:nvSpPr>
         <p:spPr>
           <a:xfrm>
-            <a:off x="189854" y="1962747"/>
+            <a:off x="189854" y="2089752"/>
             <a:ext cx="2627866" cy="1140542"/>
           </a:xfrm>
           <a:prstGeom prst="rect">
@@ -5855,8 +5947,8 @@
         </p:nvCxnSpPr>
         <p:spPr>
           <a:xfrm rot="10800000" flipV="1">
-            <a:off x="1503788" y="1590215"/>
-            <a:ext cx="3184593" cy="372532"/>
+            <a:off x="1503788" y="1590214"/>
+            <a:ext cx="3184593" cy="499537"/>
           </a:xfrm>
           <a:prstGeom prst="bentConnector2">
             <a:avLst/>
@@ -5895,7 +5987,7 @@
         </p:nvSpPr>
         <p:spPr>
           <a:xfrm>
-            <a:off x="1556018" y="1598863"/>
+            <a:off x="1556018" y="1725868"/>
             <a:ext cx="607145" cy="338554"/>
           </a:xfrm>
           <a:prstGeom prst="rect">
@@ -5965,8 +6057,8 @@
         </p:nvSpPr>
         <p:spPr>
           <a:xfrm>
-            <a:off x="-85375" y="991359"/>
-            <a:ext cx="1627978" cy="923330"/>
+            <a:off x="-183392" y="1357828"/>
+            <a:ext cx="1627978" cy="646331"/>
           </a:xfrm>
           <a:prstGeom prst="rect">
             <a:avLst/>
@@ -5989,7 +6081,7 @@
                   </a:schemeClr>
                 </a:solidFill>
               </a:rPr>
-              <a:t>a billing code and associated rules</a:t>
+              <a:t>a billing code and its rules</a:t>
             </a:r>
           </a:p>
         </p:txBody>
@@ -6008,8 +6100,8 @@
         </p:nvSpPr>
         <p:spPr>
           <a:xfrm>
-            <a:off x="6322669" y="6490589"/>
-            <a:ext cx="4601406" cy="369332"/>
+            <a:off x="7248233" y="6490589"/>
+            <a:ext cx="3938309" cy="369332"/>
           </a:xfrm>
           <a:prstGeom prst="rect">
             <a:avLst/>
@@ -6036,7 +6128,7 @@
             </a:lvl1pPr>
           </a:lstStyle>
           <a:p>
-            <a:pPr algn="r"/>
+            <a:pPr algn="ctr"/>
             <a:r>
               <a:rPr lang="en-US" i="1" noProof="1"/>
               <a:t>valid|normal|abnormal|critical values</a:t>
@@ -6055,20 +6147,18 @@
           </p:cNvPr>
           <p:cNvCxnSpPr>
             <a:cxnSpLocks/>
-            <a:stCxn id="58" idx="3"/>
-            <a:endCxn id="58" idx="0"/>
+            <a:endCxn id="8" idx="3"/>
           </p:cNvCxnSpPr>
           <p:nvPr/>
         </p:nvCxnSpPr>
         <p:spPr>
           <a:xfrm flipH="1" flipV="1">
-            <a:off x="7105166" y="1107870"/>
-            <a:ext cx="170499" cy="144374"/>
-          </a:xfrm>
-          <a:prstGeom prst="bentConnector4">
+            <a:off x="7255499" y="1508366"/>
+            <a:ext cx="20166" cy="234943"/>
+          </a:xfrm>
+          <a:prstGeom prst="bentConnector3">
             <a:avLst>
-              <a:gd name="adj1" fmla="val -134077"/>
-              <a:gd name="adj2" fmla="val 258339"/>
+              <a:gd name="adj1" fmla="val -1133591"/>
             </a:avLst>
           </a:prstGeom>
           <a:ln w="28575">
@@ -6105,7 +6195,7 @@
         </p:nvSpPr>
         <p:spPr>
           <a:xfrm>
-            <a:off x="7248234" y="1231109"/>
+            <a:off x="7287980" y="1714517"/>
             <a:ext cx="607145" cy="338554"/>
           </a:xfrm>
           <a:prstGeom prst="rect">
@@ -6128,35 +6218,34 @@
       </p:sp>
       <p:sp>
         <p:nvSpPr>
-          <p:cNvPr id="62" name="ZoneTexte 61">
-            <a:extLst>
-              <a:ext uri="{FF2B5EF4-FFF2-40B4-BE49-F238E27FC236}">
-                <a16:creationId xmlns:a16="http://schemas.microsoft.com/office/drawing/2014/main" id="{B84E6AD3-4ED3-4FEA-969E-C0AC05903492}"/>
-              </a:ext>
-            </a:extLst>
-          </p:cNvPr>
-          <p:cNvSpPr txBox="1"/>
+          <p:cNvPr id="6" name="Rectangle 5">
+            <a:extLst>
+              <a:ext uri="{FF2B5EF4-FFF2-40B4-BE49-F238E27FC236}">
+                <a16:creationId xmlns:a16="http://schemas.microsoft.com/office/drawing/2014/main" id="{1C6DDBC5-A792-48D7-9DEB-B008187D51FB}"/>
+              </a:ext>
+            </a:extLst>
+          </p:cNvPr>
+          <p:cNvSpPr/>
           <p:nvPr/>
         </p:nvSpPr>
         <p:spPr>
           <a:xfrm>
-            <a:off x="7668071" y="924084"/>
-            <a:ext cx="3301435" cy="646331"/>
+            <a:off x="7571885" y="1454490"/>
+            <a:ext cx="2496902" cy="369332"/>
           </a:xfrm>
           <a:prstGeom prst="rect">
             <a:avLst/>
           </a:prstGeom>
-          <a:noFill/>
-        </p:spPr>
-        <p:txBody>
-          <a:bodyPr wrap="square" rtlCol="0">
+        </p:spPr>
+        <p:txBody>
+          <a:bodyPr wrap="none">
             <a:spAutoFit/>
           </a:bodyPr>
           <a:lstStyle/>
           <a:p>
             <a:r>
               <a:rPr lang="en-US" noProof="1"/>
-              <a:t>action.action.definitionCanonical (</a:t>
+              <a:t>relatedArtifact (</a:t>
             </a:r>
             <a:r>
               <a:rPr lang="en-US" i="1" noProof="1">
@@ -6166,15 +6255,128 @@
                   </a:schemeClr>
                 </a:solidFill>
               </a:rPr>
-              <a:t>embeds</a:t>
-            </a:r>
-            <a:r>
-              <a:rPr lang="en-US" i="1" noProof="1"/>
-              <a:t> </a:t>
+              <a:t>includes</a:t>
             </a:r>
             <a:r>
               <a:rPr lang="en-US" noProof="1"/>
-              <a:t>or </a:t>
+              <a:t>)</a:t>
+            </a:r>
+          </a:p>
+        </p:txBody>
+      </p:sp>
+      <p:cxnSp>
+        <p:nvCxnSpPr>
+          <p:cNvPr id="65" name="Connecteur : en angle 64">
+            <a:extLst>
+              <a:ext uri="{FF2B5EF4-FFF2-40B4-BE49-F238E27FC236}">
+                <a16:creationId xmlns:a16="http://schemas.microsoft.com/office/drawing/2014/main" id="{476B43B7-696D-4AD5-8357-3897D95ACD3A}"/>
+              </a:ext>
+            </a:extLst>
+          </p:cNvPr>
+          <p:cNvCxnSpPr>
+            <a:cxnSpLocks/>
+            <a:stCxn id="64" idx="3"/>
+            <a:endCxn id="64" idx="0"/>
+          </p:cNvCxnSpPr>
+          <p:nvPr/>
+        </p:nvCxnSpPr>
+        <p:spPr>
+          <a:xfrm flipH="1" flipV="1">
+            <a:off x="7094054" y="1013936"/>
+            <a:ext cx="170499" cy="108944"/>
+          </a:xfrm>
+          <a:prstGeom prst="bentConnector4">
+            <a:avLst>
+              <a:gd name="adj1" fmla="val -134077"/>
+              <a:gd name="adj2" fmla="val 309833"/>
+            </a:avLst>
+          </a:prstGeom>
+          <a:ln w="28575">
+            <a:headEnd type="arrow" w="med" len="med"/>
+            <a:tailEnd type="none" w="med" len="med"/>
+          </a:ln>
+        </p:spPr>
+        <p:style>
+          <a:lnRef idx="1">
+            <a:schemeClr val="accent1"/>
+          </a:lnRef>
+          <a:fillRef idx="0">
+            <a:schemeClr val="accent1"/>
+          </a:fillRef>
+          <a:effectRef idx="0">
+            <a:schemeClr val="accent1"/>
+          </a:effectRef>
+          <a:fontRef idx="minor">
+            <a:schemeClr val="tx1"/>
+          </a:fontRef>
+        </p:style>
+      </p:cxnSp>
+      <p:sp>
+        <p:nvSpPr>
+          <p:cNvPr id="66" name="ZoneTexte 65">
+            <a:extLst>
+              <a:ext uri="{FF2B5EF4-FFF2-40B4-BE49-F238E27FC236}">
+                <a16:creationId xmlns:a16="http://schemas.microsoft.com/office/drawing/2014/main" id="{A33D02C2-BA90-449F-AE59-7ECD9085C945}"/>
+              </a:ext>
+            </a:extLst>
+          </p:cNvPr>
+          <p:cNvSpPr txBox="1"/>
+          <p:nvPr/>
+        </p:nvSpPr>
+        <p:spPr>
+          <a:xfrm>
+            <a:off x="7288677" y="1106063"/>
+            <a:ext cx="607145" cy="338554"/>
+          </a:xfrm>
+          <a:prstGeom prst="rect">
+            <a:avLst/>
+          </a:prstGeom>
+          <a:noFill/>
+        </p:spPr>
+        <p:txBody>
+          <a:bodyPr wrap="square" rtlCol="0">
+            <a:spAutoFit/>
+          </a:bodyPr>
+          <a:lstStyle/>
+          <a:p>
+            <a:r>
+              <a:rPr lang="en-US" sz="1600" noProof="1"/>
+              <a:t>0..*</a:t>
+            </a:r>
+          </a:p>
+        </p:txBody>
+      </p:sp>
+      <p:sp>
+        <p:nvSpPr>
+          <p:cNvPr id="67" name="ZoneTexte 66">
+            <a:extLst>
+              <a:ext uri="{FF2B5EF4-FFF2-40B4-BE49-F238E27FC236}">
+                <a16:creationId xmlns:a16="http://schemas.microsoft.com/office/drawing/2014/main" id="{10D4F8C0-74BA-4BCF-9A1C-9EEBC3A560A0}"/>
+              </a:ext>
+            </a:extLst>
+          </p:cNvPr>
+          <p:cNvSpPr txBox="1"/>
+          <p:nvPr/>
+        </p:nvSpPr>
+        <p:spPr>
+          <a:xfrm>
+            <a:off x="7593471" y="753547"/>
+            <a:ext cx="4404076" cy="369332"/>
+          </a:xfrm>
+          <a:prstGeom prst="rect">
+            <a:avLst/>
+          </a:prstGeom>
+          <a:noFill/>
+        </p:spPr>
+        <p:txBody>
+          <a:bodyPr wrap="square" rtlCol="0">
+            <a:spAutoFit/>
+          </a:bodyPr>
+          <a:lstStyle/>
+          <a:p>
+            <a:r>
+              <a:rPr lang="en-US" noProof="1"/>
+              <a:t>action.(…).definitionCanonical (</a:t>
             </a:r>
             <a:r>
               <a:rPr lang="en-US" i="1" noProof="1">

--- a/input/images-source/LabCompendium.pptx
+++ b/input/images-source/LabCompendium.pptx
@@ -197,7 +197,7 @@
           <a:p>
             <a:fld id="{C0FC2EA5-DDD9-41B5-A743-573E81829967}" type="datetimeFigureOut">
               <a:rPr lang="fr-FR" smtClean="0"/>
-              <a:t>29/05/2020</a:t>
+              <a:t>05/06/2020</a:t>
             </a:fld>
             <a:endParaRPr lang="fr-FR"/>
           </a:p>
@@ -695,7 +695,7 @@
           <a:p>
             <a:fld id="{DEBA1CB3-45B4-4365-8A01-D60AF6EBF46C}" type="datetimeFigureOut">
               <a:rPr lang="fr-FR" smtClean="0"/>
-              <a:t>29/05/2020</a:t>
+              <a:t>05/06/2020</a:t>
             </a:fld>
             <a:endParaRPr lang="fr-FR"/>
           </a:p>
@@ -893,7 +893,7 @@
           <a:p>
             <a:fld id="{DEBA1CB3-45B4-4365-8A01-D60AF6EBF46C}" type="datetimeFigureOut">
               <a:rPr lang="fr-FR" smtClean="0"/>
-              <a:t>29/05/2020</a:t>
+              <a:t>05/06/2020</a:t>
             </a:fld>
             <a:endParaRPr lang="fr-FR"/>
           </a:p>
@@ -1101,7 +1101,7 @@
           <a:p>
             <a:fld id="{DEBA1CB3-45B4-4365-8A01-D60AF6EBF46C}" type="datetimeFigureOut">
               <a:rPr lang="fr-FR" smtClean="0"/>
-              <a:t>29/05/2020</a:t>
+              <a:t>05/06/2020</a:t>
             </a:fld>
             <a:endParaRPr lang="fr-FR"/>
           </a:p>
@@ -1299,7 +1299,7 @@
           <a:p>
             <a:fld id="{DEBA1CB3-45B4-4365-8A01-D60AF6EBF46C}" type="datetimeFigureOut">
               <a:rPr lang="fr-FR" smtClean="0"/>
-              <a:t>29/05/2020</a:t>
+              <a:t>05/06/2020</a:t>
             </a:fld>
             <a:endParaRPr lang="fr-FR"/>
           </a:p>
@@ -1574,7 +1574,7 @@
           <a:p>
             <a:fld id="{DEBA1CB3-45B4-4365-8A01-D60AF6EBF46C}" type="datetimeFigureOut">
               <a:rPr lang="fr-FR" smtClean="0"/>
-              <a:t>29/05/2020</a:t>
+              <a:t>05/06/2020</a:t>
             </a:fld>
             <a:endParaRPr lang="fr-FR"/>
           </a:p>
@@ -1839,7 +1839,7 @@
           <a:p>
             <a:fld id="{DEBA1CB3-45B4-4365-8A01-D60AF6EBF46C}" type="datetimeFigureOut">
               <a:rPr lang="fr-FR" smtClean="0"/>
-              <a:t>29/05/2020</a:t>
+              <a:t>05/06/2020</a:t>
             </a:fld>
             <a:endParaRPr lang="fr-FR"/>
           </a:p>
@@ -2251,7 +2251,7 @@
           <a:p>
             <a:fld id="{DEBA1CB3-45B4-4365-8A01-D60AF6EBF46C}" type="datetimeFigureOut">
               <a:rPr lang="fr-FR" smtClean="0"/>
-              <a:t>29/05/2020</a:t>
+              <a:t>05/06/2020</a:t>
             </a:fld>
             <a:endParaRPr lang="fr-FR"/>
           </a:p>
@@ -2392,7 +2392,7 @@
           <a:p>
             <a:fld id="{DEBA1CB3-45B4-4365-8A01-D60AF6EBF46C}" type="datetimeFigureOut">
               <a:rPr lang="fr-FR" smtClean="0"/>
-              <a:t>29/05/2020</a:t>
+              <a:t>05/06/2020</a:t>
             </a:fld>
             <a:endParaRPr lang="fr-FR"/>
           </a:p>
@@ -2505,7 +2505,7 @@
           <a:p>
             <a:fld id="{DEBA1CB3-45B4-4365-8A01-D60AF6EBF46C}" type="datetimeFigureOut">
               <a:rPr lang="fr-FR" smtClean="0"/>
-              <a:t>29/05/2020</a:t>
+              <a:t>05/06/2020</a:t>
             </a:fld>
             <a:endParaRPr lang="fr-FR"/>
           </a:p>
@@ -2816,7 +2816,7 @@
           <a:p>
             <a:fld id="{DEBA1CB3-45B4-4365-8A01-D60AF6EBF46C}" type="datetimeFigureOut">
               <a:rPr lang="fr-FR" smtClean="0"/>
-              <a:t>29/05/2020</a:t>
+              <a:t>05/06/2020</a:t>
             </a:fld>
             <a:endParaRPr lang="fr-FR"/>
           </a:p>
@@ -3104,7 +3104,7 @@
           <a:p>
             <a:fld id="{DEBA1CB3-45B4-4365-8A01-D60AF6EBF46C}" type="datetimeFigureOut">
               <a:rPr lang="fr-FR" smtClean="0"/>
-              <a:t>29/05/2020</a:t>
+              <a:t>05/06/2020</a:t>
             </a:fld>
             <a:endParaRPr lang="fr-FR"/>
           </a:p>
@@ -3345,7 +3345,7 @@
           <a:p>
             <a:fld id="{DEBA1CB3-45B4-4365-8A01-D60AF6EBF46C}" type="datetimeFigureOut">
               <a:rPr lang="fr-FR" smtClean="0"/>
-              <a:t>29/05/2020</a:t>
+              <a:t>05/06/2020</a:t>
             </a:fld>
             <a:endParaRPr lang="fr-FR"/>
           </a:p>
@@ -3764,52 +3764,6 @@
       </p:grpSpPr>
       <p:sp>
         <p:nvSpPr>
-          <p:cNvPr id="64" name="Rectangle 63">
-            <a:extLst>
-              <a:ext uri="{FF2B5EF4-FFF2-40B4-BE49-F238E27FC236}">
-                <a16:creationId xmlns:a16="http://schemas.microsoft.com/office/drawing/2014/main" id="{6CD60E96-2AFE-4D34-8AE7-ECF9D31501F0}"/>
-              </a:ext>
-            </a:extLst>
-          </p:cNvPr>
-          <p:cNvSpPr/>
-          <p:nvPr/>
-        </p:nvSpPr>
-        <p:spPr>
-          <a:xfrm>
-            <a:off x="6923554" y="1013936"/>
-            <a:ext cx="340999" cy="217887"/>
-          </a:xfrm>
-          <a:prstGeom prst="rect">
-            <a:avLst/>
-          </a:prstGeom>
-        </p:spPr>
-        <p:style>
-          <a:lnRef idx="2">
-            <a:schemeClr val="accent1">
-              <a:shade val="50000"/>
-            </a:schemeClr>
-          </a:lnRef>
-          <a:fillRef idx="1">
-            <a:schemeClr val="accent1"/>
-          </a:fillRef>
-          <a:effectRef idx="0">
-            <a:schemeClr val="accent1"/>
-          </a:effectRef>
-          <a:fontRef idx="minor">
-            <a:schemeClr val="lt1"/>
-          </a:fontRef>
-        </p:style>
-        <p:txBody>
-          <a:bodyPr rtlCol="0" anchor="ctr"/>
-          <a:lstStyle/>
-          <a:p>
-            <a:pPr algn="ctr"/>
-            <a:endParaRPr lang="fr-FR"/>
-          </a:p>
-        </p:txBody>
-      </p:sp>
-      <p:sp>
-        <p:nvSpPr>
           <p:cNvPr id="8" name="Rectangle 7">
             <a:extLst>
               <a:ext uri="{FF2B5EF4-FFF2-40B4-BE49-F238E27FC236}">
@@ -6256,137 +6210,6 @@
                 </a:solidFill>
               </a:rPr>
               <a:t>includes</a:t>
-            </a:r>
-            <a:r>
-              <a:rPr lang="en-US" noProof="1"/>
-              <a:t>)</a:t>
-            </a:r>
-          </a:p>
-        </p:txBody>
-      </p:sp>
-      <p:cxnSp>
-        <p:nvCxnSpPr>
-          <p:cNvPr id="65" name="Connecteur : en angle 64">
-            <a:extLst>
-              <a:ext uri="{FF2B5EF4-FFF2-40B4-BE49-F238E27FC236}">
-                <a16:creationId xmlns:a16="http://schemas.microsoft.com/office/drawing/2014/main" id="{476B43B7-696D-4AD5-8357-3897D95ACD3A}"/>
-              </a:ext>
-            </a:extLst>
-          </p:cNvPr>
-          <p:cNvCxnSpPr>
-            <a:cxnSpLocks/>
-            <a:stCxn id="64" idx="3"/>
-            <a:endCxn id="64" idx="0"/>
-          </p:cNvCxnSpPr>
-          <p:nvPr/>
-        </p:nvCxnSpPr>
-        <p:spPr>
-          <a:xfrm flipH="1" flipV="1">
-            <a:off x="7094054" y="1013936"/>
-            <a:ext cx="170499" cy="108944"/>
-          </a:xfrm>
-          <a:prstGeom prst="bentConnector4">
-            <a:avLst>
-              <a:gd name="adj1" fmla="val -134077"/>
-              <a:gd name="adj2" fmla="val 309833"/>
-            </a:avLst>
-          </a:prstGeom>
-          <a:ln w="28575">
-            <a:headEnd type="arrow" w="med" len="med"/>
-            <a:tailEnd type="none" w="med" len="med"/>
-          </a:ln>
-        </p:spPr>
-        <p:style>
-          <a:lnRef idx="1">
-            <a:schemeClr val="accent1"/>
-          </a:lnRef>
-          <a:fillRef idx="0">
-            <a:schemeClr val="accent1"/>
-          </a:fillRef>
-          <a:effectRef idx="0">
-            <a:schemeClr val="accent1"/>
-          </a:effectRef>
-          <a:fontRef idx="minor">
-            <a:schemeClr val="tx1"/>
-          </a:fontRef>
-        </p:style>
-      </p:cxnSp>
-      <p:sp>
-        <p:nvSpPr>
-          <p:cNvPr id="66" name="ZoneTexte 65">
-            <a:extLst>
-              <a:ext uri="{FF2B5EF4-FFF2-40B4-BE49-F238E27FC236}">
-                <a16:creationId xmlns:a16="http://schemas.microsoft.com/office/drawing/2014/main" id="{A33D02C2-BA90-449F-AE59-7ECD9085C945}"/>
-              </a:ext>
-            </a:extLst>
-          </p:cNvPr>
-          <p:cNvSpPr txBox="1"/>
-          <p:nvPr/>
-        </p:nvSpPr>
-        <p:spPr>
-          <a:xfrm>
-            <a:off x="7288677" y="1106063"/>
-            <a:ext cx="607145" cy="338554"/>
-          </a:xfrm>
-          <a:prstGeom prst="rect">
-            <a:avLst/>
-          </a:prstGeom>
-          <a:noFill/>
-        </p:spPr>
-        <p:txBody>
-          <a:bodyPr wrap="square" rtlCol="0">
-            <a:spAutoFit/>
-          </a:bodyPr>
-          <a:lstStyle/>
-          <a:p>
-            <a:r>
-              <a:rPr lang="en-US" sz="1600" noProof="1"/>
-              <a:t>0..*</a:t>
-            </a:r>
-          </a:p>
-        </p:txBody>
-      </p:sp>
-      <p:sp>
-        <p:nvSpPr>
-          <p:cNvPr id="67" name="ZoneTexte 66">
-            <a:extLst>
-              <a:ext uri="{FF2B5EF4-FFF2-40B4-BE49-F238E27FC236}">
-                <a16:creationId xmlns:a16="http://schemas.microsoft.com/office/drawing/2014/main" id="{10D4F8C0-74BA-4BCF-9A1C-9EEBC3A560A0}"/>
-              </a:ext>
-            </a:extLst>
-          </p:cNvPr>
-          <p:cNvSpPr txBox="1"/>
-          <p:nvPr/>
-        </p:nvSpPr>
-        <p:spPr>
-          <a:xfrm>
-            <a:off x="7593471" y="753547"/>
-            <a:ext cx="4404076" cy="369332"/>
-          </a:xfrm>
-          <a:prstGeom prst="rect">
-            <a:avLst/>
-          </a:prstGeom>
-          <a:noFill/>
-        </p:spPr>
-        <p:txBody>
-          <a:bodyPr wrap="square" rtlCol="0">
-            <a:spAutoFit/>
-          </a:bodyPr>
-          <a:lstStyle/>
-          <a:p>
-            <a:r>
-              <a:rPr lang="en-US" noProof="1"/>
-              <a:t>action.(…).definitionCanonical (</a:t>
-            </a:r>
-            <a:r>
-              <a:rPr lang="en-US" i="1" noProof="1">
-                <a:solidFill>
-                  <a:schemeClr val="accent6">
-                    <a:lumMod val="75000"/>
-                  </a:schemeClr>
-                </a:solidFill>
-              </a:rPr>
-              <a:t>reflexes</a:t>
             </a:r>
             <a:r>
               <a:rPr lang="en-US" noProof="1"/>

--- a/input/images-source/LabCompendium.pptx
+++ b/input/images-source/LabCompendium.pptx
@@ -197,7 +197,7 @@
           <a:p>
             <a:fld id="{C0FC2EA5-DDD9-41B5-A743-573E81829967}" type="datetimeFigureOut">
               <a:rPr lang="fr-FR" smtClean="0"/>
-              <a:t>05/06/2020</a:t>
+              <a:t>12/06/2020</a:t>
             </a:fld>
             <a:endParaRPr lang="fr-FR"/>
           </a:p>
@@ -695,7 +695,7 @@
           <a:p>
             <a:fld id="{DEBA1CB3-45B4-4365-8A01-D60AF6EBF46C}" type="datetimeFigureOut">
               <a:rPr lang="fr-FR" smtClean="0"/>
-              <a:t>05/06/2020</a:t>
+              <a:t>12/06/2020</a:t>
             </a:fld>
             <a:endParaRPr lang="fr-FR"/>
           </a:p>
@@ -893,7 +893,7 @@
           <a:p>
             <a:fld id="{DEBA1CB3-45B4-4365-8A01-D60AF6EBF46C}" type="datetimeFigureOut">
               <a:rPr lang="fr-FR" smtClean="0"/>
-              <a:t>05/06/2020</a:t>
+              <a:t>12/06/2020</a:t>
             </a:fld>
             <a:endParaRPr lang="fr-FR"/>
           </a:p>
@@ -1101,7 +1101,7 @@
           <a:p>
             <a:fld id="{DEBA1CB3-45B4-4365-8A01-D60AF6EBF46C}" type="datetimeFigureOut">
               <a:rPr lang="fr-FR" smtClean="0"/>
-              <a:t>05/06/2020</a:t>
+              <a:t>12/06/2020</a:t>
             </a:fld>
             <a:endParaRPr lang="fr-FR"/>
           </a:p>
@@ -1299,7 +1299,7 @@
           <a:p>
             <a:fld id="{DEBA1CB3-45B4-4365-8A01-D60AF6EBF46C}" type="datetimeFigureOut">
               <a:rPr lang="fr-FR" smtClean="0"/>
-              <a:t>05/06/2020</a:t>
+              <a:t>12/06/2020</a:t>
             </a:fld>
             <a:endParaRPr lang="fr-FR"/>
           </a:p>
@@ -1574,7 +1574,7 @@
           <a:p>
             <a:fld id="{DEBA1CB3-45B4-4365-8A01-D60AF6EBF46C}" type="datetimeFigureOut">
               <a:rPr lang="fr-FR" smtClean="0"/>
-              <a:t>05/06/2020</a:t>
+              <a:t>12/06/2020</a:t>
             </a:fld>
             <a:endParaRPr lang="fr-FR"/>
           </a:p>
@@ -1839,7 +1839,7 @@
           <a:p>
             <a:fld id="{DEBA1CB3-45B4-4365-8A01-D60AF6EBF46C}" type="datetimeFigureOut">
               <a:rPr lang="fr-FR" smtClean="0"/>
-              <a:t>05/06/2020</a:t>
+              <a:t>12/06/2020</a:t>
             </a:fld>
             <a:endParaRPr lang="fr-FR"/>
           </a:p>
@@ -2251,7 +2251,7 @@
           <a:p>
             <a:fld id="{DEBA1CB3-45B4-4365-8A01-D60AF6EBF46C}" type="datetimeFigureOut">
               <a:rPr lang="fr-FR" smtClean="0"/>
-              <a:t>05/06/2020</a:t>
+              <a:t>12/06/2020</a:t>
             </a:fld>
             <a:endParaRPr lang="fr-FR"/>
           </a:p>
@@ -2392,7 +2392,7 @@
           <a:p>
             <a:fld id="{DEBA1CB3-45B4-4365-8A01-D60AF6EBF46C}" type="datetimeFigureOut">
               <a:rPr lang="fr-FR" smtClean="0"/>
-              <a:t>05/06/2020</a:t>
+              <a:t>12/06/2020</a:t>
             </a:fld>
             <a:endParaRPr lang="fr-FR"/>
           </a:p>
@@ -2505,7 +2505,7 @@
           <a:p>
             <a:fld id="{DEBA1CB3-45B4-4365-8A01-D60AF6EBF46C}" type="datetimeFigureOut">
               <a:rPr lang="fr-FR" smtClean="0"/>
-              <a:t>05/06/2020</a:t>
+              <a:t>12/06/2020</a:t>
             </a:fld>
             <a:endParaRPr lang="fr-FR"/>
           </a:p>
@@ -2816,7 +2816,7 @@
           <a:p>
             <a:fld id="{DEBA1CB3-45B4-4365-8A01-D60AF6EBF46C}" type="datetimeFigureOut">
               <a:rPr lang="fr-FR" smtClean="0"/>
-              <a:t>05/06/2020</a:t>
+              <a:t>12/06/2020</a:t>
             </a:fld>
             <a:endParaRPr lang="fr-FR"/>
           </a:p>
@@ -3104,7 +3104,7 @@
           <a:p>
             <a:fld id="{DEBA1CB3-45B4-4365-8A01-D60AF6EBF46C}" type="datetimeFigureOut">
               <a:rPr lang="fr-FR" smtClean="0"/>
-              <a:t>05/06/2020</a:t>
+              <a:t>12/06/2020</a:t>
             </a:fld>
             <a:endParaRPr lang="fr-FR"/>
           </a:p>
@@ -3345,7 +3345,7 @@
           <a:p>
             <a:fld id="{DEBA1CB3-45B4-4365-8A01-D60AF6EBF46C}" type="datetimeFigureOut">
               <a:rPr lang="fr-FR" smtClean="0"/>
-              <a:t>05/06/2020</a:t>
+              <a:t>12/06/2020</a:t>
             </a:fld>
             <a:endParaRPr lang="fr-FR"/>
           </a:p>
@@ -3776,7 +3776,7 @@
         </p:nvSpPr>
         <p:spPr>
           <a:xfrm>
-            <a:off x="7112001" y="1426241"/>
+            <a:off x="7112001" y="1035307"/>
             <a:ext cx="143498" cy="164249"/>
           </a:xfrm>
           <a:prstGeom prst="rect">
@@ -3822,7 +3822,7 @@
         </p:nvSpPr>
         <p:spPr>
           <a:xfrm>
-            <a:off x="6934666" y="1709006"/>
+            <a:off x="6934666" y="1318072"/>
             <a:ext cx="340999" cy="288748"/>
           </a:xfrm>
           <a:prstGeom prst="rect">
@@ -4047,7 +4047,7 @@
         </p:nvSpPr>
         <p:spPr>
           <a:xfrm>
-            <a:off x="4247572" y="640893"/>
+            <a:off x="4283482" y="379103"/>
             <a:ext cx="1876007" cy="369332"/>
           </a:xfrm>
           <a:prstGeom prst="rect">
@@ -4270,8 +4270,8 @@
         </p:nvSpPr>
         <p:spPr>
           <a:xfrm>
-            <a:off x="3048677" y="2227058"/>
-            <a:ext cx="2986046" cy="369332"/>
+            <a:off x="5944430" y="2232575"/>
+            <a:ext cx="4293851" cy="369332"/>
           </a:xfrm>
           <a:prstGeom prst="rect">
             <a:avLst/>
@@ -4286,7 +4286,7 @@
           <a:p>
             <a:r>
               <a:rPr lang="en-US" noProof="1"/>
-              <a:t>action.(…).definitionCanonical</a:t>
+              <a:t>action[.action[.action]].definitionCanonical</a:t>
             </a:r>
           </a:p>
         </p:txBody>
@@ -4305,8 +4305,8 @@
         </p:nvSpPr>
         <p:spPr>
           <a:xfrm>
-            <a:off x="4247572" y="4950922"/>
-            <a:ext cx="3479034" cy="1090457"/>
+            <a:off x="4373268" y="4950922"/>
+            <a:ext cx="3227642" cy="1090457"/>
           </a:xfrm>
           <a:prstGeom prst="rect">
             <a:avLst/>
@@ -4364,7 +4364,7 @@
           </a:fontRef>
         </p:style>
         <p:txBody>
-          <a:bodyPr rtlCol="0" anchor="ctr"/>
+          <a:bodyPr lIns="0" rIns="0" rtlCol="0" anchor="ctr"/>
           <a:lstStyle/>
           <a:p>
             <a:pPr algn="ctr"/>
@@ -4505,12 +4505,646 @@
           </a:p>
         </p:txBody>
       </p:sp>
-      <p:sp>
-        <p:nvSpPr>
-          <p:cNvPr id="56" name="Rectangle 55">
-            <a:extLst>
-              <a:ext uri="{FF2B5EF4-FFF2-40B4-BE49-F238E27FC236}">
-                <a16:creationId xmlns:a16="http://schemas.microsoft.com/office/drawing/2014/main" id="{F6F11366-8458-4112-A323-141BA159FFFC}"/>
+      <p:cxnSp>
+        <p:nvCxnSpPr>
+          <p:cNvPr id="57" name="Connecteur : en angle 56">
+            <a:extLst>
+              <a:ext uri="{FF2B5EF4-FFF2-40B4-BE49-F238E27FC236}">
+                <a16:creationId xmlns:a16="http://schemas.microsoft.com/office/drawing/2014/main" id="{15990ED7-D7B7-4EEE-A20B-C21EC57541DC}"/>
+              </a:ext>
+            </a:extLst>
+          </p:cNvPr>
+          <p:cNvCxnSpPr>
+            <a:cxnSpLocks/>
+            <a:stCxn id="13" idx="1"/>
+            <a:endCxn id="67" idx="0"/>
+          </p:cNvCxnSpPr>
+          <p:nvPr/>
+        </p:nvCxnSpPr>
+        <p:spPr>
+          <a:xfrm rot="10800000" flipV="1">
+            <a:off x="3290158" y="2036277"/>
+            <a:ext cx="1411474" cy="2909651"/>
+          </a:xfrm>
+          <a:prstGeom prst="bentConnector2">
+            <a:avLst/>
+          </a:prstGeom>
+          <a:ln w="28575">
+            <a:headEnd type="none" w="med" len="med"/>
+            <a:tailEnd type="arrow" w="med" len="med"/>
+          </a:ln>
+        </p:spPr>
+        <p:style>
+          <a:lnRef idx="1">
+            <a:schemeClr val="accent1"/>
+          </a:lnRef>
+          <a:fillRef idx="0">
+            <a:schemeClr val="accent1"/>
+          </a:fillRef>
+          <a:effectRef idx="0">
+            <a:schemeClr val="accent1"/>
+          </a:effectRef>
+          <a:fontRef idx="minor">
+            <a:schemeClr val="tx1"/>
+          </a:fontRef>
+        </p:style>
+      </p:cxnSp>
+      <p:cxnSp>
+        <p:nvCxnSpPr>
+          <p:cNvPr id="60" name="Connecteur : en angle 59">
+            <a:extLst>
+              <a:ext uri="{FF2B5EF4-FFF2-40B4-BE49-F238E27FC236}">
+                <a16:creationId xmlns:a16="http://schemas.microsoft.com/office/drawing/2014/main" id="{DA2AF1A3-48F7-47E0-B4B7-79E68B4E6B5C}"/>
+              </a:ext>
+            </a:extLst>
+          </p:cNvPr>
+          <p:cNvCxnSpPr>
+            <a:cxnSpLocks/>
+            <a:stCxn id="46" idx="2"/>
+            <a:endCxn id="54" idx="0"/>
+          </p:cNvCxnSpPr>
+          <p:nvPr/>
+        </p:nvCxnSpPr>
+        <p:spPr>
+          <a:xfrm rot="16200000" flipH="1">
+            <a:off x="5546420" y="4510252"/>
+            <a:ext cx="879585" cy="1754"/>
+          </a:xfrm>
+          <a:prstGeom prst="bentConnector3">
+            <a:avLst>
+              <a:gd name="adj1" fmla="val 50000"/>
+            </a:avLst>
+          </a:prstGeom>
+          <a:ln w="28575">
+            <a:headEnd type="none" w="med" len="med"/>
+            <a:tailEnd type="arrow" w="med" len="med"/>
+          </a:ln>
+        </p:spPr>
+        <p:style>
+          <a:lnRef idx="1">
+            <a:schemeClr val="accent1"/>
+          </a:lnRef>
+          <a:fillRef idx="0">
+            <a:schemeClr val="accent1"/>
+          </a:fillRef>
+          <a:effectRef idx="0">
+            <a:schemeClr val="accent1"/>
+          </a:effectRef>
+          <a:fontRef idx="minor">
+            <a:schemeClr val="tx1"/>
+          </a:fontRef>
+        </p:style>
+      </p:cxnSp>
+      <p:cxnSp>
+        <p:nvCxnSpPr>
+          <p:cNvPr id="63" name="Connecteur : en angle 62">
+            <a:extLst>
+              <a:ext uri="{FF2B5EF4-FFF2-40B4-BE49-F238E27FC236}">
+                <a16:creationId xmlns:a16="http://schemas.microsoft.com/office/drawing/2014/main" id="{52F29C62-3816-4A94-93C8-4E3BA5AF99AA}"/>
+              </a:ext>
+            </a:extLst>
+          </p:cNvPr>
+          <p:cNvCxnSpPr>
+            <a:cxnSpLocks/>
+            <a:stCxn id="46" idx="3"/>
+            <a:endCxn id="55" idx="0"/>
+          </p:cNvCxnSpPr>
+          <p:nvPr/>
+        </p:nvCxnSpPr>
+        <p:spPr>
+          <a:xfrm>
+            <a:off x="7442762" y="3501066"/>
+            <a:ext cx="2999196" cy="1012540"/>
+          </a:xfrm>
+          <a:prstGeom prst="bentConnector2">
+            <a:avLst/>
+          </a:prstGeom>
+          <a:ln w="28575">
+            <a:headEnd type="none" w="med" len="med"/>
+            <a:tailEnd type="arrow" w="med" len="med"/>
+          </a:ln>
+        </p:spPr>
+        <p:style>
+          <a:lnRef idx="1">
+            <a:schemeClr val="accent1"/>
+          </a:lnRef>
+          <a:fillRef idx="0">
+            <a:schemeClr val="accent1"/>
+          </a:fillRef>
+          <a:effectRef idx="0">
+            <a:schemeClr val="accent1"/>
+          </a:effectRef>
+          <a:fontRef idx="minor">
+            <a:schemeClr val="tx1"/>
+          </a:fontRef>
+        </p:style>
+      </p:cxnSp>
+      <p:sp>
+        <p:nvSpPr>
+          <p:cNvPr id="70" name="ZoneTexte 69">
+            <a:extLst>
+              <a:ext uri="{FF2B5EF4-FFF2-40B4-BE49-F238E27FC236}">
+                <a16:creationId xmlns:a16="http://schemas.microsoft.com/office/drawing/2014/main" id="{32AC0154-36F6-4FA3-B245-FE044FA1CE68}"/>
+              </a:ext>
+            </a:extLst>
+          </p:cNvPr>
+          <p:cNvSpPr txBox="1"/>
+          <p:nvPr/>
+        </p:nvSpPr>
+        <p:spPr>
+          <a:xfrm>
+            <a:off x="3238672" y="1998412"/>
+            <a:ext cx="1429261" cy="923330"/>
+          </a:xfrm>
+          <a:prstGeom prst="rect">
+            <a:avLst/>
+          </a:prstGeom>
+          <a:noFill/>
+        </p:spPr>
+        <p:txBody>
+          <a:bodyPr wrap="square" rtlCol="0">
+            <a:spAutoFit/>
+          </a:bodyPr>
+          <a:lstStyle/>
+          <a:p>
+            <a:r>
+              <a:rPr lang="en-US" noProof="1"/>
+              <a:t>Requirement for input specimen</a:t>
+            </a:r>
+          </a:p>
+        </p:txBody>
+      </p:sp>
+      <p:sp>
+        <p:nvSpPr>
+          <p:cNvPr id="71" name="ZoneTexte 70">
+            <a:extLst>
+              <a:ext uri="{FF2B5EF4-FFF2-40B4-BE49-F238E27FC236}">
+                <a16:creationId xmlns:a16="http://schemas.microsoft.com/office/drawing/2014/main" id="{98BEC931-6B82-43BE-8606-752AC314803E}"/>
+              </a:ext>
+            </a:extLst>
+          </p:cNvPr>
+          <p:cNvSpPr txBox="1"/>
+          <p:nvPr/>
+        </p:nvSpPr>
+        <p:spPr>
+          <a:xfrm>
+            <a:off x="2847435" y="4511129"/>
+            <a:ext cx="607145" cy="338554"/>
+          </a:xfrm>
+          <a:prstGeom prst="rect">
+            <a:avLst/>
+          </a:prstGeom>
+          <a:noFill/>
+        </p:spPr>
+        <p:txBody>
+          <a:bodyPr wrap="square" rtlCol="0">
+            <a:spAutoFit/>
+          </a:bodyPr>
+          <a:lstStyle/>
+          <a:p>
+            <a:r>
+              <a:rPr lang="en-US" sz="1600" noProof="1"/>
+              <a:t>0..*</a:t>
+            </a:r>
+          </a:p>
+        </p:txBody>
+      </p:sp>
+      <p:sp>
+        <p:nvSpPr>
+          <p:cNvPr id="72" name="ZoneTexte 71">
+            <a:extLst>
+              <a:ext uri="{FF2B5EF4-FFF2-40B4-BE49-F238E27FC236}">
+                <a16:creationId xmlns:a16="http://schemas.microsoft.com/office/drawing/2014/main" id="{A9309530-9C72-431E-AF17-F95DB70E7D31}"/>
+              </a:ext>
+            </a:extLst>
+          </p:cNvPr>
+          <p:cNvSpPr txBox="1"/>
+          <p:nvPr/>
+        </p:nvSpPr>
+        <p:spPr>
+          <a:xfrm>
+            <a:off x="5976002" y="4087610"/>
+            <a:ext cx="2577103" cy="369332"/>
+          </a:xfrm>
+          <a:prstGeom prst="rect">
+            <a:avLst/>
+          </a:prstGeom>
+          <a:noFill/>
+        </p:spPr>
+        <p:txBody>
+          <a:bodyPr wrap="square" rtlCol="0">
+            <a:spAutoFit/>
+          </a:bodyPr>
+          <a:lstStyle/>
+          <a:p>
+            <a:r>
+              <a:rPr lang="en-US" noProof="1"/>
+              <a:t>observationRequirement</a:t>
+            </a:r>
+          </a:p>
+        </p:txBody>
+      </p:sp>
+      <p:sp>
+        <p:nvSpPr>
+          <p:cNvPr id="73" name="ZoneTexte 72">
+            <a:extLst>
+              <a:ext uri="{FF2B5EF4-FFF2-40B4-BE49-F238E27FC236}">
+                <a16:creationId xmlns:a16="http://schemas.microsoft.com/office/drawing/2014/main" id="{EB4220E8-E8FB-4F6B-8617-DD85238222A6}"/>
+              </a:ext>
+            </a:extLst>
+          </p:cNvPr>
+          <p:cNvSpPr txBox="1"/>
+          <p:nvPr/>
+        </p:nvSpPr>
+        <p:spPr>
+          <a:xfrm>
+            <a:off x="6000916" y="4552741"/>
+            <a:ext cx="607145" cy="338554"/>
+          </a:xfrm>
+          <a:prstGeom prst="rect">
+            <a:avLst/>
+          </a:prstGeom>
+          <a:noFill/>
+        </p:spPr>
+        <p:txBody>
+          <a:bodyPr wrap="square" rtlCol="0">
+            <a:spAutoFit/>
+          </a:bodyPr>
+          <a:lstStyle/>
+          <a:p>
+            <a:r>
+              <a:rPr lang="en-US" sz="1600" noProof="1"/>
+              <a:t>0..*</a:t>
+            </a:r>
+          </a:p>
+        </p:txBody>
+      </p:sp>
+      <p:sp>
+        <p:nvSpPr>
+          <p:cNvPr id="74" name="ZoneTexte 73">
+            <a:extLst>
+              <a:ext uri="{FF2B5EF4-FFF2-40B4-BE49-F238E27FC236}">
+                <a16:creationId xmlns:a16="http://schemas.microsoft.com/office/drawing/2014/main" id="{0DE7D4C7-570D-4738-83D2-78C610CF8DB2}"/>
+              </a:ext>
+            </a:extLst>
+          </p:cNvPr>
+          <p:cNvSpPr txBox="1"/>
+          <p:nvPr/>
+        </p:nvSpPr>
+        <p:spPr>
+          <a:xfrm>
+            <a:off x="9972372" y="4116435"/>
+            <a:ext cx="607145" cy="338554"/>
+          </a:xfrm>
+          <a:prstGeom prst="rect">
+            <a:avLst/>
+          </a:prstGeom>
+          <a:noFill/>
+        </p:spPr>
+        <p:txBody>
+          <a:bodyPr wrap="square" rtlCol="0">
+            <a:spAutoFit/>
+          </a:bodyPr>
+          <a:lstStyle/>
+          <a:p>
+            <a:r>
+              <a:rPr lang="en-US" sz="1600" noProof="1"/>
+              <a:t>0..*</a:t>
+            </a:r>
+          </a:p>
+        </p:txBody>
+      </p:sp>
+      <p:sp>
+        <p:nvSpPr>
+          <p:cNvPr id="75" name="ZoneTexte 74">
+            <a:extLst>
+              <a:ext uri="{FF2B5EF4-FFF2-40B4-BE49-F238E27FC236}">
+                <a16:creationId xmlns:a16="http://schemas.microsoft.com/office/drawing/2014/main" id="{2EFF53CD-4ECD-44EE-9F56-5713E9D8A8F4}"/>
+              </a:ext>
+            </a:extLst>
+          </p:cNvPr>
+          <p:cNvSpPr txBox="1"/>
+          <p:nvPr/>
+        </p:nvSpPr>
+        <p:spPr>
+          <a:xfrm>
+            <a:off x="7470755" y="3124652"/>
+            <a:ext cx="3111179" cy="369332"/>
+          </a:xfrm>
+          <a:prstGeom prst="rect">
+            <a:avLst/>
+          </a:prstGeom>
+          <a:noFill/>
+        </p:spPr>
+        <p:txBody>
+          <a:bodyPr wrap="square" rtlCol="0">
+            <a:spAutoFit/>
+          </a:bodyPr>
+          <a:lstStyle/>
+          <a:p>
+            <a:r>
+              <a:rPr lang="en-US" noProof="1"/>
+              <a:t>observationResultRequirement</a:t>
+            </a:r>
+          </a:p>
+        </p:txBody>
+      </p:sp>
+      <p:sp>
+        <p:nvSpPr>
+          <p:cNvPr id="2" name="ZoneTexte 1">
+            <a:extLst>
+              <a:ext uri="{FF2B5EF4-FFF2-40B4-BE49-F238E27FC236}">
+                <a16:creationId xmlns:a16="http://schemas.microsoft.com/office/drawing/2014/main" id="{14C66D9E-6541-4236-87A7-C6FE9DAC58A9}"/>
+              </a:ext>
+            </a:extLst>
+          </p:cNvPr>
+          <p:cNvSpPr txBox="1"/>
+          <p:nvPr/>
+        </p:nvSpPr>
+        <p:spPr>
+          <a:xfrm>
+            <a:off x="18301" y="19604"/>
+            <a:ext cx="1540369" cy="646331"/>
+          </a:xfrm>
+          <a:prstGeom prst="rect">
+            <a:avLst/>
+          </a:prstGeom>
+          <a:noFill/>
+        </p:spPr>
+        <p:txBody>
+          <a:bodyPr wrap="square" rtlCol="0">
+            <a:spAutoFit/>
+          </a:bodyPr>
+          <a:lstStyle/>
+          <a:p>
+            <a:pPr algn="r"/>
+            <a:r>
+              <a:rPr lang="en-US" i="1" noProof="1">
+                <a:solidFill>
+                  <a:schemeClr val="accent1">
+                    <a:lumMod val="60000"/>
+                    <a:lumOff val="40000"/>
+                  </a:schemeClr>
+                </a:solidFill>
+              </a:rPr>
+              <a:t>a laboratory compendium</a:t>
+            </a:r>
+          </a:p>
+        </p:txBody>
+      </p:sp>
+      <p:sp>
+        <p:nvSpPr>
+          <p:cNvPr id="4" name="ZoneTexte 3">
+            <a:extLst>
+              <a:ext uri="{FF2B5EF4-FFF2-40B4-BE49-F238E27FC236}">
+                <a16:creationId xmlns:a16="http://schemas.microsoft.com/office/drawing/2014/main" id="{5B6C8461-F70B-415E-81E3-8C60209C46E4}"/>
+              </a:ext>
+            </a:extLst>
+          </p:cNvPr>
+          <p:cNvSpPr txBox="1"/>
+          <p:nvPr/>
+        </p:nvSpPr>
+        <p:spPr>
+          <a:xfrm>
+            <a:off x="6159489" y="215127"/>
+            <a:ext cx="3160644" cy="646331"/>
+          </a:xfrm>
+          <a:prstGeom prst="rect">
+            <a:avLst/>
+          </a:prstGeom>
+          <a:noFill/>
+        </p:spPr>
+        <p:txBody>
+          <a:bodyPr wrap="square" rtlCol="0">
+            <a:spAutoFit/>
+          </a:bodyPr>
+          <a:lstStyle>
+            <a:defPPr>
+              <a:defRPr lang="fr-FR"/>
+            </a:defPPr>
+            <a:lvl1pPr>
+              <a:defRPr>
+                <a:solidFill>
+                  <a:schemeClr val="accent1">
+                    <a:lumMod val="60000"/>
+                    <a:lumOff val="40000"/>
+                  </a:schemeClr>
+                </a:solidFill>
+              </a:defRPr>
+            </a:lvl1pPr>
+          </a:lstStyle>
+          <a:p>
+            <a:r>
+              <a:rPr lang="en-US" i="1" noProof="1"/>
+              <a:t>a laboratory service accessible by the consumers of the catalog</a:t>
+            </a:r>
+          </a:p>
+        </p:txBody>
+      </p:sp>
+      <p:sp>
+        <p:nvSpPr>
+          <p:cNvPr id="5" name="ZoneTexte 4">
+            <a:extLst>
+              <a:ext uri="{FF2B5EF4-FFF2-40B4-BE49-F238E27FC236}">
+                <a16:creationId xmlns:a16="http://schemas.microsoft.com/office/drawing/2014/main" id="{0BEB468F-E1B9-4178-88A1-7D05D12F5B2A}"/>
+              </a:ext>
+            </a:extLst>
+          </p:cNvPr>
+          <p:cNvSpPr txBox="1"/>
+          <p:nvPr/>
+        </p:nvSpPr>
+        <p:spPr>
+          <a:xfrm>
+            <a:off x="6017300" y="2523149"/>
+            <a:ext cx="6190996" cy="369332"/>
+          </a:xfrm>
+          <a:prstGeom prst="rect">
+            <a:avLst/>
+          </a:prstGeom>
+          <a:noFill/>
+        </p:spPr>
+        <p:txBody>
+          <a:bodyPr wrap="square" rtlCol="0">
+            <a:spAutoFit/>
+          </a:bodyPr>
+          <a:lstStyle>
+            <a:defPPr>
+              <a:defRPr lang="fr-FR"/>
+            </a:defPPr>
+            <a:lvl1pPr>
+              <a:defRPr>
+                <a:solidFill>
+                  <a:schemeClr val="accent1">
+                    <a:lumMod val="60000"/>
+                    <a:lumOff val="40000"/>
+                  </a:schemeClr>
+                </a:solidFill>
+              </a:defRPr>
+            </a:lvl1pPr>
+          </a:lstStyle>
+          <a:p>
+            <a:r>
+              <a:rPr lang="en-US" i="1" noProof="1"/>
+              <a:t>a laboratory procedure operationalizing the service </a:t>
+            </a:r>
+          </a:p>
+        </p:txBody>
+      </p:sp>
+      <p:sp>
+        <p:nvSpPr>
+          <p:cNvPr id="32" name="ZoneTexte 31">
+            <a:extLst>
+              <a:ext uri="{FF2B5EF4-FFF2-40B4-BE49-F238E27FC236}">
+                <a16:creationId xmlns:a16="http://schemas.microsoft.com/office/drawing/2014/main" id="{12A68CC3-C8B9-4937-AF74-D3235493E42E}"/>
+              </a:ext>
+            </a:extLst>
+          </p:cNvPr>
+          <p:cNvSpPr txBox="1"/>
+          <p:nvPr/>
+        </p:nvSpPr>
+        <p:spPr>
+          <a:xfrm>
+            <a:off x="637856" y="4187963"/>
+            <a:ext cx="2109840" cy="646331"/>
+          </a:xfrm>
+          <a:prstGeom prst="rect">
+            <a:avLst/>
+          </a:prstGeom>
+          <a:noFill/>
+        </p:spPr>
+        <p:txBody>
+          <a:bodyPr wrap="square" rtlCol="0">
+            <a:spAutoFit/>
+          </a:bodyPr>
+          <a:lstStyle>
+            <a:defPPr>
+              <a:defRPr lang="fr-FR"/>
+            </a:defPPr>
+            <a:lvl1pPr>
+              <a:defRPr>
+                <a:solidFill>
+                  <a:schemeClr val="accent1">
+                    <a:lumMod val="60000"/>
+                    <a:lumOff val="40000"/>
+                  </a:schemeClr>
+                </a:solidFill>
+              </a:defRPr>
+            </a:lvl1pPr>
+          </a:lstStyle>
+          <a:p>
+            <a:pPr algn="r"/>
+            <a:r>
+              <a:rPr lang="en-US" i="1" noProof="1"/>
+              <a:t>a specimen required by the procedure</a:t>
+            </a:r>
+          </a:p>
+        </p:txBody>
+      </p:sp>
+      <p:sp>
+        <p:nvSpPr>
+          <p:cNvPr id="33" name="ZoneTexte 32">
+            <a:extLst>
+              <a:ext uri="{FF2B5EF4-FFF2-40B4-BE49-F238E27FC236}">
+                <a16:creationId xmlns:a16="http://schemas.microsoft.com/office/drawing/2014/main" id="{0A105627-941F-444D-B556-9B067AA85A13}"/>
+              </a:ext>
+            </a:extLst>
+          </p:cNvPr>
+          <p:cNvSpPr txBox="1"/>
+          <p:nvPr/>
+        </p:nvSpPr>
+        <p:spPr>
+          <a:xfrm>
+            <a:off x="3702787" y="4259092"/>
+            <a:ext cx="2268722" cy="646331"/>
+          </a:xfrm>
+          <a:prstGeom prst="rect">
+            <a:avLst/>
+          </a:prstGeom>
+          <a:noFill/>
+        </p:spPr>
+        <p:txBody>
+          <a:bodyPr wrap="square" rtlCol="0">
+            <a:spAutoFit/>
+          </a:bodyPr>
+          <a:lstStyle>
+            <a:defPPr>
+              <a:defRPr lang="fr-FR"/>
+            </a:defPPr>
+            <a:lvl1pPr>
+              <a:defRPr>
+                <a:solidFill>
+                  <a:schemeClr val="accent1">
+                    <a:lumMod val="60000"/>
+                    <a:lumOff val="40000"/>
+                  </a:schemeClr>
+                </a:solidFill>
+              </a:defRPr>
+            </a:lvl1pPr>
+          </a:lstStyle>
+          <a:p>
+            <a:pPr algn="r"/>
+            <a:r>
+              <a:rPr lang="en-US" i="1" noProof="1"/>
+              <a:t>an input observation to the procedure</a:t>
+            </a:r>
+          </a:p>
+        </p:txBody>
+      </p:sp>
+      <p:sp>
+        <p:nvSpPr>
+          <p:cNvPr id="34" name="ZoneTexte 33">
+            <a:extLst>
+              <a:ext uri="{FF2B5EF4-FFF2-40B4-BE49-F238E27FC236}">
+                <a16:creationId xmlns:a16="http://schemas.microsoft.com/office/drawing/2014/main" id="{F26F3D45-53F9-4EC5-BA9D-39047742D144}"/>
+              </a:ext>
+            </a:extLst>
+          </p:cNvPr>
+          <p:cNvSpPr txBox="1"/>
+          <p:nvPr/>
+        </p:nvSpPr>
+        <p:spPr>
+          <a:xfrm>
+            <a:off x="10503583" y="3503857"/>
+            <a:ext cx="1541314" cy="923330"/>
+          </a:xfrm>
+          <a:prstGeom prst="rect">
+            <a:avLst/>
+          </a:prstGeom>
+          <a:noFill/>
+        </p:spPr>
+        <p:txBody>
+          <a:bodyPr wrap="square" rtlCol="0">
+            <a:spAutoFit/>
+          </a:bodyPr>
+          <a:lstStyle>
+            <a:defPPr>
+              <a:defRPr lang="fr-FR"/>
+            </a:defPPr>
+            <a:lvl1pPr>
+              <a:defRPr>
+                <a:solidFill>
+                  <a:schemeClr val="accent1">
+                    <a:lumMod val="60000"/>
+                    <a:lumOff val="40000"/>
+                  </a:schemeClr>
+                </a:solidFill>
+              </a:defRPr>
+            </a:lvl1pPr>
+          </a:lstStyle>
+          <a:p>
+            <a:r>
+              <a:rPr lang="en-US" i="1" noProof="1"/>
+              <a:t>an output observation of the procedure</a:t>
+            </a:r>
+          </a:p>
+        </p:txBody>
+      </p:sp>
+      <p:sp>
+        <p:nvSpPr>
+          <p:cNvPr id="30" name="Rectangle 29">
+            <a:extLst>
+              <a:ext uri="{FF2B5EF4-FFF2-40B4-BE49-F238E27FC236}">
+                <a16:creationId xmlns:a16="http://schemas.microsoft.com/office/drawing/2014/main" id="{3FF89A57-DB25-4A6C-878E-8BC0F0E66DCE}"/>
               </a:ext>
             </a:extLst>
           </p:cNvPr>
@@ -4519,8 +5153,54 @@
         </p:nvSpPr>
         <p:spPr>
           <a:xfrm>
-            <a:off x="617167" y="4932679"/>
-            <a:ext cx="2887484" cy="1142774"/>
+            <a:off x="6908365" y="1872870"/>
+            <a:ext cx="340999" cy="217887"/>
+          </a:xfrm>
+          <a:prstGeom prst="rect">
+            <a:avLst/>
+          </a:prstGeom>
+        </p:spPr>
+        <p:style>
+          <a:lnRef idx="2">
+            <a:schemeClr val="accent1">
+              <a:shade val="50000"/>
+            </a:schemeClr>
+          </a:lnRef>
+          <a:fillRef idx="1">
+            <a:schemeClr val="accent1"/>
+          </a:fillRef>
+          <a:effectRef idx="0">
+            <a:schemeClr val="accent1"/>
+          </a:effectRef>
+          <a:fontRef idx="minor">
+            <a:schemeClr val="lt1"/>
+          </a:fontRef>
+        </p:style>
+        <p:txBody>
+          <a:bodyPr rtlCol="0" anchor="ctr"/>
+          <a:lstStyle/>
+          <a:p>
+            <a:pPr algn="ctr"/>
+            <a:endParaRPr lang="fr-FR"/>
+          </a:p>
+        </p:txBody>
+      </p:sp>
+      <p:sp>
+        <p:nvSpPr>
+          <p:cNvPr id="38" name="Rectangle 37">
+            <a:extLst>
+              <a:ext uri="{FF2B5EF4-FFF2-40B4-BE49-F238E27FC236}">
+                <a16:creationId xmlns:a16="http://schemas.microsoft.com/office/drawing/2014/main" id="{84729A3E-A76D-4D5C-845E-6B5227D6B57E}"/>
+              </a:ext>
+            </a:extLst>
+          </p:cNvPr>
+          <p:cNvSpPr/>
+          <p:nvPr/>
+        </p:nvSpPr>
+        <p:spPr>
+          <a:xfrm>
+            <a:off x="8338775" y="6013917"/>
+            <a:ext cx="1667712" cy="476672"/>
           </a:xfrm>
           <a:prstGeom prst="rect">
             <a:avLst/>
@@ -4588,50 +5268,31 @@
                   <a:srgbClr val="FFFF00"/>
                 </a:solidFill>
               </a:rPr>
-              <a:t>LabSpecimenDefinition</a:t>
-            </a:r>
-          </a:p>
-          <a:p>
-            <a:pPr algn="ctr"/>
-            <a:r>
-              <a:rPr lang="en-US" sz="2000" noProof="1">
-                <a:solidFill>
-                  <a:schemeClr val="bg1"/>
-                </a:solidFill>
-              </a:rPr>
-              <a:t>Profile of </a:t>
-            </a:r>
-            <a:r>
-              <a:rPr lang="en-US" sz="2200" noProof="1">
-                <a:solidFill>
-                  <a:srgbClr val="FFFF00"/>
-                </a:solidFill>
-              </a:rPr>
-              <a:t>SpecimenDefinition</a:t>
+              <a:t>ValueSet</a:t>
             </a:r>
           </a:p>
         </p:txBody>
       </p:sp>
       <p:cxnSp>
         <p:nvCxnSpPr>
-          <p:cNvPr id="57" name="Connecteur : en angle 56">
-            <a:extLst>
-              <a:ext uri="{FF2B5EF4-FFF2-40B4-BE49-F238E27FC236}">
-                <a16:creationId xmlns:a16="http://schemas.microsoft.com/office/drawing/2014/main" id="{15990ED7-D7B7-4EEE-A20B-C21EC57541DC}"/>
+          <p:cNvPr id="39" name="Connecteur : en angle 38">
+            <a:extLst>
+              <a:ext uri="{FF2B5EF4-FFF2-40B4-BE49-F238E27FC236}">
+                <a16:creationId xmlns:a16="http://schemas.microsoft.com/office/drawing/2014/main" id="{8C9A6475-6E13-4D17-99C8-139A747BD801}"/>
               </a:ext>
             </a:extLst>
           </p:cNvPr>
           <p:cNvCxnSpPr>
             <a:cxnSpLocks/>
-            <a:stCxn id="46" idx="1"/>
-            <a:endCxn id="56" idx="0"/>
+            <a:stCxn id="54" idx="2"/>
+            <a:endCxn id="38" idx="1"/>
           </p:cNvCxnSpPr>
           <p:nvPr/>
         </p:nvCxnSpPr>
         <p:spPr>
-          <a:xfrm rot="10800000" flipV="1">
-            <a:off x="2060909" y="3501065"/>
-            <a:ext cx="2466998" cy="1431613"/>
+          <a:xfrm rot="16200000" flipH="1">
+            <a:off x="7057495" y="4970973"/>
+            <a:ext cx="210874" cy="2351686"/>
           </a:xfrm>
           <a:prstGeom prst="bentConnector2">
             <a:avLst/>
@@ -4658,29 +5319,27 @@
       </p:cxnSp>
       <p:cxnSp>
         <p:nvCxnSpPr>
-          <p:cNvPr id="60" name="Connecteur : en angle 59">
-            <a:extLst>
-              <a:ext uri="{FF2B5EF4-FFF2-40B4-BE49-F238E27FC236}">
-                <a16:creationId xmlns:a16="http://schemas.microsoft.com/office/drawing/2014/main" id="{DA2AF1A3-48F7-47E0-B4B7-79E68B4E6B5C}"/>
+          <p:cNvPr id="40" name="Connecteur : en angle 39">
+            <a:extLst>
+              <a:ext uri="{FF2B5EF4-FFF2-40B4-BE49-F238E27FC236}">
+                <a16:creationId xmlns:a16="http://schemas.microsoft.com/office/drawing/2014/main" id="{444B2695-C708-469B-B42D-479F8382004C}"/>
               </a:ext>
             </a:extLst>
           </p:cNvPr>
           <p:cNvCxnSpPr>
             <a:cxnSpLocks/>
-            <a:stCxn id="46" idx="2"/>
-            <a:endCxn id="54" idx="0"/>
+            <a:stCxn id="55" idx="2"/>
+            <a:endCxn id="38" idx="3"/>
           </p:cNvCxnSpPr>
           <p:nvPr/>
         </p:nvCxnSpPr>
         <p:spPr>
-          <a:xfrm rot="16200000" flipH="1">
-            <a:off x="5546420" y="4510252"/>
-            <a:ext cx="879585" cy="1754"/>
-          </a:xfrm>
-          <a:prstGeom prst="bentConnector3">
-            <a:avLst>
-              <a:gd name="adj1" fmla="val 50000"/>
-            </a:avLst>
+          <a:xfrm rot="5400000">
+            <a:off x="9900128" y="5710423"/>
+            <a:ext cx="648190" cy="435471"/>
+          </a:xfrm>
+          <a:prstGeom prst="bentConnector2">
+            <a:avLst/>
           </a:prstGeom>
           <a:ln w="28575">
             <a:headEnd type="none" w="med" len="med"/>
@@ -4702,56 +5361,12 @@
           </a:fontRef>
         </p:style>
       </p:cxnSp>
-      <p:cxnSp>
-        <p:nvCxnSpPr>
-          <p:cNvPr id="63" name="Connecteur : en angle 62">
-            <a:extLst>
-              <a:ext uri="{FF2B5EF4-FFF2-40B4-BE49-F238E27FC236}">
-                <a16:creationId xmlns:a16="http://schemas.microsoft.com/office/drawing/2014/main" id="{52F29C62-3816-4A94-93C8-4E3BA5AF99AA}"/>
-              </a:ext>
-            </a:extLst>
-          </p:cNvPr>
-          <p:cNvCxnSpPr>
-            <a:cxnSpLocks/>
-            <a:stCxn id="46" idx="3"/>
-            <a:endCxn id="55" idx="0"/>
-          </p:cNvCxnSpPr>
-          <p:nvPr/>
-        </p:nvCxnSpPr>
-        <p:spPr>
-          <a:xfrm>
-            <a:off x="7442762" y="3501066"/>
-            <a:ext cx="2999196" cy="1012540"/>
-          </a:xfrm>
-          <a:prstGeom prst="bentConnector2">
-            <a:avLst/>
-          </a:prstGeom>
-          <a:ln w="28575">
-            <a:headEnd type="none" w="med" len="med"/>
-            <a:tailEnd type="arrow" w="med" len="med"/>
-          </a:ln>
-        </p:spPr>
-        <p:style>
-          <a:lnRef idx="1">
-            <a:schemeClr val="accent1"/>
-          </a:lnRef>
-          <a:fillRef idx="0">
-            <a:schemeClr val="accent1"/>
-          </a:fillRef>
-          <a:effectRef idx="0">
-            <a:schemeClr val="accent1"/>
-          </a:effectRef>
-          <a:fontRef idx="minor">
-            <a:schemeClr val="tx1"/>
-          </a:fontRef>
-        </p:style>
-      </p:cxnSp>
-      <p:sp>
-        <p:nvSpPr>
-          <p:cNvPr id="70" name="ZoneTexte 69">
-            <a:extLst>
-              <a:ext uri="{FF2B5EF4-FFF2-40B4-BE49-F238E27FC236}">
-                <a16:creationId xmlns:a16="http://schemas.microsoft.com/office/drawing/2014/main" id="{32AC0154-36F6-4FA3-B245-FE044FA1CE68}"/>
+      <p:sp>
+        <p:nvSpPr>
+          <p:cNvPr id="44" name="ZoneTexte 43">
+            <a:extLst>
+              <a:ext uri="{FF2B5EF4-FFF2-40B4-BE49-F238E27FC236}">
+                <a16:creationId xmlns:a16="http://schemas.microsoft.com/office/drawing/2014/main" id="{ABDD23CA-E87E-4D3B-BBE6-6BFF35D20C07}"/>
               </a:ext>
             </a:extLst>
           </p:cNvPr>
@@ -4760,8 +5375,8 @@
         </p:nvSpPr>
         <p:spPr>
           <a:xfrm>
-            <a:off x="2228146" y="3475822"/>
-            <a:ext cx="2308432" cy="369332"/>
+            <a:off x="7787304" y="6202144"/>
+            <a:ext cx="607145" cy="338554"/>
           </a:xfrm>
           <a:prstGeom prst="rect">
             <a:avLst/>
@@ -4775,18 +5390,18 @@
           <a:lstStyle/>
           <a:p>
             <a:r>
-              <a:rPr lang="en-US" noProof="1"/>
-              <a:t>specimenRequirement</a:t>
-            </a:r>
-          </a:p>
-        </p:txBody>
-      </p:sp>
-      <p:sp>
-        <p:nvSpPr>
-          <p:cNvPr id="71" name="ZoneTexte 70">
-            <a:extLst>
-              <a:ext uri="{FF2B5EF4-FFF2-40B4-BE49-F238E27FC236}">
-                <a16:creationId xmlns:a16="http://schemas.microsoft.com/office/drawing/2014/main" id="{98BEC931-6B82-43BE-8606-752AC314803E}"/>
+              <a:rPr lang="en-US" sz="1600" noProof="1"/>
+              <a:t>0..4</a:t>
+            </a:r>
+          </a:p>
+        </p:txBody>
+      </p:sp>
+      <p:sp>
+        <p:nvSpPr>
+          <p:cNvPr id="45" name="ZoneTexte 44">
+            <a:extLst>
+              <a:ext uri="{FF2B5EF4-FFF2-40B4-BE49-F238E27FC236}">
+                <a16:creationId xmlns:a16="http://schemas.microsoft.com/office/drawing/2014/main" id="{BF367F50-5720-4E7F-B6DA-33B6D1C10BDD}"/>
               </a:ext>
             </a:extLst>
           </p:cNvPr>
@@ -4795,7 +5410,7 @@
         </p:nvSpPr>
         <p:spPr>
           <a:xfrm>
-            <a:off x="2052239" y="4499754"/>
+            <a:off x="10068787" y="6205871"/>
             <a:ext cx="607145" cy="338554"/>
           </a:xfrm>
           <a:prstGeom prst="rect">
@@ -4811,447 +5426,17 @@
           <a:p>
             <a:r>
               <a:rPr lang="en-US" sz="1600" noProof="1"/>
-              <a:t>0..*</a:t>
-            </a:r>
-          </a:p>
-        </p:txBody>
-      </p:sp>
-      <p:sp>
-        <p:nvSpPr>
-          <p:cNvPr id="72" name="ZoneTexte 71">
-            <a:extLst>
-              <a:ext uri="{FF2B5EF4-FFF2-40B4-BE49-F238E27FC236}">
-                <a16:creationId xmlns:a16="http://schemas.microsoft.com/office/drawing/2014/main" id="{A9309530-9C72-431E-AF17-F95DB70E7D31}"/>
-              </a:ext>
-            </a:extLst>
-          </p:cNvPr>
-          <p:cNvSpPr txBox="1"/>
-          <p:nvPr/>
-        </p:nvSpPr>
-        <p:spPr>
-          <a:xfrm>
-            <a:off x="5976002" y="4087610"/>
-            <a:ext cx="2577103" cy="369332"/>
-          </a:xfrm>
-          <a:prstGeom prst="rect">
-            <a:avLst/>
-          </a:prstGeom>
-          <a:noFill/>
-        </p:spPr>
-        <p:txBody>
-          <a:bodyPr wrap="square" rtlCol="0">
-            <a:spAutoFit/>
-          </a:bodyPr>
-          <a:lstStyle/>
-          <a:p>
-            <a:r>
-              <a:rPr lang="en-US" noProof="1"/>
-              <a:t>observationRequirement</a:t>
-            </a:r>
-          </a:p>
-        </p:txBody>
-      </p:sp>
-      <p:sp>
-        <p:nvSpPr>
-          <p:cNvPr id="73" name="ZoneTexte 72">
-            <a:extLst>
-              <a:ext uri="{FF2B5EF4-FFF2-40B4-BE49-F238E27FC236}">
-                <a16:creationId xmlns:a16="http://schemas.microsoft.com/office/drawing/2014/main" id="{EB4220E8-E8FB-4F6B-8617-DD85238222A6}"/>
-              </a:ext>
-            </a:extLst>
-          </p:cNvPr>
-          <p:cNvSpPr txBox="1"/>
-          <p:nvPr/>
-        </p:nvSpPr>
-        <p:spPr>
-          <a:xfrm>
-            <a:off x="6000916" y="4552741"/>
-            <a:ext cx="607145" cy="338554"/>
-          </a:xfrm>
-          <a:prstGeom prst="rect">
-            <a:avLst/>
-          </a:prstGeom>
-          <a:noFill/>
-        </p:spPr>
-        <p:txBody>
-          <a:bodyPr wrap="square" rtlCol="0">
-            <a:spAutoFit/>
-          </a:bodyPr>
-          <a:lstStyle/>
-          <a:p>
-            <a:r>
-              <a:rPr lang="en-US" sz="1600" noProof="1"/>
-              <a:t>0..*</a:t>
-            </a:r>
-          </a:p>
-        </p:txBody>
-      </p:sp>
-      <p:sp>
-        <p:nvSpPr>
-          <p:cNvPr id="74" name="ZoneTexte 73">
-            <a:extLst>
-              <a:ext uri="{FF2B5EF4-FFF2-40B4-BE49-F238E27FC236}">
-                <a16:creationId xmlns:a16="http://schemas.microsoft.com/office/drawing/2014/main" id="{0DE7D4C7-570D-4738-83D2-78C610CF8DB2}"/>
-              </a:ext>
-            </a:extLst>
-          </p:cNvPr>
-          <p:cNvSpPr txBox="1"/>
-          <p:nvPr/>
-        </p:nvSpPr>
-        <p:spPr>
-          <a:xfrm>
-            <a:off x="9972372" y="4116435"/>
-            <a:ext cx="607145" cy="338554"/>
-          </a:xfrm>
-          <a:prstGeom prst="rect">
-            <a:avLst/>
-          </a:prstGeom>
-          <a:noFill/>
-        </p:spPr>
-        <p:txBody>
-          <a:bodyPr wrap="square" rtlCol="0">
-            <a:spAutoFit/>
-          </a:bodyPr>
-          <a:lstStyle/>
-          <a:p>
-            <a:r>
-              <a:rPr lang="en-US" sz="1600" noProof="1"/>
-              <a:t>0..*</a:t>
-            </a:r>
-          </a:p>
-        </p:txBody>
-      </p:sp>
-      <p:sp>
-        <p:nvSpPr>
-          <p:cNvPr id="75" name="ZoneTexte 74">
-            <a:extLst>
-              <a:ext uri="{FF2B5EF4-FFF2-40B4-BE49-F238E27FC236}">
-                <a16:creationId xmlns:a16="http://schemas.microsoft.com/office/drawing/2014/main" id="{2EFF53CD-4ECD-44EE-9F56-5713E9D8A8F4}"/>
-              </a:ext>
-            </a:extLst>
-          </p:cNvPr>
-          <p:cNvSpPr txBox="1"/>
-          <p:nvPr/>
-        </p:nvSpPr>
-        <p:spPr>
-          <a:xfrm>
-            <a:off x="7470755" y="3124652"/>
-            <a:ext cx="3111179" cy="369332"/>
-          </a:xfrm>
-          <a:prstGeom prst="rect">
-            <a:avLst/>
-          </a:prstGeom>
-          <a:noFill/>
-        </p:spPr>
-        <p:txBody>
-          <a:bodyPr wrap="square" rtlCol="0">
-            <a:spAutoFit/>
-          </a:bodyPr>
-          <a:lstStyle/>
-          <a:p>
-            <a:r>
-              <a:rPr lang="en-US" noProof="1"/>
-              <a:t>observationResultRequirement</a:t>
-            </a:r>
-          </a:p>
-        </p:txBody>
-      </p:sp>
-      <p:sp>
-        <p:nvSpPr>
-          <p:cNvPr id="2" name="ZoneTexte 1">
-            <a:extLst>
-              <a:ext uri="{FF2B5EF4-FFF2-40B4-BE49-F238E27FC236}">
-                <a16:creationId xmlns:a16="http://schemas.microsoft.com/office/drawing/2014/main" id="{14C66D9E-6541-4236-87A7-C6FE9DAC58A9}"/>
-              </a:ext>
-            </a:extLst>
-          </p:cNvPr>
-          <p:cNvSpPr txBox="1"/>
-          <p:nvPr/>
-        </p:nvSpPr>
-        <p:spPr>
-          <a:xfrm>
-            <a:off x="18301" y="19604"/>
-            <a:ext cx="1540369" cy="646331"/>
-          </a:xfrm>
-          <a:prstGeom prst="rect">
-            <a:avLst/>
-          </a:prstGeom>
-          <a:noFill/>
-        </p:spPr>
-        <p:txBody>
-          <a:bodyPr wrap="square" rtlCol="0">
-            <a:spAutoFit/>
-          </a:bodyPr>
-          <a:lstStyle/>
-          <a:p>
-            <a:pPr algn="r"/>
-            <a:r>
-              <a:rPr lang="en-US" i="1" noProof="1">
-                <a:solidFill>
-                  <a:schemeClr val="accent1">
-                    <a:lumMod val="60000"/>
-                    <a:lumOff val="40000"/>
-                  </a:schemeClr>
-                </a:solidFill>
-              </a:rPr>
-              <a:t>the laboratory compendium</a:t>
-            </a:r>
-          </a:p>
-        </p:txBody>
-      </p:sp>
-      <p:sp>
-        <p:nvSpPr>
-          <p:cNvPr id="4" name="ZoneTexte 3">
-            <a:extLst>
-              <a:ext uri="{FF2B5EF4-FFF2-40B4-BE49-F238E27FC236}">
-                <a16:creationId xmlns:a16="http://schemas.microsoft.com/office/drawing/2014/main" id="{5B6C8461-F70B-415E-81E3-8C60209C46E4}"/>
-              </a:ext>
-            </a:extLst>
-          </p:cNvPr>
-          <p:cNvSpPr txBox="1"/>
-          <p:nvPr/>
-        </p:nvSpPr>
-        <p:spPr>
-          <a:xfrm>
-            <a:off x="4688380" y="-1334"/>
-            <a:ext cx="3160644" cy="646331"/>
-          </a:xfrm>
-          <a:prstGeom prst="rect">
-            <a:avLst/>
-          </a:prstGeom>
-          <a:noFill/>
-        </p:spPr>
-        <p:txBody>
-          <a:bodyPr wrap="square" rtlCol="0">
-            <a:spAutoFit/>
-          </a:bodyPr>
-          <a:lstStyle>
-            <a:defPPr>
-              <a:defRPr lang="fr-FR"/>
-            </a:defPPr>
-            <a:lvl1pPr>
-              <a:defRPr>
-                <a:solidFill>
-                  <a:schemeClr val="accent1">
-                    <a:lumMod val="60000"/>
-                    <a:lumOff val="40000"/>
-                  </a:schemeClr>
-                </a:solidFill>
-              </a:defRPr>
-            </a:lvl1pPr>
-          </a:lstStyle>
-          <a:p>
-            <a:r>
-              <a:rPr lang="en-US" i="1" noProof="1"/>
-              <a:t>a laboratory service accessible by the consumers of the catalog</a:t>
-            </a:r>
-          </a:p>
-        </p:txBody>
-      </p:sp>
-      <p:sp>
-        <p:nvSpPr>
-          <p:cNvPr id="5" name="ZoneTexte 4">
-            <a:extLst>
-              <a:ext uri="{FF2B5EF4-FFF2-40B4-BE49-F238E27FC236}">
-                <a16:creationId xmlns:a16="http://schemas.microsoft.com/office/drawing/2014/main" id="{0BEB468F-E1B9-4178-88A1-7D05D12F5B2A}"/>
-              </a:ext>
-            </a:extLst>
-          </p:cNvPr>
-          <p:cNvSpPr txBox="1"/>
-          <p:nvPr/>
-        </p:nvSpPr>
-        <p:spPr>
-          <a:xfrm>
-            <a:off x="6017300" y="2523149"/>
-            <a:ext cx="6190996" cy="369332"/>
-          </a:xfrm>
-          <a:prstGeom prst="rect">
-            <a:avLst/>
-          </a:prstGeom>
-          <a:noFill/>
-        </p:spPr>
-        <p:txBody>
-          <a:bodyPr wrap="square" rtlCol="0">
-            <a:spAutoFit/>
-          </a:bodyPr>
-          <a:lstStyle>
-            <a:defPPr>
-              <a:defRPr lang="fr-FR"/>
-            </a:defPPr>
-            <a:lvl1pPr>
-              <a:defRPr>
-                <a:solidFill>
-                  <a:schemeClr val="accent1">
-                    <a:lumMod val="60000"/>
-                    <a:lumOff val="40000"/>
-                  </a:schemeClr>
-                </a:solidFill>
-              </a:defRPr>
-            </a:lvl1pPr>
-          </a:lstStyle>
-          <a:p>
-            <a:r>
-              <a:rPr lang="en-US" i="1" noProof="1"/>
-              <a:t>laboratory procedure operationalizing the service </a:t>
-            </a:r>
-          </a:p>
-        </p:txBody>
-      </p:sp>
-      <p:sp>
-        <p:nvSpPr>
-          <p:cNvPr id="32" name="ZoneTexte 31">
-            <a:extLst>
-              <a:ext uri="{FF2B5EF4-FFF2-40B4-BE49-F238E27FC236}">
-                <a16:creationId xmlns:a16="http://schemas.microsoft.com/office/drawing/2014/main" id="{12A68CC3-C8B9-4937-AF74-D3235493E42E}"/>
-              </a:ext>
-            </a:extLst>
-          </p:cNvPr>
-          <p:cNvSpPr txBox="1"/>
-          <p:nvPr/>
-        </p:nvSpPr>
-        <p:spPr>
-          <a:xfrm>
-            <a:off x="480116" y="3940643"/>
-            <a:ext cx="1540369" cy="923330"/>
-          </a:xfrm>
-          <a:prstGeom prst="rect">
-            <a:avLst/>
-          </a:prstGeom>
-          <a:noFill/>
-        </p:spPr>
-        <p:txBody>
-          <a:bodyPr wrap="square" rtlCol="0">
-            <a:spAutoFit/>
-          </a:bodyPr>
-          <a:lstStyle>
-            <a:defPPr>
-              <a:defRPr lang="fr-FR"/>
-            </a:defPPr>
-            <a:lvl1pPr>
-              <a:defRPr>
-                <a:solidFill>
-                  <a:schemeClr val="accent1">
-                    <a:lumMod val="60000"/>
-                    <a:lumOff val="40000"/>
-                  </a:schemeClr>
-                </a:solidFill>
-              </a:defRPr>
-            </a:lvl1pPr>
-          </a:lstStyle>
-          <a:p>
-            <a:pPr algn="r"/>
-            <a:r>
-              <a:rPr lang="en-US" i="1" noProof="1"/>
-              <a:t>a specimen required by the procedure</a:t>
-            </a:r>
-          </a:p>
-        </p:txBody>
-      </p:sp>
-      <p:sp>
-        <p:nvSpPr>
-          <p:cNvPr id="33" name="ZoneTexte 32">
-            <a:extLst>
-              <a:ext uri="{FF2B5EF4-FFF2-40B4-BE49-F238E27FC236}">
-                <a16:creationId xmlns:a16="http://schemas.microsoft.com/office/drawing/2014/main" id="{0A105627-941F-444D-B556-9B067AA85A13}"/>
-              </a:ext>
-            </a:extLst>
-          </p:cNvPr>
-          <p:cNvSpPr txBox="1"/>
-          <p:nvPr/>
-        </p:nvSpPr>
-        <p:spPr>
-          <a:xfrm>
-            <a:off x="3702787" y="4259092"/>
-            <a:ext cx="2268722" cy="646331"/>
-          </a:xfrm>
-          <a:prstGeom prst="rect">
-            <a:avLst/>
-          </a:prstGeom>
-          <a:noFill/>
-        </p:spPr>
-        <p:txBody>
-          <a:bodyPr wrap="square" rtlCol="0">
-            <a:spAutoFit/>
-          </a:bodyPr>
-          <a:lstStyle>
-            <a:defPPr>
-              <a:defRPr lang="fr-FR"/>
-            </a:defPPr>
-            <a:lvl1pPr>
-              <a:defRPr>
-                <a:solidFill>
-                  <a:schemeClr val="accent1">
-                    <a:lumMod val="60000"/>
-                    <a:lumOff val="40000"/>
-                  </a:schemeClr>
-                </a:solidFill>
-              </a:defRPr>
-            </a:lvl1pPr>
-          </a:lstStyle>
-          <a:p>
-            <a:pPr algn="r"/>
-            <a:r>
-              <a:rPr lang="en-US" i="1" noProof="1"/>
-              <a:t>an input observation to the procedure</a:t>
-            </a:r>
-          </a:p>
-        </p:txBody>
-      </p:sp>
-      <p:sp>
-        <p:nvSpPr>
-          <p:cNvPr id="34" name="ZoneTexte 33">
-            <a:extLst>
-              <a:ext uri="{FF2B5EF4-FFF2-40B4-BE49-F238E27FC236}">
-                <a16:creationId xmlns:a16="http://schemas.microsoft.com/office/drawing/2014/main" id="{F26F3D45-53F9-4EC5-BA9D-39047742D144}"/>
-              </a:ext>
-            </a:extLst>
-          </p:cNvPr>
-          <p:cNvSpPr txBox="1"/>
-          <p:nvPr/>
-        </p:nvSpPr>
-        <p:spPr>
-          <a:xfrm>
-            <a:off x="10503583" y="3503857"/>
-            <a:ext cx="1541314" cy="923330"/>
-          </a:xfrm>
-          <a:prstGeom prst="rect">
-            <a:avLst/>
-          </a:prstGeom>
-          <a:noFill/>
-        </p:spPr>
-        <p:txBody>
-          <a:bodyPr wrap="square" rtlCol="0">
-            <a:spAutoFit/>
-          </a:bodyPr>
-          <a:lstStyle>
-            <a:defPPr>
-              <a:defRPr lang="fr-FR"/>
-            </a:defPPr>
-            <a:lvl1pPr>
-              <a:defRPr>
-                <a:solidFill>
-                  <a:schemeClr val="accent1">
-                    <a:lumMod val="60000"/>
-                    <a:lumOff val="40000"/>
-                  </a:schemeClr>
-                </a:solidFill>
-              </a:defRPr>
-            </a:lvl1pPr>
-          </a:lstStyle>
-          <a:p>
-            <a:r>
-              <a:rPr lang="en-US" i="1" noProof="1"/>
-              <a:t>an output observation of the procedure</a:t>
-            </a:r>
-          </a:p>
-        </p:txBody>
-      </p:sp>
-      <p:sp>
-        <p:nvSpPr>
-          <p:cNvPr id="30" name="Rectangle 29">
-            <a:extLst>
-              <a:ext uri="{FF2B5EF4-FFF2-40B4-BE49-F238E27FC236}">
-                <a16:creationId xmlns:a16="http://schemas.microsoft.com/office/drawing/2014/main" id="{3FF89A57-DB25-4A6C-878E-8BC0F0E66DCE}"/>
+              <a:t>0..4</a:t>
+            </a:r>
+          </a:p>
+        </p:txBody>
+      </p:sp>
+      <p:sp>
+        <p:nvSpPr>
+          <p:cNvPr id="41" name="Rectangle 40">
+            <a:extLst>
+              <a:ext uri="{FF2B5EF4-FFF2-40B4-BE49-F238E27FC236}">
+                <a16:creationId xmlns:a16="http://schemas.microsoft.com/office/drawing/2014/main" id="{98246E45-031A-4786-ACF4-D927C7E9CB6C}"/>
               </a:ext>
             </a:extLst>
           </p:cNvPr>
@@ -5260,185 +5445,8 @@
         </p:nvSpPr>
         <p:spPr>
           <a:xfrm>
-            <a:off x="6908365" y="1919252"/>
-            <a:ext cx="340999" cy="217887"/>
-          </a:xfrm>
-          <a:prstGeom prst="rect">
-            <a:avLst/>
-          </a:prstGeom>
-        </p:spPr>
-        <p:style>
-          <a:lnRef idx="2">
-            <a:schemeClr val="accent1">
-              <a:shade val="50000"/>
-            </a:schemeClr>
-          </a:lnRef>
-          <a:fillRef idx="1">
-            <a:schemeClr val="accent1"/>
-          </a:fillRef>
-          <a:effectRef idx="0">
-            <a:schemeClr val="accent1"/>
-          </a:effectRef>
-          <a:fontRef idx="minor">
-            <a:schemeClr val="lt1"/>
-          </a:fontRef>
-        </p:style>
-        <p:txBody>
-          <a:bodyPr rtlCol="0" anchor="ctr"/>
-          <a:lstStyle/>
-          <a:p>
-            <a:pPr algn="ctr"/>
-            <a:endParaRPr lang="fr-FR"/>
-          </a:p>
-        </p:txBody>
-      </p:sp>
-      <p:cxnSp>
-        <p:nvCxnSpPr>
-          <p:cNvPr id="35" name="Connecteur : en angle 34">
-            <a:extLst>
-              <a:ext uri="{FF2B5EF4-FFF2-40B4-BE49-F238E27FC236}">
-                <a16:creationId xmlns:a16="http://schemas.microsoft.com/office/drawing/2014/main" id="{E8634128-453D-4B9E-A1BE-AA9C0F17215D}"/>
-              </a:ext>
-            </a:extLst>
-          </p:cNvPr>
-          <p:cNvCxnSpPr>
-            <a:cxnSpLocks/>
-            <a:stCxn id="30" idx="2"/>
-            <a:endCxn id="30" idx="3"/>
-          </p:cNvCxnSpPr>
-          <p:nvPr/>
-        </p:nvCxnSpPr>
-        <p:spPr>
-          <a:xfrm rot="5400000" flipH="1" flipV="1">
-            <a:off x="7109642" y="1997418"/>
-            <a:ext cx="108943" cy="170499"/>
-          </a:xfrm>
-          <a:prstGeom prst="bentConnector4">
-            <a:avLst>
-              <a:gd name="adj1" fmla="val -209835"/>
-              <a:gd name="adj2" fmla="val 234077"/>
-            </a:avLst>
-          </a:prstGeom>
-          <a:ln w="28575">
-            <a:headEnd type="arrow" w="med" len="med"/>
-            <a:tailEnd type="none" w="med" len="med"/>
-          </a:ln>
-        </p:spPr>
-        <p:style>
-          <a:lnRef idx="1">
-            <a:schemeClr val="accent1"/>
-          </a:lnRef>
-          <a:fillRef idx="0">
-            <a:schemeClr val="accent1"/>
-          </a:fillRef>
-          <a:effectRef idx="0">
-            <a:schemeClr val="accent1"/>
-          </a:effectRef>
-          <a:fontRef idx="minor">
-            <a:schemeClr val="tx1"/>
-          </a:fontRef>
-        </p:style>
-      </p:cxnSp>
-      <p:sp>
-        <p:nvSpPr>
-          <p:cNvPr id="36" name="ZoneTexte 35">
-            <a:extLst>
-              <a:ext uri="{FF2B5EF4-FFF2-40B4-BE49-F238E27FC236}">
-                <a16:creationId xmlns:a16="http://schemas.microsoft.com/office/drawing/2014/main" id="{6FC2082B-E275-4667-BE96-11DA28C72440}"/>
-              </a:ext>
-            </a:extLst>
-          </p:cNvPr>
-          <p:cNvSpPr txBox="1"/>
-          <p:nvPr/>
-        </p:nvSpPr>
-        <p:spPr>
-          <a:xfrm>
-            <a:off x="6559778" y="2130127"/>
-            <a:ext cx="607145" cy="338554"/>
-          </a:xfrm>
-          <a:prstGeom prst="rect">
-            <a:avLst/>
-          </a:prstGeom>
-          <a:noFill/>
-        </p:spPr>
-        <p:txBody>
-          <a:bodyPr wrap="square" rtlCol="0">
-            <a:spAutoFit/>
-          </a:bodyPr>
-          <a:lstStyle/>
-          <a:p>
-            <a:r>
-              <a:rPr lang="en-US" sz="1600" noProof="1"/>
-              <a:t>0..*</a:t>
-            </a:r>
-          </a:p>
-        </p:txBody>
-      </p:sp>
-      <p:sp>
-        <p:nvSpPr>
-          <p:cNvPr id="37" name="ZoneTexte 36">
-            <a:extLst>
-              <a:ext uri="{FF2B5EF4-FFF2-40B4-BE49-F238E27FC236}">
-                <a16:creationId xmlns:a16="http://schemas.microsoft.com/office/drawing/2014/main" id="{0221B08F-79D1-4CDA-957A-4D91B4E1FE2C}"/>
-              </a:ext>
-            </a:extLst>
-          </p:cNvPr>
-          <p:cNvSpPr txBox="1"/>
-          <p:nvPr/>
-        </p:nvSpPr>
-        <p:spPr>
-          <a:xfrm>
-            <a:off x="7557252" y="1989998"/>
-            <a:ext cx="3757993" cy="369332"/>
-          </a:xfrm>
-          <a:prstGeom prst="rect">
-            <a:avLst/>
-          </a:prstGeom>
-          <a:noFill/>
-        </p:spPr>
-        <p:txBody>
-          <a:bodyPr wrap="square" rtlCol="0">
-            <a:spAutoFit/>
-          </a:bodyPr>
-          <a:lstStyle/>
-          <a:p>
-            <a:r>
-              <a:rPr lang="en-US" noProof="1"/>
-              <a:t>relatedArtifact (</a:t>
-            </a:r>
-            <a:r>
-              <a:rPr lang="en-US" i="1" noProof="1">
-                <a:solidFill>
-                  <a:schemeClr val="accent6">
-                    <a:lumMod val="75000"/>
-                  </a:schemeClr>
-                </a:solidFill>
-              </a:rPr>
-              <a:t>is replaced by</a:t>
-            </a:r>
-            <a:r>
-              <a:rPr lang="en-US" noProof="1"/>
-              <a:t>)</a:t>
-            </a:r>
-          </a:p>
-        </p:txBody>
-      </p:sp>
-      <p:sp>
-        <p:nvSpPr>
-          <p:cNvPr id="11" name="Rectangle 10">
-            <a:extLst>
-              <a:ext uri="{FF2B5EF4-FFF2-40B4-BE49-F238E27FC236}">
-                <a16:creationId xmlns:a16="http://schemas.microsoft.com/office/drawing/2014/main" id="{E2B1908B-CC45-41BD-BE20-7F25C0BD8D17}"/>
-              </a:ext>
-            </a:extLst>
-          </p:cNvPr>
-          <p:cNvSpPr/>
-          <p:nvPr/>
-        </p:nvSpPr>
-        <p:spPr>
-          <a:xfrm>
-            <a:off x="4688380" y="1019944"/>
-            <a:ext cx="2593911" cy="1140542"/>
+            <a:off x="189854" y="2089752"/>
+            <a:ext cx="2627866" cy="1140542"/>
           </a:xfrm>
           <a:prstGeom prst="rect">
             <a:avLst/>
@@ -5506,7 +5514,7 @@
                   <a:srgbClr val="FFFF00"/>
                 </a:solidFill>
               </a:rPr>
-              <a:t>LabServiceDefinition</a:t>
+              <a:t>BillingCodeAndRule</a:t>
             </a:r>
           </a:p>
           <a:p>
@@ -5525,17 +5533,304 @@
                   <a:srgbClr val="FFFF00"/>
                 </a:solidFill>
               </a:rPr>
-              <a:t>PlanDefinition</a:t>
-            </a:r>
-          </a:p>
-        </p:txBody>
-      </p:sp>
-      <p:sp>
-        <p:nvSpPr>
-          <p:cNvPr id="38" name="Rectangle 37">
-            <a:extLst>
-              <a:ext uri="{FF2B5EF4-FFF2-40B4-BE49-F238E27FC236}">
-                <a16:creationId xmlns:a16="http://schemas.microsoft.com/office/drawing/2014/main" id="{84729A3E-A76D-4D5C-845E-6B5227D6B57E}"/>
+              <a:t>ChargeItemDefinition</a:t>
+            </a:r>
+          </a:p>
+        </p:txBody>
+      </p:sp>
+      <p:cxnSp>
+        <p:nvCxnSpPr>
+          <p:cNvPr id="42" name="Connecteur : en angle 41">
+            <a:extLst>
+              <a:ext uri="{FF2B5EF4-FFF2-40B4-BE49-F238E27FC236}">
+                <a16:creationId xmlns:a16="http://schemas.microsoft.com/office/drawing/2014/main" id="{7CB04F81-F845-4409-8A16-0150F3ABCA14}"/>
+              </a:ext>
+            </a:extLst>
+          </p:cNvPr>
+          <p:cNvCxnSpPr>
+            <a:cxnSpLocks/>
+            <a:stCxn id="11" idx="1"/>
+            <a:endCxn id="41" idx="0"/>
+          </p:cNvCxnSpPr>
+          <p:nvPr/>
+        </p:nvCxnSpPr>
+        <p:spPr>
+          <a:xfrm rot="10800000" flipV="1">
+            <a:off x="1503788" y="1590214"/>
+            <a:ext cx="3184593" cy="499537"/>
+          </a:xfrm>
+          <a:prstGeom prst="bentConnector2">
+            <a:avLst/>
+          </a:prstGeom>
+          <a:ln w="28575">
+            <a:headEnd type="none" w="med" len="med"/>
+            <a:tailEnd type="arrow" w="med" len="med"/>
+          </a:ln>
+        </p:spPr>
+        <p:style>
+          <a:lnRef idx="1">
+            <a:schemeClr val="accent1"/>
+          </a:lnRef>
+          <a:fillRef idx="0">
+            <a:schemeClr val="accent1"/>
+          </a:fillRef>
+          <a:effectRef idx="0">
+            <a:schemeClr val="accent1"/>
+          </a:effectRef>
+          <a:fontRef idx="minor">
+            <a:schemeClr val="tx1"/>
+          </a:fontRef>
+        </p:style>
+      </p:cxnSp>
+      <p:sp>
+        <p:nvSpPr>
+          <p:cNvPr id="47" name="ZoneTexte 46">
+            <a:extLst>
+              <a:ext uri="{FF2B5EF4-FFF2-40B4-BE49-F238E27FC236}">
+                <a16:creationId xmlns:a16="http://schemas.microsoft.com/office/drawing/2014/main" id="{7EBC759F-3EC1-4AEE-B495-9524A5FA0F8C}"/>
+              </a:ext>
+            </a:extLst>
+          </p:cNvPr>
+          <p:cNvSpPr txBox="1"/>
+          <p:nvPr/>
+        </p:nvSpPr>
+        <p:spPr>
+          <a:xfrm>
+            <a:off x="1556018" y="1725868"/>
+            <a:ext cx="607145" cy="338554"/>
+          </a:xfrm>
+          <a:prstGeom prst="rect">
+            <a:avLst/>
+          </a:prstGeom>
+          <a:noFill/>
+        </p:spPr>
+        <p:txBody>
+          <a:bodyPr wrap="square" rtlCol="0">
+            <a:spAutoFit/>
+          </a:bodyPr>
+          <a:lstStyle/>
+          <a:p>
+            <a:r>
+              <a:rPr lang="en-US" sz="1600" noProof="1"/>
+              <a:t>0..*</a:t>
+            </a:r>
+          </a:p>
+        </p:txBody>
+      </p:sp>
+      <p:sp>
+        <p:nvSpPr>
+          <p:cNvPr id="48" name="ZoneTexte 47">
+            <a:extLst>
+              <a:ext uri="{FF2B5EF4-FFF2-40B4-BE49-F238E27FC236}">
+                <a16:creationId xmlns:a16="http://schemas.microsoft.com/office/drawing/2014/main" id="{6B1EB918-EDEA-46FE-BFD2-7B8AC4B29986}"/>
+              </a:ext>
+            </a:extLst>
+          </p:cNvPr>
+          <p:cNvSpPr txBox="1"/>
+          <p:nvPr/>
+        </p:nvSpPr>
+        <p:spPr>
+          <a:xfrm>
+            <a:off x="3289961" y="1286559"/>
+            <a:ext cx="1443487" cy="369332"/>
+          </a:xfrm>
+          <a:prstGeom prst="rect">
+            <a:avLst/>
+          </a:prstGeom>
+          <a:noFill/>
+        </p:spPr>
+        <p:txBody>
+          <a:bodyPr wrap="square" rtlCol="0">
+            <a:spAutoFit/>
+          </a:bodyPr>
+          <a:lstStyle/>
+          <a:p>
+            <a:r>
+              <a:rPr lang="en-US" noProof="1"/>
+              <a:t>serviceBilling</a:t>
+            </a:r>
+          </a:p>
+        </p:txBody>
+      </p:sp>
+      <p:sp>
+        <p:nvSpPr>
+          <p:cNvPr id="49" name="ZoneTexte 48">
+            <a:extLst>
+              <a:ext uri="{FF2B5EF4-FFF2-40B4-BE49-F238E27FC236}">
+                <a16:creationId xmlns:a16="http://schemas.microsoft.com/office/drawing/2014/main" id="{34BC439E-46D1-4D3A-A747-099A225EED85}"/>
+              </a:ext>
+            </a:extLst>
+          </p:cNvPr>
+          <p:cNvSpPr txBox="1"/>
+          <p:nvPr/>
+        </p:nvSpPr>
+        <p:spPr>
+          <a:xfrm>
+            <a:off x="-183392" y="1357828"/>
+            <a:ext cx="1627978" cy="646331"/>
+          </a:xfrm>
+          <a:prstGeom prst="rect">
+            <a:avLst/>
+          </a:prstGeom>
+          <a:noFill/>
+        </p:spPr>
+        <p:txBody>
+          <a:bodyPr wrap="square" rtlCol="0">
+            <a:spAutoFit/>
+          </a:bodyPr>
+          <a:lstStyle/>
+          <a:p>
+            <a:pPr algn="r"/>
+            <a:r>
+              <a:rPr lang="en-US" i="1" noProof="1">
+                <a:solidFill>
+                  <a:schemeClr val="accent1">
+                    <a:lumMod val="60000"/>
+                    <a:lumOff val="40000"/>
+                  </a:schemeClr>
+                </a:solidFill>
+              </a:rPr>
+              <a:t>a billing code and its rules</a:t>
+            </a:r>
+          </a:p>
+        </p:txBody>
+      </p:sp>
+      <p:sp>
+        <p:nvSpPr>
+          <p:cNvPr id="50" name="ZoneTexte 49">
+            <a:extLst>
+              <a:ext uri="{FF2B5EF4-FFF2-40B4-BE49-F238E27FC236}">
+                <a16:creationId xmlns:a16="http://schemas.microsoft.com/office/drawing/2014/main" id="{8B1414DC-932C-4FB2-A682-250462EEBE39}"/>
+              </a:ext>
+            </a:extLst>
+          </p:cNvPr>
+          <p:cNvSpPr txBox="1"/>
+          <p:nvPr/>
+        </p:nvSpPr>
+        <p:spPr>
+          <a:xfrm>
+            <a:off x="7248233" y="6490589"/>
+            <a:ext cx="3938309" cy="369332"/>
+          </a:xfrm>
+          <a:prstGeom prst="rect">
+            <a:avLst/>
+          </a:prstGeom>
+          <a:noFill/>
+        </p:spPr>
+        <p:txBody>
+          <a:bodyPr wrap="square" rtlCol="0">
+            <a:spAutoFit/>
+          </a:bodyPr>
+          <a:lstStyle>
+            <a:defPPr>
+              <a:defRPr lang="fr-FR"/>
+            </a:defPPr>
+            <a:lvl1pPr>
+              <a:defRPr>
+                <a:solidFill>
+                  <a:schemeClr val="accent1">
+                    <a:lumMod val="60000"/>
+                    <a:lumOff val="40000"/>
+                  </a:schemeClr>
+                </a:solidFill>
+              </a:defRPr>
+            </a:lvl1pPr>
+          </a:lstStyle>
+          <a:p>
+            <a:pPr algn="ctr"/>
+            <a:r>
+              <a:rPr lang="en-US" i="1" noProof="1"/>
+              <a:t>valid|normal|abnormal|critical values</a:t>
+            </a:r>
+          </a:p>
+        </p:txBody>
+      </p:sp>
+      <p:cxnSp>
+        <p:nvCxnSpPr>
+          <p:cNvPr id="59" name="Connecteur : en angle 58">
+            <a:extLst>
+              <a:ext uri="{FF2B5EF4-FFF2-40B4-BE49-F238E27FC236}">
+                <a16:creationId xmlns:a16="http://schemas.microsoft.com/office/drawing/2014/main" id="{CEC98B57-A84A-4965-8F1C-9AD5C1F66F68}"/>
+              </a:ext>
+            </a:extLst>
+          </p:cNvPr>
+          <p:cNvCxnSpPr>
+            <a:cxnSpLocks/>
+            <a:endCxn id="8" idx="3"/>
+          </p:cNvCxnSpPr>
+          <p:nvPr/>
+        </p:nvCxnSpPr>
+        <p:spPr>
+          <a:xfrm flipH="1" flipV="1">
+            <a:off x="7255499" y="1117432"/>
+            <a:ext cx="20166" cy="234943"/>
+          </a:xfrm>
+          <a:prstGeom prst="bentConnector3">
+            <a:avLst>
+              <a:gd name="adj1" fmla="val -1133591"/>
+            </a:avLst>
+          </a:prstGeom>
+          <a:ln w="28575">
+            <a:headEnd type="arrow" w="med" len="med"/>
+            <a:tailEnd type="none" w="med" len="med"/>
+          </a:ln>
+        </p:spPr>
+        <p:style>
+          <a:lnRef idx="1">
+            <a:schemeClr val="accent1"/>
+          </a:lnRef>
+          <a:fillRef idx="0">
+            <a:schemeClr val="accent1"/>
+          </a:fillRef>
+          <a:effectRef idx="0">
+            <a:schemeClr val="accent1"/>
+          </a:effectRef>
+          <a:fontRef idx="minor">
+            <a:schemeClr val="tx1"/>
+          </a:fontRef>
+        </p:style>
+      </p:cxnSp>
+      <p:sp>
+        <p:nvSpPr>
+          <p:cNvPr id="61" name="ZoneTexte 60">
+            <a:extLst>
+              <a:ext uri="{FF2B5EF4-FFF2-40B4-BE49-F238E27FC236}">
+                <a16:creationId xmlns:a16="http://schemas.microsoft.com/office/drawing/2014/main" id="{F15FD08A-EE01-41B9-A74C-D190D9D0CE08}"/>
+              </a:ext>
+            </a:extLst>
+          </p:cNvPr>
+          <p:cNvSpPr txBox="1"/>
+          <p:nvPr/>
+        </p:nvSpPr>
+        <p:spPr>
+          <a:xfrm>
+            <a:off x="7287980" y="1323583"/>
+            <a:ext cx="607145" cy="338554"/>
+          </a:xfrm>
+          <a:prstGeom prst="rect">
+            <a:avLst/>
+          </a:prstGeom>
+          <a:noFill/>
+        </p:spPr>
+        <p:txBody>
+          <a:bodyPr wrap="square" rtlCol="0">
+            <a:spAutoFit/>
+          </a:bodyPr>
+          <a:lstStyle/>
+          <a:p>
+            <a:r>
+              <a:rPr lang="en-US" sz="1600" noProof="1"/>
+              <a:t>0..*</a:t>
+            </a:r>
+          </a:p>
+        </p:txBody>
+      </p:sp>
+      <p:sp>
+        <p:nvSpPr>
+          <p:cNvPr id="6" name="Rectangle 5">
+            <a:extLst>
+              <a:ext uri="{FF2B5EF4-FFF2-40B4-BE49-F238E27FC236}">
+                <a16:creationId xmlns:a16="http://schemas.microsoft.com/office/drawing/2014/main" id="{1C6DDBC5-A792-48D7-9DEB-B008187D51FB}"/>
               </a:ext>
             </a:extLst>
           </p:cNvPr>
@@ -5544,8 +5839,369 @@
         </p:nvSpPr>
         <p:spPr>
           <a:xfrm>
-            <a:off x="8338775" y="6013917"/>
-            <a:ext cx="1667712" cy="476672"/>
+            <a:off x="7571885" y="1063556"/>
+            <a:ext cx="2496902" cy="369332"/>
+          </a:xfrm>
+          <a:prstGeom prst="rect">
+            <a:avLst/>
+          </a:prstGeom>
+        </p:spPr>
+        <p:txBody>
+          <a:bodyPr wrap="none">
+            <a:spAutoFit/>
+          </a:bodyPr>
+          <a:lstStyle/>
+          <a:p>
+            <a:r>
+              <a:rPr lang="en-US" noProof="1"/>
+              <a:t>relatedArtifact (</a:t>
+            </a:r>
+            <a:r>
+              <a:rPr lang="en-US" i="1" noProof="1">
+                <a:solidFill>
+                  <a:schemeClr val="accent6">
+                    <a:lumMod val="75000"/>
+                  </a:schemeClr>
+                </a:solidFill>
+              </a:rPr>
+              <a:t>Includes</a:t>
+            </a:r>
+            <a:r>
+              <a:rPr lang="en-US" noProof="1"/>
+              <a:t>)</a:t>
+            </a:r>
+          </a:p>
+        </p:txBody>
+      </p:sp>
+      <p:sp>
+        <p:nvSpPr>
+          <p:cNvPr id="53" name="Rectangle 52">
+            <a:extLst>
+              <a:ext uri="{FF2B5EF4-FFF2-40B4-BE49-F238E27FC236}">
+                <a16:creationId xmlns:a16="http://schemas.microsoft.com/office/drawing/2014/main" id="{F537AED2-9E97-485C-A84E-51BF2306A00D}"/>
+              </a:ext>
+            </a:extLst>
+          </p:cNvPr>
+          <p:cNvSpPr/>
+          <p:nvPr/>
+        </p:nvSpPr>
+        <p:spPr>
+          <a:xfrm>
+            <a:off x="7112003" y="1605145"/>
+            <a:ext cx="143498" cy="164249"/>
+          </a:xfrm>
+          <a:prstGeom prst="rect">
+            <a:avLst/>
+          </a:prstGeom>
+        </p:spPr>
+        <p:style>
+          <a:lnRef idx="2">
+            <a:schemeClr val="accent1">
+              <a:shade val="50000"/>
+            </a:schemeClr>
+          </a:lnRef>
+          <a:fillRef idx="1">
+            <a:schemeClr val="accent1"/>
+          </a:fillRef>
+          <a:effectRef idx="0">
+            <a:schemeClr val="accent1"/>
+          </a:effectRef>
+          <a:fontRef idx="minor">
+            <a:schemeClr val="lt1"/>
+          </a:fontRef>
+        </p:style>
+        <p:txBody>
+          <a:bodyPr rtlCol="0" anchor="ctr"/>
+          <a:lstStyle/>
+          <a:p>
+            <a:pPr algn="ctr"/>
+            <a:endParaRPr lang="fr-FR"/>
+          </a:p>
+        </p:txBody>
+      </p:sp>
+      <p:sp>
+        <p:nvSpPr>
+          <p:cNvPr id="62" name="Rectangle 61">
+            <a:extLst>
+              <a:ext uri="{FF2B5EF4-FFF2-40B4-BE49-F238E27FC236}">
+                <a16:creationId xmlns:a16="http://schemas.microsoft.com/office/drawing/2014/main" id="{CC06C13B-AAED-42D3-AC8E-E9010DD2A1F9}"/>
+              </a:ext>
+            </a:extLst>
+          </p:cNvPr>
+          <p:cNvSpPr/>
+          <p:nvPr/>
+        </p:nvSpPr>
+        <p:spPr>
+          <a:xfrm>
+            <a:off x="6928358" y="1808450"/>
+            <a:ext cx="340999" cy="195582"/>
+          </a:xfrm>
+          <a:prstGeom prst="rect">
+            <a:avLst/>
+          </a:prstGeom>
+        </p:spPr>
+        <p:style>
+          <a:lnRef idx="2">
+            <a:schemeClr val="accent1">
+              <a:shade val="50000"/>
+            </a:schemeClr>
+          </a:lnRef>
+          <a:fillRef idx="1">
+            <a:schemeClr val="accent1"/>
+          </a:fillRef>
+          <a:effectRef idx="0">
+            <a:schemeClr val="accent1"/>
+          </a:effectRef>
+          <a:fontRef idx="minor">
+            <a:schemeClr val="lt1"/>
+          </a:fontRef>
+        </p:style>
+        <p:txBody>
+          <a:bodyPr rtlCol="0" anchor="ctr"/>
+          <a:lstStyle/>
+          <a:p>
+            <a:pPr algn="ctr"/>
+            <a:endParaRPr lang="fr-FR"/>
+          </a:p>
+        </p:txBody>
+      </p:sp>
+      <p:cxnSp>
+        <p:nvCxnSpPr>
+          <p:cNvPr id="64" name="Connecteur : en angle 63">
+            <a:extLst>
+              <a:ext uri="{FF2B5EF4-FFF2-40B4-BE49-F238E27FC236}">
+                <a16:creationId xmlns:a16="http://schemas.microsoft.com/office/drawing/2014/main" id="{3335D043-C903-4BE8-AD2D-90AB3E5DD599}"/>
+              </a:ext>
+            </a:extLst>
+          </p:cNvPr>
+          <p:cNvCxnSpPr>
+            <a:cxnSpLocks/>
+            <a:stCxn id="62" idx="3"/>
+            <a:endCxn id="53" idx="3"/>
+          </p:cNvCxnSpPr>
+          <p:nvPr/>
+        </p:nvCxnSpPr>
+        <p:spPr>
+          <a:xfrm flipH="1" flipV="1">
+            <a:off x="7255501" y="1687270"/>
+            <a:ext cx="13856" cy="218971"/>
+          </a:xfrm>
+          <a:prstGeom prst="bentConnector3">
+            <a:avLst>
+              <a:gd name="adj1" fmla="val -1649827"/>
+            </a:avLst>
+          </a:prstGeom>
+          <a:ln w="28575">
+            <a:headEnd type="arrow" w="med" len="med"/>
+            <a:tailEnd type="none" w="med" len="med"/>
+          </a:ln>
+        </p:spPr>
+        <p:style>
+          <a:lnRef idx="1">
+            <a:schemeClr val="accent1"/>
+          </a:lnRef>
+          <a:fillRef idx="0">
+            <a:schemeClr val="accent1"/>
+          </a:fillRef>
+          <a:effectRef idx="0">
+            <a:schemeClr val="accent1"/>
+          </a:effectRef>
+          <a:fontRef idx="minor">
+            <a:schemeClr val="tx1"/>
+          </a:fontRef>
+        </p:style>
+      </p:cxnSp>
+      <p:sp>
+        <p:nvSpPr>
+          <p:cNvPr id="65" name="ZoneTexte 64">
+            <a:extLst>
+              <a:ext uri="{FF2B5EF4-FFF2-40B4-BE49-F238E27FC236}">
+                <a16:creationId xmlns:a16="http://schemas.microsoft.com/office/drawing/2014/main" id="{A0A89A95-A588-46F5-BA0F-55DBADAB29F5}"/>
+              </a:ext>
+            </a:extLst>
+          </p:cNvPr>
+          <p:cNvSpPr txBox="1"/>
+          <p:nvPr/>
+        </p:nvSpPr>
+        <p:spPr>
+          <a:xfrm>
+            <a:off x="7287982" y="1893421"/>
+            <a:ext cx="607145" cy="338554"/>
+          </a:xfrm>
+          <a:prstGeom prst="rect">
+            <a:avLst/>
+          </a:prstGeom>
+          <a:noFill/>
+        </p:spPr>
+        <p:txBody>
+          <a:bodyPr wrap="square" rtlCol="0">
+            <a:spAutoFit/>
+          </a:bodyPr>
+          <a:lstStyle/>
+          <a:p>
+            <a:r>
+              <a:rPr lang="en-US" sz="1600" noProof="1"/>
+              <a:t>0..*</a:t>
+            </a:r>
+          </a:p>
+        </p:txBody>
+      </p:sp>
+      <p:sp>
+        <p:nvSpPr>
+          <p:cNvPr id="66" name="Rectangle 65">
+            <a:extLst>
+              <a:ext uri="{FF2B5EF4-FFF2-40B4-BE49-F238E27FC236}">
+                <a16:creationId xmlns:a16="http://schemas.microsoft.com/office/drawing/2014/main" id="{A75549AC-A1E5-42FF-B36C-5EA2320DE11D}"/>
+              </a:ext>
+            </a:extLst>
+          </p:cNvPr>
+          <p:cNvSpPr/>
+          <p:nvPr/>
+        </p:nvSpPr>
+        <p:spPr>
+          <a:xfrm>
+            <a:off x="7571887" y="1633394"/>
+            <a:ext cx="2956322" cy="369332"/>
+          </a:xfrm>
+          <a:prstGeom prst="rect">
+            <a:avLst/>
+          </a:prstGeom>
+        </p:spPr>
+        <p:txBody>
+          <a:bodyPr wrap="none">
+            <a:spAutoFit/>
+          </a:bodyPr>
+          <a:lstStyle/>
+          <a:p>
+            <a:r>
+              <a:rPr lang="en-US" noProof="1"/>
+              <a:t>relatedArtifact (</a:t>
+            </a:r>
+            <a:r>
+              <a:rPr lang="en-US" i="1" noProof="1">
+                <a:solidFill>
+                  <a:schemeClr val="accent6">
+                    <a:lumMod val="75000"/>
+                  </a:schemeClr>
+                </a:solidFill>
+              </a:rPr>
+              <a:t>IsReplacedBy</a:t>
+            </a:r>
+            <a:r>
+              <a:rPr lang="en-US" noProof="1"/>
+              <a:t>)</a:t>
+            </a:r>
+          </a:p>
+        </p:txBody>
+      </p:sp>
+      <p:sp>
+        <p:nvSpPr>
+          <p:cNvPr id="13" name="Rectangle 12">
+            <a:extLst>
+              <a:ext uri="{FF2B5EF4-FFF2-40B4-BE49-F238E27FC236}">
+                <a16:creationId xmlns:a16="http://schemas.microsoft.com/office/drawing/2014/main" id="{1C72EAEF-6D83-49DD-98E1-F0B22E4F5A26}"/>
+              </a:ext>
+            </a:extLst>
+          </p:cNvPr>
+          <p:cNvSpPr/>
+          <p:nvPr/>
+        </p:nvSpPr>
+        <p:spPr>
+          <a:xfrm>
+            <a:off x="4701632" y="1918695"/>
+            <a:ext cx="283614" cy="235165"/>
+          </a:xfrm>
+          <a:prstGeom prst="rect">
+            <a:avLst/>
+          </a:prstGeom>
+        </p:spPr>
+        <p:style>
+          <a:lnRef idx="2">
+            <a:schemeClr val="accent1">
+              <a:shade val="50000"/>
+            </a:schemeClr>
+          </a:lnRef>
+          <a:fillRef idx="1">
+            <a:schemeClr val="accent1"/>
+          </a:fillRef>
+          <a:effectRef idx="0">
+            <a:schemeClr val="accent1"/>
+          </a:effectRef>
+          <a:fontRef idx="minor">
+            <a:schemeClr val="lt1"/>
+          </a:fontRef>
+        </p:style>
+        <p:txBody>
+          <a:bodyPr rtlCol="0" anchor="ctr"/>
+          <a:lstStyle/>
+          <a:p>
+            <a:pPr algn="ctr"/>
+            <a:endParaRPr lang="fr-FR"/>
+          </a:p>
+        </p:txBody>
+      </p:sp>
+      <p:sp>
+        <p:nvSpPr>
+          <p:cNvPr id="67" name="Rectangle 66">
+            <a:extLst>
+              <a:ext uri="{FF2B5EF4-FFF2-40B4-BE49-F238E27FC236}">
+                <a16:creationId xmlns:a16="http://schemas.microsoft.com/office/drawing/2014/main" id="{4E2B7AF2-F6C6-4086-A3C5-6ECD0A900716}"/>
+              </a:ext>
+            </a:extLst>
+          </p:cNvPr>
+          <p:cNvSpPr/>
+          <p:nvPr/>
+        </p:nvSpPr>
+        <p:spPr>
+          <a:xfrm>
+            <a:off x="3148351" y="4945929"/>
+            <a:ext cx="283614" cy="235165"/>
+          </a:xfrm>
+          <a:prstGeom prst="rect">
+            <a:avLst/>
+          </a:prstGeom>
+        </p:spPr>
+        <p:style>
+          <a:lnRef idx="2">
+            <a:schemeClr val="accent1">
+              <a:shade val="50000"/>
+            </a:schemeClr>
+          </a:lnRef>
+          <a:fillRef idx="1">
+            <a:schemeClr val="accent1"/>
+          </a:fillRef>
+          <a:effectRef idx="0">
+            <a:schemeClr val="accent1"/>
+          </a:effectRef>
+          <a:fontRef idx="minor">
+            <a:schemeClr val="lt1"/>
+          </a:fontRef>
+        </p:style>
+        <p:txBody>
+          <a:bodyPr rtlCol="0" anchor="ctr"/>
+          <a:lstStyle/>
+          <a:p>
+            <a:pPr algn="ctr"/>
+            <a:endParaRPr lang="fr-FR"/>
+          </a:p>
+        </p:txBody>
+      </p:sp>
+      <p:sp>
+        <p:nvSpPr>
+          <p:cNvPr id="56" name="Rectangle 55">
+            <a:extLst>
+              <a:ext uri="{FF2B5EF4-FFF2-40B4-BE49-F238E27FC236}">
+                <a16:creationId xmlns:a16="http://schemas.microsoft.com/office/drawing/2014/main" id="{F6F11366-8458-4112-A323-141BA159FFFC}"/>
+              </a:ext>
+            </a:extLst>
+          </p:cNvPr>
+          <p:cNvSpPr/>
+          <p:nvPr/>
+        </p:nvSpPr>
+        <p:spPr>
+          <a:xfrm>
+            <a:off x="737087" y="4932679"/>
+            <a:ext cx="2887484" cy="1142774"/>
           </a:xfrm>
           <a:prstGeom prst="rect">
             <a:avLst/>
@@ -5613,175 +6269,36 @@
                   <a:srgbClr val="FFFF00"/>
                 </a:solidFill>
               </a:rPr>
-              <a:t>ValueSet</a:t>
-            </a:r>
-          </a:p>
-        </p:txBody>
-      </p:sp>
-      <p:cxnSp>
-        <p:nvCxnSpPr>
-          <p:cNvPr id="39" name="Connecteur : en angle 38">
-            <a:extLst>
-              <a:ext uri="{FF2B5EF4-FFF2-40B4-BE49-F238E27FC236}">
-                <a16:creationId xmlns:a16="http://schemas.microsoft.com/office/drawing/2014/main" id="{8C9A6475-6E13-4D17-99C8-139A747BD801}"/>
-              </a:ext>
-            </a:extLst>
-          </p:cNvPr>
-          <p:cNvCxnSpPr>
-            <a:cxnSpLocks/>
-            <a:stCxn id="54" idx="2"/>
-            <a:endCxn id="38" idx="1"/>
-          </p:cNvCxnSpPr>
-          <p:nvPr/>
-        </p:nvCxnSpPr>
-        <p:spPr>
-          <a:xfrm rot="16200000" flipH="1">
-            <a:off x="7057495" y="4970973"/>
-            <a:ext cx="210874" cy="2351686"/>
-          </a:xfrm>
-          <a:prstGeom prst="bentConnector2">
-            <a:avLst/>
-          </a:prstGeom>
-          <a:ln w="28575">
-            <a:headEnd type="none" w="med" len="med"/>
-            <a:tailEnd type="arrow" w="med" len="med"/>
-          </a:ln>
-        </p:spPr>
-        <p:style>
-          <a:lnRef idx="1">
-            <a:schemeClr val="accent1"/>
-          </a:lnRef>
-          <a:fillRef idx="0">
-            <a:schemeClr val="accent1"/>
-          </a:fillRef>
-          <a:effectRef idx="0">
-            <a:schemeClr val="accent1"/>
-          </a:effectRef>
-          <a:fontRef idx="minor">
-            <a:schemeClr val="tx1"/>
-          </a:fontRef>
-        </p:style>
-      </p:cxnSp>
-      <p:cxnSp>
-        <p:nvCxnSpPr>
-          <p:cNvPr id="40" name="Connecteur : en angle 39">
-            <a:extLst>
-              <a:ext uri="{FF2B5EF4-FFF2-40B4-BE49-F238E27FC236}">
-                <a16:creationId xmlns:a16="http://schemas.microsoft.com/office/drawing/2014/main" id="{444B2695-C708-469B-B42D-479F8382004C}"/>
-              </a:ext>
-            </a:extLst>
-          </p:cNvPr>
-          <p:cNvCxnSpPr>
-            <a:cxnSpLocks/>
-            <a:stCxn id="55" idx="2"/>
-            <a:endCxn id="38" idx="3"/>
-          </p:cNvCxnSpPr>
-          <p:nvPr/>
-        </p:nvCxnSpPr>
-        <p:spPr>
-          <a:xfrm rot="5400000">
-            <a:off x="9900128" y="5710423"/>
-            <a:ext cx="648190" cy="435471"/>
-          </a:xfrm>
-          <a:prstGeom prst="bentConnector2">
-            <a:avLst/>
-          </a:prstGeom>
-          <a:ln w="28575">
-            <a:headEnd type="none" w="med" len="med"/>
-            <a:tailEnd type="arrow" w="med" len="med"/>
-          </a:ln>
-        </p:spPr>
-        <p:style>
-          <a:lnRef idx="1">
-            <a:schemeClr val="accent1"/>
-          </a:lnRef>
-          <a:fillRef idx="0">
-            <a:schemeClr val="accent1"/>
-          </a:fillRef>
-          <a:effectRef idx="0">
-            <a:schemeClr val="accent1"/>
-          </a:effectRef>
-          <a:fontRef idx="minor">
-            <a:schemeClr val="tx1"/>
-          </a:fontRef>
-        </p:style>
-      </p:cxnSp>
-      <p:sp>
-        <p:nvSpPr>
-          <p:cNvPr id="44" name="ZoneTexte 43">
-            <a:extLst>
-              <a:ext uri="{FF2B5EF4-FFF2-40B4-BE49-F238E27FC236}">
-                <a16:creationId xmlns:a16="http://schemas.microsoft.com/office/drawing/2014/main" id="{ABDD23CA-E87E-4D3B-BBE6-6BFF35D20C07}"/>
-              </a:ext>
-            </a:extLst>
-          </p:cNvPr>
-          <p:cNvSpPr txBox="1"/>
-          <p:nvPr/>
-        </p:nvSpPr>
-        <p:spPr>
-          <a:xfrm>
-            <a:off x="7787304" y="6202144"/>
-            <a:ext cx="607145" cy="338554"/>
-          </a:xfrm>
-          <a:prstGeom prst="rect">
-            <a:avLst/>
-          </a:prstGeom>
-          <a:noFill/>
-        </p:spPr>
-        <p:txBody>
-          <a:bodyPr wrap="square" rtlCol="0">
-            <a:spAutoFit/>
-          </a:bodyPr>
-          <a:lstStyle/>
-          <a:p>
-            <a:r>
-              <a:rPr lang="en-US" sz="1600" noProof="1"/>
-              <a:t>0..4</a:t>
-            </a:r>
-          </a:p>
-        </p:txBody>
-      </p:sp>
-      <p:sp>
-        <p:nvSpPr>
-          <p:cNvPr id="45" name="ZoneTexte 44">
-            <a:extLst>
-              <a:ext uri="{FF2B5EF4-FFF2-40B4-BE49-F238E27FC236}">
-                <a16:creationId xmlns:a16="http://schemas.microsoft.com/office/drawing/2014/main" id="{BF367F50-5720-4E7F-B6DA-33B6D1C10BDD}"/>
-              </a:ext>
-            </a:extLst>
-          </p:cNvPr>
-          <p:cNvSpPr txBox="1"/>
-          <p:nvPr/>
-        </p:nvSpPr>
-        <p:spPr>
-          <a:xfrm>
-            <a:off x="10068787" y="6205871"/>
-            <a:ext cx="607145" cy="338554"/>
-          </a:xfrm>
-          <a:prstGeom prst="rect">
-            <a:avLst/>
-          </a:prstGeom>
-          <a:noFill/>
-        </p:spPr>
-        <p:txBody>
-          <a:bodyPr wrap="square" rtlCol="0">
-            <a:spAutoFit/>
-          </a:bodyPr>
-          <a:lstStyle/>
-          <a:p>
-            <a:r>
-              <a:rPr lang="en-US" sz="1600" noProof="1"/>
-              <a:t>0..4</a:t>
-            </a:r>
-          </a:p>
-        </p:txBody>
-      </p:sp>
-      <p:sp>
-        <p:nvSpPr>
-          <p:cNvPr id="41" name="Rectangle 40">
-            <a:extLst>
-              <a:ext uri="{FF2B5EF4-FFF2-40B4-BE49-F238E27FC236}">
-                <a16:creationId xmlns:a16="http://schemas.microsoft.com/office/drawing/2014/main" id="{98246E45-031A-4786-ACF4-D927C7E9CB6C}"/>
+              <a:t>LabSpecimenDefinition</a:t>
+            </a:r>
+          </a:p>
+          <a:p>
+            <a:pPr algn="ctr"/>
+            <a:r>
+              <a:rPr lang="en-US" sz="2000" noProof="1">
+                <a:solidFill>
+                  <a:schemeClr val="bg1"/>
+                </a:solidFill>
+              </a:rPr>
+              <a:t>Profile of </a:t>
+            </a:r>
+            <a:r>
+              <a:rPr lang="en-US" sz="2200" noProof="1">
+                <a:solidFill>
+                  <a:srgbClr val="FFFF00"/>
+                </a:solidFill>
+              </a:rPr>
+              <a:t>SpecimenDefinition</a:t>
+            </a:r>
+          </a:p>
+        </p:txBody>
+      </p:sp>
+      <p:sp>
+        <p:nvSpPr>
+          <p:cNvPr id="11" name="Rectangle 10">
+            <a:extLst>
+              <a:ext uri="{FF2B5EF4-FFF2-40B4-BE49-F238E27FC236}">
+                <a16:creationId xmlns:a16="http://schemas.microsoft.com/office/drawing/2014/main" id="{E2B1908B-CC45-41BD-BE20-7F25C0BD8D17}"/>
               </a:ext>
             </a:extLst>
           </p:cNvPr>
@@ -5790,8 +6307,8 @@
         </p:nvSpPr>
         <p:spPr>
           <a:xfrm>
-            <a:off x="189854" y="2089752"/>
-            <a:ext cx="2627866" cy="1140542"/>
+            <a:off x="4688380" y="1019944"/>
+            <a:ext cx="2593911" cy="1140542"/>
           </a:xfrm>
           <a:prstGeom prst="rect">
             <a:avLst/>
@@ -5859,7 +6376,7 @@
                   <a:srgbClr val="FFFF00"/>
                 </a:solidFill>
               </a:rPr>
-              <a:t>BillingCodeAndRule</a:t>
+              <a:t>LabServiceDefinition</a:t>
             </a:r>
           </a:p>
           <a:p>
@@ -5878,342 +6395,7 @@
                   <a:srgbClr val="FFFF00"/>
                 </a:solidFill>
               </a:rPr>
-              <a:t>ChargeItemDefinition</a:t>
-            </a:r>
-          </a:p>
-        </p:txBody>
-      </p:sp>
-      <p:cxnSp>
-        <p:nvCxnSpPr>
-          <p:cNvPr id="42" name="Connecteur : en angle 41">
-            <a:extLst>
-              <a:ext uri="{FF2B5EF4-FFF2-40B4-BE49-F238E27FC236}">
-                <a16:creationId xmlns:a16="http://schemas.microsoft.com/office/drawing/2014/main" id="{7CB04F81-F845-4409-8A16-0150F3ABCA14}"/>
-              </a:ext>
-            </a:extLst>
-          </p:cNvPr>
-          <p:cNvCxnSpPr>
-            <a:cxnSpLocks/>
-            <a:stCxn id="11" idx="1"/>
-            <a:endCxn id="41" idx="0"/>
-          </p:cNvCxnSpPr>
-          <p:nvPr/>
-        </p:nvCxnSpPr>
-        <p:spPr>
-          <a:xfrm rot="10800000" flipV="1">
-            <a:off x="1503788" y="1590214"/>
-            <a:ext cx="3184593" cy="499537"/>
-          </a:xfrm>
-          <a:prstGeom prst="bentConnector2">
-            <a:avLst/>
-          </a:prstGeom>
-          <a:ln w="28575">
-            <a:headEnd type="none" w="med" len="med"/>
-            <a:tailEnd type="arrow" w="med" len="med"/>
-          </a:ln>
-        </p:spPr>
-        <p:style>
-          <a:lnRef idx="1">
-            <a:schemeClr val="accent1"/>
-          </a:lnRef>
-          <a:fillRef idx="0">
-            <a:schemeClr val="accent1"/>
-          </a:fillRef>
-          <a:effectRef idx="0">
-            <a:schemeClr val="accent1"/>
-          </a:effectRef>
-          <a:fontRef idx="minor">
-            <a:schemeClr val="tx1"/>
-          </a:fontRef>
-        </p:style>
-      </p:cxnSp>
-      <p:sp>
-        <p:nvSpPr>
-          <p:cNvPr id="47" name="ZoneTexte 46">
-            <a:extLst>
-              <a:ext uri="{FF2B5EF4-FFF2-40B4-BE49-F238E27FC236}">
-                <a16:creationId xmlns:a16="http://schemas.microsoft.com/office/drawing/2014/main" id="{7EBC759F-3EC1-4AEE-B495-9524A5FA0F8C}"/>
-              </a:ext>
-            </a:extLst>
-          </p:cNvPr>
-          <p:cNvSpPr txBox="1"/>
-          <p:nvPr/>
-        </p:nvSpPr>
-        <p:spPr>
-          <a:xfrm>
-            <a:off x="1556018" y="1725868"/>
-            <a:ext cx="607145" cy="338554"/>
-          </a:xfrm>
-          <a:prstGeom prst="rect">
-            <a:avLst/>
-          </a:prstGeom>
-          <a:noFill/>
-        </p:spPr>
-        <p:txBody>
-          <a:bodyPr wrap="square" rtlCol="0">
-            <a:spAutoFit/>
-          </a:bodyPr>
-          <a:lstStyle/>
-          <a:p>
-            <a:r>
-              <a:rPr lang="en-US" sz="1600" noProof="1"/>
-              <a:t>0..*</a:t>
-            </a:r>
-          </a:p>
-        </p:txBody>
-      </p:sp>
-      <p:sp>
-        <p:nvSpPr>
-          <p:cNvPr id="48" name="ZoneTexte 47">
-            <a:extLst>
-              <a:ext uri="{FF2B5EF4-FFF2-40B4-BE49-F238E27FC236}">
-                <a16:creationId xmlns:a16="http://schemas.microsoft.com/office/drawing/2014/main" id="{6B1EB918-EDEA-46FE-BFD2-7B8AC4B29986}"/>
-              </a:ext>
-            </a:extLst>
-          </p:cNvPr>
-          <p:cNvSpPr txBox="1"/>
-          <p:nvPr/>
-        </p:nvSpPr>
-        <p:spPr>
-          <a:xfrm>
-            <a:off x="3330595" y="1545357"/>
-            <a:ext cx="1443487" cy="369332"/>
-          </a:xfrm>
-          <a:prstGeom prst="rect">
-            <a:avLst/>
-          </a:prstGeom>
-          <a:noFill/>
-        </p:spPr>
-        <p:txBody>
-          <a:bodyPr wrap="square" rtlCol="0">
-            <a:spAutoFit/>
-          </a:bodyPr>
-          <a:lstStyle/>
-          <a:p>
-            <a:r>
-              <a:rPr lang="en-US" noProof="1"/>
-              <a:t>serviceBilling</a:t>
-            </a:r>
-          </a:p>
-        </p:txBody>
-      </p:sp>
-      <p:sp>
-        <p:nvSpPr>
-          <p:cNvPr id="49" name="ZoneTexte 48">
-            <a:extLst>
-              <a:ext uri="{FF2B5EF4-FFF2-40B4-BE49-F238E27FC236}">
-                <a16:creationId xmlns:a16="http://schemas.microsoft.com/office/drawing/2014/main" id="{34BC439E-46D1-4D3A-A747-099A225EED85}"/>
-              </a:ext>
-            </a:extLst>
-          </p:cNvPr>
-          <p:cNvSpPr txBox="1"/>
-          <p:nvPr/>
-        </p:nvSpPr>
-        <p:spPr>
-          <a:xfrm>
-            <a:off x="-183392" y="1357828"/>
-            <a:ext cx="1627978" cy="646331"/>
-          </a:xfrm>
-          <a:prstGeom prst="rect">
-            <a:avLst/>
-          </a:prstGeom>
-          <a:noFill/>
-        </p:spPr>
-        <p:txBody>
-          <a:bodyPr wrap="square" rtlCol="0">
-            <a:spAutoFit/>
-          </a:bodyPr>
-          <a:lstStyle/>
-          <a:p>
-            <a:pPr algn="r"/>
-            <a:r>
-              <a:rPr lang="en-US" i="1" noProof="1">
-                <a:solidFill>
-                  <a:schemeClr val="accent1">
-                    <a:lumMod val="60000"/>
-                    <a:lumOff val="40000"/>
-                  </a:schemeClr>
-                </a:solidFill>
-              </a:rPr>
-              <a:t>a billing code and its rules</a:t>
-            </a:r>
-          </a:p>
-        </p:txBody>
-      </p:sp>
-      <p:sp>
-        <p:nvSpPr>
-          <p:cNvPr id="50" name="ZoneTexte 49">
-            <a:extLst>
-              <a:ext uri="{FF2B5EF4-FFF2-40B4-BE49-F238E27FC236}">
-                <a16:creationId xmlns:a16="http://schemas.microsoft.com/office/drawing/2014/main" id="{8B1414DC-932C-4FB2-A682-250462EEBE39}"/>
-              </a:ext>
-            </a:extLst>
-          </p:cNvPr>
-          <p:cNvSpPr txBox="1"/>
-          <p:nvPr/>
-        </p:nvSpPr>
-        <p:spPr>
-          <a:xfrm>
-            <a:off x="7248233" y="6490589"/>
-            <a:ext cx="3938309" cy="369332"/>
-          </a:xfrm>
-          <a:prstGeom prst="rect">
-            <a:avLst/>
-          </a:prstGeom>
-          <a:noFill/>
-        </p:spPr>
-        <p:txBody>
-          <a:bodyPr wrap="square" rtlCol="0">
-            <a:spAutoFit/>
-          </a:bodyPr>
-          <a:lstStyle>
-            <a:defPPr>
-              <a:defRPr lang="fr-FR"/>
-            </a:defPPr>
-            <a:lvl1pPr>
-              <a:defRPr>
-                <a:solidFill>
-                  <a:schemeClr val="accent1">
-                    <a:lumMod val="60000"/>
-                    <a:lumOff val="40000"/>
-                  </a:schemeClr>
-                </a:solidFill>
-              </a:defRPr>
-            </a:lvl1pPr>
-          </a:lstStyle>
-          <a:p>
-            <a:pPr algn="ctr"/>
-            <a:r>
-              <a:rPr lang="en-US" i="1" noProof="1"/>
-              <a:t>valid|normal|abnormal|critical values</a:t>
-            </a:r>
-          </a:p>
-        </p:txBody>
-      </p:sp>
-      <p:cxnSp>
-        <p:nvCxnSpPr>
-          <p:cNvPr id="59" name="Connecteur : en angle 58">
-            <a:extLst>
-              <a:ext uri="{FF2B5EF4-FFF2-40B4-BE49-F238E27FC236}">
-                <a16:creationId xmlns:a16="http://schemas.microsoft.com/office/drawing/2014/main" id="{CEC98B57-A84A-4965-8F1C-9AD5C1F66F68}"/>
-              </a:ext>
-            </a:extLst>
-          </p:cNvPr>
-          <p:cNvCxnSpPr>
-            <a:cxnSpLocks/>
-            <a:endCxn id="8" idx="3"/>
-          </p:cNvCxnSpPr>
-          <p:nvPr/>
-        </p:nvCxnSpPr>
-        <p:spPr>
-          <a:xfrm flipH="1" flipV="1">
-            <a:off x="7255499" y="1508366"/>
-            <a:ext cx="20166" cy="234943"/>
-          </a:xfrm>
-          <a:prstGeom prst="bentConnector3">
-            <a:avLst>
-              <a:gd name="adj1" fmla="val -1133591"/>
-            </a:avLst>
-          </a:prstGeom>
-          <a:ln w="28575">
-            <a:headEnd type="arrow" w="med" len="med"/>
-            <a:tailEnd type="none" w="med" len="med"/>
-          </a:ln>
-        </p:spPr>
-        <p:style>
-          <a:lnRef idx="1">
-            <a:schemeClr val="accent1"/>
-          </a:lnRef>
-          <a:fillRef idx="0">
-            <a:schemeClr val="accent1"/>
-          </a:fillRef>
-          <a:effectRef idx="0">
-            <a:schemeClr val="accent1"/>
-          </a:effectRef>
-          <a:fontRef idx="minor">
-            <a:schemeClr val="tx1"/>
-          </a:fontRef>
-        </p:style>
-      </p:cxnSp>
-      <p:sp>
-        <p:nvSpPr>
-          <p:cNvPr id="61" name="ZoneTexte 60">
-            <a:extLst>
-              <a:ext uri="{FF2B5EF4-FFF2-40B4-BE49-F238E27FC236}">
-                <a16:creationId xmlns:a16="http://schemas.microsoft.com/office/drawing/2014/main" id="{F15FD08A-EE01-41B9-A74C-D190D9D0CE08}"/>
-              </a:ext>
-            </a:extLst>
-          </p:cNvPr>
-          <p:cNvSpPr txBox="1"/>
-          <p:nvPr/>
-        </p:nvSpPr>
-        <p:spPr>
-          <a:xfrm>
-            <a:off x="7287980" y="1714517"/>
-            <a:ext cx="607145" cy="338554"/>
-          </a:xfrm>
-          <a:prstGeom prst="rect">
-            <a:avLst/>
-          </a:prstGeom>
-          <a:noFill/>
-        </p:spPr>
-        <p:txBody>
-          <a:bodyPr wrap="square" rtlCol="0">
-            <a:spAutoFit/>
-          </a:bodyPr>
-          <a:lstStyle/>
-          <a:p>
-            <a:r>
-              <a:rPr lang="en-US" sz="1600" noProof="1"/>
-              <a:t>0..*</a:t>
-            </a:r>
-          </a:p>
-        </p:txBody>
-      </p:sp>
-      <p:sp>
-        <p:nvSpPr>
-          <p:cNvPr id="6" name="Rectangle 5">
-            <a:extLst>
-              <a:ext uri="{FF2B5EF4-FFF2-40B4-BE49-F238E27FC236}">
-                <a16:creationId xmlns:a16="http://schemas.microsoft.com/office/drawing/2014/main" id="{1C6DDBC5-A792-48D7-9DEB-B008187D51FB}"/>
-              </a:ext>
-            </a:extLst>
-          </p:cNvPr>
-          <p:cNvSpPr/>
-          <p:nvPr/>
-        </p:nvSpPr>
-        <p:spPr>
-          <a:xfrm>
-            <a:off x="7571885" y="1454490"/>
-            <a:ext cx="2496902" cy="369332"/>
-          </a:xfrm>
-          <a:prstGeom prst="rect">
-            <a:avLst/>
-          </a:prstGeom>
-        </p:spPr>
-        <p:txBody>
-          <a:bodyPr wrap="none">
-            <a:spAutoFit/>
-          </a:bodyPr>
-          <a:lstStyle/>
-          <a:p>
-            <a:r>
-              <a:rPr lang="en-US" noProof="1"/>
-              <a:t>relatedArtifact (</a:t>
-            </a:r>
-            <a:r>
-              <a:rPr lang="en-US" i="1" noProof="1">
-                <a:solidFill>
-                  <a:schemeClr val="accent6">
-                    <a:lumMod val="75000"/>
-                  </a:schemeClr>
-                </a:solidFill>
-              </a:rPr>
-              <a:t>includes</a:t>
-            </a:r>
-            <a:r>
-              <a:rPr lang="en-US" noProof="1"/>
-              <a:t>)</a:t>
+              <a:t>PlanDefinition</a:t>
             </a:r>
           </a:p>
         </p:txBody>

--- a/input/images-source/LabCompendium.pptx
+++ b/input/images-source/LabCompendium.pptx
@@ -197,7 +197,7 @@
           <a:p>
             <a:fld id="{C0FC2EA5-DDD9-41B5-A743-573E81829967}" type="datetimeFigureOut">
               <a:rPr lang="fr-FR" smtClean="0"/>
-              <a:t>12/06/2020</a:t>
+              <a:t>26/06/2020</a:t>
             </a:fld>
             <a:endParaRPr lang="fr-FR"/>
           </a:p>
@@ -695,7 +695,7 @@
           <a:p>
             <a:fld id="{DEBA1CB3-45B4-4365-8A01-D60AF6EBF46C}" type="datetimeFigureOut">
               <a:rPr lang="fr-FR" smtClean="0"/>
-              <a:t>12/06/2020</a:t>
+              <a:t>26/06/2020</a:t>
             </a:fld>
             <a:endParaRPr lang="fr-FR"/>
           </a:p>
@@ -893,7 +893,7 @@
           <a:p>
             <a:fld id="{DEBA1CB3-45B4-4365-8A01-D60AF6EBF46C}" type="datetimeFigureOut">
               <a:rPr lang="fr-FR" smtClean="0"/>
-              <a:t>12/06/2020</a:t>
+              <a:t>26/06/2020</a:t>
             </a:fld>
             <a:endParaRPr lang="fr-FR"/>
           </a:p>
@@ -1101,7 +1101,7 @@
           <a:p>
             <a:fld id="{DEBA1CB3-45B4-4365-8A01-D60AF6EBF46C}" type="datetimeFigureOut">
               <a:rPr lang="fr-FR" smtClean="0"/>
-              <a:t>12/06/2020</a:t>
+              <a:t>26/06/2020</a:t>
             </a:fld>
             <a:endParaRPr lang="fr-FR"/>
           </a:p>
@@ -1299,7 +1299,7 @@
           <a:p>
             <a:fld id="{DEBA1CB3-45B4-4365-8A01-D60AF6EBF46C}" type="datetimeFigureOut">
               <a:rPr lang="fr-FR" smtClean="0"/>
-              <a:t>12/06/2020</a:t>
+              <a:t>26/06/2020</a:t>
             </a:fld>
             <a:endParaRPr lang="fr-FR"/>
           </a:p>
@@ -1574,7 +1574,7 @@
           <a:p>
             <a:fld id="{DEBA1CB3-45B4-4365-8A01-D60AF6EBF46C}" type="datetimeFigureOut">
               <a:rPr lang="fr-FR" smtClean="0"/>
-              <a:t>12/06/2020</a:t>
+              <a:t>26/06/2020</a:t>
             </a:fld>
             <a:endParaRPr lang="fr-FR"/>
           </a:p>
@@ -1839,7 +1839,7 @@
           <a:p>
             <a:fld id="{DEBA1CB3-45B4-4365-8A01-D60AF6EBF46C}" type="datetimeFigureOut">
               <a:rPr lang="fr-FR" smtClean="0"/>
-              <a:t>12/06/2020</a:t>
+              <a:t>26/06/2020</a:t>
             </a:fld>
             <a:endParaRPr lang="fr-FR"/>
           </a:p>
@@ -2251,7 +2251,7 @@
           <a:p>
             <a:fld id="{DEBA1CB3-45B4-4365-8A01-D60AF6EBF46C}" type="datetimeFigureOut">
               <a:rPr lang="fr-FR" smtClean="0"/>
-              <a:t>12/06/2020</a:t>
+              <a:t>26/06/2020</a:t>
             </a:fld>
             <a:endParaRPr lang="fr-FR"/>
           </a:p>
@@ -2392,7 +2392,7 @@
           <a:p>
             <a:fld id="{DEBA1CB3-45B4-4365-8A01-D60AF6EBF46C}" type="datetimeFigureOut">
               <a:rPr lang="fr-FR" smtClean="0"/>
-              <a:t>12/06/2020</a:t>
+              <a:t>26/06/2020</a:t>
             </a:fld>
             <a:endParaRPr lang="fr-FR"/>
           </a:p>
@@ -2505,7 +2505,7 @@
           <a:p>
             <a:fld id="{DEBA1CB3-45B4-4365-8A01-D60AF6EBF46C}" type="datetimeFigureOut">
               <a:rPr lang="fr-FR" smtClean="0"/>
-              <a:t>12/06/2020</a:t>
+              <a:t>26/06/2020</a:t>
             </a:fld>
             <a:endParaRPr lang="fr-FR"/>
           </a:p>
@@ -2816,7 +2816,7 @@
           <a:p>
             <a:fld id="{DEBA1CB3-45B4-4365-8A01-D60AF6EBF46C}" type="datetimeFigureOut">
               <a:rPr lang="fr-FR" smtClean="0"/>
-              <a:t>12/06/2020</a:t>
+              <a:t>26/06/2020</a:t>
             </a:fld>
             <a:endParaRPr lang="fr-FR"/>
           </a:p>
@@ -3104,7 +3104,7 @@
           <a:p>
             <a:fld id="{DEBA1CB3-45B4-4365-8A01-D60AF6EBF46C}" type="datetimeFigureOut">
               <a:rPr lang="fr-FR" smtClean="0"/>
-              <a:t>12/06/2020</a:t>
+              <a:t>26/06/2020</a:t>
             </a:fld>
             <a:endParaRPr lang="fr-FR"/>
           </a:p>
@@ -3345,7 +3345,7 @@
           <a:p>
             <a:fld id="{DEBA1CB3-45B4-4365-8A01-D60AF6EBF46C}" type="datetimeFigureOut">
               <a:rPr lang="fr-FR" smtClean="0"/>
-              <a:t>12/06/2020</a:t>
+              <a:t>26/06/2020</a:t>
             </a:fld>
             <a:endParaRPr lang="fr-FR"/>
           </a:p>
@@ -5509,18 +5509,18 @@
           <a:p>
             <a:pPr algn="ctr"/>
             <a:r>
-              <a:rPr lang="en-US" sz="2200" noProof="1">
+              <a:rPr lang="en-US" noProof="1">
                 <a:solidFill>
                   <a:srgbClr val="FFFF00"/>
                 </a:solidFill>
               </a:rPr>
-              <a:t>BillingCodeAndRule</a:t>
+              <a:t>LabChargeItemDefinition</a:t>
             </a:r>
           </a:p>
           <a:p>
             <a:pPr algn="ctr"/>
             <a:r>
-              <a:rPr lang="en-US" sz="2000" noProof="1">
+              <a:rPr lang="en-US" noProof="1">
                 <a:solidFill>
                   <a:schemeClr val="bg1"/>
                 </a:solidFill>

--- a/input/images-source/LabCompendium.pptx
+++ b/input/images-source/LabCompendium.pptx
@@ -197,7 +197,7 @@
           <a:p>
             <a:fld id="{C0FC2EA5-DDD9-41B5-A743-573E81829967}" type="datetimeFigureOut">
               <a:rPr lang="fr-FR" smtClean="0"/>
-              <a:t>26/06/2020</a:t>
+              <a:t>27/06/2020</a:t>
             </a:fld>
             <a:endParaRPr lang="fr-FR"/>
           </a:p>
@@ -695,7 +695,7 @@
           <a:p>
             <a:fld id="{DEBA1CB3-45B4-4365-8A01-D60AF6EBF46C}" type="datetimeFigureOut">
               <a:rPr lang="fr-FR" smtClean="0"/>
-              <a:t>26/06/2020</a:t>
+              <a:t>27/06/2020</a:t>
             </a:fld>
             <a:endParaRPr lang="fr-FR"/>
           </a:p>
@@ -893,7 +893,7 @@
           <a:p>
             <a:fld id="{DEBA1CB3-45B4-4365-8A01-D60AF6EBF46C}" type="datetimeFigureOut">
               <a:rPr lang="fr-FR" smtClean="0"/>
-              <a:t>26/06/2020</a:t>
+              <a:t>27/06/2020</a:t>
             </a:fld>
             <a:endParaRPr lang="fr-FR"/>
           </a:p>
@@ -1101,7 +1101,7 @@
           <a:p>
             <a:fld id="{DEBA1CB3-45B4-4365-8A01-D60AF6EBF46C}" type="datetimeFigureOut">
               <a:rPr lang="fr-FR" smtClean="0"/>
-              <a:t>26/06/2020</a:t>
+              <a:t>27/06/2020</a:t>
             </a:fld>
             <a:endParaRPr lang="fr-FR"/>
           </a:p>
@@ -1299,7 +1299,7 @@
           <a:p>
             <a:fld id="{DEBA1CB3-45B4-4365-8A01-D60AF6EBF46C}" type="datetimeFigureOut">
               <a:rPr lang="fr-FR" smtClean="0"/>
-              <a:t>26/06/2020</a:t>
+              <a:t>27/06/2020</a:t>
             </a:fld>
             <a:endParaRPr lang="fr-FR"/>
           </a:p>
@@ -1574,7 +1574,7 @@
           <a:p>
             <a:fld id="{DEBA1CB3-45B4-4365-8A01-D60AF6EBF46C}" type="datetimeFigureOut">
               <a:rPr lang="fr-FR" smtClean="0"/>
-              <a:t>26/06/2020</a:t>
+              <a:t>27/06/2020</a:t>
             </a:fld>
             <a:endParaRPr lang="fr-FR"/>
           </a:p>
@@ -1839,7 +1839,7 @@
           <a:p>
             <a:fld id="{DEBA1CB3-45B4-4365-8A01-D60AF6EBF46C}" type="datetimeFigureOut">
               <a:rPr lang="fr-FR" smtClean="0"/>
-              <a:t>26/06/2020</a:t>
+              <a:t>27/06/2020</a:t>
             </a:fld>
             <a:endParaRPr lang="fr-FR"/>
           </a:p>
@@ -2251,7 +2251,7 @@
           <a:p>
             <a:fld id="{DEBA1CB3-45B4-4365-8A01-D60AF6EBF46C}" type="datetimeFigureOut">
               <a:rPr lang="fr-FR" smtClean="0"/>
-              <a:t>26/06/2020</a:t>
+              <a:t>27/06/2020</a:t>
             </a:fld>
             <a:endParaRPr lang="fr-FR"/>
           </a:p>
@@ -2392,7 +2392,7 @@
           <a:p>
             <a:fld id="{DEBA1CB3-45B4-4365-8A01-D60AF6EBF46C}" type="datetimeFigureOut">
               <a:rPr lang="fr-FR" smtClean="0"/>
-              <a:t>26/06/2020</a:t>
+              <a:t>27/06/2020</a:t>
             </a:fld>
             <a:endParaRPr lang="fr-FR"/>
           </a:p>
@@ -2505,7 +2505,7 @@
           <a:p>
             <a:fld id="{DEBA1CB3-45B4-4365-8A01-D60AF6EBF46C}" type="datetimeFigureOut">
               <a:rPr lang="fr-FR" smtClean="0"/>
-              <a:t>26/06/2020</a:t>
+              <a:t>27/06/2020</a:t>
             </a:fld>
             <a:endParaRPr lang="fr-FR"/>
           </a:p>
@@ -2816,7 +2816,7 @@
           <a:p>
             <a:fld id="{DEBA1CB3-45B4-4365-8A01-D60AF6EBF46C}" type="datetimeFigureOut">
               <a:rPr lang="fr-FR" smtClean="0"/>
-              <a:t>26/06/2020</a:t>
+              <a:t>27/06/2020</a:t>
             </a:fld>
             <a:endParaRPr lang="fr-FR"/>
           </a:p>
@@ -3104,7 +3104,7 @@
           <a:p>
             <a:fld id="{DEBA1CB3-45B4-4365-8A01-D60AF6EBF46C}" type="datetimeFigureOut">
               <a:rPr lang="fr-FR" smtClean="0"/>
-              <a:t>26/06/2020</a:t>
+              <a:t>27/06/2020</a:t>
             </a:fld>
             <a:endParaRPr lang="fr-FR"/>
           </a:p>
@@ -3345,7 +3345,7 @@
           <a:p>
             <a:fld id="{DEBA1CB3-45B4-4365-8A01-D60AF6EBF46C}" type="datetimeFigureOut">
               <a:rPr lang="fr-FR" smtClean="0"/>
-              <a:t>26/06/2020</a:t>
+              <a:t>27/06/2020</a:t>
             </a:fld>
             <a:endParaRPr lang="fr-FR"/>
           </a:p>
@@ -3776,7 +3776,7 @@
         </p:nvSpPr>
         <p:spPr>
           <a:xfrm>
-            <a:off x="7112001" y="1035307"/>
+            <a:off x="8165541" y="1459371"/>
             <a:ext cx="143498" cy="164249"/>
           </a:xfrm>
           <a:prstGeom prst="rect">
@@ -3822,7 +3822,7 @@
         </p:nvSpPr>
         <p:spPr>
           <a:xfrm>
-            <a:off x="6934666" y="1318072"/>
+            <a:off x="7988206" y="1655998"/>
             <a:ext cx="340999" cy="288748"/>
           </a:xfrm>
           <a:prstGeom prst="rect">
@@ -3868,7 +3868,7 @@
         </p:nvSpPr>
         <p:spPr>
           <a:xfrm>
-            <a:off x="3852577" y="342770"/>
+            <a:off x="3780195" y="601868"/>
             <a:ext cx="607145" cy="338554"/>
           </a:xfrm>
           <a:prstGeom prst="rect">
@@ -3907,8 +3907,8 @@
         </p:nvCxnSpPr>
         <p:spPr>
           <a:xfrm rot="16200000" flipV="1">
-            <a:off x="4760456" y="-204937"/>
-            <a:ext cx="299085" cy="2150677"/>
+            <a:off x="5084007" y="-706606"/>
+            <a:ext cx="846507" cy="3474044"/>
           </a:xfrm>
           <a:prstGeom prst="bentConnector2">
             <a:avLst/>
@@ -3947,8 +3947,8 @@
         </p:nvSpPr>
         <p:spPr>
           <a:xfrm>
-            <a:off x="1673674" y="152288"/>
-            <a:ext cx="2160985" cy="1137142"/>
+            <a:off x="1894230" y="154094"/>
+            <a:ext cx="1876008" cy="906135"/>
           </a:xfrm>
           <a:prstGeom prst="rect">
             <a:avLst/>
@@ -4011,7 +4011,7 @@
           <a:p>
             <a:pPr algn="ctr"/>
             <a:r>
-              <a:rPr lang="en-US" sz="2200" noProof="1">
+              <a:rPr lang="en-US" noProof="1">
                 <a:solidFill>
                   <a:srgbClr val="FFFF00"/>
                 </a:solidFill>
@@ -4019,7 +4019,7 @@
               <a:t>CatalogHeader </a:t>
             </a:r>
             <a:r>
-              <a:rPr lang="en-US" sz="2000" noProof="1"/>
+              <a:rPr lang="en-US" noProof="1"/>
               <a:t>profile of </a:t>
             </a:r>
             <a:r>
@@ -4047,8 +4047,8 @@
         </p:nvSpPr>
         <p:spPr>
           <a:xfrm>
-            <a:off x="4283482" y="379103"/>
-            <a:ext cx="1876007" cy="369332"/>
+            <a:off x="5646246" y="285916"/>
+            <a:ext cx="1740711" cy="338554"/>
           </a:xfrm>
           <a:prstGeom prst="rect">
             <a:avLst/>
@@ -4062,7 +4062,7 @@
           <a:lstStyle/>
           <a:p>
             <a:r>
-              <a:rPr lang="en-US" noProof="1"/>
+              <a:rPr lang="en-US" sz="1600" noProof="1"/>
               <a:t>catalogReference</a:t>
             </a:r>
           </a:p>
@@ -4086,8 +4086,8 @@
         </p:nvCxnSpPr>
         <p:spPr>
           <a:xfrm rot="5400000">
-            <a:off x="5600182" y="2545640"/>
-            <a:ext cx="770309" cy="1"/>
+            <a:off x="6746456" y="2900439"/>
+            <a:ext cx="995653" cy="1"/>
           </a:xfrm>
           <a:prstGeom prst="bentConnector3">
             <a:avLst>
@@ -4128,8 +4128,8 @@
         </p:nvSpPr>
         <p:spPr>
           <a:xfrm>
-            <a:off x="4527907" y="2930795"/>
-            <a:ext cx="2914855" cy="1140542"/>
+            <a:off x="5992395" y="3398266"/>
+            <a:ext cx="2503772" cy="907956"/>
           </a:xfrm>
           <a:prstGeom prst="rect">
             <a:avLst/>
@@ -4192,7 +4192,7 @@
           <a:p>
             <a:pPr algn="ctr"/>
             <a:r>
-              <a:rPr lang="en-US" sz="2200" noProof="1">
+              <a:rPr lang="en-US" noProof="1">
                 <a:solidFill>
                   <a:srgbClr val="FFFF00"/>
                 </a:solidFill>
@@ -4203,7 +4203,7 @@
           <a:p>
             <a:pPr algn="ctr"/>
             <a:r>
-              <a:rPr lang="en-US" sz="2000" noProof="1">
+              <a:rPr lang="en-US" noProof="1">
                 <a:solidFill>
                   <a:schemeClr val="bg1"/>
                 </a:solidFill>
@@ -4235,8 +4235,8 @@
         </p:nvSpPr>
         <p:spPr>
           <a:xfrm>
-            <a:off x="5516244" y="2515527"/>
-            <a:ext cx="607145" cy="369332"/>
+            <a:off x="6723784" y="3006700"/>
+            <a:ext cx="607145" cy="338554"/>
           </a:xfrm>
           <a:prstGeom prst="rect">
             <a:avLst/>
@@ -4250,7 +4250,7 @@
           <a:lstStyle/>
           <a:p>
             <a:r>
-              <a:rPr lang="en-US" noProof="1"/>
+              <a:rPr lang="en-US" sz="1600" noProof="1"/>
               <a:t>1..*</a:t>
             </a:r>
           </a:p>
@@ -4270,8 +4270,8 @@
         </p:nvSpPr>
         <p:spPr>
           <a:xfrm>
-            <a:off x="5944430" y="2232575"/>
-            <a:ext cx="4293851" cy="369332"/>
+            <a:off x="7224080" y="2550583"/>
+            <a:ext cx="4293851" cy="338554"/>
           </a:xfrm>
           <a:prstGeom prst="rect">
             <a:avLst/>
@@ -4285,7 +4285,7 @@
           <a:lstStyle/>
           <a:p>
             <a:r>
-              <a:rPr lang="en-US" noProof="1"/>
+              <a:rPr lang="en-US" sz="1600" noProof="1"/>
               <a:t>action[.action[.action]].definitionCanonical</a:t>
             </a:r>
           </a:p>
@@ -4305,8 +4305,8 @@
         </p:nvSpPr>
         <p:spPr>
           <a:xfrm>
-            <a:off x="4373268" y="4950922"/>
-            <a:ext cx="3227642" cy="1090457"/>
+            <a:off x="4015972" y="4613945"/>
+            <a:ext cx="2750664" cy="929390"/>
           </a:xfrm>
           <a:prstGeom prst="rect">
             <a:avLst/>
@@ -4369,7 +4369,7 @@
           <a:p>
             <a:pPr algn="ctr"/>
             <a:r>
-              <a:rPr lang="en-US" sz="2200" noProof="1">
+              <a:rPr lang="en-US" noProof="1">
                 <a:solidFill>
                   <a:srgbClr val="FFFF00"/>
                 </a:solidFill>
@@ -4380,7 +4380,7 @@
           <a:p>
             <a:pPr algn="ctr"/>
             <a:r>
-              <a:rPr lang="en-US" sz="2000" noProof="1">
+              <a:rPr lang="en-US" noProof="1">
                 <a:solidFill>
                   <a:schemeClr val="bg1"/>
                 </a:solidFill>
@@ -4412,8 +4412,8 @@
         </p:nvSpPr>
         <p:spPr>
           <a:xfrm>
-            <a:off x="8886368" y="4513606"/>
-            <a:ext cx="3111179" cy="1090457"/>
+            <a:off x="7638378" y="4619903"/>
+            <a:ext cx="2744710" cy="917620"/>
           </a:xfrm>
           <a:prstGeom prst="rect">
             <a:avLst/>
@@ -4476,7 +4476,7 @@
           <a:p>
             <a:pPr algn="ctr"/>
             <a:r>
-              <a:rPr lang="en-US" sz="2200" noProof="1">
+              <a:rPr lang="en-US" noProof="1">
                 <a:solidFill>
                   <a:srgbClr val="FFFF00"/>
                 </a:solidFill>
@@ -4487,7 +4487,7 @@
           <a:p>
             <a:pPr algn="ctr"/>
             <a:r>
-              <a:rPr lang="en-US" sz="2000" noProof="1">
+              <a:rPr lang="en-US" noProof="1">
                 <a:solidFill>
                   <a:schemeClr val="bg1"/>
                 </a:solidFill>
@@ -4517,58 +4517,14 @@
           <p:cNvCxnSpPr>
             <a:cxnSpLocks/>
             <a:stCxn id="13" idx="1"/>
-            <a:endCxn id="67" idx="0"/>
+            <a:endCxn id="56" idx="3"/>
           </p:cNvCxnSpPr>
           <p:nvPr/>
         </p:nvCxnSpPr>
         <p:spPr>
           <a:xfrm rot="10800000" flipV="1">
-            <a:off x="3290158" y="2036277"/>
-            <a:ext cx="1411474" cy="2909651"/>
-          </a:xfrm>
-          <a:prstGeom prst="bentConnector2">
-            <a:avLst/>
-          </a:prstGeom>
-          <a:ln w="28575">
-            <a:headEnd type="none" w="med" len="med"/>
-            <a:tailEnd type="arrow" w="med" len="med"/>
-          </a:ln>
-        </p:spPr>
-        <p:style>
-          <a:lnRef idx="1">
-            <a:schemeClr val="accent1"/>
-          </a:lnRef>
-          <a:fillRef idx="0">
-            <a:schemeClr val="accent1"/>
-          </a:fillRef>
-          <a:effectRef idx="0">
-            <a:schemeClr val="accent1"/>
-          </a:effectRef>
-          <a:fontRef idx="minor">
-            <a:schemeClr val="tx1"/>
-          </a:fontRef>
-        </p:style>
-      </p:cxnSp>
-      <p:cxnSp>
-        <p:nvCxnSpPr>
-          <p:cNvPr id="60" name="Connecteur : en angle 59">
-            <a:extLst>
-              <a:ext uri="{FF2B5EF4-FFF2-40B4-BE49-F238E27FC236}">
-                <a16:creationId xmlns:a16="http://schemas.microsoft.com/office/drawing/2014/main" id="{DA2AF1A3-48F7-47E0-B4B7-79E68B4E6B5C}"/>
-              </a:ext>
-            </a:extLst>
-          </p:cNvPr>
-          <p:cNvCxnSpPr>
-            <a:cxnSpLocks/>
-            <a:stCxn id="46" idx="2"/>
-            <a:endCxn id="54" idx="0"/>
-          </p:cNvCxnSpPr>
-          <p:nvPr/>
-        </p:nvCxnSpPr>
-        <p:spPr>
-          <a:xfrm rot="16200000" flipH="1">
-            <a:off x="5546420" y="4510252"/>
-            <a:ext cx="879585" cy="1754"/>
+            <a:off x="3761494" y="2274814"/>
+            <a:ext cx="2411116" cy="839432"/>
           </a:xfrm>
           <a:prstGeom prst="bentConnector3">
             <a:avLst>
@@ -4613,8 +4569,8 @@
         </p:nvCxnSpPr>
         <p:spPr>
           <a:xfrm>
-            <a:off x="7442762" y="3501066"/>
-            <a:ext cx="2999196" cy="1012540"/>
+            <a:off x="8496167" y="3852244"/>
+            <a:ext cx="514566" cy="767659"/>
           </a:xfrm>
           <a:prstGeom prst="bentConnector2">
             <a:avLst/>
@@ -4653,8 +4609,8 @@
         </p:nvSpPr>
         <p:spPr>
           <a:xfrm>
-            <a:off x="3238672" y="1998412"/>
-            <a:ext cx="1429261" cy="923330"/>
+            <a:off x="4288328" y="1933631"/>
+            <a:ext cx="1987886" cy="338554"/>
           </a:xfrm>
           <a:prstGeom prst="rect">
             <a:avLst/>
@@ -4668,8 +4624,8 @@
           <a:lstStyle/>
           <a:p>
             <a:r>
-              <a:rPr lang="en-US" noProof="1"/>
-              <a:t>Requirement for input specimen</a:t>
+              <a:rPr lang="en-US" sz="1600" noProof="1"/>
+              <a:t>specimenRequested</a:t>
             </a:r>
           </a:p>
         </p:txBody>
@@ -4688,7 +4644,7 @@
         </p:nvSpPr>
         <p:spPr>
           <a:xfrm>
-            <a:off x="2847435" y="4511129"/>
+            <a:off x="3806451" y="3078451"/>
             <a:ext cx="607145" cy="338554"/>
           </a:xfrm>
           <a:prstGeom prst="rect">
@@ -4723,8 +4679,8 @@
         </p:nvSpPr>
         <p:spPr>
           <a:xfrm>
-            <a:off x="5976002" y="4087610"/>
-            <a:ext cx="2577103" cy="369332"/>
+            <a:off x="3780195" y="3550372"/>
+            <a:ext cx="2339634" cy="338554"/>
           </a:xfrm>
           <a:prstGeom prst="rect">
             <a:avLst/>
@@ -4738,7 +4694,7 @@
           <a:lstStyle/>
           <a:p>
             <a:r>
-              <a:rPr lang="en-US" noProof="1"/>
+              <a:rPr lang="en-US" sz="1600" noProof="1"/>
               <a:t>observationRequirement</a:t>
             </a:r>
           </a:p>
@@ -4758,7 +4714,7 @@
         </p:nvSpPr>
         <p:spPr>
           <a:xfrm>
-            <a:off x="6000916" y="4552741"/>
+            <a:off x="4950795" y="4229779"/>
             <a:ext cx="607145" cy="338554"/>
           </a:xfrm>
           <a:prstGeom prst="rect">
@@ -4793,7 +4749,7 @@
         </p:nvSpPr>
         <p:spPr>
           <a:xfrm>
-            <a:off x="9972372" y="4116435"/>
+            <a:off x="8543564" y="4231240"/>
             <a:ext cx="607145" cy="338554"/>
           </a:xfrm>
           <a:prstGeom prst="rect">
@@ -4828,8 +4784,8 @@
         </p:nvSpPr>
         <p:spPr>
           <a:xfrm>
-            <a:off x="7470755" y="3124652"/>
-            <a:ext cx="3111179" cy="369332"/>
+            <a:off x="8496167" y="3503065"/>
+            <a:ext cx="3111179" cy="338554"/>
           </a:xfrm>
           <a:prstGeom prst="rect">
             <a:avLst/>
@@ -4843,7 +4799,7 @@
           <a:lstStyle/>
           <a:p>
             <a:r>
-              <a:rPr lang="en-US" noProof="1"/>
+              <a:rPr lang="en-US" sz="1600" noProof="1"/>
               <a:t>observationResultRequirement</a:t>
             </a:r>
           </a:p>
@@ -4863,7 +4819,7 @@
         </p:nvSpPr>
         <p:spPr>
           <a:xfrm>
-            <a:off x="18301" y="19604"/>
+            <a:off x="316157" y="231960"/>
             <a:ext cx="1540369" cy="646331"/>
           </a:xfrm>
           <a:prstGeom prst="rect">
@@ -4906,8 +4862,8 @@
         </p:nvSpPr>
         <p:spPr>
           <a:xfrm>
-            <a:off x="6159489" y="215127"/>
-            <a:ext cx="3160644" cy="646331"/>
+            <a:off x="7621432" y="397982"/>
+            <a:ext cx="2614709" cy="923330"/>
           </a:xfrm>
           <a:prstGeom prst="rect">
             <a:avLst/>
@@ -4955,8 +4911,8 @@
         </p:nvSpPr>
         <p:spPr>
           <a:xfrm>
-            <a:off x="6017300" y="2523149"/>
-            <a:ext cx="6190996" cy="369332"/>
+            <a:off x="7275472" y="3006700"/>
+            <a:ext cx="4928219" cy="369332"/>
           </a:xfrm>
           <a:prstGeom prst="rect">
             <a:avLst/>
@@ -5004,8 +4960,8 @@
         </p:nvSpPr>
         <p:spPr>
           <a:xfrm>
-            <a:off x="637856" y="4187963"/>
-            <a:ext cx="2109840" cy="646331"/>
+            <a:off x="-80" y="2630056"/>
+            <a:ext cx="1255065" cy="923330"/>
           </a:xfrm>
           <a:prstGeom prst="rect">
             <a:avLst/>
@@ -5035,7 +4991,7 @@
             <a:pPr algn="r"/>
             <a:r>
               <a:rPr lang="en-US" i="1" noProof="1"/>
-              <a:t>a specimen required by the procedure</a:t>
+              <a:t>a specimen required by the service</a:t>
             </a:r>
           </a:p>
         </p:txBody>
@@ -5054,8 +5010,8 @@
         </p:nvSpPr>
         <p:spPr>
           <a:xfrm>
-            <a:off x="3702787" y="4259092"/>
-            <a:ext cx="2268722" cy="646331"/>
+            <a:off x="2438401" y="4439682"/>
+            <a:ext cx="1506979" cy="1200329"/>
           </a:xfrm>
           <a:prstGeom prst="rect">
             <a:avLst/>
@@ -5104,8 +5060,8 @@
         </p:nvSpPr>
         <p:spPr>
           <a:xfrm>
-            <a:off x="10503583" y="3503857"/>
-            <a:ext cx="1541314" cy="923330"/>
+            <a:off x="10458939" y="4439682"/>
+            <a:ext cx="1315620" cy="1200329"/>
           </a:xfrm>
           <a:prstGeom prst="rect">
             <a:avLst/>
@@ -5141,10 +5097,10 @@
       </p:sp>
       <p:sp>
         <p:nvSpPr>
-          <p:cNvPr id="30" name="Rectangle 29">
-            <a:extLst>
-              <a:ext uri="{FF2B5EF4-FFF2-40B4-BE49-F238E27FC236}">
-                <a16:creationId xmlns:a16="http://schemas.microsoft.com/office/drawing/2014/main" id="{3FF89A57-DB25-4A6C-878E-8BC0F0E66DCE}"/>
+          <p:cNvPr id="38" name="Rectangle 37">
+            <a:extLst>
+              <a:ext uri="{FF2B5EF4-FFF2-40B4-BE49-F238E27FC236}">
+                <a16:creationId xmlns:a16="http://schemas.microsoft.com/office/drawing/2014/main" id="{84729A3E-A76D-4D5C-845E-6B5227D6B57E}"/>
               </a:ext>
             </a:extLst>
           </p:cNvPr>
@@ -5153,53 +5109,7 @@
         </p:nvSpPr>
         <p:spPr>
           <a:xfrm>
-            <a:off x="6908365" y="1872870"/>
-            <a:ext cx="340999" cy="217887"/>
-          </a:xfrm>
-          <a:prstGeom prst="rect">
-            <a:avLst/>
-          </a:prstGeom>
-        </p:spPr>
-        <p:style>
-          <a:lnRef idx="2">
-            <a:schemeClr val="accent1">
-              <a:shade val="50000"/>
-            </a:schemeClr>
-          </a:lnRef>
-          <a:fillRef idx="1">
-            <a:schemeClr val="accent1"/>
-          </a:fillRef>
-          <a:effectRef idx="0">
-            <a:schemeClr val="accent1"/>
-          </a:effectRef>
-          <a:fontRef idx="minor">
-            <a:schemeClr val="lt1"/>
-          </a:fontRef>
-        </p:style>
-        <p:txBody>
-          <a:bodyPr rtlCol="0" anchor="ctr"/>
-          <a:lstStyle/>
-          <a:p>
-            <a:pPr algn="ctr"/>
-            <a:endParaRPr lang="fr-FR"/>
-          </a:p>
-        </p:txBody>
-      </p:sp>
-      <p:sp>
-        <p:nvSpPr>
-          <p:cNvPr id="38" name="Rectangle 37">
-            <a:extLst>
-              <a:ext uri="{FF2B5EF4-FFF2-40B4-BE49-F238E27FC236}">
-                <a16:creationId xmlns:a16="http://schemas.microsoft.com/office/drawing/2014/main" id="{84729A3E-A76D-4D5C-845E-6B5227D6B57E}"/>
-              </a:ext>
-            </a:extLst>
-          </p:cNvPr>
-          <p:cNvSpPr/>
-          <p:nvPr/>
-        </p:nvSpPr>
-        <p:spPr>
-          <a:xfrm>
-            <a:off x="8338775" y="6013917"/>
+            <a:off x="6543117" y="5994039"/>
             <a:ext cx="1667712" cy="476672"/>
           </a:xfrm>
           <a:prstGeom prst="rect">
@@ -5291,8 +5201,8 @@
         </p:nvCxnSpPr>
         <p:spPr>
           <a:xfrm rot="16200000" flipH="1">
-            <a:off x="7057495" y="4970973"/>
-            <a:ext cx="210874" cy="2351686"/>
+            <a:off x="5622690" y="5311948"/>
+            <a:ext cx="689040" cy="1151813"/>
           </a:xfrm>
           <a:prstGeom prst="bentConnector2">
             <a:avLst/>
@@ -5335,8 +5245,8 @@
         </p:nvCxnSpPr>
         <p:spPr>
           <a:xfrm rot="5400000">
-            <a:off x="9900128" y="5710423"/>
-            <a:ext cx="648190" cy="435471"/>
+            <a:off x="8263355" y="5484997"/>
+            <a:ext cx="694852" cy="799904"/>
           </a:xfrm>
           <a:prstGeom prst="bentConnector2">
             <a:avLst/>
@@ -5375,7 +5285,7 @@
         </p:nvSpPr>
         <p:spPr>
           <a:xfrm>
-            <a:off x="7787304" y="6202144"/>
+            <a:off x="5991646" y="6182266"/>
             <a:ext cx="607145" cy="338554"/>
           </a:xfrm>
           <a:prstGeom prst="rect">
@@ -5410,7 +5320,7 @@
         </p:nvSpPr>
         <p:spPr>
           <a:xfrm>
-            <a:off x="10068787" y="6205871"/>
+            <a:off x="8273129" y="6185993"/>
             <a:ext cx="607145" cy="338554"/>
           </a:xfrm>
           <a:prstGeom prst="rect">
@@ -5445,8 +5355,8 @@
         </p:nvSpPr>
         <p:spPr>
           <a:xfrm>
-            <a:off x="189854" y="2089752"/>
-            <a:ext cx="2627866" cy="1140542"/>
+            <a:off x="1170489" y="1347636"/>
+            <a:ext cx="2621259" cy="989630"/>
           </a:xfrm>
           <a:prstGeom prst="rect">
             <a:avLst/>
@@ -5549,18 +5459,20 @@
           </p:cNvPr>
           <p:cNvCxnSpPr>
             <a:cxnSpLocks/>
-            <a:stCxn id="11" idx="1"/>
-            <a:endCxn id="41" idx="0"/>
+            <a:stCxn id="84" idx="1"/>
+            <a:endCxn id="41" idx="3"/>
           </p:cNvCxnSpPr>
           <p:nvPr/>
         </p:nvCxnSpPr>
         <p:spPr>
-          <a:xfrm rot="10800000" flipV="1">
-            <a:off x="1503788" y="1590214"/>
-            <a:ext cx="3184593" cy="499537"/>
-          </a:xfrm>
-          <a:prstGeom prst="bentConnector2">
-            <a:avLst/>
+          <a:xfrm rot="10800000">
+            <a:off x="3791748" y="1842452"/>
+            <a:ext cx="2373592" cy="1303"/>
+          </a:xfrm>
+          <a:prstGeom prst="bentConnector3">
+            <a:avLst>
+              <a:gd name="adj1" fmla="val 50000"/>
+            </a:avLst>
           </a:prstGeom>
           <a:ln w="28575">
             <a:headEnd type="none" w="med" len="med"/>
@@ -5596,7 +5508,7 @@
         </p:nvSpPr>
         <p:spPr>
           <a:xfrm>
-            <a:off x="1556018" y="1725868"/>
+            <a:off x="3757192" y="1973824"/>
             <a:ext cx="607145" cy="338554"/>
           </a:xfrm>
           <a:prstGeom prst="rect">
@@ -5631,8 +5543,8 @@
         </p:nvSpPr>
         <p:spPr>
           <a:xfrm>
-            <a:off x="3289961" y="1286559"/>
-            <a:ext cx="1443487" cy="369332"/>
+            <a:off x="4364337" y="1505287"/>
+            <a:ext cx="1730265" cy="338554"/>
           </a:xfrm>
           <a:prstGeom prst="rect">
             <a:avLst/>
@@ -5646,8 +5558,8 @@
           <a:lstStyle/>
           <a:p>
             <a:r>
-              <a:rPr lang="en-US" noProof="1"/>
-              <a:t>serviceBilling</a:t>
+              <a:rPr lang="en-US" sz="1600" noProof="1"/>
+              <a:t>serviceBillingCode</a:t>
             </a:r>
           </a:p>
         </p:txBody>
@@ -5666,8 +5578,8 @@
         </p:nvSpPr>
         <p:spPr>
           <a:xfrm>
-            <a:off x="-183392" y="1357828"/>
-            <a:ext cx="1627978" cy="646331"/>
+            <a:off x="-1" y="1371837"/>
+            <a:ext cx="1098565" cy="923330"/>
           </a:xfrm>
           <a:prstGeom prst="rect">
             <a:avLst/>
@@ -5709,7 +5621,7 @@
         </p:nvSpPr>
         <p:spPr>
           <a:xfrm>
-            <a:off x="7248233" y="6490589"/>
+            <a:off x="5432697" y="6483963"/>
             <a:ext cx="3938309" cy="369332"/>
           </a:xfrm>
           <a:prstGeom prst="rect">
@@ -5756,13 +5668,12 @@
           </p:cNvPr>
           <p:cNvCxnSpPr>
             <a:cxnSpLocks/>
-            <a:endCxn id="8" idx="3"/>
           </p:cNvCxnSpPr>
           <p:nvPr/>
         </p:nvCxnSpPr>
         <p:spPr>
           <a:xfrm flipH="1" flipV="1">
-            <a:off x="7255499" y="1117432"/>
+            <a:off x="8302413" y="1541496"/>
             <a:ext cx="20166" cy="234943"/>
           </a:xfrm>
           <a:prstGeom prst="bentConnector3">
@@ -5804,8 +5715,8 @@
         </p:nvSpPr>
         <p:spPr>
           <a:xfrm>
-            <a:off x="7287980" y="1323583"/>
-            <a:ext cx="607145" cy="338554"/>
+            <a:off x="8365057" y="1714517"/>
+            <a:ext cx="563730" cy="338554"/>
           </a:xfrm>
           <a:prstGeom prst="rect">
             <a:avLst/>
@@ -5839,8 +5750,8 @@
         </p:nvSpPr>
         <p:spPr>
           <a:xfrm>
-            <a:off x="7571885" y="1063556"/>
-            <a:ext cx="2496902" cy="369332"/>
+            <a:off x="8570910" y="1474301"/>
+            <a:ext cx="2243306" cy="338554"/>
           </a:xfrm>
           <a:prstGeom prst="rect">
             <a:avLst/>
@@ -5853,11 +5764,11 @@
           <a:lstStyle/>
           <a:p>
             <a:r>
-              <a:rPr lang="en-US" noProof="1"/>
+              <a:rPr lang="en-US" sz="1600" noProof="1"/>
               <a:t>relatedArtifact (</a:t>
             </a:r>
             <a:r>
-              <a:rPr lang="en-US" i="1" noProof="1">
+              <a:rPr lang="en-US" sz="1600" i="1" noProof="1">
                 <a:solidFill>
                   <a:schemeClr val="accent6">
                     <a:lumMod val="75000"/>
@@ -5867,7 +5778,7 @@
               <a:t>Includes</a:t>
             </a:r>
             <a:r>
-              <a:rPr lang="en-US" noProof="1"/>
+              <a:rPr lang="en-US" sz="1600" noProof="1"/>
               <a:t>)</a:t>
             </a:r>
           </a:p>
@@ -5887,7 +5798,7 @@
         </p:nvSpPr>
         <p:spPr>
           <a:xfrm>
-            <a:off x="7112003" y="1605145"/>
+            <a:off x="8165543" y="1989453"/>
             <a:ext cx="143498" cy="164249"/>
           </a:xfrm>
           <a:prstGeom prst="rect">
@@ -5933,7 +5844,7 @@
         </p:nvSpPr>
         <p:spPr>
           <a:xfrm>
-            <a:off x="6928358" y="1808450"/>
+            <a:off x="7981898" y="2146376"/>
             <a:ext cx="340999" cy="195582"/>
           </a:xfrm>
           <a:prstGeom prst="rect">
@@ -5976,14 +5887,12 @@
           </p:cNvPr>
           <p:cNvCxnSpPr>
             <a:cxnSpLocks/>
-            <a:stCxn id="62" idx="3"/>
-            <a:endCxn id="53" idx="3"/>
           </p:cNvCxnSpPr>
           <p:nvPr/>
         </p:nvCxnSpPr>
         <p:spPr>
           <a:xfrm flipH="1" flipV="1">
-            <a:off x="7255501" y="1687270"/>
+            <a:off x="8302415" y="2071578"/>
             <a:ext cx="13856" cy="218971"/>
           </a:xfrm>
           <a:prstGeom prst="bentConnector3">
@@ -6025,8 +5934,8 @@
         </p:nvSpPr>
         <p:spPr>
           <a:xfrm>
-            <a:off x="7287982" y="1893421"/>
-            <a:ext cx="607145" cy="338554"/>
+            <a:off x="8365057" y="2277729"/>
+            <a:ext cx="523976" cy="338554"/>
           </a:xfrm>
           <a:prstGeom prst="rect">
             <a:avLst/>
@@ -6060,8 +5969,8 @@
         </p:nvSpPr>
         <p:spPr>
           <a:xfrm>
-            <a:off x="7571887" y="1633394"/>
-            <a:ext cx="2956322" cy="369332"/>
+            <a:off x="8559167" y="2017702"/>
+            <a:ext cx="2649187" cy="338554"/>
           </a:xfrm>
           <a:prstGeom prst="rect">
             <a:avLst/>
@@ -6074,11 +5983,11 @@
           <a:lstStyle/>
           <a:p>
             <a:r>
-              <a:rPr lang="en-US" noProof="1"/>
+              <a:rPr lang="en-US" sz="1600" noProof="1"/>
               <a:t>relatedArtifact (</a:t>
             </a:r>
             <a:r>
-              <a:rPr lang="en-US" i="1" noProof="1">
+              <a:rPr lang="en-US" sz="1600" i="1" noProof="1">
                 <a:solidFill>
                   <a:schemeClr val="accent6">
                     <a:lumMod val="75000"/>
@@ -6088,7 +5997,7 @@
               <a:t>IsReplacedBy</a:t>
             </a:r>
             <a:r>
-              <a:rPr lang="en-US" noProof="1"/>
+              <a:rPr lang="en-US" sz="1600" noProof="1"/>
               <a:t>)</a:t>
             </a:r>
           </a:p>
@@ -6108,7 +6017,7 @@
         </p:nvSpPr>
         <p:spPr>
           <a:xfrm>
-            <a:off x="4701632" y="1918695"/>
+            <a:off x="6172610" y="2157231"/>
             <a:ext cx="283614" cy="235165"/>
           </a:xfrm>
           <a:prstGeom prst="rect">
@@ -6142,10 +6051,10 @@
       </p:sp>
       <p:sp>
         <p:nvSpPr>
-          <p:cNvPr id="67" name="Rectangle 66">
-            <a:extLst>
-              <a:ext uri="{FF2B5EF4-FFF2-40B4-BE49-F238E27FC236}">
-                <a16:creationId xmlns:a16="http://schemas.microsoft.com/office/drawing/2014/main" id="{4E2B7AF2-F6C6-4086-A3C5-6ECD0A900716}"/>
+          <p:cNvPr id="56" name="Rectangle 55">
+            <a:extLst>
+              <a:ext uri="{FF2B5EF4-FFF2-40B4-BE49-F238E27FC236}">
+                <a16:creationId xmlns:a16="http://schemas.microsoft.com/office/drawing/2014/main" id="{F6F11366-8458-4112-A323-141BA159FFFC}"/>
               </a:ext>
             </a:extLst>
           </p:cNvPr>
@@ -6154,54 +6063,8 @@
         </p:nvSpPr>
         <p:spPr>
           <a:xfrm>
-            <a:off x="3148351" y="4945929"/>
-            <a:ext cx="283614" cy="235165"/>
-          </a:xfrm>
-          <a:prstGeom prst="rect">
-            <a:avLst/>
-          </a:prstGeom>
-        </p:spPr>
-        <p:style>
-          <a:lnRef idx="2">
-            <a:schemeClr val="accent1">
-              <a:shade val="50000"/>
-            </a:schemeClr>
-          </a:lnRef>
-          <a:fillRef idx="1">
-            <a:schemeClr val="accent1"/>
-          </a:fillRef>
-          <a:effectRef idx="0">
-            <a:schemeClr val="accent1"/>
-          </a:effectRef>
-          <a:fontRef idx="minor">
-            <a:schemeClr val="lt1"/>
-          </a:fontRef>
-        </p:style>
-        <p:txBody>
-          <a:bodyPr rtlCol="0" anchor="ctr"/>
-          <a:lstStyle/>
-          <a:p>
-            <a:pPr algn="ctr"/>
-            <a:endParaRPr lang="fr-FR"/>
-          </a:p>
-        </p:txBody>
-      </p:sp>
-      <p:sp>
-        <p:nvSpPr>
-          <p:cNvPr id="56" name="Rectangle 55">
-            <a:extLst>
-              <a:ext uri="{FF2B5EF4-FFF2-40B4-BE49-F238E27FC236}">
-                <a16:creationId xmlns:a16="http://schemas.microsoft.com/office/drawing/2014/main" id="{F6F11366-8458-4112-A323-141BA159FFFC}"/>
-              </a:ext>
-            </a:extLst>
-          </p:cNvPr>
-          <p:cNvSpPr/>
-          <p:nvPr/>
-        </p:nvSpPr>
-        <p:spPr>
-          <a:xfrm>
-            <a:off x="737087" y="4932679"/>
-            <a:ext cx="2887484" cy="1142774"/>
+            <a:off x="1331843" y="2626533"/>
+            <a:ext cx="2429651" cy="975425"/>
           </a:xfrm>
           <a:prstGeom prst="rect">
             <a:avLst/>
@@ -6264,7 +6127,7 @@
           <a:p>
             <a:pPr algn="ctr"/>
             <a:r>
-              <a:rPr lang="en-US" sz="2200" noProof="1">
+              <a:rPr lang="en-US" noProof="1">
                 <a:solidFill>
                   <a:srgbClr val="FFFF00"/>
                 </a:solidFill>
@@ -6275,7 +6138,7 @@
           <a:p>
             <a:pPr algn="ctr"/>
             <a:r>
-              <a:rPr lang="en-US" sz="2000" noProof="1">
+              <a:rPr lang="en-US" noProof="1">
                 <a:solidFill>
                   <a:schemeClr val="bg1"/>
                 </a:solidFill>
@@ -6295,10 +6158,10 @@
       </p:sp>
       <p:sp>
         <p:nvSpPr>
-          <p:cNvPr id="11" name="Rectangle 10">
-            <a:extLst>
-              <a:ext uri="{FF2B5EF4-FFF2-40B4-BE49-F238E27FC236}">
-                <a16:creationId xmlns:a16="http://schemas.microsoft.com/office/drawing/2014/main" id="{E2B1908B-CC45-41BD-BE20-7F25C0BD8D17}"/>
+          <p:cNvPr id="84" name="Rectangle 83">
+            <a:extLst>
+              <a:ext uri="{FF2B5EF4-FFF2-40B4-BE49-F238E27FC236}">
+                <a16:creationId xmlns:a16="http://schemas.microsoft.com/office/drawing/2014/main" id="{0C6BEAAE-84AD-4EA9-8750-21ACC1178B80}"/>
               </a:ext>
             </a:extLst>
           </p:cNvPr>
@@ -6307,8 +6170,54 @@
         </p:nvSpPr>
         <p:spPr>
           <a:xfrm>
-            <a:off x="4688380" y="1019944"/>
-            <a:ext cx="2593911" cy="1140542"/>
+            <a:off x="6165340" y="1726171"/>
+            <a:ext cx="283614" cy="235165"/>
+          </a:xfrm>
+          <a:prstGeom prst="rect">
+            <a:avLst/>
+          </a:prstGeom>
+        </p:spPr>
+        <p:style>
+          <a:lnRef idx="2">
+            <a:schemeClr val="accent1">
+              <a:shade val="50000"/>
+            </a:schemeClr>
+          </a:lnRef>
+          <a:fillRef idx="1">
+            <a:schemeClr val="accent1"/>
+          </a:fillRef>
+          <a:effectRef idx="0">
+            <a:schemeClr val="accent1"/>
+          </a:effectRef>
+          <a:fontRef idx="minor">
+            <a:schemeClr val="lt1"/>
+          </a:fontRef>
+        </p:style>
+        <p:txBody>
+          <a:bodyPr rtlCol="0" anchor="ctr"/>
+          <a:lstStyle/>
+          <a:p>
+            <a:pPr algn="ctr"/>
+            <a:endParaRPr lang="fr-FR"/>
+          </a:p>
+        </p:txBody>
+      </p:sp>
+      <p:sp>
+        <p:nvSpPr>
+          <p:cNvPr id="11" name="Rectangle 10">
+            <a:extLst>
+              <a:ext uri="{FF2B5EF4-FFF2-40B4-BE49-F238E27FC236}">
+                <a16:creationId xmlns:a16="http://schemas.microsoft.com/office/drawing/2014/main" id="{E2B1908B-CC45-41BD-BE20-7F25C0BD8D17}"/>
+              </a:ext>
+            </a:extLst>
+          </p:cNvPr>
+          <p:cNvSpPr/>
+          <p:nvPr/>
+        </p:nvSpPr>
+        <p:spPr>
+          <a:xfrm>
+            <a:off x="6148058" y="1453669"/>
+            <a:ext cx="2192448" cy="948944"/>
           </a:xfrm>
           <a:prstGeom prst="rect">
             <a:avLst/>
@@ -6371,7 +6280,7 @@
           <a:p>
             <a:pPr algn="ctr"/>
             <a:r>
-              <a:rPr lang="en-US" sz="2200" noProof="1">
+              <a:rPr lang="en-US" noProof="1">
                 <a:solidFill>
                   <a:srgbClr val="FFFF00"/>
                 </a:solidFill>
@@ -6382,7 +6291,7 @@
           <a:p>
             <a:pPr algn="ctr"/>
             <a:r>
-              <a:rPr lang="en-US" sz="2000" noProof="1">
+              <a:rPr lang="en-US" noProof="1">
                 <a:solidFill>
                   <a:schemeClr val="bg1"/>
                 </a:solidFill>
@@ -6400,6 +6309,50 @@
           </a:p>
         </p:txBody>
       </p:sp>
+      <p:cxnSp>
+        <p:nvCxnSpPr>
+          <p:cNvPr id="86" name="Connecteur : en angle 85">
+            <a:extLst>
+              <a:ext uri="{FF2B5EF4-FFF2-40B4-BE49-F238E27FC236}">
+                <a16:creationId xmlns:a16="http://schemas.microsoft.com/office/drawing/2014/main" id="{B5C3B02D-3738-4164-AFEF-95348B20873E}"/>
+              </a:ext>
+            </a:extLst>
+          </p:cNvPr>
+          <p:cNvCxnSpPr>
+            <a:cxnSpLocks/>
+            <a:stCxn id="46" idx="1"/>
+            <a:endCxn id="54" idx="0"/>
+          </p:cNvCxnSpPr>
+          <p:nvPr/>
+        </p:nvCxnSpPr>
+        <p:spPr>
+          <a:xfrm rot="10800000" flipV="1">
+            <a:off x="5391305" y="3852243"/>
+            <a:ext cx="601091" cy="761701"/>
+          </a:xfrm>
+          <a:prstGeom prst="bentConnector2">
+            <a:avLst/>
+          </a:prstGeom>
+          <a:ln w="28575">
+            <a:headEnd type="none" w="med" len="med"/>
+            <a:tailEnd type="arrow" w="med" len="med"/>
+          </a:ln>
+        </p:spPr>
+        <p:style>
+          <a:lnRef idx="1">
+            <a:schemeClr val="accent1"/>
+          </a:lnRef>
+          <a:fillRef idx="0">
+            <a:schemeClr val="accent1"/>
+          </a:fillRef>
+          <a:effectRef idx="0">
+            <a:schemeClr val="accent1"/>
+          </a:effectRef>
+          <a:fontRef idx="minor">
+            <a:schemeClr val="tx1"/>
+          </a:fontRef>
+        </p:style>
+      </p:cxnSp>
     </p:spTree>
     <p:extLst>
       <p:ext uri="{BB962C8B-B14F-4D97-AF65-F5344CB8AC3E}">

--- a/input/images-source/LabCompendium.pptx
+++ b/input/images-source/LabCompendium.pptx
@@ -197,7 +197,7 @@
           <a:p>
             <a:fld id="{C0FC2EA5-DDD9-41B5-A743-573E81829967}" type="datetimeFigureOut">
               <a:rPr lang="fr-FR" smtClean="0"/>
-              <a:t>27/06/2020</a:t>
+              <a:t>28/06/2020</a:t>
             </a:fld>
             <a:endParaRPr lang="fr-FR"/>
           </a:p>
@@ -695,7 +695,7 @@
           <a:p>
             <a:fld id="{DEBA1CB3-45B4-4365-8A01-D60AF6EBF46C}" type="datetimeFigureOut">
               <a:rPr lang="fr-FR" smtClean="0"/>
-              <a:t>27/06/2020</a:t>
+              <a:t>28/06/2020</a:t>
             </a:fld>
             <a:endParaRPr lang="fr-FR"/>
           </a:p>
@@ -893,7 +893,7 @@
           <a:p>
             <a:fld id="{DEBA1CB3-45B4-4365-8A01-D60AF6EBF46C}" type="datetimeFigureOut">
               <a:rPr lang="fr-FR" smtClean="0"/>
-              <a:t>27/06/2020</a:t>
+              <a:t>28/06/2020</a:t>
             </a:fld>
             <a:endParaRPr lang="fr-FR"/>
           </a:p>
@@ -1101,7 +1101,7 @@
           <a:p>
             <a:fld id="{DEBA1CB3-45B4-4365-8A01-D60AF6EBF46C}" type="datetimeFigureOut">
               <a:rPr lang="fr-FR" smtClean="0"/>
-              <a:t>27/06/2020</a:t>
+              <a:t>28/06/2020</a:t>
             </a:fld>
             <a:endParaRPr lang="fr-FR"/>
           </a:p>
@@ -1299,7 +1299,7 @@
           <a:p>
             <a:fld id="{DEBA1CB3-45B4-4365-8A01-D60AF6EBF46C}" type="datetimeFigureOut">
               <a:rPr lang="fr-FR" smtClean="0"/>
-              <a:t>27/06/2020</a:t>
+              <a:t>28/06/2020</a:t>
             </a:fld>
             <a:endParaRPr lang="fr-FR"/>
           </a:p>
@@ -1574,7 +1574,7 @@
           <a:p>
             <a:fld id="{DEBA1CB3-45B4-4365-8A01-D60AF6EBF46C}" type="datetimeFigureOut">
               <a:rPr lang="fr-FR" smtClean="0"/>
-              <a:t>27/06/2020</a:t>
+              <a:t>28/06/2020</a:t>
             </a:fld>
             <a:endParaRPr lang="fr-FR"/>
           </a:p>
@@ -1839,7 +1839,7 @@
           <a:p>
             <a:fld id="{DEBA1CB3-45B4-4365-8A01-D60AF6EBF46C}" type="datetimeFigureOut">
               <a:rPr lang="fr-FR" smtClean="0"/>
-              <a:t>27/06/2020</a:t>
+              <a:t>28/06/2020</a:t>
             </a:fld>
             <a:endParaRPr lang="fr-FR"/>
           </a:p>
@@ -2251,7 +2251,7 @@
           <a:p>
             <a:fld id="{DEBA1CB3-45B4-4365-8A01-D60AF6EBF46C}" type="datetimeFigureOut">
               <a:rPr lang="fr-FR" smtClean="0"/>
-              <a:t>27/06/2020</a:t>
+              <a:t>28/06/2020</a:t>
             </a:fld>
             <a:endParaRPr lang="fr-FR"/>
           </a:p>
@@ -2392,7 +2392,7 @@
           <a:p>
             <a:fld id="{DEBA1CB3-45B4-4365-8A01-D60AF6EBF46C}" type="datetimeFigureOut">
               <a:rPr lang="fr-FR" smtClean="0"/>
-              <a:t>27/06/2020</a:t>
+              <a:t>28/06/2020</a:t>
             </a:fld>
             <a:endParaRPr lang="fr-FR"/>
           </a:p>
@@ -2505,7 +2505,7 @@
           <a:p>
             <a:fld id="{DEBA1CB3-45B4-4365-8A01-D60AF6EBF46C}" type="datetimeFigureOut">
               <a:rPr lang="fr-FR" smtClean="0"/>
-              <a:t>27/06/2020</a:t>
+              <a:t>28/06/2020</a:t>
             </a:fld>
             <a:endParaRPr lang="fr-FR"/>
           </a:p>
@@ -2816,7 +2816,7 @@
           <a:p>
             <a:fld id="{DEBA1CB3-45B4-4365-8A01-D60AF6EBF46C}" type="datetimeFigureOut">
               <a:rPr lang="fr-FR" smtClean="0"/>
-              <a:t>27/06/2020</a:t>
+              <a:t>28/06/2020</a:t>
             </a:fld>
             <a:endParaRPr lang="fr-FR"/>
           </a:p>
@@ -3104,7 +3104,7 @@
           <a:p>
             <a:fld id="{DEBA1CB3-45B4-4365-8A01-D60AF6EBF46C}" type="datetimeFigureOut">
               <a:rPr lang="fr-FR" smtClean="0"/>
-              <a:t>27/06/2020</a:t>
+              <a:t>28/06/2020</a:t>
             </a:fld>
             <a:endParaRPr lang="fr-FR"/>
           </a:p>
@@ -3345,7 +3345,7 @@
           <a:p>
             <a:fld id="{DEBA1CB3-45B4-4365-8A01-D60AF6EBF46C}" type="datetimeFigureOut">
               <a:rPr lang="fr-FR" smtClean="0"/>
-              <a:t>27/06/2020</a:t>
+              <a:t>28/06/2020</a:t>
             </a:fld>
             <a:endParaRPr lang="fr-FR"/>
           </a:p>
@@ -3908,7 +3908,7 @@
         <p:spPr>
           <a:xfrm rot="16200000" flipV="1">
             <a:off x="5084007" y="-706606"/>
-            <a:ext cx="846507" cy="3474044"/>
+            <a:ext cx="846507" cy="3474043"/>
           </a:xfrm>
           <a:prstGeom prst="bentConnector2">
             <a:avLst/>
@@ -4085,9 +4085,9 @@
           <p:nvPr/>
         </p:nvCxnSpPr>
         <p:spPr>
-          <a:xfrm rot="5400000">
-            <a:off x="6746456" y="2900439"/>
-            <a:ext cx="995653" cy="1"/>
+          <a:xfrm rot="16200000" flipH="1">
+            <a:off x="6747508" y="2899385"/>
+            <a:ext cx="995653" cy="2107"/>
           </a:xfrm>
           <a:prstGeom prst="bentConnector3">
             <a:avLst>
@@ -4128,8 +4128,8 @@
         </p:nvSpPr>
         <p:spPr>
           <a:xfrm>
-            <a:off x="5992395" y="3398266"/>
-            <a:ext cx="2503772" cy="907956"/>
+            <a:off x="5996609" y="3398266"/>
+            <a:ext cx="2499558" cy="907956"/>
           </a:xfrm>
           <a:prstGeom prst="rect">
             <a:avLst/>
@@ -4305,7 +4305,7 @@
         </p:nvSpPr>
         <p:spPr>
           <a:xfrm>
-            <a:off x="4015972" y="4613945"/>
+            <a:off x="3830444" y="4613945"/>
             <a:ext cx="2750664" cy="929390"/>
           </a:xfrm>
           <a:prstGeom prst="rect">
@@ -4412,7 +4412,7 @@
         </p:nvSpPr>
         <p:spPr>
           <a:xfrm>
-            <a:off x="7638378" y="4619903"/>
+            <a:off x="7910044" y="4619903"/>
             <a:ext cx="2744710" cy="917620"/>
           </a:xfrm>
           <a:prstGeom prst="rect">
@@ -4570,7 +4570,7 @@
         <p:spPr>
           <a:xfrm>
             <a:off x="8496167" y="3852244"/>
-            <a:ext cx="514566" cy="767659"/>
+            <a:ext cx="786232" cy="767659"/>
           </a:xfrm>
           <a:prstGeom prst="bentConnector2">
             <a:avLst/>
@@ -4714,7 +4714,7 @@
         </p:nvSpPr>
         <p:spPr>
           <a:xfrm>
-            <a:off x="4950795" y="4229779"/>
+            <a:off x="4765267" y="4229779"/>
             <a:ext cx="607145" cy="338554"/>
           </a:xfrm>
           <a:prstGeom prst="rect">
@@ -4749,7 +4749,7 @@
         </p:nvSpPr>
         <p:spPr>
           <a:xfrm>
-            <a:off x="8543564" y="4231240"/>
+            <a:off x="8815230" y="4231240"/>
             <a:ext cx="607145" cy="338554"/>
           </a:xfrm>
           <a:prstGeom prst="rect">
@@ -5010,7 +5010,7 @@
         </p:nvSpPr>
         <p:spPr>
           <a:xfrm>
-            <a:off x="2438401" y="4439682"/>
+            <a:off x="2252873" y="4439682"/>
             <a:ext cx="1506979" cy="1200329"/>
           </a:xfrm>
           <a:prstGeom prst="rect">
@@ -5060,7 +5060,7 @@
         </p:nvSpPr>
         <p:spPr>
           <a:xfrm>
-            <a:off x="10458939" y="4439682"/>
+            <a:off x="10730605" y="4439682"/>
             <a:ext cx="1315620" cy="1200329"/>
           </a:xfrm>
           <a:prstGeom prst="rect">
@@ -5109,7 +5109,7 @@
         </p:nvSpPr>
         <p:spPr>
           <a:xfrm>
-            <a:off x="6543117" y="5994039"/>
+            <a:off x="6410425" y="6166315"/>
             <a:ext cx="1667712" cy="476672"/>
           </a:xfrm>
           <a:prstGeom prst="rect">
@@ -5201,8 +5201,8 @@
         </p:nvCxnSpPr>
         <p:spPr>
           <a:xfrm rot="16200000" flipH="1">
-            <a:off x="5622690" y="5311948"/>
-            <a:ext cx="689040" cy="1151813"/>
+            <a:off x="5377442" y="5371668"/>
+            <a:ext cx="861316" cy="1204649"/>
           </a:xfrm>
           <a:prstGeom prst="bentConnector2">
             <a:avLst/>
@@ -5245,8 +5245,8 @@
         </p:nvCxnSpPr>
         <p:spPr>
           <a:xfrm rot="5400000">
-            <a:off x="8263355" y="5484997"/>
-            <a:ext cx="694852" cy="799904"/>
+            <a:off x="8246704" y="5368956"/>
+            <a:ext cx="867128" cy="1204262"/>
           </a:xfrm>
           <a:prstGeom prst="bentConnector2">
             <a:avLst/>
@@ -5285,7 +5285,7 @@
         </p:nvSpPr>
         <p:spPr>
           <a:xfrm>
-            <a:off x="5991646" y="6182266"/>
+            <a:off x="5918760" y="6354542"/>
             <a:ext cx="607145" cy="338554"/>
           </a:xfrm>
           <a:prstGeom prst="rect">
@@ -5320,7 +5320,7 @@
         </p:nvSpPr>
         <p:spPr>
           <a:xfrm>
-            <a:off x="8273129" y="6185993"/>
+            <a:off x="8200243" y="6358269"/>
             <a:ext cx="607145" cy="338554"/>
           </a:xfrm>
           <a:prstGeom prst="rect">
@@ -5621,7 +5621,7 @@
         </p:nvSpPr>
         <p:spPr>
           <a:xfrm>
-            <a:off x="5432697" y="6483963"/>
+            <a:off x="5282271" y="5743313"/>
             <a:ext cx="3938309" cy="369332"/>
           </a:xfrm>
           <a:prstGeom prst="rect">
@@ -6216,7 +6216,7 @@
         </p:nvSpPr>
         <p:spPr>
           <a:xfrm>
-            <a:off x="6148058" y="1453669"/>
+            <a:off x="6148057" y="1453669"/>
             <a:ext cx="2192448" cy="948944"/>
           </a:xfrm>
           <a:prstGeom prst="rect">
@@ -6327,8 +6327,8 @@
         </p:nvCxnSpPr>
         <p:spPr>
           <a:xfrm rot="10800000" flipV="1">
-            <a:off x="5391305" y="3852243"/>
-            <a:ext cx="601091" cy="761701"/>
+            <a:off x="5205777" y="3852243"/>
+            <a:ext cx="790833" cy="761701"/>
           </a:xfrm>
           <a:prstGeom prst="bentConnector2">
             <a:avLst/>

--- a/input/images-source/LabCompendium.pptx
+++ b/input/images-source/LabCompendium.pptx
@@ -197,7 +197,7 @@
           <a:p>
             <a:fld id="{C0FC2EA5-DDD9-41B5-A743-573E81829967}" type="datetimeFigureOut">
               <a:rPr lang="fr-FR" smtClean="0"/>
-              <a:t>28/06/2020</a:t>
+              <a:t>09/07/2020</a:t>
             </a:fld>
             <a:endParaRPr lang="fr-FR"/>
           </a:p>
@@ -695,7 +695,7 @@
           <a:p>
             <a:fld id="{DEBA1CB3-45B4-4365-8A01-D60AF6EBF46C}" type="datetimeFigureOut">
               <a:rPr lang="fr-FR" smtClean="0"/>
-              <a:t>28/06/2020</a:t>
+              <a:t>09/07/2020</a:t>
             </a:fld>
             <a:endParaRPr lang="fr-FR"/>
           </a:p>
@@ -893,7 +893,7 @@
           <a:p>
             <a:fld id="{DEBA1CB3-45B4-4365-8A01-D60AF6EBF46C}" type="datetimeFigureOut">
               <a:rPr lang="fr-FR" smtClean="0"/>
-              <a:t>28/06/2020</a:t>
+              <a:t>09/07/2020</a:t>
             </a:fld>
             <a:endParaRPr lang="fr-FR"/>
           </a:p>
@@ -1101,7 +1101,7 @@
           <a:p>
             <a:fld id="{DEBA1CB3-45B4-4365-8A01-D60AF6EBF46C}" type="datetimeFigureOut">
               <a:rPr lang="fr-FR" smtClean="0"/>
-              <a:t>28/06/2020</a:t>
+              <a:t>09/07/2020</a:t>
             </a:fld>
             <a:endParaRPr lang="fr-FR"/>
           </a:p>
@@ -1299,7 +1299,7 @@
           <a:p>
             <a:fld id="{DEBA1CB3-45B4-4365-8A01-D60AF6EBF46C}" type="datetimeFigureOut">
               <a:rPr lang="fr-FR" smtClean="0"/>
-              <a:t>28/06/2020</a:t>
+              <a:t>09/07/2020</a:t>
             </a:fld>
             <a:endParaRPr lang="fr-FR"/>
           </a:p>
@@ -1574,7 +1574,7 @@
           <a:p>
             <a:fld id="{DEBA1CB3-45B4-4365-8A01-D60AF6EBF46C}" type="datetimeFigureOut">
               <a:rPr lang="fr-FR" smtClean="0"/>
-              <a:t>28/06/2020</a:t>
+              <a:t>09/07/2020</a:t>
             </a:fld>
             <a:endParaRPr lang="fr-FR"/>
           </a:p>
@@ -1839,7 +1839,7 @@
           <a:p>
             <a:fld id="{DEBA1CB3-45B4-4365-8A01-D60AF6EBF46C}" type="datetimeFigureOut">
               <a:rPr lang="fr-FR" smtClean="0"/>
-              <a:t>28/06/2020</a:t>
+              <a:t>09/07/2020</a:t>
             </a:fld>
             <a:endParaRPr lang="fr-FR"/>
           </a:p>
@@ -2251,7 +2251,7 @@
           <a:p>
             <a:fld id="{DEBA1CB3-45B4-4365-8A01-D60AF6EBF46C}" type="datetimeFigureOut">
               <a:rPr lang="fr-FR" smtClean="0"/>
-              <a:t>28/06/2020</a:t>
+              <a:t>09/07/2020</a:t>
             </a:fld>
             <a:endParaRPr lang="fr-FR"/>
           </a:p>
@@ -2392,7 +2392,7 @@
           <a:p>
             <a:fld id="{DEBA1CB3-45B4-4365-8A01-D60AF6EBF46C}" type="datetimeFigureOut">
               <a:rPr lang="fr-FR" smtClean="0"/>
-              <a:t>28/06/2020</a:t>
+              <a:t>09/07/2020</a:t>
             </a:fld>
             <a:endParaRPr lang="fr-FR"/>
           </a:p>
@@ -2505,7 +2505,7 @@
           <a:p>
             <a:fld id="{DEBA1CB3-45B4-4365-8A01-D60AF6EBF46C}" type="datetimeFigureOut">
               <a:rPr lang="fr-FR" smtClean="0"/>
-              <a:t>28/06/2020</a:t>
+              <a:t>09/07/2020</a:t>
             </a:fld>
             <a:endParaRPr lang="fr-FR"/>
           </a:p>
@@ -2816,7 +2816,7 @@
           <a:p>
             <a:fld id="{DEBA1CB3-45B4-4365-8A01-D60AF6EBF46C}" type="datetimeFigureOut">
               <a:rPr lang="fr-FR" smtClean="0"/>
-              <a:t>28/06/2020</a:t>
+              <a:t>09/07/2020</a:t>
             </a:fld>
             <a:endParaRPr lang="fr-FR"/>
           </a:p>
@@ -3104,7 +3104,7 @@
           <a:p>
             <a:fld id="{DEBA1CB3-45B4-4365-8A01-D60AF6EBF46C}" type="datetimeFigureOut">
               <a:rPr lang="fr-FR" smtClean="0"/>
-              <a:t>28/06/2020</a:t>
+              <a:t>09/07/2020</a:t>
             </a:fld>
             <a:endParaRPr lang="fr-FR"/>
           </a:p>
@@ -3345,7 +3345,7 @@
           <a:p>
             <a:fld id="{DEBA1CB3-45B4-4365-8A01-D60AF6EBF46C}" type="datetimeFigureOut">
               <a:rPr lang="fr-FR" smtClean="0"/>
-              <a:t>28/06/2020</a:t>
+              <a:t>09/07/2020</a:t>
             </a:fld>
             <a:endParaRPr lang="fr-FR"/>
           </a:p>
@@ -3764,10 +3764,10 @@
       </p:grpSpPr>
       <p:sp>
         <p:nvSpPr>
-          <p:cNvPr id="8" name="Rectangle 7">
-            <a:extLst>
-              <a:ext uri="{FF2B5EF4-FFF2-40B4-BE49-F238E27FC236}">
-                <a16:creationId xmlns:a16="http://schemas.microsoft.com/office/drawing/2014/main" id="{CEEC58EF-7E7F-4AD1-BF5F-F726576E3AEA}"/>
+          <p:cNvPr id="60" name="Rectangle 59">
+            <a:extLst>
+              <a:ext uri="{FF2B5EF4-FFF2-40B4-BE49-F238E27FC236}">
+                <a16:creationId xmlns:a16="http://schemas.microsoft.com/office/drawing/2014/main" id="{B80DA291-B4AD-437B-875D-FF5B2108348A}"/>
               </a:ext>
             </a:extLst>
           </p:cNvPr>
@@ -3776,8 +3776,8 @@
         </p:nvSpPr>
         <p:spPr>
           <a:xfrm>
-            <a:off x="8165541" y="1459371"/>
-            <a:ext cx="143498" cy="164249"/>
+            <a:off x="6163081" y="1395360"/>
+            <a:ext cx="283614" cy="206038"/>
           </a:xfrm>
           <a:prstGeom prst="rect">
             <a:avLst/>
@@ -3810,10 +3810,10 @@
       </p:sp>
       <p:sp>
         <p:nvSpPr>
-          <p:cNvPr id="58" name="Rectangle 57">
-            <a:extLst>
-              <a:ext uri="{FF2B5EF4-FFF2-40B4-BE49-F238E27FC236}">
-                <a16:creationId xmlns:a16="http://schemas.microsoft.com/office/drawing/2014/main" id="{539DD055-8EF1-46D5-A759-909838B13B59}"/>
+          <p:cNvPr id="8" name="Rectangle 7">
+            <a:extLst>
+              <a:ext uri="{FF2B5EF4-FFF2-40B4-BE49-F238E27FC236}">
+                <a16:creationId xmlns:a16="http://schemas.microsoft.com/office/drawing/2014/main" id="{CEEC58EF-7E7F-4AD1-BF5F-F726576E3AEA}"/>
               </a:ext>
             </a:extLst>
           </p:cNvPr>
@@ -3822,8 +3822,8 @@
         </p:nvSpPr>
         <p:spPr>
           <a:xfrm>
-            <a:off x="7988206" y="1655998"/>
-            <a:ext cx="340999" cy="288748"/>
+            <a:off x="8165541" y="1386485"/>
+            <a:ext cx="143498" cy="164249"/>
           </a:xfrm>
           <a:prstGeom prst="rect">
             <a:avLst/>
@@ -3856,6 +3856,52 @@
       </p:sp>
       <p:sp>
         <p:nvSpPr>
+          <p:cNvPr id="58" name="Rectangle 57">
+            <a:extLst>
+              <a:ext uri="{FF2B5EF4-FFF2-40B4-BE49-F238E27FC236}">
+                <a16:creationId xmlns:a16="http://schemas.microsoft.com/office/drawing/2014/main" id="{539DD055-8EF1-46D5-A759-909838B13B59}"/>
+              </a:ext>
+            </a:extLst>
+          </p:cNvPr>
+          <p:cNvSpPr/>
+          <p:nvPr/>
+        </p:nvSpPr>
+        <p:spPr>
+          <a:xfrm>
+            <a:off x="7988206" y="1583112"/>
+            <a:ext cx="340999" cy="288748"/>
+          </a:xfrm>
+          <a:prstGeom prst="rect">
+            <a:avLst/>
+          </a:prstGeom>
+        </p:spPr>
+        <p:style>
+          <a:lnRef idx="2">
+            <a:schemeClr val="accent1">
+              <a:shade val="50000"/>
+            </a:schemeClr>
+          </a:lnRef>
+          <a:fillRef idx="1">
+            <a:schemeClr val="accent1"/>
+          </a:fillRef>
+          <a:effectRef idx="0">
+            <a:schemeClr val="accent1"/>
+          </a:effectRef>
+          <a:fontRef idx="minor">
+            <a:schemeClr val="lt1"/>
+          </a:fontRef>
+        </p:style>
+        <p:txBody>
+          <a:bodyPr rtlCol="0" anchor="ctr"/>
+          <a:lstStyle/>
+          <a:p>
+            <a:pPr algn="ctr"/>
+            <a:endParaRPr lang="fr-FR"/>
+          </a:p>
+        </p:txBody>
+      </p:sp>
+      <p:sp>
+        <p:nvSpPr>
           <p:cNvPr id="9" name="ZoneTexte 8">
             <a:extLst>
               <a:ext uri="{FF2B5EF4-FFF2-40B4-BE49-F238E27FC236}">
@@ -3868,7 +3914,7 @@
         </p:nvSpPr>
         <p:spPr>
           <a:xfrm>
-            <a:off x="3780195" y="601868"/>
+            <a:off x="3907417" y="601868"/>
             <a:ext cx="607145" cy="338554"/>
           </a:xfrm>
           <a:prstGeom prst="rect">
@@ -3900,18 +3946,20 @@
           </p:cNvPr>
           <p:cNvCxnSpPr>
             <a:cxnSpLocks/>
-            <a:stCxn id="11" idx="0"/>
+            <a:stCxn id="60" idx="1"/>
             <a:endCxn id="20" idx="3"/>
           </p:cNvCxnSpPr>
           <p:nvPr/>
         </p:nvCxnSpPr>
         <p:spPr>
-          <a:xfrm rot="16200000" flipV="1">
-            <a:off x="5084007" y="-706606"/>
-            <a:ext cx="846507" cy="3474043"/>
-          </a:xfrm>
-          <a:prstGeom prst="bentConnector2">
-            <a:avLst/>
+          <a:xfrm rot="10800000">
+            <a:off x="3897461" y="607163"/>
+            <a:ext cx="2265621" cy="891217"/>
+          </a:xfrm>
+          <a:prstGeom prst="bentConnector3">
+            <a:avLst>
+              <a:gd name="adj1" fmla="val 50000"/>
+            </a:avLst>
           </a:prstGeom>
           <a:ln w="28575">
             <a:headEnd type="none" w="med" len="med"/>
@@ -3947,8 +3995,8 @@
         </p:nvSpPr>
         <p:spPr>
           <a:xfrm>
-            <a:off x="1894230" y="154094"/>
-            <a:ext cx="1876008" cy="906135"/>
+            <a:off x="1297711" y="154094"/>
+            <a:ext cx="2599749" cy="906135"/>
           </a:xfrm>
           <a:prstGeom prst="rect">
             <a:avLst/>
@@ -4047,7 +4095,7 @@
         </p:nvSpPr>
         <p:spPr>
           <a:xfrm>
-            <a:off x="5646246" y="285916"/>
+            <a:off x="4269417" y="1206883"/>
             <a:ext cx="1740711" cy="338554"/>
           </a:xfrm>
           <a:prstGeom prst="rect">
@@ -4086,8 +4134,8 @@
         </p:nvCxnSpPr>
         <p:spPr>
           <a:xfrm rot="16200000" flipH="1">
-            <a:off x="6747508" y="2899385"/>
-            <a:ext cx="995653" cy="2107"/>
+            <a:off x="6711065" y="2862942"/>
+            <a:ext cx="1068539" cy="2107"/>
           </a:xfrm>
           <a:prstGeom prst="bentConnector3">
             <a:avLst>
@@ -4305,7 +4353,7 @@
         </p:nvSpPr>
         <p:spPr>
           <a:xfrm>
-            <a:off x="3830444" y="4613945"/>
+            <a:off x="3830444" y="4685504"/>
             <a:ext cx="2750664" cy="929390"/>
           </a:xfrm>
           <a:prstGeom prst="rect">
@@ -4412,7 +4460,7 @@
         </p:nvSpPr>
         <p:spPr>
           <a:xfrm>
-            <a:off x="7910044" y="4619903"/>
+            <a:off x="7910044" y="4691462"/>
             <a:ext cx="2744710" cy="917620"/>
           </a:xfrm>
           <a:prstGeom prst="rect">
@@ -4523,8 +4571,8 @@
         </p:nvCxnSpPr>
         <p:spPr>
           <a:xfrm rot="10800000" flipV="1">
-            <a:off x="3761494" y="2274814"/>
-            <a:ext cx="2411116" cy="839432"/>
+            <a:off x="3888716" y="2201928"/>
+            <a:ext cx="2283894" cy="912318"/>
           </a:xfrm>
           <a:prstGeom prst="bentConnector3">
             <a:avLst>
@@ -4570,7 +4618,7 @@
         <p:spPr>
           <a:xfrm>
             <a:off x="8496167" y="3852244"/>
-            <a:ext cx="786232" cy="767659"/>
+            <a:ext cx="786232" cy="839218"/>
           </a:xfrm>
           <a:prstGeom prst="bentConnector2">
             <a:avLst/>
@@ -4609,7 +4657,7 @@
         </p:nvSpPr>
         <p:spPr>
           <a:xfrm>
-            <a:off x="4288328" y="1933631"/>
+            <a:off x="4269417" y="1907127"/>
             <a:ext cx="1987886" cy="338554"/>
           </a:xfrm>
           <a:prstGeom prst="rect">
@@ -4644,7 +4692,7 @@
         </p:nvSpPr>
         <p:spPr>
           <a:xfrm>
-            <a:off x="3806451" y="3078451"/>
+            <a:off x="3933673" y="3078451"/>
             <a:ext cx="607145" cy="338554"/>
           </a:xfrm>
           <a:prstGeom prst="rect">
@@ -4679,7 +4727,7 @@
         </p:nvSpPr>
         <p:spPr>
           <a:xfrm>
-            <a:off x="3780195" y="3550372"/>
+            <a:off x="2942894" y="3775095"/>
             <a:ext cx="2339634" cy="338554"/>
           </a:xfrm>
           <a:prstGeom prst="rect">
@@ -4714,7 +4762,7 @@
         </p:nvSpPr>
         <p:spPr>
           <a:xfrm>
-            <a:off x="4765267" y="4229779"/>
+            <a:off x="4765267" y="4301338"/>
             <a:ext cx="607145" cy="338554"/>
           </a:xfrm>
           <a:prstGeom prst="rect">
@@ -4749,7 +4797,7 @@
         </p:nvSpPr>
         <p:spPr>
           <a:xfrm>
-            <a:off x="8815230" y="4231240"/>
+            <a:off x="8815230" y="4302799"/>
             <a:ext cx="607145" cy="338554"/>
           </a:xfrm>
           <a:prstGeom prst="rect">
@@ -4784,8 +4832,8 @@
         </p:nvSpPr>
         <p:spPr>
           <a:xfrm>
-            <a:off x="8496167" y="3503065"/>
-            <a:ext cx="3111179" cy="338554"/>
+            <a:off x="9282399" y="3753078"/>
+            <a:ext cx="2826490" cy="338554"/>
           </a:xfrm>
           <a:prstGeom prst="rect">
             <a:avLst/>
@@ -4819,8 +4867,8 @@
         </p:nvSpPr>
         <p:spPr>
           <a:xfrm>
-            <a:off x="316157" y="231960"/>
-            <a:ext cx="1540369" cy="646331"/>
+            <a:off x="-87459" y="231960"/>
+            <a:ext cx="1411253" cy="646331"/>
           </a:xfrm>
           <a:prstGeom prst="rect">
             <a:avLst/>
@@ -4862,8 +4910,8 @@
         </p:nvSpPr>
         <p:spPr>
           <a:xfrm>
-            <a:off x="7621432" y="397982"/>
-            <a:ext cx="2614709" cy="923330"/>
+            <a:off x="6010128" y="906203"/>
+            <a:ext cx="6043942" cy="369332"/>
           </a:xfrm>
           <a:prstGeom prst="rect">
             <a:avLst/>
@@ -4960,7 +5008,7 @@
         </p:nvSpPr>
         <p:spPr>
           <a:xfrm>
-            <a:off x="-80" y="2630056"/>
+            <a:off x="-47784" y="2630056"/>
             <a:ext cx="1255065" cy="923330"/>
           </a:xfrm>
           <a:prstGeom prst="rect">
@@ -5010,7 +5058,7 @@
         </p:nvSpPr>
         <p:spPr>
           <a:xfrm>
-            <a:off x="2252873" y="4439682"/>
+            <a:off x="2252873" y="4511241"/>
             <a:ext cx="1506979" cy="1200329"/>
           </a:xfrm>
           <a:prstGeom prst="rect">
@@ -5060,7 +5108,7 @@
         </p:nvSpPr>
         <p:spPr>
           <a:xfrm>
-            <a:off x="10730605" y="4439682"/>
+            <a:off x="10730605" y="4511241"/>
             <a:ext cx="1315620" cy="1200329"/>
           </a:xfrm>
           <a:prstGeom prst="rect">
@@ -5109,8 +5157,8 @@
         </p:nvSpPr>
         <p:spPr>
           <a:xfrm>
-            <a:off x="6410425" y="6166315"/>
-            <a:ext cx="1667712" cy="476672"/>
+            <a:off x="6410425" y="6126559"/>
+            <a:ext cx="1667712" cy="632050"/>
           </a:xfrm>
           <a:prstGeom prst="rect">
             <a:avLst/>
@@ -5201,8 +5249,8 @@
         </p:nvCxnSpPr>
         <p:spPr>
           <a:xfrm rot="16200000" flipH="1">
-            <a:off x="5377442" y="5371668"/>
-            <a:ext cx="861316" cy="1204649"/>
+            <a:off x="5394255" y="5426414"/>
+            <a:ext cx="827690" cy="1204649"/>
           </a:xfrm>
           <a:prstGeom prst="bentConnector2">
             <a:avLst/>
@@ -5245,8 +5293,8 @@
         </p:nvCxnSpPr>
         <p:spPr>
           <a:xfrm rot="5400000">
-            <a:off x="8246704" y="5368956"/>
-            <a:ext cx="867128" cy="1204262"/>
+            <a:off x="8263517" y="5423702"/>
+            <a:ext cx="833502" cy="1204262"/>
           </a:xfrm>
           <a:prstGeom prst="bentConnector2">
             <a:avLst/>
@@ -5285,7 +5333,7 @@
         </p:nvSpPr>
         <p:spPr>
           <a:xfrm>
-            <a:off x="5918760" y="6354542"/>
+            <a:off x="5872378" y="6374420"/>
             <a:ext cx="607145" cy="338554"/>
           </a:xfrm>
           <a:prstGeom prst="rect">
@@ -5320,7 +5368,7 @@
         </p:nvSpPr>
         <p:spPr>
           <a:xfrm>
-            <a:off x="8200243" y="6358269"/>
+            <a:off x="8153861" y="6378147"/>
             <a:ext cx="607145" cy="338554"/>
           </a:xfrm>
           <a:prstGeom prst="rect">
@@ -5355,7 +5403,7 @@
         </p:nvSpPr>
         <p:spPr>
           <a:xfrm>
-            <a:off x="1170489" y="1347636"/>
+            <a:off x="1297711" y="1347636"/>
             <a:ext cx="2621259" cy="989630"/>
           </a:xfrm>
           <a:prstGeom prst="rect">
@@ -5466,8 +5514,8 @@
         </p:nvCxnSpPr>
         <p:spPr>
           <a:xfrm rot="10800000">
-            <a:off x="3791748" y="1842452"/>
-            <a:ext cx="2373592" cy="1303"/>
+            <a:off x="3918970" y="1842452"/>
+            <a:ext cx="2246370" cy="1303"/>
           </a:xfrm>
           <a:prstGeom prst="bentConnector3">
             <a:avLst>
@@ -5508,7 +5556,7 @@
         </p:nvSpPr>
         <p:spPr>
           <a:xfrm>
-            <a:off x="3757192" y="1973824"/>
+            <a:off x="3884414" y="1973824"/>
             <a:ext cx="607145" cy="338554"/>
           </a:xfrm>
           <a:prstGeom prst="rect">
@@ -5543,7 +5591,7 @@
         </p:nvSpPr>
         <p:spPr>
           <a:xfrm>
-            <a:off x="4364337" y="1505287"/>
+            <a:off x="4269417" y="1538417"/>
             <a:ext cx="1730265" cy="338554"/>
           </a:xfrm>
           <a:prstGeom prst="rect">
@@ -5578,7 +5626,7 @@
         </p:nvSpPr>
         <p:spPr>
           <a:xfrm>
-            <a:off x="-1" y="1371837"/>
+            <a:off x="-47705" y="1371837"/>
             <a:ext cx="1098565" cy="923330"/>
           </a:xfrm>
           <a:prstGeom prst="rect">
@@ -5621,7 +5669,7 @@
         </p:nvSpPr>
         <p:spPr>
           <a:xfrm>
-            <a:off x="5282271" y="5743313"/>
+            <a:off x="5282271" y="5719460"/>
             <a:ext cx="3938309" cy="369332"/>
           </a:xfrm>
           <a:prstGeom prst="rect">
@@ -5673,7 +5721,7 @@
         </p:nvCxnSpPr>
         <p:spPr>
           <a:xfrm flipH="1" flipV="1">
-            <a:off x="8302413" y="1541496"/>
+            <a:off x="8302413" y="1468610"/>
             <a:ext cx="20166" cy="234943"/>
           </a:xfrm>
           <a:prstGeom prst="bentConnector3">
@@ -5715,7 +5763,7 @@
         </p:nvSpPr>
         <p:spPr>
           <a:xfrm>
-            <a:off x="8365057" y="1714517"/>
+            <a:off x="8365057" y="1641631"/>
             <a:ext cx="563730" cy="338554"/>
           </a:xfrm>
           <a:prstGeom prst="rect">
@@ -5750,7 +5798,7 @@
         </p:nvSpPr>
         <p:spPr>
           <a:xfrm>
-            <a:off x="8570910" y="1474301"/>
+            <a:off x="8570910" y="1401415"/>
             <a:ext cx="2243306" cy="338554"/>
           </a:xfrm>
           <a:prstGeom prst="rect">
@@ -5798,7 +5846,7 @@
         </p:nvSpPr>
         <p:spPr>
           <a:xfrm>
-            <a:off x="8165543" y="1989453"/>
+            <a:off x="8165543" y="1916567"/>
             <a:ext cx="143498" cy="164249"/>
           </a:xfrm>
           <a:prstGeom prst="rect">
@@ -5844,7 +5892,7 @@
         </p:nvSpPr>
         <p:spPr>
           <a:xfrm>
-            <a:off x="7981898" y="2146376"/>
+            <a:off x="7981898" y="2073490"/>
             <a:ext cx="340999" cy="195582"/>
           </a:xfrm>
           <a:prstGeom prst="rect">
@@ -5892,7 +5940,7 @@
         </p:nvCxnSpPr>
         <p:spPr>
           <a:xfrm flipH="1" flipV="1">
-            <a:off x="8302415" y="2071578"/>
+            <a:off x="8302415" y="1998692"/>
             <a:ext cx="13856" cy="218971"/>
           </a:xfrm>
           <a:prstGeom prst="bentConnector3">
@@ -5934,7 +5982,7 @@
         </p:nvSpPr>
         <p:spPr>
           <a:xfrm>
-            <a:off x="8365057" y="2277729"/>
+            <a:off x="8365057" y="2204843"/>
             <a:ext cx="523976" cy="338554"/>
           </a:xfrm>
           <a:prstGeom prst="rect">
@@ -5969,7 +6017,7 @@
         </p:nvSpPr>
         <p:spPr>
           <a:xfrm>
-            <a:off x="8559167" y="2017702"/>
+            <a:off x="8559167" y="1944816"/>
             <a:ext cx="2649187" cy="338554"/>
           </a:xfrm>
           <a:prstGeom prst="rect">
@@ -6017,7 +6065,7 @@
         </p:nvSpPr>
         <p:spPr>
           <a:xfrm>
-            <a:off x="6172610" y="2157231"/>
+            <a:off x="6172610" y="2084345"/>
             <a:ext cx="283614" cy="235165"/>
           </a:xfrm>
           <a:prstGeom prst="rect">
@@ -6063,8 +6111,8 @@
         </p:nvSpPr>
         <p:spPr>
           <a:xfrm>
-            <a:off x="1331843" y="2626533"/>
-            <a:ext cx="2429651" cy="975425"/>
+            <a:off x="1297711" y="2626533"/>
+            <a:ext cx="2591005" cy="975425"/>
           </a:xfrm>
           <a:prstGeom prst="rect">
             <a:avLst/>
@@ -6216,7 +6264,7 @@
         </p:nvSpPr>
         <p:spPr>
           <a:xfrm>
-            <a:off x="6148057" y="1453669"/>
+            <a:off x="6148057" y="1380783"/>
             <a:ext cx="2192448" cy="948944"/>
           </a:xfrm>
           <a:prstGeom prst="rect">
@@ -6327,8 +6375,8 @@
         </p:nvCxnSpPr>
         <p:spPr>
           <a:xfrm rot="10800000" flipV="1">
-            <a:off x="5205777" y="3852243"/>
-            <a:ext cx="790833" cy="761701"/>
+            <a:off x="5205777" y="3852244"/>
+            <a:ext cx="790833" cy="833260"/>
           </a:xfrm>
           <a:prstGeom prst="bentConnector2">
             <a:avLst/>

--- a/input/images-source/LabCompendium.pptx
+++ b/input/images-source/LabCompendium.pptx
@@ -3961,7 +3961,7 @@
               <a:gd name="adj1" fmla="val 50000"/>
             </a:avLst>
           </a:prstGeom>
-          <a:ln w="28575">
+          <a:ln w="19050">
             <a:headEnd type="none" w="med" len="med"/>
             <a:tailEnd type="arrow" w="med" len="med"/>
           </a:ln>
@@ -4110,7 +4110,14 @@
           <a:lstStyle/>
           <a:p>
             <a:r>
-              <a:rPr lang="en-US" sz="1600" noProof="1"/>
+              <a:rPr lang="en-US" sz="1600" noProof="1">
+                <a:solidFill>
+                  <a:schemeClr val="tx1">
+                    <a:lumMod val="50000"/>
+                    <a:lumOff val="50000"/>
+                  </a:schemeClr>
+                </a:solidFill>
+              </a:rPr>
               <a:t>catalogReference</a:t>
             </a:r>
           </a:p>
@@ -4142,7 +4149,7 @@
               <a:gd name="adj1" fmla="val 50000"/>
             </a:avLst>
           </a:prstGeom>
-          <a:ln w="28575">
+          <a:ln w="19050">
             <a:headEnd type="none" w="med" len="med"/>
             <a:tailEnd type="arrow" w="med" len="med"/>
           </a:ln>
@@ -4333,7 +4340,14 @@
           <a:lstStyle/>
           <a:p>
             <a:r>
-              <a:rPr lang="en-US" sz="1600" noProof="1"/>
+              <a:rPr lang="en-US" sz="1600" noProof="1">
+                <a:solidFill>
+                  <a:schemeClr val="tx1">
+                    <a:lumMod val="50000"/>
+                    <a:lumOff val="50000"/>
+                  </a:schemeClr>
+                </a:solidFill>
+              </a:rPr>
               <a:t>action[.action[.action]].definitionCanonical</a:t>
             </a:r>
           </a:p>
@@ -4579,7 +4593,7 @@
               <a:gd name="adj1" fmla="val 50000"/>
             </a:avLst>
           </a:prstGeom>
-          <a:ln w="28575">
+          <a:ln w="19050">
             <a:headEnd type="none" w="med" len="med"/>
             <a:tailEnd type="arrow" w="med" len="med"/>
           </a:ln>
@@ -4623,7 +4637,7 @@
           <a:prstGeom prst="bentConnector2">
             <a:avLst/>
           </a:prstGeom>
-          <a:ln w="28575">
+          <a:ln w="19050">
             <a:headEnd type="none" w="med" len="med"/>
             <a:tailEnd type="arrow" w="med" len="med"/>
           </a:ln>
@@ -4672,7 +4686,14 @@
           <a:lstStyle/>
           <a:p>
             <a:r>
-              <a:rPr lang="en-US" sz="1600" noProof="1"/>
+              <a:rPr lang="en-US" sz="1600" noProof="1">
+                <a:solidFill>
+                  <a:schemeClr val="tx1">
+                    <a:lumMod val="50000"/>
+                    <a:lumOff val="50000"/>
+                  </a:schemeClr>
+                </a:solidFill>
+              </a:rPr>
               <a:t>specimenRequested</a:t>
             </a:r>
           </a:p>
@@ -4742,7 +4763,14 @@
           <a:lstStyle/>
           <a:p>
             <a:r>
-              <a:rPr lang="en-US" sz="1600" noProof="1"/>
+              <a:rPr lang="en-US" sz="1600" noProof="1">
+                <a:solidFill>
+                  <a:schemeClr val="tx1">
+                    <a:lumMod val="50000"/>
+                    <a:lumOff val="50000"/>
+                  </a:schemeClr>
+                </a:solidFill>
+              </a:rPr>
               <a:t>observationRequirement</a:t>
             </a:r>
           </a:p>
@@ -4847,7 +4875,14 @@
           <a:lstStyle/>
           <a:p>
             <a:r>
-              <a:rPr lang="en-US" sz="1600" noProof="1"/>
+              <a:rPr lang="en-US" sz="1600" noProof="1">
+                <a:solidFill>
+                  <a:schemeClr val="tx1">
+                    <a:lumMod val="50000"/>
+                    <a:lumOff val="50000"/>
+                  </a:schemeClr>
+                </a:solidFill>
+              </a:rPr>
               <a:t>observationResultRequirement</a:t>
             </a:r>
           </a:p>
@@ -4883,14 +4918,7 @@
           <a:p>
             <a:pPr algn="r"/>
             <a:r>
-              <a:rPr lang="en-US" i="1" noProof="1">
-                <a:solidFill>
-                  <a:schemeClr val="accent1">
-                    <a:lumMod val="60000"/>
-                    <a:lumOff val="40000"/>
-                  </a:schemeClr>
-                </a:solidFill>
-              </a:rPr>
+              <a:rPr lang="en-US" i="1" noProof="1"/>
               <a:t>a laboratory compendium</a:t>
             </a:r>
           </a:p>
@@ -4910,8 +4938,8 @@
         </p:nvSpPr>
         <p:spPr>
           <a:xfrm>
-            <a:off x="6010128" y="906203"/>
-            <a:ext cx="6043942" cy="369332"/>
+            <a:off x="6056510" y="906203"/>
+            <a:ext cx="5830689" cy="369332"/>
           </a:xfrm>
           <a:prstGeom prst="rect">
             <a:avLst/>
@@ -4939,8 +4967,12 @@
           </a:lstStyle>
           <a:p>
             <a:r>
-              <a:rPr lang="en-US" i="1" noProof="1"/>
-              <a:t>a laboratory service accessible by the consumers of the catalog</a:t>
+              <a:rPr lang="en-US" i="1" noProof="1">
+                <a:solidFill>
+                  <a:schemeClr val="tx1"/>
+                </a:solidFill>
+              </a:rPr>
+              <a:t>a laboratory service exposed to the consumers of the catalog</a:t>
             </a:r>
           </a:p>
         </p:txBody>
@@ -4988,7 +5020,11 @@
           </a:lstStyle>
           <a:p>
             <a:r>
-              <a:rPr lang="en-US" i="1" noProof="1"/>
+              <a:rPr lang="en-US" i="1" noProof="1">
+                <a:solidFill>
+                  <a:schemeClr val="tx1"/>
+                </a:solidFill>
+              </a:rPr>
               <a:t>a laboratory procedure operationalizing the service </a:t>
             </a:r>
           </a:p>
@@ -5038,7 +5074,11 @@
           <a:p>
             <a:pPr algn="r"/>
             <a:r>
-              <a:rPr lang="en-US" i="1" noProof="1"/>
+              <a:rPr lang="en-US" i="1" noProof="1">
+                <a:solidFill>
+                  <a:schemeClr val="tx1"/>
+                </a:solidFill>
+              </a:rPr>
               <a:t>a specimen required by the service</a:t>
             </a:r>
           </a:p>
@@ -5088,7 +5128,11 @@
           <a:p>
             <a:pPr algn="r"/>
             <a:r>
-              <a:rPr lang="en-US" i="1" noProof="1"/>
+              <a:rPr lang="en-US" i="1" noProof="1">
+                <a:solidFill>
+                  <a:schemeClr val="tx1"/>
+                </a:solidFill>
+              </a:rPr>
               <a:t>an input observation to the procedure</a:t>
             </a:r>
           </a:p>
@@ -5137,7 +5181,11 @@
           </a:lstStyle>
           <a:p>
             <a:r>
-              <a:rPr lang="en-US" i="1" noProof="1"/>
+              <a:rPr lang="en-US" i="1" noProof="1">
+                <a:solidFill>
+                  <a:schemeClr val="tx1"/>
+                </a:solidFill>
+              </a:rPr>
               <a:t>an output observation of the procedure</a:t>
             </a:r>
           </a:p>
@@ -5255,7 +5303,7 @@
           <a:prstGeom prst="bentConnector2">
             <a:avLst/>
           </a:prstGeom>
-          <a:ln w="28575">
+          <a:ln w="19050">
             <a:headEnd type="none" w="med" len="med"/>
             <a:tailEnd type="arrow" w="med" len="med"/>
           </a:ln>
@@ -5299,7 +5347,7 @@
           <a:prstGeom prst="bentConnector2">
             <a:avLst/>
           </a:prstGeom>
-          <a:ln w="28575">
+          <a:ln w="19050">
             <a:headEnd type="none" w="med" len="med"/>
             <a:tailEnd type="arrow" w="med" len="med"/>
           </a:ln>
@@ -5522,7 +5570,7 @@
               <a:gd name="adj1" fmla="val 50000"/>
             </a:avLst>
           </a:prstGeom>
-          <a:ln w="28575">
+          <a:ln w="19050">
             <a:headEnd type="none" w="med" len="med"/>
             <a:tailEnd type="arrow" w="med" len="med"/>
           </a:ln>
@@ -5606,7 +5654,14 @@
           <a:lstStyle/>
           <a:p>
             <a:r>
-              <a:rPr lang="en-US" sz="1600" noProof="1"/>
+              <a:rPr lang="en-US" sz="1600" noProof="1">
+                <a:solidFill>
+                  <a:schemeClr val="tx1">
+                    <a:lumMod val="50000"/>
+                    <a:lumOff val="50000"/>
+                  </a:schemeClr>
+                </a:solidFill>
+              </a:rPr>
               <a:t>serviceBillingCode</a:t>
             </a:r>
           </a:p>
@@ -5642,14 +5697,7 @@
           <a:p>
             <a:pPr algn="r"/>
             <a:r>
-              <a:rPr lang="en-US" i="1" noProof="1">
-                <a:solidFill>
-                  <a:schemeClr val="accent1">
-                    <a:lumMod val="60000"/>
-                    <a:lumOff val="40000"/>
-                  </a:schemeClr>
-                </a:solidFill>
-              </a:rPr>
+              <a:rPr lang="en-US" i="1" noProof="1"/>
               <a:t>a billing code and its rules</a:t>
             </a:r>
           </a:p>
@@ -5699,7 +5747,11 @@
           <a:p>
             <a:pPr algn="ctr"/>
             <a:r>
-              <a:rPr lang="en-US" i="1" noProof="1"/>
+              <a:rPr lang="en-US" i="1" noProof="1">
+                <a:solidFill>
+                  <a:schemeClr val="tx1"/>
+                </a:solidFill>
+              </a:rPr>
               <a:t>valid|normal|abnormal|critical values</a:t>
             </a:r>
           </a:p>
@@ -5812,7 +5864,14 @@
           <a:lstStyle/>
           <a:p>
             <a:r>
-              <a:rPr lang="en-US" sz="1600" noProof="1"/>
+              <a:rPr lang="en-US" sz="1600" noProof="1">
+                <a:solidFill>
+                  <a:schemeClr val="tx1">
+                    <a:lumMod val="50000"/>
+                    <a:lumOff val="50000"/>
+                  </a:schemeClr>
+                </a:solidFill>
+              </a:rPr>
               <a:t>relatedArtifact (</a:t>
             </a:r>
             <a:r>
@@ -5826,7 +5885,14 @@
               <a:t>Includes</a:t>
             </a:r>
             <a:r>
-              <a:rPr lang="en-US" sz="1600" noProof="1"/>
+              <a:rPr lang="en-US" sz="1600" noProof="1">
+                <a:solidFill>
+                  <a:schemeClr val="tx1">
+                    <a:lumMod val="50000"/>
+                    <a:lumOff val="50000"/>
+                  </a:schemeClr>
+                </a:solidFill>
+              </a:rPr>
               <a:t>)</a:t>
             </a:r>
           </a:p>
@@ -6031,7 +6097,14 @@
           <a:lstStyle/>
           <a:p>
             <a:r>
-              <a:rPr lang="en-US" sz="1600" noProof="1"/>
+              <a:rPr lang="en-US" sz="1600" noProof="1">
+                <a:solidFill>
+                  <a:schemeClr val="tx1">
+                    <a:lumMod val="50000"/>
+                    <a:lumOff val="50000"/>
+                  </a:schemeClr>
+                </a:solidFill>
+              </a:rPr>
               <a:t>relatedArtifact (</a:t>
             </a:r>
             <a:r>
@@ -6045,7 +6118,14 @@
               <a:t>IsReplacedBy</a:t>
             </a:r>
             <a:r>
-              <a:rPr lang="en-US" sz="1600" noProof="1"/>
+              <a:rPr lang="en-US" sz="1600" noProof="1">
+                <a:solidFill>
+                  <a:schemeClr val="tx1">
+                    <a:lumMod val="50000"/>
+                    <a:lumOff val="50000"/>
+                  </a:schemeClr>
+                </a:solidFill>
+              </a:rPr>
               <a:t>)</a:t>
             </a:r>
           </a:p>
@@ -6381,7 +6461,7 @@
           <a:prstGeom prst="bentConnector2">
             <a:avLst/>
           </a:prstGeom>
-          <a:ln w="28575">
+          <a:ln w="19050">
             <a:headEnd type="none" w="med" len="med"/>
             <a:tailEnd type="arrow" w="med" len="med"/>
           </a:ln>

--- a/input/images-source/LabCompendium.pptx
+++ b/input/images-source/LabCompendium.pptx
@@ -2,7 +2,7 @@
 <file path=ppt/presentation.xml><?xml version="1.0" encoding="utf-8"?>
 <p:presentation xmlns:a="http://schemas.openxmlformats.org/drawingml/2006/main" xmlns:r="http://schemas.openxmlformats.org/officeDocument/2006/relationships" xmlns:p="http://schemas.openxmlformats.org/presentationml/2006/main" saveSubsetFonts="1">
   <p:sldMasterIdLst>
-    <p:sldMasterId id="2147483648" r:id="rId1"/>
+    <p:sldMasterId id="2147483660" r:id="rId1"/>
   </p:sldMasterIdLst>
   <p:notesMasterIdLst>
     <p:notesMasterId r:id="rId3"/>
@@ -10,13 +10,13 @@
   <p:sldIdLst>
     <p:sldId id="335" r:id="rId2"/>
   </p:sldIdLst>
-  <p:sldSz cx="12192000" cy="6858000"/>
+  <p:sldSz cx="6858000" cy="12192000"/>
   <p:notesSz cx="6858000" cy="9144000"/>
   <p:defaultTextStyle>
     <a:defPPr>
-      <a:defRPr lang="fr-FR"/>
+      <a:defRPr lang="en-US"/>
     </a:defPPr>
-    <a:lvl1pPr marL="0" algn="l" defTabSz="914400" rtl="0" eaLnBrk="1" latinLnBrk="0" hangingPunct="1">
+    <a:lvl1pPr marL="0" algn="l" defTabSz="457200" rtl="0" eaLnBrk="1" latinLnBrk="0" hangingPunct="1">
       <a:defRPr sz="1800" kern="1200">
         <a:solidFill>
           <a:schemeClr val="tx1"/>
@@ -26,7 +26,7 @@
         <a:cs typeface="+mn-cs"/>
       </a:defRPr>
     </a:lvl1pPr>
-    <a:lvl2pPr marL="457200" algn="l" defTabSz="914400" rtl="0" eaLnBrk="1" latinLnBrk="0" hangingPunct="1">
+    <a:lvl2pPr marL="457200" algn="l" defTabSz="457200" rtl="0" eaLnBrk="1" latinLnBrk="0" hangingPunct="1">
       <a:defRPr sz="1800" kern="1200">
         <a:solidFill>
           <a:schemeClr val="tx1"/>
@@ -36,7 +36,7 @@
         <a:cs typeface="+mn-cs"/>
       </a:defRPr>
     </a:lvl2pPr>
-    <a:lvl3pPr marL="914400" algn="l" defTabSz="914400" rtl="0" eaLnBrk="1" latinLnBrk="0" hangingPunct="1">
+    <a:lvl3pPr marL="914400" algn="l" defTabSz="457200" rtl="0" eaLnBrk="1" latinLnBrk="0" hangingPunct="1">
       <a:defRPr sz="1800" kern="1200">
         <a:solidFill>
           <a:schemeClr val="tx1"/>
@@ -46,7 +46,7 @@
         <a:cs typeface="+mn-cs"/>
       </a:defRPr>
     </a:lvl3pPr>
-    <a:lvl4pPr marL="1371600" algn="l" defTabSz="914400" rtl="0" eaLnBrk="1" latinLnBrk="0" hangingPunct="1">
+    <a:lvl4pPr marL="1371600" algn="l" defTabSz="457200" rtl="0" eaLnBrk="1" latinLnBrk="0" hangingPunct="1">
       <a:defRPr sz="1800" kern="1200">
         <a:solidFill>
           <a:schemeClr val="tx1"/>
@@ -56,7 +56,7 @@
         <a:cs typeface="+mn-cs"/>
       </a:defRPr>
     </a:lvl4pPr>
-    <a:lvl5pPr marL="1828800" algn="l" defTabSz="914400" rtl="0" eaLnBrk="1" latinLnBrk="0" hangingPunct="1">
+    <a:lvl5pPr marL="1828800" algn="l" defTabSz="457200" rtl="0" eaLnBrk="1" latinLnBrk="0" hangingPunct="1">
       <a:defRPr sz="1800" kern="1200">
         <a:solidFill>
           <a:schemeClr val="tx1"/>
@@ -66,7 +66,7 @@
         <a:cs typeface="+mn-cs"/>
       </a:defRPr>
     </a:lvl5pPr>
-    <a:lvl6pPr marL="2286000" algn="l" defTabSz="914400" rtl="0" eaLnBrk="1" latinLnBrk="0" hangingPunct="1">
+    <a:lvl6pPr marL="2286000" algn="l" defTabSz="457200" rtl="0" eaLnBrk="1" latinLnBrk="0" hangingPunct="1">
       <a:defRPr sz="1800" kern="1200">
         <a:solidFill>
           <a:schemeClr val="tx1"/>
@@ -76,7 +76,7 @@
         <a:cs typeface="+mn-cs"/>
       </a:defRPr>
     </a:lvl6pPr>
-    <a:lvl7pPr marL="2743200" algn="l" defTabSz="914400" rtl="0" eaLnBrk="1" latinLnBrk="0" hangingPunct="1">
+    <a:lvl7pPr marL="2743200" algn="l" defTabSz="457200" rtl="0" eaLnBrk="1" latinLnBrk="0" hangingPunct="1">
       <a:defRPr sz="1800" kern="1200">
         <a:solidFill>
           <a:schemeClr val="tx1"/>
@@ -86,7 +86,7 @@
         <a:cs typeface="+mn-cs"/>
       </a:defRPr>
     </a:lvl7pPr>
-    <a:lvl8pPr marL="3200400" algn="l" defTabSz="914400" rtl="0" eaLnBrk="1" latinLnBrk="0" hangingPunct="1">
+    <a:lvl8pPr marL="3200400" algn="l" defTabSz="457200" rtl="0" eaLnBrk="1" latinLnBrk="0" hangingPunct="1">
       <a:defRPr sz="1800" kern="1200">
         <a:solidFill>
           <a:schemeClr val="tx1"/>
@@ -96,7 +96,7 @@
         <a:cs typeface="+mn-cs"/>
       </a:defRPr>
     </a:lvl8pPr>
-    <a:lvl9pPr marL="3657600" algn="l" defTabSz="914400" rtl="0" eaLnBrk="1" latinLnBrk="0" hangingPunct="1">
+    <a:lvl9pPr marL="3657600" algn="l" defTabSz="457200" rtl="0" eaLnBrk="1" latinLnBrk="0" hangingPunct="1">
       <a:defRPr sz="1800" kern="1200">
         <a:solidFill>
           <a:schemeClr val="tx1"/>
@@ -197,7 +197,7 @@
           <a:p>
             <a:fld id="{C0FC2EA5-DDD9-41B5-A743-573E81829967}" type="datetimeFigureOut">
               <a:rPr lang="fr-FR" smtClean="0"/>
-              <a:t>09/07/2020</a:t>
+              <a:t>18/11/2020</a:t>
             </a:fld>
             <a:endParaRPr lang="fr-FR"/>
           </a:p>
@@ -215,8 +215,8 @@
         </p:nvSpPr>
         <p:spPr>
           <a:xfrm>
-            <a:off x="685800" y="1143000"/>
-            <a:ext cx="5486400" cy="3086100"/>
+            <a:off x="2560638" y="1143000"/>
+            <a:ext cx="1736725" cy="3086100"/>
           </a:xfrm>
           <a:prstGeom prst="rect">
             <a:avLst/>
@@ -491,7 +491,12 @@
             <p:ph type="sldImg"/>
           </p:nvPr>
         </p:nvSpPr>
-        <p:spPr/>
+        <p:spPr>
+          <a:xfrm>
+            <a:off x="2560638" y="1143000"/>
+            <a:ext cx="1736725" cy="3086100"/>
+          </a:xfrm>
+        </p:spPr>
       </p:sp>
       <p:sp>
         <p:nvSpPr>
@@ -567,13 +572,7 @@
       </p:grpSpPr>
       <p:sp>
         <p:nvSpPr>
-          <p:cNvPr id="2" name="Titre 1">
-            <a:extLst>
-              <a:ext uri="{FF2B5EF4-FFF2-40B4-BE49-F238E27FC236}">
-                <a16:creationId xmlns:a16="http://schemas.microsoft.com/office/drawing/2014/main" id="{0ED7A579-5204-4993-842E-5C879015839E}"/>
-              </a:ext>
-            </a:extLst>
-          </p:cNvPr>
+          <p:cNvPr id="2" name="Title 1"/>
           <p:cNvSpPr>
             <a:spLocks noGrp="1"/>
           </p:cNvSpPr>
@@ -583,15 +582,15 @@
         </p:nvSpPr>
         <p:spPr>
           <a:xfrm>
-            <a:off x="1524000" y="1122363"/>
-            <a:ext cx="9144000" cy="2387600"/>
+            <a:off x="514350" y="1995312"/>
+            <a:ext cx="5829300" cy="4244622"/>
           </a:xfrm>
         </p:spPr>
         <p:txBody>
           <a:bodyPr anchor="b"/>
           <a:lstStyle>
             <a:lvl1pPr algn="ctr">
-              <a:defRPr sz="6000"/>
+              <a:defRPr sz="4500"/>
             </a:lvl1pPr>
           </a:lstStyle>
           <a:p>
@@ -599,18 +598,13 @@
               <a:rPr lang="fr-FR"/>
               <a:t>Modifiez le style du titre</a:t>
             </a:r>
-          </a:p>
-        </p:txBody>
-      </p:sp>
-      <p:sp>
-        <p:nvSpPr>
-          <p:cNvPr id="3" name="Sous-titre 2">
-            <a:extLst>
-              <a:ext uri="{FF2B5EF4-FFF2-40B4-BE49-F238E27FC236}">
-                <a16:creationId xmlns:a16="http://schemas.microsoft.com/office/drawing/2014/main" id="{2958703F-81DA-4849-A0F5-06C3D4136621}"/>
-              </a:ext>
-            </a:extLst>
-          </p:cNvPr>
+            <a:endParaRPr lang="en-US" dirty="0"/>
+          </a:p>
+        </p:txBody>
+      </p:sp>
+      <p:sp>
+        <p:nvSpPr>
+          <p:cNvPr id="3" name="Subtitle 2"/>
           <p:cNvSpPr>
             <a:spLocks noGrp="1"/>
           </p:cNvSpPr>
@@ -620,8 +614,8 @@
         </p:nvSpPr>
         <p:spPr>
           <a:xfrm>
-            <a:off x="1524000" y="3602038"/>
-            <a:ext cx="9144000" cy="1655762"/>
+            <a:off x="857250" y="6403623"/>
+            <a:ext cx="5143500" cy="2943577"/>
           </a:xfrm>
         </p:spPr>
         <p:txBody>
@@ -629,39 +623,39 @@
           <a:lstStyle>
             <a:lvl1pPr marL="0" indent="0" algn="ctr">
               <a:buNone/>
-              <a:defRPr sz="2400"/>
+              <a:defRPr sz="1800"/>
             </a:lvl1pPr>
-            <a:lvl2pPr marL="457200" indent="0" algn="ctr">
+            <a:lvl2pPr marL="342900" indent="0" algn="ctr">
               <a:buNone/>
-              <a:defRPr sz="2000"/>
+              <a:defRPr sz="1500"/>
             </a:lvl2pPr>
-            <a:lvl3pPr marL="914400" indent="0" algn="ctr">
+            <a:lvl3pPr marL="685800" indent="0" algn="ctr">
               <a:buNone/>
-              <a:defRPr sz="1800"/>
+              <a:defRPr sz="1350"/>
             </a:lvl3pPr>
-            <a:lvl4pPr marL="1371600" indent="0" algn="ctr">
+            <a:lvl4pPr marL="1028700" indent="0" algn="ctr">
               <a:buNone/>
-              <a:defRPr sz="1600"/>
+              <a:defRPr sz="1200"/>
             </a:lvl4pPr>
-            <a:lvl5pPr marL="1828800" indent="0" algn="ctr">
+            <a:lvl5pPr marL="1371600" indent="0" algn="ctr">
               <a:buNone/>
-              <a:defRPr sz="1600"/>
+              <a:defRPr sz="1200"/>
             </a:lvl5pPr>
-            <a:lvl6pPr marL="2286000" indent="0" algn="ctr">
+            <a:lvl6pPr marL="1714500" indent="0" algn="ctr">
               <a:buNone/>
-              <a:defRPr sz="1600"/>
+              <a:defRPr sz="1200"/>
             </a:lvl6pPr>
-            <a:lvl7pPr marL="2743200" indent="0" algn="ctr">
+            <a:lvl7pPr marL="2057400" indent="0" algn="ctr">
               <a:buNone/>
-              <a:defRPr sz="1600"/>
+              <a:defRPr sz="1200"/>
             </a:lvl7pPr>
-            <a:lvl8pPr marL="3200400" indent="0" algn="ctr">
+            <a:lvl8pPr marL="2400300" indent="0" algn="ctr">
               <a:buNone/>
-              <a:defRPr sz="1600"/>
+              <a:defRPr sz="1200"/>
             </a:lvl8pPr>
-            <a:lvl9pPr marL="3657600" indent="0" algn="ctr">
+            <a:lvl9pPr marL="2743200" indent="0" algn="ctr">
               <a:buNone/>
-              <a:defRPr sz="1600"/>
+              <a:defRPr sz="1200"/>
             </a:lvl9pPr>
           </a:lstStyle>
           <a:p>
@@ -669,18 +663,13 @@
               <a:rPr lang="fr-FR"/>
               <a:t>Modifiez le style des sous-titres du masque</a:t>
             </a:r>
-          </a:p>
-        </p:txBody>
-      </p:sp>
-      <p:sp>
-        <p:nvSpPr>
-          <p:cNvPr id="4" name="Espace réservé de la date 3">
-            <a:extLst>
-              <a:ext uri="{FF2B5EF4-FFF2-40B4-BE49-F238E27FC236}">
-                <a16:creationId xmlns:a16="http://schemas.microsoft.com/office/drawing/2014/main" id="{0520DC03-3594-487B-889D-30BCA2EB14B3}"/>
-              </a:ext>
-            </a:extLst>
-          </p:cNvPr>
+            <a:endParaRPr lang="en-US" dirty="0"/>
+          </a:p>
+        </p:txBody>
+      </p:sp>
+      <p:sp>
+        <p:nvSpPr>
+          <p:cNvPr id="4" name="Date Placeholder 3"/>
           <p:cNvSpPr>
             <a:spLocks noGrp="1"/>
           </p:cNvSpPr>
@@ -695,7 +684,7 @@
           <a:p>
             <a:fld id="{DEBA1CB3-45B4-4365-8A01-D60AF6EBF46C}" type="datetimeFigureOut">
               <a:rPr lang="fr-FR" smtClean="0"/>
-              <a:t>09/07/2020</a:t>
+              <a:t>18/11/2020</a:t>
             </a:fld>
             <a:endParaRPr lang="fr-FR"/>
           </a:p>
@@ -703,13 +692,7 @@
       </p:sp>
       <p:sp>
         <p:nvSpPr>
-          <p:cNvPr id="5" name="Espace réservé du pied de page 4">
-            <a:extLst>
-              <a:ext uri="{FF2B5EF4-FFF2-40B4-BE49-F238E27FC236}">
-                <a16:creationId xmlns:a16="http://schemas.microsoft.com/office/drawing/2014/main" id="{D949DD6E-6441-4DD4-A257-2CFFD1E30C59}"/>
-              </a:ext>
-            </a:extLst>
-          </p:cNvPr>
+          <p:cNvPr id="5" name="Footer Placeholder 4"/>
           <p:cNvSpPr>
             <a:spLocks noGrp="1"/>
           </p:cNvSpPr>
@@ -728,13 +711,7 @@
       </p:sp>
       <p:sp>
         <p:nvSpPr>
-          <p:cNvPr id="6" name="Espace réservé du numéro de diapositive 5">
-            <a:extLst>
-              <a:ext uri="{FF2B5EF4-FFF2-40B4-BE49-F238E27FC236}">
-                <a16:creationId xmlns:a16="http://schemas.microsoft.com/office/drawing/2014/main" id="{FEC1E843-19E1-4A2D-A3FA-4D681934BBE8}"/>
-              </a:ext>
-            </a:extLst>
-          </p:cNvPr>
+          <p:cNvPr id="6" name="Slide Number Placeholder 5"/>
           <p:cNvSpPr>
             <a:spLocks noGrp="1"/>
           </p:cNvSpPr>
@@ -758,7 +735,7 @@
     </p:spTree>
     <p:extLst>
       <p:ext uri="{BB962C8B-B14F-4D97-AF65-F5344CB8AC3E}">
-        <p14:creationId xmlns:p14="http://schemas.microsoft.com/office/powerpoint/2010/main" val="2294441865"/>
+        <p14:creationId xmlns:p14="http://schemas.microsoft.com/office/powerpoint/2010/main" val="1534199144"/>
       </p:ext>
     </p:extLst>
   </p:cSld>
@@ -787,13 +764,7 @@
       </p:grpSpPr>
       <p:sp>
         <p:nvSpPr>
-          <p:cNvPr id="2" name="Titre 1">
-            <a:extLst>
-              <a:ext uri="{FF2B5EF4-FFF2-40B4-BE49-F238E27FC236}">
-                <a16:creationId xmlns:a16="http://schemas.microsoft.com/office/drawing/2014/main" id="{A76CF45A-3A6A-418B-A444-DD98FA943E66}"/>
-              </a:ext>
-            </a:extLst>
-          </p:cNvPr>
+          <p:cNvPr id="2" name="Title 1"/>
           <p:cNvSpPr>
             <a:spLocks noGrp="1"/>
           </p:cNvSpPr>
@@ -810,18 +781,13 @@
               <a:rPr lang="fr-FR"/>
               <a:t>Modifiez le style du titre</a:t>
             </a:r>
-          </a:p>
-        </p:txBody>
-      </p:sp>
-      <p:sp>
-        <p:nvSpPr>
-          <p:cNvPr id="3" name="Espace réservé du texte vertical 2">
-            <a:extLst>
-              <a:ext uri="{FF2B5EF4-FFF2-40B4-BE49-F238E27FC236}">
-                <a16:creationId xmlns:a16="http://schemas.microsoft.com/office/drawing/2014/main" id="{C9C79861-7519-4EF0-BD1C-9DF5B6AE307C}"/>
-              </a:ext>
-            </a:extLst>
-          </p:cNvPr>
+            <a:endParaRPr lang="en-US" dirty="0"/>
+          </a:p>
+        </p:txBody>
+      </p:sp>
+      <p:sp>
+        <p:nvSpPr>
+          <p:cNvPr id="3" name="Vertical Text Placeholder 2"/>
           <p:cNvSpPr>
             <a:spLocks noGrp="1"/>
           </p:cNvSpPr>
@@ -867,18 +833,13 @@
               <a:rPr lang="fr-FR"/>
               <a:t>Cinquième niveau</a:t>
             </a:r>
-          </a:p>
-        </p:txBody>
-      </p:sp>
-      <p:sp>
-        <p:nvSpPr>
-          <p:cNvPr id="4" name="Espace réservé de la date 3">
-            <a:extLst>
-              <a:ext uri="{FF2B5EF4-FFF2-40B4-BE49-F238E27FC236}">
-                <a16:creationId xmlns:a16="http://schemas.microsoft.com/office/drawing/2014/main" id="{EC2E3985-B990-4E6F-BFE7-6F3B6DEB09EA}"/>
-              </a:ext>
-            </a:extLst>
-          </p:cNvPr>
+            <a:endParaRPr lang="en-US" dirty="0"/>
+          </a:p>
+        </p:txBody>
+      </p:sp>
+      <p:sp>
+        <p:nvSpPr>
+          <p:cNvPr id="4" name="Date Placeholder 3"/>
           <p:cNvSpPr>
             <a:spLocks noGrp="1"/>
           </p:cNvSpPr>
@@ -893,7 +854,7 @@
           <a:p>
             <a:fld id="{DEBA1CB3-45B4-4365-8A01-D60AF6EBF46C}" type="datetimeFigureOut">
               <a:rPr lang="fr-FR" smtClean="0"/>
-              <a:t>09/07/2020</a:t>
+              <a:t>18/11/2020</a:t>
             </a:fld>
             <a:endParaRPr lang="fr-FR"/>
           </a:p>
@@ -901,13 +862,7 @@
       </p:sp>
       <p:sp>
         <p:nvSpPr>
-          <p:cNvPr id="5" name="Espace réservé du pied de page 4">
-            <a:extLst>
-              <a:ext uri="{FF2B5EF4-FFF2-40B4-BE49-F238E27FC236}">
-                <a16:creationId xmlns:a16="http://schemas.microsoft.com/office/drawing/2014/main" id="{C9CE1EAD-142C-47C5-A1E8-5C282C812A1A}"/>
-              </a:ext>
-            </a:extLst>
-          </p:cNvPr>
+          <p:cNvPr id="5" name="Footer Placeholder 4"/>
           <p:cNvSpPr>
             <a:spLocks noGrp="1"/>
           </p:cNvSpPr>
@@ -926,13 +881,7 @@
       </p:sp>
       <p:sp>
         <p:nvSpPr>
-          <p:cNvPr id="6" name="Espace réservé du numéro de diapositive 5">
-            <a:extLst>
-              <a:ext uri="{FF2B5EF4-FFF2-40B4-BE49-F238E27FC236}">
-                <a16:creationId xmlns:a16="http://schemas.microsoft.com/office/drawing/2014/main" id="{84BF5F82-0382-493C-B915-37551A4A915F}"/>
-              </a:ext>
-            </a:extLst>
-          </p:cNvPr>
+          <p:cNvPr id="6" name="Slide Number Placeholder 5"/>
           <p:cNvSpPr>
             <a:spLocks noGrp="1"/>
           </p:cNvSpPr>
@@ -956,7 +905,7 @@
     </p:spTree>
     <p:extLst>
       <p:ext uri="{BB962C8B-B14F-4D97-AF65-F5344CB8AC3E}">
-        <p14:creationId xmlns:p14="http://schemas.microsoft.com/office/powerpoint/2010/main" val="1664668899"/>
+        <p14:creationId xmlns:p14="http://schemas.microsoft.com/office/powerpoint/2010/main" val="3203473594"/>
       </p:ext>
     </p:extLst>
   </p:cSld>
@@ -985,13 +934,7 @@
       </p:grpSpPr>
       <p:sp>
         <p:nvSpPr>
-          <p:cNvPr id="2" name="Titre vertical 1">
-            <a:extLst>
-              <a:ext uri="{FF2B5EF4-FFF2-40B4-BE49-F238E27FC236}">
-                <a16:creationId xmlns:a16="http://schemas.microsoft.com/office/drawing/2014/main" id="{B5435CC3-7813-463E-AB95-485A5453F964}"/>
-              </a:ext>
-            </a:extLst>
-          </p:cNvPr>
+          <p:cNvPr id="2" name="Vertical Title 1"/>
           <p:cNvSpPr>
             <a:spLocks noGrp="1"/>
           </p:cNvSpPr>
@@ -1001,8 +944,8 @@
         </p:nvSpPr>
         <p:spPr>
           <a:xfrm>
-            <a:off x="8724900" y="365125"/>
-            <a:ext cx="2628900" cy="5811838"/>
+            <a:off x="4907757" y="649111"/>
+            <a:ext cx="1478756" cy="10332156"/>
           </a:xfrm>
         </p:spPr>
         <p:txBody>
@@ -1013,18 +956,13 @@
               <a:rPr lang="fr-FR"/>
               <a:t>Modifiez le style du titre</a:t>
             </a:r>
-          </a:p>
-        </p:txBody>
-      </p:sp>
-      <p:sp>
-        <p:nvSpPr>
-          <p:cNvPr id="3" name="Espace réservé du texte vertical 2">
-            <a:extLst>
-              <a:ext uri="{FF2B5EF4-FFF2-40B4-BE49-F238E27FC236}">
-                <a16:creationId xmlns:a16="http://schemas.microsoft.com/office/drawing/2014/main" id="{E93A6F50-7AE1-40EF-BACD-747AB9901069}"/>
-              </a:ext>
-            </a:extLst>
-          </p:cNvPr>
+            <a:endParaRPr lang="en-US" dirty="0"/>
+          </a:p>
+        </p:txBody>
+      </p:sp>
+      <p:sp>
+        <p:nvSpPr>
+          <p:cNvPr id="3" name="Vertical Text Placeholder 2"/>
           <p:cNvSpPr>
             <a:spLocks noGrp="1"/>
           </p:cNvSpPr>
@@ -1034,8 +972,8 @@
         </p:nvSpPr>
         <p:spPr>
           <a:xfrm>
-            <a:off x="838200" y="365125"/>
-            <a:ext cx="7734300" cy="5811838"/>
+            <a:off x="471488" y="649111"/>
+            <a:ext cx="4350544" cy="10332156"/>
           </a:xfrm>
         </p:spPr>
         <p:txBody>
@@ -1075,18 +1013,13 @@
               <a:rPr lang="fr-FR"/>
               <a:t>Cinquième niveau</a:t>
             </a:r>
-          </a:p>
-        </p:txBody>
-      </p:sp>
-      <p:sp>
-        <p:nvSpPr>
-          <p:cNvPr id="4" name="Espace réservé de la date 3">
-            <a:extLst>
-              <a:ext uri="{FF2B5EF4-FFF2-40B4-BE49-F238E27FC236}">
-                <a16:creationId xmlns:a16="http://schemas.microsoft.com/office/drawing/2014/main" id="{E855A3E5-1E3D-4608-A690-E65ED1EC366E}"/>
-              </a:ext>
-            </a:extLst>
-          </p:cNvPr>
+            <a:endParaRPr lang="en-US" dirty="0"/>
+          </a:p>
+        </p:txBody>
+      </p:sp>
+      <p:sp>
+        <p:nvSpPr>
+          <p:cNvPr id="4" name="Date Placeholder 3"/>
           <p:cNvSpPr>
             <a:spLocks noGrp="1"/>
           </p:cNvSpPr>
@@ -1101,7 +1034,7 @@
           <a:p>
             <a:fld id="{DEBA1CB3-45B4-4365-8A01-D60AF6EBF46C}" type="datetimeFigureOut">
               <a:rPr lang="fr-FR" smtClean="0"/>
-              <a:t>09/07/2020</a:t>
+              <a:t>18/11/2020</a:t>
             </a:fld>
             <a:endParaRPr lang="fr-FR"/>
           </a:p>
@@ -1109,13 +1042,7 @@
       </p:sp>
       <p:sp>
         <p:nvSpPr>
-          <p:cNvPr id="5" name="Espace réservé du pied de page 4">
-            <a:extLst>
-              <a:ext uri="{FF2B5EF4-FFF2-40B4-BE49-F238E27FC236}">
-                <a16:creationId xmlns:a16="http://schemas.microsoft.com/office/drawing/2014/main" id="{13A0A97C-FB18-472E-9472-17AC170D6B6D}"/>
-              </a:ext>
-            </a:extLst>
-          </p:cNvPr>
+          <p:cNvPr id="5" name="Footer Placeholder 4"/>
           <p:cNvSpPr>
             <a:spLocks noGrp="1"/>
           </p:cNvSpPr>
@@ -1134,13 +1061,7 @@
       </p:sp>
       <p:sp>
         <p:nvSpPr>
-          <p:cNvPr id="6" name="Espace réservé du numéro de diapositive 5">
-            <a:extLst>
-              <a:ext uri="{FF2B5EF4-FFF2-40B4-BE49-F238E27FC236}">
-                <a16:creationId xmlns:a16="http://schemas.microsoft.com/office/drawing/2014/main" id="{02130E76-7746-40CE-B7C0-C5DEF955CD25}"/>
-              </a:ext>
-            </a:extLst>
-          </p:cNvPr>
+          <p:cNvPr id="6" name="Slide Number Placeholder 5"/>
           <p:cNvSpPr>
             <a:spLocks noGrp="1"/>
           </p:cNvSpPr>
@@ -1164,7 +1085,7 @@
     </p:spTree>
     <p:extLst>
       <p:ext uri="{BB962C8B-B14F-4D97-AF65-F5344CB8AC3E}">
-        <p14:creationId xmlns:p14="http://schemas.microsoft.com/office/powerpoint/2010/main" val="3856950827"/>
+        <p14:creationId xmlns:p14="http://schemas.microsoft.com/office/powerpoint/2010/main" val="1415934348"/>
       </p:ext>
     </p:extLst>
   </p:cSld>
@@ -1193,13 +1114,7 @@
       </p:grpSpPr>
       <p:sp>
         <p:nvSpPr>
-          <p:cNvPr id="2" name="Titre 1">
-            <a:extLst>
-              <a:ext uri="{FF2B5EF4-FFF2-40B4-BE49-F238E27FC236}">
-                <a16:creationId xmlns:a16="http://schemas.microsoft.com/office/drawing/2014/main" id="{60627C49-7589-4F42-81EA-D28EAE1EEE5C}"/>
-              </a:ext>
-            </a:extLst>
-          </p:cNvPr>
+          <p:cNvPr id="2" name="Title 1"/>
           <p:cNvSpPr>
             <a:spLocks noGrp="1"/>
           </p:cNvSpPr>
@@ -1216,18 +1131,13 @@
               <a:rPr lang="fr-FR"/>
               <a:t>Modifiez le style du titre</a:t>
             </a:r>
-          </a:p>
-        </p:txBody>
-      </p:sp>
-      <p:sp>
-        <p:nvSpPr>
-          <p:cNvPr id="3" name="Espace réservé du contenu 2">
-            <a:extLst>
-              <a:ext uri="{FF2B5EF4-FFF2-40B4-BE49-F238E27FC236}">
-                <a16:creationId xmlns:a16="http://schemas.microsoft.com/office/drawing/2014/main" id="{136E96BE-713A-4E60-8D60-62FA13538B9E}"/>
-              </a:ext>
-            </a:extLst>
-          </p:cNvPr>
+            <a:endParaRPr lang="en-US" dirty="0"/>
+          </a:p>
+        </p:txBody>
+      </p:sp>
+      <p:sp>
+        <p:nvSpPr>
+          <p:cNvPr id="3" name="Content Placeholder 2"/>
           <p:cNvSpPr>
             <a:spLocks noGrp="1"/>
           </p:cNvSpPr>
@@ -1273,18 +1183,13 @@
               <a:rPr lang="fr-FR"/>
               <a:t>Cinquième niveau</a:t>
             </a:r>
-          </a:p>
-        </p:txBody>
-      </p:sp>
-      <p:sp>
-        <p:nvSpPr>
-          <p:cNvPr id="4" name="Espace réservé de la date 3">
-            <a:extLst>
-              <a:ext uri="{FF2B5EF4-FFF2-40B4-BE49-F238E27FC236}">
-                <a16:creationId xmlns:a16="http://schemas.microsoft.com/office/drawing/2014/main" id="{B81FF944-7692-4E6C-8331-006688126D99}"/>
-              </a:ext>
-            </a:extLst>
-          </p:cNvPr>
+            <a:endParaRPr lang="en-US" dirty="0"/>
+          </a:p>
+        </p:txBody>
+      </p:sp>
+      <p:sp>
+        <p:nvSpPr>
+          <p:cNvPr id="4" name="Date Placeholder 3"/>
           <p:cNvSpPr>
             <a:spLocks noGrp="1"/>
           </p:cNvSpPr>
@@ -1299,7 +1204,7 @@
           <a:p>
             <a:fld id="{DEBA1CB3-45B4-4365-8A01-D60AF6EBF46C}" type="datetimeFigureOut">
               <a:rPr lang="fr-FR" smtClean="0"/>
-              <a:t>09/07/2020</a:t>
+              <a:t>18/11/2020</a:t>
             </a:fld>
             <a:endParaRPr lang="fr-FR"/>
           </a:p>
@@ -1307,13 +1212,7 @@
       </p:sp>
       <p:sp>
         <p:nvSpPr>
-          <p:cNvPr id="5" name="Espace réservé du pied de page 4">
-            <a:extLst>
-              <a:ext uri="{FF2B5EF4-FFF2-40B4-BE49-F238E27FC236}">
-                <a16:creationId xmlns:a16="http://schemas.microsoft.com/office/drawing/2014/main" id="{32D33A06-BC5C-404C-B1EA-BC8712092C79}"/>
-              </a:ext>
-            </a:extLst>
-          </p:cNvPr>
+          <p:cNvPr id="5" name="Footer Placeholder 4"/>
           <p:cNvSpPr>
             <a:spLocks noGrp="1"/>
           </p:cNvSpPr>
@@ -1332,13 +1231,7 @@
       </p:sp>
       <p:sp>
         <p:nvSpPr>
-          <p:cNvPr id="6" name="Espace réservé du numéro de diapositive 5">
-            <a:extLst>
-              <a:ext uri="{FF2B5EF4-FFF2-40B4-BE49-F238E27FC236}">
-                <a16:creationId xmlns:a16="http://schemas.microsoft.com/office/drawing/2014/main" id="{7AFACD0D-E37B-4B84-9CA0-1AC620DBAB57}"/>
-              </a:ext>
-            </a:extLst>
-          </p:cNvPr>
+          <p:cNvPr id="6" name="Slide Number Placeholder 5"/>
           <p:cNvSpPr>
             <a:spLocks noGrp="1"/>
           </p:cNvSpPr>
@@ -1362,7 +1255,7 @@
     </p:spTree>
     <p:extLst>
       <p:ext uri="{BB962C8B-B14F-4D97-AF65-F5344CB8AC3E}">
-        <p14:creationId xmlns:p14="http://schemas.microsoft.com/office/powerpoint/2010/main" val="2997950377"/>
+        <p14:creationId xmlns:p14="http://schemas.microsoft.com/office/powerpoint/2010/main" val="3035053189"/>
       </p:ext>
     </p:extLst>
   </p:cSld>
@@ -1391,13 +1284,7 @@
       </p:grpSpPr>
       <p:sp>
         <p:nvSpPr>
-          <p:cNvPr id="2" name="Titre 1">
-            <a:extLst>
-              <a:ext uri="{FF2B5EF4-FFF2-40B4-BE49-F238E27FC236}">
-                <a16:creationId xmlns:a16="http://schemas.microsoft.com/office/drawing/2014/main" id="{C7BC418F-3606-4B14-8582-EB0954B07747}"/>
-              </a:ext>
-            </a:extLst>
-          </p:cNvPr>
+          <p:cNvPr id="2" name="Title 1"/>
           <p:cNvSpPr>
             <a:spLocks noGrp="1"/>
           </p:cNvSpPr>
@@ -1407,15 +1294,15 @@
         </p:nvSpPr>
         <p:spPr>
           <a:xfrm>
-            <a:off x="831850" y="1709738"/>
-            <a:ext cx="10515600" cy="2852737"/>
+            <a:off x="467916" y="3039537"/>
+            <a:ext cx="5915025" cy="5071532"/>
           </a:xfrm>
         </p:spPr>
         <p:txBody>
           <a:bodyPr anchor="b"/>
           <a:lstStyle>
             <a:lvl1pPr>
-              <a:defRPr sz="6000"/>
+              <a:defRPr sz="4500"/>
             </a:lvl1pPr>
           </a:lstStyle>
           <a:p>
@@ -1423,18 +1310,13 @@
               <a:rPr lang="fr-FR"/>
               <a:t>Modifiez le style du titre</a:t>
             </a:r>
-          </a:p>
-        </p:txBody>
-      </p:sp>
-      <p:sp>
-        <p:nvSpPr>
-          <p:cNvPr id="3" name="Espace réservé du texte 2">
-            <a:extLst>
-              <a:ext uri="{FF2B5EF4-FFF2-40B4-BE49-F238E27FC236}">
-                <a16:creationId xmlns:a16="http://schemas.microsoft.com/office/drawing/2014/main" id="{74199D1D-4AEB-4406-8477-7D8467A8737E}"/>
-              </a:ext>
-            </a:extLst>
-          </p:cNvPr>
+            <a:endParaRPr lang="en-US" dirty="0"/>
+          </a:p>
+        </p:txBody>
+      </p:sp>
+      <p:sp>
+        <p:nvSpPr>
+          <p:cNvPr id="3" name="Text Placeholder 2"/>
           <p:cNvSpPr>
             <a:spLocks noGrp="1"/>
           </p:cNvSpPr>
@@ -1444,8 +1326,8 @@
         </p:nvSpPr>
         <p:spPr>
           <a:xfrm>
-            <a:off x="831850" y="4589463"/>
-            <a:ext cx="10515600" cy="1500187"/>
+            <a:off x="467916" y="8159048"/>
+            <a:ext cx="5915025" cy="2666999"/>
           </a:xfrm>
         </p:spPr>
         <p:txBody>
@@ -1453,17 +1335,15 @@
           <a:lstStyle>
             <a:lvl1pPr marL="0" indent="0">
               <a:buNone/>
-              <a:defRPr sz="2400">
+              <a:defRPr sz="1800">
                 <a:solidFill>
-                  <a:schemeClr val="tx1">
-                    <a:tint val="75000"/>
-                  </a:schemeClr>
+                  <a:schemeClr val="tx1"/>
                 </a:solidFill>
               </a:defRPr>
             </a:lvl1pPr>
-            <a:lvl2pPr marL="457200" indent="0">
+            <a:lvl2pPr marL="342900" indent="0">
               <a:buNone/>
-              <a:defRPr sz="2000">
+              <a:defRPr sz="1500">
                 <a:solidFill>
                   <a:schemeClr val="tx1">
                     <a:tint val="75000"/>
@@ -1471,9 +1351,9 @@
                 </a:solidFill>
               </a:defRPr>
             </a:lvl2pPr>
-            <a:lvl3pPr marL="914400" indent="0">
+            <a:lvl3pPr marL="685800" indent="0">
               <a:buNone/>
-              <a:defRPr sz="1800">
+              <a:defRPr sz="1350">
                 <a:solidFill>
                   <a:schemeClr val="tx1">
                     <a:tint val="75000"/>
@@ -1481,9 +1361,9 @@
                 </a:solidFill>
               </a:defRPr>
             </a:lvl3pPr>
-            <a:lvl4pPr marL="1371600" indent="0">
+            <a:lvl4pPr marL="1028700" indent="0">
               <a:buNone/>
-              <a:defRPr sz="1600">
+              <a:defRPr sz="1200">
                 <a:solidFill>
                   <a:schemeClr val="tx1">
                     <a:tint val="75000"/>
@@ -1491,9 +1371,9 @@
                 </a:solidFill>
               </a:defRPr>
             </a:lvl4pPr>
-            <a:lvl5pPr marL="1828800" indent="0">
+            <a:lvl5pPr marL="1371600" indent="0">
               <a:buNone/>
-              <a:defRPr sz="1600">
+              <a:defRPr sz="1200">
                 <a:solidFill>
                   <a:schemeClr val="tx1">
                     <a:tint val="75000"/>
@@ -1501,9 +1381,9 @@
                 </a:solidFill>
               </a:defRPr>
             </a:lvl5pPr>
-            <a:lvl6pPr marL="2286000" indent="0">
+            <a:lvl6pPr marL="1714500" indent="0">
               <a:buNone/>
-              <a:defRPr sz="1600">
+              <a:defRPr sz="1200">
                 <a:solidFill>
                   <a:schemeClr val="tx1">
                     <a:tint val="75000"/>
@@ -1511,9 +1391,9 @@
                 </a:solidFill>
               </a:defRPr>
             </a:lvl6pPr>
-            <a:lvl7pPr marL="2743200" indent="0">
+            <a:lvl7pPr marL="2057400" indent="0">
               <a:buNone/>
-              <a:defRPr sz="1600">
+              <a:defRPr sz="1200">
                 <a:solidFill>
                   <a:schemeClr val="tx1">
                     <a:tint val="75000"/>
@@ -1521,9 +1401,9 @@
                 </a:solidFill>
               </a:defRPr>
             </a:lvl7pPr>
-            <a:lvl8pPr marL="3200400" indent="0">
+            <a:lvl8pPr marL="2400300" indent="0">
               <a:buNone/>
-              <a:defRPr sz="1600">
+              <a:defRPr sz="1200">
                 <a:solidFill>
                   <a:schemeClr val="tx1">
                     <a:tint val="75000"/>
@@ -1531,9 +1411,9 @@
                 </a:solidFill>
               </a:defRPr>
             </a:lvl8pPr>
-            <a:lvl9pPr marL="3657600" indent="0">
+            <a:lvl9pPr marL="2743200" indent="0">
               <a:buNone/>
-              <a:defRPr sz="1600">
+              <a:defRPr sz="1200">
                 <a:solidFill>
                   <a:schemeClr val="tx1">
                     <a:tint val="75000"/>
@@ -1553,13 +1433,7 @@
       </p:sp>
       <p:sp>
         <p:nvSpPr>
-          <p:cNvPr id="4" name="Espace réservé de la date 3">
-            <a:extLst>
-              <a:ext uri="{FF2B5EF4-FFF2-40B4-BE49-F238E27FC236}">
-                <a16:creationId xmlns:a16="http://schemas.microsoft.com/office/drawing/2014/main" id="{F50FEBE3-5D8C-4E19-9887-F69A6FDD78ED}"/>
-              </a:ext>
-            </a:extLst>
-          </p:cNvPr>
+          <p:cNvPr id="4" name="Date Placeholder 3"/>
           <p:cNvSpPr>
             <a:spLocks noGrp="1"/>
           </p:cNvSpPr>
@@ -1574,7 +1448,7 @@
           <a:p>
             <a:fld id="{DEBA1CB3-45B4-4365-8A01-D60AF6EBF46C}" type="datetimeFigureOut">
               <a:rPr lang="fr-FR" smtClean="0"/>
-              <a:t>09/07/2020</a:t>
+              <a:t>18/11/2020</a:t>
             </a:fld>
             <a:endParaRPr lang="fr-FR"/>
           </a:p>
@@ -1582,13 +1456,7 @@
       </p:sp>
       <p:sp>
         <p:nvSpPr>
-          <p:cNvPr id="5" name="Espace réservé du pied de page 4">
-            <a:extLst>
-              <a:ext uri="{FF2B5EF4-FFF2-40B4-BE49-F238E27FC236}">
-                <a16:creationId xmlns:a16="http://schemas.microsoft.com/office/drawing/2014/main" id="{D57DAF95-F104-4A96-B076-73BF10472839}"/>
-              </a:ext>
-            </a:extLst>
-          </p:cNvPr>
+          <p:cNvPr id="5" name="Footer Placeholder 4"/>
           <p:cNvSpPr>
             <a:spLocks noGrp="1"/>
           </p:cNvSpPr>
@@ -1607,13 +1475,7 @@
       </p:sp>
       <p:sp>
         <p:nvSpPr>
-          <p:cNvPr id="6" name="Espace réservé du numéro de diapositive 5">
-            <a:extLst>
-              <a:ext uri="{FF2B5EF4-FFF2-40B4-BE49-F238E27FC236}">
-                <a16:creationId xmlns:a16="http://schemas.microsoft.com/office/drawing/2014/main" id="{1DE210DB-A997-49B5-9611-F2C136839BB4}"/>
-              </a:ext>
-            </a:extLst>
-          </p:cNvPr>
+          <p:cNvPr id="6" name="Slide Number Placeholder 5"/>
           <p:cNvSpPr>
             <a:spLocks noGrp="1"/>
           </p:cNvSpPr>
@@ -1637,7 +1499,7 @@
     </p:spTree>
     <p:extLst>
       <p:ext uri="{BB962C8B-B14F-4D97-AF65-F5344CB8AC3E}">
-        <p14:creationId xmlns:p14="http://schemas.microsoft.com/office/powerpoint/2010/main" val="2557758578"/>
+        <p14:creationId xmlns:p14="http://schemas.microsoft.com/office/powerpoint/2010/main" val="4003737657"/>
       </p:ext>
     </p:extLst>
   </p:cSld>
@@ -1666,13 +1528,7 @@
       </p:grpSpPr>
       <p:sp>
         <p:nvSpPr>
-          <p:cNvPr id="2" name="Titre 1">
-            <a:extLst>
-              <a:ext uri="{FF2B5EF4-FFF2-40B4-BE49-F238E27FC236}">
-                <a16:creationId xmlns:a16="http://schemas.microsoft.com/office/drawing/2014/main" id="{99E3A876-473B-4C19-BA63-42C53B539C02}"/>
-              </a:ext>
-            </a:extLst>
-          </p:cNvPr>
+          <p:cNvPr id="2" name="Title 1"/>
           <p:cNvSpPr>
             <a:spLocks noGrp="1"/>
           </p:cNvSpPr>
@@ -1689,18 +1545,13 @@
               <a:rPr lang="fr-FR"/>
               <a:t>Modifiez le style du titre</a:t>
             </a:r>
-          </a:p>
-        </p:txBody>
-      </p:sp>
-      <p:sp>
-        <p:nvSpPr>
-          <p:cNvPr id="3" name="Espace réservé du contenu 2">
-            <a:extLst>
-              <a:ext uri="{FF2B5EF4-FFF2-40B4-BE49-F238E27FC236}">
-                <a16:creationId xmlns:a16="http://schemas.microsoft.com/office/drawing/2014/main" id="{84DBD61C-2670-4D37-B019-F9C80A6CAAB9}"/>
-              </a:ext>
-            </a:extLst>
-          </p:cNvPr>
+            <a:endParaRPr lang="en-US" dirty="0"/>
+          </a:p>
+        </p:txBody>
+      </p:sp>
+      <p:sp>
+        <p:nvSpPr>
+          <p:cNvPr id="3" name="Content Placeholder 2"/>
           <p:cNvSpPr>
             <a:spLocks noGrp="1"/>
           </p:cNvSpPr>
@@ -1710,8 +1561,8 @@
         </p:nvSpPr>
         <p:spPr>
           <a:xfrm>
-            <a:off x="838200" y="1825625"/>
-            <a:ext cx="5181600" cy="4351338"/>
+            <a:off x="471488" y="3245556"/>
+            <a:ext cx="2914650" cy="7735712"/>
           </a:xfrm>
         </p:spPr>
         <p:txBody>
@@ -1751,18 +1602,13 @@
               <a:rPr lang="fr-FR"/>
               <a:t>Cinquième niveau</a:t>
             </a:r>
-          </a:p>
-        </p:txBody>
-      </p:sp>
-      <p:sp>
-        <p:nvSpPr>
-          <p:cNvPr id="4" name="Espace réservé du contenu 3">
-            <a:extLst>
-              <a:ext uri="{FF2B5EF4-FFF2-40B4-BE49-F238E27FC236}">
-                <a16:creationId xmlns:a16="http://schemas.microsoft.com/office/drawing/2014/main" id="{6093A4CF-2B61-48E4-9482-AAF327AC6981}"/>
-              </a:ext>
-            </a:extLst>
-          </p:cNvPr>
+            <a:endParaRPr lang="en-US" dirty="0"/>
+          </a:p>
+        </p:txBody>
+      </p:sp>
+      <p:sp>
+        <p:nvSpPr>
+          <p:cNvPr id="4" name="Content Placeholder 3"/>
           <p:cNvSpPr>
             <a:spLocks noGrp="1"/>
           </p:cNvSpPr>
@@ -1772,8 +1618,8 @@
         </p:nvSpPr>
         <p:spPr>
           <a:xfrm>
-            <a:off x="6172200" y="1825625"/>
-            <a:ext cx="5181600" cy="4351338"/>
+            <a:off x="3471863" y="3245556"/>
+            <a:ext cx="2914650" cy="7735712"/>
           </a:xfrm>
         </p:spPr>
         <p:txBody>
@@ -1813,18 +1659,13 @@
               <a:rPr lang="fr-FR"/>
               <a:t>Cinquième niveau</a:t>
             </a:r>
-          </a:p>
-        </p:txBody>
-      </p:sp>
-      <p:sp>
-        <p:nvSpPr>
-          <p:cNvPr id="5" name="Espace réservé de la date 4">
-            <a:extLst>
-              <a:ext uri="{FF2B5EF4-FFF2-40B4-BE49-F238E27FC236}">
-                <a16:creationId xmlns:a16="http://schemas.microsoft.com/office/drawing/2014/main" id="{07F50E4A-94C5-4430-B9DF-8847C66D6233}"/>
-              </a:ext>
-            </a:extLst>
-          </p:cNvPr>
+            <a:endParaRPr lang="en-US" dirty="0"/>
+          </a:p>
+        </p:txBody>
+      </p:sp>
+      <p:sp>
+        <p:nvSpPr>
+          <p:cNvPr id="5" name="Date Placeholder 4"/>
           <p:cNvSpPr>
             <a:spLocks noGrp="1"/>
           </p:cNvSpPr>
@@ -1839,7 +1680,7 @@
           <a:p>
             <a:fld id="{DEBA1CB3-45B4-4365-8A01-D60AF6EBF46C}" type="datetimeFigureOut">
               <a:rPr lang="fr-FR" smtClean="0"/>
-              <a:t>09/07/2020</a:t>
+              <a:t>18/11/2020</a:t>
             </a:fld>
             <a:endParaRPr lang="fr-FR"/>
           </a:p>
@@ -1847,13 +1688,7 @@
       </p:sp>
       <p:sp>
         <p:nvSpPr>
-          <p:cNvPr id="6" name="Espace réservé du pied de page 5">
-            <a:extLst>
-              <a:ext uri="{FF2B5EF4-FFF2-40B4-BE49-F238E27FC236}">
-                <a16:creationId xmlns:a16="http://schemas.microsoft.com/office/drawing/2014/main" id="{1BED642C-4D7F-4B0B-895E-1CD0AF76F185}"/>
-              </a:ext>
-            </a:extLst>
-          </p:cNvPr>
+          <p:cNvPr id="6" name="Footer Placeholder 5"/>
           <p:cNvSpPr>
             <a:spLocks noGrp="1"/>
           </p:cNvSpPr>
@@ -1872,13 +1707,7 @@
       </p:sp>
       <p:sp>
         <p:nvSpPr>
-          <p:cNvPr id="7" name="Espace réservé du numéro de diapositive 6">
-            <a:extLst>
-              <a:ext uri="{FF2B5EF4-FFF2-40B4-BE49-F238E27FC236}">
-                <a16:creationId xmlns:a16="http://schemas.microsoft.com/office/drawing/2014/main" id="{2ECE1EC4-7F79-4A4B-A667-A968DA6CDB37}"/>
-              </a:ext>
-            </a:extLst>
-          </p:cNvPr>
+          <p:cNvPr id="7" name="Slide Number Placeholder 6"/>
           <p:cNvSpPr>
             <a:spLocks noGrp="1"/>
           </p:cNvSpPr>
@@ -1902,7 +1731,7 @@
     </p:spTree>
     <p:extLst>
       <p:ext uri="{BB962C8B-B14F-4D97-AF65-F5344CB8AC3E}">
-        <p14:creationId xmlns:p14="http://schemas.microsoft.com/office/powerpoint/2010/main" val="1429810632"/>
+        <p14:creationId xmlns:p14="http://schemas.microsoft.com/office/powerpoint/2010/main" val="3231870508"/>
       </p:ext>
     </p:extLst>
   </p:cSld>
@@ -1931,13 +1760,7 @@
       </p:grpSpPr>
       <p:sp>
         <p:nvSpPr>
-          <p:cNvPr id="2" name="Titre 1">
-            <a:extLst>
-              <a:ext uri="{FF2B5EF4-FFF2-40B4-BE49-F238E27FC236}">
-                <a16:creationId xmlns:a16="http://schemas.microsoft.com/office/drawing/2014/main" id="{C423D0AA-8871-4E40-A4CC-2882E2BBBD77}"/>
-              </a:ext>
-            </a:extLst>
-          </p:cNvPr>
+          <p:cNvPr id="2" name="Title 1"/>
           <p:cNvSpPr>
             <a:spLocks noGrp="1"/>
           </p:cNvSpPr>
@@ -1947,8 +1770,8 @@
         </p:nvSpPr>
         <p:spPr>
           <a:xfrm>
-            <a:off x="839788" y="365125"/>
-            <a:ext cx="10515600" cy="1325563"/>
+            <a:off x="472381" y="649114"/>
+            <a:ext cx="5915025" cy="2356556"/>
           </a:xfrm>
         </p:spPr>
         <p:txBody>
@@ -1959,18 +1782,13 @@
               <a:rPr lang="fr-FR"/>
               <a:t>Modifiez le style du titre</a:t>
             </a:r>
-          </a:p>
-        </p:txBody>
-      </p:sp>
-      <p:sp>
-        <p:nvSpPr>
-          <p:cNvPr id="3" name="Espace réservé du texte 2">
-            <a:extLst>
-              <a:ext uri="{FF2B5EF4-FFF2-40B4-BE49-F238E27FC236}">
-                <a16:creationId xmlns:a16="http://schemas.microsoft.com/office/drawing/2014/main" id="{472705FC-CB73-4D4F-98DC-26FE0F25118A}"/>
-              </a:ext>
-            </a:extLst>
-          </p:cNvPr>
+            <a:endParaRPr lang="en-US" dirty="0"/>
+          </a:p>
+        </p:txBody>
+      </p:sp>
+      <p:sp>
+        <p:nvSpPr>
+          <p:cNvPr id="3" name="Text Placeholder 2"/>
           <p:cNvSpPr>
             <a:spLocks noGrp="1"/>
           </p:cNvSpPr>
@@ -1980,8 +1798,8 @@
         </p:nvSpPr>
         <p:spPr>
           <a:xfrm>
-            <a:off x="839788" y="1681163"/>
-            <a:ext cx="5157787" cy="823912"/>
+            <a:off x="472381" y="2988734"/>
+            <a:ext cx="2901255" cy="1464732"/>
           </a:xfrm>
         </p:spPr>
         <p:txBody>
@@ -1989,39 +1807,39 @@
           <a:lstStyle>
             <a:lvl1pPr marL="0" indent="0">
               <a:buNone/>
-              <a:defRPr sz="2400" b="1"/>
+              <a:defRPr sz="1800" b="1"/>
             </a:lvl1pPr>
-            <a:lvl2pPr marL="457200" indent="0">
+            <a:lvl2pPr marL="342900" indent="0">
               <a:buNone/>
-              <a:defRPr sz="2000" b="1"/>
+              <a:defRPr sz="1500" b="1"/>
             </a:lvl2pPr>
-            <a:lvl3pPr marL="914400" indent="0">
+            <a:lvl3pPr marL="685800" indent="0">
               <a:buNone/>
-              <a:defRPr sz="1800" b="1"/>
+              <a:defRPr sz="1350" b="1"/>
             </a:lvl3pPr>
-            <a:lvl4pPr marL="1371600" indent="0">
+            <a:lvl4pPr marL="1028700" indent="0">
               <a:buNone/>
-              <a:defRPr sz="1600" b="1"/>
+              <a:defRPr sz="1200" b="1"/>
             </a:lvl4pPr>
-            <a:lvl5pPr marL="1828800" indent="0">
+            <a:lvl5pPr marL="1371600" indent="0">
               <a:buNone/>
-              <a:defRPr sz="1600" b="1"/>
+              <a:defRPr sz="1200" b="1"/>
             </a:lvl5pPr>
-            <a:lvl6pPr marL="2286000" indent="0">
+            <a:lvl6pPr marL="1714500" indent="0">
               <a:buNone/>
-              <a:defRPr sz="1600" b="1"/>
+              <a:defRPr sz="1200" b="1"/>
             </a:lvl6pPr>
-            <a:lvl7pPr marL="2743200" indent="0">
+            <a:lvl7pPr marL="2057400" indent="0">
               <a:buNone/>
-              <a:defRPr sz="1600" b="1"/>
+              <a:defRPr sz="1200" b="1"/>
             </a:lvl7pPr>
-            <a:lvl8pPr marL="3200400" indent="0">
+            <a:lvl8pPr marL="2400300" indent="0">
               <a:buNone/>
-              <a:defRPr sz="1600" b="1"/>
+              <a:defRPr sz="1200" b="1"/>
             </a:lvl8pPr>
-            <a:lvl9pPr marL="3657600" indent="0">
+            <a:lvl9pPr marL="2743200" indent="0">
               <a:buNone/>
-              <a:defRPr sz="1600" b="1"/>
+              <a:defRPr sz="1200" b="1"/>
             </a:lvl9pPr>
           </a:lstStyle>
           <a:p>
@@ -2035,13 +1853,7 @@
       </p:sp>
       <p:sp>
         <p:nvSpPr>
-          <p:cNvPr id="4" name="Espace réservé du contenu 3">
-            <a:extLst>
-              <a:ext uri="{FF2B5EF4-FFF2-40B4-BE49-F238E27FC236}">
-                <a16:creationId xmlns:a16="http://schemas.microsoft.com/office/drawing/2014/main" id="{6E0F8149-EE69-4ABB-9F4E-E479A35710AD}"/>
-              </a:ext>
-            </a:extLst>
-          </p:cNvPr>
+          <p:cNvPr id="4" name="Content Placeholder 3"/>
           <p:cNvSpPr>
             <a:spLocks noGrp="1"/>
           </p:cNvSpPr>
@@ -2051,8 +1863,8 @@
         </p:nvSpPr>
         <p:spPr>
           <a:xfrm>
-            <a:off x="839788" y="2505075"/>
-            <a:ext cx="5157787" cy="3684588"/>
+            <a:off x="472381" y="4453467"/>
+            <a:ext cx="2901255" cy="6550379"/>
           </a:xfrm>
         </p:spPr>
         <p:txBody>
@@ -2092,18 +1904,13 @@
               <a:rPr lang="fr-FR"/>
               <a:t>Cinquième niveau</a:t>
             </a:r>
-          </a:p>
-        </p:txBody>
-      </p:sp>
-      <p:sp>
-        <p:nvSpPr>
-          <p:cNvPr id="5" name="Espace réservé du texte 4">
-            <a:extLst>
-              <a:ext uri="{FF2B5EF4-FFF2-40B4-BE49-F238E27FC236}">
-                <a16:creationId xmlns:a16="http://schemas.microsoft.com/office/drawing/2014/main" id="{7FD1B5F6-1A02-43FD-B3CC-4D2CF04E8845}"/>
-              </a:ext>
-            </a:extLst>
-          </p:cNvPr>
+            <a:endParaRPr lang="en-US" dirty="0"/>
+          </a:p>
+        </p:txBody>
+      </p:sp>
+      <p:sp>
+        <p:nvSpPr>
+          <p:cNvPr id="5" name="Text Placeholder 4"/>
           <p:cNvSpPr>
             <a:spLocks noGrp="1"/>
           </p:cNvSpPr>
@@ -2113,8 +1920,8 @@
         </p:nvSpPr>
         <p:spPr>
           <a:xfrm>
-            <a:off x="6172200" y="1681163"/>
-            <a:ext cx="5183188" cy="823912"/>
+            <a:off x="3471863" y="2988734"/>
+            <a:ext cx="2915543" cy="1464732"/>
           </a:xfrm>
         </p:spPr>
         <p:txBody>
@@ -2122,39 +1929,39 @@
           <a:lstStyle>
             <a:lvl1pPr marL="0" indent="0">
               <a:buNone/>
-              <a:defRPr sz="2400" b="1"/>
+              <a:defRPr sz="1800" b="1"/>
             </a:lvl1pPr>
-            <a:lvl2pPr marL="457200" indent="0">
+            <a:lvl2pPr marL="342900" indent="0">
               <a:buNone/>
-              <a:defRPr sz="2000" b="1"/>
+              <a:defRPr sz="1500" b="1"/>
             </a:lvl2pPr>
-            <a:lvl3pPr marL="914400" indent="0">
+            <a:lvl3pPr marL="685800" indent="0">
               <a:buNone/>
-              <a:defRPr sz="1800" b="1"/>
+              <a:defRPr sz="1350" b="1"/>
             </a:lvl3pPr>
-            <a:lvl4pPr marL="1371600" indent="0">
+            <a:lvl4pPr marL="1028700" indent="0">
               <a:buNone/>
-              <a:defRPr sz="1600" b="1"/>
+              <a:defRPr sz="1200" b="1"/>
             </a:lvl4pPr>
-            <a:lvl5pPr marL="1828800" indent="0">
+            <a:lvl5pPr marL="1371600" indent="0">
               <a:buNone/>
-              <a:defRPr sz="1600" b="1"/>
+              <a:defRPr sz="1200" b="1"/>
             </a:lvl5pPr>
-            <a:lvl6pPr marL="2286000" indent="0">
+            <a:lvl6pPr marL="1714500" indent="0">
               <a:buNone/>
-              <a:defRPr sz="1600" b="1"/>
+              <a:defRPr sz="1200" b="1"/>
             </a:lvl6pPr>
-            <a:lvl7pPr marL="2743200" indent="0">
+            <a:lvl7pPr marL="2057400" indent="0">
               <a:buNone/>
-              <a:defRPr sz="1600" b="1"/>
+              <a:defRPr sz="1200" b="1"/>
             </a:lvl7pPr>
-            <a:lvl8pPr marL="3200400" indent="0">
+            <a:lvl8pPr marL="2400300" indent="0">
               <a:buNone/>
-              <a:defRPr sz="1600" b="1"/>
+              <a:defRPr sz="1200" b="1"/>
             </a:lvl8pPr>
-            <a:lvl9pPr marL="3657600" indent="0">
+            <a:lvl9pPr marL="2743200" indent="0">
               <a:buNone/>
-              <a:defRPr sz="1600" b="1"/>
+              <a:defRPr sz="1200" b="1"/>
             </a:lvl9pPr>
           </a:lstStyle>
           <a:p>
@@ -2168,13 +1975,7 @@
       </p:sp>
       <p:sp>
         <p:nvSpPr>
-          <p:cNvPr id="6" name="Espace réservé du contenu 5">
-            <a:extLst>
-              <a:ext uri="{FF2B5EF4-FFF2-40B4-BE49-F238E27FC236}">
-                <a16:creationId xmlns:a16="http://schemas.microsoft.com/office/drawing/2014/main" id="{3C998070-8D25-48BB-A188-D67548DA2D7C}"/>
-              </a:ext>
-            </a:extLst>
-          </p:cNvPr>
+          <p:cNvPr id="6" name="Content Placeholder 5"/>
           <p:cNvSpPr>
             <a:spLocks noGrp="1"/>
           </p:cNvSpPr>
@@ -2184,8 +1985,8 @@
         </p:nvSpPr>
         <p:spPr>
           <a:xfrm>
-            <a:off x="6172200" y="2505075"/>
-            <a:ext cx="5183188" cy="3684588"/>
+            <a:off x="3471863" y="4453467"/>
+            <a:ext cx="2915543" cy="6550379"/>
           </a:xfrm>
         </p:spPr>
         <p:txBody>
@@ -2225,18 +2026,13 @@
               <a:rPr lang="fr-FR"/>
               <a:t>Cinquième niveau</a:t>
             </a:r>
-          </a:p>
-        </p:txBody>
-      </p:sp>
-      <p:sp>
-        <p:nvSpPr>
-          <p:cNvPr id="7" name="Espace réservé de la date 6">
-            <a:extLst>
-              <a:ext uri="{FF2B5EF4-FFF2-40B4-BE49-F238E27FC236}">
-                <a16:creationId xmlns:a16="http://schemas.microsoft.com/office/drawing/2014/main" id="{A14DC0C7-0BA6-47E0-BCC7-0AF7D9401108}"/>
-              </a:ext>
-            </a:extLst>
-          </p:cNvPr>
+            <a:endParaRPr lang="en-US" dirty="0"/>
+          </a:p>
+        </p:txBody>
+      </p:sp>
+      <p:sp>
+        <p:nvSpPr>
+          <p:cNvPr id="7" name="Date Placeholder 6"/>
           <p:cNvSpPr>
             <a:spLocks noGrp="1"/>
           </p:cNvSpPr>
@@ -2251,7 +2047,7 @@
           <a:p>
             <a:fld id="{DEBA1CB3-45B4-4365-8A01-D60AF6EBF46C}" type="datetimeFigureOut">
               <a:rPr lang="fr-FR" smtClean="0"/>
-              <a:t>09/07/2020</a:t>
+              <a:t>18/11/2020</a:t>
             </a:fld>
             <a:endParaRPr lang="fr-FR"/>
           </a:p>
@@ -2259,13 +2055,7 @@
       </p:sp>
       <p:sp>
         <p:nvSpPr>
-          <p:cNvPr id="8" name="Espace réservé du pied de page 7">
-            <a:extLst>
-              <a:ext uri="{FF2B5EF4-FFF2-40B4-BE49-F238E27FC236}">
-                <a16:creationId xmlns:a16="http://schemas.microsoft.com/office/drawing/2014/main" id="{C8ACDAF5-786C-4442-BB8C-77E90C563AFC}"/>
-              </a:ext>
-            </a:extLst>
-          </p:cNvPr>
+          <p:cNvPr id="8" name="Footer Placeholder 7"/>
           <p:cNvSpPr>
             <a:spLocks noGrp="1"/>
           </p:cNvSpPr>
@@ -2284,13 +2074,7 @@
       </p:sp>
       <p:sp>
         <p:nvSpPr>
-          <p:cNvPr id="9" name="Espace réservé du numéro de diapositive 8">
-            <a:extLst>
-              <a:ext uri="{FF2B5EF4-FFF2-40B4-BE49-F238E27FC236}">
-                <a16:creationId xmlns:a16="http://schemas.microsoft.com/office/drawing/2014/main" id="{D4EA81E7-8C92-4F28-A8BB-34FFEBCC5E15}"/>
-              </a:ext>
-            </a:extLst>
-          </p:cNvPr>
+          <p:cNvPr id="9" name="Slide Number Placeholder 8"/>
           <p:cNvSpPr>
             <a:spLocks noGrp="1"/>
           </p:cNvSpPr>
@@ -2314,7 +2098,7 @@
     </p:spTree>
     <p:extLst>
       <p:ext uri="{BB962C8B-B14F-4D97-AF65-F5344CB8AC3E}">
-        <p14:creationId xmlns:p14="http://schemas.microsoft.com/office/powerpoint/2010/main" val="42725331"/>
+        <p14:creationId xmlns:p14="http://schemas.microsoft.com/office/powerpoint/2010/main" val="4130006557"/>
       </p:ext>
     </p:extLst>
   </p:cSld>
@@ -2343,13 +2127,7 @@
       </p:grpSpPr>
       <p:sp>
         <p:nvSpPr>
-          <p:cNvPr id="2" name="Titre 1">
-            <a:extLst>
-              <a:ext uri="{FF2B5EF4-FFF2-40B4-BE49-F238E27FC236}">
-                <a16:creationId xmlns:a16="http://schemas.microsoft.com/office/drawing/2014/main" id="{30392397-4265-4ECA-858E-3B46F0929D7F}"/>
-              </a:ext>
-            </a:extLst>
-          </p:cNvPr>
+          <p:cNvPr id="2" name="Title 1"/>
           <p:cNvSpPr>
             <a:spLocks noGrp="1"/>
           </p:cNvSpPr>
@@ -2366,18 +2144,13 @@
               <a:rPr lang="fr-FR"/>
               <a:t>Modifiez le style du titre</a:t>
             </a:r>
-          </a:p>
-        </p:txBody>
-      </p:sp>
-      <p:sp>
-        <p:nvSpPr>
-          <p:cNvPr id="3" name="Espace réservé de la date 2">
-            <a:extLst>
-              <a:ext uri="{FF2B5EF4-FFF2-40B4-BE49-F238E27FC236}">
-                <a16:creationId xmlns:a16="http://schemas.microsoft.com/office/drawing/2014/main" id="{4B670A94-0D61-48ED-8771-70631593E67E}"/>
-              </a:ext>
-            </a:extLst>
-          </p:cNvPr>
+            <a:endParaRPr lang="en-US" dirty="0"/>
+          </a:p>
+        </p:txBody>
+      </p:sp>
+      <p:sp>
+        <p:nvSpPr>
+          <p:cNvPr id="3" name="Date Placeholder 2"/>
           <p:cNvSpPr>
             <a:spLocks noGrp="1"/>
           </p:cNvSpPr>
@@ -2392,7 +2165,7 @@
           <a:p>
             <a:fld id="{DEBA1CB3-45B4-4365-8A01-D60AF6EBF46C}" type="datetimeFigureOut">
               <a:rPr lang="fr-FR" smtClean="0"/>
-              <a:t>09/07/2020</a:t>
+              <a:t>18/11/2020</a:t>
             </a:fld>
             <a:endParaRPr lang="fr-FR"/>
           </a:p>
@@ -2400,13 +2173,7 @@
       </p:sp>
       <p:sp>
         <p:nvSpPr>
-          <p:cNvPr id="4" name="Espace réservé du pied de page 3">
-            <a:extLst>
-              <a:ext uri="{FF2B5EF4-FFF2-40B4-BE49-F238E27FC236}">
-                <a16:creationId xmlns:a16="http://schemas.microsoft.com/office/drawing/2014/main" id="{3FE28DEE-EF36-4611-A91F-35D39F9AE43C}"/>
-              </a:ext>
-            </a:extLst>
-          </p:cNvPr>
+          <p:cNvPr id="4" name="Footer Placeholder 3"/>
           <p:cNvSpPr>
             <a:spLocks noGrp="1"/>
           </p:cNvSpPr>
@@ -2425,13 +2192,7 @@
       </p:sp>
       <p:sp>
         <p:nvSpPr>
-          <p:cNvPr id="5" name="Espace réservé du numéro de diapositive 4">
-            <a:extLst>
-              <a:ext uri="{FF2B5EF4-FFF2-40B4-BE49-F238E27FC236}">
-                <a16:creationId xmlns:a16="http://schemas.microsoft.com/office/drawing/2014/main" id="{306C44B8-F89C-48D9-A474-A6A3716DF284}"/>
-              </a:ext>
-            </a:extLst>
-          </p:cNvPr>
+          <p:cNvPr id="5" name="Slide Number Placeholder 4"/>
           <p:cNvSpPr>
             <a:spLocks noGrp="1"/>
           </p:cNvSpPr>
@@ -2455,7 +2216,7 @@
     </p:spTree>
     <p:extLst>
       <p:ext uri="{BB962C8B-B14F-4D97-AF65-F5344CB8AC3E}">
-        <p14:creationId xmlns:p14="http://schemas.microsoft.com/office/powerpoint/2010/main" val="1670204845"/>
+        <p14:creationId xmlns:p14="http://schemas.microsoft.com/office/powerpoint/2010/main" val="2494105456"/>
       </p:ext>
     </p:extLst>
   </p:cSld>
@@ -2484,13 +2245,7 @@
       </p:grpSpPr>
       <p:sp>
         <p:nvSpPr>
-          <p:cNvPr id="2" name="Espace réservé de la date 1">
-            <a:extLst>
-              <a:ext uri="{FF2B5EF4-FFF2-40B4-BE49-F238E27FC236}">
-                <a16:creationId xmlns:a16="http://schemas.microsoft.com/office/drawing/2014/main" id="{D1B8C0FB-12D5-4FE5-83E3-79A6110FEF91}"/>
-              </a:ext>
-            </a:extLst>
-          </p:cNvPr>
+          <p:cNvPr id="2" name="Date Placeholder 1"/>
           <p:cNvSpPr>
             <a:spLocks noGrp="1"/>
           </p:cNvSpPr>
@@ -2505,7 +2260,7 @@
           <a:p>
             <a:fld id="{DEBA1CB3-45B4-4365-8A01-D60AF6EBF46C}" type="datetimeFigureOut">
               <a:rPr lang="fr-FR" smtClean="0"/>
-              <a:t>09/07/2020</a:t>
+              <a:t>18/11/2020</a:t>
             </a:fld>
             <a:endParaRPr lang="fr-FR"/>
           </a:p>
@@ -2513,13 +2268,7 @@
       </p:sp>
       <p:sp>
         <p:nvSpPr>
-          <p:cNvPr id="3" name="Espace réservé du pied de page 2">
-            <a:extLst>
-              <a:ext uri="{FF2B5EF4-FFF2-40B4-BE49-F238E27FC236}">
-                <a16:creationId xmlns:a16="http://schemas.microsoft.com/office/drawing/2014/main" id="{46544E9A-EA1C-45BF-90B7-C6287B80BE96}"/>
-              </a:ext>
-            </a:extLst>
-          </p:cNvPr>
+          <p:cNvPr id="3" name="Footer Placeholder 2"/>
           <p:cNvSpPr>
             <a:spLocks noGrp="1"/>
           </p:cNvSpPr>
@@ -2538,13 +2287,7 @@
       </p:sp>
       <p:sp>
         <p:nvSpPr>
-          <p:cNvPr id="4" name="Espace réservé du numéro de diapositive 3">
-            <a:extLst>
-              <a:ext uri="{FF2B5EF4-FFF2-40B4-BE49-F238E27FC236}">
-                <a16:creationId xmlns:a16="http://schemas.microsoft.com/office/drawing/2014/main" id="{7EED49FD-B14F-4B05-8D5C-8ED2F5689E9D}"/>
-              </a:ext>
-            </a:extLst>
-          </p:cNvPr>
+          <p:cNvPr id="4" name="Slide Number Placeholder 3"/>
           <p:cNvSpPr>
             <a:spLocks noGrp="1"/>
           </p:cNvSpPr>
@@ -2568,7 +2311,7 @@
     </p:spTree>
     <p:extLst>
       <p:ext uri="{BB962C8B-B14F-4D97-AF65-F5344CB8AC3E}">
-        <p14:creationId xmlns:p14="http://schemas.microsoft.com/office/powerpoint/2010/main" val="480225409"/>
+        <p14:creationId xmlns:p14="http://schemas.microsoft.com/office/powerpoint/2010/main" val="3178129440"/>
       </p:ext>
     </p:extLst>
   </p:cSld>
@@ -2597,13 +2340,7 @@
       </p:grpSpPr>
       <p:sp>
         <p:nvSpPr>
-          <p:cNvPr id="2" name="Titre 1">
-            <a:extLst>
-              <a:ext uri="{FF2B5EF4-FFF2-40B4-BE49-F238E27FC236}">
-                <a16:creationId xmlns:a16="http://schemas.microsoft.com/office/drawing/2014/main" id="{32C3BC82-7F57-409C-B5CC-29EE1E04B5D9}"/>
-              </a:ext>
-            </a:extLst>
-          </p:cNvPr>
+          <p:cNvPr id="2" name="Title 1"/>
           <p:cNvSpPr>
             <a:spLocks noGrp="1"/>
           </p:cNvSpPr>
@@ -2613,15 +2350,15 @@
         </p:nvSpPr>
         <p:spPr>
           <a:xfrm>
-            <a:off x="839788" y="457200"/>
-            <a:ext cx="3932237" cy="1600200"/>
+            <a:off x="472381" y="812800"/>
+            <a:ext cx="2211884" cy="2844800"/>
           </a:xfrm>
         </p:spPr>
         <p:txBody>
           <a:bodyPr anchor="b"/>
           <a:lstStyle>
             <a:lvl1pPr>
-              <a:defRPr sz="3200"/>
+              <a:defRPr sz="2400"/>
             </a:lvl1pPr>
           </a:lstStyle>
           <a:p>
@@ -2629,18 +2366,13 @@
               <a:rPr lang="fr-FR"/>
               <a:t>Modifiez le style du titre</a:t>
             </a:r>
-          </a:p>
-        </p:txBody>
-      </p:sp>
-      <p:sp>
-        <p:nvSpPr>
-          <p:cNvPr id="3" name="Espace réservé du contenu 2">
-            <a:extLst>
-              <a:ext uri="{FF2B5EF4-FFF2-40B4-BE49-F238E27FC236}">
-                <a16:creationId xmlns:a16="http://schemas.microsoft.com/office/drawing/2014/main" id="{6786F8FB-B69F-469E-8049-5F30E48CE577}"/>
-              </a:ext>
-            </a:extLst>
-          </p:cNvPr>
+            <a:endParaRPr lang="en-US" dirty="0"/>
+          </a:p>
+        </p:txBody>
+      </p:sp>
+      <p:sp>
+        <p:nvSpPr>
+          <p:cNvPr id="3" name="Content Placeholder 2"/>
           <p:cNvSpPr>
             <a:spLocks noGrp="1"/>
           </p:cNvSpPr>
@@ -2650,39 +2382,39 @@
         </p:nvSpPr>
         <p:spPr>
           <a:xfrm>
-            <a:off x="5183188" y="987425"/>
-            <a:ext cx="6172200" cy="4873625"/>
+            <a:off x="2915543" y="1755425"/>
+            <a:ext cx="3471863" cy="8664222"/>
           </a:xfrm>
         </p:spPr>
         <p:txBody>
           <a:bodyPr/>
           <a:lstStyle>
             <a:lvl1pPr>
-              <a:defRPr sz="3200"/>
+              <a:defRPr sz="2400"/>
             </a:lvl1pPr>
             <a:lvl2pPr>
-              <a:defRPr sz="2800"/>
+              <a:defRPr sz="2100"/>
             </a:lvl2pPr>
             <a:lvl3pPr>
-              <a:defRPr sz="2400"/>
+              <a:defRPr sz="1800"/>
             </a:lvl3pPr>
             <a:lvl4pPr>
-              <a:defRPr sz="2000"/>
+              <a:defRPr sz="1500"/>
             </a:lvl4pPr>
             <a:lvl5pPr>
-              <a:defRPr sz="2000"/>
+              <a:defRPr sz="1500"/>
             </a:lvl5pPr>
             <a:lvl6pPr>
-              <a:defRPr sz="2000"/>
+              <a:defRPr sz="1500"/>
             </a:lvl6pPr>
             <a:lvl7pPr>
-              <a:defRPr sz="2000"/>
+              <a:defRPr sz="1500"/>
             </a:lvl7pPr>
             <a:lvl8pPr>
-              <a:defRPr sz="2000"/>
+              <a:defRPr sz="1500"/>
             </a:lvl8pPr>
             <a:lvl9pPr>
-              <a:defRPr sz="2000"/>
+              <a:defRPr sz="1500"/>
             </a:lvl9pPr>
           </a:lstStyle>
           <a:p>
@@ -2719,18 +2451,13 @@
               <a:rPr lang="fr-FR"/>
               <a:t>Cinquième niveau</a:t>
             </a:r>
-          </a:p>
-        </p:txBody>
-      </p:sp>
-      <p:sp>
-        <p:nvSpPr>
-          <p:cNvPr id="4" name="Espace réservé du texte 3">
-            <a:extLst>
-              <a:ext uri="{FF2B5EF4-FFF2-40B4-BE49-F238E27FC236}">
-                <a16:creationId xmlns:a16="http://schemas.microsoft.com/office/drawing/2014/main" id="{9B9E53FC-E3BF-4943-B1D3-BA081630B96D}"/>
-              </a:ext>
-            </a:extLst>
-          </p:cNvPr>
+            <a:endParaRPr lang="en-US" dirty="0"/>
+          </a:p>
+        </p:txBody>
+      </p:sp>
+      <p:sp>
+        <p:nvSpPr>
+          <p:cNvPr id="4" name="Text Placeholder 3"/>
           <p:cNvSpPr>
             <a:spLocks noGrp="1"/>
           </p:cNvSpPr>
@@ -2740,8 +2467,8 @@
         </p:nvSpPr>
         <p:spPr>
           <a:xfrm>
-            <a:off x="839788" y="2057400"/>
-            <a:ext cx="3932237" cy="3811588"/>
+            <a:off x="472381" y="3657600"/>
+            <a:ext cx="2211884" cy="6776156"/>
           </a:xfrm>
         </p:spPr>
         <p:txBody>
@@ -2749,39 +2476,39 @@
           <a:lstStyle>
             <a:lvl1pPr marL="0" indent="0">
               <a:buNone/>
-              <a:defRPr sz="1600"/>
+              <a:defRPr sz="1200"/>
             </a:lvl1pPr>
-            <a:lvl2pPr marL="457200" indent="0">
+            <a:lvl2pPr marL="342900" indent="0">
               <a:buNone/>
-              <a:defRPr sz="1400"/>
+              <a:defRPr sz="1050"/>
             </a:lvl2pPr>
-            <a:lvl3pPr marL="914400" indent="0">
+            <a:lvl3pPr marL="685800" indent="0">
               <a:buNone/>
-              <a:defRPr sz="1200"/>
+              <a:defRPr sz="900"/>
             </a:lvl3pPr>
-            <a:lvl4pPr marL="1371600" indent="0">
+            <a:lvl4pPr marL="1028700" indent="0">
               <a:buNone/>
-              <a:defRPr sz="1000"/>
+              <a:defRPr sz="750"/>
             </a:lvl4pPr>
-            <a:lvl5pPr marL="1828800" indent="0">
+            <a:lvl5pPr marL="1371600" indent="0">
               <a:buNone/>
-              <a:defRPr sz="1000"/>
+              <a:defRPr sz="750"/>
             </a:lvl5pPr>
-            <a:lvl6pPr marL="2286000" indent="0">
+            <a:lvl6pPr marL="1714500" indent="0">
               <a:buNone/>
-              <a:defRPr sz="1000"/>
+              <a:defRPr sz="750"/>
             </a:lvl6pPr>
-            <a:lvl7pPr marL="2743200" indent="0">
+            <a:lvl7pPr marL="2057400" indent="0">
               <a:buNone/>
-              <a:defRPr sz="1000"/>
+              <a:defRPr sz="750"/>
             </a:lvl7pPr>
-            <a:lvl8pPr marL="3200400" indent="0">
+            <a:lvl8pPr marL="2400300" indent="0">
               <a:buNone/>
-              <a:defRPr sz="1000"/>
+              <a:defRPr sz="750"/>
             </a:lvl8pPr>
-            <a:lvl9pPr marL="3657600" indent="0">
+            <a:lvl9pPr marL="2743200" indent="0">
               <a:buNone/>
-              <a:defRPr sz="1000"/>
+              <a:defRPr sz="750"/>
             </a:lvl9pPr>
           </a:lstStyle>
           <a:p>
@@ -2795,13 +2522,7 @@
       </p:sp>
       <p:sp>
         <p:nvSpPr>
-          <p:cNvPr id="5" name="Espace réservé de la date 4">
-            <a:extLst>
-              <a:ext uri="{FF2B5EF4-FFF2-40B4-BE49-F238E27FC236}">
-                <a16:creationId xmlns:a16="http://schemas.microsoft.com/office/drawing/2014/main" id="{94497159-70B0-4462-8716-BD096D866BA4}"/>
-              </a:ext>
-            </a:extLst>
-          </p:cNvPr>
+          <p:cNvPr id="5" name="Date Placeholder 4"/>
           <p:cNvSpPr>
             <a:spLocks noGrp="1"/>
           </p:cNvSpPr>
@@ -2816,7 +2537,7 @@
           <a:p>
             <a:fld id="{DEBA1CB3-45B4-4365-8A01-D60AF6EBF46C}" type="datetimeFigureOut">
               <a:rPr lang="fr-FR" smtClean="0"/>
-              <a:t>09/07/2020</a:t>
+              <a:t>18/11/2020</a:t>
             </a:fld>
             <a:endParaRPr lang="fr-FR"/>
           </a:p>
@@ -2824,13 +2545,7 @@
       </p:sp>
       <p:sp>
         <p:nvSpPr>
-          <p:cNvPr id="6" name="Espace réservé du pied de page 5">
-            <a:extLst>
-              <a:ext uri="{FF2B5EF4-FFF2-40B4-BE49-F238E27FC236}">
-                <a16:creationId xmlns:a16="http://schemas.microsoft.com/office/drawing/2014/main" id="{D5894408-DEDA-4E62-83B9-3FCD4057527C}"/>
-              </a:ext>
-            </a:extLst>
-          </p:cNvPr>
+          <p:cNvPr id="6" name="Footer Placeholder 5"/>
           <p:cNvSpPr>
             <a:spLocks noGrp="1"/>
           </p:cNvSpPr>
@@ -2849,13 +2564,7 @@
       </p:sp>
       <p:sp>
         <p:nvSpPr>
-          <p:cNvPr id="7" name="Espace réservé du numéro de diapositive 6">
-            <a:extLst>
-              <a:ext uri="{FF2B5EF4-FFF2-40B4-BE49-F238E27FC236}">
-                <a16:creationId xmlns:a16="http://schemas.microsoft.com/office/drawing/2014/main" id="{2F877443-1E5E-4603-BA55-D152D27C99BA}"/>
-              </a:ext>
-            </a:extLst>
-          </p:cNvPr>
+          <p:cNvPr id="7" name="Slide Number Placeholder 6"/>
           <p:cNvSpPr>
             <a:spLocks noGrp="1"/>
           </p:cNvSpPr>
@@ -2879,7 +2588,7 @@
     </p:spTree>
     <p:extLst>
       <p:ext uri="{BB962C8B-B14F-4D97-AF65-F5344CB8AC3E}">
-        <p14:creationId xmlns:p14="http://schemas.microsoft.com/office/powerpoint/2010/main" val="183021658"/>
+        <p14:creationId xmlns:p14="http://schemas.microsoft.com/office/powerpoint/2010/main" val="4124178380"/>
       </p:ext>
     </p:extLst>
   </p:cSld>
@@ -2908,13 +2617,7 @@
       </p:grpSpPr>
       <p:sp>
         <p:nvSpPr>
-          <p:cNvPr id="2" name="Titre 1">
-            <a:extLst>
-              <a:ext uri="{FF2B5EF4-FFF2-40B4-BE49-F238E27FC236}">
-                <a16:creationId xmlns:a16="http://schemas.microsoft.com/office/drawing/2014/main" id="{DEDF6D6F-F0A9-4A88-BE72-B91055C90E0A}"/>
-              </a:ext>
-            </a:extLst>
-          </p:cNvPr>
+          <p:cNvPr id="2" name="Title 1"/>
           <p:cNvSpPr>
             <a:spLocks noGrp="1"/>
           </p:cNvSpPr>
@@ -2924,15 +2627,15 @@
         </p:nvSpPr>
         <p:spPr>
           <a:xfrm>
-            <a:off x="839788" y="457200"/>
-            <a:ext cx="3932237" cy="1600200"/>
+            <a:off x="472381" y="812800"/>
+            <a:ext cx="2211884" cy="2844800"/>
           </a:xfrm>
         </p:spPr>
         <p:txBody>
           <a:bodyPr anchor="b"/>
           <a:lstStyle>
             <a:lvl1pPr>
-              <a:defRPr sz="3200"/>
+              <a:defRPr sz="2400"/>
             </a:lvl1pPr>
           </a:lstStyle>
           <a:p>
@@ -2940,20 +2643,15 @@
               <a:rPr lang="fr-FR"/>
               <a:t>Modifiez le style du titre</a:t>
             </a:r>
-          </a:p>
-        </p:txBody>
-      </p:sp>
-      <p:sp>
-        <p:nvSpPr>
-          <p:cNvPr id="3" name="Espace réservé pour une image  2">
-            <a:extLst>
-              <a:ext uri="{FF2B5EF4-FFF2-40B4-BE49-F238E27FC236}">
-                <a16:creationId xmlns:a16="http://schemas.microsoft.com/office/drawing/2014/main" id="{A29E2DDF-1918-45B9-89CA-A0F14491C4FD}"/>
-              </a:ext>
-            </a:extLst>
-          </p:cNvPr>
+            <a:endParaRPr lang="en-US" dirty="0"/>
+          </a:p>
+        </p:txBody>
+      </p:sp>
+      <p:sp>
+        <p:nvSpPr>
+          <p:cNvPr id="3" name="Picture Placeholder 2"/>
           <p:cNvSpPr>
-            <a:spLocks noGrp="1"/>
+            <a:spLocks noGrp="1" noChangeAspect="1"/>
           </p:cNvSpPr>
           <p:nvPr>
             <p:ph type="pic" idx="1"/>
@@ -2961,64 +2659,62 @@
         </p:nvSpPr>
         <p:spPr>
           <a:xfrm>
-            <a:off x="5183188" y="987425"/>
-            <a:ext cx="6172200" cy="4873625"/>
-          </a:xfrm>
-        </p:spPr>
-        <p:txBody>
-          <a:bodyPr/>
+            <a:off x="2915543" y="1755425"/>
+            <a:ext cx="3471863" cy="8664222"/>
+          </a:xfrm>
+        </p:spPr>
+        <p:txBody>
+          <a:bodyPr anchor="t"/>
           <a:lstStyle>
             <a:lvl1pPr marL="0" indent="0">
               <a:buNone/>
-              <a:defRPr sz="3200"/>
+              <a:defRPr sz="2400"/>
             </a:lvl1pPr>
-            <a:lvl2pPr marL="457200" indent="0">
+            <a:lvl2pPr marL="342900" indent="0">
               <a:buNone/>
-              <a:defRPr sz="2800"/>
+              <a:defRPr sz="2100"/>
             </a:lvl2pPr>
-            <a:lvl3pPr marL="914400" indent="0">
+            <a:lvl3pPr marL="685800" indent="0">
               <a:buNone/>
-              <a:defRPr sz="2400"/>
+              <a:defRPr sz="1800"/>
             </a:lvl3pPr>
-            <a:lvl4pPr marL="1371600" indent="0">
+            <a:lvl4pPr marL="1028700" indent="0">
               <a:buNone/>
-              <a:defRPr sz="2000"/>
+              <a:defRPr sz="1500"/>
             </a:lvl4pPr>
-            <a:lvl5pPr marL="1828800" indent="0">
+            <a:lvl5pPr marL="1371600" indent="0">
               <a:buNone/>
-              <a:defRPr sz="2000"/>
+              <a:defRPr sz="1500"/>
             </a:lvl5pPr>
-            <a:lvl6pPr marL="2286000" indent="0">
+            <a:lvl6pPr marL="1714500" indent="0">
               <a:buNone/>
-              <a:defRPr sz="2000"/>
+              <a:defRPr sz="1500"/>
             </a:lvl6pPr>
-            <a:lvl7pPr marL="2743200" indent="0">
+            <a:lvl7pPr marL="2057400" indent="0">
               <a:buNone/>
-              <a:defRPr sz="2000"/>
+              <a:defRPr sz="1500"/>
             </a:lvl7pPr>
-            <a:lvl8pPr marL="3200400" indent="0">
+            <a:lvl8pPr marL="2400300" indent="0">
               <a:buNone/>
-              <a:defRPr sz="2000"/>
+              <a:defRPr sz="1500"/>
             </a:lvl8pPr>
-            <a:lvl9pPr marL="3657600" indent="0">
+            <a:lvl9pPr marL="2743200" indent="0">
               <a:buNone/>
-              <a:defRPr sz="2000"/>
+              <a:defRPr sz="1500"/>
             </a:lvl9pPr>
           </a:lstStyle>
           <a:p>
-            <a:endParaRPr lang="fr-FR"/>
-          </a:p>
-        </p:txBody>
-      </p:sp>
-      <p:sp>
-        <p:nvSpPr>
-          <p:cNvPr id="4" name="Espace réservé du texte 3">
-            <a:extLst>
-              <a:ext uri="{FF2B5EF4-FFF2-40B4-BE49-F238E27FC236}">
-                <a16:creationId xmlns:a16="http://schemas.microsoft.com/office/drawing/2014/main" id="{DE5D9D44-0249-481F-A80B-032CB3EE4631}"/>
-              </a:ext>
-            </a:extLst>
-          </p:cNvPr>
+            <a:r>
+              <a:rPr lang="fr-FR"/>
+              <a:t>Cliquez sur l'icône pour ajouter une image</a:t>
+            </a:r>
+            <a:endParaRPr lang="en-US" dirty="0"/>
+          </a:p>
+        </p:txBody>
+      </p:sp>
+      <p:sp>
+        <p:nvSpPr>
+          <p:cNvPr id="4" name="Text Placeholder 3"/>
           <p:cNvSpPr>
             <a:spLocks noGrp="1"/>
           </p:cNvSpPr>
@@ -3028,8 +2724,8 @@
         </p:nvSpPr>
         <p:spPr>
           <a:xfrm>
-            <a:off x="839788" y="2057400"/>
-            <a:ext cx="3932237" cy="3811588"/>
+            <a:off x="472381" y="3657600"/>
+            <a:ext cx="2211884" cy="6776156"/>
           </a:xfrm>
         </p:spPr>
         <p:txBody>
@@ -3037,39 +2733,39 @@
           <a:lstStyle>
             <a:lvl1pPr marL="0" indent="0">
               <a:buNone/>
-              <a:defRPr sz="1600"/>
+              <a:defRPr sz="1200"/>
             </a:lvl1pPr>
-            <a:lvl2pPr marL="457200" indent="0">
+            <a:lvl2pPr marL="342900" indent="0">
               <a:buNone/>
-              <a:defRPr sz="1400"/>
+              <a:defRPr sz="1050"/>
             </a:lvl2pPr>
-            <a:lvl3pPr marL="914400" indent="0">
+            <a:lvl3pPr marL="685800" indent="0">
               <a:buNone/>
-              <a:defRPr sz="1200"/>
+              <a:defRPr sz="900"/>
             </a:lvl3pPr>
-            <a:lvl4pPr marL="1371600" indent="0">
+            <a:lvl4pPr marL="1028700" indent="0">
               <a:buNone/>
-              <a:defRPr sz="1000"/>
+              <a:defRPr sz="750"/>
             </a:lvl4pPr>
-            <a:lvl5pPr marL="1828800" indent="0">
+            <a:lvl5pPr marL="1371600" indent="0">
               <a:buNone/>
-              <a:defRPr sz="1000"/>
+              <a:defRPr sz="750"/>
             </a:lvl5pPr>
-            <a:lvl6pPr marL="2286000" indent="0">
+            <a:lvl6pPr marL="1714500" indent="0">
               <a:buNone/>
-              <a:defRPr sz="1000"/>
+              <a:defRPr sz="750"/>
             </a:lvl6pPr>
-            <a:lvl7pPr marL="2743200" indent="0">
+            <a:lvl7pPr marL="2057400" indent="0">
               <a:buNone/>
-              <a:defRPr sz="1000"/>
+              <a:defRPr sz="750"/>
             </a:lvl7pPr>
-            <a:lvl8pPr marL="3200400" indent="0">
+            <a:lvl8pPr marL="2400300" indent="0">
               <a:buNone/>
-              <a:defRPr sz="1000"/>
+              <a:defRPr sz="750"/>
             </a:lvl8pPr>
-            <a:lvl9pPr marL="3657600" indent="0">
+            <a:lvl9pPr marL="2743200" indent="0">
               <a:buNone/>
-              <a:defRPr sz="1000"/>
+              <a:defRPr sz="750"/>
             </a:lvl9pPr>
           </a:lstStyle>
           <a:p>
@@ -3083,13 +2779,7 @@
       </p:sp>
       <p:sp>
         <p:nvSpPr>
-          <p:cNvPr id="5" name="Espace réservé de la date 4">
-            <a:extLst>
-              <a:ext uri="{FF2B5EF4-FFF2-40B4-BE49-F238E27FC236}">
-                <a16:creationId xmlns:a16="http://schemas.microsoft.com/office/drawing/2014/main" id="{4CCA2153-3731-41C3-B074-F9FF5088E013}"/>
-              </a:ext>
-            </a:extLst>
-          </p:cNvPr>
+          <p:cNvPr id="5" name="Date Placeholder 4"/>
           <p:cNvSpPr>
             <a:spLocks noGrp="1"/>
           </p:cNvSpPr>
@@ -3104,7 +2794,7 @@
           <a:p>
             <a:fld id="{DEBA1CB3-45B4-4365-8A01-D60AF6EBF46C}" type="datetimeFigureOut">
               <a:rPr lang="fr-FR" smtClean="0"/>
-              <a:t>09/07/2020</a:t>
+              <a:t>18/11/2020</a:t>
             </a:fld>
             <a:endParaRPr lang="fr-FR"/>
           </a:p>
@@ -3112,13 +2802,7 @@
       </p:sp>
       <p:sp>
         <p:nvSpPr>
-          <p:cNvPr id="6" name="Espace réservé du pied de page 5">
-            <a:extLst>
-              <a:ext uri="{FF2B5EF4-FFF2-40B4-BE49-F238E27FC236}">
-                <a16:creationId xmlns:a16="http://schemas.microsoft.com/office/drawing/2014/main" id="{AAED92CC-CDBF-426C-B5CC-10F3D23AF08B}"/>
-              </a:ext>
-            </a:extLst>
-          </p:cNvPr>
+          <p:cNvPr id="6" name="Footer Placeholder 5"/>
           <p:cNvSpPr>
             <a:spLocks noGrp="1"/>
           </p:cNvSpPr>
@@ -3137,13 +2821,7 @@
       </p:sp>
       <p:sp>
         <p:nvSpPr>
-          <p:cNvPr id="7" name="Espace réservé du numéro de diapositive 6">
-            <a:extLst>
-              <a:ext uri="{FF2B5EF4-FFF2-40B4-BE49-F238E27FC236}">
-                <a16:creationId xmlns:a16="http://schemas.microsoft.com/office/drawing/2014/main" id="{985AB24F-92DB-4B4D-A60D-42E5494D7448}"/>
-              </a:ext>
-            </a:extLst>
-          </p:cNvPr>
+          <p:cNvPr id="7" name="Slide Number Placeholder 6"/>
           <p:cNvSpPr>
             <a:spLocks noGrp="1"/>
           </p:cNvSpPr>
@@ -3167,7 +2845,7 @@
     </p:spTree>
     <p:extLst>
       <p:ext uri="{BB962C8B-B14F-4D97-AF65-F5344CB8AC3E}">
-        <p14:creationId xmlns:p14="http://schemas.microsoft.com/office/powerpoint/2010/main" val="27669970"/>
+        <p14:creationId xmlns:p14="http://schemas.microsoft.com/office/powerpoint/2010/main" val="2428575750"/>
       </p:ext>
     </p:extLst>
   </p:cSld>
@@ -3201,13 +2879,7 @@
       </p:grpSpPr>
       <p:sp>
         <p:nvSpPr>
-          <p:cNvPr id="2" name="Espace réservé du titre 1">
-            <a:extLst>
-              <a:ext uri="{FF2B5EF4-FFF2-40B4-BE49-F238E27FC236}">
-                <a16:creationId xmlns:a16="http://schemas.microsoft.com/office/drawing/2014/main" id="{768F6FED-733B-46B7-8EF1-AB50268EBFC3}"/>
-              </a:ext>
-            </a:extLst>
-          </p:cNvPr>
+          <p:cNvPr id="2" name="Title Placeholder 1"/>
           <p:cNvSpPr>
             <a:spLocks noGrp="1"/>
           </p:cNvSpPr>
@@ -3217,8 +2889,8 @@
         </p:nvSpPr>
         <p:spPr>
           <a:xfrm>
-            <a:off x="838200" y="365125"/>
-            <a:ext cx="10515600" cy="1325563"/>
+            <a:off x="471488" y="649114"/>
+            <a:ext cx="5915025" cy="2356556"/>
           </a:xfrm>
           <a:prstGeom prst="rect">
             <a:avLst/>
@@ -3234,18 +2906,13 @@
               <a:rPr lang="fr-FR"/>
               <a:t>Modifiez le style du titre</a:t>
             </a:r>
-          </a:p>
-        </p:txBody>
-      </p:sp>
-      <p:sp>
-        <p:nvSpPr>
-          <p:cNvPr id="3" name="Espace réservé du texte 2">
-            <a:extLst>
-              <a:ext uri="{FF2B5EF4-FFF2-40B4-BE49-F238E27FC236}">
-                <a16:creationId xmlns:a16="http://schemas.microsoft.com/office/drawing/2014/main" id="{49595156-9C61-45A6-9F95-0E17862250BB}"/>
-              </a:ext>
-            </a:extLst>
-          </p:cNvPr>
+            <a:endParaRPr lang="en-US" dirty="0"/>
+          </a:p>
+        </p:txBody>
+      </p:sp>
+      <p:sp>
+        <p:nvSpPr>
+          <p:cNvPr id="3" name="Text Placeholder 2"/>
           <p:cNvSpPr>
             <a:spLocks noGrp="1"/>
           </p:cNvSpPr>
@@ -3255,8 +2922,8 @@
         </p:nvSpPr>
         <p:spPr>
           <a:xfrm>
-            <a:off x="838200" y="1825625"/>
-            <a:ext cx="10515600" cy="4351338"/>
+            <a:off x="471488" y="3245556"/>
+            <a:ext cx="5915025" cy="7735712"/>
           </a:xfrm>
           <a:prstGeom prst="rect">
             <a:avLst/>
@@ -3301,18 +2968,13 @@
               <a:rPr lang="fr-FR"/>
               <a:t>Cinquième niveau</a:t>
             </a:r>
-          </a:p>
-        </p:txBody>
-      </p:sp>
-      <p:sp>
-        <p:nvSpPr>
-          <p:cNvPr id="4" name="Espace réservé de la date 3">
-            <a:extLst>
-              <a:ext uri="{FF2B5EF4-FFF2-40B4-BE49-F238E27FC236}">
-                <a16:creationId xmlns:a16="http://schemas.microsoft.com/office/drawing/2014/main" id="{E5D63E3C-CFCB-44AC-9F65-8C5C195AAB0B}"/>
-              </a:ext>
-            </a:extLst>
-          </p:cNvPr>
+            <a:endParaRPr lang="en-US" dirty="0"/>
+          </a:p>
+        </p:txBody>
+      </p:sp>
+      <p:sp>
+        <p:nvSpPr>
+          <p:cNvPr id="4" name="Date Placeholder 3"/>
           <p:cNvSpPr>
             <a:spLocks noGrp="1"/>
           </p:cNvSpPr>
@@ -3322,8 +2984,8 @@
         </p:nvSpPr>
         <p:spPr>
           <a:xfrm>
-            <a:off x="838200" y="6356350"/>
-            <a:ext cx="2743200" cy="365125"/>
+            <a:off x="471488" y="11300181"/>
+            <a:ext cx="1543050" cy="649111"/>
           </a:xfrm>
           <a:prstGeom prst="rect">
             <a:avLst/>
@@ -3333,7 +2995,7 @@
           <a:bodyPr vert="horz" lIns="91440" tIns="45720" rIns="91440" bIns="45720" rtlCol="0" anchor="ctr"/>
           <a:lstStyle>
             <a:lvl1pPr algn="l">
-              <a:defRPr sz="1200">
+              <a:defRPr sz="900">
                 <a:solidFill>
                   <a:schemeClr val="tx1">
                     <a:tint val="75000"/>
@@ -3345,7 +3007,7 @@
           <a:p>
             <a:fld id="{DEBA1CB3-45B4-4365-8A01-D60AF6EBF46C}" type="datetimeFigureOut">
               <a:rPr lang="fr-FR" smtClean="0"/>
-              <a:t>09/07/2020</a:t>
+              <a:t>18/11/2020</a:t>
             </a:fld>
             <a:endParaRPr lang="fr-FR"/>
           </a:p>
@@ -3353,13 +3015,7 @@
       </p:sp>
       <p:sp>
         <p:nvSpPr>
-          <p:cNvPr id="5" name="Espace réservé du pied de page 4">
-            <a:extLst>
-              <a:ext uri="{FF2B5EF4-FFF2-40B4-BE49-F238E27FC236}">
-                <a16:creationId xmlns:a16="http://schemas.microsoft.com/office/drawing/2014/main" id="{A45261F0-3C75-4748-B9A6-82DD9F598B23}"/>
-              </a:ext>
-            </a:extLst>
-          </p:cNvPr>
+          <p:cNvPr id="5" name="Footer Placeholder 4"/>
           <p:cNvSpPr>
             <a:spLocks noGrp="1"/>
           </p:cNvSpPr>
@@ -3369,8 +3025,8 @@
         </p:nvSpPr>
         <p:spPr>
           <a:xfrm>
-            <a:off x="4038600" y="6356350"/>
-            <a:ext cx="4114800" cy="365125"/>
+            <a:off x="2271713" y="11300181"/>
+            <a:ext cx="2314575" cy="649111"/>
           </a:xfrm>
           <a:prstGeom prst="rect">
             <a:avLst/>
@@ -3380,7 +3036,7 @@
           <a:bodyPr vert="horz" lIns="91440" tIns="45720" rIns="91440" bIns="45720" rtlCol="0" anchor="ctr"/>
           <a:lstStyle>
             <a:lvl1pPr algn="ctr">
-              <a:defRPr sz="1200">
+              <a:defRPr sz="900">
                 <a:solidFill>
                   <a:schemeClr val="tx1">
                     <a:tint val="75000"/>
@@ -3396,13 +3052,7 @@
       </p:sp>
       <p:sp>
         <p:nvSpPr>
-          <p:cNvPr id="6" name="Espace réservé du numéro de diapositive 5">
-            <a:extLst>
-              <a:ext uri="{FF2B5EF4-FFF2-40B4-BE49-F238E27FC236}">
-                <a16:creationId xmlns:a16="http://schemas.microsoft.com/office/drawing/2014/main" id="{6A4459AF-0729-4595-88F2-1B1D5A4D0D3A}"/>
-              </a:ext>
-            </a:extLst>
-          </p:cNvPr>
+          <p:cNvPr id="6" name="Slide Number Placeholder 5"/>
           <p:cNvSpPr>
             <a:spLocks noGrp="1"/>
           </p:cNvSpPr>
@@ -3412,8 +3062,8 @@
         </p:nvSpPr>
         <p:spPr>
           <a:xfrm>
-            <a:off x="8610600" y="6356350"/>
-            <a:ext cx="2743200" cy="365125"/>
+            <a:off x="4843463" y="11300181"/>
+            <a:ext cx="1543050" cy="649111"/>
           </a:xfrm>
           <a:prstGeom prst="rect">
             <a:avLst/>
@@ -3423,7 +3073,7 @@
           <a:bodyPr vert="horz" lIns="91440" tIns="45720" rIns="91440" bIns="45720" rtlCol="0" anchor="ctr"/>
           <a:lstStyle>
             <a:lvl1pPr algn="r">
-              <a:defRPr sz="1200">
+              <a:defRPr sz="900">
                 <a:solidFill>
                   <a:schemeClr val="tx1">
                     <a:tint val="75000"/>
@@ -3444,27 +3094,27 @@
     </p:spTree>
     <p:extLst>
       <p:ext uri="{BB962C8B-B14F-4D97-AF65-F5344CB8AC3E}">
-        <p14:creationId xmlns:p14="http://schemas.microsoft.com/office/powerpoint/2010/main" val="2545031701"/>
+        <p14:creationId xmlns:p14="http://schemas.microsoft.com/office/powerpoint/2010/main" val="1592877023"/>
       </p:ext>
     </p:extLst>
   </p:cSld>
   <p:clrMap bg1="lt1" tx1="dk1" bg2="lt2" tx2="dk2" accent1="accent1" accent2="accent2" accent3="accent3" accent4="accent4" accent5="accent5" accent6="accent6" hlink="hlink" folHlink="folHlink"/>
   <p:sldLayoutIdLst>
-    <p:sldLayoutId id="2147483649" r:id="rId1"/>
-    <p:sldLayoutId id="2147483650" r:id="rId2"/>
-    <p:sldLayoutId id="2147483651" r:id="rId3"/>
-    <p:sldLayoutId id="2147483652" r:id="rId4"/>
-    <p:sldLayoutId id="2147483653" r:id="rId5"/>
-    <p:sldLayoutId id="2147483654" r:id="rId6"/>
-    <p:sldLayoutId id="2147483655" r:id="rId7"/>
-    <p:sldLayoutId id="2147483656" r:id="rId8"/>
-    <p:sldLayoutId id="2147483657" r:id="rId9"/>
-    <p:sldLayoutId id="2147483658" r:id="rId10"/>
-    <p:sldLayoutId id="2147483659" r:id="rId11"/>
+    <p:sldLayoutId id="2147483661" r:id="rId1"/>
+    <p:sldLayoutId id="2147483662" r:id="rId2"/>
+    <p:sldLayoutId id="2147483663" r:id="rId3"/>
+    <p:sldLayoutId id="2147483664" r:id="rId4"/>
+    <p:sldLayoutId id="2147483665" r:id="rId5"/>
+    <p:sldLayoutId id="2147483666" r:id="rId6"/>
+    <p:sldLayoutId id="2147483667" r:id="rId7"/>
+    <p:sldLayoutId id="2147483668" r:id="rId8"/>
+    <p:sldLayoutId id="2147483669" r:id="rId9"/>
+    <p:sldLayoutId id="2147483670" r:id="rId10"/>
+    <p:sldLayoutId id="2147483671" r:id="rId11"/>
   </p:sldLayoutIdLst>
   <p:txStyles>
     <p:titleStyle>
-      <a:lvl1pPr algn="l" defTabSz="914400" rtl="0" eaLnBrk="1" latinLnBrk="0" hangingPunct="1">
+      <a:lvl1pPr algn="l" defTabSz="685800" rtl="0" eaLnBrk="1" latinLnBrk="0" hangingPunct="1">
         <a:lnSpc>
           <a:spcPct val="90000"/>
         </a:lnSpc>
@@ -3472,7 +3122,7 @@
           <a:spcPct val="0"/>
         </a:spcBef>
         <a:buNone/>
-        <a:defRPr sz="4400" kern="1200">
+        <a:defRPr sz="3300" kern="1200">
           <a:solidFill>
             <a:schemeClr val="tx1"/>
           </a:solidFill>
@@ -3483,16 +3133,16 @@
       </a:lvl1pPr>
     </p:titleStyle>
     <p:bodyStyle>
-      <a:lvl1pPr marL="228600" indent="-228600" algn="l" defTabSz="914400" rtl="0" eaLnBrk="1" latinLnBrk="0" hangingPunct="1">
+      <a:lvl1pPr marL="171450" indent="-171450" algn="l" defTabSz="685800" rtl="0" eaLnBrk="1" latinLnBrk="0" hangingPunct="1">
         <a:lnSpc>
           <a:spcPct val="90000"/>
         </a:lnSpc>
         <a:spcBef>
-          <a:spcPts val="1000"/>
+          <a:spcPts val="750"/>
         </a:spcBef>
         <a:buFont typeface="Arial" panose="020B0604020202020204" pitchFamily="34" charset="0"/>
         <a:buChar char="•"/>
-        <a:defRPr sz="2800" kern="1200">
+        <a:defRPr sz="2100" kern="1200">
           <a:solidFill>
             <a:schemeClr val="tx1"/>
           </a:solidFill>
@@ -3501,48 +3151,12 @@
           <a:cs typeface="+mn-cs"/>
         </a:defRPr>
       </a:lvl1pPr>
-      <a:lvl2pPr marL="685800" indent="-228600" algn="l" defTabSz="914400" rtl="0" eaLnBrk="1" latinLnBrk="0" hangingPunct="1">
+      <a:lvl2pPr marL="514350" indent="-171450" algn="l" defTabSz="685800" rtl="0" eaLnBrk="1" latinLnBrk="0" hangingPunct="1">
         <a:lnSpc>
           <a:spcPct val="90000"/>
         </a:lnSpc>
         <a:spcBef>
-          <a:spcPts val="500"/>
-        </a:spcBef>
-        <a:buFont typeface="Arial" panose="020B0604020202020204" pitchFamily="34" charset="0"/>
-        <a:buChar char="•"/>
-        <a:defRPr sz="2400" kern="1200">
-          <a:solidFill>
-            <a:schemeClr val="tx1"/>
-          </a:solidFill>
-          <a:latin typeface="+mn-lt"/>
-          <a:ea typeface="+mn-ea"/>
-          <a:cs typeface="+mn-cs"/>
-        </a:defRPr>
-      </a:lvl2pPr>
-      <a:lvl3pPr marL="1143000" indent="-228600" algn="l" defTabSz="914400" rtl="0" eaLnBrk="1" latinLnBrk="0" hangingPunct="1">
-        <a:lnSpc>
-          <a:spcPct val="90000"/>
-        </a:lnSpc>
-        <a:spcBef>
-          <a:spcPts val="500"/>
-        </a:spcBef>
-        <a:buFont typeface="Arial" panose="020B0604020202020204" pitchFamily="34" charset="0"/>
-        <a:buChar char="•"/>
-        <a:defRPr sz="2000" kern="1200">
-          <a:solidFill>
-            <a:schemeClr val="tx1"/>
-          </a:solidFill>
-          <a:latin typeface="+mn-lt"/>
-          <a:ea typeface="+mn-ea"/>
-          <a:cs typeface="+mn-cs"/>
-        </a:defRPr>
-      </a:lvl3pPr>
-      <a:lvl4pPr marL="1600200" indent="-228600" algn="l" defTabSz="914400" rtl="0" eaLnBrk="1" latinLnBrk="0" hangingPunct="1">
-        <a:lnSpc>
-          <a:spcPct val="90000"/>
-        </a:lnSpc>
-        <a:spcBef>
-          <a:spcPts val="500"/>
+          <a:spcPts val="375"/>
         </a:spcBef>
         <a:buFont typeface="Arial" panose="020B0604020202020204" pitchFamily="34" charset="0"/>
         <a:buChar char="•"/>
@@ -3554,17 +3168,53 @@
           <a:ea typeface="+mn-ea"/>
           <a:cs typeface="+mn-cs"/>
         </a:defRPr>
-      </a:lvl4pPr>
-      <a:lvl5pPr marL="2057400" indent="-228600" algn="l" defTabSz="914400" rtl="0" eaLnBrk="1" latinLnBrk="0" hangingPunct="1">
+      </a:lvl2pPr>
+      <a:lvl3pPr marL="857250" indent="-171450" algn="l" defTabSz="685800" rtl="0" eaLnBrk="1" latinLnBrk="0" hangingPunct="1">
         <a:lnSpc>
           <a:spcPct val="90000"/>
         </a:lnSpc>
         <a:spcBef>
-          <a:spcPts val="500"/>
+          <a:spcPts val="375"/>
         </a:spcBef>
         <a:buFont typeface="Arial" panose="020B0604020202020204" pitchFamily="34" charset="0"/>
         <a:buChar char="•"/>
-        <a:defRPr sz="1800" kern="1200">
+        <a:defRPr sz="1500" kern="1200">
+          <a:solidFill>
+            <a:schemeClr val="tx1"/>
+          </a:solidFill>
+          <a:latin typeface="+mn-lt"/>
+          <a:ea typeface="+mn-ea"/>
+          <a:cs typeface="+mn-cs"/>
+        </a:defRPr>
+      </a:lvl3pPr>
+      <a:lvl4pPr marL="1200150" indent="-171450" algn="l" defTabSz="685800" rtl="0" eaLnBrk="1" latinLnBrk="0" hangingPunct="1">
+        <a:lnSpc>
+          <a:spcPct val="90000"/>
+        </a:lnSpc>
+        <a:spcBef>
+          <a:spcPts val="375"/>
+        </a:spcBef>
+        <a:buFont typeface="Arial" panose="020B0604020202020204" pitchFamily="34" charset="0"/>
+        <a:buChar char="•"/>
+        <a:defRPr sz="1350" kern="1200">
+          <a:solidFill>
+            <a:schemeClr val="tx1"/>
+          </a:solidFill>
+          <a:latin typeface="+mn-lt"/>
+          <a:ea typeface="+mn-ea"/>
+          <a:cs typeface="+mn-cs"/>
+        </a:defRPr>
+      </a:lvl4pPr>
+      <a:lvl5pPr marL="1543050" indent="-171450" algn="l" defTabSz="685800" rtl="0" eaLnBrk="1" latinLnBrk="0" hangingPunct="1">
+        <a:lnSpc>
+          <a:spcPct val="90000"/>
+        </a:lnSpc>
+        <a:spcBef>
+          <a:spcPts val="375"/>
+        </a:spcBef>
+        <a:buFont typeface="Arial" panose="020B0604020202020204" pitchFamily="34" charset="0"/>
+        <a:buChar char="•"/>
+        <a:defRPr sz="1350" kern="1200">
           <a:solidFill>
             <a:schemeClr val="tx1"/>
           </a:solidFill>
@@ -3573,16 +3223,16 @@
           <a:cs typeface="+mn-cs"/>
         </a:defRPr>
       </a:lvl5pPr>
-      <a:lvl6pPr marL="2514600" indent="-228600" algn="l" defTabSz="914400" rtl="0" eaLnBrk="1" latinLnBrk="0" hangingPunct="1">
+      <a:lvl6pPr marL="1885950" indent="-171450" algn="l" defTabSz="685800" rtl="0" eaLnBrk="1" latinLnBrk="0" hangingPunct="1">
         <a:lnSpc>
           <a:spcPct val="90000"/>
         </a:lnSpc>
         <a:spcBef>
-          <a:spcPts val="500"/>
+          <a:spcPts val="375"/>
         </a:spcBef>
         <a:buFont typeface="Arial" panose="020B0604020202020204" pitchFamily="34" charset="0"/>
         <a:buChar char="•"/>
-        <a:defRPr sz="1800" kern="1200">
+        <a:defRPr sz="1350" kern="1200">
           <a:solidFill>
             <a:schemeClr val="tx1"/>
           </a:solidFill>
@@ -3591,16 +3241,16 @@
           <a:cs typeface="+mn-cs"/>
         </a:defRPr>
       </a:lvl6pPr>
-      <a:lvl7pPr marL="2971800" indent="-228600" algn="l" defTabSz="914400" rtl="0" eaLnBrk="1" latinLnBrk="0" hangingPunct="1">
+      <a:lvl7pPr marL="2228850" indent="-171450" algn="l" defTabSz="685800" rtl="0" eaLnBrk="1" latinLnBrk="0" hangingPunct="1">
         <a:lnSpc>
           <a:spcPct val="90000"/>
         </a:lnSpc>
         <a:spcBef>
-          <a:spcPts val="500"/>
+          <a:spcPts val="375"/>
         </a:spcBef>
         <a:buFont typeface="Arial" panose="020B0604020202020204" pitchFamily="34" charset="0"/>
         <a:buChar char="•"/>
-        <a:defRPr sz="1800" kern="1200">
+        <a:defRPr sz="1350" kern="1200">
           <a:solidFill>
             <a:schemeClr val="tx1"/>
           </a:solidFill>
@@ -3609,16 +3259,16 @@
           <a:cs typeface="+mn-cs"/>
         </a:defRPr>
       </a:lvl7pPr>
-      <a:lvl8pPr marL="3429000" indent="-228600" algn="l" defTabSz="914400" rtl="0" eaLnBrk="1" latinLnBrk="0" hangingPunct="1">
+      <a:lvl8pPr marL="2571750" indent="-171450" algn="l" defTabSz="685800" rtl="0" eaLnBrk="1" latinLnBrk="0" hangingPunct="1">
         <a:lnSpc>
           <a:spcPct val="90000"/>
         </a:lnSpc>
         <a:spcBef>
-          <a:spcPts val="500"/>
+          <a:spcPts val="375"/>
         </a:spcBef>
         <a:buFont typeface="Arial" panose="020B0604020202020204" pitchFamily="34" charset="0"/>
         <a:buChar char="•"/>
-        <a:defRPr sz="1800" kern="1200">
+        <a:defRPr sz="1350" kern="1200">
           <a:solidFill>
             <a:schemeClr val="tx1"/>
           </a:solidFill>
@@ -3627,16 +3277,16 @@
           <a:cs typeface="+mn-cs"/>
         </a:defRPr>
       </a:lvl8pPr>
-      <a:lvl9pPr marL="3886200" indent="-228600" algn="l" defTabSz="914400" rtl="0" eaLnBrk="1" latinLnBrk="0" hangingPunct="1">
+      <a:lvl9pPr marL="2914650" indent="-171450" algn="l" defTabSz="685800" rtl="0" eaLnBrk="1" latinLnBrk="0" hangingPunct="1">
         <a:lnSpc>
           <a:spcPct val="90000"/>
         </a:lnSpc>
         <a:spcBef>
-          <a:spcPts val="500"/>
+          <a:spcPts val="375"/>
         </a:spcBef>
         <a:buFont typeface="Arial" panose="020B0604020202020204" pitchFamily="34" charset="0"/>
         <a:buChar char="•"/>
-        <a:defRPr sz="1800" kern="1200">
+        <a:defRPr sz="1350" kern="1200">
           <a:solidFill>
             <a:schemeClr val="tx1"/>
           </a:solidFill>
@@ -3648,10 +3298,10 @@
     </p:bodyStyle>
     <p:otherStyle>
       <a:defPPr>
-        <a:defRPr lang="fr-FR"/>
+        <a:defRPr lang="en-US"/>
       </a:defPPr>
-      <a:lvl1pPr marL="0" algn="l" defTabSz="914400" rtl="0" eaLnBrk="1" latinLnBrk="0" hangingPunct="1">
-        <a:defRPr sz="1800" kern="1200">
+      <a:lvl1pPr marL="0" algn="l" defTabSz="685800" rtl="0" eaLnBrk="1" latinLnBrk="0" hangingPunct="1">
+        <a:defRPr sz="1350" kern="1200">
           <a:solidFill>
             <a:schemeClr val="tx1"/>
           </a:solidFill>
@@ -3660,8 +3310,8 @@
           <a:cs typeface="+mn-cs"/>
         </a:defRPr>
       </a:lvl1pPr>
-      <a:lvl2pPr marL="457200" algn="l" defTabSz="914400" rtl="0" eaLnBrk="1" latinLnBrk="0" hangingPunct="1">
-        <a:defRPr sz="1800" kern="1200">
+      <a:lvl2pPr marL="342900" algn="l" defTabSz="685800" rtl="0" eaLnBrk="1" latinLnBrk="0" hangingPunct="1">
+        <a:defRPr sz="1350" kern="1200">
           <a:solidFill>
             <a:schemeClr val="tx1"/>
           </a:solidFill>
@@ -3670,8 +3320,8 @@
           <a:cs typeface="+mn-cs"/>
         </a:defRPr>
       </a:lvl2pPr>
-      <a:lvl3pPr marL="914400" algn="l" defTabSz="914400" rtl="0" eaLnBrk="1" latinLnBrk="0" hangingPunct="1">
-        <a:defRPr sz="1800" kern="1200">
+      <a:lvl3pPr marL="685800" algn="l" defTabSz="685800" rtl="0" eaLnBrk="1" latinLnBrk="0" hangingPunct="1">
+        <a:defRPr sz="1350" kern="1200">
           <a:solidFill>
             <a:schemeClr val="tx1"/>
           </a:solidFill>
@@ -3680,8 +3330,8 @@
           <a:cs typeface="+mn-cs"/>
         </a:defRPr>
       </a:lvl3pPr>
-      <a:lvl4pPr marL="1371600" algn="l" defTabSz="914400" rtl="0" eaLnBrk="1" latinLnBrk="0" hangingPunct="1">
-        <a:defRPr sz="1800" kern="1200">
+      <a:lvl4pPr marL="1028700" algn="l" defTabSz="685800" rtl="0" eaLnBrk="1" latinLnBrk="0" hangingPunct="1">
+        <a:defRPr sz="1350" kern="1200">
           <a:solidFill>
             <a:schemeClr val="tx1"/>
           </a:solidFill>
@@ -3690,8 +3340,8 @@
           <a:cs typeface="+mn-cs"/>
         </a:defRPr>
       </a:lvl4pPr>
-      <a:lvl5pPr marL="1828800" algn="l" defTabSz="914400" rtl="0" eaLnBrk="1" latinLnBrk="0" hangingPunct="1">
-        <a:defRPr sz="1800" kern="1200">
+      <a:lvl5pPr marL="1371600" algn="l" defTabSz="685800" rtl="0" eaLnBrk="1" latinLnBrk="0" hangingPunct="1">
+        <a:defRPr sz="1350" kern="1200">
           <a:solidFill>
             <a:schemeClr val="tx1"/>
           </a:solidFill>
@@ -3700,8 +3350,8 @@
           <a:cs typeface="+mn-cs"/>
         </a:defRPr>
       </a:lvl5pPr>
-      <a:lvl6pPr marL="2286000" algn="l" defTabSz="914400" rtl="0" eaLnBrk="1" latinLnBrk="0" hangingPunct="1">
-        <a:defRPr sz="1800" kern="1200">
+      <a:lvl6pPr marL="1714500" algn="l" defTabSz="685800" rtl="0" eaLnBrk="1" latinLnBrk="0" hangingPunct="1">
+        <a:defRPr sz="1350" kern="1200">
           <a:solidFill>
             <a:schemeClr val="tx1"/>
           </a:solidFill>
@@ -3710,8 +3360,8 @@
           <a:cs typeface="+mn-cs"/>
         </a:defRPr>
       </a:lvl6pPr>
-      <a:lvl7pPr marL="2743200" algn="l" defTabSz="914400" rtl="0" eaLnBrk="1" latinLnBrk="0" hangingPunct="1">
-        <a:defRPr sz="1800" kern="1200">
+      <a:lvl7pPr marL="2057400" algn="l" defTabSz="685800" rtl="0" eaLnBrk="1" latinLnBrk="0" hangingPunct="1">
+        <a:defRPr sz="1350" kern="1200">
           <a:solidFill>
             <a:schemeClr val="tx1"/>
           </a:solidFill>
@@ -3720,8 +3370,8 @@
           <a:cs typeface="+mn-cs"/>
         </a:defRPr>
       </a:lvl7pPr>
-      <a:lvl8pPr marL="3200400" algn="l" defTabSz="914400" rtl="0" eaLnBrk="1" latinLnBrk="0" hangingPunct="1">
-        <a:defRPr sz="1800" kern="1200">
+      <a:lvl8pPr marL="2400300" algn="l" defTabSz="685800" rtl="0" eaLnBrk="1" latinLnBrk="0" hangingPunct="1">
+        <a:defRPr sz="1350" kern="1200">
           <a:solidFill>
             <a:schemeClr val="tx1"/>
           </a:solidFill>
@@ -3730,8 +3380,8 @@
           <a:cs typeface="+mn-cs"/>
         </a:defRPr>
       </a:lvl8pPr>
-      <a:lvl9pPr marL="3657600" algn="l" defTabSz="914400" rtl="0" eaLnBrk="1" latinLnBrk="0" hangingPunct="1">
-        <a:defRPr sz="1800" kern="1200">
+      <a:lvl9pPr marL="2743200" algn="l" defTabSz="685800" rtl="0" eaLnBrk="1" latinLnBrk="0" hangingPunct="1">
+        <a:defRPr sz="1350" kern="1200">
           <a:solidFill>
             <a:schemeClr val="tx1"/>
           </a:solidFill>
@@ -3764,10 +3414,10 @@
       </p:grpSpPr>
       <p:sp>
         <p:nvSpPr>
-          <p:cNvPr id="60" name="Rectangle 59">
-            <a:extLst>
-              <a:ext uri="{FF2B5EF4-FFF2-40B4-BE49-F238E27FC236}">
-                <a16:creationId xmlns:a16="http://schemas.microsoft.com/office/drawing/2014/main" id="{B80DA291-B4AD-437B-875D-FF5B2108348A}"/>
+          <p:cNvPr id="58" name="Rectangle 57">
+            <a:extLst>
+              <a:ext uri="{FF2B5EF4-FFF2-40B4-BE49-F238E27FC236}">
+                <a16:creationId xmlns:a16="http://schemas.microsoft.com/office/drawing/2014/main" id="{539DD055-8EF1-46D5-A759-909838B13B59}"/>
               </a:ext>
             </a:extLst>
           </p:cNvPr>
@@ -3776,8 +3426,8 @@
         </p:nvSpPr>
         <p:spPr>
           <a:xfrm>
-            <a:off x="6163081" y="1395360"/>
-            <a:ext cx="283614" cy="206038"/>
+            <a:off x="3941333" y="4498888"/>
+            <a:ext cx="191812" cy="162421"/>
           </a:xfrm>
           <a:prstGeom prst="rect">
             <a:avLst/>
@@ -3804,16 +3454,97 @@
           <a:lstStyle/>
           <a:p>
             <a:pPr algn="ctr"/>
-            <a:endParaRPr lang="fr-FR"/>
-          </a:p>
-        </p:txBody>
-      </p:sp>
-      <p:sp>
-        <p:nvSpPr>
-          <p:cNvPr id="8" name="Rectangle 7">
-            <a:extLst>
-              <a:ext uri="{FF2B5EF4-FFF2-40B4-BE49-F238E27FC236}">
-                <a16:creationId xmlns:a16="http://schemas.microsoft.com/office/drawing/2014/main" id="{CEEC58EF-7E7F-4AD1-BF5F-F726576E3AEA}"/>
+            <a:endParaRPr lang="fr-FR" sz="1013"/>
+          </a:p>
+        </p:txBody>
+      </p:sp>
+      <p:sp>
+        <p:nvSpPr>
+          <p:cNvPr id="9" name="ZoneTexte 8">
+            <a:extLst>
+              <a:ext uri="{FF2B5EF4-FFF2-40B4-BE49-F238E27FC236}">
+                <a16:creationId xmlns:a16="http://schemas.microsoft.com/office/drawing/2014/main" id="{A946E9D0-D148-4527-8D03-943EAE13355B}"/>
+              </a:ext>
+            </a:extLst>
+          </p:cNvPr>
+          <p:cNvSpPr txBox="1"/>
+          <p:nvPr/>
+        </p:nvSpPr>
+        <p:spPr>
+          <a:xfrm>
+            <a:off x="1060629" y="3710040"/>
+            <a:ext cx="482541" cy="230832"/>
+          </a:xfrm>
+          <a:prstGeom prst="rect">
+            <a:avLst/>
+          </a:prstGeom>
+          <a:noFill/>
+        </p:spPr>
+        <p:txBody>
+          <a:bodyPr wrap="square" rtlCol="0">
+            <a:spAutoFit/>
+          </a:bodyPr>
+          <a:lstStyle/>
+          <a:p>
+            <a:r>
+              <a:rPr lang="en-US" sz="900" noProof="1"/>
+              <a:t>0..*</a:t>
+            </a:r>
+          </a:p>
+        </p:txBody>
+      </p:sp>
+      <p:cxnSp>
+        <p:nvCxnSpPr>
+          <p:cNvPr id="14" name="Connecteur : en angle 13">
+            <a:extLst>
+              <a:ext uri="{FF2B5EF4-FFF2-40B4-BE49-F238E27FC236}">
+                <a16:creationId xmlns:a16="http://schemas.microsoft.com/office/drawing/2014/main" id="{96E14973-247A-449B-98ED-0D425A7A48C1}"/>
+              </a:ext>
+            </a:extLst>
+          </p:cNvPr>
+          <p:cNvCxnSpPr>
+            <a:cxnSpLocks/>
+            <a:stCxn id="60" idx="0"/>
+            <a:endCxn id="20" idx="2"/>
+          </p:cNvCxnSpPr>
+          <p:nvPr/>
+        </p:nvCxnSpPr>
+        <p:spPr>
+          <a:xfrm rot="16200000" flipV="1">
+            <a:off x="1787848" y="3285890"/>
+            <a:ext cx="732528" cy="1482247"/>
+          </a:xfrm>
+          <a:prstGeom prst="bentConnector3">
+            <a:avLst>
+              <a:gd name="adj1" fmla="val 50000"/>
+            </a:avLst>
+          </a:prstGeom>
+          <a:ln w="19050">
+            <a:headEnd type="none" w="med" len="med"/>
+            <a:tailEnd type="arrow" w="med" len="med"/>
+          </a:ln>
+        </p:spPr>
+        <p:style>
+          <a:lnRef idx="1">
+            <a:schemeClr val="accent1"/>
+          </a:lnRef>
+          <a:fillRef idx="0">
+            <a:schemeClr val="accent1"/>
+          </a:fillRef>
+          <a:effectRef idx="0">
+            <a:schemeClr val="accent1"/>
+          </a:effectRef>
+          <a:fontRef idx="minor">
+            <a:schemeClr val="tx1"/>
+          </a:fontRef>
+        </p:style>
+      </p:cxnSp>
+      <p:sp>
+        <p:nvSpPr>
+          <p:cNvPr id="20" name="Rectangle 19">
+            <a:extLst>
+              <a:ext uri="{FF2B5EF4-FFF2-40B4-BE49-F238E27FC236}">
+                <a16:creationId xmlns:a16="http://schemas.microsoft.com/office/drawing/2014/main" id="{0EF34064-8B6F-4B06-B950-EFD89EB71C6D}"/>
               </a:ext>
             </a:extLst>
           </p:cNvPr>
@@ -3822,12 +3553,28 @@
         </p:nvSpPr>
         <p:spPr>
           <a:xfrm>
-            <a:off x="8165541" y="1386485"/>
-            <a:ext cx="143498" cy="164249"/>
+            <a:off x="681808" y="3151049"/>
+            <a:ext cx="1462359" cy="509701"/>
           </a:xfrm>
           <a:prstGeom prst="rect">
             <a:avLst/>
           </a:prstGeom>
+          <a:solidFill>
+            <a:schemeClr val="accent6">
+              <a:lumMod val="75000"/>
+            </a:schemeClr>
+          </a:solidFill>
+          <a:ln>
+            <a:noFill/>
+          </a:ln>
+          <a:effectLst>
+            <a:glow rad="63500">
+              <a:schemeClr val="accent6">
+                <a:satMod val="175000"/>
+                <a:alpha val="40000"/>
+              </a:schemeClr>
+            </a:glow>
+          </a:effectLst>
         </p:spPr>
         <p:style>
           <a:lnRef idx="2">
@@ -3850,62 +3597,23 @@
           <a:lstStyle/>
           <a:p>
             <a:pPr algn="ctr"/>
-            <a:endParaRPr lang="fr-FR"/>
-          </a:p>
-        </p:txBody>
-      </p:sp>
-      <p:sp>
-        <p:nvSpPr>
-          <p:cNvPr id="58" name="Rectangle 57">
-            <a:extLst>
-              <a:ext uri="{FF2B5EF4-FFF2-40B4-BE49-F238E27FC236}">
-                <a16:creationId xmlns:a16="http://schemas.microsoft.com/office/drawing/2014/main" id="{539DD055-8EF1-46D5-A759-909838B13B59}"/>
-              </a:ext>
-            </a:extLst>
-          </p:cNvPr>
-          <p:cNvSpPr/>
-          <p:nvPr/>
-        </p:nvSpPr>
-        <p:spPr>
-          <a:xfrm>
-            <a:off x="7988206" y="1583112"/>
-            <a:ext cx="340999" cy="288748"/>
-          </a:xfrm>
-          <a:prstGeom prst="rect">
-            <a:avLst/>
-          </a:prstGeom>
-        </p:spPr>
-        <p:style>
-          <a:lnRef idx="2">
-            <a:schemeClr val="accent1">
-              <a:shade val="50000"/>
-            </a:schemeClr>
-          </a:lnRef>
-          <a:fillRef idx="1">
-            <a:schemeClr val="accent1"/>
-          </a:fillRef>
-          <a:effectRef idx="0">
-            <a:schemeClr val="accent1"/>
-          </a:effectRef>
-          <a:fontRef idx="minor">
-            <a:schemeClr val="lt1"/>
-          </a:fontRef>
-        </p:style>
-        <p:txBody>
-          <a:bodyPr rtlCol="0" anchor="ctr"/>
-          <a:lstStyle/>
-          <a:p>
-            <a:pPr algn="ctr"/>
-            <a:endParaRPr lang="fr-FR"/>
-          </a:p>
-        </p:txBody>
-      </p:sp>
-      <p:sp>
-        <p:nvSpPr>
-          <p:cNvPr id="9" name="ZoneTexte 8">
-            <a:extLst>
-              <a:ext uri="{FF2B5EF4-FFF2-40B4-BE49-F238E27FC236}">
-                <a16:creationId xmlns:a16="http://schemas.microsoft.com/office/drawing/2014/main" id="{A946E9D0-D148-4527-8D03-943EAE13355B}"/>
+            <a:r>
+              <a:rPr lang="en-US" sz="1013" noProof="1">
+                <a:solidFill>
+                  <a:srgbClr val="FFFF00"/>
+                </a:solidFill>
+              </a:rPr>
+              <a:t>CatalogHeader profile of Composition</a:t>
+            </a:r>
+          </a:p>
+        </p:txBody>
+      </p:sp>
+      <p:sp>
+        <p:nvSpPr>
+          <p:cNvPr id="3" name="ZoneTexte 2">
+            <a:extLst>
+              <a:ext uri="{FF2B5EF4-FFF2-40B4-BE49-F238E27FC236}">
+                <a16:creationId xmlns:a16="http://schemas.microsoft.com/office/drawing/2014/main" id="{50DBA933-9565-444C-B7B3-F193880AE287}"/>
               </a:ext>
             </a:extLst>
           </p:cNvPr>
@@ -3914,8 +3622,8 @@
         </p:nvSpPr>
         <p:spPr>
           <a:xfrm>
-            <a:off x="3907417" y="601868"/>
-            <a:ext cx="607145" cy="338554"/>
+            <a:off x="1680462" y="3832660"/>
+            <a:ext cx="1022440" cy="238359"/>
           </a:xfrm>
           <a:prstGeom prst="rect">
             <a:avLst/>
@@ -3928,33 +3636,38 @@
           </a:bodyPr>
           <a:lstStyle/>
           <a:p>
-            <a:r>
-              <a:rPr lang="en-US" sz="1600" noProof="1"/>
-              <a:t>0..*</a:t>
+            <a:pPr algn="r"/>
+            <a:r>
+              <a:rPr lang="en-US" sz="900" noProof="1">
+                <a:solidFill>
+                  <a:srgbClr val="0070C0"/>
+                </a:solidFill>
+              </a:rPr>
+              <a:t>catalogReference</a:t>
             </a:r>
           </a:p>
         </p:txBody>
       </p:sp>
       <p:cxnSp>
         <p:nvCxnSpPr>
-          <p:cNvPr id="14" name="Connecteur : en angle 13">
-            <a:extLst>
-              <a:ext uri="{FF2B5EF4-FFF2-40B4-BE49-F238E27FC236}">
-                <a16:creationId xmlns:a16="http://schemas.microsoft.com/office/drawing/2014/main" id="{96E14973-247A-449B-98ED-0D425A7A48C1}"/>
+          <p:cNvPr id="43" name="Connecteur : en angle 42">
+            <a:extLst>
+              <a:ext uri="{FF2B5EF4-FFF2-40B4-BE49-F238E27FC236}">
+                <a16:creationId xmlns:a16="http://schemas.microsoft.com/office/drawing/2014/main" id="{C9A4C617-23DA-4B5A-A95B-EFA518F82E4B}"/>
               </a:ext>
             </a:extLst>
           </p:cNvPr>
           <p:cNvCxnSpPr>
             <a:cxnSpLocks/>
-            <a:stCxn id="60" idx="1"/>
-            <a:endCxn id="20" idx="3"/>
+            <a:stCxn id="11" idx="2"/>
+            <a:endCxn id="46" idx="0"/>
           </p:cNvCxnSpPr>
           <p:nvPr/>
         </p:nvCxnSpPr>
         <p:spPr>
-          <a:xfrm rot="10800000">
-            <a:off x="3897461" y="607163"/>
-            <a:ext cx="2265621" cy="891217"/>
+          <a:xfrm rot="16200000" flipH="1">
+            <a:off x="2676748" y="5806726"/>
+            <a:ext cx="1579235" cy="2174"/>
           </a:xfrm>
           <a:prstGeom prst="bentConnector3">
             <a:avLst>
@@ -3983,10 +3696,10 @@
       </p:cxnSp>
       <p:sp>
         <p:nvSpPr>
-          <p:cNvPr id="20" name="Rectangle 19">
-            <a:extLst>
-              <a:ext uri="{FF2B5EF4-FFF2-40B4-BE49-F238E27FC236}">
-                <a16:creationId xmlns:a16="http://schemas.microsoft.com/office/drawing/2014/main" id="{0EF34064-8B6F-4B06-B950-EFD89EB71C6D}"/>
+          <p:cNvPr id="46" name="Rectangle 45">
+            <a:extLst>
+              <a:ext uri="{FF2B5EF4-FFF2-40B4-BE49-F238E27FC236}">
+                <a16:creationId xmlns:a16="http://schemas.microsoft.com/office/drawing/2014/main" id="{6324F97B-D06D-400B-82DF-1A3970FD058D}"/>
               </a:ext>
             </a:extLst>
           </p:cNvPr>
@@ -3995,8 +3708,8 @@
         </p:nvSpPr>
         <p:spPr>
           <a:xfrm>
-            <a:off x="1297711" y="154094"/>
-            <a:ext cx="2599749" cy="906135"/>
+            <a:off x="2751180" y="6597431"/>
+            <a:ext cx="1432543" cy="601464"/>
           </a:xfrm>
           <a:prstGeom prst="rect">
             <a:avLst/>
@@ -4029,7 +3742,7 @@
             <a:noFill/>
           </a:ln>
           <a:effectLst>
-            <a:glow rad="139700">
+            <a:glow rad="63500">
               <a:schemeClr val="accent1">
                 <a:satMod val="175000"/>
                 <a:alpha val="40000"/>
@@ -4059,34 +3772,33 @@
           <a:p>
             <a:pPr algn="ctr"/>
             <a:r>
-              <a:rPr lang="en-US" noProof="1">
+              <a:rPr lang="en-US" sz="1013" noProof="1">
                 <a:solidFill>
                   <a:srgbClr val="FFFF00"/>
                 </a:solidFill>
               </a:rPr>
-              <a:t>CatalogHeader </a:t>
-            </a:r>
-            <a:r>
-              <a:rPr lang="en-US" noProof="1"/>
-              <a:t>profile of </a:t>
-            </a:r>
-            <a:r>
-              <a:rPr lang="en-US" sz="2200" noProof="1">
+              <a:t>LabProcedureDefinition</a:t>
+            </a:r>
+          </a:p>
+          <a:p>
+            <a:pPr algn="ctr"/>
+            <a:r>
+              <a:rPr lang="en-US" sz="1013" noProof="1">
                 <a:solidFill>
                   <a:srgbClr val="FFFF00"/>
                 </a:solidFill>
               </a:rPr>
-              <a:t>Composition</a:t>
-            </a:r>
-          </a:p>
-        </p:txBody>
-      </p:sp>
-      <p:sp>
-        <p:nvSpPr>
-          <p:cNvPr id="3" name="ZoneTexte 2">
-            <a:extLst>
-              <a:ext uri="{FF2B5EF4-FFF2-40B4-BE49-F238E27FC236}">
-                <a16:creationId xmlns:a16="http://schemas.microsoft.com/office/drawing/2014/main" id="{50DBA933-9565-444C-B7B3-F193880AE287}"/>
+              <a:t>Profile of ActivityDefinition</a:t>
+            </a:r>
+          </a:p>
+        </p:txBody>
+      </p:sp>
+      <p:sp>
+        <p:nvSpPr>
+          <p:cNvPr id="51" name="ZoneTexte 50">
+            <a:extLst>
+              <a:ext uri="{FF2B5EF4-FFF2-40B4-BE49-F238E27FC236}">
+                <a16:creationId xmlns:a16="http://schemas.microsoft.com/office/drawing/2014/main" id="{DDA19B55-7B2D-4F80-A8B0-AC35CA3AEB5F}"/>
               </a:ext>
             </a:extLst>
           </p:cNvPr>
@@ -4095,8 +3807,8 @@
         </p:nvSpPr>
         <p:spPr>
           <a:xfrm>
-            <a:off x="4269417" y="1206883"/>
-            <a:ext cx="1740711" cy="338554"/>
+            <a:off x="3156517" y="6307637"/>
+            <a:ext cx="478916" cy="230832"/>
           </a:xfrm>
           <a:prstGeom prst="rect">
             <a:avLst/>
@@ -4110,44 +3822,74 @@
           <a:lstStyle/>
           <a:p>
             <a:r>
-              <a:rPr lang="en-US" sz="1600" noProof="1">
+              <a:rPr lang="en-US" sz="900" noProof="1"/>
+              <a:t>1..*</a:t>
+            </a:r>
+          </a:p>
+        </p:txBody>
+      </p:sp>
+      <p:sp>
+        <p:nvSpPr>
+          <p:cNvPr id="52" name="ZoneTexte 51">
+            <a:extLst>
+              <a:ext uri="{FF2B5EF4-FFF2-40B4-BE49-F238E27FC236}">
+                <a16:creationId xmlns:a16="http://schemas.microsoft.com/office/drawing/2014/main" id="{8C5EA803-67C9-48E4-8679-3F8205317474}"/>
+              </a:ext>
+            </a:extLst>
+          </p:cNvPr>
+          <p:cNvSpPr txBox="1"/>
+          <p:nvPr/>
+        </p:nvSpPr>
+        <p:spPr>
+          <a:xfrm>
+            <a:off x="3448104" y="5554091"/>
+            <a:ext cx="2415291" cy="230832"/>
+          </a:xfrm>
+          <a:prstGeom prst="rect">
+            <a:avLst/>
+          </a:prstGeom>
+          <a:noFill/>
+        </p:spPr>
+        <p:txBody>
+          <a:bodyPr wrap="square" rtlCol="0">
+            <a:spAutoFit/>
+          </a:bodyPr>
+          <a:lstStyle/>
+          <a:p>
+            <a:r>
+              <a:rPr lang="en-US" sz="900" noProof="1">
                 <a:solidFill>
-                  <a:schemeClr val="tx1">
-                    <a:lumMod val="50000"/>
-                    <a:lumOff val="50000"/>
-                  </a:schemeClr>
+                  <a:srgbClr val="0070C0"/>
                 </a:solidFill>
               </a:rPr>
-              <a:t>catalogReference</a:t>
+              <a:t>action[.action[.action]].definitionCanonical</a:t>
             </a:r>
           </a:p>
         </p:txBody>
       </p:sp>
       <p:cxnSp>
         <p:nvCxnSpPr>
-          <p:cNvPr id="43" name="Connecteur : en angle 42">
-            <a:extLst>
-              <a:ext uri="{FF2B5EF4-FFF2-40B4-BE49-F238E27FC236}">
-                <a16:creationId xmlns:a16="http://schemas.microsoft.com/office/drawing/2014/main" id="{C9A4C617-23DA-4B5A-A95B-EFA518F82E4B}"/>
+          <p:cNvPr id="57" name="Connecteur : en angle 56">
+            <a:extLst>
+              <a:ext uri="{FF2B5EF4-FFF2-40B4-BE49-F238E27FC236}">
+                <a16:creationId xmlns:a16="http://schemas.microsoft.com/office/drawing/2014/main" id="{15990ED7-D7B7-4EEE-A20B-C21EC57541DC}"/>
               </a:ext>
             </a:extLst>
           </p:cNvPr>
           <p:cNvCxnSpPr>
             <a:cxnSpLocks/>
-            <a:stCxn id="11" idx="2"/>
-            <a:endCxn id="46" idx="0"/>
+            <a:stCxn id="13" idx="1"/>
+            <a:endCxn id="56" idx="0"/>
           </p:cNvCxnSpPr>
           <p:nvPr/>
         </p:nvCxnSpPr>
         <p:spPr>
-          <a:xfrm rot="16200000" flipH="1">
-            <a:off x="6711065" y="2862942"/>
-            <a:ext cx="1068539" cy="2107"/>
-          </a:xfrm>
-          <a:prstGeom prst="bentConnector3">
-            <a:avLst>
-              <a:gd name="adj1" fmla="val 50000"/>
-            </a:avLst>
+          <a:xfrm rot="10800000" flipV="1">
+            <a:off x="2360916" y="4846971"/>
+            <a:ext cx="559144" cy="991609"/>
+          </a:xfrm>
+          <a:prstGeom prst="bentConnector2">
+            <a:avLst/>
           </a:prstGeom>
           <a:ln w="19050">
             <a:headEnd type="none" w="med" len="med"/>
@@ -4169,12 +3911,739 @@
           </a:fontRef>
         </p:style>
       </p:cxnSp>
-      <p:sp>
-        <p:nvSpPr>
-          <p:cNvPr id="46" name="Rectangle 45">
-            <a:extLst>
-              <a:ext uri="{FF2B5EF4-FFF2-40B4-BE49-F238E27FC236}">
-                <a16:creationId xmlns:a16="http://schemas.microsoft.com/office/drawing/2014/main" id="{6324F97B-D06D-400B-82DF-1A3970FD058D}"/>
+      <p:cxnSp>
+        <p:nvCxnSpPr>
+          <p:cNvPr id="63" name="Connecteur : en angle 62">
+            <a:extLst>
+              <a:ext uri="{FF2B5EF4-FFF2-40B4-BE49-F238E27FC236}">
+                <a16:creationId xmlns:a16="http://schemas.microsoft.com/office/drawing/2014/main" id="{52F29C62-3816-4A94-93C8-4E3BA5AF99AA}"/>
+              </a:ext>
+            </a:extLst>
+          </p:cNvPr>
+          <p:cNvCxnSpPr>
+            <a:cxnSpLocks/>
+            <a:stCxn id="46" idx="3"/>
+            <a:endCxn id="55" idx="0"/>
+          </p:cNvCxnSpPr>
+          <p:nvPr/>
+        </p:nvCxnSpPr>
+        <p:spPr>
+          <a:xfrm>
+            <a:off x="4183723" y="6898163"/>
+            <a:ext cx="1575504" cy="259185"/>
+          </a:xfrm>
+          <a:prstGeom prst="bentConnector2">
+            <a:avLst/>
+          </a:prstGeom>
+          <a:ln w="19050">
+            <a:headEnd type="none" w="med" len="med"/>
+            <a:tailEnd type="arrow" w="med" len="med"/>
+          </a:ln>
+        </p:spPr>
+        <p:style>
+          <a:lnRef idx="1">
+            <a:schemeClr val="accent1"/>
+          </a:lnRef>
+          <a:fillRef idx="0">
+            <a:schemeClr val="accent1"/>
+          </a:fillRef>
+          <a:effectRef idx="0">
+            <a:schemeClr val="accent1"/>
+          </a:effectRef>
+          <a:fontRef idx="minor">
+            <a:schemeClr val="tx1"/>
+          </a:fontRef>
+        </p:style>
+      </p:cxnSp>
+      <p:sp>
+        <p:nvSpPr>
+          <p:cNvPr id="70" name="ZoneTexte 69">
+            <a:extLst>
+              <a:ext uri="{FF2B5EF4-FFF2-40B4-BE49-F238E27FC236}">
+                <a16:creationId xmlns:a16="http://schemas.microsoft.com/office/drawing/2014/main" id="{32AC0154-36F6-4FA3-B245-FE044FA1CE68}"/>
+              </a:ext>
+            </a:extLst>
+          </p:cNvPr>
+          <p:cNvSpPr txBox="1"/>
+          <p:nvPr/>
+        </p:nvSpPr>
+        <p:spPr>
+          <a:xfrm>
+            <a:off x="2311346" y="5271228"/>
+            <a:ext cx="1238322" cy="230832"/>
+          </a:xfrm>
+          <a:prstGeom prst="rect">
+            <a:avLst/>
+          </a:prstGeom>
+          <a:noFill/>
+        </p:spPr>
+        <p:txBody>
+          <a:bodyPr wrap="square" rtlCol="0">
+            <a:spAutoFit/>
+          </a:bodyPr>
+          <a:lstStyle/>
+          <a:p>
+            <a:r>
+              <a:rPr lang="en-US" sz="900" noProof="1">
+                <a:solidFill>
+                  <a:srgbClr val="0070C0"/>
+                </a:solidFill>
+              </a:rPr>
+              <a:t>specimenRequested</a:t>
+            </a:r>
+          </a:p>
+        </p:txBody>
+      </p:sp>
+      <p:sp>
+        <p:nvSpPr>
+          <p:cNvPr id="71" name="ZoneTexte 70">
+            <a:extLst>
+              <a:ext uri="{FF2B5EF4-FFF2-40B4-BE49-F238E27FC236}">
+                <a16:creationId xmlns:a16="http://schemas.microsoft.com/office/drawing/2014/main" id="{98BEC931-6B82-43BE-8606-752AC314803E}"/>
+              </a:ext>
+            </a:extLst>
+          </p:cNvPr>
+          <p:cNvSpPr txBox="1"/>
+          <p:nvPr/>
+        </p:nvSpPr>
+        <p:spPr>
+          <a:xfrm>
+            <a:off x="2329181" y="5542569"/>
+            <a:ext cx="467535" cy="230832"/>
+          </a:xfrm>
+          <a:prstGeom prst="rect">
+            <a:avLst/>
+          </a:prstGeom>
+          <a:noFill/>
+        </p:spPr>
+        <p:txBody>
+          <a:bodyPr wrap="square" rtlCol="0">
+            <a:spAutoFit/>
+          </a:bodyPr>
+          <a:lstStyle/>
+          <a:p>
+            <a:r>
+              <a:rPr lang="en-US" sz="900" noProof="1"/>
+              <a:t>0..*</a:t>
+            </a:r>
+          </a:p>
+        </p:txBody>
+      </p:sp>
+      <p:sp>
+        <p:nvSpPr>
+          <p:cNvPr id="72" name="ZoneTexte 71">
+            <a:extLst>
+              <a:ext uri="{FF2B5EF4-FFF2-40B4-BE49-F238E27FC236}">
+                <a16:creationId xmlns:a16="http://schemas.microsoft.com/office/drawing/2014/main" id="{A9309530-9C72-431E-AF17-F95DB70E7D31}"/>
+              </a:ext>
+            </a:extLst>
+          </p:cNvPr>
+          <p:cNvSpPr txBox="1"/>
+          <p:nvPr/>
+        </p:nvSpPr>
+        <p:spPr>
+          <a:xfrm>
+            <a:off x="1298221" y="6673178"/>
+            <a:ext cx="1362362" cy="230832"/>
+          </a:xfrm>
+          <a:prstGeom prst="rect">
+            <a:avLst/>
+          </a:prstGeom>
+          <a:noFill/>
+        </p:spPr>
+        <p:txBody>
+          <a:bodyPr wrap="square" rtlCol="0">
+            <a:spAutoFit/>
+          </a:bodyPr>
+          <a:lstStyle/>
+          <a:p>
+            <a:r>
+              <a:rPr lang="en-US" sz="900" noProof="1">
+                <a:solidFill>
+                  <a:srgbClr val="0070C0"/>
+                </a:solidFill>
+              </a:rPr>
+              <a:t>observationRequirement</a:t>
+            </a:r>
+          </a:p>
+        </p:txBody>
+      </p:sp>
+      <p:sp>
+        <p:nvSpPr>
+          <p:cNvPr id="73" name="ZoneTexte 72">
+            <a:extLst>
+              <a:ext uri="{FF2B5EF4-FFF2-40B4-BE49-F238E27FC236}">
+                <a16:creationId xmlns:a16="http://schemas.microsoft.com/office/drawing/2014/main" id="{EB4220E8-E8FB-4F6B-8617-DD85238222A6}"/>
+              </a:ext>
+            </a:extLst>
+          </p:cNvPr>
+          <p:cNvSpPr txBox="1"/>
+          <p:nvPr/>
+        </p:nvSpPr>
+        <p:spPr>
+          <a:xfrm>
+            <a:off x="916752" y="6916973"/>
+            <a:ext cx="454648" cy="230832"/>
+          </a:xfrm>
+          <a:prstGeom prst="rect">
+            <a:avLst/>
+          </a:prstGeom>
+          <a:noFill/>
+        </p:spPr>
+        <p:txBody>
+          <a:bodyPr wrap="square" rtlCol="0">
+            <a:spAutoFit/>
+          </a:bodyPr>
+          <a:lstStyle/>
+          <a:p>
+            <a:r>
+              <a:rPr lang="en-US" sz="900" noProof="1"/>
+              <a:t>0..*</a:t>
+            </a:r>
+          </a:p>
+        </p:txBody>
+      </p:sp>
+      <p:sp>
+        <p:nvSpPr>
+          <p:cNvPr id="74" name="ZoneTexte 73">
+            <a:extLst>
+              <a:ext uri="{FF2B5EF4-FFF2-40B4-BE49-F238E27FC236}">
+                <a16:creationId xmlns:a16="http://schemas.microsoft.com/office/drawing/2014/main" id="{0DE7D4C7-570D-4738-83D2-78C610CF8DB2}"/>
+              </a:ext>
+            </a:extLst>
+          </p:cNvPr>
+          <p:cNvSpPr txBox="1"/>
+          <p:nvPr/>
+        </p:nvSpPr>
+        <p:spPr>
+          <a:xfrm>
+            <a:off x="5392255" y="6912339"/>
+            <a:ext cx="478949" cy="230832"/>
+          </a:xfrm>
+          <a:prstGeom prst="rect">
+            <a:avLst/>
+          </a:prstGeom>
+          <a:noFill/>
+        </p:spPr>
+        <p:txBody>
+          <a:bodyPr wrap="square" rtlCol="0">
+            <a:spAutoFit/>
+          </a:bodyPr>
+          <a:lstStyle/>
+          <a:p>
+            <a:r>
+              <a:rPr lang="en-US" sz="900" noProof="1"/>
+              <a:t>0..*</a:t>
+            </a:r>
+          </a:p>
+        </p:txBody>
+      </p:sp>
+      <p:sp>
+        <p:nvSpPr>
+          <p:cNvPr id="75" name="ZoneTexte 74">
+            <a:extLst>
+              <a:ext uri="{FF2B5EF4-FFF2-40B4-BE49-F238E27FC236}">
+                <a16:creationId xmlns:a16="http://schemas.microsoft.com/office/drawing/2014/main" id="{2EFF53CD-4ECD-44EE-9F56-5713E9D8A8F4}"/>
+              </a:ext>
+            </a:extLst>
+          </p:cNvPr>
+          <p:cNvSpPr txBox="1"/>
+          <p:nvPr/>
+        </p:nvSpPr>
+        <p:spPr>
+          <a:xfrm>
+            <a:off x="4194850" y="6673178"/>
+            <a:ext cx="1671170" cy="230832"/>
+          </a:xfrm>
+          <a:prstGeom prst="rect">
+            <a:avLst/>
+          </a:prstGeom>
+          <a:noFill/>
+        </p:spPr>
+        <p:txBody>
+          <a:bodyPr wrap="square" rtlCol="0">
+            <a:spAutoFit/>
+          </a:bodyPr>
+          <a:lstStyle/>
+          <a:p>
+            <a:r>
+              <a:rPr lang="en-US" sz="900" noProof="1">
+                <a:solidFill>
+                  <a:srgbClr val="0070C0"/>
+                </a:solidFill>
+              </a:rPr>
+              <a:t>observationResultRequirement</a:t>
+            </a:r>
+          </a:p>
+        </p:txBody>
+      </p:sp>
+      <p:sp>
+        <p:nvSpPr>
+          <p:cNvPr id="2" name="ZoneTexte 1">
+            <a:extLst>
+              <a:ext uri="{FF2B5EF4-FFF2-40B4-BE49-F238E27FC236}">
+                <a16:creationId xmlns:a16="http://schemas.microsoft.com/office/drawing/2014/main" id="{14C66D9E-6541-4236-87A7-C6FE9DAC58A9}"/>
+              </a:ext>
+            </a:extLst>
+          </p:cNvPr>
+          <p:cNvSpPr txBox="1"/>
+          <p:nvPr/>
+        </p:nvSpPr>
+        <p:spPr>
+          <a:xfrm>
+            <a:off x="2136069" y="3047981"/>
+            <a:ext cx="900881" cy="715837"/>
+          </a:xfrm>
+          <a:prstGeom prst="rect">
+            <a:avLst/>
+          </a:prstGeom>
+          <a:noFill/>
+        </p:spPr>
+        <p:txBody>
+          <a:bodyPr wrap="square" rtlCol="0">
+            <a:spAutoFit/>
+          </a:bodyPr>
+          <a:lstStyle/>
+          <a:p>
+            <a:r>
+              <a:rPr lang="en-US" sz="1013" i="1" noProof="1"/>
+              <a:t>a laboratory compendium handled with method 2</a:t>
+            </a:r>
+          </a:p>
+        </p:txBody>
+      </p:sp>
+      <p:sp>
+        <p:nvSpPr>
+          <p:cNvPr id="4" name="ZoneTexte 3">
+            <a:extLst>
+              <a:ext uri="{FF2B5EF4-FFF2-40B4-BE49-F238E27FC236}">
+                <a16:creationId xmlns:a16="http://schemas.microsoft.com/office/drawing/2014/main" id="{5B6C8461-F70B-415E-81E3-8C60209C46E4}"/>
+              </a:ext>
+            </a:extLst>
+          </p:cNvPr>
+          <p:cNvSpPr txBox="1"/>
+          <p:nvPr/>
+        </p:nvSpPr>
+        <p:spPr>
+          <a:xfrm>
+            <a:off x="2914435" y="3639750"/>
+            <a:ext cx="1093924" cy="715837"/>
+          </a:xfrm>
+          <a:prstGeom prst="rect">
+            <a:avLst/>
+          </a:prstGeom>
+          <a:noFill/>
+        </p:spPr>
+        <p:txBody>
+          <a:bodyPr wrap="square" rtlCol="0">
+            <a:spAutoFit/>
+          </a:bodyPr>
+          <a:lstStyle>
+            <a:defPPr>
+              <a:defRPr lang="fr-FR"/>
+            </a:defPPr>
+            <a:lvl1pPr>
+              <a:defRPr>
+                <a:solidFill>
+                  <a:schemeClr val="accent1">
+                    <a:lumMod val="60000"/>
+                    <a:lumOff val="40000"/>
+                  </a:schemeClr>
+                </a:solidFill>
+              </a:defRPr>
+            </a:lvl1pPr>
+          </a:lstStyle>
+          <a:p>
+            <a:pPr algn="ctr"/>
+            <a:r>
+              <a:rPr lang="en-US" sz="1013" i="1" noProof="1">
+                <a:solidFill>
+                  <a:schemeClr val="tx1"/>
+                </a:solidFill>
+              </a:rPr>
+              <a:t>a laboratory service exposed to the consumers of the catalog</a:t>
+            </a:r>
+          </a:p>
+        </p:txBody>
+      </p:sp>
+      <p:sp>
+        <p:nvSpPr>
+          <p:cNvPr id="5" name="ZoneTexte 4">
+            <a:extLst>
+              <a:ext uri="{FF2B5EF4-FFF2-40B4-BE49-F238E27FC236}">
+                <a16:creationId xmlns:a16="http://schemas.microsoft.com/office/drawing/2014/main" id="{0BEB468F-E1B9-4178-88A1-7D05D12F5B2A}"/>
+              </a:ext>
+            </a:extLst>
+          </p:cNvPr>
+          <p:cNvSpPr txBox="1"/>
+          <p:nvPr/>
+        </p:nvSpPr>
+        <p:spPr>
+          <a:xfrm>
+            <a:off x="3561627" y="6160345"/>
+            <a:ext cx="1788391" cy="404085"/>
+          </a:xfrm>
+          <a:prstGeom prst="rect">
+            <a:avLst/>
+          </a:prstGeom>
+          <a:noFill/>
+        </p:spPr>
+        <p:txBody>
+          <a:bodyPr wrap="square" rtlCol="0">
+            <a:spAutoFit/>
+          </a:bodyPr>
+          <a:lstStyle>
+            <a:defPPr>
+              <a:defRPr lang="fr-FR"/>
+            </a:defPPr>
+            <a:lvl1pPr>
+              <a:defRPr>
+                <a:solidFill>
+                  <a:schemeClr val="accent1">
+                    <a:lumMod val="60000"/>
+                    <a:lumOff val="40000"/>
+                  </a:schemeClr>
+                </a:solidFill>
+              </a:defRPr>
+            </a:lvl1pPr>
+          </a:lstStyle>
+          <a:p>
+            <a:r>
+              <a:rPr lang="en-US" sz="1013" i="1" noProof="1">
+                <a:solidFill>
+                  <a:schemeClr val="tx1"/>
+                </a:solidFill>
+              </a:rPr>
+              <a:t>a laboratory procedure operationalizing the service </a:t>
+            </a:r>
+          </a:p>
+        </p:txBody>
+      </p:sp>
+      <p:sp>
+        <p:nvSpPr>
+          <p:cNvPr id="32" name="ZoneTexte 31">
+            <a:extLst>
+              <a:ext uri="{FF2B5EF4-FFF2-40B4-BE49-F238E27FC236}">
+                <a16:creationId xmlns:a16="http://schemas.microsoft.com/office/drawing/2014/main" id="{12A68CC3-C8B9-4937-AF74-D3235493E42E}"/>
+              </a:ext>
+            </a:extLst>
+          </p:cNvPr>
+          <p:cNvSpPr txBox="1"/>
+          <p:nvPr/>
+        </p:nvSpPr>
+        <p:spPr>
+          <a:xfrm>
+            <a:off x="717638" y="5827012"/>
+            <a:ext cx="847676" cy="559961"/>
+          </a:xfrm>
+          <a:prstGeom prst="rect">
+            <a:avLst/>
+          </a:prstGeom>
+          <a:noFill/>
+        </p:spPr>
+        <p:txBody>
+          <a:bodyPr wrap="square" rtlCol="0">
+            <a:spAutoFit/>
+          </a:bodyPr>
+          <a:lstStyle>
+            <a:defPPr>
+              <a:defRPr lang="fr-FR"/>
+            </a:defPPr>
+            <a:lvl1pPr>
+              <a:defRPr>
+                <a:solidFill>
+                  <a:schemeClr val="accent1">
+                    <a:lumMod val="60000"/>
+                    <a:lumOff val="40000"/>
+                  </a:schemeClr>
+                </a:solidFill>
+              </a:defRPr>
+            </a:lvl1pPr>
+          </a:lstStyle>
+          <a:p>
+            <a:pPr algn="r"/>
+            <a:r>
+              <a:rPr lang="en-US" sz="1013" i="1" noProof="1">
+                <a:solidFill>
+                  <a:schemeClr val="tx1"/>
+                </a:solidFill>
+              </a:rPr>
+              <a:t>a specimen required by the service</a:t>
+            </a:r>
+          </a:p>
+        </p:txBody>
+      </p:sp>
+      <p:sp>
+        <p:nvSpPr>
+          <p:cNvPr id="33" name="ZoneTexte 32">
+            <a:extLst>
+              <a:ext uri="{FF2B5EF4-FFF2-40B4-BE49-F238E27FC236}">
+                <a16:creationId xmlns:a16="http://schemas.microsoft.com/office/drawing/2014/main" id="{0A105627-941F-444D-B556-9B067AA85A13}"/>
+              </a:ext>
+            </a:extLst>
+          </p:cNvPr>
+          <p:cNvSpPr txBox="1"/>
+          <p:nvPr/>
+        </p:nvSpPr>
+        <p:spPr>
+          <a:xfrm>
+            <a:off x="2111791" y="7209950"/>
+            <a:ext cx="961835" cy="559961"/>
+          </a:xfrm>
+          <a:prstGeom prst="rect">
+            <a:avLst/>
+          </a:prstGeom>
+          <a:noFill/>
+        </p:spPr>
+        <p:txBody>
+          <a:bodyPr wrap="square" rtlCol="0">
+            <a:spAutoFit/>
+          </a:bodyPr>
+          <a:lstStyle>
+            <a:defPPr>
+              <a:defRPr lang="fr-FR"/>
+            </a:defPPr>
+            <a:lvl1pPr>
+              <a:defRPr>
+                <a:solidFill>
+                  <a:schemeClr val="accent1">
+                    <a:lumMod val="60000"/>
+                    <a:lumOff val="40000"/>
+                  </a:schemeClr>
+                </a:solidFill>
+              </a:defRPr>
+            </a:lvl1pPr>
+          </a:lstStyle>
+          <a:p>
+            <a:r>
+              <a:rPr lang="en-US" sz="1013" i="1" noProof="1">
+                <a:solidFill>
+                  <a:schemeClr val="tx1"/>
+                </a:solidFill>
+              </a:rPr>
+              <a:t>an input observation to the procedure</a:t>
+            </a:r>
+          </a:p>
+        </p:txBody>
+      </p:sp>
+      <p:sp>
+        <p:nvSpPr>
+          <p:cNvPr id="34" name="ZoneTexte 33">
+            <a:extLst>
+              <a:ext uri="{FF2B5EF4-FFF2-40B4-BE49-F238E27FC236}">
+                <a16:creationId xmlns:a16="http://schemas.microsoft.com/office/drawing/2014/main" id="{F26F3D45-53F9-4EC5-BA9D-39047742D144}"/>
+              </a:ext>
+            </a:extLst>
+          </p:cNvPr>
+          <p:cNvSpPr txBox="1"/>
+          <p:nvPr/>
+        </p:nvSpPr>
+        <p:spPr>
+          <a:xfrm>
+            <a:off x="3919747" y="7248194"/>
+            <a:ext cx="979752" cy="559961"/>
+          </a:xfrm>
+          <a:prstGeom prst="rect">
+            <a:avLst/>
+          </a:prstGeom>
+          <a:noFill/>
+        </p:spPr>
+        <p:txBody>
+          <a:bodyPr wrap="square" rtlCol="0">
+            <a:spAutoFit/>
+          </a:bodyPr>
+          <a:lstStyle>
+            <a:defPPr>
+              <a:defRPr lang="fr-FR"/>
+            </a:defPPr>
+            <a:lvl1pPr>
+              <a:defRPr>
+                <a:solidFill>
+                  <a:schemeClr val="accent1">
+                    <a:lumMod val="60000"/>
+                    <a:lumOff val="40000"/>
+                  </a:schemeClr>
+                </a:solidFill>
+              </a:defRPr>
+            </a:lvl1pPr>
+          </a:lstStyle>
+          <a:p>
+            <a:pPr algn="r"/>
+            <a:r>
+              <a:rPr lang="en-US" sz="1013" i="1" noProof="1">
+                <a:solidFill>
+                  <a:schemeClr val="tx1"/>
+                </a:solidFill>
+              </a:rPr>
+              <a:t>an output observation of the procedure</a:t>
+            </a:r>
+          </a:p>
+        </p:txBody>
+      </p:sp>
+      <p:cxnSp>
+        <p:nvCxnSpPr>
+          <p:cNvPr id="39" name="Connecteur : en angle 38">
+            <a:extLst>
+              <a:ext uri="{FF2B5EF4-FFF2-40B4-BE49-F238E27FC236}">
+                <a16:creationId xmlns:a16="http://schemas.microsoft.com/office/drawing/2014/main" id="{8C9A6475-6E13-4D17-99C8-139A747BD801}"/>
+              </a:ext>
+            </a:extLst>
+          </p:cNvPr>
+          <p:cNvCxnSpPr>
+            <a:cxnSpLocks/>
+            <a:stCxn id="141" idx="2"/>
+            <a:endCxn id="153" idx="1"/>
+          </p:cNvCxnSpPr>
+          <p:nvPr/>
+        </p:nvCxnSpPr>
+        <p:spPr>
+          <a:xfrm rot="16200000" flipH="1">
+            <a:off x="1858038" y="7354354"/>
+            <a:ext cx="558899" cy="1370602"/>
+          </a:xfrm>
+          <a:prstGeom prst="bentConnector2">
+            <a:avLst/>
+          </a:prstGeom>
+          <a:ln w="19050">
+            <a:headEnd type="none" w="med" len="med"/>
+            <a:tailEnd type="arrow" w="med" len="med"/>
+          </a:ln>
+        </p:spPr>
+        <p:style>
+          <a:lnRef idx="1">
+            <a:schemeClr val="accent1"/>
+          </a:lnRef>
+          <a:fillRef idx="0">
+            <a:schemeClr val="accent1"/>
+          </a:fillRef>
+          <a:effectRef idx="0">
+            <a:schemeClr val="accent1"/>
+          </a:effectRef>
+          <a:fontRef idx="minor">
+            <a:schemeClr val="tx1"/>
+          </a:fontRef>
+        </p:style>
+      </p:cxnSp>
+      <p:cxnSp>
+        <p:nvCxnSpPr>
+          <p:cNvPr id="40" name="Connecteur : en angle 39">
+            <a:extLst>
+              <a:ext uri="{FF2B5EF4-FFF2-40B4-BE49-F238E27FC236}">
+                <a16:creationId xmlns:a16="http://schemas.microsoft.com/office/drawing/2014/main" id="{444B2695-C708-469B-B42D-479F8382004C}"/>
+              </a:ext>
+            </a:extLst>
+          </p:cNvPr>
+          <p:cNvCxnSpPr>
+            <a:cxnSpLocks/>
+            <a:stCxn id="151" idx="2"/>
+            <a:endCxn id="155" idx="3"/>
+          </p:cNvCxnSpPr>
+          <p:nvPr/>
+        </p:nvCxnSpPr>
+        <p:spPr>
+          <a:xfrm rot="5400000">
+            <a:off x="4560360" y="7315798"/>
+            <a:ext cx="563263" cy="1452078"/>
+          </a:xfrm>
+          <a:prstGeom prst="bentConnector2">
+            <a:avLst/>
+          </a:prstGeom>
+          <a:ln w="19050">
+            <a:headEnd type="none" w="med" len="med"/>
+            <a:tailEnd type="arrow" w="med" len="med"/>
+          </a:ln>
+        </p:spPr>
+        <p:style>
+          <a:lnRef idx="1">
+            <a:schemeClr val="accent1"/>
+          </a:lnRef>
+          <a:fillRef idx="0">
+            <a:schemeClr val="accent1"/>
+          </a:fillRef>
+          <a:effectRef idx="0">
+            <a:schemeClr val="accent1"/>
+          </a:effectRef>
+          <a:fontRef idx="minor">
+            <a:schemeClr val="tx1"/>
+          </a:fontRef>
+        </p:style>
+      </p:cxnSp>
+      <p:sp>
+        <p:nvSpPr>
+          <p:cNvPr id="44" name="ZoneTexte 43">
+            <a:extLst>
+              <a:ext uri="{FF2B5EF4-FFF2-40B4-BE49-F238E27FC236}">
+                <a16:creationId xmlns:a16="http://schemas.microsoft.com/office/drawing/2014/main" id="{ABDD23CA-E87E-4D3B-BBE6-6BFF35D20C07}"/>
+              </a:ext>
+            </a:extLst>
+          </p:cNvPr>
+          <p:cNvSpPr txBox="1"/>
+          <p:nvPr/>
+        </p:nvSpPr>
+        <p:spPr>
+          <a:xfrm>
+            <a:off x="2465137" y="8049053"/>
+            <a:ext cx="469141" cy="230832"/>
+          </a:xfrm>
+          <a:prstGeom prst="rect">
+            <a:avLst/>
+          </a:prstGeom>
+          <a:noFill/>
+        </p:spPr>
+        <p:txBody>
+          <a:bodyPr wrap="square" rtlCol="0">
+            <a:spAutoFit/>
+          </a:bodyPr>
+          <a:lstStyle/>
+          <a:p>
+            <a:r>
+              <a:rPr lang="en-US" sz="900" noProof="1"/>
+              <a:t>0..1</a:t>
+            </a:r>
+          </a:p>
+        </p:txBody>
+      </p:sp>
+      <p:sp>
+        <p:nvSpPr>
+          <p:cNvPr id="45" name="ZoneTexte 44">
+            <a:extLst>
+              <a:ext uri="{FF2B5EF4-FFF2-40B4-BE49-F238E27FC236}">
+                <a16:creationId xmlns:a16="http://schemas.microsoft.com/office/drawing/2014/main" id="{BF367F50-5720-4E7F-B6DA-33B6D1C10BDD}"/>
+              </a:ext>
+            </a:extLst>
+          </p:cNvPr>
+          <p:cNvSpPr txBox="1"/>
+          <p:nvPr/>
+        </p:nvSpPr>
+        <p:spPr>
+          <a:xfrm>
+            <a:off x="4142212" y="8026155"/>
+            <a:ext cx="413534" cy="230832"/>
+          </a:xfrm>
+          <a:prstGeom prst="rect">
+            <a:avLst/>
+          </a:prstGeom>
+          <a:noFill/>
+        </p:spPr>
+        <p:txBody>
+          <a:bodyPr wrap="square" rtlCol="0">
+            <a:spAutoFit/>
+          </a:bodyPr>
+          <a:lstStyle/>
+          <a:p>
+            <a:r>
+              <a:rPr lang="en-US" sz="900" noProof="1"/>
+              <a:t>0..1</a:t>
+            </a:r>
+          </a:p>
+        </p:txBody>
+      </p:sp>
+      <p:sp>
+        <p:nvSpPr>
+          <p:cNvPr id="41" name="Rectangle 40">
+            <a:extLst>
+              <a:ext uri="{FF2B5EF4-FFF2-40B4-BE49-F238E27FC236}">
+                <a16:creationId xmlns:a16="http://schemas.microsoft.com/office/drawing/2014/main" id="{98246E45-031A-4786-ACF4-D927C7E9CB6C}"/>
               </a:ext>
             </a:extLst>
           </p:cNvPr>
@@ -4183,8 +4652,8 @@
         </p:nvSpPr>
         <p:spPr>
           <a:xfrm>
-            <a:off x="5996609" y="3398266"/>
-            <a:ext cx="2499558" cy="907956"/>
+            <a:off x="481556" y="4965365"/>
+            <a:ext cx="1599502" cy="651716"/>
           </a:xfrm>
           <a:prstGeom prst="rect">
             <a:avLst/>
@@ -4217,7 +4686,7 @@
             <a:noFill/>
           </a:ln>
           <a:effectLst>
-            <a:glow rad="139700">
+            <a:glow rad="63500">
               <a:schemeClr val="accent1">
                 <a:satMod val="175000"/>
                 <a:alpha val="40000"/>
@@ -4247,41 +4716,77 @@
           <a:p>
             <a:pPr algn="ctr"/>
             <a:r>
-              <a:rPr lang="en-US" noProof="1">
+              <a:rPr lang="en-US" sz="1013" noProof="1">
                 <a:solidFill>
                   <a:srgbClr val="FFFF00"/>
                 </a:solidFill>
               </a:rPr>
-              <a:t>LabProcedureDefinition</a:t>
+              <a:t>LabChargeItemDefinition</a:t>
             </a:r>
           </a:p>
           <a:p>
             <a:pPr algn="ctr"/>
             <a:r>
-              <a:rPr lang="en-US" noProof="1">
-                <a:solidFill>
-                  <a:schemeClr val="bg1"/>
-                </a:solidFill>
-              </a:rPr>
-              <a:t>Profile of </a:t>
-            </a:r>
-            <a:r>
-              <a:rPr lang="en-US" sz="2200" noProof="1">
+              <a:rPr lang="en-US" sz="1013" noProof="1">
                 <a:solidFill>
                   <a:srgbClr val="FFFF00"/>
                 </a:solidFill>
               </a:rPr>
-              <a:t>ActivityDefinition</a:t>
-            </a:r>
-          </a:p>
-        </p:txBody>
-      </p:sp>
-      <p:sp>
-        <p:nvSpPr>
-          <p:cNvPr id="51" name="ZoneTexte 50">
-            <a:extLst>
-              <a:ext uri="{FF2B5EF4-FFF2-40B4-BE49-F238E27FC236}">
-                <a16:creationId xmlns:a16="http://schemas.microsoft.com/office/drawing/2014/main" id="{DDA19B55-7B2D-4F80-A8B0-AC35CA3AEB5F}"/>
+              <a:t>Profile of ChargeItemDefinition</a:t>
+            </a:r>
+          </a:p>
+        </p:txBody>
+      </p:sp>
+      <p:cxnSp>
+        <p:nvCxnSpPr>
+          <p:cNvPr id="42" name="Connecteur : en angle 41">
+            <a:extLst>
+              <a:ext uri="{FF2B5EF4-FFF2-40B4-BE49-F238E27FC236}">
+                <a16:creationId xmlns:a16="http://schemas.microsoft.com/office/drawing/2014/main" id="{7CB04F81-F845-4409-8A16-0150F3ABCA14}"/>
+              </a:ext>
+            </a:extLst>
+          </p:cNvPr>
+          <p:cNvCxnSpPr>
+            <a:cxnSpLocks/>
+            <a:stCxn id="84" idx="1"/>
+            <a:endCxn id="41" idx="0"/>
+          </p:cNvCxnSpPr>
+          <p:nvPr/>
+        </p:nvCxnSpPr>
+        <p:spPr>
+          <a:xfrm rot="10800000" flipV="1">
+            <a:off x="1281307" y="4645499"/>
+            <a:ext cx="1634664" cy="319866"/>
+          </a:xfrm>
+          <a:prstGeom prst="bentConnector2">
+            <a:avLst/>
+          </a:prstGeom>
+          <a:ln w="19050">
+            <a:headEnd type="none" w="med" len="med"/>
+            <a:tailEnd type="arrow" w="med" len="med"/>
+          </a:ln>
+        </p:spPr>
+        <p:style>
+          <a:lnRef idx="1">
+            <a:schemeClr val="accent1"/>
+          </a:lnRef>
+          <a:fillRef idx="0">
+            <a:schemeClr val="accent1"/>
+          </a:fillRef>
+          <a:effectRef idx="0">
+            <a:schemeClr val="accent1"/>
+          </a:effectRef>
+          <a:fontRef idx="minor">
+            <a:schemeClr val="tx1"/>
+          </a:fontRef>
+        </p:style>
+      </p:cxnSp>
+      <p:sp>
+        <p:nvSpPr>
+          <p:cNvPr id="47" name="ZoneTexte 46">
+            <a:extLst>
+              <a:ext uri="{FF2B5EF4-FFF2-40B4-BE49-F238E27FC236}">
+                <a16:creationId xmlns:a16="http://schemas.microsoft.com/office/drawing/2014/main" id="{7EBC759F-3EC1-4AEE-B495-9524A5FA0F8C}"/>
               </a:ext>
             </a:extLst>
           </p:cNvPr>
@@ -4290,8 +4795,8 @@
         </p:nvSpPr>
         <p:spPr>
           <a:xfrm>
-            <a:off x="6723784" y="3006700"/>
-            <a:ext cx="607145" cy="338554"/>
+            <a:off x="1254606" y="4698803"/>
+            <a:ext cx="405123" cy="230832"/>
           </a:xfrm>
           <a:prstGeom prst="rect">
             <a:avLst/>
@@ -4305,18 +4810,18 @@
           <a:lstStyle/>
           <a:p>
             <a:r>
-              <a:rPr lang="en-US" sz="1600" noProof="1"/>
-              <a:t>1..*</a:t>
-            </a:r>
-          </a:p>
-        </p:txBody>
-      </p:sp>
-      <p:sp>
-        <p:nvSpPr>
-          <p:cNvPr id="52" name="ZoneTexte 51">
-            <a:extLst>
-              <a:ext uri="{FF2B5EF4-FFF2-40B4-BE49-F238E27FC236}">
-                <a16:creationId xmlns:a16="http://schemas.microsoft.com/office/drawing/2014/main" id="{8C5EA803-67C9-48E4-8679-3F8205317474}"/>
+              <a:rPr lang="en-US" sz="900" noProof="1"/>
+              <a:t>0..*</a:t>
+            </a:r>
+          </a:p>
+        </p:txBody>
+      </p:sp>
+      <p:sp>
+        <p:nvSpPr>
+          <p:cNvPr id="48" name="ZoneTexte 47">
+            <a:extLst>
+              <a:ext uri="{FF2B5EF4-FFF2-40B4-BE49-F238E27FC236}">
+                <a16:creationId xmlns:a16="http://schemas.microsoft.com/office/drawing/2014/main" id="{6B1EB918-EDEA-46FE-BFD2-7B8AC4B29986}"/>
               </a:ext>
             </a:extLst>
           </p:cNvPr>
@@ -4325,8 +4830,8 @@
         </p:nvSpPr>
         <p:spPr>
           <a:xfrm>
-            <a:off x="7224080" y="2550583"/>
-            <a:ext cx="4293851" cy="338554"/>
+            <a:off x="1768181" y="4438307"/>
+            <a:ext cx="1054607" cy="230832"/>
           </a:xfrm>
           <a:prstGeom prst="rect">
             <a:avLst/>
@@ -4339,8 +4844,170 @@
           </a:bodyPr>
           <a:lstStyle/>
           <a:p>
-            <a:r>
-              <a:rPr lang="en-US" sz="1600" noProof="1">
+            <a:pPr algn="r"/>
+            <a:r>
+              <a:rPr lang="en-US" sz="900" noProof="1">
+                <a:solidFill>
+                  <a:srgbClr val="0070C0"/>
+                </a:solidFill>
+              </a:rPr>
+              <a:t>serviceBillingCode</a:t>
+            </a:r>
+          </a:p>
+        </p:txBody>
+      </p:sp>
+      <p:sp>
+        <p:nvSpPr>
+          <p:cNvPr id="49" name="ZoneTexte 48">
+            <a:extLst>
+              <a:ext uri="{FF2B5EF4-FFF2-40B4-BE49-F238E27FC236}">
+                <a16:creationId xmlns:a16="http://schemas.microsoft.com/office/drawing/2014/main" id="{34BC439E-46D1-4D3A-A747-099A225EED85}"/>
+              </a:ext>
+            </a:extLst>
+          </p:cNvPr>
+          <p:cNvSpPr txBox="1"/>
+          <p:nvPr/>
+        </p:nvSpPr>
+        <p:spPr>
+          <a:xfrm>
+            <a:off x="263580" y="4525551"/>
+            <a:ext cx="900881" cy="404085"/>
+          </a:xfrm>
+          <a:prstGeom prst="rect">
+            <a:avLst/>
+          </a:prstGeom>
+          <a:noFill/>
+        </p:spPr>
+        <p:txBody>
+          <a:bodyPr wrap="square" rtlCol="0">
+            <a:spAutoFit/>
+          </a:bodyPr>
+          <a:lstStyle/>
+          <a:p>
+            <a:pPr algn="r"/>
+            <a:r>
+              <a:rPr lang="en-US" sz="1013" i="1" noProof="1"/>
+              <a:t>a billing code and its rules</a:t>
+            </a:r>
+          </a:p>
+        </p:txBody>
+      </p:sp>
+      <p:cxnSp>
+        <p:nvCxnSpPr>
+          <p:cNvPr id="59" name="Connecteur : en angle 58">
+            <a:extLst>
+              <a:ext uri="{FF2B5EF4-FFF2-40B4-BE49-F238E27FC236}">
+                <a16:creationId xmlns:a16="http://schemas.microsoft.com/office/drawing/2014/main" id="{CEC98B57-A84A-4965-8F1C-9AD5C1F66F68}"/>
+              </a:ext>
+            </a:extLst>
+          </p:cNvPr>
+          <p:cNvCxnSpPr>
+            <a:cxnSpLocks/>
+          </p:cNvCxnSpPr>
+          <p:nvPr/>
+        </p:nvCxnSpPr>
+        <p:spPr>
+          <a:xfrm flipH="1" flipV="1">
+            <a:off x="4118075" y="4434481"/>
+            <a:ext cx="11343" cy="132155"/>
+          </a:xfrm>
+          <a:prstGeom prst="bentConnector3">
+            <a:avLst>
+              <a:gd name="adj1" fmla="val -1859111"/>
+            </a:avLst>
+          </a:prstGeom>
+          <a:ln w="19050">
+            <a:headEnd type="arrow" w="med" len="med"/>
+            <a:tailEnd type="none" w="med" len="med"/>
+          </a:ln>
+        </p:spPr>
+        <p:style>
+          <a:lnRef idx="1">
+            <a:schemeClr val="accent1"/>
+          </a:lnRef>
+          <a:fillRef idx="0">
+            <a:schemeClr val="accent1"/>
+          </a:fillRef>
+          <a:effectRef idx="0">
+            <a:schemeClr val="accent1"/>
+          </a:effectRef>
+          <a:fontRef idx="minor">
+            <a:schemeClr val="tx1"/>
+          </a:fontRef>
+        </p:style>
+      </p:cxnSp>
+      <p:sp>
+        <p:nvSpPr>
+          <p:cNvPr id="61" name="ZoneTexte 60">
+            <a:extLst>
+              <a:ext uri="{FF2B5EF4-FFF2-40B4-BE49-F238E27FC236}">
+                <a16:creationId xmlns:a16="http://schemas.microsoft.com/office/drawing/2014/main" id="{F15FD08A-EE01-41B9-A74C-D190D9D0CE08}"/>
+              </a:ext>
+            </a:extLst>
+          </p:cNvPr>
+          <p:cNvSpPr txBox="1"/>
+          <p:nvPr/>
+        </p:nvSpPr>
+        <p:spPr>
+          <a:xfrm>
+            <a:off x="4208175" y="4531805"/>
+            <a:ext cx="417459" cy="230832"/>
+          </a:xfrm>
+          <a:prstGeom prst="rect">
+            <a:avLst/>
+          </a:prstGeom>
+          <a:noFill/>
+        </p:spPr>
+        <p:txBody>
+          <a:bodyPr wrap="square" rtlCol="0">
+            <a:spAutoFit/>
+          </a:bodyPr>
+          <a:lstStyle/>
+          <a:p>
+            <a:r>
+              <a:rPr lang="en-US" sz="900" noProof="1"/>
+              <a:t>0..*</a:t>
+            </a:r>
+          </a:p>
+        </p:txBody>
+      </p:sp>
+      <p:sp>
+        <p:nvSpPr>
+          <p:cNvPr id="6" name="Rectangle 5">
+            <a:extLst>
+              <a:ext uri="{FF2B5EF4-FFF2-40B4-BE49-F238E27FC236}">
+                <a16:creationId xmlns:a16="http://schemas.microsoft.com/office/drawing/2014/main" id="{1C6DDBC5-A792-48D7-9DEB-B008187D51FB}"/>
+              </a:ext>
+            </a:extLst>
+          </p:cNvPr>
+          <p:cNvSpPr/>
+          <p:nvPr/>
+        </p:nvSpPr>
+        <p:spPr>
+          <a:xfrm>
+            <a:off x="4323968" y="4396683"/>
+            <a:ext cx="1348446" cy="230832"/>
+          </a:xfrm>
+          <a:prstGeom prst="rect">
+            <a:avLst/>
+          </a:prstGeom>
+        </p:spPr>
+        <p:txBody>
+          <a:bodyPr wrap="none">
+            <a:spAutoFit/>
+          </a:bodyPr>
+          <a:lstStyle/>
+          <a:p>
+            <a:r>
+              <a:rPr lang="en-US" sz="900" noProof="1">
+                <a:solidFill>
+                  <a:srgbClr val="0070C0"/>
+                </a:solidFill>
+              </a:rPr>
+              <a:t>relatedArtifac</a:t>
+            </a:r>
+            <a:r>
+              <a:rPr lang="en-US" sz="900" noProof="1">
                 <a:solidFill>
                   <a:schemeClr val="tx1">
                     <a:lumMod val="50000"/>
@@ -4348,17 +5015,38 @@
                   </a:schemeClr>
                 </a:solidFill>
               </a:rPr>
-              <a:t>action[.action[.action]].definitionCanonical</a:t>
-            </a:r>
-          </a:p>
-        </p:txBody>
-      </p:sp>
-      <p:sp>
-        <p:nvSpPr>
-          <p:cNvPr id="54" name="Rectangle 53">
-            <a:extLst>
-              <a:ext uri="{FF2B5EF4-FFF2-40B4-BE49-F238E27FC236}">
-                <a16:creationId xmlns:a16="http://schemas.microsoft.com/office/drawing/2014/main" id="{48EEC750-3A3E-431D-9735-6AB2099A1A92}"/>
+              <a:t>t (</a:t>
+            </a:r>
+            <a:r>
+              <a:rPr lang="en-US" sz="900" i="1" noProof="1">
+                <a:solidFill>
+                  <a:schemeClr val="accent6">
+                    <a:lumMod val="75000"/>
+                  </a:schemeClr>
+                </a:solidFill>
+              </a:rPr>
+              <a:t>Includes</a:t>
+            </a:r>
+            <a:r>
+              <a:rPr lang="en-US" sz="900" noProof="1">
+                <a:solidFill>
+                  <a:schemeClr val="tx1">
+                    <a:lumMod val="50000"/>
+                    <a:lumOff val="50000"/>
+                  </a:schemeClr>
+                </a:solidFill>
+              </a:rPr>
+              <a:t>)</a:t>
+            </a:r>
+          </a:p>
+        </p:txBody>
+      </p:sp>
+      <p:sp>
+        <p:nvSpPr>
+          <p:cNvPr id="53" name="Rectangle 52">
+            <a:extLst>
+              <a:ext uri="{FF2B5EF4-FFF2-40B4-BE49-F238E27FC236}">
+                <a16:creationId xmlns:a16="http://schemas.microsoft.com/office/drawing/2014/main" id="{F537AED2-9E97-485C-A84E-51BF2306A00D}"/>
               </a:ext>
             </a:extLst>
           </p:cNvPr>
@@ -4367,8 +5055,295 @@
         </p:nvSpPr>
         <p:spPr>
           <a:xfrm>
-            <a:off x="3830444" y="4685504"/>
-            <a:ext cx="2750664" cy="929390"/>
+            <a:off x="4041085" y="4750255"/>
+            <a:ext cx="80718" cy="92390"/>
+          </a:xfrm>
+          <a:prstGeom prst="rect">
+            <a:avLst/>
+          </a:prstGeom>
+        </p:spPr>
+        <p:style>
+          <a:lnRef idx="2">
+            <a:schemeClr val="accent1">
+              <a:shade val="50000"/>
+            </a:schemeClr>
+          </a:lnRef>
+          <a:fillRef idx="1">
+            <a:schemeClr val="accent1"/>
+          </a:fillRef>
+          <a:effectRef idx="0">
+            <a:schemeClr val="accent1"/>
+          </a:effectRef>
+          <a:fontRef idx="minor">
+            <a:schemeClr val="lt1"/>
+          </a:fontRef>
+        </p:style>
+        <p:txBody>
+          <a:bodyPr rtlCol="0" anchor="ctr"/>
+          <a:lstStyle/>
+          <a:p>
+            <a:pPr algn="ctr"/>
+            <a:endParaRPr lang="fr-FR" sz="1013"/>
+          </a:p>
+        </p:txBody>
+      </p:sp>
+      <p:sp>
+        <p:nvSpPr>
+          <p:cNvPr id="62" name="Rectangle 61">
+            <a:extLst>
+              <a:ext uri="{FF2B5EF4-FFF2-40B4-BE49-F238E27FC236}">
+                <a16:creationId xmlns:a16="http://schemas.microsoft.com/office/drawing/2014/main" id="{CC06C13B-AAED-42D3-AC8E-E9010DD2A1F9}"/>
+              </a:ext>
+            </a:extLst>
+          </p:cNvPr>
+          <p:cNvSpPr/>
+          <p:nvPr/>
+        </p:nvSpPr>
+        <p:spPr>
+          <a:xfrm>
+            <a:off x="3937785" y="4838524"/>
+            <a:ext cx="191812" cy="110015"/>
+          </a:xfrm>
+          <a:prstGeom prst="rect">
+            <a:avLst/>
+          </a:prstGeom>
+        </p:spPr>
+        <p:style>
+          <a:lnRef idx="2">
+            <a:schemeClr val="accent1">
+              <a:shade val="50000"/>
+            </a:schemeClr>
+          </a:lnRef>
+          <a:fillRef idx="1">
+            <a:schemeClr val="accent1"/>
+          </a:fillRef>
+          <a:effectRef idx="0">
+            <a:schemeClr val="accent1"/>
+          </a:effectRef>
+          <a:fontRef idx="minor">
+            <a:schemeClr val="lt1"/>
+          </a:fontRef>
+        </p:style>
+        <p:txBody>
+          <a:bodyPr rtlCol="0" anchor="ctr"/>
+          <a:lstStyle/>
+          <a:p>
+            <a:pPr algn="ctr"/>
+            <a:endParaRPr lang="fr-FR" sz="1013"/>
+          </a:p>
+        </p:txBody>
+      </p:sp>
+      <p:cxnSp>
+        <p:nvCxnSpPr>
+          <p:cNvPr id="64" name="Connecteur : en angle 63">
+            <a:extLst>
+              <a:ext uri="{FF2B5EF4-FFF2-40B4-BE49-F238E27FC236}">
+                <a16:creationId xmlns:a16="http://schemas.microsoft.com/office/drawing/2014/main" id="{3335D043-C903-4BE8-AD2D-90AB3E5DD599}"/>
+              </a:ext>
+            </a:extLst>
+          </p:cNvPr>
+          <p:cNvCxnSpPr>
+            <a:cxnSpLocks/>
+          </p:cNvCxnSpPr>
+          <p:nvPr/>
+        </p:nvCxnSpPr>
+        <p:spPr>
+          <a:xfrm flipH="1" flipV="1">
+            <a:off x="4118075" y="4796450"/>
+            <a:ext cx="7794" cy="123171"/>
+          </a:xfrm>
+          <a:prstGeom prst="bentConnector3">
+            <a:avLst>
+              <a:gd name="adj1" fmla="val -2705722"/>
+            </a:avLst>
+          </a:prstGeom>
+          <a:ln w="19050">
+            <a:headEnd type="arrow" w="med" len="med"/>
+            <a:tailEnd type="none" w="med" len="med"/>
+          </a:ln>
+        </p:spPr>
+        <p:style>
+          <a:lnRef idx="1">
+            <a:schemeClr val="accent1"/>
+          </a:lnRef>
+          <a:fillRef idx="0">
+            <a:schemeClr val="accent1"/>
+          </a:fillRef>
+          <a:effectRef idx="0">
+            <a:schemeClr val="accent1"/>
+          </a:effectRef>
+          <a:fontRef idx="minor">
+            <a:schemeClr val="tx1"/>
+          </a:fontRef>
+        </p:style>
+      </p:cxnSp>
+      <p:sp>
+        <p:nvSpPr>
+          <p:cNvPr id="65" name="ZoneTexte 64">
+            <a:extLst>
+              <a:ext uri="{FF2B5EF4-FFF2-40B4-BE49-F238E27FC236}">
+                <a16:creationId xmlns:a16="http://schemas.microsoft.com/office/drawing/2014/main" id="{A0A89A95-A588-46F5-BA0F-55DBADAB29F5}"/>
+              </a:ext>
+            </a:extLst>
+          </p:cNvPr>
+          <p:cNvSpPr txBox="1"/>
+          <p:nvPr/>
+        </p:nvSpPr>
+        <p:spPr>
+          <a:xfrm>
+            <a:off x="4208175" y="4912410"/>
+            <a:ext cx="417460" cy="230832"/>
+          </a:xfrm>
+          <a:prstGeom prst="rect">
+            <a:avLst/>
+          </a:prstGeom>
+          <a:noFill/>
+        </p:spPr>
+        <p:txBody>
+          <a:bodyPr wrap="square" rtlCol="0">
+            <a:spAutoFit/>
+          </a:bodyPr>
+          <a:lstStyle/>
+          <a:p>
+            <a:r>
+              <a:rPr lang="en-US" sz="900" noProof="1"/>
+              <a:t>0..*</a:t>
+            </a:r>
+          </a:p>
+        </p:txBody>
+      </p:sp>
+      <p:sp>
+        <p:nvSpPr>
+          <p:cNvPr id="66" name="Rectangle 65">
+            <a:extLst>
+              <a:ext uri="{FF2B5EF4-FFF2-40B4-BE49-F238E27FC236}">
+                <a16:creationId xmlns:a16="http://schemas.microsoft.com/office/drawing/2014/main" id="{A75549AC-A1E5-42FF-B36C-5EA2320DE11D}"/>
+              </a:ext>
+            </a:extLst>
+          </p:cNvPr>
+          <p:cNvSpPr/>
+          <p:nvPr/>
+        </p:nvSpPr>
+        <p:spPr>
+          <a:xfrm>
+            <a:off x="4317362" y="4766145"/>
+            <a:ext cx="1579278" cy="230832"/>
+          </a:xfrm>
+          <a:prstGeom prst="rect">
+            <a:avLst/>
+          </a:prstGeom>
+        </p:spPr>
+        <p:txBody>
+          <a:bodyPr wrap="none">
+            <a:spAutoFit/>
+          </a:bodyPr>
+          <a:lstStyle/>
+          <a:p>
+            <a:r>
+              <a:rPr lang="en-US" sz="900" noProof="1">
+                <a:solidFill>
+                  <a:srgbClr val="0070C0"/>
+                </a:solidFill>
+              </a:rPr>
+              <a:t>relatedArtifact</a:t>
+            </a:r>
+            <a:r>
+              <a:rPr lang="en-US" sz="900" noProof="1">
+                <a:solidFill>
+                  <a:schemeClr val="tx1">
+                    <a:lumMod val="50000"/>
+                    <a:lumOff val="50000"/>
+                  </a:schemeClr>
+                </a:solidFill>
+              </a:rPr>
+              <a:t> (</a:t>
+            </a:r>
+            <a:r>
+              <a:rPr lang="en-US" sz="900" i="1" noProof="1">
+                <a:solidFill>
+                  <a:schemeClr val="accent6">
+                    <a:lumMod val="75000"/>
+                  </a:schemeClr>
+                </a:solidFill>
+              </a:rPr>
+              <a:t>IsReplacedBy</a:t>
+            </a:r>
+            <a:r>
+              <a:rPr lang="en-US" sz="900" noProof="1">
+                <a:solidFill>
+                  <a:schemeClr val="tx1">
+                    <a:lumMod val="50000"/>
+                    <a:lumOff val="50000"/>
+                  </a:schemeClr>
+                </a:solidFill>
+              </a:rPr>
+              <a:t>)</a:t>
+            </a:r>
+          </a:p>
+        </p:txBody>
+      </p:sp>
+      <p:sp>
+        <p:nvSpPr>
+          <p:cNvPr id="13" name="Rectangle 12">
+            <a:extLst>
+              <a:ext uri="{FF2B5EF4-FFF2-40B4-BE49-F238E27FC236}">
+                <a16:creationId xmlns:a16="http://schemas.microsoft.com/office/drawing/2014/main" id="{1C72EAEF-6D83-49DD-98E1-F0B22E4F5A26}"/>
+              </a:ext>
+            </a:extLst>
+          </p:cNvPr>
+          <p:cNvSpPr/>
+          <p:nvPr/>
+        </p:nvSpPr>
+        <p:spPr>
+          <a:xfrm>
+            <a:off x="2920060" y="4780832"/>
+            <a:ext cx="159533" cy="132280"/>
+          </a:xfrm>
+          <a:prstGeom prst="rect">
+            <a:avLst/>
+          </a:prstGeom>
+        </p:spPr>
+        <p:style>
+          <a:lnRef idx="2">
+            <a:schemeClr val="accent1">
+              <a:shade val="50000"/>
+            </a:schemeClr>
+          </a:lnRef>
+          <a:fillRef idx="1">
+            <a:schemeClr val="accent1"/>
+          </a:fillRef>
+          <a:effectRef idx="0">
+            <a:schemeClr val="accent1"/>
+          </a:effectRef>
+          <a:fontRef idx="minor">
+            <a:schemeClr val="lt1"/>
+          </a:fontRef>
+        </p:style>
+        <p:txBody>
+          <a:bodyPr rtlCol="0" anchor="ctr"/>
+          <a:lstStyle/>
+          <a:p>
+            <a:pPr algn="ctr"/>
+            <a:endParaRPr lang="fr-FR" sz="1013"/>
+          </a:p>
+        </p:txBody>
+      </p:sp>
+      <p:sp>
+        <p:nvSpPr>
+          <p:cNvPr id="56" name="Rectangle 55">
+            <a:extLst>
+              <a:ext uri="{FF2B5EF4-FFF2-40B4-BE49-F238E27FC236}">
+                <a16:creationId xmlns:a16="http://schemas.microsoft.com/office/drawing/2014/main" id="{F6F11366-8458-4112-A323-141BA159FFFC}"/>
+              </a:ext>
+            </a:extLst>
+          </p:cNvPr>
+          <p:cNvSpPr/>
+          <p:nvPr/>
+        </p:nvSpPr>
+        <p:spPr>
+          <a:xfrm>
+            <a:off x="1627577" y="5838581"/>
+            <a:ext cx="1466677" cy="548677"/>
           </a:xfrm>
           <a:prstGeom prst="rect">
             <a:avLst/>
@@ -4401,7 +5376,7 @@
             <a:noFill/>
           </a:ln>
           <a:effectLst>
-            <a:glow rad="139700">
+            <a:glow rad="63500">
               <a:schemeClr val="accent1">
                 <a:satMod val="175000"/>
                 <a:alpha val="40000"/>
@@ -4426,46 +5401,38 @@
           </a:fontRef>
         </p:style>
         <p:txBody>
-          <a:bodyPr lIns="0" rIns="0" rtlCol="0" anchor="ctr"/>
+          <a:bodyPr rtlCol="0" anchor="ctr"/>
           <a:lstStyle/>
           <a:p>
             <a:pPr algn="ctr"/>
             <a:r>
-              <a:rPr lang="en-US" noProof="1">
+              <a:rPr lang="en-US" sz="1013" noProof="1">
                 <a:solidFill>
                   <a:srgbClr val="FFFF00"/>
                 </a:solidFill>
               </a:rPr>
-              <a:t>InputObservationDefinition</a:t>
+              <a:t>LabSpecimenDefinition</a:t>
             </a:r>
           </a:p>
           <a:p>
             <a:pPr algn="ctr"/>
             <a:r>
-              <a:rPr lang="en-US" noProof="1">
-                <a:solidFill>
-                  <a:schemeClr val="bg1"/>
-                </a:solidFill>
-              </a:rPr>
-              <a:t>Profile of </a:t>
-            </a:r>
-            <a:r>
-              <a:rPr lang="en-US" sz="2200" noProof="1">
+              <a:rPr lang="en-US" sz="1013" noProof="1">
                 <a:solidFill>
                   <a:srgbClr val="FFFF00"/>
                 </a:solidFill>
               </a:rPr>
-              <a:t>ObservationDefinition</a:t>
-            </a:r>
-          </a:p>
-        </p:txBody>
-      </p:sp>
-      <p:sp>
-        <p:nvSpPr>
-          <p:cNvPr id="55" name="Rectangle 54">
-            <a:extLst>
-              <a:ext uri="{FF2B5EF4-FFF2-40B4-BE49-F238E27FC236}">
-                <a16:creationId xmlns:a16="http://schemas.microsoft.com/office/drawing/2014/main" id="{8661556E-21ED-4FDD-8387-069647701921}"/>
+              <a:t>Profile of SpecimenDefinition</a:t>
+            </a:r>
+          </a:p>
+        </p:txBody>
+      </p:sp>
+      <p:sp>
+        <p:nvSpPr>
+          <p:cNvPr id="84" name="Rectangle 83">
+            <a:extLst>
+              <a:ext uri="{FF2B5EF4-FFF2-40B4-BE49-F238E27FC236}">
+                <a16:creationId xmlns:a16="http://schemas.microsoft.com/office/drawing/2014/main" id="{0C6BEAAE-84AD-4EA9-8750-21ACC1178B80}"/>
               </a:ext>
             </a:extLst>
           </p:cNvPr>
@@ -4474,8 +5441,384 @@
         </p:nvSpPr>
         <p:spPr>
           <a:xfrm>
-            <a:off x="7910044" y="4691462"/>
-            <a:ext cx="2744710" cy="917620"/>
+            <a:off x="2915971" y="4579359"/>
+            <a:ext cx="159533" cy="132280"/>
+          </a:xfrm>
+          <a:prstGeom prst="rect">
+            <a:avLst/>
+          </a:prstGeom>
+        </p:spPr>
+        <p:style>
+          <a:lnRef idx="2">
+            <a:schemeClr val="accent1">
+              <a:shade val="50000"/>
+            </a:schemeClr>
+          </a:lnRef>
+          <a:fillRef idx="1">
+            <a:schemeClr val="accent1"/>
+          </a:fillRef>
+          <a:effectRef idx="0">
+            <a:schemeClr val="accent1"/>
+          </a:effectRef>
+          <a:fontRef idx="minor">
+            <a:schemeClr val="lt1"/>
+          </a:fontRef>
+        </p:style>
+        <p:txBody>
+          <a:bodyPr rtlCol="0" anchor="ctr"/>
+          <a:lstStyle/>
+          <a:p>
+            <a:pPr algn="ctr"/>
+            <a:endParaRPr lang="fr-FR" sz="1013"/>
+          </a:p>
+        </p:txBody>
+      </p:sp>
+      <p:cxnSp>
+        <p:nvCxnSpPr>
+          <p:cNvPr id="86" name="Connecteur : en angle 85">
+            <a:extLst>
+              <a:ext uri="{FF2B5EF4-FFF2-40B4-BE49-F238E27FC236}">
+                <a16:creationId xmlns:a16="http://schemas.microsoft.com/office/drawing/2014/main" id="{B5C3B02D-3738-4164-AFEF-95348B20873E}"/>
+              </a:ext>
+            </a:extLst>
+          </p:cNvPr>
+          <p:cNvCxnSpPr>
+            <a:cxnSpLocks/>
+            <a:stCxn id="46" idx="1"/>
+            <a:endCxn id="54" idx="0"/>
+          </p:cNvCxnSpPr>
+          <p:nvPr/>
+        </p:nvCxnSpPr>
+        <p:spPr>
+          <a:xfrm rot="10800000" flipV="1">
+            <a:off x="1279634" y="6898162"/>
+            <a:ext cx="1471547" cy="261239"/>
+          </a:xfrm>
+          <a:prstGeom prst="bentConnector2">
+            <a:avLst/>
+          </a:prstGeom>
+          <a:ln w="19050">
+            <a:headEnd type="none" w="med" len="med"/>
+            <a:tailEnd type="arrow" w="med" len="med"/>
+          </a:ln>
+        </p:spPr>
+        <p:style>
+          <a:lnRef idx="1">
+            <a:schemeClr val="accent1"/>
+          </a:lnRef>
+          <a:fillRef idx="0">
+            <a:schemeClr val="accent1"/>
+          </a:fillRef>
+          <a:effectRef idx="0">
+            <a:schemeClr val="accent1"/>
+          </a:effectRef>
+          <a:fontRef idx="minor">
+            <a:schemeClr val="tx1"/>
+          </a:fontRef>
+        </p:style>
+      </p:cxnSp>
+      <p:sp>
+        <p:nvSpPr>
+          <p:cNvPr id="60" name="Rectangle 59">
+            <a:extLst>
+              <a:ext uri="{FF2B5EF4-FFF2-40B4-BE49-F238E27FC236}">
+                <a16:creationId xmlns:a16="http://schemas.microsoft.com/office/drawing/2014/main" id="{B80DA291-B4AD-437B-875D-FF5B2108348A}"/>
+              </a:ext>
+            </a:extLst>
+          </p:cNvPr>
+          <p:cNvSpPr/>
+          <p:nvPr/>
+        </p:nvSpPr>
+        <p:spPr>
+          <a:xfrm>
+            <a:off x="2815468" y="4393278"/>
+            <a:ext cx="159533" cy="115896"/>
+          </a:xfrm>
+          <a:prstGeom prst="rect">
+            <a:avLst/>
+          </a:prstGeom>
+        </p:spPr>
+        <p:style>
+          <a:lnRef idx="2">
+            <a:schemeClr val="accent1">
+              <a:shade val="50000"/>
+            </a:schemeClr>
+          </a:lnRef>
+          <a:fillRef idx="1">
+            <a:schemeClr val="accent1"/>
+          </a:fillRef>
+          <a:effectRef idx="0">
+            <a:schemeClr val="accent1"/>
+          </a:effectRef>
+          <a:fontRef idx="minor">
+            <a:schemeClr val="lt1"/>
+          </a:fontRef>
+        </p:style>
+        <p:txBody>
+          <a:bodyPr rtlCol="0" anchor="ctr"/>
+          <a:lstStyle/>
+          <a:p>
+            <a:pPr algn="ctr"/>
+            <a:endParaRPr lang="fr-FR" sz="1013"/>
+          </a:p>
+        </p:txBody>
+      </p:sp>
+      <p:sp>
+        <p:nvSpPr>
+          <p:cNvPr id="8" name="Rectangle 7">
+            <a:extLst>
+              <a:ext uri="{FF2B5EF4-FFF2-40B4-BE49-F238E27FC236}">
+                <a16:creationId xmlns:a16="http://schemas.microsoft.com/office/drawing/2014/main" id="{CEEC58EF-7E7F-4AD1-BF5F-F726576E3AEA}"/>
+              </a:ext>
+            </a:extLst>
+          </p:cNvPr>
+          <p:cNvSpPr/>
+          <p:nvPr/>
+        </p:nvSpPr>
+        <p:spPr>
+          <a:xfrm>
+            <a:off x="3941333" y="4388286"/>
+            <a:ext cx="180469" cy="125810"/>
+          </a:xfrm>
+          <a:prstGeom prst="rect">
+            <a:avLst/>
+          </a:prstGeom>
+        </p:spPr>
+        <p:style>
+          <a:lnRef idx="2">
+            <a:schemeClr val="accent1">
+              <a:shade val="50000"/>
+            </a:schemeClr>
+          </a:lnRef>
+          <a:fillRef idx="1">
+            <a:schemeClr val="accent1"/>
+          </a:fillRef>
+          <a:effectRef idx="0">
+            <a:schemeClr val="accent1"/>
+          </a:effectRef>
+          <a:fontRef idx="minor">
+            <a:schemeClr val="lt1"/>
+          </a:fontRef>
+        </p:style>
+        <p:txBody>
+          <a:bodyPr rtlCol="0" anchor="ctr"/>
+          <a:lstStyle/>
+          <a:p>
+            <a:pPr algn="ctr"/>
+            <a:endParaRPr lang="fr-FR" sz="1013"/>
+          </a:p>
+        </p:txBody>
+      </p:sp>
+      <p:sp>
+        <p:nvSpPr>
+          <p:cNvPr id="17" name="Rectangle 16">
+            <a:extLst>
+              <a:ext uri="{FF2B5EF4-FFF2-40B4-BE49-F238E27FC236}">
+                <a16:creationId xmlns:a16="http://schemas.microsoft.com/office/drawing/2014/main" id="{8E892F89-443B-40D7-A74D-F01386D033A2}"/>
+              </a:ext>
+            </a:extLst>
+          </p:cNvPr>
+          <p:cNvSpPr/>
+          <p:nvPr/>
+        </p:nvSpPr>
+        <p:spPr>
+          <a:xfrm>
+            <a:off x="4755079" y="3151049"/>
+            <a:ext cx="1462359" cy="509701"/>
+          </a:xfrm>
+          <a:prstGeom prst="rect">
+            <a:avLst/>
+          </a:prstGeom>
+          <a:solidFill>
+            <a:schemeClr val="accent4">
+              <a:lumMod val="50000"/>
+            </a:schemeClr>
+          </a:solidFill>
+          <a:ln>
+            <a:noFill/>
+          </a:ln>
+          <a:effectLst>
+            <a:glow rad="63500">
+              <a:schemeClr val="accent2">
+                <a:satMod val="175000"/>
+                <a:alpha val="40000"/>
+              </a:schemeClr>
+            </a:glow>
+          </a:effectLst>
+        </p:spPr>
+        <p:style>
+          <a:lnRef idx="2">
+            <a:schemeClr val="accent1">
+              <a:shade val="50000"/>
+            </a:schemeClr>
+          </a:lnRef>
+          <a:fillRef idx="1">
+            <a:schemeClr val="accent1"/>
+          </a:fillRef>
+          <a:effectRef idx="0">
+            <a:schemeClr val="accent1"/>
+          </a:effectRef>
+          <a:fontRef idx="minor">
+            <a:schemeClr val="lt1"/>
+          </a:fontRef>
+        </p:style>
+        <p:txBody>
+          <a:bodyPr rtlCol="0" anchor="ctr"/>
+          <a:lstStyle/>
+          <a:p>
+            <a:pPr algn="ctr"/>
+            <a:r>
+              <a:rPr lang="en-US" sz="1013" noProof="1">
+                <a:solidFill>
+                  <a:srgbClr val="FFFF00"/>
+                </a:solidFill>
+              </a:rPr>
+              <a:t>Catalog profile of </a:t>
+            </a:r>
+            <a:r>
+              <a:rPr lang="en-US" sz="1238" noProof="1">
+                <a:solidFill>
+                  <a:srgbClr val="FFFF00"/>
+                </a:solidFill>
+              </a:rPr>
+              <a:t>Composition</a:t>
+            </a:r>
+          </a:p>
+        </p:txBody>
+      </p:sp>
+      <p:cxnSp>
+        <p:nvCxnSpPr>
+          <p:cNvPr id="68" name="Connecteur : en angle 67">
+            <a:extLst>
+              <a:ext uri="{FF2B5EF4-FFF2-40B4-BE49-F238E27FC236}">
+                <a16:creationId xmlns:a16="http://schemas.microsoft.com/office/drawing/2014/main" id="{F35B3B54-B8F4-4344-A947-535ED333A7DE}"/>
+              </a:ext>
+            </a:extLst>
+          </p:cNvPr>
+          <p:cNvCxnSpPr>
+            <a:cxnSpLocks/>
+            <a:stCxn id="8" idx="0"/>
+            <a:endCxn id="17" idx="2"/>
+          </p:cNvCxnSpPr>
+          <p:nvPr/>
+        </p:nvCxnSpPr>
+        <p:spPr>
+          <a:xfrm rot="5400000" flipH="1" flipV="1">
+            <a:off x="4395145" y="3297173"/>
+            <a:ext cx="727536" cy="1454691"/>
+          </a:xfrm>
+          <a:prstGeom prst="bentConnector3">
+            <a:avLst>
+              <a:gd name="adj1" fmla="val 50000"/>
+            </a:avLst>
+          </a:prstGeom>
+          <a:ln w="19050">
+            <a:headEnd type="arrow" w="med" len="med"/>
+            <a:tailEnd type="none" w="med" len="med"/>
+          </a:ln>
+        </p:spPr>
+        <p:style>
+          <a:lnRef idx="1">
+            <a:schemeClr val="accent1"/>
+          </a:lnRef>
+          <a:fillRef idx="0">
+            <a:schemeClr val="accent1"/>
+          </a:fillRef>
+          <a:effectRef idx="0">
+            <a:schemeClr val="accent1"/>
+          </a:effectRef>
+          <a:fontRef idx="minor">
+            <a:schemeClr val="tx1"/>
+          </a:fontRef>
+        </p:style>
+      </p:cxnSp>
+      <p:sp>
+        <p:nvSpPr>
+          <p:cNvPr id="22" name="ZoneTexte 21">
+            <a:extLst>
+              <a:ext uri="{FF2B5EF4-FFF2-40B4-BE49-F238E27FC236}">
+                <a16:creationId xmlns:a16="http://schemas.microsoft.com/office/drawing/2014/main" id="{D033C511-26B7-4EFB-862E-38448F70A80C}"/>
+              </a:ext>
+            </a:extLst>
+          </p:cNvPr>
+          <p:cNvSpPr txBox="1"/>
+          <p:nvPr/>
+        </p:nvSpPr>
+        <p:spPr>
+          <a:xfrm>
+            <a:off x="4007217" y="4081898"/>
+            <a:ext cx="482541" cy="230832"/>
+          </a:xfrm>
+          <a:prstGeom prst="rect">
+            <a:avLst/>
+          </a:prstGeom>
+          <a:noFill/>
+        </p:spPr>
+        <p:txBody>
+          <a:bodyPr wrap="square" rtlCol="0">
+            <a:spAutoFit/>
+          </a:bodyPr>
+          <a:lstStyle/>
+          <a:p>
+            <a:r>
+              <a:rPr lang="en-US" sz="900" noProof="1"/>
+              <a:t>0..*</a:t>
+            </a:r>
+          </a:p>
+        </p:txBody>
+      </p:sp>
+      <p:sp>
+        <p:nvSpPr>
+          <p:cNvPr id="85" name="ZoneTexte 84">
+            <a:extLst>
+              <a:ext uri="{FF2B5EF4-FFF2-40B4-BE49-F238E27FC236}">
+                <a16:creationId xmlns:a16="http://schemas.microsoft.com/office/drawing/2014/main" id="{0BD4B109-DE85-4241-9CC1-5A4F8481FBCC}"/>
+              </a:ext>
+            </a:extLst>
+          </p:cNvPr>
+          <p:cNvSpPr txBox="1"/>
+          <p:nvPr/>
+        </p:nvSpPr>
+        <p:spPr>
+          <a:xfrm>
+            <a:off x="3783040" y="3047981"/>
+            <a:ext cx="916148" cy="715837"/>
+          </a:xfrm>
+          <a:prstGeom prst="rect">
+            <a:avLst/>
+          </a:prstGeom>
+          <a:noFill/>
+        </p:spPr>
+        <p:txBody>
+          <a:bodyPr wrap="square" rtlCol="0">
+            <a:spAutoFit/>
+          </a:bodyPr>
+          <a:lstStyle/>
+          <a:p>
+            <a:pPr algn="r"/>
+            <a:r>
+              <a:rPr lang="en-US" sz="1013" i="1" noProof="1"/>
+              <a:t>a laboratory compendium handled with method 1</a:t>
+            </a:r>
+          </a:p>
+        </p:txBody>
+      </p:sp>
+      <p:sp>
+        <p:nvSpPr>
+          <p:cNvPr id="11" name="Rectangle 10">
+            <a:extLst>
+              <a:ext uri="{FF2B5EF4-FFF2-40B4-BE49-F238E27FC236}">
+                <a16:creationId xmlns:a16="http://schemas.microsoft.com/office/drawing/2014/main" id="{E2B1908B-CC45-41BD-BE20-7F25C0BD8D17}"/>
+              </a:ext>
+            </a:extLst>
+          </p:cNvPr>
+          <p:cNvSpPr/>
+          <p:nvPr/>
+        </p:nvSpPr>
+        <p:spPr>
+          <a:xfrm>
+            <a:off x="2791055" y="4385078"/>
+            <a:ext cx="1348446" cy="633118"/>
           </a:xfrm>
           <a:prstGeom prst="rect">
             <a:avLst/>
@@ -4508,7 +5851,7 @@
             <a:noFill/>
           </a:ln>
           <a:effectLst>
-            <a:glow rad="139700">
+            <a:glow rad="63500">
               <a:schemeClr val="accent1">
                 <a:satMod val="175000"/>
                 <a:alpha val="40000"/>
@@ -4538,131 +5881,33 @@
           <a:p>
             <a:pPr algn="ctr"/>
             <a:r>
-              <a:rPr lang="en-US" noProof="1">
+              <a:rPr lang="en-US" sz="1013" noProof="1">
                 <a:solidFill>
                   <a:srgbClr val="FFFF00"/>
                 </a:solidFill>
               </a:rPr>
-              <a:t>LabObservationDefinition</a:t>
+              <a:t>LabServiceDefinition</a:t>
             </a:r>
           </a:p>
           <a:p>
             <a:pPr algn="ctr"/>
             <a:r>
-              <a:rPr lang="en-US" noProof="1">
-                <a:solidFill>
-                  <a:schemeClr val="bg1"/>
-                </a:solidFill>
-              </a:rPr>
-              <a:t>Profile of </a:t>
-            </a:r>
-            <a:r>
-              <a:rPr lang="en-US" sz="2200" noProof="1">
+              <a:rPr lang="en-US" sz="1013" noProof="1">
                 <a:solidFill>
                   <a:srgbClr val="FFFF00"/>
                 </a:solidFill>
               </a:rPr>
-              <a:t>ObservationDefinition</a:t>
-            </a:r>
-          </a:p>
-        </p:txBody>
-      </p:sp>
-      <p:cxnSp>
-        <p:nvCxnSpPr>
-          <p:cNvPr id="57" name="Connecteur : en angle 56">
-            <a:extLst>
-              <a:ext uri="{FF2B5EF4-FFF2-40B4-BE49-F238E27FC236}">
-                <a16:creationId xmlns:a16="http://schemas.microsoft.com/office/drawing/2014/main" id="{15990ED7-D7B7-4EEE-A20B-C21EC57541DC}"/>
-              </a:ext>
-            </a:extLst>
-          </p:cNvPr>
-          <p:cNvCxnSpPr>
-            <a:cxnSpLocks/>
-            <a:stCxn id="13" idx="1"/>
-            <a:endCxn id="56" idx="3"/>
-          </p:cNvCxnSpPr>
-          <p:nvPr/>
-        </p:nvCxnSpPr>
-        <p:spPr>
-          <a:xfrm rot="10800000" flipV="1">
-            <a:off x="3888716" y="2201928"/>
-            <a:ext cx="2283894" cy="912318"/>
-          </a:xfrm>
-          <a:prstGeom prst="bentConnector3">
-            <a:avLst>
-              <a:gd name="adj1" fmla="val 50000"/>
-            </a:avLst>
-          </a:prstGeom>
-          <a:ln w="19050">
-            <a:headEnd type="none" w="med" len="med"/>
-            <a:tailEnd type="arrow" w="med" len="med"/>
-          </a:ln>
-        </p:spPr>
-        <p:style>
-          <a:lnRef idx="1">
-            <a:schemeClr val="accent1"/>
-          </a:lnRef>
-          <a:fillRef idx="0">
-            <a:schemeClr val="accent1"/>
-          </a:fillRef>
-          <a:effectRef idx="0">
-            <a:schemeClr val="accent1"/>
-          </a:effectRef>
-          <a:fontRef idx="minor">
-            <a:schemeClr val="tx1"/>
-          </a:fontRef>
-        </p:style>
-      </p:cxnSp>
-      <p:cxnSp>
-        <p:nvCxnSpPr>
-          <p:cNvPr id="63" name="Connecteur : en angle 62">
-            <a:extLst>
-              <a:ext uri="{FF2B5EF4-FFF2-40B4-BE49-F238E27FC236}">
-                <a16:creationId xmlns:a16="http://schemas.microsoft.com/office/drawing/2014/main" id="{52F29C62-3816-4A94-93C8-4E3BA5AF99AA}"/>
-              </a:ext>
-            </a:extLst>
-          </p:cNvPr>
-          <p:cNvCxnSpPr>
-            <a:cxnSpLocks/>
-            <a:stCxn id="46" idx="3"/>
-            <a:endCxn id="55" idx="0"/>
-          </p:cNvCxnSpPr>
-          <p:nvPr/>
-        </p:nvCxnSpPr>
-        <p:spPr>
-          <a:xfrm>
-            <a:off x="8496167" y="3852244"/>
-            <a:ext cx="786232" cy="839218"/>
-          </a:xfrm>
-          <a:prstGeom prst="bentConnector2">
-            <a:avLst/>
-          </a:prstGeom>
-          <a:ln w="19050">
-            <a:headEnd type="none" w="med" len="med"/>
-            <a:tailEnd type="arrow" w="med" len="med"/>
-          </a:ln>
-        </p:spPr>
-        <p:style>
-          <a:lnRef idx="1">
-            <a:schemeClr val="accent1"/>
-          </a:lnRef>
-          <a:fillRef idx="0">
-            <a:schemeClr val="accent1"/>
-          </a:fillRef>
-          <a:effectRef idx="0">
-            <a:schemeClr val="accent1"/>
-          </a:effectRef>
-          <a:fontRef idx="minor">
-            <a:schemeClr val="tx1"/>
-          </a:fontRef>
-        </p:style>
-      </p:cxnSp>
-      <p:sp>
-        <p:nvSpPr>
-          <p:cNvPr id="70" name="ZoneTexte 69">
-            <a:extLst>
-              <a:ext uri="{FF2B5EF4-FFF2-40B4-BE49-F238E27FC236}">
-                <a16:creationId xmlns:a16="http://schemas.microsoft.com/office/drawing/2014/main" id="{32AC0154-36F6-4FA3-B245-FE044FA1CE68}"/>
+              <a:t>Profile of PlanDefinition</a:t>
+            </a:r>
+          </a:p>
+        </p:txBody>
+      </p:sp>
+      <p:sp>
+        <p:nvSpPr>
+          <p:cNvPr id="89" name="ZoneTexte 88">
+            <a:extLst>
+              <a:ext uri="{FF2B5EF4-FFF2-40B4-BE49-F238E27FC236}">
+                <a16:creationId xmlns:a16="http://schemas.microsoft.com/office/drawing/2014/main" id="{D95BA6C8-B591-4019-AA5D-9E0BB0A16F09}"/>
               </a:ext>
             </a:extLst>
           </p:cNvPr>
@@ -4671,8 +5916,8 @@
         </p:nvSpPr>
         <p:spPr>
           <a:xfrm>
-            <a:off x="4269417" y="1907127"/>
-            <a:ext cx="1987886" cy="338554"/>
+            <a:off x="4516373" y="3824991"/>
+            <a:ext cx="1069781" cy="230832"/>
           </a:xfrm>
           <a:prstGeom prst="rect">
             <a:avLst/>
@@ -4686,25 +5931,22 @@
           <a:lstStyle/>
           <a:p>
             <a:r>
-              <a:rPr lang="en-US" sz="1600" noProof="1">
+              <a:rPr lang="en-US" sz="900" noProof="1">
                 <a:solidFill>
-                  <a:schemeClr val="tx1">
-                    <a:lumMod val="50000"/>
-                    <a:lumOff val="50000"/>
-                  </a:schemeClr>
+                  <a:srgbClr val="0070C0"/>
                 </a:solidFill>
               </a:rPr>
-              <a:t>specimenRequested</a:t>
-            </a:r>
-          </a:p>
-        </p:txBody>
-      </p:sp>
-      <p:sp>
-        <p:nvSpPr>
-          <p:cNvPr id="71" name="ZoneTexte 70">
-            <a:extLst>
-              <a:ext uri="{FF2B5EF4-FFF2-40B4-BE49-F238E27FC236}">
-                <a16:creationId xmlns:a16="http://schemas.microsoft.com/office/drawing/2014/main" id="{98BEC931-6B82-43BE-8606-752AC314803E}"/>
+              <a:t>section.entry</a:t>
+            </a:r>
+          </a:p>
+        </p:txBody>
+      </p:sp>
+      <p:sp>
+        <p:nvSpPr>
+          <p:cNvPr id="99" name="ZoneTexte 98">
+            <a:extLst>
+              <a:ext uri="{FF2B5EF4-FFF2-40B4-BE49-F238E27FC236}">
+                <a16:creationId xmlns:a16="http://schemas.microsoft.com/office/drawing/2014/main" id="{39B54943-D76F-499F-A971-FC19CAEDE81A}"/>
               </a:ext>
             </a:extLst>
           </p:cNvPr>
@@ -4713,233 +5955,8 @@
         </p:nvSpPr>
         <p:spPr>
           <a:xfrm>
-            <a:off x="3933673" y="3078451"/>
-            <a:ext cx="607145" cy="338554"/>
-          </a:xfrm>
-          <a:prstGeom prst="rect">
-            <a:avLst/>
-          </a:prstGeom>
-          <a:noFill/>
-        </p:spPr>
-        <p:txBody>
-          <a:bodyPr wrap="square" rtlCol="0">
-            <a:spAutoFit/>
-          </a:bodyPr>
-          <a:lstStyle/>
-          <a:p>
-            <a:r>
-              <a:rPr lang="en-US" sz="1600" noProof="1"/>
-              <a:t>0..*</a:t>
-            </a:r>
-          </a:p>
-        </p:txBody>
-      </p:sp>
-      <p:sp>
-        <p:nvSpPr>
-          <p:cNvPr id="72" name="ZoneTexte 71">
-            <a:extLst>
-              <a:ext uri="{FF2B5EF4-FFF2-40B4-BE49-F238E27FC236}">
-                <a16:creationId xmlns:a16="http://schemas.microsoft.com/office/drawing/2014/main" id="{A9309530-9C72-431E-AF17-F95DB70E7D31}"/>
-              </a:ext>
-            </a:extLst>
-          </p:cNvPr>
-          <p:cNvSpPr txBox="1"/>
-          <p:nvPr/>
-        </p:nvSpPr>
-        <p:spPr>
-          <a:xfrm>
-            <a:off x="2942894" y="3775095"/>
-            <a:ext cx="2339634" cy="338554"/>
-          </a:xfrm>
-          <a:prstGeom prst="rect">
-            <a:avLst/>
-          </a:prstGeom>
-          <a:noFill/>
-        </p:spPr>
-        <p:txBody>
-          <a:bodyPr wrap="square" rtlCol="0">
-            <a:spAutoFit/>
-          </a:bodyPr>
-          <a:lstStyle/>
-          <a:p>
-            <a:r>
-              <a:rPr lang="en-US" sz="1600" noProof="1">
-                <a:solidFill>
-                  <a:schemeClr val="tx1">
-                    <a:lumMod val="50000"/>
-                    <a:lumOff val="50000"/>
-                  </a:schemeClr>
-                </a:solidFill>
-              </a:rPr>
-              <a:t>observationRequirement</a:t>
-            </a:r>
-          </a:p>
-        </p:txBody>
-      </p:sp>
-      <p:sp>
-        <p:nvSpPr>
-          <p:cNvPr id="73" name="ZoneTexte 72">
-            <a:extLst>
-              <a:ext uri="{FF2B5EF4-FFF2-40B4-BE49-F238E27FC236}">
-                <a16:creationId xmlns:a16="http://schemas.microsoft.com/office/drawing/2014/main" id="{EB4220E8-E8FB-4F6B-8617-DD85238222A6}"/>
-              </a:ext>
-            </a:extLst>
-          </p:cNvPr>
-          <p:cNvSpPr txBox="1"/>
-          <p:nvPr/>
-        </p:nvSpPr>
-        <p:spPr>
-          <a:xfrm>
-            <a:off x="4765267" y="4301338"/>
-            <a:ext cx="607145" cy="338554"/>
-          </a:xfrm>
-          <a:prstGeom prst="rect">
-            <a:avLst/>
-          </a:prstGeom>
-          <a:noFill/>
-        </p:spPr>
-        <p:txBody>
-          <a:bodyPr wrap="square" rtlCol="0">
-            <a:spAutoFit/>
-          </a:bodyPr>
-          <a:lstStyle/>
-          <a:p>
-            <a:r>
-              <a:rPr lang="en-US" sz="1600" noProof="1"/>
-              <a:t>0..*</a:t>
-            </a:r>
-          </a:p>
-        </p:txBody>
-      </p:sp>
-      <p:sp>
-        <p:nvSpPr>
-          <p:cNvPr id="74" name="ZoneTexte 73">
-            <a:extLst>
-              <a:ext uri="{FF2B5EF4-FFF2-40B4-BE49-F238E27FC236}">
-                <a16:creationId xmlns:a16="http://schemas.microsoft.com/office/drawing/2014/main" id="{0DE7D4C7-570D-4738-83D2-78C610CF8DB2}"/>
-              </a:ext>
-            </a:extLst>
-          </p:cNvPr>
-          <p:cNvSpPr txBox="1"/>
-          <p:nvPr/>
-        </p:nvSpPr>
-        <p:spPr>
-          <a:xfrm>
-            <a:off x="8815230" y="4302799"/>
-            <a:ext cx="607145" cy="338554"/>
-          </a:xfrm>
-          <a:prstGeom prst="rect">
-            <a:avLst/>
-          </a:prstGeom>
-          <a:noFill/>
-        </p:spPr>
-        <p:txBody>
-          <a:bodyPr wrap="square" rtlCol="0">
-            <a:spAutoFit/>
-          </a:bodyPr>
-          <a:lstStyle/>
-          <a:p>
-            <a:r>
-              <a:rPr lang="en-US" sz="1600" noProof="1"/>
-              <a:t>0..*</a:t>
-            </a:r>
-          </a:p>
-        </p:txBody>
-      </p:sp>
-      <p:sp>
-        <p:nvSpPr>
-          <p:cNvPr id="75" name="ZoneTexte 74">
-            <a:extLst>
-              <a:ext uri="{FF2B5EF4-FFF2-40B4-BE49-F238E27FC236}">
-                <a16:creationId xmlns:a16="http://schemas.microsoft.com/office/drawing/2014/main" id="{2EFF53CD-4ECD-44EE-9F56-5713E9D8A8F4}"/>
-              </a:ext>
-            </a:extLst>
-          </p:cNvPr>
-          <p:cNvSpPr txBox="1"/>
-          <p:nvPr/>
-        </p:nvSpPr>
-        <p:spPr>
-          <a:xfrm>
-            <a:off x="9282399" y="3753078"/>
-            <a:ext cx="2826490" cy="338554"/>
-          </a:xfrm>
-          <a:prstGeom prst="rect">
-            <a:avLst/>
-          </a:prstGeom>
-          <a:noFill/>
-        </p:spPr>
-        <p:txBody>
-          <a:bodyPr wrap="square" rtlCol="0">
-            <a:spAutoFit/>
-          </a:bodyPr>
-          <a:lstStyle/>
-          <a:p>
-            <a:r>
-              <a:rPr lang="en-US" sz="1600" noProof="1">
-                <a:solidFill>
-                  <a:schemeClr val="tx1">
-                    <a:lumMod val="50000"/>
-                    <a:lumOff val="50000"/>
-                  </a:schemeClr>
-                </a:solidFill>
-              </a:rPr>
-              <a:t>observationResultRequirement</a:t>
-            </a:r>
-          </a:p>
-        </p:txBody>
-      </p:sp>
-      <p:sp>
-        <p:nvSpPr>
-          <p:cNvPr id="2" name="ZoneTexte 1">
-            <a:extLst>
-              <a:ext uri="{FF2B5EF4-FFF2-40B4-BE49-F238E27FC236}">
-                <a16:creationId xmlns:a16="http://schemas.microsoft.com/office/drawing/2014/main" id="{14C66D9E-6541-4236-87A7-C6FE9DAC58A9}"/>
-              </a:ext>
-            </a:extLst>
-          </p:cNvPr>
-          <p:cNvSpPr txBox="1"/>
-          <p:nvPr/>
-        </p:nvSpPr>
-        <p:spPr>
-          <a:xfrm>
-            <a:off x="-87459" y="231960"/>
-            <a:ext cx="1411253" cy="646331"/>
-          </a:xfrm>
-          <a:prstGeom prst="rect">
-            <a:avLst/>
-          </a:prstGeom>
-          <a:noFill/>
-        </p:spPr>
-        <p:txBody>
-          <a:bodyPr wrap="square" rtlCol="0">
-            <a:spAutoFit/>
-          </a:bodyPr>
-          <a:lstStyle/>
-          <a:p>
-            <a:pPr algn="r"/>
-            <a:r>
-              <a:rPr lang="en-US" i="1" noProof="1"/>
-              <a:t>a laboratory compendium</a:t>
-            </a:r>
-          </a:p>
-        </p:txBody>
-      </p:sp>
-      <p:sp>
-        <p:nvSpPr>
-          <p:cNvPr id="4" name="ZoneTexte 3">
-            <a:extLst>
-              <a:ext uri="{FF2B5EF4-FFF2-40B4-BE49-F238E27FC236}">
-                <a16:creationId xmlns:a16="http://schemas.microsoft.com/office/drawing/2014/main" id="{5B6C8461-F70B-415E-81E3-8C60209C46E4}"/>
-              </a:ext>
-            </a:extLst>
-          </p:cNvPr>
-          <p:cNvSpPr txBox="1"/>
-          <p:nvPr/>
-        </p:nvSpPr>
-        <p:spPr>
-          <a:xfrm>
-            <a:off x="6056510" y="906203"/>
-            <a:ext cx="5830689" cy="369332"/>
+            <a:off x="1683997" y="7860036"/>
+            <a:ext cx="1185345" cy="248209"/>
           </a:xfrm>
           <a:prstGeom prst="rect">
             <a:avLst/>
@@ -4966,23 +5983,296 @@
             </a:lvl1pPr>
           </a:lstStyle>
           <a:p>
-            <a:r>
-              <a:rPr lang="en-US" i="1" noProof="1">
+            <a:pPr algn="ctr"/>
+            <a:r>
+              <a:rPr lang="en-US" sz="1013" i="1" noProof="1">
                 <a:solidFill>
-                  <a:schemeClr val="tx1"/>
+                  <a:srgbClr val="0070C0"/>
                 </a:solidFill>
               </a:rPr>
-              <a:t>a laboratory service exposed to the consumers of the catalog</a:t>
-            </a:r>
-          </a:p>
-        </p:txBody>
-      </p:sp>
-      <p:sp>
-        <p:nvSpPr>
-          <p:cNvPr id="5" name="ZoneTexte 4">
-            <a:extLst>
-              <a:ext uri="{FF2B5EF4-FFF2-40B4-BE49-F238E27FC236}">
-                <a16:creationId xmlns:a16="http://schemas.microsoft.com/office/drawing/2014/main" id="{0BEB468F-E1B9-4178-88A1-7D05D12F5B2A}"/>
+              <a:t>validCodedValues</a:t>
+            </a:r>
+          </a:p>
+        </p:txBody>
+      </p:sp>
+      <p:sp>
+        <p:nvSpPr>
+          <p:cNvPr id="108" name="Rectangle 107">
+            <a:extLst>
+              <a:ext uri="{FF2B5EF4-FFF2-40B4-BE49-F238E27FC236}">
+                <a16:creationId xmlns:a16="http://schemas.microsoft.com/office/drawing/2014/main" id="{502FA96B-3E71-425D-8D0E-24622537CD45}"/>
+              </a:ext>
+            </a:extLst>
+          </p:cNvPr>
+          <p:cNvSpPr/>
+          <p:nvPr/>
+        </p:nvSpPr>
+        <p:spPr>
+          <a:xfrm>
+            <a:off x="2831352" y="7984133"/>
+            <a:ext cx="236286" cy="177840"/>
+          </a:xfrm>
+          <a:prstGeom prst="rect">
+            <a:avLst/>
+          </a:prstGeom>
+        </p:spPr>
+        <p:style>
+          <a:lnRef idx="2">
+            <a:schemeClr val="accent1">
+              <a:shade val="50000"/>
+            </a:schemeClr>
+          </a:lnRef>
+          <a:fillRef idx="1">
+            <a:schemeClr val="accent1"/>
+          </a:fillRef>
+          <a:effectRef idx="0">
+            <a:schemeClr val="accent1"/>
+          </a:effectRef>
+          <a:fontRef idx="minor">
+            <a:schemeClr val="lt1"/>
+          </a:fontRef>
+        </p:style>
+        <p:txBody>
+          <a:bodyPr rtlCol="0" anchor="ctr"/>
+          <a:lstStyle/>
+          <a:p>
+            <a:pPr algn="ctr"/>
+            <a:endParaRPr lang="fr-FR"/>
+          </a:p>
+        </p:txBody>
+      </p:sp>
+      <p:sp>
+        <p:nvSpPr>
+          <p:cNvPr id="110" name="Rectangle 109">
+            <a:extLst>
+              <a:ext uri="{FF2B5EF4-FFF2-40B4-BE49-F238E27FC236}">
+                <a16:creationId xmlns:a16="http://schemas.microsoft.com/office/drawing/2014/main" id="{AD5D85BD-FD41-4027-913A-011AB899F30D}"/>
+              </a:ext>
+            </a:extLst>
+          </p:cNvPr>
+          <p:cNvSpPr/>
+          <p:nvPr/>
+        </p:nvSpPr>
+        <p:spPr>
+          <a:xfrm>
+            <a:off x="3883858" y="7988497"/>
+            <a:ext cx="236286" cy="177840"/>
+          </a:xfrm>
+          <a:prstGeom prst="rect">
+            <a:avLst/>
+          </a:prstGeom>
+        </p:spPr>
+        <p:style>
+          <a:lnRef idx="2">
+            <a:schemeClr val="accent1">
+              <a:shade val="50000"/>
+            </a:schemeClr>
+          </a:lnRef>
+          <a:fillRef idx="1">
+            <a:schemeClr val="accent1"/>
+          </a:fillRef>
+          <a:effectRef idx="0">
+            <a:schemeClr val="accent1"/>
+          </a:effectRef>
+          <a:fontRef idx="minor">
+            <a:schemeClr val="lt1"/>
+          </a:fontRef>
+        </p:style>
+        <p:txBody>
+          <a:bodyPr rtlCol="0" anchor="ctr"/>
+          <a:lstStyle/>
+          <a:p>
+            <a:pPr algn="ctr"/>
+            <a:endParaRPr lang="fr-FR"/>
+          </a:p>
+        </p:txBody>
+      </p:sp>
+      <p:sp>
+        <p:nvSpPr>
+          <p:cNvPr id="112" name="Rectangle 111">
+            <a:extLst>
+              <a:ext uri="{FF2B5EF4-FFF2-40B4-BE49-F238E27FC236}">
+                <a16:creationId xmlns:a16="http://schemas.microsoft.com/office/drawing/2014/main" id="{24DA4DE1-4F79-4D4B-96C5-7BF73AB4A98C}"/>
+              </a:ext>
+            </a:extLst>
+          </p:cNvPr>
+          <p:cNvSpPr/>
+          <p:nvPr/>
+        </p:nvSpPr>
+        <p:spPr>
+          <a:xfrm>
+            <a:off x="1645118" y="7582366"/>
+            <a:ext cx="236286" cy="177840"/>
+          </a:xfrm>
+          <a:prstGeom prst="rect">
+            <a:avLst/>
+          </a:prstGeom>
+        </p:spPr>
+        <p:style>
+          <a:lnRef idx="2">
+            <a:schemeClr val="accent1">
+              <a:shade val="50000"/>
+            </a:schemeClr>
+          </a:lnRef>
+          <a:fillRef idx="1">
+            <a:schemeClr val="accent1"/>
+          </a:fillRef>
+          <a:effectRef idx="0">
+            <a:schemeClr val="accent1"/>
+          </a:effectRef>
+          <a:fontRef idx="minor">
+            <a:schemeClr val="lt1"/>
+          </a:fontRef>
+        </p:style>
+        <p:txBody>
+          <a:bodyPr rtlCol="0" anchor="ctr"/>
+          <a:lstStyle/>
+          <a:p>
+            <a:pPr algn="ctr"/>
+            <a:endParaRPr lang="fr-FR"/>
+          </a:p>
+        </p:txBody>
+      </p:sp>
+      <p:sp>
+        <p:nvSpPr>
+          <p:cNvPr id="114" name="Rectangle 113">
+            <a:extLst>
+              <a:ext uri="{FF2B5EF4-FFF2-40B4-BE49-F238E27FC236}">
+                <a16:creationId xmlns:a16="http://schemas.microsoft.com/office/drawing/2014/main" id="{A231889C-35B3-4094-8DD2-916E2FC1806B}"/>
+              </a:ext>
+            </a:extLst>
+          </p:cNvPr>
+          <p:cNvSpPr/>
+          <p:nvPr/>
+        </p:nvSpPr>
+        <p:spPr>
+          <a:xfrm>
+            <a:off x="5166772" y="7582366"/>
+            <a:ext cx="236286" cy="177840"/>
+          </a:xfrm>
+          <a:prstGeom prst="rect">
+            <a:avLst/>
+          </a:prstGeom>
+        </p:spPr>
+        <p:style>
+          <a:lnRef idx="2">
+            <a:schemeClr val="accent1">
+              <a:shade val="50000"/>
+            </a:schemeClr>
+          </a:lnRef>
+          <a:fillRef idx="1">
+            <a:schemeClr val="accent1"/>
+          </a:fillRef>
+          <a:effectRef idx="0">
+            <a:schemeClr val="accent1"/>
+          </a:effectRef>
+          <a:fontRef idx="minor">
+            <a:schemeClr val="lt1"/>
+          </a:fontRef>
+        </p:style>
+        <p:txBody>
+          <a:bodyPr rtlCol="0" anchor="ctr"/>
+          <a:lstStyle/>
+          <a:p>
+            <a:pPr algn="ctr"/>
+            <a:endParaRPr lang="fr-FR"/>
+          </a:p>
+        </p:txBody>
+      </p:sp>
+      <p:cxnSp>
+        <p:nvCxnSpPr>
+          <p:cNvPr id="115" name="Connecteur : en angle 114">
+            <a:extLst>
+              <a:ext uri="{FF2B5EF4-FFF2-40B4-BE49-F238E27FC236}">
+                <a16:creationId xmlns:a16="http://schemas.microsoft.com/office/drawing/2014/main" id="{2B3CC5D4-DA7A-41BD-98CA-4725E253CDAC}"/>
+              </a:ext>
+            </a:extLst>
+          </p:cNvPr>
+          <p:cNvCxnSpPr>
+            <a:cxnSpLocks/>
+            <a:stCxn id="112" idx="2"/>
+            <a:endCxn id="108" idx="1"/>
+          </p:cNvCxnSpPr>
+          <p:nvPr/>
+        </p:nvCxnSpPr>
+        <p:spPr>
+          <a:xfrm rot="16200000" flipH="1">
+            <a:off x="2140883" y="7382583"/>
+            <a:ext cx="312847" cy="1068091"/>
+          </a:xfrm>
+          <a:prstGeom prst="bentConnector2">
+            <a:avLst/>
+          </a:prstGeom>
+          <a:ln w="19050">
+            <a:headEnd type="none" w="med" len="med"/>
+            <a:tailEnd type="arrow" w="med" len="med"/>
+          </a:ln>
+        </p:spPr>
+        <p:style>
+          <a:lnRef idx="1">
+            <a:schemeClr val="accent1"/>
+          </a:lnRef>
+          <a:fillRef idx="0">
+            <a:schemeClr val="accent1"/>
+          </a:fillRef>
+          <a:effectRef idx="0">
+            <a:schemeClr val="accent1"/>
+          </a:effectRef>
+          <a:fontRef idx="minor">
+            <a:schemeClr val="tx1"/>
+          </a:fontRef>
+        </p:style>
+      </p:cxnSp>
+      <p:cxnSp>
+        <p:nvCxnSpPr>
+          <p:cNvPr id="118" name="Connecteur : en angle 117">
+            <a:extLst>
+              <a:ext uri="{FF2B5EF4-FFF2-40B4-BE49-F238E27FC236}">
+                <a16:creationId xmlns:a16="http://schemas.microsoft.com/office/drawing/2014/main" id="{A5313EFA-93AC-42D4-9CD6-BD911C196ECC}"/>
+              </a:ext>
+            </a:extLst>
+          </p:cNvPr>
+          <p:cNvCxnSpPr>
+            <a:cxnSpLocks/>
+            <a:stCxn id="114" idx="2"/>
+            <a:endCxn id="110" idx="3"/>
+          </p:cNvCxnSpPr>
+          <p:nvPr/>
+        </p:nvCxnSpPr>
+        <p:spPr>
+          <a:xfrm rot="5400000">
+            <a:off x="4543925" y="7336426"/>
+            <a:ext cx="317211" cy="1164771"/>
+          </a:xfrm>
+          <a:prstGeom prst="bentConnector2">
+            <a:avLst/>
+          </a:prstGeom>
+          <a:ln w="19050">
+            <a:headEnd type="none" w="med" len="med"/>
+            <a:tailEnd type="arrow" w="med" len="med"/>
+          </a:ln>
+        </p:spPr>
+        <p:style>
+          <a:lnRef idx="1">
+            <a:schemeClr val="accent1"/>
+          </a:lnRef>
+          <a:fillRef idx="0">
+            <a:schemeClr val="accent1"/>
+          </a:fillRef>
+          <a:effectRef idx="0">
+            <a:schemeClr val="accent1"/>
+          </a:effectRef>
+          <a:fontRef idx="minor">
+            <a:schemeClr val="tx1"/>
+          </a:fontRef>
+        </p:style>
+      </p:cxnSp>
+      <p:sp>
+        <p:nvSpPr>
+          <p:cNvPr id="124" name="ZoneTexte 123">
+            <a:extLst>
+              <a:ext uri="{FF2B5EF4-FFF2-40B4-BE49-F238E27FC236}">
+                <a16:creationId xmlns:a16="http://schemas.microsoft.com/office/drawing/2014/main" id="{5327D6F5-B4E3-4A74-850C-2A262E61A1D9}"/>
               </a:ext>
             </a:extLst>
           </p:cNvPr>
@@ -4991,8 +6281,8 @@
         </p:nvSpPr>
         <p:spPr>
           <a:xfrm>
-            <a:off x="7275472" y="3006700"/>
-            <a:ext cx="4928219" cy="369332"/>
+            <a:off x="1371905" y="8107268"/>
+            <a:ext cx="1317677" cy="248209"/>
           </a:xfrm>
           <a:prstGeom prst="rect">
             <a:avLst/>
@@ -5019,23 +6309,24 @@
             </a:lvl1pPr>
           </a:lstStyle>
           <a:p>
-            <a:r>
-              <a:rPr lang="en-US" i="1" noProof="1">
+            <a:pPr algn="ctr"/>
+            <a:r>
+              <a:rPr lang="en-US" sz="1013" i="1" noProof="1">
                 <a:solidFill>
-                  <a:schemeClr val="tx1"/>
+                  <a:srgbClr val="0070C0"/>
                 </a:solidFill>
               </a:rPr>
-              <a:t>a laboratory procedure operationalizing the service </a:t>
-            </a:r>
-          </a:p>
-        </p:txBody>
-      </p:sp>
-      <p:sp>
-        <p:nvSpPr>
-          <p:cNvPr id="32" name="ZoneTexte 31">
-            <a:extLst>
-              <a:ext uri="{FF2B5EF4-FFF2-40B4-BE49-F238E27FC236}">
-                <a16:creationId xmlns:a16="http://schemas.microsoft.com/office/drawing/2014/main" id="{12A68CC3-C8B9-4937-AF74-D3235493E42E}"/>
+              <a:t>normalCodedValues</a:t>
+            </a:r>
+          </a:p>
+        </p:txBody>
+      </p:sp>
+      <p:sp>
+        <p:nvSpPr>
+          <p:cNvPr id="126" name="ZoneTexte 125">
+            <a:extLst>
+              <a:ext uri="{FF2B5EF4-FFF2-40B4-BE49-F238E27FC236}">
+                <a16:creationId xmlns:a16="http://schemas.microsoft.com/office/drawing/2014/main" id="{F2C07A64-18D1-4AF0-BFF9-CF9F684A847B}"/>
               </a:ext>
             </a:extLst>
           </p:cNvPr>
@@ -5044,8 +6335,43 @@
         </p:nvSpPr>
         <p:spPr>
           <a:xfrm>
-            <a:off x="-47784" y="2630056"/>
-            <a:ext cx="1255065" cy="923330"/>
+            <a:off x="2478453" y="8291354"/>
+            <a:ext cx="469141" cy="230832"/>
+          </a:xfrm>
+          <a:prstGeom prst="rect">
+            <a:avLst/>
+          </a:prstGeom>
+          <a:noFill/>
+        </p:spPr>
+        <p:txBody>
+          <a:bodyPr wrap="square" rtlCol="0">
+            <a:spAutoFit/>
+          </a:bodyPr>
+          <a:lstStyle/>
+          <a:p>
+            <a:r>
+              <a:rPr lang="en-US" sz="900" noProof="1"/>
+              <a:t>0..1</a:t>
+            </a:r>
+          </a:p>
+        </p:txBody>
+      </p:sp>
+      <p:sp>
+        <p:nvSpPr>
+          <p:cNvPr id="128" name="ZoneTexte 127">
+            <a:extLst>
+              <a:ext uri="{FF2B5EF4-FFF2-40B4-BE49-F238E27FC236}">
+                <a16:creationId xmlns:a16="http://schemas.microsoft.com/office/drawing/2014/main" id="{AF3D57C7-E5E4-48BD-903B-46792C62653D}"/>
+              </a:ext>
+            </a:extLst>
+          </p:cNvPr>
+          <p:cNvSpPr txBox="1"/>
+          <p:nvPr/>
+        </p:nvSpPr>
+        <p:spPr>
+          <a:xfrm>
+            <a:off x="4292768" y="8101379"/>
+            <a:ext cx="1317677" cy="248209"/>
           </a:xfrm>
           <a:prstGeom prst="rect">
             <a:avLst/>
@@ -5072,24 +6398,24 @@
             </a:lvl1pPr>
           </a:lstStyle>
           <a:p>
-            <a:pPr algn="r"/>
-            <a:r>
-              <a:rPr lang="en-US" i="1" noProof="1">
+            <a:pPr algn="ctr"/>
+            <a:r>
+              <a:rPr lang="en-US" sz="1013" i="1" noProof="1">
                 <a:solidFill>
-                  <a:schemeClr val="tx1"/>
+                  <a:srgbClr val="0070C0"/>
                 </a:solidFill>
               </a:rPr>
-              <a:t>a specimen required by the service</a:t>
-            </a:r>
-          </a:p>
-        </p:txBody>
-      </p:sp>
-      <p:sp>
-        <p:nvSpPr>
-          <p:cNvPr id="33" name="ZoneTexte 32">
-            <a:extLst>
-              <a:ext uri="{FF2B5EF4-FFF2-40B4-BE49-F238E27FC236}">
-                <a16:creationId xmlns:a16="http://schemas.microsoft.com/office/drawing/2014/main" id="{0A105627-941F-444D-B556-9B067AA85A13}"/>
+              <a:t>normalCodedValues</a:t>
+            </a:r>
+          </a:p>
+        </p:txBody>
+      </p:sp>
+      <p:sp>
+        <p:nvSpPr>
+          <p:cNvPr id="130" name="ZoneTexte 129">
+            <a:extLst>
+              <a:ext uri="{FF2B5EF4-FFF2-40B4-BE49-F238E27FC236}">
+                <a16:creationId xmlns:a16="http://schemas.microsoft.com/office/drawing/2014/main" id="{37CFEA1E-B6EA-4DAA-97AF-570C563D302A}"/>
               </a:ext>
             </a:extLst>
           </p:cNvPr>
@@ -5098,8 +6424,43 @@
         </p:nvSpPr>
         <p:spPr>
           <a:xfrm>
-            <a:off x="2252873" y="4511241"/>
-            <a:ext cx="1506979" cy="1200329"/>
+            <a:off x="4137471" y="8277479"/>
+            <a:ext cx="469141" cy="230832"/>
+          </a:xfrm>
+          <a:prstGeom prst="rect">
+            <a:avLst/>
+          </a:prstGeom>
+          <a:noFill/>
+        </p:spPr>
+        <p:txBody>
+          <a:bodyPr wrap="square" rtlCol="0">
+            <a:spAutoFit/>
+          </a:bodyPr>
+          <a:lstStyle/>
+          <a:p>
+            <a:r>
+              <a:rPr lang="en-US" sz="900" noProof="1"/>
+              <a:t>0..1</a:t>
+            </a:r>
+          </a:p>
+        </p:txBody>
+      </p:sp>
+      <p:sp>
+        <p:nvSpPr>
+          <p:cNvPr id="136" name="ZoneTexte 135">
+            <a:extLst>
+              <a:ext uri="{FF2B5EF4-FFF2-40B4-BE49-F238E27FC236}">
+                <a16:creationId xmlns:a16="http://schemas.microsoft.com/office/drawing/2014/main" id="{65103AA8-6310-4F00-9E9C-634F519738F8}"/>
+              </a:ext>
+            </a:extLst>
+          </p:cNvPr>
+          <p:cNvSpPr txBox="1"/>
+          <p:nvPr/>
+        </p:nvSpPr>
+        <p:spPr>
+          <a:xfrm>
+            <a:off x="4178715" y="7867127"/>
+            <a:ext cx="1185345" cy="248209"/>
           </a:xfrm>
           <a:prstGeom prst="rect">
             <a:avLst/>
@@ -5126,24 +6487,528 @@
             </a:lvl1pPr>
           </a:lstStyle>
           <a:p>
-            <a:pPr algn="r"/>
-            <a:r>
-              <a:rPr lang="en-US" i="1" noProof="1">
+            <a:pPr algn="ctr"/>
+            <a:r>
+              <a:rPr lang="en-US" sz="1013" i="1" noProof="1">
                 <a:solidFill>
-                  <a:schemeClr val="tx1"/>
+                  <a:srgbClr val="0070C0"/>
                 </a:solidFill>
               </a:rPr>
-              <a:t>an input observation to the procedure</a:t>
-            </a:r>
-          </a:p>
-        </p:txBody>
-      </p:sp>
-      <p:sp>
-        <p:nvSpPr>
-          <p:cNvPr id="34" name="ZoneTexte 33">
-            <a:extLst>
-              <a:ext uri="{FF2B5EF4-FFF2-40B4-BE49-F238E27FC236}">
-                <a16:creationId xmlns:a16="http://schemas.microsoft.com/office/drawing/2014/main" id="{F26F3D45-53F9-4EC5-BA9D-39047742D144}"/>
+              <a:t>validCodedValues</a:t>
+            </a:r>
+          </a:p>
+        </p:txBody>
+      </p:sp>
+      <p:sp>
+        <p:nvSpPr>
+          <p:cNvPr id="141" name="Rectangle 140">
+            <a:extLst>
+              <a:ext uri="{FF2B5EF4-FFF2-40B4-BE49-F238E27FC236}">
+                <a16:creationId xmlns:a16="http://schemas.microsoft.com/office/drawing/2014/main" id="{41413CEA-62B8-4E49-A221-99DEBE481636}"/>
+              </a:ext>
+            </a:extLst>
+          </p:cNvPr>
+          <p:cNvSpPr/>
+          <p:nvPr/>
+        </p:nvSpPr>
+        <p:spPr>
+          <a:xfrm>
+            <a:off x="1334043" y="7582366"/>
+            <a:ext cx="236286" cy="177840"/>
+          </a:xfrm>
+          <a:prstGeom prst="rect">
+            <a:avLst/>
+          </a:prstGeom>
+        </p:spPr>
+        <p:style>
+          <a:lnRef idx="2">
+            <a:schemeClr val="accent1">
+              <a:shade val="50000"/>
+            </a:schemeClr>
+          </a:lnRef>
+          <a:fillRef idx="1">
+            <a:schemeClr val="accent1"/>
+          </a:fillRef>
+          <a:effectRef idx="0">
+            <a:schemeClr val="accent1"/>
+          </a:effectRef>
+          <a:fontRef idx="minor">
+            <a:schemeClr val="lt1"/>
+          </a:fontRef>
+        </p:style>
+        <p:txBody>
+          <a:bodyPr rtlCol="0" anchor="ctr"/>
+          <a:lstStyle/>
+          <a:p>
+            <a:pPr algn="ctr"/>
+            <a:endParaRPr lang="fr-FR"/>
+          </a:p>
+        </p:txBody>
+      </p:sp>
+      <p:sp>
+        <p:nvSpPr>
+          <p:cNvPr id="143" name="Rectangle 142">
+            <a:extLst>
+              <a:ext uri="{FF2B5EF4-FFF2-40B4-BE49-F238E27FC236}">
+                <a16:creationId xmlns:a16="http://schemas.microsoft.com/office/drawing/2014/main" id="{C9BF64C2-DB94-4DCD-B016-F21AF8EF339D}"/>
+              </a:ext>
+            </a:extLst>
+          </p:cNvPr>
+          <p:cNvSpPr/>
+          <p:nvPr/>
+        </p:nvSpPr>
+        <p:spPr>
+          <a:xfrm>
+            <a:off x="875330" y="7582366"/>
+            <a:ext cx="236286" cy="177840"/>
+          </a:xfrm>
+          <a:prstGeom prst="rect">
+            <a:avLst/>
+          </a:prstGeom>
+        </p:spPr>
+        <p:style>
+          <a:lnRef idx="2">
+            <a:schemeClr val="accent1">
+              <a:shade val="50000"/>
+            </a:schemeClr>
+          </a:lnRef>
+          <a:fillRef idx="1">
+            <a:schemeClr val="accent1"/>
+          </a:fillRef>
+          <a:effectRef idx="0">
+            <a:schemeClr val="accent1"/>
+          </a:effectRef>
+          <a:fontRef idx="minor">
+            <a:schemeClr val="lt1"/>
+          </a:fontRef>
+        </p:style>
+        <p:txBody>
+          <a:bodyPr rtlCol="0" anchor="ctr"/>
+          <a:lstStyle/>
+          <a:p>
+            <a:pPr algn="ctr"/>
+            <a:endParaRPr lang="fr-FR"/>
+          </a:p>
+        </p:txBody>
+      </p:sp>
+      <p:sp>
+        <p:nvSpPr>
+          <p:cNvPr id="145" name="Rectangle 144">
+            <a:extLst>
+              <a:ext uri="{FF2B5EF4-FFF2-40B4-BE49-F238E27FC236}">
+                <a16:creationId xmlns:a16="http://schemas.microsoft.com/office/drawing/2014/main" id="{4AFC6EBC-71E1-4022-8587-6BFE51F081BD}"/>
+              </a:ext>
+            </a:extLst>
+          </p:cNvPr>
+          <p:cNvSpPr/>
+          <p:nvPr/>
+        </p:nvSpPr>
+        <p:spPr>
+          <a:xfrm>
+            <a:off x="479191" y="7582366"/>
+            <a:ext cx="236286" cy="177840"/>
+          </a:xfrm>
+          <a:prstGeom prst="rect">
+            <a:avLst/>
+          </a:prstGeom>
+        </p:spPr>
+        <p:style>
+          <a:lnRef idx="2">
+            <a:schemeClr val="accent1">
+              <a:shade val="50000"/>
+            </a:schemeClr>
+          </a:lnRef>
+          <a:fillRef idx="1">
+            <a:schemeClr val="accent1"/>
+          </a:fillRef>
+          <a:effectRef idx="0">
+            <a:schemeClr val="accent1"/>
+          </a:effectRef>
+          <a:fontRef idx="minor">
+            <a:schemeClr val="lt1"/>
+          </a:fontRef>
+        </p:style>
+        <p:txBody>
+          <a:bodyPr rtlCol="0" anchor="ctr"/>
+          <a:lstStyle/>
+          <a:p>
+            <a:pPr algn="ctr"/>
+            <a:endParaRPr lang="fr-FR"/>
+          </a:p>
+        </p:txBody>
+      </p:sp>
+      <p:sp>
+        <p:nvSpPr>
+          <p:cNvPr id="147" name="Rectangle 146">
+            <a:extLst>
+              <a:ext uri="{FF2B5EF4-FFF2-40B4-BE49-F238E27FC236}">
+                <a16:creationId xmlns:a16="http://schemas.microsoft.com/office/drawing/2014/main" id="{6B474182-564D-404E-BFA8-AD6EBE7735F1}"/>
+              </a:ext>
+            </a:extLst>
+          </p:cNvPr>
+          <p:cNvSpPr/>
+          <p:nvPr/>
+        </p:nvSpPr>
+        <p:spPr>
+          <a:xfrm>
+            <a:off x="6304739" y="7582366"/>
+            <a:ext cx="236286" cy="177840"/>
+          </a:xfrm>
+          <a:prstGeom prst="rect">
+            <a:avLst/>
+          </a:prstGeom>
+        </p:spPr>
+        <p:style>
+          <a:lnRef idx="2">
+            <a:schemeClr val="accent1">
+              <a:shade val="50000"/>
+            </a:schemeClr>
+          </a:lnRef>
+          <a:fillRef idx="1">
+            <a:schemeClr val="accent1"/>
+          </a:fillRef>
+          <a:effectRef idx="0">
+            <a:schemeClr val="accent1"/>
+          </a:effectRef>
+          <a:fontRef idx="minor">
+            <a:schemeClr val="lt1"/>
+          </a:fontRef>
+        </p:style>
+        <p:txBody>
+          <a:bodyPr rtlCol="0" anchor="ctr"/>
+          <a:lstStyle/>
+          <a:p>
+            <a:pPr algn="ctr"/>
+            <a:endParaRPr lang="fr-FR"/>
+          </a:p>
+        </p:txBody>
+      </p:sp>
+      <p:sp>
+        <p:nvSpPr>
+          <p:cNvPr id="149" name="Rectangle 148">
+            <a:extLst>
+              <a:ext uri="{FF2B5EF4-FFF2-40B4-BE49-F238E27FC236}">
+                <a16:creationId xmlns:a16="http://schemas.microsoft.com/office/drawing/2014/main" id="{522484CE-597A-48A3-8C1E-FF0627DC9D95}"/>
+              </a:ext>
+            </a:extLst>
+          </p:cNvPr>
+          <p:cNvSpPr/>
+          <p:nvPr/>
+        </p:nvSpPr>
+        <p:spPr>
+          <a:xfrm>
+            <a:off x="5846026" y="7582366"/>
+            <a:ext cx="236286" cy="177840"/>
+          </a:xfrm>
+          <a:prstGeom prst="rect">
+            <a:avLst/>
+          </a:prstGeom>
+        </p:spPr>
+        <p:style>
+          <a:lnRef idx="2">
+            <a:schemeClr val="accent1">
+              <a:shade val="50000"/>
+            </a:schemeClr>
+          </a:lnRef>
+          <a:fillRef idx="1">
+            <a:schemeClr val="accent1"/>
+          </a:fillRef>
+          <a:effectRef idx="0">
+            <a:schemeClr val="accent1"/>
+          </a:effectRef>
+          <a:fontRef idx="minor">
+            <a:schemeClr val="lt1"/>
+          </a:fontRef>
+        </p:style>
+        <p:txBody>
+          <a:bodyPr rtlCol="0" anchor="ctr"/>
+          <a:lstStyle/>
+          <a:p>
+            <a:pPr algn="ctr"/>
+            <a:endParaRPr lang="fr-FR"/>
+          </a:p>
+        </p:txBody>
+      </p:sp>
+      <p:sp>
+        <p:nvSpPr>
+          <p:cNvPr id="151" name="Rectangle 150">
+            <a:extLst>
+              <a:ext uri="{FF2B5EF4-FFF2-40B4-BE49-F238E27FC236}">
+                <a16:creationId xmlns:a16="http://schemas.microsoft.com/office/drawing/2014/main" id="{A22A1E42-3953-47AF-A400-170227D41C6C}"/>
+              </a:ext>
+            </a:extLst>
+          </p:cNvPr>
+          <p:cNvSpPr/>
+          <p:nvPr/>
+        </p:nvSpPr>
+        <p:spPr>
+          <a:xfrm>
+            <a:off x="5449887" y="7582366"/>
+            <a:ext cx="236286" cy="177840"/>
+          </a:xfrm>
+          <a:prstGeom prst="rect">
+            <a:avLst/>
+          </a:prstGeom>
+        </p:spPr>
+        <p:style>
+          <a:lnRef idx="2">
+            <a:schemeClr val="accent1">
+              <a:shade val="50000"/>
+            </a:schemeClr>
+          </a:lnRef>
+          <a:fillRef idx="1">
+            <a:schemeClr val="accent1"/>
+          </a:fillRef>
+          <a:effectRef idx="0">
+            <a:schemeClr val="accent1"/>
+          </a:effectRef>
+          <a:fontRef idx="minor">
+            <a:schemeClr val="lt1"/>
+          </a:fontRef>
+        </p:style>
+        <p:txBody>
+          <a:bodyPr rtlCol="0" anchor="ctr"/>
+          <a:lstStyle/>
+          <a:p>
+            <a:pPr algn="ctr"/>
+            <a:endParaRPr lang="fr-FR"/>
+          </a:p>
+        </p:txBody>
+      </p:sp>
+      <p:sp>
+        <p:nvSpPr>
+          <p:cNvPr id="153" name="Rectangle 152">
+            <a:extLst>
+              <a:ext uri="{FF2B5EF4-FFF2-40B4-BE49-F238E27FC236}">
+                <a16:creationId xmlns:a16="http://schemas.microsoft.com/office/drawing/2014/main" id="{D528CD6C-FCC7-46BE-AC37-66CAD667AC41}"/>
+              </a:ext>
+            </a:extLst>
+          </p:cNvPr>
+          <p:cNvSpPr/>
+          <p:nvPr/>
+        </p:nvSpPr>
+        <p:spPr>
+          <a:xfrm>
+            <a:off x="2822788" y="8230185"/>
+            <a:ext cx="236286" cy="177840"/>
+          </a:xfrm>
+          <a:prstGeom prst="rect">
+            <a:avLst/>
+          </a:prstGeom>
+        </p:spPr>
+        <p:style>
+          <a:lnRef idx="2">
+            <a:schemeClr val="accent1">
+              <a:shade val="50000"/>
+            </a:schemeClr>
+          </a:lnRef>
+          <a:fillRef idx="1">
+            <a:schemeClr val="accent1"/>
+          </a:fillRef>
+          <a:effectRef idx="0">
+            <a:schemeClr val="accent1"/>
+          </a:effectRef>
+          <a:fontRef idx="minor">
+            <a:schemeClr val="lt1"/>
+          </a:fontRef>
+        </p:style>
+        <p:txBody>
+          <a:bodyPr rtlCol="0" anchor="ctr"/>
+          <a:lstStyle/>
+          <a:p>
+            <a:pPr algn="ctr"/>
+            <a:endParaRPr lang="fr-FR"/>
+          </a:p>
+        </p:txBody>
+      </p:sp>
+      <p:sp>
+        <p:nvSpPr>
+          <p:cNvPr id="155" name="Rectangle 154">
+            <a:extLst>
+              <a:ext uri="{FF2B5EF4-FFF2-40B4-BE49-F238E27FC236}">
+                <a16:creationId xmlns:a16="http://schemas.microsoft.com/office/drawing/2014/main" id="{BF733DCD-C110-45B1-A0A2-FA9F5AFBFFB1}"/>
+              </a:ext>
+            </a:extLst>
+          </p:cNvPr>
+          <p:cNvSpPr/>
+          <p:nvPr/>
+        </p:nvSpPr>
+        <p:spPr>
+          <a:xfrm>
+            <a:off x="3879666" y="8234549"/>
+            <a:ext cx="236286" cy="177840"/>
+          </a:xfrm>
+          <a:prstGeom prst="rect">
+            <a:avLst/>
+          </a:prstGeom>
+        </p:spPr>
+        <p:style>
+          <a:lnRef idx="2">
+            <a:schemeClr val="accent1">
+              <a:shade val="50000"/>
+            </a:schemeClr>
+          </a:lnRef>
+          <a:fillRef idx="1">
+            <a:schemeClr val="accent1"/>
+          </a:fillRef>
+          <a:effectRef idx="0">
+            <a:schemeClr val="accent1"/>
+          </a:effectRef>
+          <a:fontRef idx="minor">
+            <a:schemeClr val="lt1"/>
+          </a:fontRef>
+        </p:style>
+        <p:txBody>
+          <a:bodyPr rtlCol="0" anchor="ctr"/>
+          <a:lstStyle/>
+          <a:p>
+            <a:pPr algn="ctr"/>
+            <a:endParaRPr lang="fr-FR"/>
+          </a:p>
+        </p:txBody>
+      </p:sp>
+      <p:sp>
+        <p:nvSpPr>
+          <p:cNvPr id="157" name="Rectangle 156">
+            <a:extLst>
+              <a:ext uri="{FF2B5EF4-FFF2-40B4-BE49-F238E27FC236}">
+                <a16:creationId xmlns:a16="http://schemas.microsoft.com/office/drawing/2014/main" id="{A108814D-6B76-4427-BBF7-22CD167F6C99}"/>
+              </a:ext>
+            </a:extLst>
+          </p:cNvPr>
+          <p:cNvSpPr/>
+          <p:nvPr/>
+        </p:nvSpPr>
+        <p:spPr>
+          <a:xfrm>
+            <a:off x="2825000" y="8477974"/>
+            <a:ext cx="236286" cy="177840"/>
+          </a:xfrm>
+          <a:prstGeom prst="rect">
+            <a:avLst/>
+          </a:prstGeom>
+        </p:spPr>
+        <p:style>
+          <a:lnRef idx="2">
+            <a:schemeClr val="accent1">
+              <a:shade val="50000"/>
+            </a:schemeClr>
+          </a:lnRef>
+          <a:fillRef idx="1">
+            <a:schemeClr val="accent1"/>
+          </a:fillRef>
+          <a:effectRef idx="0">
+            <a:schemeClr val="accent1"/>
+          </a:effectRef>
+          <a:fontRef idx="minor">
+            <a:schemeClr val="lt1"/>
+          </a:fontRef>
+        </p:style>
+        <p:txBody>
+          <a:bodyPr rtlCol="0" anchor="ctr"/>
+          <a:lstStyle/>
+          <a:p>
+            <a:pPr algn="ctr"/>
+            <a:endParaRPr lang="fr-FR"/>
+          </a:p>
+        </p:txBody>
+      </p:sp>
+      <p:sp>
+        <p:nvSpPr>
+          <p:cNvPr id="159" name="Rectangle 158">
+            <a:extLst>
+              <a:ext uri="{FF2B5EF4-FFF2-40B4-BE49-F238E27FC236}">
+                <a16:creationId xmlns:a16="http://schemas.microsoft.com/office/drawing/2014/main" id="{C0B2AD26-937C-4458-812F-D97ED9B62CD4}"/>
+              </a:ext>
+            </a:extLst>
+          </p:cNvPr>
+          <p:cNvSpPr/>
+          <p:nvPr/>
+        </p:nvSpPr>
+        <p:spPr>
+          <a:xfrm>
+            <a:off x="3882463" y="8456667"/>
+            <a:ext cx="236286" cy="177840"/>
+          </a:xfrm>
+          <a:prstGeom prst="rect">
+            <a:avLst/>
+          </a:prstGeom>
+        </p:spPr>
+        <p:style>
+          <a:lnRef idx="2">
+            <a:schemeClr val="accent1">
+              <a:shade val="50000"/>
+            </a:schemeClr>
+          </a:lnRef>
+          <a:fillRef idx="1">
+            <a:schemeClr val="accent1"/>
+          </a:fillRef>
+          <a:effectRef idx="0">
+            <a:schemeClr val="accent1"/>
+          </a:effectRef>
+          <a:fontRef idx="minor">
+            <a:schemeClr val="lt1"/>
+          </a:fontRef>
+        </p:style>
+        <p:txBody>
+          <a:bodyPr rtlCol="0" anchor="ctr"/>
+          <a:lstStyle/>
+          <a:p>
+            <a:pPr algn="ctr"/>
+            <a:endParaRPr lang="fr-FR"/>
+          </a:p>
+        </p:txBody>
+      </p:sp>
+      <p:cxnSp>
+        <p:nvCxnSpPr>
+          <p:cNvPr id="162" name="Connecteur : en angle 161">
+            <a:extLst>
+              <a:ext uri="{FF2B5EF4-FFF2-40B4-BE49-F238E27FC236}">
+                <a16:creationId xmlns:a16="http://schemas.microsoft.com/office/drawing/2014/main" id="{F8221B92-E2DA-4271-8A3C-5839203BFD32}"/>
+              </a:ext>
+            </a:extLst>
+          </p:cNvPr>
+          <p:cNvCxnSpPr>
+            <a:cxnSpLocks/>
+            <a:stCxn id="143" idx="2"/>
+            <a:endCxn id="157" idx="1"/>
+          </p:cNvCxnSpPr>
+          <p:nvPr/>
+        </p:nvCxnSpPr>
+        <p:spPr>
+          <a:xfrm rot="16200000" flipH="1">
+            <a:off x="1505892" y="7247786"/>
+            <a:ext cx="806688" cy="1831527"/>
+          </a:xfrm>
+          <a:prstGeom prst="bentConnector2">
+            <a:avLst/>
+          </a:prstGeom>
+          <a:ln w="19050">
+            <a:headEnd type="none" w="med" len="med"/>
+            <a:tailEnd type="arrow" w="med" len="med"/>
+          </a:ln>
+        </p:spPr>
+        <p:style>
+          <a:lnRef idx="1">
+            <a:schemeClr val="accent1"/>
+          </a:lnRef>
+          <a:fillRef idx="0">
+            <a:schemeClr val="accent1"/>
+          </a:fillRef>
+          <a:effectRef idx="0">
+            <a:schemeClr val="accent1"/>
+          </a:effectRef>
+          <a:fontRef idx="minor">
+            <a:schemeClr val="tx1"/>
+          </a:fontRef>
+        </p:style>
+      </p:cxnSp>
+      <p:sp>
+        <p:nvSpPr>
+          <p:cNvPr id="166" name="ZoneTexte 165">
+            <a:extLst>
+              <a:ext uri="{FF2B5EF4-FFF2-40B4-BE49-F238E27FC236}">
+                <a16:creationId xmlns:a16="http://schemas.microsoft.com/office/drawing/2014/main" id="{85F977C5-5081-4FF3-A5C8-8E641A3941CD}"/>
               </a:ext>
             </a:extLst>
           </p:cNvPr>
@@ -5152,8 +7017,8 @@
         </p:nvSpPr>
         <p:spPr>
           <a:xfrm>
-            <a:off x="10730605" y="4511241"/>
-            <a:ext cx="1315620" cy="1200329"/>
+            <a:off x="1014283" y="8351589"/>
+            <a:ext cx="1446491" cy="248209"/>
           </a:xfrm>
           <a:prstGeom prst="rect">
             <a:avLst/>
@@ -5180,13 +7045,540 @@
             </a:lvl1pPr>
           </a:lstStyle>
           <a:p>
-            <a:r>
-              <a:rPr lang="en-US" i="1" noProof="1">
+            <a:pPr algn="ctr"/>
+            <a:r>
+              <a:rPr lang="en-US" sz="1013" i="1" noProof="1">
                 <a:solidFill>
-                  <a:schemeClr val="tx1"/>
+                  <a:srgbClr val="0070C0"/>
                 </a:solidFill>
               </a:rPr>
-              <a:t>an output observation of the procedure</a:t>
+              <a:t>abnormalCodedValues</a:t>
+            </a:r>
+          </a:p>
+        </p:txBody>
+      </p:sp>
+      <p:sp>
+        <p:nvSpPr>
+          <p:cNvPr id="168" name="Rectangle 167">
+            <a:extLst>
+              <a:ext uri="{FF2B5EF4-FFF2-40B4-BE49-F238E27FC236}">
+                <a16:creationId xmlns:a16="http://schemas.microsoft.com/office/drawing/2014/main" id="{BFCABD52-A413-40A8-A3B6-1BDA13F813F9}"/>
+              </a:ext>
+            </a:extLst>
+          </p:cNvPr>
+          <p:cNvSpPr/>
+          <p:nvPr/>
+        </p:nvSpPr>
+        <p:spPr>
+          <a:xfrm>
+            <a:off x="2821709" y="8696199"/>
+            <a:ext cx="236286" cy="177840"/>
+          </a:xfrm>
+          <a:prstGeom prst="rect">
+            <a:avLst/>
+          </a:prstGeom>
+        </p:spPr>
+        <p:style>
+          <a:lnRef idx="2">
+            <a:schemeClr val="accent1">
+              <a:shade val="50000"/>
+            </a:schemeClr>
+          </a:lnRef>
+          <a:fillRef idx="1">
+            <a:schemeClr val="accent1"/>
+          </a:fillRef>
+          <a:effectRef idx="0">
+            <a:schemeClr val="accent1"/>
+          </a:effectRef>
+          <a:fontRef idx="minor">
+            <a:schemeClr val="lt1"/>
+          </a:fontRef>
+        </p:style>
+        <p:txBody>
+          <a:bodyPr rtlCol="0" anchor="ctr"/>
+          <a:lstStyle/>
+          <a:p>
+            <a:pPr algn="ctr"/>
+            <a:endParaRPr lang="fr-FR"/>
+          </a:p>
+        </p:txBody>
+      </p:sp>
+      <p:sp>
+        <p:nvSpPr>
+          <p:cNvPr id="170" name="Rectangle 169">
+            <a:extLst>
+              <a:ext uri="{FF2B5EF4-FFF2-40B4-BE49-F238E27FC236}">
+                <a16:creationId xmlns:a16="http://schemas.microsoft.com/office/drawing/2014/main" id="{78760BE3-5CE4-45F2-B20A-1457CD7C2E0E}"/>
+              </a:ext>
+            </a:extLst>
+          </p:cNvPr>
+          <p:cNvSpPr/>
+          <p:nvPr/>
+        </p:nvSpPr>
+        <p:spPr>
+          <a:xfrm>
+            <a:off x="3879172" y="8696199"/>
+            <a:ext cx="236286" cy="177840"/>
+          </a:xfrm>
+          <a:prstGeom prst="rect">
+            <a:avLst/>
+          </a:prstGeom>
+        </p:spPr>
+        <p:style>
+          <a:lnRef idx="2">
+            <a:schemeClr val="accent1">
+              <a:shade val="50000"/>
+            </a:schemeClr>
+          </a:lnRef>
+          <a:fillRef idx="1">
+            <a:schemeClr val="accent1"/>
+          </a:fillRef>
+          <a:effectRef idx="0">
+            <a:schemeClr val="accent1"/>
+          </a:effectRef>
+          <a:fontRef idx="minor">
+            <a:schemeClr val="lt1"/>
+          </a:fontRef>
+        </p:style>
+        <p:txBody>
+          <a:bodyPr rtlCol="0" anchor="ctr"/>
+          <a:lstStyle/>
+          <a:p>
+            <a:pPr algn="ctr"/>
+            <a:endParaRPr lang="fr-FR"/>
+          </a:p>
+        </p:txBody>
+      </p:sp>
+      <p:cxnSp>
+        <p:nvCxnSpPr>
+          <p:cNvPr id="171" name="Connecteur : en angle 170">
+            <a:extLst>
+              <a:ext uri="{FF2B5EF4-FFF2-40B4-BE49-F238E27FC236}">
+                <a16:creationId xmlns:a16="http://schemas.microsoft.com/office/drawing/2014/main" id="{5C24060B-E73E-4C5F-A610-9DFCE5F7D79F}"/>
+              </a:ext>
+            </a:extLst>
+          </p:cNvPr>
+          <p:cNvCxnSpPr>
+            <a:cxnSpLocks/>
+            <a:stCxn id="145" idx="2"/>
+            <a:endCxn id="168" idx="1"/>
+          </p:cNvCxnSpPr>
+          <p:nvPr/>
+        </p:nvCxnSpPr>
+        <p:spPr>
+          <a:xfrm rot="16200000" flipH="1">
+            <a:off x="1197065" y="7160474"/>
+            <a:ext cx="1024913" cy="2224375"/>
+          </a:xfrm>
+          <a:prstGeom prst="bentConnector2">
+            <a:avLst/>
+          </a:prstGeom>
+          <a:ln w="19050">
+            <a:headEnd type="none" w="med" len="med"/>
+            <a:tailEnd type="arrow" w="med" len="med"/>
+          </a:ln>
+        </p:spPr>
+        <p:style>
+          <a:lnRef idx="1">
+            <a:schemeClr val="accent1"/>
+          </a:lnRef>
+          <a:fillRef idx="0">
+            <a:schemeClr val="accent1"/>
+          </a:fillRef>
+          <a:effectRef idx="0">
+            <a:schemeClr val="accent1"/>
+          </a:effectRef>
+          <a:fontRef idx="minor">
+            <a:schemeClr val="tx1"/>
+          </a:fontRef>
+        </p:style>
+      </p:cxnSp>
+      <p:sp>
+        <p:nvSpPr>
+          <p:cNvPr id="175" name="ZoneTexte 174">
+            <a:extLst>
+              <a:ext uri="{FF2B5EF4-FFF2-40B4-BE49-F238E27FC236}">
+                <a16:creationId xmlns:a16="http://schemas.microsoft.com/office/drawing/2014/main" id="{09F9DC55-8B29-4553-A45D-659D3C427B35}"/>
+              </a:ext>
+            </a:extLst>
+          </p:cNvPr>
+          <p:cNvSpPr txBox="1"/>
+          <p:nvPr/>
+        </p:nvSpPr>
+        <p:spPr>
+          <a:xfrm>
+            <a:off x="629203" y="8581398"/>
+            <a:ext cx="1446491" cy="248209"/>
+          </a:xfrm>
+          <a:prstGeom prst="rect">
+            <a:avLst/>
+          </a:prstGeom>
+          <a:noFill/>
+        </p:spPr>
+        <p:txBody>
+          <a:bodyPr wrap="square" rtlCol="0">
+            <a:spAutoFit/>
+          </a:bodyPr>
+          <a:lstStyle>
+            <a:defPPr>
+              <a:defRPr lang="fr-FR"/>
+            </a:defPPr>
+            <a:lvl1pPr>
+              <a:defRPr>
+                <a:solidFill>
+                  <a:schemeClr val="accent1">
+                    <a:lumMod val="60000"/>
+                    <a:lumOff val="40000"/>
+                  </a:schemeClr>
+                </a:solidFill>
+              </a:defRPr>
+            </a:lvl1pPr>
+          </a:lstStyle>
+          <a:p>
+            <a:pPr algn="ctr"/>
+            <a:r>
+              <a:rPr lang="en-US" sz="1013" i="1" noProof="1">
+                <a:solidFill>
+                  <a:srgbClr val="0070C0"/>
+                </a:solidFill>
+              </a:rPr>
+              <a:t>criticalCodedValues</a:t>
+            </a:r>
+          </a:p>
+        </p:txBody>
+      </p:sp>
+      <p:cxnSp>
+        <p:nvCxnSpPr>
+          <p:cNvPr id="188" name="Connecteur : en angle 187">
+            <a:extLst>
+              <a:ext uri="{FF2B5EF4-FFF2-40B4-BE49-F238E27FC236}">
+                <a16:creationId xmlns:a16="http://schemas.microsoft.com/office/drawing/2014/main" id="{3A6AA8D5-6F44-4937-95B9-CE6F524DFA7D}"/>
+              </a:ext>
+            </a:extLst>
+          </p:cNvPr>
+          <p:cNvCxnSpPr>
+            <a:cxnSpLocks/>
+            <a:stCxn id="149" idx="2"/>
+            <a:endCxn id="159" idx="3"/>
+          </p:cNvCxnSpPr>
+          <p:nvPr/>
+        </p:nvCxnSpPr>
+        <p:spPr>
+          <a:xfrm rot="5400000">
+            <a:off x="4648769" y="7230186"/>
+            <a:ext cx="785381" cy="1845420"/>
+          </a:xfrm>
+          <a:prstGeom prst="bentConnector2">
+            <a:avLst/>
+          </a:prstGeom>
+          <a:ln w="19050">
+            <a:headEnd type="none" w="med" len="med"/>
+            <a:tailEnd type="arrow" w="med" len="med"/>
+          </a:ln>
+        </p:spPr>
+        <p:style>
+          <a:lnRef idx="1">
+            <a:schemeClr val="accent1"/>
+          </a:lnRef>
+          <a:fillRef idx="0">
+            <a:schemeClr val="accent1"/>
+          </a:fillRef>
+          <a:effectRef idx="0">
+            <a:schemeClr val="accent1"/>
+          </a:effectRef>
+          <a:fontRef idx="minor">
+            <a:schemeClr val="tx1"/>
+          </a:fontRef>
+        </p:style>
+      </p:cxnSp>
+      <p:sp>
+        <p:nvSpPr>
+          <p:cNvPr id="192" name="ZoneTexte 191">
+            <a:extLst>
+              <a:ext uri="{FF2B5EF4-FFF2-40B4-BE49-F238E27FC236}">
+                <a16:creationId xmlns:a16="http://schemas.microsoft.com/office/drawing/2014/main" id="{55A0809A-2B64-4042-9EBE-84236C6F2AE9}"/>
+              </a:ext>
+            </a:extLst>
+          </p:cNvPr>
+          <p:cNvSpPr txBox="1"/>
+          <p:nvPr/>
+        </p:nvSpPr>
+        <p:spPr>
+          <a:xfrm>
+            <a:off x="4509836" y="8319831"/>
+            <a:ext cx="1446491" cy="248209"/>
+          </a:xfrm>
+          <a:prstGeom prst="rect">
+            <a:avLst/>
+          </a:prstGeom>
+          <a:noFill/>
+        </p:spPr>
+        <p:txBody>
+          <a:bodyPr wrap="square" rtlCol="0">
+            <a:spAutoFit/>
+          </a:bodyPr>
+          <a:lstStyle>
+            <a:defPPr>
+              <a:defRPr lang="fr-FR"/>
+            </a:defPPr>
+            <a:lvl1pPr>
+              <a:defRPr>
+                <a:solidFill>
+                  <a:schemeClr val="accent1">
+                    <a:lumMod val="60000"/>
+                    <a:lumOff val="40000"/>
+                  </a:schemeClr>
+                </a:solidFill>
+              </a:defRPr>
+            </a:lvl1pPr>
+          </a:lstStyle>
+          <a:p>
+            <a:pPr algn="ctr"/>
+            <a:r>
+              <a:rPr lang="en-US" sz="1013" i="1" noProof="1">
+                <a:solidFill>
+                  <a:srgbClr val="0070C0"/>
+                </a:solidFill>
+              </a:rPr>
+              <a:t>abnormalCodedValues</a:t>
+            </a:r>
+          </a:p>
+        </p:txBody>
+      </p:sp>
+      <p:sp>
+        <p:nvSpPr>
+          <p:cNvPr id="194" name="ZoneTexte 193">
+            <a:extLst>
+              <a:ext uri="{FF2B5EF4-FFF2-40B4-BE49-F238E27FC236}">
+                <a16:creationId xmlns:a16="http://schemas.microsoft.com/office/drawing/2014/main" id="{9E9595FC-2E15-4D92-9D3F-6D66F20A86A5}"/>
+              </a:ext>
+            </a:extLst>
+          </p:cNvPr>
+          <p:cNvSpPr txBox="1"/>
+          <p:nvPr/>
+        </p:nvSpPr>
+        <p:spPr>
+          <a:xfrm>
+            <a:off x="4150267" y="8499113"/>
+            <a:ext cx="469141" cy="230832"/>
+          </a:xfrm>
+          <a:prstGeom prst="rect">
+            <a:avLst/>
+          </a:prstGeom>
+          <a:noFill/>
+        </p:spPr>
+        <p:txBody>
+          <a:bodyPr wrap="square" rtlCol="0">
+            <a:spAutoFit/>
+          </a:bodyPr>
+          <a:lstStyle/>
+          <a:p>
+            <a:r>
+              <a:rPr lang="en-US" sz="900" noProof="1"/>
+              <a:t>0..1</a:t>
+            </a:r>
+          </a:p>
+        </p:txBody>
+      </p:sp>
+      <p:cxnSp>
+        <p:nvCxnSpPr>
+          <p:cNvPr id="195" name="Connecteur : en angle 194">
+            <a:extLst>
+              <a:ext uri="{FF2B5EF4-FFF2-40B4-BE49-F238E27FC236}">
+                <a16:creationId xmlns:a16="http://schemas.microsoft.com/office/drawing/2014/main" id="{977A700F-44FB-47BE-9387-895891F9BCAB}"/>
+              </a:ext>
+            </a:extLst>
+          </p:cNvPr>
+          <p:cNvCxnSpPr>
+            <a:cxnSpLocks/>
+            <a:stCxn id="147" idx="2"/>
+            <a:endCxn id="170" idx="3"/>
+          </p:cNvCxnSpPr>
+          <p:nvPr/>
+        </p:nvCxnSpPr>
+        <p:spPr>
+          <a:xfrm rot="5400000">
+            <a:off x="4756714" y="7118950"/>
+            <a:ext cx="1024913" cy="2307424"/>
+          </a:xfrm>
+          <a:prstGeom prst="bentConnector2">
+            <a:avLst/>
+          </a:prstGeom>
+          <a:ln w="19050">
+            <a:headEnd type="none" w="med" len="med"/>
+            <a:tailEnd type="arrow" w="med" len="med"/>
+          </a:ln>
+        </p:spPr>
+        <p:style>
+          <a:lnRef idx="1">
+            <a:schemeClr val="accent1"/>
+          </a:lnRef>
+          <a:fillRef idx="0">
+            <a:schemeClr val="accent1"/>
+          </a:fillRef>
+          <a:effectRef idx="0">
+            <a:schemeClr val="accent1"/>
+          </a:effectRef>
+          <a:fontRef idx="minor">
+            <a:schemeClr val="tx1"/>
+          </a:fontRef>
+        </p:style>
+      </p:cxnSp>
+      <p:sp>
+        <p:nvSpPr>
+          <p:cNvPr id="199" name="ZoneTexte 198">
+            <a:extLst>
+              <a:ext uri="{FF2B5EF4-FFF2-40B4-BE49-F238E27FC236}">
+                <a16:creationId xmlns:a16="http://schemas.microsoft.com/office/drawing/2014/main" id="{6467D875-2DE4-41E1-86D8-097F3A09D1CA}"/>
+              </a:ext>
+            </a:extLst>
+          </p:cNvPr>
+          <p:cNvSpPr txBox="1"/>
+          <p:nvPr/>
+        </p:nvSpPr>
+        <p:spPr>
+          <a:xfrm>
+            <a:off x="4888137" y="8569414"/>
+            <a:ext cx="1446491" cy="248209"/>
+          </a:xfrm>
+          <a:prstGeom prst="rect">
+            <a:avLst/>
+          </a:prstGeom>
+          <a:noFill/>
+        </p:spPr>
+        <p:txBody>
+          <a:bodyPr wrap="square" rtlCol="0">
+            <a:spAutoFit/>
+          </a:bodyPr>
+          <a:lstStyle>
+            <a:defPPr>
+              <a:defRPr lang="fr-FR"/>
+            </a:defPPr>
+            <a:lvl1pPr>
+              <a:defRPr>
+                <a:solidFill>
+                  <a:schemeClr val="accent1">
+                    <a:lumMod val="60000"/>
+                    <a:lumOff val="40000"/>
+                  </a:schemeClr>
+                </a:solidFill>
+              </a:defRPr>
+            </a:lvl1pPr>
+          </a:lstStyle>
+          <a:p>
+            <a:pPr algn="ctr"/>
+            <a:r>
+              <a:rPr lang="en-US" sz="1013" i="1" noProof="1">
+                <a:solidFill>
+                  <a:srgbClr val="0070C0"/>
+                </a:solidFill>
+              </a:rPr>
+              <a:t>criticalCodedValues</a:t>
+            </a:r>
+          </a:p>
+        </p:txBody>
+      </p:sp>
+      <p:sp>
+        <p:nvSpPr>
+          <p:cNvPr id="201" name="ZoneTexte 200">
+            <a:extLst>
+              <a:ext uri="{FF2B5EF4-FFF2-40B4-BE49-F238E27FC236}">
+                <a16:creationId xmlns:a16="http://schemas.microsoft.com/office/drawing/2014/main" id="{2A92500B-E6C0-45A3-B1BC-38B4F6EEBC7E}"/>
+              </a:ext>
+            </a:extLst>
+          </p:cNvPr>
+          <p:cNvSpPr txBox="1"/>
+          <p:nvPr/>
+        </p:nvSpPr>
+        <p:spPr>
+          <a:xfrm>
+            <a:off x="2467302" y="8517958"/>
+            <a:ext cx="469141" cy="230832"/>
+          </a:xfrm>
+          <a:prstGeom prst="rect">
+            <a:avLst/>
+          </a:prstGeom>
+          <a:noFill/>
+        </p:spPr>
+        <p:txBody>
+          <a:bodyPr wrap="square" rtlCol="0">
+            <a:spAutoFit/>
+          </a:bodyPr>
+          <a:lstStyle/>
+          <a:p>
+            <a:r>
+              <a:rPr lang="en-US" sz="900" noProof="1"/>
+              <a:t>0..1</a:t>
+            </a:r>
+          </a:p>
+        </p:txBody>
+      </p:sp>
+      <p:sp>
+        <p:nvSpPr>
+          <p:cNvPr id="203" name="ZoneTexte 202">
+            <a:extLst>
+              <a:ext uri="{FF2B5EF4-FFF2-40B4-BE49-F238E27FC236}">
+                <a16:creationId xmlns:a16="http://schemas.microsoft.com/office/drawing/2014/main" id="{DB91A417-580E-4C0C-968C-313072075F0D}"/>
+              </a:ext>
+            </a:extLst>
+          </p:cNvPr>
+          <p:cNvSpPr txBox="1"/>
+          <p:nvPr/>
+        </p:nvSpPr>
+        <p:spPr>
+          <a:xfrm>
+            <a:off x="2454187" y="8778109"/>
+            <a:ext cx="469141" cy="230832"/>
+          </a:xfrm>
+          <a:prstGeom prst="rect">
+            <a:avLst/>
+          </a:prstGeom>
+          <a:noFill/>
+        </p:spPr>
+        <p:txBody>
+          <a:bodyPr wrap="square" rtlCol="0">
+            <a:spAutoFit/>
+          </a:bodyPr>
+          <a:lstStyle/>
+          <a:p>
+            <a:r>
+              <a:rPr lang="en-US" sz="900" noProof="1"/>
+              <a:t>0..1</a:t>
+            </a:r>
+          </a:p>
+        </p:txBody>
+      </p:sp>
+      <p:sp>
+        <p:nvSpPr>
+          <p:cNvPr id="205" name="ZoneTexte 204">
+            <a:extLst>
+              <a:ext uri="{FF2B5EF4-FFF2-40B4-BE49-F238E27FC236}">
+                <a16:creationId xmlns:a16="http://schemas.microsoft.com/office/drawing/2014/main" id="{B4F44920-B06E-45B1-9B51-54B26EABB35A}"/>
+              </a:ext>
+            </a:extLst>
+          </p:cNvPr>
+          <p:cNvSpPr txBox="1"/>
+          <p:nvPr/>
+        </p:nvSpPr>
+        <p:spPr>
+          <a:xfrm>
+            <a:off x="4121972" y="8775736"/>
+            <a:ext cx="469141" cy="230832"/>
+          </a:xfrm>
+          <a:prstGeom prst="rect">
+            <a:avLst/>
+          </a:prstGeom>
+          <a:noFill/>
+        </p:spPr>
+        <p:txBody>
+          <a:bodyPr wrap="square" rtlCol="0">
+            <a:spAutoFit/>
+          </a:bodyPr>
+          <a:lstStyle/>
+          <a:p>
+            <a:r>
+              <a:rPr lang="en-US" sz="900" noProof="1"/>
+              <a:t>0..1</a:t>
             </a:r>
           </a:p>
         </p:txBody>
@@ -5205,8 +7597,8 @@
         </p:nvSpPr>
         <p:spPr>
           <a:xfrm>
-            <a:off x="6410425" y="6126559"/>
-            <a:ext cx="1667712" cy="632050"/>
+            <a:off x="2815467" y="7967039"/>
+            <a:ext cx="1317677" cy="962522"/>
           </a:xfrm>
           <a:prstGeom prst="rect">
             <a:avLst/>
@@ -5239,7 +7631,7 @@
             <a:noFill/>
           </a:ln>
           <a:effectLst>
-            <a:glow rad="139700">
+            <a:glow rad="63500">
               <a:schemeClr val="accent1">
                 <a:satMod val="175000"/>
                 <a:alpha val="40000"/>
@@ -5269,7 +7661,18 @@
           <a:p>
             <a:pPr algn="ctr"/>
             <a:r>
-              <a:rPr lang="en-US" sz="2200" noProof="1">
+              <a:rPr lang="en-US" sz="1013" noProof="1">
+                <a:solidFill>
+                  <a:srgbClr val="FFFF00"/>
+                </a:solidFill>
+              </a:rPr>
+              <a:t>ObservationValueSet Profile of</a:t>
+            </a:r>
+          </a:p>
+          <a:p>
+            <a:pPr algn="ctr"/>
+            <a:r>
+              <a:rPr lang="en-US" sz="1013" noProof="1">
                 <a:solidFill>
                   <a:srgbClr val="FFFF00"/>
                 </a:solidFill>
@@ -5279,170 +7682,12 @@
           </a:p>
         </p:txBody>
       </p:sp>
-      <p:cxnSp>
-        <p:nvCxnSpPr>
-          <p:cNvPr id="39" name="Connecteur : en angle 38">
-            <a:extLst>
-              <a:ext uri="{FF2B5EF4-FFF2-40B4-BE49-F238E27FC236}">
-                <a16:creationId xmlns:a16="http://schemas.microsoft.com/office/drawing/2014/main" id="{8C9A6475-6E13-4D17-99C8-139A747BD801}"/>
-              </a:ext>
-            </a:extLst>
-          </p:cNvPr>
-          <p:cNvCxnSpPr>
-            <a:cxnSpLocks/>
-            <a:stCxn id="54" idx="2"/>
-            <a:endCxn id="38" idx="1"/>
-          </p:cNvCxnSpPr>
-          <p:nvPr/>
-        </p:nvCxnSpPr>
-        <p:spPr>
-          <a:xfrm rot="16200000" flipH="1">
-            <a:off x="5394255" y="5426414"/>
-            <a:ext cx="827690" cy="1204649"/>
-          </a:xfrm>
-          <a:prstGeom prst="bentConnector2">
-            <a:avLst/>
-          </a:prstGeom>
-          <a:ln w="19050">
-            <a:headEnd type="none" w="med" len="med"/>
-            <a:tailEnd type="arrow" w="med" len="med"/>
-          </a:ln>
-        </p:spPr>
-        <p:style>
-          <a:lnRef idx="1">
-            <a:schemeClr val="accent1"/>
-          </a:lnRef>
-          <a:fillRef idx="0">
-            <a:schemeClr val="accent1"/>
-          </a:fillRef>
-          <a:effectRef idx="0">
-            <a:schemeClr val="accent1"/>
-          </a:effectRef>
-          <a:fontRef idx="minor">
-            <a:schemeClr val="tx1"/>
-          </a:fontRef>
-        </p:style>
-      </p:cxnSp>
-      <p:cxnSp>
-        <p:nvCxnSpPr>
-          <p:cNvPr id="40" name="Connecteur : en angle 39">
-            <a:extLst>
-              <a:ext uri="{FF2B5EF4-FFF2-40B4-BE49-F238E27FC236}">
-                <a16:creationId xmlns:a16="http://schemas.microsoft.com/office/drawing/2014/main" id="{444B2695-C708-469B-B42D-479F8382004C}"/>
-              </a:ext>
-            </a:extLst>
-          </p:cNvPr>
-          <p:cNvCxnSpPr>
-            <a:cxnSpLocks/>
-            <a:stCxn id="55" idx="2"/>
-            <a:endCxn id="38" idx="3"/>
-          </p:cNvCxnSpPr>
-          <p:nvPr/>
-        </p:nvCxnSpPr>
-        <p:spPr>
-          <a:xfrm rot="5400000">
-            <a:off x="8263517" y="5423702"/>
-            <a:ext cx="833502" cy="1204262"/>
-          </a:xfrm>
-          <a:prstGeom prst="bentConnector2">
-            <a:avLst/>
-          </a:prstGeom>
-          <a:ln w="19050">
-            <a:headEnd type="none" w="med" len="med"/>
-            <a:tailEnd type="arrow" w="med" len="med"/>
-          </a:ln>
-        </p:spPr>
-        <p:style>
-          <a:lnRef idx="1">
-            <a:schemeClr val="accent1"/>
-          </a:lnRef>
-          <a:fillRef idx="0">
-            <a:schemeClr val="accent1"/>
-          </a:fillRef>
-          <a:effectRef idx="0">
-            <a:schemeClr val="accent1"/>
-          </a:effectRef>
-          <a:fontRef idx="minor">
-            <a:schemeClr val="tx1"/>
-          </a:fontRef>
-        </p:style>
-      </p:cxnSp>
-      <p:sp>
-        <p:nvSpPr>
-          <p:cNvPr id="44" name="ZoneTexte 43">
-            <a:extLst>
-              <a:ext uri="{FF2B5EF4-FFF2-40B4-BE49-F238E27FC236}">
-                <a16:creationId xmlns:a16="http://schemas.microsoft.com/office/drawing/2014/main" id="{ABDD23CA-E87E-4D3B-BBE6-6BFF35D20C07}"/>
-              </a:ext>
-            </a:extLst>
-          </p:cNvPr>
-          <p:cNvSpPr txBox="1"/>
-          <p:nvPr/>
-        </p:nvSpPr>
-        <p:spPr>
-          <a:xfrm>
-            <a:off x="5872378" y="6374420"/>
-            <a:ext cx="607145" cy="338554"/>
-          </a:xfrm>
-          <a:prstGeom prst="rect">
-            <a:avLst/>
-          </a:prstGeom>
-          <a:noFill/>
-        </p:spPr>
-        <p:txBody>
-          <a:bodyPr wrap="square" rtlCol="0">
-            <a:spAutoFit/>
-          </a:bodyPr>
-          <a:lstStyle/>
-          <a:p>
-            <a:r>
-              <a:rPr lang="en-US" sz="1600" noProof="1"/>
-              <a:t>0..4</a:t>
-            </a:r>
-          </a:p>
-        </p:txBody>
-      </p:sp>
-      <p:sp>
-        <p:nvSpPr>
-          <p:cNvPr id="45" name="ZoneTexte 44">
-            <a:extLst>
-              <a:ext uri="{FF2B5EF4-FFF2-40B4-BE49-F238E27FC236}">
-                <a16:creationId xmlns:a16="http://schemas.microsoft.com/office/drawing/2014/main" id="{BF367F50-5720-4E7F-B6DA-33B6D1C10BDD}"/>
-              </a:ext>
-            </a:extLst>
-          </p:cNvPr>
-          <p:cNvSpPr txBox="1"/>
-          <p:nvPr/>
-        </p:nvSpPr>
-        <p:spPr>
-          <a:xfrm>
-            <a:off x="8153861" y="6378147"/>
-            <a:ext cx="607145" cy="338554"/>
-          </a:xfrm>
-          <a:prstGeom prst="rect">
-            <a:avLst/>
-          </a:prstGeom>
-          <a:noFill/>
-        </p:spPr>
-        <p:txBody>
-          <a:bodyPr wrap="square" rtlCol="0">
-            <a:spAutoFit/>
-          </a:bodyPr>
-          <a:lstStyle/>
-          <a:p>
-            <a:r>
-              <a:rPr lang="en-US" sz="1600" noProof="1"/>
-              <a:t>0..4</a:t>
-            </a:r>
-          </a:p>
-        </p:txBody>
-      </p:sp>
-      <p:sp>
-        <p:nvSpPr>
-          <p:cNvPr id="41" name="Rectangle 40">
-            <a:extLst>
-              <a:ext uri="{FF2B5EF4-FFF2-40B4-BE49-F238E27FC236}">
-                <a16:creationId xmlns:a16="http://schemas.microsoft.com/office/drawing/2014/main" id="{98246E45-031A-4786-ACF4-D927C7E9CB6C}"/>
+      <p:sp>
+        <p:nvSpPr>
+          <p:cNvPr id="54" name="Rectangle 53">
+            <a:extLst>
+              <a:ext uri="{FF2B5EF4-FFF2-40B4-BE49-F238E27FC236}">
+                <a16:creationId xmlns:a16="http://schemas.microsoft.com/office/drawing/2014/main" id="{48EEC750-3A3E-431D-9735-6AB2099A1A92}"/>
               </a:ext>
             </a:extLst>
           </p:cNvPr>
@@ -5451,8 +7696,8 @@
         </p:nvSpPr>
         <p:spPr>
           <a:xfrm>
-            <a:off x="1297711" y="1347636"/>
-            <a:ext cx="2621259" cy="989630"/>
+            <a:off x="453110" y="7159402"/>
+            <a:ext cx="1653046" cy="621274"/>
           </a:xfrm>
           <a:prstGeom prst="rect">
             <a:avLst/>
@@ -5485,7 +7730,7 @@
             <a:noFill/>
           </a:ln>
           <a:effectLst>
-            <a:glow rad="139700">
+            <a:glow rad="63500">
               <a:schemeClr val="accent1">
                 <a:satMod val="175000"/>
                 <a:alpha val="40000"/>
@@ -5515,333 +7760,33 @@
           <a:p>
             <a:pPr algn="ctr"/>
             <a:r>
-              <a:rPr lang="en-US" noProof="1">
+              <a:rPr lang="en-US" sz="1013" noProof="1">
                 <a:solidFill>
                   <a:srgbClr val="FFFF00"/>
                 </a:solidFill>
               </a:rPr>
-              <a:t>LabChargeItemDefinition</a:t>
+              <a:t>InputObservationDefinition</a:t>
             </a:r>
           </a:p>
           <a:p>
             <a:pPr algn="ctr"/>
             <a:r>
-              <a:rPr lang="en-US" noProof="1">
-                <a:solidFill>
-                  <a:schemeClr val="bg1"/>
-                </a:solidFill>
-              </a:rPr>
-              <a:t>Profile of </a:t>
-            </a:r>
-            <a:r>
-              <a:rPr lang="en-US" sz="2200" noProof="1">
+              <a:rPr lang="en-US" sz="1013" noProof="1">
                 <a:solidFill>
                   <a:srgbClr val="FFFF00"/>
                 </a:solidFill>
               </a:rPr>
-              <a:t>ChargeItemDefinition</a:t>
-            </a:r>
-          </a:p>
-        </p:txBody>
-      </p:sp>
-      <p:cxnSp>
-        <p:nvCxnSpPr>
-          <p:cNvPr id="42" name="Connecteur : en angle 41">
-            <a:extLst>
-              <a:ext uri="{FF2B5EF4-FFF2-40B4-BE49-F238E27FC236}">
-                <a16:creationId xmlns:a16="http://schemas.microsoft.com/office/drawing/2014/main" id="{7CB04F81-F845-4409-8A16-0150F3ABCA14}"/>
-              </a:ext>
-            </a:extLst>
-          </p:cNvPr>
-          <p:cNvCxnSpPr>
-            <a:cxnSpLocks/>
-            <a:stCxn id="84" idx="1"/>
-            <a:endCxn id="41" idx="3"/>
-          </p:cNvCxnSpPr>
-          <p:nvPr/>
-        </p:nvCxnSpPr>
-        <p:spPr>
-          <a:xfrm rot="10800000">
-            <a:off x="3918970" y="1842452"/>
-            <a:ext cx="2246370" cy="1303"/>
-          </a:xfrm>
-          <a:prstGeom prst="bentConnector3">
-            <a:avLst>
-              <a:gd name="adj1" fmla="val 50000"/>
-            </a:avLst>
-          </a:prstGeom>
-          <a:ln w="19050">
-            <a:headEnd type="none" w="med" len="med"/>
-            <a:tailEnd type="arrow" w="med" len="med"/>
-          </a:ln>
-        </p:spPr>
-        <p:style>
-          <a:lnRef idx="1">
-            <a:schemeClr val="accent1"/>
-          </a:lnRef>
-          <a:fillRef idx="0">
-            <a:schemeClr val="accent1"/>
-          </a:fillRef>
-          <a:effectRef idx="0">
-            <a:schemeClr val="accent1"/>
-          </a:effectRef>
-          <a:fontRef idx="minor">
-            <a:schemeClr val="tx1"/>
-          </a:fontRef>
-        </p:style>
-      </p:cxnSp>
-      <p:sp>
-        <p:nvSpPr>
-          <p:cNvPr id="47" name="ZoneTexte 46">
-            <a:extLst>
-              <a:ext uri="{FF2B5EF4-FFF2-40B4-BE49-F238E27FC236}">
-                <a16:creationId xmlns:a16="http://schemas.microsoft.com/office/drawing/2014/main" id="{7EBC759F-3EC1-4AEE-B495-9524A5FA0F8C}"/>
-              </a:ext>
-            </a:extLst>
-          </p:cNvPr>
-          <p:cNvSpPr txBox="1"/>
-          <p:nvPr/>
-        </p:nvSpPr>
-        <p:spPr>
-          <a:xfrm>
-            <a:off x="3884414" y="1973824"/>
-            <a:ext cx="607145" cy="338554"/>
-          </a:xfrm>
-          <a:prstGeom prst="rect">
-            <a:avLst/>
-          </a:prstGeom>
-          <a:noFill/>
-        </p:spPr>
-        <p:txBody>
-          <a:bodyPr wrap="square" rtlCol="0">
-            <a:spAutoFit/>
-          </a:bodyPr>
-          <a:lstStyle/>
-          <a:p>
-            <a:r>
-              <a:rPr lang="en-US" sz="1600" noProof="1"/>
-              <a:t>0..*</a:t>
-            </a:r>
-          </a:p>
-        </p:txBody>
-      </p:sp>
-      <p:sp>
-        <p:nvSpPr>
-          <p:cNvPr id="48" name="ZoneTexte 47">
-            <a:extLst>
-              <a:ext uri="{FF2B5EF4-FFF2-40B4-BE49-F238E27FC236}">
-                <a16:creationId xmlns:a16="http://schemas.microsoft.com/office/drawing/2014/main" id="{6B1EB918-EDEA-46FE-BFD2-7B8AC4B29986}"/>
-              </a:ext>
-            </a:extLst>
-          </p:cNvPr>
-          <p:cNvSpPr txBox="1"/>
-          <p:nvPr/>
-        </p:nvSpPr>
-        <p:spPr>
-          <a:xfrm>
-            <a:off x="4269417" y="1538417"/>
-            <a:ext cx="1730265" cy="338554"/>
-          </a:xfrm>
-          <a:prstGeom prst="rect">
-            <a:avLst/>
-          </a:prstGeom>
-          <a:noFill/>
-        </p:spPr>
-        <p:txBody>
-          <a:bodyPr wrap="square" rtlCol="0">
-            <a:spAutoFit/>
-          </a:bodyPr>
-          <a:lstStyle/>
-          <a:p>
-            <a:r>
-              <a:rPr lang="en-US" sz="1600" noProof="1">
-                <a:solidFill>
-                  <a:schemeClr val="tx1">
-                    <a:lumMod val="50000"/>
-                    <a:lumOff val="50000"/>
-                  </a:schemeClr>
-                </a:solidFill>
-              </a:rPr>
-              <a:t>serviceBillingCode</a:t>
-            </a:r>
-          </a:p>
-        </p:txBody>
-      </p:sp>
-      <p:sp>
-        <p:nvSpPr>
-          <p:cNvPr id="49" name="ZoneTexte 48">
-            <a:extLst>
-              <a:ext uri="{FF2B5EF4-FFF2-40B4-BE49-F238E27FC236}">
-                <a16:creationId xmlns:a16="http://schemas.microsoft.com/office/drawing/2014/main" id="{34BC439E-46D1-4D3A-A747-099A225EED85}"/>
-              </a:ext>
-            </a:extLst>
-          </p:cNvPr>
-          <p:cNvSpPr txBox="1"/>
-          <p:nvPr/>
-        </p:nvSpPr>
-        <p:spPr>
-          <a:xfrm>
-            <a:off x="-47705" y="1371837"/>
-            <a:ext cx="1098565" cy="923330"/>
-          </a:xfrm>
-          <a:prstGeom prst="rect">
-            <a:avLst/>
-          </a:prstGeom>
-          <a:noFill/>
-        </p:spPr>
-        <p:txBody>
-          <a:bodyPr wrap="square" rtlCol="0">
-            <a:spAutoFit/>
-          </a:bodyPr>
-          <a:lstStyle/>
-          <a:p>
-            <a:pPr algn="r"/>
-            <a:r>
-              <a:rPr lang="en-US" i="1" noProof="1"/>
-              <a:t>a billing code and its rules</a:t>
-            </a:r>
-          </a:p>
-        </p:txBody>
-      </p:sp>
-      <p:sp>
-        <p:nvSpPr>
-          <p:cNvPr id="50" name="ZoneTexte 49">
-            <a:extLst>
-              <a:ext uri="{FF2B5EF4-FFF2-40B4-BE49-F238E27FC236}">
-                <a16:creationId xmlns:a16="http://schemas.microsoft.com/office/drawing/2014/main" id="{8B1414DC-932C-4FB2-A682-250462EEBE39}"/>
-              </a:ext>
-            </a:extLst>
-          </p:cNvPr>
-          <p:cNvSpPr txBox="1"/>
-          <p:nvPr/>
-        </p:nvSpPr>
-        <p:spPr>
-          <a:xfrm>
-            <a:off x="5282271" y="5719460"/>
-            <a:ext cx="3938309" cy="369332"/>
-          </a:xfrm>
-          <a:prstGeom prst="rect">
-            <a:avLst/>
-          </a:prstGeom>
-          <a:noFill/>
-        </p:spPr>
-        <p:txBody>
-          <a:bodyPr wrap="square" rtlCol="0">
-            <a:spAutoFit/>
-          </a:bodyPr>
-          <a:lstStyle>
-            <a:defPPr>
-              <a:defRPr lang="fr-FR"/>
-            </a:defPPr>
-            <a:lvl1pPr>
-              <a:defRPr>
-                <a:solidFill>
-                  <a:schemeClr val="accent1">
-                    <a:lumMod val="60000"/>
-                    <a:lumOff val="40000"/>
-                  </a:schemeClr>
-                </a:solidFill>
-              </a:defRPr>
-            </a:lvl1pPr>
-          </a:lstStyle>
-          <a:p>
-            <a:pPr algn="ctr"/>
-            <a:r>
-              <a:rPr lang="en-US" i="1" noProof="1">
-                <a:solidFill>
-                  <a:schemeClr val="tx1"/>
-                </a:solidFill>
-              </a:rPr>
-              <a:t>valid|normal|abnormal|critical values</a:t>
-            </a:r>
-          </a:p>
-        </p:txBody>
-      </p:sp>
-      <p:cxnSp>
-        <p:nvCxnSpPr>
-          <p:cNvPr id="59" name="Connecteur : en angle 58">
-            <a:extLst>
-              <a:ext uri="{FF2B5EF4-FFF2-40B4-BE49-F238E27FC236}">
-                <a16:creationId xmlns:a16="http://schemas.microsoft.com/office/drawing/2014/main" id="{CEC98B57-A84A-4965-8F1C-9AD5C1F66F68}"/>
-              </a:ext>
-            </a:extLst>
-          </p:cNvPr>
-          <p:cNvCxnSpPr>
-            <a:cxnSpLocks/>
-          </p:cNvCxnSpPr>
-          <p:nvPr/>
-        </p:nvCxnSpPr>
-        <p:spPr>
-          <a:xfrm flipH="1" flipV="1">
-            <a:off x="8302413" y="1468610"/>
-            <a:ext cx="20166" cy="234943"/>
-          </a:xfrm>
-          <a:prstGeom prst="bentConnector3">
-            <a:avLst>
-              <a:gd name="adj1" fmla="val -1133591"/>
-            </a:avLst>
-          </a:prstGeom>
-          <a:ln w="28575">
-            <a:headEnd type="arrow" w="med" len="med"/>
-            <a:tailEnd type="none" w="med" len="med"/>
-          </a:ln>
-        </p:spPr>
-        <p:style>
-          <a:lnRef idx="1">
-            <a:schemeClr val="accent1"/>
-          </a:lnRef>
-          <a:fillRef idx="0">
-            <a:schemeClr val="accent1"/>
-          </a:fillRef>
-          <a:effectRef idx="0">
-            <a:schemeClr val="accent1"/>
-          </a:effectRef>
-          <a:fontRef idx="minor">
-            <a:schemeClr val="tx1"/>
-          </a:fontRef>
-        </p:style>
-      </p:cxnSp>
-      <p:sp>
-        <p:nvSpPr>
-          <p:cNvPr id="61" name="ZoneTexte 60">
-            <a:extLst>
-              <a:ext uri="{FF2B5EF4-FFF2-40B4-BE49-F238E27FC236}">
-                <a16:creationId xmlns:a16="http://schemas.microsoft.com/office/drawing/2014/main" id="{F15FD08A-EE01-41B9-A74C-D190D9D0CE08}"/>
-              </a:ext>
-            </a:extLst>
-          </p:cNvPr>
-          <p:cNvSpPr txBox="1"/>
-          <p:nvPr/>
-        </p:nvSpPr>
-        <p:spPr>
-          <a:xfrm>
-            <a:off x="8365057" y="1641631"/>
-            <a:ext cx="563730" cy="338554"/>
-          </a:xfrm>
-          <a:prstGeom prst="rect">
-            <a:avLst/>
-          </a:prstGeom>
-          <a:noFill/>
-        </p:spPr>
-        <p:txBody>
-          <a:bodyPr wrap="square" rtlCol="0">
-            <a:spAutoFit/>
-          </a:bodyPr>
-          <a:lstStyle/>
-          <a:p>
-            <a:r>
-              <a:rPr lang="en-US" sz="1600" noProof="1"/>
-              <a:t>0..*</a:t>
-            </a:r>
-          </a:p>
-        </p:txBody>
-      </p:sp>
-      <p:sp>
-        <p:nvSpPr>
-          <p:cNvPr id="6" name="Rectangle 5">
-            <a:extLst>
-              <a:ext uri="{FF2B5EF4-FFF2-40B4-BE49-F238E27FC236}">
-                <a16:creationId xmlns:a16="http://schemas.microsoft.com/office/drawing/2014/main" id="{1C6DDBC5-A792-48D7-9DEB-B008187D51FB}"/>
+              <a:t>Profile of ObservationDefinition</a:t>
+            </a:r>
+          </a:p>
+        </p:txBody>
+      </p:sp>
+      <p:sp>
+        <p:nvSpPr>
+          <p:cNvPr id="55" name="Rectangle 54">
+            <a:extLst>
+              <a:ext uri="{FF2B5EF4-FFF2-40B4-BE49-F238E27FC236}">
+                <a16:creationId xmlns:a16="http://schemas.microsoft.com/office/drawing/2014/main" id="{8661556E-21ED-4FDD-8387-069647701921}"/>
               </a:ext>
             </a:extLst>
           </p:cNvPr>
@@ -5850,349 +7795,8 @@
         </p:nvSpPr>
         <p:spPr>
           <a:xfrm>
-            <a:off x="8570910" y="1401415"/>
-            <a:ext cx="2243306" cy="338554"/>
-          </a:xfrm>
-          <a:prstGeom prst="rect">
-            <a:avLst/>
-          </a:prstGeom>
-        </p:spPr>
-        <p:txBody>
-          <a:bodyPr wrap="none">
-            <a:spAutoFit/>
-          </a:bodyPr>
-          <a:lstStyle/>
-          <a:p>
-            <a:r>
-              <a:rPr lang="en-US" sz="1600" noProof="1">
-                <a:solidFill>
-                  <a:schemeClr val="tx1">
-                    <a:lumMod val="50000"/>
-                    <a:lumOff val="50000"/>
-                  </a:schemeClr>
-                </a:solidFill>
-              </a:rPr>
-              <a:t>relatedArtifact (</a:t>
-            </a:r>
-            <a:r>
-              <a:rPr lang="en-US" sz="1600" i="1" noProof="1">
-                <a:solidFill>
-                  <a:schemeClr val="accent6">
-                    <a:lumMod val="75000"/>
-                  </a:schemeClr>
-                </a:solidFill>
-              </a:rPr>
-              <a:t>Includes</a:t>
-            </a:r>
-            <a:r>
-              <a:rPr lang="en-US" sz="1600" noProof="1">
-                <a:solidFill>
-                  <a:schemeClr val="tx1">
-                    <a:lumMod val="50000"/>
-                    <a:lumOff val="50000"/>
-                  </a:schemeClr>
-                </a:solidFill>
-              </a:rPr>
-              <a:t>)</a:t>
-            </a:r>
-          </a:p>
-        </p:txBody>
-      </p:sp>
-      <p:sp>
-        <p:nvSpPr>
-          <p:cNvPr id="53" name="Rectangle 52">
-            <a:extLst>
-              <a:ext uri="{FF2B5EF4-FFF2-40B4-BE49-F238E27FC236}">
-                <a16:creationId xmlns:a16="http://schemas.microsoft.com/office/drawing/2014/main" id="{F537AED2-9E97-485C-A84E-51BF2306A00D}"/>
-              </a:ext>
-            </a:extLst>
-          </p:cNvPr>
-          <p:cNvSpPr/>
-          <p:nvPr/>
-        </p:nvSpPr>
-        <p:spPr>
-          <a:xfrm>
-            <a:off x="8165543" y="1916567"/>
-            <a:ext cx="143498" cy="164249"/>
-          </a:xfrm>
-          <a:prstGeom prst="rect">
-            <a:avLst/>
-          </a:prstGeom>
-        </p:spPr>
-        <p:style>
-          <a:lnRef idx="2">
-            <a:schemeClr val="accent1">
-              <a:shade val="50000"/>
-            </a:schemeClr>
-          </a:lnRef>
-          <a:fillRef idx="1">
-            <a:schemeClr val="accent1"/>
-          </a:fillRef>
-          <a:effectRef idx="0">
-            <a:schemeClr val="accent1"/>
-          </a:effectRef>
-          <a:fontRef idx="minor">
-            <a:schemeClr val="lt1"/>
-          </a:fontRef>
-        </p:style>
-        <p:txBody>
-          <a:bodyPr rtlCol="0" anchor="ctr"/>
-          <a:lstStyle/>
-          <a:p>
-            <a:pPr algn="ctr"/>
-            <a:endParaRPr lang="fr-FR"/>
-          </a:p>
-        </p:txBody>
-      </p:sp>
-      <p:sp>
-        <p:nvSpPr>
-          <p:cNvPr id="62" name="Rectangle 61">
-            <a:extLst>
-              <a:ext uri="{FF2B5EF4-FFF2-40B4-BE49-F238E27FC236}">
-                <a16:creationId xmlns:a16="http://schemas.microsoft.com/office/drawing/2014/main" id="{CC06C13B-AAED-42D3-AC8E-E9010DD2A1F9}"/>
-              </a:ext>
-            </a:extLst>
-          </p:cNvPr>
-          <p:cNvSpPr/>
-          <p:nvPr/>
-        </p:nvSpPr>
-        <p:spPr>
-          <a:xfrm>
-            <a:off x="7981898" y="2073490"/>
-            <a:ext cx="340999" cy="195582"/>
-          </a:xfrm>
-          <a:prstGeom prst="rect">
-            <a:avLst/>
-          </a:prstGeom>
-        </p:spPr>
-        <p:style>
-          <a:lnRef idx="2">
-            <a:schemeClr val="accent1">
-              <a:shade val="50000"/>
-            </a:schemeClr>
-          </a:lnRef>
-          <a:fillRef idx="1">
-            <a:schemeClr val="accent1"/>
-          </a:fillRef>
-          <a:effectRef idx="0">
-            <a:schemeClr val="accent1"/>
-          </a:effectRef>
-          <a:fontRef idx="minor">
-            <a:schemeClr val="lt1"/>
-          </a:fontRef>
-        </p:style>
-        <p:txBody>
-          <a:bodyPr rtlCol="0" anchor="ctr"/>
-          <a:lstStyle/>
-          <a:p>
-            <a:pPr algn="ctr"/>
-            <a:endParaRPr lang="fr-FR"/>
-          </a:p>
-        </p:txBody>
-      </p:sp>
-      <p:cxnSp>
-        <p:nvCxnSpPr>
-          <p:cNvPr id="64" name="Connecteur : en angle 63">
-            <a:extLst>
-              <a:ext uri="{FF2B5EF4-FFF2-40B4-BE49-F238E27FC236}">
-                <a16:creationId xmlns:a16="http://schemas.microsoft.com/office/drawing/2014/main" id="{3335D043-C903-4BE8-AD2D-90AB3E5DD599}"/>
-              </a:ext>
-            </a:extLst>
-          </p:cNvPr>
-          <p:cNvCxnSpPr>
-            <a:cxnSpLocks/>
-          </p:cNvCxnSpPr>
-          <p:nvPr/>
-        </p:nvCxnSpPr>
-        <p:spPr>
-          <a:xfrm flipH="1" flipV="1">
-            <a:off x="8302415" y="1998692"/>
-            <a:ext cx="13856" cy="218971"/>
-          </a:xfrm>
-          <a:prstGeom prst="bentConnector3">
-            <a:avLst>
-              <a:gd name="adj1" fmla="val -1649827"/>
-            </a:avLst>
-          </a:prstGeom>
-          <a:ln w="28575">
-            <a:headEnd type="arrow" w="med" len="med"/>
-            <a:tailEnd type="none" w="med" len="med"/>
-          </a:ln>
-        </p:spPr>
-        <p:style>
-          <a:lnRef idx="1">
-            <a:schemeClr val="accent1"/>
-          </a:lnRef>
-          <a:fillRef idx="0">
-            <a:schemeClr val="accent1"/>
-          </a:fillRef>
-          <a:effectRef idx="0">
-            <a:schemeClr val="accent1"/>
-          </a:effectRef>
-          <a:fontRef idx="minor">
-            <a:schemeClr val="tx1"/>
-          </a:fontRef>
-        </p:style>
-      </p:cxnSp>
-      <p:sp>
-        <p:nvSpPr>
-          <p:cNvPr id="65" name="ZoneTexte 64">
-            <a:extLst>
-              <a:ext uri="{FF2B5EF4-FFF2-40B4-BE49-F238E27FC236}">
-                <a16:creationId xmlns:a16="http://schemas.microsoft.com/office/drawing/2014/main" id="{A0A89A95-A588-46F5-BA0F-55DBADAB29F5}"/>
-              </a:ext>
-            </a:extLst>
-          </p:cNvPr>
-          <p:cNvSpPr txBox="1"/>
-          <p:nvPr/>
-        </p:nvSpPr>
-        <p:spPr>
-          <a:xfrm>
-            <a:off x="8365057" y="2204843"/>
-            <a:ext cx="523976" cy="338554"/>
-          </a:xfrm>
-          <a:prstGeom prst="rect">
-            <a:avLst/>
-          </a:prstGeom>
-          <a:noFill/>
-        </p:spPr>
-        <p:txBody>
-          <a:bodyPr wrap="square" rtlCol="0">
-            <a:spAutoFit/>
-          </a:bodyPr>
-          <a:lstStyle/>
-          <a:p>
-            <a:r>
-              <a:rPr lang="en-US" sz="1600" noProof="1"/>
-              <a:t>0..*</a:t>
-            </a:r>
-          </a:p>
-        </p:txBody>
-      </p:sp>
-      <p:sp>
-        <p:nvSpPr>
-          <p:cNvPr id="66" name="Rectangle 65">
-            <a:extLst>
-              <a:ext uri="{FF2B5EF4-FFF2-40B4-BE49-F238E27FC236}">
-                <a16:creationId xmlns:a16="http://schemas.microsoft.com/office/drawing/2014/main" id="{A75549AC-A1E5-42FF-B36C-5EA2320DE11D}"/>
-              </a:ext>
-            </a:extLst>
-          </p:cNvPr>
-          <p:cNvSpPr/>
-          <p:nvPr/>
-        </p:nvSpPr>
-        <p:spPr>
-          <a:xfrm>
-            <a:off x="8559167" y="1944816"/>
-            <a:ext cx="2649187" cy="338554"/>
-          </a:xfrm>
-          <a:prstGeom prst="rect">
-            <a:avLst/>
-          </a:prstGeom>
-        </p:spPr>
-        <p:txBody>
-          <a:bodyPr wrap="none">
-            <a:spAutoFit/>
-          </a:bodyPr>
-          <a:lstStyle/>
-          <a:p>
-            <a:r>
-              <a:rPr lang="en-US" sz="1600" noProof="1">
-                <a:solidFill>
-                  <a:schemeClr val="tx1">
-                    <a:lumMod val="50000"/>
-                    <a:lumOff val="50000"/>
-                  </a:schemeClr>
-                </a:solidFill>
-              </a:rPr>
-              <a:t>relatedArtifact (</a:t>
-            </a:r>
-            <a:r>
-              <a:rPr lang="en-US" sz="1600" i="1" noProof="1">
-                <a:solidFill>
-                  <a:schemeClr val="accent6">
-                    <a:lumMod val="75000"/>
-                  </a:schemeClr>
-                </a:solidFill>
-              </a:rPr>
-              <a:t>IsReplacedBy</a:t>
-            </a:r>
-            <a:r>
-              <a:rPr lang="en-US" sz="1600" noProof="1">
-                <a:solidFill>
-                  <a:schemeClr val="tx1">
-                    <a:lumMod val="50000"/>
-                    <a:lumOff val="50000"/>
-                  </a:schemeClr>
-                </a:solidFill>
-              </a:rPr>
-              <a:t>)</a:t>
-            </a:r>
-          </a:p>
-        </p:txBody>
-      </p:sp>
-      <p:sp>
-        <p:nvSpPr>
-          <p:cNvPr id="13" name="Rectangle 12">
-            <a:extLst>
-              <a:ext uri="{FF2B5EF4-FFF2-40B4-BE49-F238E27FC236}">
-                <a16:creationId xmlns:a16="http://schemas.microsoft.com/office/drawing/2014/main" id="{1C72EAEF-6D83-49DD-98E1-F0B22E4F5A26}"/>
-              </a:ext>
-            </a:extLst>
-          </p:cNvPr>
-          <p:cNvSpPr/>
-          <p:nvPr/>
-        </p:nvSpPr>
-        <p:spPr>
-          <a:xfrm>
-            <a:off x="6172610" y="2084345"/>
-            <a:ext cx="283614" cy="235165"/>
-          </a:xfrm>
-          <a:prstGeom prst="rect">
-            <a:avLst/>
-          </a:prstGeom>
-        </p:spPr>
-        <p:style>
-          <a:lnRef idx="2">
-            <a:schemeClr val="accent1">
-              <a:shade val="50000"/>
-            </a:schemeClr>
-          </a:lnRef>
-          <a:fillRef idx="1">
-            <a:schemeClr val="accent1"/>
-          </a:fillRef>
-          <a:effectRef idx="0">
-            <a:schemeClr val="accent1"/>
-          </a:effectRef>
-          <a:fontRef idx="minor">
-            <a:schemeClr val="lt1"/>
-          </a:fontRef>
-        </p:style>
-        <p:txBody>
-          <a:bodyPr rtlCol="0" anchor="ctr"/>
-          <a:lstStyle/>
-          <a:p>
-            <a:pPr algn="ctr"/>
-            <a:endParaRPr lang="fr-FR"/>
-          </a:p>
-        </p:txBody>
-      </p:sp>
-      <p:sp>
-        <p:nvSpPr>
-          <p:cNvPr id="56" name="Rectangle 55">
-            <a:extLst>
-              <a:ext uri="{FF2B5EF4-FFF2-40B4-BE49-F238E27FC236}">
-                <a16:creationId xmlns:a16="http://schemas.microsoft.com/office/drawing/2014/main" id="{F6F11366-8458-4112-A323-141BA159FFFC}"/>
-              </a:ext>
-            </a:extLst>
-          </p:cNvPr>
-          <p:cNvSpPr/>
-          <p:nvPr/>
-        </p:nvSpPr>
-        <p:spPr>
-          <a:xfrm>
-            <a:off x="1297711" y="2626533"/>
-            <a:ext cx="2591005" cy="975425"/>
+            <a:off x="4923642" y="7157348"/>
+            <a:ext cx="1671169" cy="621274"/>
           </a:xfrm>
           <a:prstGeom prst="rect">
             <a:avLst/>
@@ -6225,7 +7829,7 @@
             <a:noFill/>
           </a:ln>
           <a:effectLst>
-            <a:glow rad="139700">
+            <a:glow rad="63500">
               <a:schemeClr val="accent1">
                 <a:satMod val="175000"/>
                 <a:alpha val="40000"/>
@@ -6255,232 +7859,27 @@
           <a:p>
             <a:pPr algn="ctr"/>
             <a:r>
-              <a:rPr lang="en-US" noProof="1">
+              <a:rPr lang="en-US" sz="1013" noProof="1">
                 <a:solidFill>
                   <a:srgbClr val="FFFF00"/>
                 </a:solidFill>
               </a:rPr>
-              <a:t>LabSpecimenDefinition</a:t>
+              <a:t>LabObservationDefinition</a:t>
             </a:r>
           </a:p>
           <a:p>
             <a:pPr algn="ctr"/>
             <a:r>
-              <a:rPr lang="en-US" noProof="1">
-                <a:solidFill>
-                  <a:schemeClr val="bg1"/>
-                </a:solidFill>
-              </a:rPr>
-              <a:t>Profile of </a:t>
-            </a:r>
-            <a:r>
-              <a:rPr lang="en-US" sz="2200" noProof="1">
+              <a:rPr lang="en-US" sz="1013" noProof="1">
                 <a:solidFill>
                   <a:srgbClr val="FFFF00"/>
                 </a:solidFill>
               </a:rPr>
-              <a:t>SpecimenDefinition</a:t>
-            </a:r>
-          </a:p>
-        </p:txBody>
-      </p:sp>
-      <p:sp>
-        <p:nvSpPr>
-          <p:cNvPr id="84" name="Rectangle 83">
-            <a:extLst>
-              <a:ext uri="{FF2B5EF4-FFF2-40B4-BE49-F238E27FC236}">
-                <a16:creationId xmlns:a16="http://schemas.microsoft.com/office/drawing/2014/main" id="{0C6BEAAE-84AD-4EA9-8750-21ACC1178B80}"/>
-              </a:ext>
-            </a:extLst>
-          </p:cNvPr>
-          <p:cNvSpPr/>
-          <p:nvPr/>
-        </p:nvSpPr>
-        <p:spPr>
-          <a:xfrm>
-            <a:off x="6165340" y="1726171"/>
-            <a:ext cx="283614" cy="235165"/>
-          </a:xfrm>
-          <a:prstGeom prst="rect">
-            <a:avLst/>
-          </a:prstGeom>
-        </p:spPr>
-        <p:style>
-          <a:lnRef idx="2">
-            <a:schemeClr val="accent1">
-              <a:shade val="50000"/>
-            </a:schemeClr>
-          </a:lnRef>
-          <a:fillRef idx="1">
-            <a:schemeClr val="accent1"/>
-          </a:fillRef>
-          <a:effectRef idx="0">
-            <a:schemeClr val="accent1"/>
-          </a:effectRef>
-          <a:fontRef idx="minor">
-            <a:schemeClr val="lt1"/>
-          </a:fontRef>
-        </p:style>
-        <p:txBody>
-          <a:bodyPr rtlCol="0" anchor="ctr"/>
-          <a:lstStyle/>
-          <a:p>
-            <a:pPr algn="ctr"/>
-            <a:endParaRPr lang="fr-FR"/>
-          </a:p>
-        </p:txBody>
-      </p:sp>
-      <p:sp>
-        <p:nvSpPr>
-          <p:cNvPr id="11" name="Rectangle 10">
-            <a:extLst>
-              <a:ext uri="{FF2B5EF4-FFF2-40B4-BE49-F238E27FC236}">
-                <a16:creationId xmlns:a16="http://schemas.microsoft.com/office/drawing/2014/main" id="{E2B1908B-CC45-41BD-BE20-7F25C0BD8D17}"/>
-              </a:ext>
-            </a:extLst>
-          </p:cNvPr>
-          <p:cNvSpPr/>
-          <p:nvPr/>
-        </p:nvSpPr>
-        <p:spPr>
-          <a:xfrm>
-            <a:off x="6148057" y="1380783"/>
-            <a:ext cx="2192448" cy="948944"/>
-          </a:xfrm>
-          <a:prstGeom prst="rect">
-            <a:avLst/>
-          </a:prstGeom>
-          <a:gradFill flip="none" rotWithShape="1">
-            <a:gsLst>
-              <a:gs pos="0">
-                <a:schemeClr val="accent1">
-                  <a:shade val="30000"/>
-                  <a:satMod val="115000"/>
-                </a:schemeClr>
-              </a:gs>
-              <a:gs pos="50000">
-                <a:schemeClr val="accent1">
-                  <a:shade val="67500"/>
-                  <a:satMod val="115000"/>
-                </a:schemeClr>
-              </a:gs>
-              <a:gs pos="100000">
-                <a:schemeClr val="accent1">
-                  <a:shade val="100000"/>
-                  <a:satMod val="115000"/>
-                </a:schemeClr>
-              </a:gs>
-            </a:gsLst>
-            <a:lin ang="0" scaled="1"/>
-            <a:tileRect/>
-          </a:gradFill>
-          <a:ln>
-            <a:noFill/>
-          </a:ln>
-          <a:effectLst>
-            <a:glow rad="139700">
-              <a:schemeClr val="accent1">
-                <a:satMod val="175000"/>
-                <a:alpha val="40000"/>
-              </a:schemeClr>
-            </a:glow>
-          </a:effectLst>
-        </p:spPr>
-        <p:style>
-          <a:lnRef idx="2">
-            <a:schemeClr val="accent1">
-              <a:shade val="50000"/>
-            </a:schemeClr>
-          </a:lnRef>
-          <a:fillRef idx="1">
-            <a:schemeClr val="accent1"/>
-          </a:fillRef>
-          <a:effectRef idx="0">
-            <a:schemeClr val="accent1"/>
-          </a:effectRef>
-          <a:fontRef idx="minor">
-            <a:schemeClr val="lt1"/>
-          </a:fontRef>
-        </p:style>
-        <p:txBody>
-          <a:bodyPr rtlCol="0" anchor="ctr"/>
-          <a:lstStyle/>
-          <a:p>
-            <a:pPr algn="ctr"/>
-            <a:r>
-              <a:rPr lang="en-US" noProof="1">
-                <a:solidFill>
-                  <a:srgbClr val="FFFF00"/>
-                </a:solidFill>
-              </a:rPr>
-              <a:t>LabServiceDefinition</a:t>
-            </a:r>
-          </a:p>
-          <a:p>
-            <a:pPr algn="ctr"/>
-            <a:r>
-              <a:rPr lang="en-US" noProof="1">
-                <a:solidFill>
-                  <a:schemeClr val="bg1"/>
-                </a:solidFill>
-              </a:rPr>
-              <a:t>Profile of </a:t>
-            </a:r>
-            <a:r>
-              <a:rPr lang="en-US" sz="2200" noProof="1">
-                <a:solidFill>
-                  <a:srgbClr val="FFFF00"/>
-                </a:solidFill>
-              </a:rPr>
-              <a:t>PlanDefinition</a:t>
-            </a:r>
-          </a:p>
-        </p:txBody>
-      </p:sp>
-      <p:cxnSp>
-        <p:nvCxnSpPr>
-          <p:cNvPr id="86" name="Connecteur : en angle 85">
-            <a:extLst>
-              <a:ext uri="{FF2B5EF4-FFF2-40B4-BE49-F238E27FC236}">
-                <a16:creationId xmlns:a16="http://schemas.microsoft.com/office/drawing/2014/main" id="{B5C3B02D-3738-4164-AFEF-95348B20873E}"/>
-              </a:ext>
-            </a:extLst>
-          </p:cNvPr>
-          <p:cNvCxnSpPr>
-            <a:cxnSpLocks/>
-            <a:stCxn id="46" idx="1"/>
-            <a:endCxn id="54" idx="0"/>
-          </p:cNvCxnSpPr>
-          <p:nvPr/>
-        </p:nvCxnSpPr>
-        <p:spPr>
-          <a:xfrm rot="10800000" flipV="1">
-            <a:off x="5205777" y="3852244"/>
-            <a:ext cx="790833" cy="833260"/>
-          </a:xfrm>
-          <a:prstGeom prst="bentConnector2">
-            <a:avLst/>
-          </a:prstGeom>
-          <a:ln w="19050">
-            <a:headEnd type="none" w="med" len="med"/>
-            <a:tailEnd type="arrow" w="med" len="med"/>
-          </a:ln>
-        </p:spPr>
-        <p:style>
-          <a:lnRef idx="1">
-            <a:schemeClr val="accent1"/>
-          </a:lnRef>
-          <a:fillRef idx="0">
-            <a:schemeClr val="accent1"/>
-          </a:fillRef>
-          <a:effectRef idx="0">
-            <a:schemeClr val="accent1"/>
-          </a:effectRef>
-          <a:fontRef idx="minor">
-            <a:schemeClr val="tx1"/>
-          </a:fontRef>
-        </p:style>
-      </p:cxnSp>
+              <a:t>Profile of ObservationDefinition</a:t>
+            </a:r>
+          </a:p>
+        </p:txBody>
+      </p:sp>
     </p:spTree>
     <p:extLst>
       <p:ext uri="{BB962C8B-B14F-4D97-AF65-F5344CB8AC3E}">
@@ -6497,7 +7896,7 @@
 <file path=ppt/theme/theme1.xml><?xml version="1.0" encoding="utf-8"?>
 <a:theme xmlns:a="http://schemas.openxmlformats.org/drawingml/2006/main" name="Thème Office">
   <a:themeElements>
-    <a:clrScheme name="Office">
+    <a:clrScheme name="Thème Office">
       <a:dk1>
         <a:sysClr val="windowText" lastClr="000000"/>
       </a:dk1>
@@ -6535,7 +7934,7 @@
         <a:srgbClr val="954F72"/>
       </a:folHlink>
     </a:clrScheme>
-    <a:fontScheme name="Office">
+    <a:fontScheme name="Thème Office">
       <a:majorFont>
         <a:latin typeface="Calibri Light" panose="020F0302020204030204"/>
         <a:ea typeface=""/>
@@ -6570,23 +7969,6 @@
         <a:font script="Viet" typeface="Times New Roman"/>
         <a:font script="Uigh" typeface="Microsoft Uighur"/>
         <a:font script="Geor" typeface="Sylfaen"/>
-        <a:font script="Armn" typeface="Arial"/>
-        <a:font script="Bugi" typeface="Leelawadee UI"/>
-        <a:font script="Bopo" typeface="Microsoft JhengHei"/>
-        <a:font script="Java" typeface="Javanese Text"/>
-        <a:font script="Lisu" typeface="Segoe UI"/>
-        <a:font script="Mymr" typeface="Myanmar Text"/>
-        <a:font script="Nkoo" typeface="Ebrima"/>
-        <a:font script="Olck" typeface="Nirmala UI"/>
-        <a:font script="Osma" typeface="Ebrima"/>
-        <a:font script="Phag" typeface="Phagspa"/>
-        <a:font script="Syrn" typeface="Estrangelo Edessa"/>
-        <a:font script="Syrj" typeface="Estrangelo Edessa"/>
-        <a:font script="Syre" typeface="Estrangelo Edessa"/>
-        <a:font script="Sora" typeface="Nirmala UI"/>
-        <a:font script="Tale" typeface="Microsoft Tai Le"/>
-        <a:font script="Talu" typeface="Microsoft New Tai Lue"/>
-        <a:font script="Tfng" typeface="Ebrima"/>
       </a:majorFont>
       <a:minorFont>
         <a:latin typeface="Calibri" panose="020F0502020204030204"/>
@@ -6622,26 +8004,9 @@
         <a:font script="Viet" typeface="Arial"/>
         <a:font script="Uigh" typeface="Microsoft Uighur"/>
         <a:font script="Geor" typeface="Sylfaen"/>
-        <a:font script="Armn" typeface="Arial"/>
-        <a:font script="Bugi" typeface="Leelawadee UI"/>
-        <a:font script="Bopo" typeface="Microsoft JhengHei"/>
-        <a:font script="Java" typeface="Javanese Text"/>
-        <a:font script="Lisu" typeface="Segoe UI"/>
-        <a:font script="Mymr" typeface="Myanmar Text"/>
-        <a:font script="Nkoo" typeface="Ebrima"/>
-        <a:font script="Olck" typeface="Nirmala UI"/>
-        <a:font script="Osma" typeface="Ebrima"/>
-        <a:font script="Phag" typeface="Phagspa"/>
-        <a:font script="Syrn" typeface="Estrangelo Edessa"/>
-        <a:font script="Syrj" typeface="Estrangelo Edessa"/>
-        <a:font script="Syre" typeface="Estrangelo Edessa"/>
-        <a:font script="Sora" typeface="Nirmala UI"/>
-        <a:font script="Tale" typeface="Microsoft Tai Le"/>
-        <a:font script="Talu" typeface="Microsoft New Tai Lue"/>
-        <a:font script="Tfng" typeface="Ebrima"/>
       </a:minorFont>
     </a:fontScheme>
-    <a:fmtScheme name="Office">
+    <a:fmtScheme name="Thème Office">
       <a:fillStyleLst>
         <a:solidFill>
           <a:schemeClr val="phClr"/>

--- a/input/images-source/LabCompendium.pptx
+++ b/input/images-source/LabCompendium.pptx
@@ -197,7 +197,7 @@
           <a:p>
             <a:fld id="{C0FC2EA5-DDD9-41B5-A743-573E81829967}" type="datetimeFigureOut">
               <a:rPr lang="fr-FR" smtClean="0"/>
-              <a:t>18/11/2020</a:t>
+              <a:t>19/08/2021</a:t>
             </a:fld>
             <a:endParaRPr lang="fr-FR"/>
           </a:p>
@@ -684,7 +684,7 @@
           <a:p>
             <a:fld id="{DEBA1CB3-45B4-4365-8A01-D60AF6EBF46C}" type="datetimeFigureOut">
               <a:rPr lang="fr-FR" smtClean="0"/>
-              <a:t>18/11/2020</a:t>
+              <a:t>19/08/2021</a:t>
             </a:fld>
             <a:endParaRPr lang="fr-FR"/>
           </a:p>
@@ -854,7 +854,7 @@
           <a:p>
             <a:fld id="{DEBA1CB3-45B4-4365-8A01-D60AF6EBF46C}" type="datetimeFigureOut">
               <a:rPr lang="fr-FR" smtClean="0"/>
-              <a:t>18/11/2020</a:t>
+              <a:t>19/08/2021</a:t>
             </a:fld>
             <a:endParaRPr lang="fr-FR"/>
           </a:p>
@@ -1034,7 +1034,7 @@
           <a:p>
             <a:fld id="{DEBA1CB3-45B4-4365-8A01-D60AF6EBF46C}" type="datetimeFigureOut">
               <a:rPr lang="fr-FR" smtClean="0"/>
-              <a:t>18/11/2020</a:t>
+              <a:t>19/08/2021</a:t>
             </a:fld>
             <a:endParaRPr lang="fr-FR"/>
           </a:p>
@@ -1204,7 +1204,7 @@
           <a:p>
             <a:fld id="{DEBA1CB3-45B4-4365-8A01-D60AF6EBF46C}" type="datetimeFigureOut">
               <a:rPr lang="fr-FR" smtClean="0"/>
-              <a:t>18/11/2020</a:t>
+              <a:t>19/08/2021</a:t>
             </a:fld>
             <a:endParaRPr lang="fr-FR"/>
           </a:p>
@@ -1448,7 +1448,7 @@
           <a:p>
             <a:fld id="{DEBA1CB3-45B4-4365-8A01-D60AF6EBF46C}" type="datetimeFigureOut">
               <a:rPr lang="fr-FR" smtClean="0"/>
-              <a:t>18/11/2020</a:t>
+              <a:t>19/08/2021</a:t>
             </a:fld>
             <a:endParaRPr lang="fr-FR"/>
           </a:p>
@@ -1680,7 +1680,7 @@
           <a:p>
             <a:fld id="{DEBA1CB3-45B4-4365-8A01-D60AF6EBF46C}" type="datetimeFigureOut">
               <a:rPr lang="fr-FR" smtClean="0"/>
-              <a:t>18/11/2020</a:t>
+              <a:t>19/08/2021</a:t>
             </a:fld>
             <a:endParaRPr lang="fr-FR"/>
           </a:p>
@@ -2047,7 +2047,7 @@
           <a:p>
             <a:fld id="{DEBA1CB3-45B4-4365-8A01-D60AF6EBF46C}" type="datetimeFigureOut">
               <a:rPr lang="fr-FR" smtClean="0"/>
-              <a:t>18/11/2020</a:t>
+              <a:t>19/08/2021</a:t>
             </a:fld>
             <a:endParaRPr lang="fr-FR"/>
           </a:p>
@@ -2165,7 +2165,7 @@
           <a:p>
             <a:fld id="{DEBA1CB3-45B4-4365-8A01-D60AF6EBF46C}" type="datetimeFigureOut">
               <a:rPr lang="fr-FR" smtClean="0"/>
-              <a:t>18/11/2020</a:t>
+              <a:t>19/08/2021</a:t>
             </a:fld>
             <a:endParaRPr lang="fr-FR"/>
           </a:p>
@@ -2260,7 +2260,7 @@
           <a:p>
             <a:fld id="{DEBA1CB3-45B4-4365-8A01-D60AF6EBF46C}" type="datetimeFigureOut">
               <a:rPr lang="fr-FR" smtClean="0"/>
-              <a:t>18/11/2020</a:t>
+              <a:t>19/08/2021</a:t>
             </a:fld>
             <a:endParaRPr lang="fr-FR"/>
           </a:p>
@@ -2537,7 +2537,7 @@
           <a:p>
             <a:fld id="{DEBA1CB3-45B4-4365-8A01-D60AF6EBF46C}" type="datetimeFigureOut">
               <a:rPr lang="fr-FR" smtClean="0"/>
-              <a:t>18/11/2020</a:t>
+              <a:t>19/08/2021</a:t>
             </a:fld>
             <a:endParaRPr lang="fr-FR"/>
           </a:p>
@@ -2794,7 +2794,7 @@
           <a:p>
             <a:fld id="{DEBA1CB3-45B4-4365-8A01-D60AF6EBF46C}" type="datetimeFigureOut">
               <a:rPr lang="fr-FR" smtClean="0"/>
-              <a:t>18/11/2020</a:t>
+              <a:t>19/08/2021</a:t>
             </a:fld>
             <a:endParaRPr lang="fr-FR"/>
           </a:p>
@@ -3007,7 +3007,7 @@
           <a:p>
             <a:fld id="{DEBA1CB3-45B4-4365-8A01-D60AF6EBF46C}" type="datetimeFigureOut">
               <a:rPr lang="fr-FR" smtClean="0"/>
-              <a:t>18/11/2020</a:t>
+              <a:t>19/08/2021</a:t>
             </a:fld>
             <a:endParaRPr lang="fr-FR"/>
           </a:p>
@@ -3567,14 +3567,7 @@
           <a:ln>
             <a:noFill/>
           </a:ln>
-          <a:effectLst>
-            <a:glow rad="63500">
-              <a:schemeClr val="accent6">
-                <a:satMod val="175000"/>
-                <a:alpha val="40000"/>
-              </a:schemeClr>
-            </a:glow>
-          </a:effectLst>
+          <a:effectLst/>
         </p:spPr>
         <p:style>
           <a:lnRef idx="2">
@@ -3741,14 +3734,7 @@
           <a:ln>
             <a:noFill/>
           </a:ln>
-          <a:effectLst>
-            <a:glow rad="63500">
-              <a:schemeClr val="accent1">
-                <a:satMod val="175000"/>
-                <a:alpha val="40000"/>
-              </a:schemeClr>
-            </a:glow>
-          </a:effectLst>
+          <a:effectLst/>
         </p:spPr>
         <p:style>
           <a:lnRef idx="2">
@@ -4685,14 +4671,7 @@
           <a:ln>
             <a:noFill/>
           </a:ln>
-          <a:effectLst>
-            <a:glow rad="63500">
-              <a:schemeClr val="accent1">
-                <a:satMod val="175000"/>
-                <a:alpha val="40000"/>
-              </a:schemeClr>
-            </a:glow>
-          </a:effectLst>
+          <a:effectLst/>
         </p:spPr>
         <p:style>
           <a:lnRef idx="2">
@@ -5375,14 +5354,7 @@
           <a:ln>
             <a:noFill/>
           </a:ln>
-          <a:effectLst>
-            <a:glow rad="63500">
-              <a:schemeClr val="accent1">
-                <a:satMod val="175000"/>
-                <a:alpha val="40000"/>
-              </a:schemeClr>
-            </a:glow>
-          </a:effectLst>
+          <a:effectLst/>
         </p:spPr>
         <p:style>
           <a:lnRef idx="2">
@@ -5637,14 +5609,7 @@
           <a:ln>
             <a:noFill/>
           </a:ln>
-          <a:effectLst>
-            <a:glow rad="63500">
-              <a:schemeClr val="accent2">
-                <a:satMod val="175000"/>
-                <a:alpha val="40000"/>
-              </a:schemeClr>
-            </a:glow>
-          </a:effectLst>
+          <a:effectLst/>
         </p:spPr>
         <p:style>
           <a:lnRef idx="2">
@@ -5850,14 +5815,7 @@
           <a:ln>
             <a:noFill/>
           </a:ln>
-          <a:effectLst>
-            <a:glow rad="63500">
-              <a:schemeClr val="accent1">
-                <a:satMod val="175000"/>
-                <a:alpha val="40000"/>
-              </a:schemeClr>
-            </a:glow>
-          </a:effectLst>
+          <a:effectLst/>
         </p:spPr>
         <p:style>
           <a:lnRef idx="2">
@@ -7630,14 +7588,7 @@
           <a:ln>
             <a:noFill/>
           </a:ln>
-          <a:effectLst>
-            <a:glow rad="63500">
-              <a:schemeClr val="accent1">
-                <a:satMod val="175000"/>
-                <a:alpha val="40000"/>
-              </a:schemeClr>
-            </a:glow>
-          </a:effectLst>
+          <a:effectLst/>
         </p:spPr>
         <p:style>
           <a:lnRef idx="2">
@@ -7729,14 +7680,7 @@
           <a:ln>
             <a:noFill/>
           </a:ln>
-          <a:effectLst>
-            <a:glow rad="63500">
-              <a:schemeClr val="accent1">
-                <a:satMod val="175000"/>
-                <a:alpha val="40000"/>
-              </a:schemeClr>
-            </a:glow>
-          </a:effectLst>
+          <a:effectLst/>
         </p:spPr>
         <p:style>
           <a:lnRef idx="2">
@@ -7828,14 +7772,7 @@
           <a:ln>
             <a:noFill/>
           </a:ln>
-          <a:effectLst>
-            <a:glow rad="63500">
-              <a:schemeClr val="accent1">
-                <a:satMod val="175000"/>
-                <a:alpha val="40000"/>
-              </a:schemeClr>
-            </a:glow>
-          </a:effectLst>
+          <a:effectLst/>
         </p:spPr>
         <p:style>
           <a:lnRef idx="2">
